--- a/api_plumber_slides.pptx
+++ b/api_plumber_slides.pptx
@@ -5,28 +5,35 @@
     <p:sldMasterId id="2147483648" r:id="rId1"/>
   </p:sldMasterIdLst>
   <p:notesMasterIdLst>
-    <p:notesMasterId r:id="rId21"/>
+    <p:notesMasterId r:id="rId28"/>
   </p:notesMasterIdLst>
   <p:sldIdLst>
-    <p:sldId id="275" r:id="rId2"/>
-    <p:sldId id="256" r:id="rId3"/>
+    <p:sldId id="256" r:id="rId2"/>
+    <p:sldId id="275" r:id="rId3"/>
     <p:sldId id="257" r:id="rId4"/>
     <p:sldId id="258" r:id="rId5"/>
-    <p:sldId id="271" r:id="rId6"/>
-    <p:sldId id="269" r:id="rId7"/>
-    <p:sldId id="268" r:id="rId8"/>
-    <p:sldId id="259" r:id="rId9"/>
-    <p:sldId id="267" r:id="rId10"/>
-    <p:sldId id="263" r:id="rId11"/>
-    <p:sldId id="261" r:id="rId12"/>
-    <p:sldId id="260" r:id="rId13"/>
-    <p:sldId id="265" r:id="rId14"/>
-    <p:sldId id="272" r:id="rId15"/>
-    <p:sldId id="262" r:id="rId16"/>
-    <p:sldId id="273" r:id="rId17"/>
-    <p:sldId id="274" r:id="rId18"/>
-    <p:sldId id="266" r:id="rId19"/>
-    <p:sldId id="264" r:id="rId20"/>
+    <p:sldId id="278" r:id="rId6"/>
+    <p:sldId id="271" r:id="rId7"/>
+    <p:sldId id="269" r:id="rId8"/>
+    <p:sldId id="268" r:id="rId9"/>
+    <p:sldId id="259" r:id="rId10"/>
+    <p:sldId id="267" r:id="rId11"/>
+    <p:sldId id="263" r:id="rId12"/>
+    <p:sldId id="276" r:id="rId13"/>
+    <p:sldId id="261" r:id="rId14"/>
+    <p:sldId id="277" r:id="rId15"/>
+    <p:sldId id="279" r:id="rId16"/>
+    <p:sldId id="260" r:id="rId17"/>
+    <p:sldId id="280" r:id="rId18"/>
+    <p:sldId id="265" r:id="rId19"/>
+    <p:sldId id="272" r:id="rId20"/>
+    <p:sldId id="262" r:id="rId21"/>
+    <p:sldId id="273" r:id="rId22"/>
+    <p:sldId id="274" r:id="rId23"/>
+    <p:sldId id="266" r:id="rId24"/>
+    <p:sldId id="282" r:id="rId25"/>
+    <p:sldId id="281" r:id="rId26"/>
+    <p:sldId id="264" r:id="rId27"/>
   </p:sldIdLst>
   <p:sldSz cx="12192000" cy="6858000"/>
   <p:notesSz cx="6858000" cy="9144000"/>
@@ -136,15 +143,20 @@
 <file path=ppt/revisionInfo.xml><?xml version="1.0" encoding="utf-8"?>
 <p1510:revInfo xmlns:a="http://schemas.openxmlformats.org/drawingml/2006/main" xmlns:r="http://schemas.openxmlformats.org/officeDocument/2006/relationships" xmlns:p1510="http://schemas.microsoft.com/office/powerpoint/2015/10/main">
   <p1510:revLst>
+    <p1510:client id="{1BADF389-3E21-9E96-AA2B-0D4DC69E0B90}" v="431" dt="2023-05-10T10:10:46.934"/>
     <p1510:client id="{2B293CC5-314F-1188-352B-5E65D95366C0}" v="48" dt="2022-02-02T18:55:46.434"/>
     <p1510:client id="{325A50D7-01C2-866D-4BD0-8538A847BAC0}" v="28" dt="2022-03-09T10:37:58.644"/>
     <p1510:client id="{3FB19D1E-E29F-B4CA-2EFF-C8A9A73C8F1B}" v="1386" dt="2021-12-10T18:19:20.895"/>
     <p1510:client id="{70B656DC-41E8-A276-BC00-B8540604BDDA}" v="533" dt="2022-02-07T17:23:31.660"/>
     <p1510:client id="{76672AFA-A4D2-551C-8B74-5CEEA6757AE7}" v="156" dt="2022-02-01T10:58:36.007"/>
+    <p1510:client id="{7FE68913-2D2A-1C91-B83B-5EDACDD63AB6}" v="265" dt="2023-05-09T16:23:01.931"/>
+    <p1510:client id="{80768E18-F317-E0C9-B1E2-0273AC0A880E}" v="1" dt="2023-05-11T08:30:24.332"/>
+    <p1510:client id="{8DEC24E3-CA5B-9AF6-141A-3A0A48E5889B}" v="336" dt="2023-05-09T16:58:06.192"/>
     <p1510:client id="{AB00F0DB-B0CD-912E-13FC-5C34C279F87C}" v="338" dt="2022-02-08T11:43:48.572"/>
     <p1510:client id="{BDEFB4B0-5556-75DA-C846-5A27B6176EAC}" v="114" dt="2021-12-13T11:32:54.922"/>
     <p1510:client id="{D3C465D4-25B2-7222-6B32-F4FEDDF9B137}" v="569" dt="2022-02-04T17:48:46.123"/>
     <p1510:client id="{E3CF4505-38C4-DDDF-AFD8-AC62CD1698B1}" v="85" dt="2022-02-02T12:25:34.932"/>
+    <p1510:client id="{F223DD96-62B8-041F-454E-011AC1CA6334}" v="742" dt="2023-05-10T15:31:04.826"/>
     <p1510:client id="{FB99E4F2-9D95-48EA-6912-E24E37766AB1}" v="311" dt="2021-12-08T13:54:41.209"/>
   </p1510:revLst>
 </p1510:revInfo>
@@ -232,7 +244,7 @@
           <a:p>
             <a:fld id="{6361535E-F864-4BF1-B6FD-CF4BB8FE907D}" type="datetimeFigureOut">
               <a:rPr lang="en-GB" smtClean="0"/>
-              <a:t>09/03/2022</a:t>
+              <a:t>11/05/2023</a:t>
             </a:fld>
             <a:endParaRPr lang="en-GB"/>
           </a:p>
@@ -546,10 +558,10 @@
           </a:lstStyle>
           <a:p>
             <a:r>
-              <a:rPr lang="en-US" dirty="0"/>
+              <a:rPr lang="en-US"/>
               <a:t>CLICK TO EDIT MASTER TITLE STYLE</a:t>
             </a:r>
-            <a:endParaRPr lang="en-GB" dirty="0"/>
+            <a:endParaRPr lang="en-GB"/>
           </a:p>
         </p:txBody>
       </p:sp>
@@ -618,7 +630,7 @@
               <a:rPr lang="en-US"/>
               <a:t>Click to edit Master subtitle style</a:t>
             </a:r>
-            <a:endParaRPr lang="en-GB" dirty="0"/>
+            <a:endParaRPr lang="en-GB"/>
           </a:p>
         </p:txBody>
       </p:sp>
@@ -654,7 +666,7 @@
           </a:lstStyle>
           <a:p>
             <a:r>
-              <a:rPr lang="en-GB" dirty="0"/>
+              <a:rPr lang="en-GB"/>
               <a:t>MSC HEALTH DATA SCIENCE</a:t>
             </a:r>
           </a:p>
@@ -1103,10 +1115,10 @@
           </a:lstStyle>
           <a:p>
             <a:r>
-              <a:rPr lang="en-US" dirty="0"/>
+              <a:rPr lang="en-US"/>
               <a:t>CLICK TO EDIT MASTER TITLE STYLE</a:t>
             </a:r>
-            <a:endParaRPr lang="en-GB" dirty="0"/>
+            <a:endParaRPr lang="en-GB"/>
           </a:p>
         </p:txBody>
       </p:sp>
@@ -1158,7 +1170,7 @@
               <a:rPr lang="en-US"/>
               <a:t>Fifth level</a:t>
             </a:r>
-            <a:endParaRPr lang="en-GB" dirty="0"/>
+            <a:endParaRPr lang="en-GB"/>
           </a:p>
         </p:txBody>
       </p:sp>
@@ -1197,7 +1209,7 @@
           <a:lstStyle/>
           <a:p>
             <a:r>
-              <a:rPr lang="en-GB" dirty="0"/>
+              <a:rPr lang="en-GB"/>
               <a:t>MSC HEALTH DATA SCIENCE</a:t>
             </a:r>
           </a:p>
@@ -1287,10 +1299,10 @@
           </a:lstStyle>
           <a:p>
             <a:r>
-              <a:rPr lang="en-US" dirty="0"/>
+              <a:rPr lang="en-US"/>
               <a:t>CLICK TO EDIT MASTER TITLE STYLE</a:t>
             </a:r>
-            <a:endParaRPr lang="en-GB" dirty="0"/>
+            <a:endParaRPr lang="en-GB"/>
           </a:p>
         </p:txBody>
       </p:sp>
@@ -1529,10 +1541,10 @@
           </a:lstStyle>
           <a:p>
             <a:r>
-              <a:rPr lang="en-US" dirty="0"/>
+              <a:rPr lang="en-US"/>
               <a:t>CLICK TO EDIT MASTER TITLE STYLE</a:t>
             </a:r>
-            <a:endParaRPr lang="en-GB" dirty="0"/>
+            <a:endParaRPr lang="en-GB"/>
           </a:p>
         </p:txBody>
       </p:sp>
@@ -1773,10 +1785,10 @@
           </a:lstStyle>
           <a:p>
             <a:r>
-              <a:rPr lang="en-US" dirty="0"/>
+              <a:rPr lang="en-US"/>
               <a:t>CLICK TO EDIT MASTER TITLE STYLE</a:t>
             </a:r>
-            <a:endParaRPr lang="en-GB" dirty="0"/>
+            <a:endParaRPr lang="en-GB"/>
           </a:p>
         </p:txBody>
       </p:sp>
@@ -2142,10 +2154,10 @@
           </a:lstStyle>
           <a:p>
             <a:r>
-              <a:rPr lang="en-US" dirty="0"/>
+              <a:rPr lang="en-US"/>
               <a:t>CLICK TO EDIT MASTER TITLE STYLE</a:t>
             </a:r>
-            <a:endParaRPr lang="en-GB" dirty="0"/>
+            <a:endParaRPr lang="en-GB"/>
           </a:p>
         </p:txBody>
       </p:sp>
@@ -2903,7 +2915,7 @@
               <a:rPr lang="en-US"/>
               <a:t>Click to edit Master title style</a:t>
             </a:r>
-            <a:endParaRPr lang="en-GB" dirty="0"/>
+            <a:endParaRPr lang="en-GB"/>
           </a:p>
         </p:txBody>
       </p:sp>
@@ -2934,38 +2946,38 @@
           <a:p>
             <a:pPr lvl="0"/>
             <a:r>
-              <a:rPr lang="en-US" dirty="0"/>
+              <a:rPr lang="en-US"/>
               <a:t>Edit Master text styles</a:t>
             </a:r>
           </a:p>
           <a:p>
             <a:pPr lvl="1"/>
             <a:r>
-              <a:rPr lang="en-US" dirty="0"/>
+              <a:rPr lang="en-US"/>
               <a:t>Second level</a:t>
             </a:r>
           </a:p>
           <a:p>
             <a:pPr lvl="2"/>
             <a:r>
-              <a:rPr lang="en-US" dirty="0"/>
+              <a:rPr lang="en-US"/>
               <a:t>Third level</a:t>
             </a:r>
           </a:p>
           <a:p>
             <a:pPr lvl="3"/>
             <a:r>
-              <a:rPr lang="en-US" dirty="0"/>
+              <a:rPr lang="en-US"/>
               <a:t>Fourth level</a:t>
             </a:r>
           </a:p>
           <a:p>
             <a:pPr lvl="4"/>
             <a:r>
-              <a:rPr lang="en-US" dirty="0"/>
+              <a:rPr lang="en-US"/>
               <a:t>Fifth level</a:t>
             </a:r>
-            <a:endParaRPr lang="en-GB" dirty="0"/>
+            <a:endParaRPr lang="en-GB"/>
           </a:p>
         </p:txBody>
       </p:sp>
@@ -3002,7 +3014,7 @@
             </a:lvl1pPr>
           </a:lstStyle>
           <a:p>
-            <a:endParaRPr lang="en-GB" dirty="0"/>
+            <a:endParaRPr lang="en-GB"/>
           </a:p>
         </p:txBody>
       </p:sp>
@@ -3038,7 +3050,7 @@
           </a:lstStyle>
           <a:p>
             <a:r>
-              <a:rPr lang="en-GB" dirty="0"/>
+              <a:rPr lang="en-GB"/>
               <a:t>MSC HEALTH DATA SCIENCE</a:t>
             </a:r>
           </a:p>
@@ -3078,7 +3090,7 @@
           </a:lstStyle>
           <a:p>
             <a:r>
-              <a:rPr lang="en-GB" dirty="0"/>
+              <a:rPr lang="en-GB"/>
               <a:t>|    </a:t>
             </a:r>
             <a:fld id="{FC59658C-DD7A-4587-BD02-DE6DA26F2584}" type="slidenum">
@@ -3086,7 +3098,7 @@
               <a:pPr/>
               <a:t>‹#›</a:t>
             </a:fld>
-            <a:endParaRPr lang="en-GB" dirty="0"/>
+            <a:endParaRPr lang="en-GB"/>
           </a:p>
         </p:txBody>
       </p:sp>
@@ -3579,18 +3591,12 @@
       </p:grpSpPr>
       <p:sp>
         <p:nvSpPr>
-          <p:cNvPr id="2" name="Title 1">
-            <a:extLst>
-              <a:ext uri="{FF2B5EF4-FFF2-40B4-BE49-F238E27FC236}">
-                <a16:creationId xmlns:a16="http://schemas.microsoft.com/office/drawing/2014/main" id="{3C8EF10E-08B5-49EC-B96F-6ED503935698}"/>
-              </a:ext>
-            </a:extLst>
-          </p:cNvPr>
-          <p:cNvSpPr>
-            <a:spLocks noGrp="1"/>
-          </p:cNvSpPr>
-          <p:nvPr>
-            <p:ph type="title"/>
+          <p:cNvPr id="2" name="Title 1"/>
+          <p:cNvSpPr>
+            <a:spLocks noGrp="1"/>
+          </p:cNvSpPr>
+          <p:nvPr>
+            <p:ph type="ctrTitle"/>
           </p:nvPr>
         </p:nvSpPr>
         <p:spPr/>
@@ -3598,176 +3604,18 @@
           <a:bodyPr/>
           <a:lstStyle/>
           <a:p>
-            <a:r>
-              <a:rPr lang="en-GB" dirty="0">
-                <a:cs typeface="Calibri"/>
-              </a:rPr>
-              <a:t>Prerequisite software install</a:t>
-            </a:r>
-            <a:endParaRPr lang="en-GB" dirty="0"/>
-          </a:p>
-        </p:txBody>
-      </p:sp>
-      <p:sp>
-        <p:nvSpPr>
-          <p:cNvPr id="3" name="Content Placeholder 2">
-            <a:extLst>
-              <a:ext uri="{FF2B5EF4-FFF2-40B4-BE49-F238E27FC236}">
-                <a16:creationId xmlns:a16="http://schemas.microsoft.com/office/drawing/2014/main" id="{964FD8BC-9C92-46F6-BC47-1DE7DDA2F1F5}"/>
-              </a:ext>
-            </a:extLst>
-          </p:cNvPr>
-          <p:cNvSpPr>
-            <a:spLocks noGrp="1"/>
-          </p:cNvSpPr>
-          <p:nvPr>
-            <p:ph idx="1"/>
-          </p:nvPr>
-        </p:nvSpPr>
-        <p:spPr/>
-        <p:txBody>
-          <a:bodyPr vert="horz" lIns="91440" tIns="45720" rIns="91440" bIns="45720" rtlCol="0" anchor="t">
-            <a:normAutofit/>
-          </a:bodyPr>
-          <a:lstStyle/>
-          <a:p>
-            <a:pPr>
-              <a:buFont typeface="Arial" panose="05000000000000000000" pitchFamily="2" charset="2"/>
-              <a:buChar char="•"/>
-            </a:pPr>
-            <a:r>
-              <a:rPr lang="en-GB" dirty="0">
-                <a:ea typeface="+mn-lt"/>
-                <a:cs typeface="+mn-lt"/>
-              </a:rPr>
-              <a:t>RStudio</a:t>
-            </a:r>
-          </a:p>
-          <a:p>
-            <a:pPr>
-              <a:buFont typeface="Arial" panose="05000000000000000000" pitchFamily="2" charset="2"/>
-              <a:buChar char="•"/>
-            </a:pPr>
-            <a:r>
-              <a:rPr lang="en-GB" dirty="0">
-                <a:ea typeface="+mn-lt"/>
-                <a:cs typeface="+mn-lt"/>
-              </a:rPr>
-              <a:t>R libraries (</a:t>
-            </a:r>
-            <a:r>
-              <a:rPr lang="en-GB" dirty="0" err="1">
-                <a:ea typeface="+mn-lt"/>
-                <a:cs typeface="+mn-lt"/>
-              </a:rPr>
-              <a:t>install.packages</a:t>
-            </a:r>
-            <a:r>
-              <a:rPr lang="en-GB" dirty="0">
-                <a:ea typeface="+mn-lt"/>
-                <a:cs typeface="+mn-lt"/>
-              </a:rPr>
-              <a:t>) </a:t>
-            </a:r>
-          </a:p>
-          <a:p>
-            <a:pPr lvl="1">
-              <a:buFont typeface="Arial" panose="05000000000000000000" pitchFamily="2" charset="2"/>
-              <a:buChar char="•"/>
-            </a:pPr>
-            <a:r>
-              <a:rPr lang="en-GB" dirty="0" err="1">
-                <a:ea typeface="+mn-lt"/>
-                <a:cs typeface="+mn-lt"/>
-              </a:rPr>
-              <a:t>httr</a:t>
-            </a:r>
-            <a:endParaRPr lang="en-GB" dirty="0" err="1">
-              <a:cs typeface="Calibri" panose="020F0502020204030204"/>
-            </a:endParaRPr>
-          </a:p>
-          <a:p>
-            <a:pPr lvl="1">
-              <a:buFont typeface="Arial" panose="05000000000000000000" pitchFamily="2" charset="2"/>
-              <a:buChar char="•"/>
-            </a:pPr>
-            <a:r>
-              <a:rPr lang="en-GB" dirty="0" err="1">
-                <a:ea typeface="+mn-lt"/>
-                <a:cs typeface="+mn-lt"/>
-              </a:rPr>
-              <a:t>jsonlite</a:t>
-            </a:r>
+            <a:pPr algn="l"/>
+            <a:r>
+              <a:rPr lang="en-GB">
+                <a:ea typeface="+mj-lt"/>
+                <a:cs typeface="+mj-lt"/>
+              </a:rPr>
+              <a:t>APIs &amp; Plumber</a:t>
+            </a:r>
+            <a:endParaRPr lang="en-US"/>
+          </a:p>
+          <a:p>
             <a:endParaRPr lang="en-GB">
-              <a:cs typeface="Calibri" panose="020F0502020204030204"/>
-            </a:endParaRPr>
-          </a:p>
-          <a:p>
-            <a:pPr lvl="1">
-              <a:buFont typeface="Arial" panose="05000000000000000000" pitchFamily="2" charset="2"/>
-              <a:buChar char="•"/>
-            </a:pPr>
-            <a:r>
-              <a:rPr lang="en-GB" dirty="0" err="1">
-                <a:ea typeface="+mn-lt"/>
-                <a:cs typeface="+mn-lt"/>
-              </a:rPr>
-              <a:t>tidyverse</a:t>
-            </a:r>
-            <a:endParaRPr lang="en-GB">
-              <a:cs typeface="Calibri" panose="020F0502020204030204"/>
-            </a:endParaRPr>
-          </a:p>
-          <a:p>
-            <a:pPr lvl="1">
-              <a:buFont typeface="Arial" panose="05000000000000000000" pitchFamily="2" charset="2"/>
-              <a:buChar char="•"/>
-            </a:pPr>
-            <a:r>
-              <a:rPr lang="en-GB" dirty="0">
-                <a:ea typeface="+mn-lt"/>
-                <a:cs typeface="+mn-lt"/>
-              </a:rPr>
-              <a:t>plumber</a:t>
-            </a:r>
-            <a:endParaRPr lang="en-GB">
-              <a:cs typeface="Calibri" panose="020F0502020204030204"/>
-            </a:endParaRPr>
-          </a:p>
-          <a:p>
-            <a:pPr lvl="1">
-              <a:buFont typeface="Arial" panose="05000000000000000000" pitchFamily="2" charset="2"/>
-              <a:buChar char="•"/>
-            </a:pPr>
-            <a:r>
-              <a:rPr lang="en-GB" dirty="0" err="1">
-                <a:ea typeface="+mn-lt"/>
-                <a:cs typeface="+mn-lt"/>
-              </a:rPr>
-              <a:t>gapminder</a:t>
-            </a:r>
-            <a:endParaRPr lang="en-GB">
-              <a:cs typeface="Calibri" panose="020F0502020204030204"/>
-            </a:endParaRPr>
-          </a:p>
-          <a:p>
-            <a:pPr lvl="1">
-              <a:buFont typeface="Arial" panose="05000000000000000000" pitchFamily="2" charset="2"/>
-              <a:buChar char="•"/>
-            </a:pPr>
-            <a:r>
-              <a:rPr lang="en-GB" dirty="0" err="1">
-                <a:ea typeface="+mn-lt"/>
-                <a:cs typeface="+mn-lt"/>
-              </a:rPr>
-              <a:t>png</a:t>
-            </a:r>
-            <a:endParaRPr lang="en-GB">
-              <a:cs typeface="Calibri" panose="020F0502020204030204"/>
-            </a:endParaRPr>
-          </a:p>
-          <a:p>
-            <a:endParaRPr lang="en-GB" dirty="0">
               <a:cs typeface="Calibri"/>
             </a:endParaRPr>
           </a:p>
@@ -3775,18 +3623,12 @@
       </p:sp>
       <p:sp>
         <p:nvSpPr>
-          <p:cNvPr id="4" name="Footer Placeholder 3">
-            <a:extLst>
-              <a:ext uri="{FF2B5EF4-FFF2-40B4-BE49-F238E27FC236}">
-                <a16:creationId xmlns:a16="http://schemas.microsoft.com/office/drawing/2014/main" id="{B9E9B714-7B60-413E-BAD6-9F0C9295E281}"/>
-              </a:ext>
-            </a:extLst>
-          </p:cNvPr>
-          <p:cNvSpPr>
-            <a:spLocks noGrp="1"/>
-          </p:cNvSpPr>
-          <p:nvPr>
-            <p:ph type="ftr" sz="quarter" idx="11"/>
+          <p:cNvPr id="3" name="Subtitle 2"/>
+          <p:cNvSpPr>
+            <a:spLocks noGrp="1"/>
+          </p:cNvSpPr>
+          <p:nvPr>
+            <p:ph type="subTitle" idx="1"/>
           </p:nvPr>
         </p:nvSpPr>
         <p:spPr/>
@@ -3795,45 +3637,53 @@
           <a:lstStyle/>
           <a:p>
             <a:r>
-              <a:rPr lang="en-GB" dirty="0"/>
+              <a:rPr lang="en-GB">
+                <a:cs typeface="Calibri"/>
+              </a:rPr>
+              <a:t>Dr Olly Butters</a:t>
+            </a:r>
+          </a:p>
+          <a:p>
+            <a:r>
+              <a:rPr lang="en-GB">
+                <a:cs typeface="Calibri"/>
+              </a:rPr>
+              <a:t>Public Health, Policy and Systems</a:t>
+            </a:r>
+          </a:p>
+        </p:txBody>
+      </p:sp>
+      <p:sp>
+        <p:nvSpPr>
+          <p:cNvPr id="6" name="Footer Placeholder 5"/>
+          <p:cNvSpPr>
+            <a:spLocks noGrp="1"/>
+          </p:cNvSpPr>
+          <p:nvPr>
+            <p:ph type="ftr" sz="quarter" idx="3"/>
+          </p:nvPr>
+        </p:nvSpPr>
+        <p:spPr>
+          <a:xfrm>
+            <a:off x="2577268" y="6360929"/>
+            <a:ext cx="4114800" cy="365125"/>
+          </a:xfrm>
+        </p:spPr>
+        <p:txBody>
+          <a:bodyPr/>
+          <a:lstStyle/>
+          <a:p>
+            <a:r>
+              <a:rPr lang="en-GB"/>
               <a:t>MSC HEALTH DATA SCIENCE</a:t>
             </a:r>
-          </a:p>
-        </p:txBody>
-      </p:sp>
-      <p:sp>
-        <p:nvSpPr>
-          <p:cNvPr id="5" name="Slide Number Placeholder 4">
-            <a:extLst>
-              <a:ext uri="{FF2B5EF4-FFF2-40B4-BE49-F238E27FC236}">
-                <a16:creationId xmlns:a16="http://schemas.microsoft.com/office/drawing/2014/main" id="{51AA9329-7452-4EDA-9B0D-244CE041F38F}"/>
-              </a:ext>
-            </a:extLst>
-          </p:cNvPr>
-          <p:cNvSpPr>
-            <a:spLocks noGrp="1"/>
-          </p:cNvSpPr>
-          <p:nvPr>
-            <p:ph type="sldNum" sz="quarter" idx="12"/>
-          </p:nvPr>
-        </p:nvSpPr>
-        <p:spPr/>
-        <p:txBody>
-          <a:bodyPr/>
-          <a:lstStyle/>
-          <a:p>
-            <a:fld id="{FC59658C-DD7A-4587-BD02-DE6DA26F2584}" type="slidenum">
-              <a:rPr lang="en-GB" smtClean="0"/>
-              <a:t>1</a:t>
-            </a:fld>
-            <a:endParaRPr lang="en-GB"/>
           </a:p>
         </p:txBody>
       </p:sp>
     </p:spTree>
     <p:extLst>
       <p:ext uri="{BB962C8B-B14F-4D97-AF65-F5344CB8AC3E}">
-        <p14:creationId xmlns:p14="http://schemas.microsoft.com/office/powerpoint/2010/main" val="3882768218"/>
+        <p14:creationId xmlns:p14="http://schemas.microsoft.com/office/powerpoint/2010/main" val="1980565220"/>
       </p:ext>
     </p:extLst>
   </p:cSld>
@@ -3865,7 +3715,7 @@
           <p:cNvPr id="2" name="Title 1">
             <a:extLst>
               <a:ext uri="{FF2B5EF4-FFF2-40B4-BE49-F238E27FC236}">
-                <a16:creationId xmlns:a16="http://schemas.microsoft.com/office/drawing/2014/main" id="{2A4C21E8-865E-4560-8BD3-44542641951D}"/>
+                <a16:creationId xmlns:a16="http://schemas.microsoft.com/office/drawing/2014/main" id="{ECAF0497-C42C-4415-BAAB-9A426CB4FC91}"/>
               </a:ext>
             </a:extLst>
           </p:cNvPr>
@@ -3882,50 +3732,190 @@
           <a:lstStyle/>
           <a:p>
             <a:r>
+              <a:rPr lang="en-GB">
+                <a:cs typeface="Calibri"/>
+              </a:rPr>
+              <a:t>Health data APIs</a:t>
+            </a:r>
+            <a:endParaRPr lang="en-GB"/>
+          </a:p>
+        </p:txBody>
+      </p:sp>
+      <p:sp>
+        <p:nvSpPr>
+          <p:cNvPr id="3" name="Content Placeholder 2">
+            <a:extLst>
+              <a:ext uri="{FF2B5EF4-FFF2-40B4-BE49-F238E27FC236}">
+                <a16:creationId xmlns:a16="http://schemas.microsoft.com/office/drawing/2014/main" id="{E58566D9-DE21-4E02-AD7E-AB0F1FFC0753}"/>
+              </a:ext>
+            </a:extLst>
+          </p:cNvPr>
+          <p:cNvSpPr>
+            <a:spLocks noGrp="1"/>
+          </p:cNvSpPr>
+          <p:nvPr>
+            <p:ph idx="1"/>
+          </p:nvPr>
+        </p:nvSpPr>
+        <p:spPr/>
+        <p:txBody>
+          <a:bodyPr vert="horz" lIns="91440" tIns="45720" rIns="91440" bIns="45720" rtlCol="0" anchor="t">
+            <a:normAutofit/>
+          </a:bodyPr>
+          <a:lstStyle/>
+          <a:p>
+            <a:pPr>
+              <a:buFont typeface="Arial" panose="05000000000000000000" pitchFamily="2" charset="2"/>
+              <a:buChar char="•"/>
+            </a:pPr>
+            <a:r>
+              <a:rPr lang="en-GB" dirty="0" err="1">
+                <a:cs typeface="Calibri" panose="020F0502020204030204"/>
+              </a:rPr>
+              <a:t>Bioportal</a:t>
+            </a:r>
+            <a:r>
               <a:rPr lang="en-GB" dirty="0">
-                <a:cs typeface="Calibri"/>
-              </a:rPr>
-              <a:t>Anatomy of a query URL (the request)</a:t>
-            </a:r>
-            <a:endParaRPr lang="en-GB" dirty="0"/>
-          </a:p>
-        </p:txBody>
-      </p:sp>
-      <p:pic>
-        <p:nvPicPr>
-          <p:cNvPr id="6" name="Picture 6">
-            <a:extLst>
-              <a:ext uri="{FF2B5EF4-FFF2-40B4-BE49-F238E27FC236}">
-                <a16:creationId xmlns:a16="http://schemas.microsoft.com/office/drawing/2014/main" id="{9B477BA7-BB30-4CDE-B218-285246DC6F50}"/>
-              </a:ext>
-            </a:extLst>
-          </p:cNvPr>
-          <p:cNvPicPr>
-            <a:picLocks noGrp="1" noChangeAspect="1"/>
-          </p:cNvPicPr>
-          <p:nvPr>
-            <p:ph idx="1"/>
-          </p:nvPr>
-        </p:nvPicPr>
-        <p:blipFill>
-          <a:blip r:embed="rId2"/>
-          <a:stretch>
-            <a:fillRect/>
-          </a:stretch>
-        </p:blipFill>
-        <p:spPr>
-          <a:xfrm>
-            <a:off x="916895" y="1939098"/>
-            <a:ext cx="10224626" cy="2427748"/>
-          </a:xfrm>
-        </p:spPr>
-      </p:pic>
+                <a:cs typeface="Calibri" panose="020F0502020204030204"/>
+              </a:rPr>
+              <a:t> -&gt; Look up ontologies etc.</a:t>
+            </a:r>
+          </a:p>
+          <a:p>
+            <a:pPr>
+              <a:buFont typeface="Arial" panose="05000000000000000000" pitchFamily="2" charset="2"/>
+              <a:buChar char="•"/>
+            </a:pPr>
+            <a:r>
+              <a:rPr lang="en-GB" dirty="0">
+                <a:cs typeface="Calibri" panose="020F0502020204030204"/>
+              </a:rPr>
+              <a:t>Gov health stats </a:t>
+            </a:r>
+          </a:p>
+          <a:p>
+            <a:pPr>
+              <a:buFont typeface="Arial" panose="05000000000000000000" pitchFamily="2" charset="2"/>
+              <a:buChar char="•"/>
+            </a:pPr>
+            <a:r>
+              <a:rPr lang="en-GB" dirty="0">
+                <a:cs typeface="Calibri" panose="020F0502020204030204"/>
+              </a:rPr>
+              <a:t>NHS Digital -&gt; Loads of APIs to find/get/add data</a:t>
+            </a:r>
+          </a:p>
+          <a:p>
+            <a:pPr>
+              <a:buFont typeface="Arial" panose="05000000000000000000" pitchFamily="2" charset="2"/>
+              <a:buChar char="•"/>
+            </a:pPr>
+            <a:r>
+              <a:rPr lang="en-GB" dirty="0">
+                <a:cs typeface="Calibri" panose="020F0502020204030204"/>
+              </a:rPr>
+              <a:t>Air quality.</a:t>
+            </a:r>
+          </a:p>
+          <a:p>
+            <a:pPr>
+              <a:buFont typeface="Arial" panose="05000000000000000000" pitchFamily="2" charset="2"/>
+              <a:buChar char="•"/>
+            </a:pPr>
+            <a:r>
+              <a:rPr lang="en-GB" dirty="0">
+                <a:ea typeface="+mn-lt"/>
+                <a:cs typeface="+mn-lt"/>
+                <a:hlinkClick r:id="rId2"/>
+              </a:rPr>
+              <a:t>UK government API catalogue</a:t>
+            </a:r>
+            <a:endParaRPr lang="en-GB" dirty="0">
+              <a:cs typeface="Calibri" panose="020F0502020204030204"/>
+            </a:endParaRPr>
+          </a:p>
+          <a:p>
+            <a:pPr>
+              <a:buFont typeface="Arial" panose="05000000000000000000" pitchFamily="2" charset="2"/>
+              <a:buChar char="•"/>
+            </a:pPr>
+            <a:r>
+              <a:rPr lang="en-GB" dirty="0">
+                <a:ea typeface="+mn-lt"/>
+                <a:cs typeface="+mn-lt"/>
+                <a:hlinkClick r:id="rId3"/>
+              </a:rPr>
+              <a:t>Urban Observatory</a:t>
+            </a:r>
+            <a:endParaRPr lang="en-GB" dirty="0">
+              <a:ea typeface="+mn-lt"/>
+              <a:cs typeface="+mn-lt"/>
+            </a:endParaRPr>
+          </a:p>
+          <a:p>
+            <a:pPr>
+              <a:buFont typeface="Arial" panose="05000000000000000000" pitchFamily="2" charset="2"/>
+              <a:buChar char="•"/>
+            </a:pPr>
+            <a:r>
+              <a:rPr lang="en-GB" dirty="0">
+                <a:ea typeface="+mn-lt"/>
+                <a:cs typeface="+mn-lt"/>
+                <a:hlinkClick r:id="rId4"/>
+              </a:rPr>
+              <a:t>https://data.police.uk/docs/</a:t>
+            </a:r>
+            <a:endParaRPr lang="en-GB" dirty="0">
+              <a:cs typeface="Calibri" panose="020F0502020204030204"/>
+            </a:endParaRPr>
+          </a:p>
+          <a:p>
+            <a:pPr>
+              <a:buFont typeface="Arial" panose="05000000000000000000" pitchFamily="2" charset="2"/>
+              <a:buChar char="•"/>
+            </a:pPr>
+            <a:r>
+              <a:rPr lang="en-GB" dirty="0">
+                <a:cs typeface="Calibri" panose="020F0502020204030204"/>
+              </a:rPr>
+              <a:t>Care Quality Commission -&gt; locations of care homes</a:t>
+            </a:r>
+          </a:p>
+          <a:p>
+            <a:pPr>
+              <a:buFont typeface="Arial" panose="05000000000000000000" pitchFamily="2" charset="2"/>
+              <a:buChar char="•"/>
+            </a:pPr>
+            <a:endParaRPr lang="en-GB">
+              <a:cs typeface="Calibri" panose="020F0502020204030204"/>
+            </a:endParaRPr>
+          </a:p>
+          <a:p>
+            <a:pPr>
+              <a:buFont typeface="Arial" panose="05000000000000000000" pitchFamily="2" charset="2"/>
+              <a:buChar char="•"/>
+            </a:pPr>
+            <a:endParaRPr lang="en-GB">
+              <a:cs typeface="Calibri" panose="020F0502020204030204"/>
+            </a:endParaRPr>
+          </a:p>
+          <a:p>
+            <a:pPr>
+              <a:buFont typeface="Arial" panose="05000000000000000000" pitchFamily="2" charset="2"/>
+              <a:buChar char="•"/>
+            </a:pPr>
+            <a:endParaRPr lang="en-GB">
+              <a:cs typeface="Calibri" panose="020F0502020204030204"/>
+            </a:endParaRPr>
+          </a:p>
+        </p:txBody>
+      </p:sp>
       <p:sp>
         <p:nvSpPr>
           <p:cNvPr id="4" name="Footer Placeholder 3">
             <a:extLst>
               <a:ext uri="{FF2B5EF4-FFF2-40B4-BE49-F238E27FC236}">
-                <a16:creationId xmlns:a16="http://schemas.microsoft.com/office/drawing/2014/main" id="{D82DAD38-8A5F-441F-8448-3EEEC3F5285E}"/>
+                <a16:creationId xmlns:a16="http://schemas.microsoft.com/office/drawing/2014/main" id="{520D950C-FD30-463D-AFA4-96B8408E7B9D}"/>
               </a:ext>
             </a:extLst>
           </p:cNvPr>
@@ -3942,7 +3932,7 @@
           <a:lstStyle/>
           <a:p>
             <a:r>
-              <a:rPr lang="en-GB" dirty="0"/>
+              <a:rPr lang="en-GB"/>
               <a:t>MSC HEALTH DATA SCIENCE</a:t>
             </a:r>
           </a:p>
@@ -3953,7 +3943,7 @@
           <p:cNvPr id="5" name="Slide Number Placeholder 4">
             <a:extLst>
               <a:ext uri="{FF2B5EF4-FFF2-40B4-BE49-F238E27FC236}">
-                <a16:creationId xmlns:a16="http://schemas.microsoft.com/office/drawing/2014/main" id="{181DA483-9306-4C92-B50C-4242E892464F}"/>
+                <a16:creationId xmlns:a16="http://schemas.microsoft.com/office/drawing/2014/main" id="{8240CAF6-D2F2-464C-A2B7-6C1E69C34EA7}"/>
               </a:ext>
             </a:extLst>
           </p:cNvPr>
@@ -3977,79 +3967,10 @@
           </a:p>
         </p:txBody>
       </p:sp>
-      <p:sp>
-        <p:nvSpPr>
-          <p:cNvPr id="7" name="TextBox 6">
-            <a:extLst>
-              <a:ext uri="{FF2B5EF4-FFF2-40B4-BE49-F238E27FC236}">
-                <a16:creationId xmlns:a16="http://schemas.microsoft.com/office/drawing/2014/main" id="{DCF00906-68A2-454D-9C98-C164133E1AED}"/>
-              </a:ext>
-            </a:extLst>
-          </p:cNvPr>
-          <p:cNvSpPr txBox="1"/>
-          <p:nvPr/>
-        </p:nvSpPr>
-        <p:spPr>
-          <a:xfrm>
-            <a:off x="4839111" y="5887884"/>
-            <a:ext cx="6741649" cy="276999"/>
-          </a:xfrm>
-          <a:prstGeom prst="rect">
-            <a:avLst/>
-          </a:prstGeom>
-          <a:noFill/>
-        </p:spPr>
-        <p:txBody>
-          <a:bodyPr rot="0" spcFirstLastPara="0" vertOverflow="overflow" horzOverflow="overflow" vert="horz" wrap="square" lIns="91440" tIns="45720" rIns="91440" bIns="45720" numCol="1" spcCol="0" rtlCol="0" fromWordArt="0" anchor="t" anchorCtr="0" forceAA="0" compatLnSpc="1">
-            <a:prstTxWarp prst="textNoShape">
-              <a:avLst/>
-            </a:prstTxWarp>
-            <a:spAutoFit/>
-          </a:bodyPr>
-          <a:lstStyle/>
-          <a:p>
-            <a:r>
-              <a:rPr lang="en-GB" sz="1200" dirty="0" err="1">
-                <a:solidFill>
-                  <a:schemeClr val="tx2">
-                    <a:lumMod val="40000"/>
-                    <a:lumOff val="60000"/>
-                  </a:schemeClr>
-                </a:solidFill>
-                <a:ea typeface="+mn-lt"/>
-                <a:cs typeface="+mn-lt"/>
-              </a:rPr>
-              <a:t>Mongolariun</a:t>
-            </a:r>
-            <a:r>
-              <a:rPr lang="en-GB" sz="1200" dirty="0">
-                <a:solidFill>
-                  <a:schemeClr val="tx2">
-                    <a:lumMod val="40000"/>
-                    <a:lumOff val="60000"/>
-                  </a:schemeClr>
-                </a:solidFill>
-                <a:ea typeface="+mn-lt"/>
-                <a:cs typeface="+mn-lt"/>
-              </a:rPr>
-              <a:t>, CC BY-SA 4.0 &lt;https://creativecommons.org/licenses/by-sa/4.0&gt;, via Wikimedia Commons</a:t>
-            </a:r>
-            <a:endParaRPr lang="en-US" sz="1200">
-              <a:solidFill>
-                <a:schemeClr val="tx2">
-                  <a:lumMod val="40000"/>
-                  <a:lumOff val="60000"/>
-                </a:schemeClr>
-              </a:solidFill>
-              <a:cs typeface="Calibri"/>
-            </a:endParaRPr>
-          </a:p>
-        </p:txBody>
-      </p:sp>
     </p:spTree>
     <p:extLst>
       <p:ext uri="{BB962C8B-B14F-4D97-AF65-F5344CB8AC3E}">
-        <p14:creationId xmlns:p14="http://schemas.microsoft.com/office/powerpoint/2010/main" val="3644739095"/>
+        <p14:creationId xmlns:p14="http://schemas.microsoft.com/office/powerpoint/2010/main" val="2839870366"/>
       </p:ext>
     </p:extLst>
   </p:cSld>
@@ -4081,7 +4002,7 @@
           <p:cNvPr id="2" name="Title 1">
             <a:extLst>
               <a:ext uri="{FF2B5EF4-FFF2-40B4-BE49-F238E27FC236}">
-                <a16:creationId xmlns:a16="http://schemas.microsoft.com/office/drawing/2014/main" id="{3CC61A15-E115-48E1-8FEA-E48206F72834}"/>
+                <a16:creationId xmlns:a16="http://schemas.microsoft.com/office/drawing/2014/main" id="{2A4C21E8-865E-4560-8BD3-44542641951D}"/>
               </a:ext>
             </a:extLst>
           </p:cNvPr>
@@ -4098,135 +4019,67 @@
           <a:lstStyle/>
           <a:p>
             <a:r>
-              <a:rPr lang="en-GB" dirty="0">
+              <a:rPr lang="en-GB">
                 <a:cs typeface="Calibri"/>
               </a:rPr>
-              <a:t>Response</a:t>
-            </a:r>
-            <a:endParaRPr lang="en-GB" dirty="0"/>
-          </a:p>
-        </p:txBody>
-      </p:sp>
-      <p:sp>
-        <p:nvSpPr>
-          <p:cNvPr id="3" name="Content Placeholder 2">
-            <a:extLst>
-              <a:ext uri="{FF2B5EF4-FFF2-40B4-BE49-F238E27FC236}">
-                <a16:creationId xmlns:a16="http://schemas.microsoft.com/office/drawing/2014/main" id="{FDB0F0FD-9131-41A0-97C8-5F3EE874CBBC}"/>
-              </a:ext>
-            </a:extLst>
-          </p:cNvPr>
-          <p:cNvSpPr>
-            <a:spLocks noGrp="1"/>
-          </p:cNvSpPr>
+              <a:t>Anatomy of a query URL (the request)</a:t>
+            </a:r>
+            <a:endParaRPr lang="en-GB"/>
+          </a:p>
+        </p:txBody>
+      </p:sp>
+      <p:pic>
+        <p:nvPicPr>
+          <p:cNvPr id="6" name="Picture 6">
+            <a:extLst>
+              <a:ext uri="{FF2B5EF4-FFF2-40B4-BE49-F238E27FC236}">
+                <a16:creationId xmlns:a16="http://schemas.microsoft.com/office/drawing/2014/main" id="{9B477BA7-BB30-4CDE-B218-285246DC6F50}"/>
+              </a:ext>
+            </a:extLst>
+          </p:cNvPr>
+          <p:cNvPicPr>
+            <a:picLocks noGrp="1" noChangeAspect="1"/>
+          </p:cNvPicPr>
           <p:nvPr>
             <p:ph idx="1"/>
           </p:nvPr>
+        </p:nvPicPr>
+        <p:blipFill>
+          <a:blip r:embed="rId2"/>
+          <a:stretch>
+            <a:fillRect/>
+          </a:stretch>
+        </p:blipFill>
+        <p:spPr>
+          <a:xfrm>
+            <a:off x="916895" y="1939098"/>
+            <a:ext cx="10224626" cy="2427748"/>
+          </a:xfrm>
+        </p:spPr>
+      </p:pic>
+      <p:sp>
+        <p:nvSpPr>
+          <p:cNvPr id="4" name="Footer Placeholder 3">
+            <a:extLst>
+              <a:ext uri="{FF2B5EF4-FFF2-40B4-BE49-F238E27FC236}">
+                <a16:creationId xmlns:a16="http://schemas.microsoft.com/office/drawing/2014/main" id="{D82DAD38-8A5F-441F-8448-3EEEC3F5285E}"/>
+              </a:ext>
+            </a:extLst>
+          </p:cNvPr>
+          <p:cNvSpPr>
+            <a:spLocks noGrp="1"/>
+          </p:cNvSpPr>
+          <p:nvPr>
+            <p:ph type="ftr" sz="quarter" idx="11"/>
+          </p:nvPr>
         </p:nvSpPr>
         <p:spPr/>
         <p:txBody>
-          <a:bodyPr vert="horz" lIns="91440" tIns="45720" rIns="91440" bIns="45720" rtlCol="0" anchor="t">
-            <a:normAutofit/>
-          </a:bodyPr>
-          <a:lstStyle/>
-          <a:p>
-            <a:pPr>
-              <a:buFont typeface="Arial" panose="05000000000000000000" pitchFamily="2" charset="2"/>
-              <a:buChar char="•"/>
-            </a:pPr>
-            <a:r>
-              <a:rPr lang="en-GB" dirty="0">
-                <a:cs typeface="Calibri" panose="020F0502020204030204"/>
-              </a:rPr>
-              <a:t>Typically get a header and content in the response</a:t>
-            </a:r>
-            <a:endParaRPr lang="en-US" dirty="0"/>
-          </a:p>
-          <a:p>
-            <a:pPr>
-              <a:buFont typeface="Arial" panose="05000000000000000000" pitchFamily="2" charset="2"/>
-              <a:buChar char="•"/>
-            </a:pPr>
-            <a:r>
-              <a:rPr lang="en-GB" dirty="0">
-                <a:cs typeface="Calibri" panose="020F0502020204030204"/>
-              </a:rPr>
-              <a:t>Response codes in header</a:t>
-            </a:r>
-          </a:p>
-          <a:p>
-            <a:pPr lvl="1">
-              <a:buFont typeface="Arial" panose="05000000000000000000" pitchFamily="2" charset="2"/>
-              <a:buChar char="•"/>
-            </a:pPr>
-            <a:r>
-              <a:rPr lang="en-GB" dirty="0">
-                <a:cs typeface="Calibri" panose="020F0502020204030204"/>
-              </a:rPr>
-              <a:t>200 – OK</a:t>
-            </a:r>
-          </a:p>
-          <a:p>
-            <a:pPr lvl="1">
-              <a:buFont typeface="Arial" panose="05000000000000000000" pitchFamily="2" charset="2"/>
-              <a:buChar char="•"/>
-            </a:pPr>
-            <a:r>
-              <a:rPr lang="en-GB" dirty="0">
-                <a:cs typeface="Calibri" panose="020F0502020204030204"/>
-              </a:rPr>
-              <a:t>404 – Not found</a:t>
-            </a:r>
-          </a:p>
-          <a:p>
-            <a:pPr lvl="1">
-              <a:buFont typeface="Arial" panose="05000000000000000000" pitchFamily="2" charset="2"/>
-              <a:buChar char="•"/>
-            </a:pPr>
-            <a:r>
-              <a:rPr lang="en-GB" dirty="0">
-                <a:cs typeface="Calibri" panose="020F0502020204030204"/>
-              </a:rPr>
-              <a:t>500 – Internal server error</a:t>
-            </a:r>
-          </a:p>
-          <a:p>
-            <a:pPr>
-              <a:buFont typeface="Arial" panose="05000000000000000000" pitchFamily="2" charset="2"/>
-              <a:buChar char="•"/>
-            </a:pPr>
-            <a:r>
-              <a:rPr lang="en-GB" dirty="0">
-                <a:cs typeface="Calibri" panose="020F0502020204030204"/>
-              </a:rPr>
-              <a:t>Content is usually JSON or XML</a:t>
-            </a:r>
-          </a:p>
-        </p:txBody>
-      </p:sp>
-      <p:sp>
-        <p:nvSpPr>
-          <p:cNvPr id="4" name="Footer Placeholder 3">
-            <a:extLst>
-              <a:ext uri="{FF2B5EF4-FFF2-40B4-BE49-F238E27FC236}">
-                <a16:creationId xmlns:a16="http://schemas.microsoft.com/office/drawing/2014/main" id="{A20B03A6-B0EF-441A-9D19-D7C2F86227CF}"/>
-              </a:ext>
-            </a:extLst>
-          </p:cNvPr>
-          <p:cNvSpPr>
-            <a:spLocks noGrp="1"/>
-          </p:cNvSpPr>
-          <p:nvPr>
-            <p:ph type="ftr" sz="quarter" idx="11"/>
-          </p:nvPr>
-        </p:nvSpPr>
-        <p:spPr/>
-        <p:txBody>
           <a:bodyPr/>
           <a:lstStyle/>
           <a:p>
             <a:r>
-              <a:rPr lang="en-GB" dirty="0"/>
+              <a:rPr lang="en-GB"/>
               <a:t>MSC HEALTH DATA SCIENCE</a:t>
             </a:r>
           </a:p>
@@ -4237,7 +4090,7 @@
           <p:cNvPr id="5" name="Slide Number Placeholder 4">
             <a:extLst>
               <a:ext uri="{FF2B5EF4-FFF2-40B4-BE49-F238E27FC236}">
-                <a16:creationId xmlns:a16="http://schemas.microsoft.com/office/drawing/2014/main" id="{5690FB6C-9FED-4E57-9FF2-FB585D3F80DF}"/>
+                <a16:creationId xmlns:a16="http://schemas.microsoft.com/office/drawing/2014/main" id="{181DA483-9306-4C92-B50C-4242E892464F}"/>
               </a:ext>
             </a:extLst>
           </p:cNvPr>
@@ -4261,10 +4114,79 @@
           </a:p>
         </p:txBody>
       </p:sp>
+      <p:sp>
+        <p:nvSpPr>
+          <p:cNvPr id="7" name="TextBox 6">
+            <a:extLst>
+              <a:ext uri="{FF2B5EF4-FFF2-40B4-BE49-F238E27FC236}">
+                <a16:creationId xmlns:a16="http://schemas.microsoft.com/office/drawing/2014/main" id="{DCF00906-68A2-454D-9C98-C164133E1AED}"/>
+              </a:ext>
+            </a:extLst>
+          </p:cNvPr>
+          <p:cNvSpPr txBox="1"/>
+          <p:nvPr/>
+        </p:nvSpPr>
+        <p:spPr>
+          <a:xfrm>
+            <a:off x="4839111" y="5887884"/>
+            <a:ext cx="6741649" cy="276999"/>
+          </a:xfrm>
+          <a:prstGeom prst="rect">
+            <a:avLst/>
+          </a:prstGeom>
+          <a:noFill/>
+        </p:spPr>
+        <p:txBody>
+          <a:bodyPr rot="0" spcFirstLastPara="0" vertOverflow="overflow" horzOverflow="overflow" vert="horz" wrap="square" lIns="91440" tIns="45720" rIns="91440" bIns="45720" numCol="1" spcCol="0" rtlCol="0" fromWordArt="0" anchor="t" anchorCtr="0" forceAA="0" compatLnSpc="1">
+            <a:prstTxWarp prst="textNoShape">
+              <a:avLst/>
+            </a:prstTxWarp>
+            <a:spAutoFit/>
+          </a:bodyPr>
+          <a:lstStyle/>
+          <a:p>
+            <a:r>
+              <a:rPr lang="en-GB" sz="1200" err="1">
+                <a:solidFill>
+                  <a:schemeClr val="tx2">
+                    <a:lumMod val="40000"/>
+                    <a:lumOff val="60000"/>
+                  </a:schemeClr>
+                </a:solidFill>
+                <a:ea typeface="+mn-lt"/>
+                <a:cs typeface="+mn-lt"/>
+              </a:rPr>
+              <a:t>Mongolariun</a:t>
+            </a:r>
+            <a:r>
+              <a:rPr lang="en-GB" sz="1200">
+                <a:solidFill>
+                  <a:schemeClr val="tx2">
+                    <a:lumMod val="40000"/>
+                    <a:lumOff val="60000"/>
+                  </a:schemeClr>
+                </a:solidFill>
+                <a:ea typeface="+mn-lt"/>
+                <a:cs typeface="+mn-lt"/>
+              </a:rPr>
+              <a:t>, CC BY-SA 4.0 &lt;https://creativecommons.org/licenses/by-sa/4.0&gt;, via Wikimedia Commons</a:t>
+            </a:r>
+            <a:endParaRPr lang="en-US" sz="1200">
+              <a:solidFill>
+                <a:schemeClr val="tx2">
+                  <a:lumMod val="40000"/>
+                  <a:lumOff val="60000"/>
+                </a:schemeClr>
+              </a:solidFill>
+              <a:cs typeface="Calibri"/>
+            </a:endParaRPr>
+          </a:p>
+        </p:txBody>
+      </p:sp>
     </p:spTree>
     <p:extLst>
       <p:ext uri="{BB962C8B-B14F-4D97-AF65-F5344CB8AC3E}">
-        <p14:creationId xmlns:p14="http://schemas.microsoft.com/office/powerpoint/2010/main" val="3962255619"/>
+        <p14:creationId xmlns:p14="http://schemas.microsoft.com/office/powerpoint/2010/main" val="3644739095"/>
       </p:ext>
     </p:extLst>
   </p:cSld>
@@ -4293,10 +4215,62 @@
       </p:grpSpPr>
       <p:sp>
         <p:nvSpPr>
+          <p:cNvPr id="12" name="Rectangle 11">
+            <a:extLst>
+              <a:ext uri="{FF2B5EF4-FFF2-40B4-BE49-F238E27FC236}">
+                <a16:creationId xmlns:a16="http://schemas.microsoft.com/office/drawing/2014/main" id="{54FF9BCF-D4AD-66D1-0638-2EF6A30CB0B8}"/>
+              </a:ext>
+            </a:extLst>
+          </p:cNvPr>
+          <p:cNvSpPr/>
+          <p:nvPr/>
+        </p:nvSpPr>
+        <p:spPr>
+          <a:xfrm>
+            <a:off x="845126" y="3997035"/>
+            <a:ext cx="10917381" cy="748145"/>
+          </a:xfrm>
+          <a:prstGeom prst="rect">
+            <a:avLst/>
+          </a:prstGeom>
+          <a:solidFill>
+            <a:schemeClr val="accent1">
+              <a:lumMod val="40000"/>
+              <a:lumOff val="60000"/>
+            </a:schemeClr>
+          </a:solidFill>
+        </p:spPr>
+        <p:style>
+          <a:lnRef idx="2">
+            <a:schemeClr val="accent1">
+              <a:shade val="15000"/>
+            </a:schemeClr>
+          </a:lnRef>
+          <a:fillRef idx="1">
+            <a:schemeClr val="accent1"/>
+          </a:fillRef>
+          <a:effectRef idx="0">
+            <a:schemeClr val="accent1"/>
+          </a:effectRef>
+          <a:fontRef idx="minor">
+            <a:schemeClr val="lt1"/>
+          </a:fontRef>
+        </p:style>
+        <p:txBody>
+          <a:bodyPr rtlCol="0" anchor="ctr"/>
+          <a:lstStyle/>
+          <a:p>
+            <a:pPr algn="ctr"/>
+            <a:endParaRPr lang="en-GB"/>
+          </a:p>
+        </p:txBody>
+      </p:sp>
+      <p:sp>
+        <p:nvSpPr>
           <p:cNvPr id="2" name="Title 1">
             <a:extLst>
               <a:ext uri="{FF2B5EF4-FFF2-40B4-BE49-F238E27FC236}">
-                <a16:creationId xmlns:a16="http://schemas.microsoft.com/office/drawing/2014/main" id="{954C0246-A3AF-49B5-BA1B-34F64BFC481B}"/>
+                <a16:creationId xmlns:a16="http://schemas.microsoft.com/office/drawing/2014/main" id="{2A4C21E8-865E-4560-8BD3-44542641951D}"/>
               </a:ext>
             </a:extLst>
           </p:cNvPr>
@@ -4313,93 +4287,67 @@
           <a:lstStyle/>
           <a:p>
             <a:r>
-              <a:rPr lang="en-GB" dirty="0">
+              <a:rPr lang="en-GB">
                 <a:cs typeface="Calibri"/>
               </a:rPr>
-              <a:t>Exercises: connect to some APIs</a:t>
-            </a:r>
-            <a:endParaRPr lang="en-GB" dirty="0"/>
-          </a:p>
-        </p:txBody>
-      </p:sp>
-      <p:sp>
-        <p:nvSpPr>
-          <p:cNvPr id="3" name="Content Placeholder 2">
-            <a:extLst>
-              <a:ext uri="{FF2B5EF4-FFF2-40B4-BE49-F238E27FC236}">
-                <a16:creationId xmlns:a16="http://schemas.microsoft.com/office/drawing/2014/main" id="{109B4AEE-A9C4-4AD2-91C0-3CA94426EFA5}"/>
-              </a:ext>
-            </a:extLst>
-          </p:cNvPr>
-          <p:cNvSpPr>
-            <a:spLocks noGrp="1"/>
-          </p:cNvSpPr>
+              <a:t>Anatomy of a query URL (the request)</a:t>
+            </a:r>
+            <a:endParaRPr lang="en-GB"/>
+          </a:p>
+        </p:txBody>
+      </p:sp>
+      <p:pic>
+        <p:nvPicPr>
+          <p:cNvPr id="6" name="Picture 6">
+            <a:extLst>
+              <a:ext uri="{FF2B5EF4-FFF2-40B4-BE49-F238E27FC236}">
+                <a16:creationId xmlns:a16="http://schemas.microsoft.com/office/drawing/2014/main" id="{9B477BA7-BB30-4CDE-B218-285246DC6F50}"/>
+              </a:ext>
+            </a:extLst>
+          </p:cNvPr>
+          <p:cNvPicPr>
+            <a:picLocks noGrp="1" noChangeAspect="1"/>
+          </p:cNvPicPr>
           <p:nvPr>
             <p:ph idx="1"/>
           </p:nvPr>
+        </p:nvPicPr>
+        <p:blipFill>
+          <a:blip r:embed="rId2"/>
+          <a:stretch>
+            <a:fillRect/>
+          </a:stretch>
+        </p:blipFill>
+        <p:spPr>
+          <a:xfrm>
+            <a:off x="1055441" y="1384916"/>
+            <a:ext cx="10224626" cy="2427748"/>
+          </a:xfrm>
+        </p:spPr>
+      </p:pic>
+      <p:sp>
+        <p:nvSpPr>
+          <p:cNvPr id="4" name="Footer Placeholder 3">
+            <a:extLst>
+              <a:ext uri="{FF2B5EF4-FFF2-40B4-BE49-F238E27FC236}">
+                <a16:creationId xmlns:a16="http://schemas.microsoft.com/office/drawing/2014/main" id="{D82DAD38-8A5F-441F-8448-3EEEC3F5285E}"/>
+              </a:ext>
+            </a:extLst>
+          </p:cNvPr>
+          <p:cNvSpPr>
+            <a:spLocks noGrp="1"/>
+          </p:cNvSpPr>
+          <p:nvPr>
+            <p:ph type="ftr" sz="quarter" idx="11"/>
+          </p:nvPr>
         </p:nvSpPr>
         <p:spPr/>
         <p:txBody>
-          <a:bodyPr vert="horz" lIns="91440" tIns="45720" rIns="91440" bIns="45720" rtlCol="0" anchor="t">
-            <a:normAutofit/>
-          </a:bodyPr>
-          <a:lstStyle/>
-          <a:p>
-            <a:pPr>
-              <a:buFont typeface="Arial" panose="05000000000000000000" pitchFamily="2" charset="2"/>
-              <a:buChar char="•"/>
-            </a:pPr>
-            <a:r>
-              <a:rPr lang="en-GB" dirty="0">
-                <a:ea typeface="+mn-lt"/>
-                <a:cs typeface="+mn-lt"/>
-              </a:rPr>
-              <a:t>Exercise 1: Using an API - how many people are in space right now?</a:t>
-            </a:r>
-            <a:endParaRPr lang="en-US" dirty="0">
-              <a:ea typeface="+mn-lt"/>
-              <a:cs typeface="+mn-lt"/>
-            </a:endParaRPr>
-          </a:p>
-          <a:p>
-            <a:pPr>
-              <a:buFont typeface="Arial,Sans-Serif" panose="05000000000000000000" pitchFamily="2" charset="2"/>
-              <a:buChar char="•"/>
-            </a:pPr>
-            <a:r>
-              <a:rPr lang="en-GB" dirty="0">
-                <a:ea typeface="+mn-lt"/>
-                <a:cs typeface="+mn-lt"/>
-              </a:rPr>
-              <a:t>Exercise 2: Using an API - what is the UK Covid-19 case rate?</a:t>
-            </a:r>
-            <a:endParaRPr lang="en-GB" dirty="0"/>
-          </a:p>
-        </p:txBody>
-      </p:sp>
-      <p:sp>
-        <p:nvSpPr>
-          <p:cNvPr id="4" name="Footer Placeholder 3">
-            <a:extLst>
-              <a:ext uri="{FF2B5EF4-FFF2-40B4-BE49-F238E27FC236}">
-                <a16:creationId xmlns:a16="http://schemas.microsoft.com/office/drawing/2014/main" id="{B6C7C547-6F8E-4D59-8977-3698BCEED57D}"/>
-              </a:ext>
-            </a:extLst>
-          </p:cNvPr>
-          <p:cNvSpPr>
-            <a:spLocks noGrp="1"/>
-          </p:cNvSpPr>
-          <p:nvPr>
-            <p:ph type="ftr" sz="quarter" idx="11"/>
-          </p:nvPr>
-        </p:nvSpPr>
-        <p:spPr/>
-        <p:txBody>
           <a:bodyPr/>
           <a:lstStyle/>
           <a:p>
             <a:r>
-              <a:rPr lang="en-GB" dirty="0"/>
+              <a:rPr lang="en-GB"/>
               <a:t>MSC HEALTH DATA SCIENCE</a:t>
             </a:r>
           </a:p>
@@ -4410,7 +4358,7 @@
           <p:cNvPr id="5" name="Slide Number Placeholder 4">
             <a:extLst>
               <a:ext uri="{FF2B5EF4-FFF2-40B4-BE49-F238E27FC236}">
-                <a16:creationId xmlns:a16="http://schemas.microsoft.com/office/drawing/2014/main" id="{BDDA59F1-018F-473E-8DD3-47EA12619D2B}"/>
+                <a16:creationId xmlns:a16="http://schemas.microsoft.com/office/drawing/2014/main" id="{181DA483-9306-4C92-B50C-4242E892464F}"/>
               </a:ext>
             </a:extLst>
           </p:cNvPr>
@@ -4434,10 +4382,508 @@
           </a:p>
         </p:txBody>
       </p:sp>
+      <p:sp>
+        <p:nvSpPr>
+          <p:cNvPr id="7" name="TextBox 6">
+            <a:extLst>
+              <a:ext uri="{FF2B5EF4-FFF2-40B4-BE49-F238E27FC236}">
+                <a16:creationId xmlns:a16="http://schemas.microsoft.com/office/drawing/2014/main" id="{DCF00906-68A2-454D-9C98-C164133E1AED}"/>
+              </a:ext>
+            </a:extLst>
+          </p:cNvPr>
+          <p:cNvSpPr txBox="1"/>
+          <p:nvPr/>
+        </p:nvSpPr>
+        <p:spPr>
+          <a:xfrm>
+            <a:off x="4839111" y="5887884"/>
+            <a:ext cx="6741649" cy="276999"/>
+          </a:xfrm>
+          <a:prstGeom prst="rect">
+            <a:avLst/>
+          </a:prstGeom>
+          <a:noFill/>
+        </p:spPr>
+        <p:txBody>
+          <a:bodyPr rot="0" spcFirstLastPara="0" vertOverflow="overflow" horzOverflow="overflow" vert="horz" wrap="square" lIns="91440" tIns="45720" rIns="91440" bIns="45720" numCol="1" spcCol="0" rtlCol="0" fromWordArt="0" anchor="t" anchorCtr="0" forceAA="0" compatLnSpc="1">
+            <a:prstTxWarp prst="textNoShape">
+              <a:avLst/>
+            </a:prstTxWarp>
+            <a:spAutoFit/>
+          </a:bodyPr>
+          <a:lstStyle/>
+          <a:p>
+            <a:r>
+              <a:rPr lang="en-GB" sz="1200" err="1">
+                <a:solidFill>
+                  <a:schemeClr val="tx2">
+                    <a:lumMod val="40000"/>
+                    <a:lumOff val="60000"/>
+                  </a:schemeClr>
+                </a:solidFill>
+                <a:ea typeface="+mn-lt"/>
+                <a:cs typeface="+mn-lt"/>
+              </a:rPr>
+              <a:t>Mongolariun</a:t>
+            </a:r>
+            <a:r>
+              <a:rPr lang="en-GB" sz="1200">
+                <a:solidFill>
+                  <a:schemeClr val="tx2">
+                    <a:lumMod val="40000"/>
+                    <a:lumOff val="60000"/>
+                  </a:schemeClr>
+                </a:solidFill>
+                <a:ea typeface="+mn-lt"/>
+                <a:cs typeface="+mn-lt"/>
+              </a:rPr>
+              <a:t>, CC BY-SA 4.0 &lt;https://creativecommons.org/licenses/by-sa/4.0&gt;, via Wikimedia Commons</a:t>
+            </a:r>
+            <a:endParaRPr lang="en-US" sz="1200">
+              <a:solidFill>
+                <a:schemeClr val="tx2">
+                  <a:lumMod val="40000"/>
+                  <a:lumOff val="60000"/>
+                </a:schemeClr>
+              </a:solidFill>
+              <a:cs typeface="Calibri"/>
+            </a:endParaRPr>
+          </a:p>
+        </p:txBody>
+      </p:sp>
+      <p:sp>
+        <p:nvSpPr>
+          <p:cNvPr id="3" name="TextBox 2">
+            <a:extLst>
+              <a:ext uri="{FF2B5EF4-FFF2-40B4-BE49-F238E27FC236}">
+                <a16:creationId xmlns:a16="http://schemas.microsoft.com/office/drawing/2014/main" id="{0F49220C-C186-845F-21F2-A1460CC64918}"/>
+              </a:ext>
+            </a:extLst>
+          </p:cNvPr>
+          <p:cNvSpPr txBox="1"/>
+          <p:nvPr/>
+        </p:nvSpPr>
+        <p:spPr>
+          <a:xfrm>
+            <a:off x="990600" y="4156364"/>
+            <a:ext cx="1177637" cy="369332"/>
+          </a:xfrm>
+          <a:prstGeom prst="rect">
+            <a:avLst/>
+          </a:prstGeom>
+          <a:noFill/>
+        </p:spPr>
+        <p:txBody>
+          <a:bodyPr rot="0" spcFirstLastPara="0" vertOverflow="overflow" horzOverflow="overflow" vert="horz" wrap="square" lIns="91440" tIns="45720" rIns="91440" bIns="45720" numCol="1" spcCol="0" rtlCol="0" fromWordArt="0" anchor="t" anchorCtr="0" forceAA="0" compatLnSpc="1">
+            <a:prstTxWarp prst="textNoShape">
+              <a:avLst/>
+            </a:prstTxWarp>
+            <a:spAutoFit/>
+          </a:bodyPr>
+          <a:lstStyle/>
+          <a:p>
+            <a:pPr algn="l"/>
+            <a:r>
+              <a:rPr lang="en-GB">
+                <a:cs typeface="Calibri"/>
+              </a:rPr>
+              <a:t>Pavement</a:t>
+            </a:r>
+            <a:endParaRPr lang="en-GB"/>
+          </a:p>
+        </p:txBody>
+      </p:sp>
+      <p:sp>
+        <p:nvSpPr>
+          <p:cNvPr id="8" name="TextBox 7">
+            <a:extLst>
+              <a:ext uri="{FF2B5EF4-FFF2-40B4-BE49-F238E27FC236}">
+                <a16:creationId xmlns:a16="http://schemas.microsoft.com/office/drawing/2014/main" id="{B9044C4B-03D6-03AE-89B4-4DEB1DCD0A51}"/>
+              </a:ext>
+            </a:extLst>
+          </p:cNvPr>
+          <p:cNvSpPr txBox="1"/>
+          <p:nvPr/>
+        </p:nvSpPr>
+        <p:spPr>
+          <a:xfrm>
+            <a:off x="2743199" y="4156363"/>
+            <a:ext cx="1524000" cy="369332"/>
+          </a:xfrm>
+          <a:prstGeom prst="rect">
+            <a:avLst/>
+          </a:prstGeom>
+          <a:noFill/>
+        </p:spPr>
+        <p:txBody>
+          <a:bodyPr rot="0" spcFirstLastPara="0" vertOverflow="overflow" horzOverflow="overflow" vert="horz" wrap="square" lIns="91440" tIns="45720" rIns="91440" bIns="45720" numCol="1" spcCol="0" rtlCol="0" fromWordArt="0" anchor="t" anchorCtr="0" forceAA="0" compatLnSpc="1">
+            <a:prstTxWarp prst="textNoShape">
+              <a:avLst/>
+            </a:prstTxWarp>
+            <a:spAutoFit/>
+          </a:bodyPr>
+          <a:lstStyle/>
+          <a:p>
+            <a:r>
+              <a:rPr lang="en-GB">
+                <a:cs typeface="Calibri"/>
+              </a:rPr>
+              <a:t>Liver building</a:t>
+            </a:r>
+            <a:endParaRPr lang="en-GB"/>
+          </a:p>
+        </p:txBody>
+      </p:sp>
+      <p:sp>
+        <p:nvSpPr>
+          <p:cNvPr id="9" name="TextBox 8">
+            <a:extLst>
+              <a:ext uri="{FF2B5EF4-FFF2-40B4-BE49-F238E27FC236}">
+                <a16:creationId xmlns:a16="http://schemas.microsoft.com/office/drawing/2014/main" id="{6656A9E5-09F4-9C5E-11A4-0D3437B47D2A}"/>
+              </a:ext>
+            </a:extLst>
+          </p:cNvPr>
+          <p:cNvSpPr txBox="1"/>
+          <p:nvPr/>
+        </p:nvSpPr>
+        <p:spPr>
+          <a:xfrm>
+            <a:off x="4932219" y="4156364"/>
+            <a:ext cx="1572491" cy="383186"/>
+          </a:xfrm>
+          <a:prstGeom prst="rect">
+            <a:avLst/>
+          </a:prstGeom>
+          <a:noFill/>
+        </p:spPr>
+        <p:txBody>
+          <a:bodyPr rot="0" spcFirstLastPara="0" vertOverflow="overflow" horzOverflow="overflow" vert="horz" wrap="square" lIns="91440" tIns="45720" rIns="91440" bIns="45720" numCol="1" spcCol="0" rtlCol="0" fromWordArt="0" anchor="t" anchorCtr="0" forceAA="0" compatLnSpc="1">
+            <a:prstTxWarp prst="textNoShape">
+              <a:avLst/>
+            </a:prstTxWarp>
+            <a:spAutoFit/>
+          </a:bodyPr>
+          <a:lstStyle/>
+          <a:p>
+            <a:r>
+              <a:rPr lang="en-GB">
+                <a:cs typeface="Calibri"/>
+              </a:rPr>
+              <a:t>Flat number 3</a:t>
+            </a:r>
+            <a:endParaRPr lang="en-GB"/>
+          </a:p>
+        </p:txBody>
+      </p:sp>
+      <p:sp>
+        <p:nvSpPr>
+          <p:cNvPr id="10" name="TextBox 9">
+            <a:extLst>
+              <a:ext uri="{FF2B5EF4-FFF2-40B4-BE49-F238E27FC236}">
+                <a16:creationId xmlns:a16="http://schemas.microsoft.com/office/drawing/2014/main" id="{4FE86ADD-71CE-4929-7007-ECF986CFD736}"/>
+              </a:ext>
+            </a:extLst>
+          </p:cNvPr>
+          <p:cNvSpPr txBox="1"/>
+          <p:nvPr/>
+        </p:nvSpPr>
+        <p:spPr>
+          <a:xfrm>
+            <a:off x="6968836" y="4156363"/>
+            <a:ext cx="2881745" cy="369332"/>
+          </a:xfrm>
+          <a:prstGeom prst="rect">
+            <a:avLst/>
+          </a:prstGeom>
+          <a:noFill/>
+        </p:spPr>
+        <p:txBody>
+          <a:bodyPr rot="0" spcFirstLastPara="0" vertOverflow="overflow" horzOverflow="overflow" vert="horz" wrap="square" lIns="91440" tIns="45720" rIns="91440" bIns="45720" numCol="1" spcCol="0" rtlCol="0" fromWordArt="0" anchor="t" anchorCtr="0" forceAA="0" compatLnSpc="1">
+            <a:prstTxWarp prst="textNoShape">
+              <a:avLst/>
+            </a:prstTxWarp>
+            <a:spAutoFit/>
+          </a:bodyPr>
+          <a:lstStyle/>
+          <a:p>
+            <a:pPr algn="l"/>
+            <a:r>
+              <a:rPr lang="en-GB">
+                <a:cs typeface="Calibri"/>
+              </a:rPr>
+              <a:t>Kitchen/cupboard/</a:t>
+            </a:r>
+            <a:r>
+              <a:rPr lang="en-GB" err="1">
+                <a:cs typeface="Calibri"/>
+              </a:rPr>
+              <a:t>get_mug</a:t>
+            </a:r>
+            <a:endParaRPr lang="en-GB" err="1"/>
+          </a:p>
+        </p:txBody>
+      </p:sp>
+      <p:sp>
+        <p:nvSpPr>
+          <p:cNvPr id="11" name="TextBox 10">
+            <a:extLst>
+              <a:ext uri="{FF2B5EF4-FFF2-40B4-BE49-F238E27FC236}">
+                <a16:creationId xmlns:a16="http://schemas.microsoft.com/office/drawing/2014/main" id="{066B4770-C637-8F93-CD15-05CBA90A1992}"/>
+              </a:ext>
+            </a:extLst>
+          </p:cNvPr>
+          <p:cNvSpPr txBox="1"/>
+          <p:nvPr/>
+        </p:nvSpPr>
+        <p:spPr>
+          <a:xfrm>
+            <a:off x="10044544" y="4156363"/>
+            <a:ext cx="2743200" cy="369332"/>
+          </a:xfrm>
+          <a:prstGeom prst="rect">
+            <a:avLst/>
+          </a:prstGeom>
+          <a:noFill/>
+        </p:spPr>
+        <p:txBody>
+          <a:bodyPr rot="0" spcFirstLastPara="0" vertOverflow="overflow" horzOverflow="overflow" vert="horz" wrap="square" lIns="91440" tIns="45720" rIns="91440" bIns="45720" numCol="1" spcCol="0" rtlCol="0" fromWordArt="0" anchor="t" anchorCtr="0" forceAA="0" compatLnSpc="1">
+            <a:prstTxWarp prst="textNoShape">
+              <a:avLst/>
+            </a:prstTxWarp>
+            <a:spAutoFit/>
+          </a:bodyPr>
+          <a:lstStyle/>
+          <a:p>
+            <a:pPr algn="l"/>
+            <a:r>
+              <a:rPr lang="en-GB">
+                <a:cs typeface="Calibri"/>
+              </a:rPr>
+              <a:t>colour=red</a:t>
+            </a:r>
+            <a:endParaRPr lang="en-GB"/>
+          </a:p>
+        </p:txBody>
+      </p:sp>
+      <p:sp>
+        <p:nvSpPr>
+          <p:cNvPr id="13" name="Rectangle 12">
+            <a:extLst>
+              <a:ext uri="{FF2B5EF4-FFF2-40B4-BE49-F238E27FC236}">
+                <a16:creationId xmlns:a16="http://schemas.microsoft.com/office/drawing/2014/main" id="{4E371A58-754D-033C-0A1E-B2E490CA5E97}"/>
+              </a:ext>
+            </a:extLst>
+          </p:cNvPr>
+          <p:cNvSpPr/>
+          <p:nvPr/>
+        </p:nvSpPr>
+        <p:spPr>
+          <a:xfrm>
+            <a:off x="838198" y="5015343"/>
+            <a:ext cx="10917381" cy="748145"/>
+          </a:xfrm>
+          <a:prstGeom prst="rect">
+            <a:avLst/>
+          </a:prstGeom>
+          <a:solidFill>
+            <a:srgbClr val="00B050"/>
+          </a:solidFill>
+        </p:spPr>
+        <p:style>
+          <a:lnRef idx="2">
+            <a:schemeClr val="accent1">
+              <a:shade val="15000"/>
+            </a:schemeClr>
+          </a:lnRef>
+          <a:fillRef idx="1">
+            <a:schemeClr val="accent1"/>
+          </a:fillRef>
+          <a:effectRef idx="0">
+            <a:schemeClr val="accent1"/>
+          </a:effectRef>
+          <a:fontRef idx="minor">
+            <a:schemeClr val="lt1"/>
+          </a:fontRef>
+        </p:style>
+        <p:txBody>
+          <a:bodyPr rtlCol="0" anchor="ctr"/>
+          <a:lstStyle/>
+          <a:p>
+            <a:pPr algn="ctr"/>
+            <a:endParaRPr lang="en-GB"/>
+          </a:p>
+        </p:txBody>
+      </p:sp>
+      <p:sp>
+        <p:nvSpPr>
+          <p:cNvPr id="14" name="TextBox 13">
+            <a:extLst>
+              <a:ext uri="{FF2B5EF4-FFF2-40B4-BE49-F238E27FC236}">
+                <a16:creationId xmlns:a16="http://schemas.microsoft.com/office/drawing/2014/main" id="{26B4CC97-BD72-4DEC-E53B-11B1E7FBE4B8}"/>
+              </a:ext>
+            </a:extLst>
+          </p:cNvPr>
+          <p:cNvSpPr txBox="1"/>
+          <p:nvPr/>
+        </p:nvSpPr>
+        <p:spPr>
+          <a:xfrm>
+            <a:off x="983672" y="5174672"/>
+            <a:ext cx="1177637" cy="369332"/>
+          </a:xfrm>
+          <a:prstGeom prst="rect">
+            <a:avLst/>
+          </a:prstGeom>
+          <a:noFill/>
+        </p:spPr>
+        <p:txBody>
+          <a:bodyPr rot="0" spcFirstLastPara="0" vertOverflow="overflow" horzOverflow="overflow" vert="horz" wrap="square" lIns="91440" tIns="45720" rIns="91440" bIns="45720" numCol="1" spcCol="0" rtlCol="0" fromWordArt="0" anchor="t" anchorCtr="0" forceAA="0" compatLnSpc="1">
+            <a:prstTxWarp prst="textNoShape">
+              <a:avLst/>
+            </a:prstTxWarp>
+            <a:spAutoFit/>
+          </a:bodyPr>
+          <a:lstStyle/>
+          <a:p>
+            <a:pPr algn="l"/>
+            <a:r>
+              <a:rPr lang="en-GB">
+                <a:cs typeface="Calibri"/>
+              </a:rPr>
+              <a:t>Road</a:t>
+            </a:r>
+            <a:endParaRPr lang="en-US"/>
+          </a:p>
+        </p:txBody>
+      </p:sp>
+      <p:sp>
+        <p:nvSpPr>
+          <p:cNvPr id="15" name="TextBox 14">
+            <a:extLst>
+              <a:ext uri="{FF2B5EF4-FFF2-40B4-BE49-F238E27FC236}">
+                <a16:creationId xmlns:a16="http://schemas.microsoft.com/office/drawing/2014/main" id="{7090D393-E45D-BA75-22B2-92E48A41C20A}"/>
+              </a:ext>
+            </a:extLst>
+          </p:cNvPr>
+          <p:cNvSpPr txBox="1"/>
+          <p:nvPr/>
+        </p:nvSpPr>
+        <p:spPr>
+          <a:xfrm>
+            <a:off x="2736271" y="5174671"/>
+            <a:ext cx="1524000" cy="369332"/>
+          </a:xfrm>
+          <a:prstGeom prst="rect">
+            <a:avLst/>
+          </a:prstGeom>
+          <a:noFill/>
+        </p:spPr>
+        <p:txBody>
+          <a:bodyPr rot="0" spcFirstLastPara="0" vertOverflow="overflow" horzOverflow="overflow" vert="horz" wrap="square" lIns="91440" tIns="45720" rIns="91440" bIns="45720" numCol="1" spcCol="0" rtlCol="0" fromWordArt="0" anchor="t" anchorCtr="0" forceAA="0" compatLnSpc="1">
+            <a:prstTxWarp prst="textNoShape">
+              <a:avLst/>
+            </a:prstTxWarp>
+            <a:spAutoFit/>
+          </a:bodyPr>
+          <a:lstStyle/>
+          <a:p>
+            <a:r>
+              <a:rPr lang="en-GB">
+                <a:cs typeface="Calibri"/>
+              </a:rPr>
+              <a:t>Liver building</a:t>
+            </a:r>
+            <a:endParaRPr lang="en-GB"/>
+          </a:p>
+        </p:txBody>
+      </p:sp>
+      <p:sp>
+        <p:nvSpPr>
+          <p:cNvPr id="16" name="TextBox 15">
+            <a:extLst>
+              <a:ext uri="{FF2B5EF4-FFF2-40B4-BE49-F238E27FC236}">
+                <a16:creationId xmlns:a16="http://schemas.microsoft.com/office/drawing/2014/main" id="{DCD60753-1082-92A7-CA61-FCD6273FCA8A}"/>
+              </a:ext>
+            </a:extLst>
+          </p:cNvPr>
+          <p:cNvSpPr txBox="1"/>
+          <p:nvPr/>
+        </p:nvSpPr>
+        <p:spPr>
+          <a:xfrm>
+            <a:off x="4932218" y="5174672"/>
+            <a:ext cx="1905000" cy="369332"/>
+          </a:xfrm>
+          <a:prstGeom prst="rect">
+            <a:avLst/>
+          </a:prstGeom>
+          <a:noFill/>
+        </p:spPr>
+        <p:txBody>
+          <a:bodyPr rot="0" spcFirstLastPara="0" vertOverflow="overflow" horzOverflow="overflow" vert="horz" wrap="square" lIns="91440" tIns="45720" rIns="91440" bIns="45720" numCol="1" spcCol="0" rtlCol="0" fromWordArt="0" anchor="t" anchorCtr="0" forceAA="0" compatLnSpc="1">
+            <a:prstTxWarp prst="textNoShape">
+              <a:avLst/>
+            </a:prstTxWarp>
+            <a:spAutoFit/>
+          </a:bodyPr>
+          <a:lstStyle/>
+          <a:p>
+            <a:r>
+              <a:rPr lang="en-GB">
+                <a:cs typeface="Calibri"/>
+              </a:rPr>
+              <a:t>Garage number 2</a:t>
+            </a:r>
+            <a:endParaRPr lang="en-US"/>
+          </a:p>
+        </p:txBody>
+      </p:sp>
+      <p:sp>
+        <p:nvSpPr>
+          <p:cNvPr id="17" name="TextBox 16">
+            <a:extLst>
+              <a:ext uri="{FF2B5EF4-FFF2-40B4-BE49-F238E27FC236}">
+                <a16:creationId xmlns:a16="http://schemas.microsoft.com/office/drawing/2014/main" id="{0E832608-6365-AB7B-4295-B9059E17A83D}"/>
+              </a:ext>
+            </a:extLst>
+          </p:cNvPr>
+          <p:cNvSpPr txBox="1"/>
+          <p:nvPr/>
+        </p:nvSpPr>
+        <p:spPr>
+          <a:xfrm>
+            <a:off x="6961908" y="5174671"/>
+            <a:ext cx="2881745" cy="369332"/>
+          </a:xfrm>
+          <a:prstGeom prst="rect">
+            <a:avLst/>
+          </a:prstGeom>
+          <a:noFill/>
+        </p:spPr>
+        <p:txBody>
+          <a:bodyPr rot="0" spcFirstLastPara="0" vertOverflow="overflow" horzOverflow="overflow" vert="horz" wrap="square" lIns="91440" tIns="45720" rIns="91440" bIns="45720" numCol="1" spcCol="0" rtlCol="0" fromWordArt="0" anchor="t" anchorCtr="0" forceAA="0" compatLnSpc="1">
+            <a:prstTxWarp prst="textNoShape">
+              <a:avLst/>
+            </a:prstTxWarp>
+            <a:spAutoFit/>
+          </a:bodyPr>
+          <a:lstStyle/>
+          <a:p>
+            <a:pPr algn="l"/>
+            <a:r>
+              <a:rPr lang="en-GB">
+                <a:cs typeface="Calibri"/>
+              </a:rPr>
+              <a:t>Park/car</a:t>
+            </a:r>
+            <a:endParaRPr lang="en-US"/>
+          </a:p>
+        </p:txBody>
+      </p:sp>
     </p:spTree>
     <p:extLst>
       <p:ext uri="{BB962C8B-B14F-4D97-AF65-F5344CB8AC3E}">
-        <p14:creationId xmlns:p14="http://schemas.microsoft.com/office/powerpoint/2010/main" val="3559725755"/>
+        <p14:creationId xmlns:p14="http://schemas.microsoft.com/office/powerpoint/2010/main" val="2449012395"/>
       </p:ext>
     </p:extLst>
   </p:cSld>
@@ -4469,6 +4915,1300 @@
           <p:cNvPr id="2" name="Title 1">
             <a:extLst>
               <a:ext uri="{FF2B5EF4-FFF2-40B4-BE49-F238E27FC236}">
+                <a16:creationId xmlns:a16="http://schemas.microsoft.com/office/drawing/2014/main" id="{3CC61A15-E115-48E1-8FEA-E48206F72834}"/>
+              </a:ext>
+            </a:extLst>
+          </p:cNvPr>
+          <p:cNvSpPr>
+            <a:spLocks noGrp="1"/>
+          </p:cNvSpPr>
+          <p:nvPr>
+            <p:ph type="title"/>
+          </p:nvPr>
+        </p:nvSpPr>
+        <p:spPr/>
+        <p:txBody>
+          <a:bodyPr/>
+          <a:lstStyle/>
+          <a:p>
+            <a:r>
+              <a:rPr lang="en-GB">
+                <a:cs typeface="Calibri"/>
+              </a:rPr>
+              <a:t>Response</a:t>
+            </a:r>
+            <a:endParaRPr lang="en-GB"/>
+          </a:p>
+        </p:txBody>
+      </p:sp>
+      <p:sp>
+        <p:nvSpPr>
+          <p:cNvPr id="3" name="Content Placeholder 2">
+            <a:extLst>
+              <a:ext uri="{FF2B5EF4-FFF2-40B4-BE49-F238E27FC236}">
+                <a16:creationId xmlns:a16="http://schemas.microsoft.com/office/drawing/2014/main" id="{FDB0F0FD-9131-41A0-97C8-5F3EE874CBBC}"/>
+              </a:ext>
+            </a:extLst>
+          </p:cNvPr>
+          <p:cNvSpPr>
+            <a:spLocks noGrp="1"/>
+          </p:cNvSpPr>
+          <p:nvPr>
+            <p:ph idx="1"/>
+          </p:nvPr>
+        </p:nvSpPr>
+        <p:spPr/>
+        <p:txBody>
+          <a:bodyPr vert="horz" lIns="91440" tIns="45720" rIns="91440" bIns="45720" rtlCol="0" anchor="t">
+            <a:normAutofit/>
+          </a:bodyPr>
+          <a:lstStyle/>
+          <a:p>
+            <a:pPr>
+              <a:buFont typeface="Arial" panose="05000000000000000000" pitchFamily="2" charset="2"/>
+              <a:buChar char="•"/>
+            </a:pPr>
+            <a:r>
+              <a:rPr lang="en-GB">
+                <a:cs typeface="Calibri" panose="020F0502020204030204"/>
+              </a:rPr>
+              <a:t>Typically get a header and content in the response</a:t>
+            </a:r>
+            <a:endParaRPr lang="en-US"/>
+          </a:p>
+          <a:p>
+            <a:pPr>
+              <a:buFont typeface="Arial" panose="05000000000000000000" pitchFamily="2" charset="2"/>
+              <a:buChar char="•"/>
+            </a:pPr>
+            <a:r>
+              <a:rPr lang="en-GB">
+                <a:cs typeface="Calibri" panose="020F0502020204030204"/>
+              </a:rPr>
+              <a:t>Response codes in header</a:t>
+            </a:r>
+          </a:p>
+          <a:p>
+            <a:pPr lvl="1">
+              <a:buFont typeface="Arial" panose="05000000000000000000" pitchFamily="2" charset="2"/>
+              <a:buChar char="•"/>
+            </a:pPr>
+            <a:r>
+              <a:rPr lang="en-GB">
+                <a:cs typeface="Calibri" panose="020F0502020204030204"/>
+              </a:rPr>
+              <a:t>200 – OK</a:t>
+            </a:r>
+          </a:p>
+          <a:p>
+            <a:pPr lvl="1">
+              <a:buFont typeface="Arial" panose="05000000000000000000" pitchFamily="2" charset="2"/>
+              <a:buChar char="•"/>
+            </a:pPr>
+            <a:r>
+              <a:rPr lang="en-GB">
+                <a:cs typeface="Calibri" panose="020F0502020204030204"/>
+              </a:rPr>
+              <a:t>404 – Not found</a:t>
+            </a:r>
+          </a:p>
+          <a:p>
+            <a:pPr lvl="1">
+              <a:buFont typeface="Arial" panose="05000000000000000000" pitchFamily="2" charset="2"/>
+              <a:buChar char="•"/>
+            </a:pPr>
+            <a:r>
+              <a:rPr lang="en-GB">
+                <a:cs typeface="Calibri" panose="020F0502020204030204"/>
+              </a:rPr>
+              <a:t>500 – Internal server error</a:t>
+            </a:r>
+          </a:p>
+          <a:p>
+            <a:pPr>
+              <a:buFont typeface="Arial" panose="05000000000000000000" pitchFamily="2" charset="2"/>
+              <a:buChar char="•"/>
+            </a:pPr>
+            <a:r>
+              <a:rPr lang="en-GB">
+                <a:cs typeface="Calibri" panose="020F0502020204030204"/>
+              </a:rPr>
+              <a:t>Content is usually JSON or XML</a:t>
+            </a:r>
+          </a:p>
+        </p:txBody>
+      </p:sp>
+      <p:sp>
+        <p:nvSpPr>
+          <p:cNvPr id="4" name="Footer Placeholder 3">
+            <a:extLst>
+              <a:ext uri="{FF2B5EF4-FFF2-40B4-BE49-F238E27FC236}">
+                <a16:creationId xmlns:a16="http://schemas.microsoft.com/office/drawing/2014/main" id="{A20B03A6-B0EF-441A-9D19-D7C2F86227CF}"/>
+              </a:ext>
+            </a:extLst>
+          </p:cNvPr>
+          <p:cNvSpPr>
+            <a:spLocks noGrp="1"/>
+          </p:cNvSpPr>
+          <p:nvPr>
+            <p:ph type="ftr" sz="quarter" idx="11"/>
+          </p:nvPr>
+        </p:nvSpPr>
+        <p:spPr/>
+        <p:txBody>
+          <a:bodyPr/>
+          <a:lstStyle/>
+          <a:p>
+            <a:r>
+              <a:rPr lang="en-GB"/>
+              <a:t>MSC HEALTH DATA SCIENCE</a:t>
+            </a:r>
+          </a:p>
+        </p:txBody>
+      </p:sp>
+      <p:sp>
+        <p:nvSpPr>
+          <p:cNvPr id="5" name="Slide Number Placeholder 4">
+            <a:extLst>
+              <a:ext uri="{FF2B5EF4-FFF2-40B4-BE49-F238E27FC236}">
+                <a16:creationId xmlns:a16="http://schemas.microsoft.com/office/drawing/2014/main" id="{5690FB6C-9FED-4E57-9FF2-FB585D3F80DF}"/>
+              </a:ext>
+            </a:extLst>
+          </p:cNvPr>
+          <p:cNvSpPr>
+            <a:spLocks noGrp="1"/>
+          </p:cNvSpPr>
+          <p:nvPr>
+            <p:ph type="sldNum" sz="quarter" idx="12"/>
+          </p:nvPr>
+        </p:nvSpPr>
+        <p:spPr/>
+        <p:txBody>
+          <a:bodyPr/>
+          <a:lstStyle/>
+          <a:p>
+            <a:fld id="{FC59658C-DD7A-4587-BD02-DE6DA26F2584}" type="slidenum">
+              <a:rPr lang="en-GB" smtClean="0"/>
+              <a:t>13</a:t>
+            </a:fld>
+            <a:endParaRPr lang="en-GB"/>
+          </a:p>
+        </p:txBody>
+      </p:sp>
+    </p:spTree>
+    <p:extLst>
+      <p:ext uri="{BB962C8B-B14F-4D97-AF65-F5344CB8AC3E}">
+        <p14:creationId xmlns:p14="http://schemas.microsoft.com/office/powerpoint/2010/main" val="3962255619"/>
+      </p:ext>
+    </p:extLst>
+  </p:cSld>
+  <p:clrMapOvr>
+    <a:masterClrMapping/>
+  </p:clrMapOvr>
+</p:sld>
+</file>
+
+<file path=ppt/slides/slide14.xml><?xml version="1.0" encoding="utf-8"?>
+<p:sld xmlns:a="http://schemas.openxmlformats.org/drawingml/2006/main" xmlns:r="http://schemas.openxmlformats.org/officeDocument/2006/relationships" xmlns:p="http://schemas.openxmlformats.org/presentationml/2006/main">
+  <p:cSld>
+    <p:spTree>
+      <p:nvGrpSpPr>
+        <p:cNvPr id="1" name=""/>
+        <p:cNvGrpSpPr/>
+        <p:nvPr/>
+      </p:nvGrpSpPr>
+      <p:grpSpPr>
+        <a:xfrm>
+          <a:off x="0" y="0"/>
+          <a:ext cx="0" cy="0"/>
+          <a:chOff x="0" y="0"/>
+          <a:chExt cx="0" cy="0"/>
+        </a:xfrm>
+      </p:grpSpPr>
+      <p:sp>
+        <p:nvSpPr>
+          <p:cNvPr id="2" name="Title 1">
+            <a:extLst>
+              <a:ext uri="{FF2B5EF4-FFF2-40B4-BE49-F238E27FC236}">
+                <a16:creationId xmlns:a16="http://schemas.microsoft.com/office/drawing/2014/main" id="{84E3D250-554B-7BD7-4C80-83EF7997BFF5}"/>
+              </a:ext>
+            </a:extLst>
+          </p:cNvPr>
+          <p:cNvSpPr>
+            <a:spLocks noGrp="1"/>
+          </p:cNvSpPr>
+          <p:nvPr>
+            <p:ph type="title"/>
+          </p:nvPr>
+        </p:nvSpPr>
+        <p:spPr/>
+        <p:txBody>
+          <a:bodyPr/>
+          <a:lstStyle/>
+          <a:p>
+            <a:r>
+              <a:rPr lang="en-GB">
+                <a:cs typeface="Calibri"/>
+              </a:rPr>
+              <a:t>Google maps elevation API call example</a:t>
+            </a:r>
+            <a:endParaRPr lang="en-GB"/>
+          </a:p>
+        </p:txBody>
+      </p:sp>
+      <p:sp>
+        <p:nvSpPr>
+          <p:cNvPr id="3" name="Content Placeholder 2">
+            <a:extLst>
+              <a:ext uri="{FF2B5EF4-FFF2-40B4-BE49-F238E27FC236}">
+                <a16:creationId xmlns:a16="http://schemas.microsoft.com/office/drawing/2014/main" id="{81B6594A-7BA4-677E-DCA7-76DD24925E41}"/>
+              </a:ext>
+            </a:extLst>
+          </p:cNvPr>
+          <p:cNvSpPr>
+            <a:spLocks noGrp="1"/>
+          </p:cNvSpPr>
+          <p:nvPr>
+            <p:ph idx="1"/>
+          </p:nvPr>
+        </p:nvSpPr>
+        <p:spPr>
+          <a:xfrm>
+            <a:off x="631373" y="1520825"/>
+            <a:ext cx="11444843" cy="659103"/>
+          </a:xfrm>
+        </p:spPr>
+        <p:txBody>
+          <a:bodyPr vert="horz" lIns="91440" tIns="45720" rIns="91440" bIns="45720" rtlCol="0" anchor="t">
+            <a:normAutofit/>
+          </a:bodyPr>
+          <a:lstStyle/>
+          <a:p>
+            <a:pPr marL="0" indent="0">
+              <a:buNone/>
+            </a:pPr>
+            <a:r>
+              <a:rPr lang="en-GB" sz="2000">
+                <a:ea typeface="+mn-lt"/>
+                <a:cs typeface="+mn-lt"/>
+              </a:rPr>
+              <a:t>Request: </a:t>
+            </a:r>
+            <a:r>
+              <a:rPr lang="en-GB" sz="2000">
+                <a:ea typeface="+mn-lt"/>
+                <a:cs typeface="+mn-lt"/>
+                <a:hlinkClick r:id="rId2"/>
+              </a:rPr>
+              <a:t>https://maps.googleapis.com/maps/api/elevation/json?locations=39.7391536%2C-104.9847034</a:t>
+            </a:r>
+            <a:endParaRPr lang="en-GB" sz="2000">
+              <a:ea typeface="+mn-lt"/>
+              <a:cs typeface="+mn-lt"/>
+            </a:endParaRPr>
+          </a:p>
+          <a:p>
+            <a:pPr marL="0" indent="0">
+              <a:buNone/>
+            </a:pPr>
+            <a:endParaRPr lang="en-GB">
+              <a:cs typeface="Calibri" panose="020F0502020204030204"/>
+            </a:endParaRPr>
+          </a:p>
+          <a:p>
+            <a:pPr marL="0" indent="0">
+              <a:buNone/>
+            </a:pPr>
+            <a:endParaRPr lang="en-GB">
+              <a:cs typeface="Calibri" panose="020F0502020204030204"/>
+            </a:endParaRPr>
+          </a:p>
+        </p:txBody>
+      </p:sp>
+      <p:sp>
+        <p:nvSpPr>
+          <p:cNvPr id="4" name="Footer Placeholder 3">
+            <a:extLst>
+              <a:ext uri="{FF2B5EF4-FFF2-40B4-BE49-F238E27FC236}">
+                <a16:creationId xmlns:a16="http://schemas.microsoft.com/office/drawing/2014/main" id="{75F2E417-5215-607C-D299-1FB6C578D300}"/>
+              </a:ext>
+            </a:extLst>
+          </p:cNvPr>
+          <p:cNvSpPr>
+            <a:spLocks noGrp="1"/>
+          </p:cNvSpPr>
+          <p:nvPr>
+            <p:ph type="ftr" sz="quarter" idx="11"/>
+          </p:nvPr>
+        </p:nvSpPr>
+        <p:spPr/>
+        <p:txBody>
+          <a:bodyPr/>
+          <a:lstStyle/>
+          <a:p>
+            <a:r>
+              <a:rPr lang="en-GB"/>
+              <a:t>MSC HEALTH DATA SCIENCE</a:t>
+            </a:r>
+          </a:p>
+        </p:txBody>
+      </p:sp>
+      <p:sp>
+        <p:nvSpPr>
+          <p:cNvPr id="5" name="Slide Number Placeholder 4">
+            <a:extLst>
+              <a:ext uri="{FF2B5EF4-FFF2-40B4-BE49-F238E27FC236}">
+                <a16:creationId xmlns:a16="http://schemas.microsoft.com/office/drawing/2014/main" id="{2919FCC3-DE9A-77A2-3759-3F5FB19C72B4}"/>
+              </a:ext>
+            </a:extLst>
+          </p:cNvPr>
+          <p:cNvSpPr>
+            <a:spLocks noGrp="1"/>
+          </p:cNvSpPr>
+          <p:nvPr>
+            <p:ph type="sldNum" sz="quarter" idx="12"/>
+          </p:nvPr>
+        </p:nvSpPr>
+        <p:spPr/>
+        <p:txBody>
+          <a:bodyPr/>
+          <a:lstStyle/>
+          <a:p>
+            <a:fld id="{FC59658C-DD7A-4587-BD02-DE6DA26F2584}" type="slidenum">
+              <a:rPr lang="en-GB" smtClean="0"/>
+              <a:t>14</a:t>
+            </a:fld>
+            <a:endParaRPr lang="en-GB"/>
+          </a:p>
+        </p:txBody>
+      </p:sp>
+      <p:sp>
+        <p:nvSpPr>
+          <p:cNvPr id="7" name="TextBox 6">
+            <a:extLst>
+              <a:ext uri="{FF2B5EF4-FFF2-40B4-BE49-F238E27FC236}">
+                <a16:creationId xmlns:a16="http://schemas.microsoft.com/office/drawing/2014/main" id="{360818D8-10B9-5F1F-13CF-EE6F2D4ABF2F}"/>
+              </a:ext>
+            </a:extLst>
+          </p:cNvPr>
+          <p:cNvSpPr txBox="1"/>
+          <p:nvPr/>
+        </p:nvSpPr>
+        <p:spPr>
+          <a:xfrm>
+            <a:off x="2175163" y="2570017"/>
+            <a:ext cx="6380018" cy="3516860"/>
+          </a:xfrm>
+          <a:prstGeom prst="rect">
+            <a:avLst/>
+          </a:prstGeom>
+          <a:solidFill>
+            <a:schemeClr val="bg1">
+              <a:lumMod val="75000"/>
+            </a:schemeClr>
+          </a:solidFill>
+        </p:spPr>
+        <p:txBody>
+          <a:bodyPr rot="0" spcFirstLastPara="0" vertOverflow="overflow" horzOverflow="overflow" vert="horz" wrap="square" lIns="91440" tIns="45720" rIns="91440" bIns="45720" numCol="1" spcCol="0" rtlCol="0" fromWordArt="0" anchor="t" anchorCtr="0" forceAA="0" compatLnSpc="1">
+            <a:prstTxWarp prst="textNoShape">
+              <a:avLst/>
+            </a:prstTxWarp>
+            <a:spAutoFit/>
+          </a:bodyPr>
+          <a:lstStyle/>
+          <a:p>
+            <a:pPr>
+              <a:lnSpc>
+                <a:spcPct val="90000"/>
+              </a:lnSpc>
+              <a:spcBef>
+                <a:spcPts val="1000"/>
+              </a:spcBef>
+            </a:pPr>
+            <a:r>
+              <a:rPr lang="en-GB" sz="2000">
+                <a:ea typeface="+mn-lt"/>
+                <a:cs typeface="+mn-lt"/>
+              </a:rPr>
+              <a:t>{</a:t>
+            </a:r>
+            <a:br>
+              <a:rPr lang="en-GB" sz="2000">
+                <a:ea typeface="+mn-lt"/>
+                <a:cs typeface="+mn-lt"/>
+              </a:rPr>
+            </a:br>
+            <a:r>
+              <a:rPr lang="en-GB" sz="2000">
+                <a:ea typeface="+mn-lt"/>
+                <a:cs typeface="+mn-lt"/>
+              </a:rPr>
+              <a:t>  "results":</a:t>
+            </a:r>
+            <a:br>
+              <a:rPr lang="en-GB" sz="2000">
+                <a:ea typeface="+mn-lt"/>
+                <a:cs typeface="+mn-lt"/>
+              </a:rPr>
+            </a:br>
+            <a:r>
+              <a:rPr lang="en-GB" sz="2000">
+                <a:ea typeface="+mn-lt"/>
+                <a:cs typeface="+mn-lt"/>
+              </a:rPr>
+              <a:t>    [</a:t>
+            </a:r>
+            <a:br>
+              <a:rPr lang="en-GB" sz="2000">
+                <a:ea typeface="+mn-lt"/>
+                <a:cs typeface="+mn-lt"/>
+              </a:rPr>
+            </a:br>
+            <a:r>
+              <a:rPr lang="en-GB" sz="2000">
+                <a:ea typeface="+mn-lt"/>
+                <a:cs typeface="+mn-lt"/>
+              </a:rPr>
+              <a:t>      {</a:t>
+            </a:r>
+            <a:br>
+              <a:rPr lang="en-GB" sz="2000">
+                <a:ea typeface="+mn-lt"/>
+                <a:cs typeface="+mn-lt"/>
+              </a:rPr>
+            </a:br>
+            <a:r>
+              <a:rPr lang="en-GB" sz="2000">
+                <a:ea typeface="+mn-lt"/>
+                <a:cs typeface="+mn-lt"/>
+              </a:rPr>
+              <a:t>        "elevation": 1608.637939453125,</a:t>
+            </a:r>
+            <a:br>
+              <a:rPr lang="en-GB" sz="2000">
+                <a:ea typeface="+mn-lt"/>
+                <a:cs typeface="+mn-lt"/>
+              </a:rPr>
+            </a:br>
+            <a:r>
+              <a:rPr lang="en-GB" sz="2000">
+                <a:ea typeface="+mn-lt"/>
+                <a:cs typeface="+mn-lt"/>
+              </a:rPr>
+              <a:t>        "location": { "</a:t>
+            </a:r>
+            <a:r>
+              <a:rPr lang="en-GB" sz="2000" err="1">
+                <a:ea typeface="+mn-lt"/>
+                <a:cs typeface="+mn-lt"/>
+              </a:rPr>
+              <a:t>lat</a:t>
+            </a:r>
+            <a:r>
+              <a:rPr lang="en-GB" sz="2000">
+                <a:ea typeface="+mn-lt"/>
+                <a:cs typeface="+mn-lt"/>
+              </a:rPr>
+              <a:t>": 39.7391536, "</a:t>
+            </a:r>
+            <a:r>
+              <a:rPr lang="en-GB" sz="2000" err="1">
+                <a:ea typeface="+mn-lt"/>
+                <a:cs typeface="+mn-lt"/>
+              </a:rPr>
+              <a:t>lng</a:t>
+            </a:r>
+            <a:r>
+              <a:rPr lang="en-GB" sz="2000">
+                <a:ea typeface="+mn-lt"/>
+                <a:cs typeface="+mn-lt"/>
+              </a:rPr>
+              <a:t>": -104.9847034 },</a:t>
+            </a:r>
+            <a:br>
+              <a:rPr lang="en-GB" sz="2000">
+                <a:ea typeface="+mn-lt"/>
+                <a:cs typeface="+mn-lt"/>
+              </a:rPr>
+            </a:br>
+            <a:r>
+              <a:rPr lang="en-GB" sz="2000">
+                <a:ea typeface="+mn-lt"/>
+                <a:cs typeface="+mn-lt"/>
+              </a:rPr>
+              <a:t>        "resolution": 4.771975994110107,</a:t>
+            </a:r>
+            <a:br>
+              <a:rPr lang="en-GB" sz="2000">
+                <a:ea typeface="+mn-lt"/>
+                <a:cs typeface="+mn-lt"/>
+              </a:rPr>
+            </a:br>
+            <a:r>
+              <a:rPr lang="en-GB" sz="2000">
+                <a:ea typeface="+mn-lt"/>
+                <a:cs typeface="+mn-lt"/>
+              </a:rPr>
+              <a:t>      },</a:t>
+            </a:r>
+            <a:br>
+              <a:rPr lang="en-GB" sz="2000">
+                <a:ea typeface="+mn-lt"/>
+                <a:cs typeface="+mn-lt"/>
+              </a:rPr>
+            </a:br>
+            <a:r>
+              <a:rPr lang="en-GB" sz="2000">
+                <a:ea typeface="+mn-lt"/>
+                <a:cs typeface="+mn-lt"/>
+              </a:rPr>
+              <a:t>    ],</a:t>
+            </a:r>
+            <a:br>
+              <a:rPr lang="en-GB" sz="2000">
+                <a:ea typeface="+mn-lt"/>
+                <a:cs typeface="+mn-lt"/>
+              </a:rPr>
+            </a:br>
+            <a:r>
+              <a:rPr lang="en-GB" sz="2000">
+                <a:ea typeface="+mn-lt"/>
+                <a:cs typeface="+mn-lt"/>
+              </a:rPr>
+              <a:t>  "status": "OK",</a:t>
+            </a:r>
+            <a:br>
+              <a:rPr lang="en-GB" sz="2000">
+                <a:ea typeface="+mn-lt"/>
+                <a:cs typeface="+mn-lt"/>
+              </a:rPr>
+            </a:br>
+            <a:r>
+              <a:rPr lang="en-GB" sz="2000">
+                <a:ea typeface="+mn-lt"/>
+                <a:cs typeface="+mn-lt"/>
+              </a:rPr>
+              <a:t>}</a:t>
+            </a:r>
+          </a:p>
+          <a:p>
+            <a:pPr>
+              <a:lnSpc>
+                <a:spcPct val="90000"/>
+              </a:lnSpc>
+              <a:spcBef>
+                <a:spcPts val="1000"/>
+              </a:spcBef>
+            </a:pPr>
+            <a:endParaRPr lang="en-GB">
+              <a:ea typeface="+mn-lt"/>
+              <a:cs typeface="+mn-lt"/>
+            </a:endParaRPr>
+          </a:p>
+        </p:txBody>
+      </p:sp>
+      <p:sp>
+        <p:nvSpPr>
+          <p:cNvPr id="6" name="TextBox 5">
+            <a:extLst>
+              <a:ext uri="{FF2B5EF4-FFF2-40B4-BE49-F238E27FC236}">
+                <a16:creationId xmlns:a16="http://schemas.microsoft.com/office/drawing/2014/main" id="{AF0FE665-EE78-8D70-9136-E497E05002C0}"/>
+              </a:ext>
+            </a:extLst>
+          </p:cNvPr>
+          <p:cNvSpPr txBox="1"/>
+          <p:nvPr/>
+        </p:nvSpPr>
+        <p:spPr>
+          <a:xfrm>
+            <a:off x="699654" y="4003963"/>
+            <a:ext cx="2743200" cy="400110"/>
+          </a:xfrm>
+          <a:prstGeom prst="rect">
+            <a:avLst/>
+          </a:prstGeom>
+          <a:noFill/>
+        </p:spPr>
+        <p:txBody>
+          <a:bodyPr rot="0" spcFirstLastPara="0" vertOverflow="overflow" horzOverflow="overflow" vert="horz" wrap="square" lIns="91440" tIns="45720" rIns="91440" bIns="45720" numCol="1" spcCol="0" rtlCol="0" fromWordArt="0" anchor="t" anchorCtr="0" forceAA="0" compatLnSpc="1">
+            <a:prstTxWarp prst="textNoShape">
+              <a:avLst/>
+            </a:prstTxWarp>
+            <a:spAutoFit/>
+          </a:bodyPr>
+          <a:lstStyle/>
+          <a:p>
+            <a:pPr algn="l"/>
+            <a:r>
+              <a:rPr lang="en-GB" sz="2000">
+                <a:cs typeface="Calibri"/>
+              </a:rPr>
+              <a:t>Response:</a:t>
+            </a:r>
+          </a:p>
+        </p:txBody>
+      </p:sp>
+    </p:spTree>
+    <p:extLst>
+      <p:ext uri="{BB962C8B-B14F-4D97-AF65-F5344CB8AC3E}">
+        <p14:creationId xmlns:p14="http://schemas.microsoft.com/office/powerpoint/2010/main" val="2391022702"/>
+      </p:ext>
+    </p:extLst>
+  </p:cSld>
+  <p:clrMapOvr>
+    <a:masterClrMapping/>
+  </p:clrMapOvr>
+</p:sld>
+</file>
+
+<file path=ppt/slides/slide15.xml><?xml version="1.0" encoding="utf-8"?>
+<p:sld xmlns:a="http://schemas.openxmlformats.org/drawingml/2006/main" xmlns:r="http://schemas.openxmlformats.org/officeDocument/2006/relationships" xmlns:p="http://schemas.openxmlformats.org/presentationml/2006/main">
+  <p:cSld>
+    <p:spTree>
+      <p:nvGrpSpPr>
+        <p:cNvPr id="1" name=""/>
+        <p:cNvGrpSpPr/>
+        <p:nvPr/>
+      </p:nvGrpSpPr>
+      <p:grpSpPr>
+        <a:xfrm>
+          <a:off x="0" y="0"/>
+          <a:ext cx="0" cy="0"/>
+          <a:chOff x="0" y="0"/>
+          <a:chExt cx="0" cy="0"/>
+        </a:xfrm>
+      </p:grpSpPr>
+      <p:sp>
+        <p:nvSpPr>
+          <p:cNvPr id="2" name="Title 1">
+            <a:extLst>
+              <a:ext uri="{FF2B5EF4-FFF2-40B4-BE49-F238E27FC236}">
+                <a16:creationId xmlns:a16="http://schemas.microsoft.com/office/drawing/2014/main" id="{954C0246-A3AF-49B5-BA1B-34F64BFC481B}"/>
+              </a:ext>
+            </a:extLst>
+          </p:cNvPr>
+          <p:cNvSpPr>
+            <a:spLocks noGrp="1"/>
+          </p:cNvSpPr>
+          <p:nvPr>
+            <p:ph type="title"/>
+          </p:nvPr>
+        </p:nvSpPr>
+        <p:spPr/>
+        <p:txBody>
+          <a:bodyPr/>
+          <a:lstStyle/>
+          <a:p>
+            <a:pPr marL="285750" indent="-285750">
+              <a:spcBef>
+                <a:spcPts val="1000"/>
+              </a:spcBef>
+              <a:buFont typeface="Arial,Sans-Serif"/>
+              <a:buChar char="•"/>
+            </a:pPr>
+            <a:r>
+              <a:rPr lang="en-GB">
+                <a:cs typeface="Calibri"/>
+              </a:rPr>
+              <a:t>Exercises 1: How many people are in space right now?</a:t>
+            </a:r>
+            <a:endParaRPr lang="en-GB">
+              <a:solidFill>
+                <a:srgbClr val="000000"/>
+              </a:solidFill>
+              <a:latin typeface="Calibri"/>
+              <a:cs typeface="Arial"/>
+            </a:endParaRPr>
+          </a:p>
+        </p:txBody>
+      </p:sp>
+      <p:sp>
+        <p:nvSpPr>
+          <p:cNvPr id="3" name="Content Placeholder 2">
+            <a:extLst>
+              <a:ext uri="{FF2B5EF4-FFF2-40B4-BE49-F238E27FC236}">
+                <a16:creationId xmlns:a16="http://schemas.microsoft.com/office/drawing/2014/main" id="{109B4AEE-A9C4-4AD2-91C0-3CA94426EFA5}"/>
+              </a:ext>
+            </a:extLst>
+          </p:cNvPr>
+          <p:cNvSpPr>
+            <a:spLocks noGrp="1"/>
+          </p:cNvSpPr>
+          <p:nvPr>
+            <p:ph idx="1"/>
+          </p:nvPr>
+        </p:nvSpPr>
+        <p:spPr>
+          <a:xfrm>
+            <a:off x="631373" y="1825625"/>
+            <a:ext cx="11239458" cy="4351338"/>
+          </a:xfrm>
+        </p:spPr>
+        <p:txBody>
+          <a:bodyPr vert="horz" lIns="91440" tIns="45720" rIns="91440" bIns="45720" rtlCol="0" anchor="t">
+            <a:normAutofit/>
+          </a:bodyPr>
+          <a:lstStyle/>
+          <a:p>
+            <a:pPr marL="514350" indent="-514350">
+              <a:buAutoNum type="arabicPeriod"/>
+            </a:pPr>
+            <a:r>
+              <a:rPr lang="en-GB">
+                <a:ea typeface="+mn-lt"/>
+                <a:cs typeface="+mn-lt"/>
+                <a:hlinkClick r:id="rId2"/>
+              </a:rPr>
+              <a:t>https://github.com/OllyButters/HDS-plumber/archive/refs/heads/main.zip</a:t>
+            </a:r>
+            <a:endParaRPr lang="en-US"/>
+          </a:p>
+          <a:p>
+            <a:pPr marL="514350" indent="-514350">
+              <a:buAutoNum type="arabicPeriod"/>
+            </a:pPr>
+            <a:r>
+              <a:rPr lang="en-GB">
+                <a:cs typeface="Calibri"/>
+              </a:rPr>
+              <a:t>Open README.md</a:t>
+            </a:r>
+          </a:p>
+          <a:p>
+            <a:pPr marL="514350" indent="-514350">
+              <a:buAutoNum type="arabicPeriod"/>
+            </a:pPr>
+            <a:r>
+              <a:rPr lang="en-GB">
+                <a:cs typeface="Calibri"/>
+              </a:rPr>
+              <a:t>Open exercise_1_api_who_is_in_space_now.R</a:t>
+            </a:r>
+          </a:p>
+          <a:p>
+            <a:pPr marL="514350" indent="-514350">
+              <a:buAutoNum type="arabicPeriod"/>
+            </a:pPr>
+            <a:r>
+              <a:rPr lang="en-GB">
+                <a:cs typeface="Calibri"/>
+              </a:rPr>
+              <a:t>Run the R file a line at a time (Ctrl-Enter) and read the comments as you do.</a:t>
+            </a:r>
+          </a:p>
+          <a:p>
+            <a:pPr marL="514350" indent="-514350">
+              <a:buAutoNum type="arabicPeriod"/>
+            </a:pPr>
+            <a:endParaRPr lang="en-GB">
+              <a:cs typeface="Calibri"/>
+            </a:endParaRPr>
+          </a:p>
+        </p:txBody>
+      </p:sp>
+      <p:sp>
+        <p:nvSpPr>
+          <p:cNvPr id="4" name="Footer Placeholder 3">
+            <a:extLst>
+              <a:ext uri="{FF2B5EF4-FFF2-40B4-BE49-F238E27FC236}">
+                <a16:creationId xmlns:a16="http://schemas.microsoft.com/office/drawing/2014/main" id="{B6C7C547-6F8E-4D59-8977-3698BCEED57D}"/>
+              </a:ext>
+            </a:extLst>
+          </p:cNvPr>
+          <p:cNvSpPr>
+            <a:spLocks noGrp="1"/>
+          </p:cNvSpPr>
+          <p:nvPr>
+            <p:ph type="ftr" sz="quarter" idx="11"/>
+          </p:nvPr>
+        </p:nvSpPr>
+        <p:spPr/>
+        <p:txBody>
+          <a:bodyPr/>
+          <a:lstStyle/>
+          <a:p>
+            <a:r>
+              <a:rPr lang="en-GB"/>
+              <a:t>MSC HEALTH DATA SCIENCE</a:t>
+            </a:r>
+          </a:p>
+        </p:txBody>
+      </p:sp>
+      <p:sp>
+        <p:nvSpPr>
+          <p:cNvPr id="5" name="Slide Number Placeholder 4">
+            <a:extLst>
+              <a:ext uri="{FF2B5EF4-FFF2-40B4-BE49-F238E27FC236}">
+                <a16:creationId xmlns:a16="http://schemas.microsoft.com/office/drawing/2014/main" id="{BDDA59F1-018F-473E-8DD3-47EA12619D2B}"/>
+              </a:ext>
+            </a:extLst>
+          </p:cNvPr>
+          <p:cNvSpPr>
+            <a:spLocks noGrp="1"/>
+          </p:cNvSpPr>
+          <p:nvPr>
+            <p:ph type="sldNum" sz="quarter" idx="12"/>
+          </p:nvPr>
+        </p:nvSpPr>
+        <p:spPr/>
+        <p:txBody>
+          <a:bodyPr/>
+          <a:lstStyle/>
+          <a:p>
+            <a:fld id="{FC59658C-DD7A-4587-BD02-DE6DA26F2584}" type="slidenum">
+              <a:rPr lang="en-GB" smtClean="0"/>
+              <a:t>15</a:t>
+            </a:fld>
+            <a:endParaRPr lang="en-GB"/>
+          </a:p>
+        </p:txBody>
+      </p:sp>
+    </p:spTree>
+    <p:extLst>
+      <p:ext uri="{BB962C8B-B14F-4D97-AF65-F5344CB8AC3E}">
+        <p14:creationId xmlns:p14="http://schemas.microsoft.com/office/powerpoint/2010/main" val="1575574799"/>
+      </p:ext>
+    </p:extLst>
+  </p:cSld>
+  <p:clrMapOvr>
+    <a:masterClrMapping/>
+  </p:clrMapOvr>
+</p:sld>
+</file>
+
+<file path=ppt/slides/slide16.xml><?xml version="1.0" encoding="utf-8"?>
+<p:sld xmlns:a="http://schemas.openxmlformats.org/drawingml/2006/main" xmlns:r="http://schemas.openxmlformats.org/officeDocument/2006/relationships" xmlns:p="http://schemas.openxmlformats.org/presentationml/2006/main">
+  <p:cSld>
+    <p:spTree>
+      <p:nvGrpSpPr>
+        <p:cNvPr id="1" name=""/>
+        <p:cNvGrpSpPr/>
+        <p:nvPr/>
+      </p:nvGrpSpPr>
+      <p:grpSpPr>
+        <a:xfrm>
+          <a:off x="0" y="0"/>
+          <a:ext cx="0" cy="0"/>
+          <a:chOff x="0" y="0"/>
+          <a:chExt cx="0" cy="0"/>
+        </a:xfrm>
+      </p:grpSpPr>
+      <p:sp>
+        <p:nvSpPr>
+          <p:cNvPr id="2" name="Title 1">
+            <a:extLst>
+              <a:ext uri="{FF2B5EF4-FFF2-40B4-BE49-F238E27FC236}">
+                <a16:creationId xmlns:a16="http://schemas.microsoft.com/office/drawing/2014/main" id="{954C0246-A3AF-49B5-BA1B-34F64BFC481B}"/>
+              </a:ext>
+            </a:extLst>
+          </p:cNvPr>
+          <p:cNvSpPr>
+            <a:spLocks noGrp="1"/>
+          </p:cNvSpPr>
+          <p:nvPr>
+            <p:ph type="title"/>
+          </p:nvPr>
+        </p:nvSpPr>
+        <p:spPr/>
+        <p:txBody>
+          <a:bodyPr/>
+          <a:lstStyle/>
+          <a:p>
+            <a:r>
+              <a:rPr lang="en-GB">
+                <a:cs typeface="Calibri"/>
+              </a:rPr>
+              <a:t>Exercise 2: Write your own R script to find out what the UK Covid-19 rate is and plot it</a:t>
+            </a:r>
+            <a:endParaRPr lang="en-GB"/>
+          </a:p>
+        </p:txBody>
+      </p:sp>
+      <p:sp>
+        <p:nvSpPr>
+          <p:cNvPr id="3" name="Content Placeholder 2">
+            <a:extLst>
+              <a:ext uri="{FF2B5EF4-FFF2-40B4-BE49-F238E27FC236}">
+                <a16:creationId xmlns:a16="http://schemas.microsoft.com/office/drawing/2014/main" id="{109B4AEE-A9C4-4AD2-91C0-3CA94426EFA5}"/>
+              </a:ext>
+            </a:extLst>
+          </p:cNvPr>
+          <p:cNvSpPr>
+            <a:spLocks noGrp="1"/>
+          </p:cNvSpPr>
+          <p:nvPr>
+            <p:ph idx="1"/>
+          </p:nvPr>
+        </p:nvSpPr>
+        <p:spPr/>
+        <p:txBody>
+          <a:bodyPr vert="horz" lIns="91440" tIns="45720" rIns="91440" bIns="45720" rtlCol="0" anchor="t">
+            <a:normAutofit/>
+          </a:bodyPr>
+          <a:lstStyle/>
+          <a:p>
+            <a:pPr marL="514350" indent="-514350">
+              <a:buAutoNum type="arabicPeriod"/>
+            </a:pPr>
+            <a:r>
+              <a:rPr lang="en-GB">
+                <a:cs typeface="Calibri" panose="020F0502020204030204"/>
+              </a:rPr>
+              <a:t>Start a new R file called exercise_2_api_covid_rate.R</a:t>
+            </a:r>
+          </a:p>
+          <a:p>
+            <a:pPr marL="514350" indent="-514350">
+              <a:buAutoNum type="arabicPeriod"/>
+            </a:pPr>
+            <a:r>
+              <a:rPr lang="en-GB">
+                <a:ea typeface="+mn-lt"/>
+                <a:cs typeface="+mn-lt"/>
+              </a:rPr>
+              <a:t>Copy the relevant parts from the first exercise</a:t>
+            </a:r>
+          </a:p>
+          <a:p>
+            <a:pPr marL="514350" indent="-514350">
+              <a:buAutoNum type="arabicPeriod"/>
+            </a:pPr>
+            <a:r>
+              <a:rPr lang="en-GB">
+                <a:ea typeface="+mn-lt"/>
+                <a:cs typeface="+mn-lt"/>
+              </a:rPr>
+              <a:t>The query URL (the request) is: </a:t>
+            </a:r>
+            <a:r>
+              <a:rPr lang="en-GB">
+                <a:ea typeface="+mn-lt"/>
+                <a:cs typeface="+mn-lt"/>
+                <a:hlinkClick r:id="rId2"/>
+              </a:rPr>
+              <a:t>https://api.coronavirus.data.gov.uk/v1/data?filters=areaType=nation;areaName=england&amp;structure={"date":"date","newCases":"newCasesByPublishDate</a:t>
+            </a:r>
+            <a:r>
+              <a:rPr lang="en-GB">
+                <a:ea typeface="+mn-lt"/>
+                <a:cs typeface="+mn-lt"/>
+              </a:rPr>
+              <a:t>"</a:t>
+            </a:r>
+            <a:endParaRPr lang="en-GB">
+              <a:cs typeface="Calibri" panose="020F0502020204030204"/>
+            </a:endParaRPr>
+          </a:p>
+          <a:p>
+            <a:pPr marL="514350" indent="-514350">
+              <a:buAutoNum type="arabicPeriod"/>
+            </a:pPr>
+            <a:r>
+              <a:rPr lang="en-GB">
+                <a:cs typeface="Calibri" panose="020F0502020204030204"/>
+              </a:rPr>
+              <a:t>Can copy URL from the README.md file.</a:t>
+            </a:r>
+          </a:p>
+          <a:p>
+            <a:pPr marL="514350" indent="-514350">
+              <a:buAutoNum type="arabicPeriod"/>
+            </a:pPr>
+            <a:r>
+              <a:rPr lang="en-GB">
+                <a:cs typeface="Calibri" panose="020F0502020204030204"/>
+              </a:rPr>
+              <a:t>Get the data from the API and plot it.</a:t>
+            </a:r>
+          </a:p>
+          <a:p>
+            <a:pPr marL="514350" indent="-514350">
+              <a:buAutoNum type="arabicPeriod"/>
+            </a:pPr>
+            <a:r>
+              <a:rPr lang="en-GB">
+                <a:cs typeface="Calibri" panose="020F0502020204030204"/>
+              </a:rPr>
+              <a:t>If you get really stuck you can look at exercise_2_api_covid_answer.R</a:t>
+            </a:r>
+          </a:p>
+          <a:p>
+            <a:pPr marL="0" indent="0">
+              <a:buNone/>
+            </a:pPr>
+            <a:endParaRPr lang="en-GB">
+              <a:cs typeface="Calibri" panose="020F0502020204030204"/>
+            </a:endParaRPr>
+          </a:p>
+          <a:p>
+            <a:pPr marL="514350" indent="-514350">
+              <a:buAutoNum type="arabicPeriod"/>
+            </a:pPr>
+            <a:endParaRPr lang="en-GB">
+              <a:cs typeface="Calibri" panose="020F0502020204030204"/>
+            </a:endParaRPr>
+          </a:p>
+        </p:txBody>
+      </p:sp>
+      <p:sp>
+        <p:nvSpPr>
+          <p:cNvPr id="4" name="Footer Placeholder 3">
+            <a:extLst>
+              <a:ext uri="{FF2B5EF4-FFF2-40B4-BE49-F238E27FC236}">
+                <a16:creationId xmlns:a16="http://schemas.microsoft.com/office/drawing/2014/main" id="{B6C7C547-6F8E-4D59-8977-3698BCEED57D}"/>
+              </a:ext>
+            </a:extLst>
+          </p:cNvPr>
+          <p:cNvSpPr>
+            <a:spLocks noGrp="1"/>
+          </p:cNvSpPr>
+          <p:nvPr>
+            <p:ph type="ftr" sz="quarter" idx="11"/>
+          </p:nvPr>
+        </p:nvSpPr>
+        <p:spPr/>
+        <p:txBody>
+          <a:bodyPr/>
+          <a:lstStyle/>
+          <a:p>
+            <a:r>
+              <a:rPr lang="en-GB"/>
+              <a:t>MSC HEALTH DATA SCIENCE</a:t>
+            </a:r>
+          </a:p>
+        </p:txBody>
+      </p:sp>
+      <p:sp>
+        <p:nvSpPr>
+          <p:cNvPr id="5" name="Slide Number Placeholder 4">
+            <a:extLst>
+              <a:ext uri="{FF2B5EF4-FFF2-40B4-BE49-F238E27FC236}">
+                <a16:creationId xmlns:a16="http://schemas.microsoft.com/office/drawing/2014/main" id="{BDDA59F1-018F-473E-8DD3-47EA12619D2B}"/>
+              </a:ext>
+            </a:extLst>
+          </p:cNvPr>
+          <p:cNvSpPr>
+            <a:spLocks noGrp="1"/>
+          </p:cNvSpPr>
+          <p:nvPr>
+            <p:ph type="sldNum" sz="quarter" idx="12"/>
+          </p:nvPr>
+        </p:nvSpPr>
+        <p:spPr/>
+        <p:txBody>
+          <a:bodyPr/>
+          <a:lstStyle/>
+          <a:p>
+            <a:fld id="{FC59658C-DD7A-4587-BD02-DE6DA26F2584}" type="slidenum">
+              <a:rPr lang="en-GB" smtClean="0"/>
+              <a:t>16</a:t>
+            </a:fld>
+            <a:endParaRPr lang="en-GB"/>
+          </a:p>
+        </p:txBody>
+      </p:sp>
+    </p:spTree>
+    <p:extLst>
+      <p:ext uri="{BB962C8B-B14F-4D97-AF65-F5344CB8AC3E}">
+        <p14:creationId xmlns:p14="http://schemas.microsoft.com/office/powerpoint/2010/main" val="3559725755"/>
+      </p:ext>
+    </p:extLst>
+  </p:cSld>
+  <p:clrMapOvr>
+    <a:masterClrMapping/>
+  </p:clrMapOvr>
+</p:sld>
+</file>
+
+<file path=ppt/slides/slide17.xml><?xml version="1.0" encoding="utf-8"?>
+<p:sld xmlns:a="http://schemas.openxmlformats.org/drawingml/2006/main" xmlns:r="http://schemas.openxmlformats.org/officeDocument/2006/relationships" xmlns:p="http://schemas.openxmlformats.org/presentationml/2006/main">
+  <p:cSld>
+    <p:spTree>
+      <p:nvGrpSpPr>
+        <p:cNvPr id="1" name=""/>
+        <p:cNvGrpSpPr/>
+        <p:nvPr/>
+      </p:nvGrpSpPr>
+      <p:grpSpPr>
+        <a:xfrm>
+          <a:off x="0" y="0"/>
+          <a:ext cx="0" cy="0"/>
+          <a:chOff x="0" y="0"/>
+          <a:chExt cx="0" cy="0"/>
+        </a:xfrm>
+      </p:grpSpPr>
+      <p:sp>
+        <p:nvSpPr>
+          <p:cNvPr id="2" name="Title 1">
+            <a:extLst>
+              <a:ext uri="{FF2B5EF4-FFF2-40B4-BE49-F238E27FC236}">
+                <a16:creationId xmlns:a16="http://schemas.microsoft.com/office/drawing/2014/main" id="{78AE4C53-4EBE-35F4-A673-DAE7AE51840B}"/>
+              </a:ext>
+            </a:extLst>
+          </p:cNvPr>
+          <p:cNvSpPr>
+            <a:spLocks noGrp="1"/>
+          </p:cNvSpPr>
+          <p:nvPr>
+            <p:ph type="title"/>
+          </p:nvPr>
+        </p:nvSpPr>
+        <p:spPr/>
+        <p:txBody>
+          <a:bodyPr/>
+          <a:lstStyle/>
+          <a:p>
+            <a:r>
+              <a:rPr lang="en-GB">
+                <a:cs typeface="Calibri"/>
+              </a:rPr>
+              <a:t>Exercise 1 &amp; 2 summary</a:t>
+            </a:r>
+            <a:endParaRPr lang="en-GB"/>
+          </a:p>
+        </p:txBody>
+      </p:sp>
+      <p:sp>
+        <p:nvSpPr>
+          <p:cNvPr id="3" name="Content Placeholder 2">
+            <a:extLst>
+              <a:ext uri="{FF2B5EF4-FFF2-40B4-BE49-F238E27FC236}">
+                <a16:creationId xmlns:a16="http://schemas.microsoft.com/office/drawing/2014/main" id="{2F758401-D365-90C9-79F7-00D4A3D05859}"/>
+              </a:ext>
+            </a:extLst>
+          </p:cNvPr>
+          <p:cNvSpPr>
+            <a:spLocks noGrp="1"/>
+          </p:cNvSpPr>
+          <p:nvPr>
+            <p:ph idx="1"/>
+          </p:nvPr>
+        </p:nvSpPr>
+        <p:spPr/>
+        <p:txBody>
+          <a:bodyPr vert="horz" lIns="91440" tIns="45720" rIns="91440" bIns="45720" rtlCol="0" anchor="t">
+            <a:normAutofit/>
+          </a:bodyPr>
+          <a:lstStyle/>
+          <a:p>
+            <a:pPr marL="514350" indent="-514350">
+              <a:buFont typeface="Arial" panose="05000000000000000000" pitchFamily="2" charset="2"/>
+              <a:buChar char="•"/>
+            </a:pPr>
+            <a:r>
+              <a:rPr lang="en-GB">
+                <a:cs typeface="Calibri"/>
+              </a:rPr>
+              <a:t>Used two APIs to get data from remote services.</a:t>
+            </a:r>
+            <a:endParaRPr lang="en-US"/>
+          </a:p>
+          <a:p>
+            <a:pPr marL="514350" indent="-514350">
+              <a:buFont typeface="Arial" panose="05000000000000000000" pitchFamily="2" charset="2"/>
+              <a:buChar char="•"/>
+            </a:pPr>
+            <a:r>
+              <a:rPr lang="en-GB">
+                <a:cs typeface="Calibri"/>
+              </a:rPr>
+              <a:t>Now we are going to build our own APIs and connect to them in a similar way.</a:t>
+            </a:r>
+          </a:p>
+        </p:txBody>
+      </p:sp>
+      <p:sp>
+        <p:nvSpPr>
+          <p:cNvPr id="4" name="Footer Placeholder 3">
+            <a:extLst>
+              <a:ext uri="{FF2B5EF4-FFF2-40B4-BE49-F238E27FC236}">
+                <a16:creationId xmlns:a16="http://schemas.microsoft.com/office/drawing/2014/main" id="{00672F1D-F38C-F37F-9FBB-15E608FC1774}"/>
+              </a:ext>
+            </a:extLst>
+          </p:cNvPr>
+          <p:cNvSpPr>
+            <a:spLocks noGrp="1"/>
+          </p:cNvSpPr>
+          <p:nvPr>
+            <p:ph type="ftr" sz="quarter" idx="11"/>
+          </p:nvPr>
+        </p:nvSpPr>
+        <p:spPr/>
+        <p:txBody>
+          <a:bodyPr/>
+          <a:lstStyle/>
+          <a:p>
+            <a:r>
+              <a:rPr lang="en-GB"/>
+              <a:t>MSC HEALTH DATA SCIENCE</a:t>
+            </a:r>
+          </a:p>
+        </p:txBody>
+      </p:sp>
+      <p:sp>
+        <p:nvSpPr>
+          <p:cNvPr id="5" name="Slide Number Placeholder 4">
+            <a:extLst>
+              <a:ext uri="{FF2B5EF4-FFF2-40B4-BE49-F238E27FC236}">
+                <a16:creationId xmlns:a16="http://schemas.microsoft.com/office/drawing/2014/main" id="{387976BB-A9CC-85A1-FA7F-C357BD0931D6}"/>
+              </a:ext>
+            </a:extLst>
+          </p:cNvPr>
+          <p:cNvSpPr>
+            <a:spLocks noGrp="1"/>
+          </p:cNvSpPr>
+          <p:nvPr>
+            <p:ph type="sldNum" sz="quarter" idx="12"/>
+          </p:nvPr>
+        </p:nvSpPr>
+        <p:spPr/>
+        <p:txBody>
+          <a:bodyPr/>
+          <a:lstStyle/>
+          <a:p>
+            <a:fld id="{FC59658C-DD7A-4587-BD02-DE6DA26F2584}" type="slidenum">
+              <a:rPr lang="en-GB" smtClean="0"/>
+              <a:t>17</a:t>
+            </a:fld>
+            <a:endParaRPr lang="en-GB"/>
+          </a:p>
+        </p:txBody>
+      </p:sp>
+    </p:spTree>
+    <p:extLst>
+      <p:ext uri="{BB962C8B-B14F-4D97-AF65-F5344CB8AC3E}">
+        <p14:creationId xmlns:p14="http://schemas.microsoft.com/office/powerpoint/2010/main" val="74963168"/>
+      </p:ext>
+    </p:extLst>
+  </p:cSld>
+  <p:clrMapOvr>
+    <a:masterClrMapping/>
+  </p:clrMapOvr>
+</p:sld>
+</file>
+
+<file path=ppt/slides/slide18.xml><?xml version="1.0" encoding="utf-8"?>
+<p:sld xmlns:a="http://schemas.openxmlformats.org/drawingml/2006/main" xmlns:r="http://schemas.openxmlformats.org/officeDocument/2006/relationships" xmlns:p="http://schemas.openxmlformats.org/presentationml/2006/main">
+  <p:cSld>
+    <p:spTree>
+      <p:nvGrpSpPr>
+        <p:cNvPr id="1" name=""/>
+        <p:cNvGrpSpPr/>
+        <p:nvPr/>
+      </p:nvGrpSpPr>
+      <p:grpSpPr>
+        <a:xfrm>
+          <a:off x="0" y="0"/>
+          <a:ext cx="0" cy="0"/>
+          <a:chOff x="0" y="0"/>
+          <a:chExt cx="0" cy="0"/>
+        </a:xfrm>
+      </p:grpSpPr>
+      <p:sp>
+        <p:nvSpPr>
+          <p:cNvPr id="2" name="Title 1">
+            <a:extLst>
+              <a:ext uri="{FF2B5EF4-FFF2-40B4-BE49-F238E27FC236}">
                 <a16:creationId xmlns:a16="http://schemas.microsoft.com/office/drawing/2014/main" id="{B17BE71F-B298-4697-889D-A48250A05CBA}"/>
               </a:ext>
             </a:extLst>
@@ -4486,12 +6226,12 @@
           <a:lstStyle/>
           <a:p>
             <a:r>
-              <a:rPr lang="en-GB" dirty="0">
+              <a:rPr lang="en-GB">
                 <a:cs typeface="Calibri"/>
               </a:rPr>
               <a:t>Swagger</a:t>
             </a:r>
-            <a:endParaRPr lang="en-GB" dirty="0"/>
+            <a:endParaRPr lang="en-GB"/>
           </a:p>
         </p:txBody>
       </p:sp>
@@ -4528,7 +6268,7 @@
               <a:buChar char="•"/>
             </a:pPr>
             <a:r>
-              <a:rPr lang="en-GB" dirty="0">
+              <a:rPr lang="en-GB">
                 <a:cs typeface="Calibri" panose="020F0502020204030204"/>
               </a:rPr>
               <a:t>Web tool to help explore and use compliant APIs</a:t>
@@ -4558,7 +6298,7 @@
           <a:lstStyle/>
           <a:p>
             <a:r>
-              <a:rPr lang="en-GB" dirty="0"/>
+              <a:rPr lang="en-GB"/>
               <a:t>MSC HEALTH DATA SCIENCE</a:t>
             </a:r>
           </a:p>
@@ -4587,7 +6327,7 @@
           <a:p>
             <a:fld id="{FC59658C-DD7A-4587-BD02-DE6DA26F2584}" type="slidenum">
               <a:rPr lang="en-GB" smtClean="0"/>
-              <a:t>13</a:t>
+              <a:t>18</a:t>
             </a:fld>
             <a:endParaRPr lang="en-GB"/>
           </a:p>
@@ -4636,7 +6376,7 @@
 </p:sld>
 </file>
 
-<file path=ppt/slides/slide14.xml><?xml version="1.0" encoding="utf-8"?>
+<file path=ppt/slides/slide19.xml><?xml version="1.0" encoding="utf-8"?>
 <p:sld xmlns:a="http://schemas.openxmlformats.org/drawingml/2006/main" xmlns:r="http://schemas.openxmlformats.org/officeDocument/2006/relationships" xmlns:p="http://schemas.openxmlformats.org/presentationml/2006/main">
   <p:cSld>
     <p:spTree>
@@ -4675,12 +6415,12 @@
           <a:lstStyle/>
           <a:p>
             <a:r>
-              <a:rPr lang="en-GB" dirty="0">
+              <a:rPr lang="en-GB">
                 <a:cs typeface="Calibri"/>
               </a:rPr>
               <a:t>Swagger</a:t>
             </a:r>
-            <a:endParaRPr lang="en-GB" dirty="0"/>
+            <a:endParaRPr lang="en-GB"/>
           </a:p>
         </p:txBody>
       </p:sp>
@@ -4711,7 +6451,7 @@
               <a:buFont typeface="Arial" panose="05000000000000000000" pitchFamily="2" charset="2"/>
               <a:buChar char="•"/>
             </a:pPr>
-            <a:endParaRPr lang="en-GB" dirty="0">
+            <a:endParaRPr lang="en-GB">
               <a:cs typeface="Calibri" panose="020F0502020204030204"/>
             </a:endParaRPr>
           </a:p>
@@ -4739,7 +6479,7 @@
           <a:lstStyle/>
           <a:p>
             <a:r>
-              <a:rPr lang="en-GB" dirty="0"/>
+              <a:rPr lang="en-GB"/>
               <a:t>MSC HEALTH DATA SCIENCE</a:t>
             </a:r>
           </a:p>
@@ -4768,7 +6508,7 @@
           <a:p>
             <a:fld id="{FC59658C-DD7A-4587-BD02-DE6DA26F2584}" type="slidenum">
               <a:rPr lang="en-GB" smtClean="0"/>
-              <a:t>14</a:t>
+              <a:t>19</a:t>
             </a:fld>
             <a:endParaRPr lang="en-GB"/>
           </a:p>
@@ -4817,7 +6557,7 @@
 </p:sld>
 </file>
 
-<file path=ppt/slides/slide15.xml><?xml version="1.0" encoding="utf-8"?>
+<file path=ppt/slides/slide2.xml><?xml version="1.0" encoding="utf-8"?>
 <p:sld xmlns:a="http://schemas.openxmlformats.org/drawingml/2006/main" xmlns:r="http://schemas.openxmlformats.org/officeDocument/2006/relationships" xmlns:p="http://schemas.openxmlformats.org/presentationml/2006/main">
   <p:cSld>
     <p:spTree>
@@ -4839,7 +6579,7 @@
           <p:cNvPr id="2" name="Title 1">
             <a:extLst>
               <a:ext uri="{FF2B5EF4-FFF2-40B4-BE49-F238E27FC236}">
-                <a16:creationId xmlns:a16="http://schemas.microsoft.com/office/drawing/2014/main" id="{D429B0A5-02E9-4DB9-8940-0D209FE920E7}"/>
+                <a16:creationId xmlns:a16="http://schemas.microsoft.com/office/drawing/2014/main" id="{3C8EF10E-08B5-49EC-B96F-6ED503935698}"/>
               </a:ext>
             </a:extLst>
           </p:cNvPr>
@@ -4856,12 +6596,12 @@
           <a:lstStyle/>
           <a:p>
             <a:r>
-              <a:rPr lang="en-GB" dirty="0">
+              <a:rPr lang="en-GB">
                 <a:cs typeface="Calibri"/>
               </a:rPr>
-              <a:t>Decorators</a:t>
-            </a:r>
-            <a:endParaRPr lang="en-US" dirty="0"/>
+              <a:t>Prerequisite software install</a:t>
+            </a:r>
+            <a:endParaRPr lang="en-GB"/>
           </a:p>
         </p:txBody>
       </p:sp>
@@ -4870,7 +6610,7 @@
           <p:cNvPr id="3" name="Content Placeholder 2">
             <a:extLst>
               <a:ext uri="{FF2B5EF4-FFF2-40B4-BE49-F238E27FC236}">
-                <a16:creationId xmlns:a16="http://schemas.microsoft.com/office/drawing/2014/main" id="{4A5EC64C-E5E2-49F8-9688-4E082FA21614}"/>
+                <a16:creationId xmlns:a16="http://schemas.microsoft.com/office/drawing/2014/main" id="{964FD8BC-9C92-46F6-BC47-1DE7DDA2F1F5}"/>
               </a:ext>
             </a:extLst>
           </p:cNvPr>
@@ -4881,10 +6621,15 @@
             <p:ph idx="1"/>
           </p:nvPr>
         </p:nvSpPr>
-        <p:spPr/>
+        <p:spPr>
+          <a:xfrm>
+            <a:off x="631373" y="1825625"/>
+            <a:ext cx="11355793" cy="4351338"/>
+          </a:xfrm>
+        </p:spPr>
         <p:txBody>
           <a:bodyPr vert="horz" lIns="91440" tIns="45720" rIns="91440" bIns="45720" rtlCol="0" anchor="t">
-            <a:normAutofit lnSpcReduction="10000"/>
+            <a:normAutofit/>
           </a:bodyPr>
           <a:lstStyle/>
           <a:p>
@@ -4894,52 +6639,27 @@
             </a:pPr>
             <a:r>
               <a:rPr lang="en-GB" dirty="0">
-                <a:cs typeface="Calibri" panose="020F0502020204030204"/>
-              </a:rPr>
-              <a:t>Decorators let you modify function behaviour without modifying the function code!</a:t>
-            </a:r>
-          </a:p>
-          <a:p>
-            <a:pPr marL="0" indent="0">
-              <a:buNone/>
-            </a:pPr>
-            <a:r>
-              <a:rPr lang="en-GB" dirty="0">
-                <a:latin typeface="Source Sans Pro"/>
                 <a:ea typeface="+mn-lt"/>
                 <a:cs typeface="+mn-lt"/>
               </a:rPr>
-              <a:t>#. I am a decorator
-</a:t>
-            </a:r>
-            <a:r>
-              <a:rPr lang="en-GB" dirty="0" err="1">
-                <a:latin typeface="Source Sans Pro"/>
+              <a:t>Download </a:t>
+            </a:r>
+            <a:endParaRPr lang="en-US" dirty="0"/>
+          </a:p>
+          <a:p>
+            <a:pPr lvl="1">
+              <a:buFont typeface="Arial" panose="05000000000000000000" pitchFamily="2" charset="2"/>
+              <a:buChar char="•"/>
+            </a:pPr>
+            <a:r>
+              <a:rPr lang="en-GB" dirty="0">
                 <a:ea typeface="+mn-lt"/>
                 <a:cs typeface="+mn-lt"/>
               </a:rPr>
-              <a:t>my_function</a:t>
-            </a:r>
-            <a:r>
-              <a:rPr lang="en-GB" dirty="0">
-                <a:latin typeface="Source Sans Pro"/>
-                <a:ea typeface="+mn-lt"/>
-                <a:cs typeface="+mn-lt"/>
-              </a:rPr>
-              <a:t> &lt;- function()
-{
-    #do awesome stuff 
-}</a:t>
-            </a:r>
-          </a:p>
-          <a:p>
-            <a:pPr marL="0" indent="0">
-              <a:buNone/>
-            </a:pPr>
-            <a:endParaRPr lang="en-GB" dirty="0">
-              <a:latin typeface="Calibri"/>
-              <a:ea typeface="Source Sans Pro"/>
-              <a:cs typeface="Calibri" panose="020F0502020204030204"/>
+              <a:t>https://github.com/OllyButters/HDS-plumber/archive/refs/heads/main.zip</a:t>
+            </a:r>
+            <a:endParaRPr lang="en-GB">
+              <a:cs typeface="Calibri"/>
             </a:endParaRPr>
           </a:p>
           <a:p>
@@ -4948,13 +6668,141 @@
               <a:buChar char="•"/>
             </a:pPr>
             <a:r>
-              <a:rPr lang="en-GB" dirty="0">
-                <a:latin typeface="Calibri"/>
-                <a:ea typeface="Source Sans Pro"/>
-                <a:cs typeface="Calibri" panose="020F0502020204030204"/>
-              </a:rPr>
-              <a:t>Common in other languages.</a:t>
-            </a:r>
+              <a:rPr lang="en-GB">
+                <a:ea typeface="+mn-lt"/>
+                <a:cs typeface="+mn-lt"/>
+              </a:rPr>
+              <a:t>RStudio</a:t>
+            </a:r>
+            <a:endParaRPr lang="en-GB"/>
+          </a:p>
+          <a:p>
+            <a:pPr>
+              <a:buFont typeface="Arial" panose="05000000000000000000" pitchFamily="2" charset="2"/>
+              <a:buChar char="•"/>
+            </a:pPr>
+            <a:r>
+              <a:rPr lang="en-GB">
+                <a:ea typeface="+mn-lt"/>
+                <a:cs typeface="+mn-lt"/>
+              </a:rPr>
+              <a:t>R libraries (</a:t>
+            </a:r>
+            <a:r>
+              <a:rPr lang="en-GB" err="1">
+                <a:ea typeface="+mn-lt"/>
+                <a:cs typeface="+mn-lt"/>
+              </a:rPr>
+              <a:t>install.packages</a:t>
+            </a:r>
+            <a:r>
+              <a:rPr lang="en-GB">
+                <a:ea typeface="+mn-lt"/>
+                <a:cs typeface="+mn-lt"/>
+              </a:rPr>
+              <a:t>) </a:t>
+            </a:r>
+          </a:p>
+          <a:p>
+            <a:pPr lvl="1">
+              <a:buFont typeface="Arial" panose="05000000000000000000" pitchFamily="2" charset="2"/>
+              <a:buChar char="•"/>
+            </a:pPr>
+            <a:r>
+              <a:rPr lang="en-GB" err="1">
+                <a:ea typeface="+mn-lt"/>
+                <a:cs typeface="+mn-lt"/>
+              </a:rPr>
+              <a:t>httr</a:t>
+            </a:r>
+            <a:endParaRPr lang="en-GB" err="1">
+              <a:cs typeface="Calibri" panose="020F0502020204030204"/>
+            </a:endParaRPr>
+          </a:p>
+          <a:p>
+            <a:pPr lvl="1">
+              <a:buFont typeface="Arial" panose="05000000000000000000" pitchFamily="2" charset="2"/>
+              <a:buChar char="•"/>
+            </a:pPr>
+            <a:r>
+              <a:rPr lang="en-GB" err="1">
+                <a:ea typeface="+mn-lt"/>
+                <a:cs typeface="+mn-lt"/>
+              </a:rPr>
+              <a:t>jsonlite</a:t>
+            </a:r>
+            <a:endParaRPr lang="en-GB">
+              <a:cs typeface="Calibri" panose="020F0502020204030204"/>
+            </a:endParaRPr>
+          </a:p>
+          <a:p>
+            <a:pPr lvl="1">
+              <a:buFont typeface="Arial" panose="05000000000000000000" pitchFamily="2" charset="2"/>
+              <a:buChar char="•"/>
+            </a:pPr>
+            <a:r>
+              <a:rPr lang="en-GB" err="1">
+                <a:ea typeface="+mn-lt"/>
+                <a:cs typeface="+mn-lt"/>
+              </a:rPr>
+              <a:t>tidyverse</a:t>
+            </a:r>
+            <a:endParaRPr lang="en-GB">
+              <a:cs typeface="Calibri" panose="020F0502020204030204"/>
+            </a:endParaRPr>
+          </a:p>
+          <a:p>
+            <a:pPr lvl="1">
+              <a:buFont typeface="Arial" panose="05000000000000000000" pitchFamily="2" charset="2"/>
+              <a:buChar char="•"/>
+            </a:pPr>
+            <a:r>
+              <a:rPr lang="en-GB">
+                <a:ea typeface="+mn-lt"/>
+                <a:cs typeface="+mn-lt"/>
+              </a:rPr>
+              <a:t>plumber</a:t>
+            </a:r>
+            <a:endParaRPr lang="en-GB">
+              <a:cs typeface="Calibri" panose="020F0502020204030204"/>
+            </a:endParaRPr>
+          </a:p>
+          <a:p>
+            <a:pPr lvl="1">
+              <a:buFont typeface="Arial" panose="05000000000000000000" pitchFamily="2" charset="2"/>
+              <a:buChar char="•"/>
+            </a:pPr>
+            <a:r>
+              <a:rPr lang="en-GB" err="1">
+                <a:ea typeface="+mn-lt"/>
+                <a:cs typeface="+mn-lt"/>
+              </a:rPr>
+              <a:t>gapminder</a:t>
+            </a:r>
+            <a:endParaRPr lang="en-GB">
+              <a:cs typeface="Calibri" panose="020F0502020204030204"/>
+            </a:endParaRPr>
+          </a:p>
+          <a:p>
+            <a:pPr lvl="1">
+              <a:buFont typeface="Arial" panose="05000000000000000000" pitchFamily="2" charset="2"/>
+              <a:buChar char="•"/>
+            </a:pPr>
+            <a:r>
+              <a:rPr lang="en-GB" err="1">
+                <a:ea typeface="+mn-lt"/>
+                <a:cs typeface="+mn-lt"/>
+              </a:rPr>
+              <a:t>png</a:t>
+            </a:r>
+            <a:endParaRPr lang="en-GB">
+              <a:cs typeface="Calibri" panose="020F0502020204030204"/>
+            </a:endParaRPr>
+          </a:p>
+          <a:p>
+            <a:endParaRPr lang="en-GB">
+              <a:cs typeface="Calibri" panose="020F0502020204030204"/>
+            </a:endParaRPr>
           </a:p>
         </p:txBody>
       </p:sp>
@@ -4963,7 +6811,7 @@
           <p:cNvPr id="4" name="Footer Placeholder 3">
             <a:extLst>
               <a:ext uri="{FF2B5EF4-FFF2-40B4-BE49-F238E27FC236}">
-                <a16:creationId xmlns:a16="http://schemas.microsoft.com/office/drawing/2014/main" id="{594D6165-D52F-4817-9DF9-0C30058721B8}"/>
+                <a16:creationId xmlns:a16="http://schemas.microsoft.com/office/drawing/2014/main" id="{B9E9B714-7B60-413E-BAD6-9F0C9295E281}"/>
               </a:ext>
             </a:extLst>
           </p:cNvPr>
@@ -4980,7 +6828,7 @@
           <a:lstStyle/>
           <a:p>
             <a:r>
-              <a:rPr lang="en-GB" dirty="0"/>
+              <a:rPr lang="en-GB"/>
               <a:t>MSC HEALTH DATA SCIENCE</a:t>
             </a:r>
           </a:p>
@@ -4991,7 +6839,7 @@
           <p:cNvPr id="5" name="Slide Number Placeholder 4">
             <a:extLst>
               <a:ext uri="{FF2B5EF4-FFF2-40B4-BE49-F238E27FC236}">
-                <a16:creationId xmlns:a16="http://schemas.microsoft.com/office/drawing/2014/main" id="{A30481FC-47BB-41D9-9200-0FDAA1CBDEDA}"/>
+                <a16:creationId xmlns:a16="http://schemas.microsoft.com/office/drawing/2014/main" id="{51AA9329-7452-4EDA-9B0D-244CE041F38F}"/>
               </a:ext>
             </a:extLst>
           </p:cNvPr>
@@ -5009,7 +6857,7 @@
           <a:p>
             <a:fld id="{FC59658C-DD7A-4587-BD02-DE6DA26F2584}" type="slidenum">
               <a:rPr lang="en-GB" smtClean="0"/>
-              <a:t>15</a:t>
+              <a:t>2</a:t>
             </a:fld>
             <a:endParaRPr lang="en-GB"/>
           </a:p>
@@ -5018,7 +6866,7 @@
     </p:spTree>
     <p:extLst>
       <p:ext uri="{BB962C8B-B14F-4D97-AF65-F5344CB8AC3E}">
-        <p14:creationId xmlns:p14="http://schemas.microsoft.com/office/powerpoint/2010/main" val="1449690167"/>
+        <p14:creationId xmlns:p14="http://schemas.microsoft.com/office/powerpoint/2010/main" val="3882768218"/>
       </p:ext>
     </p:extLst>
   </p:cSld>
@@ -5028,7 +6876,7 @@
 </p:sld>
 </file>
 
-<file path=ppt/slides/slide16.xml><?xml version="1.0" encoding="utf-8"?>
+<file path=ppt/slides/slide20.xml><?xml version="1.0" encoding="utf-8"?>
 <p:sld xmlns:a="http://schemas.openxmlformats.org/drawingml/2006/main" xmlns:r="http://schemas.openxmlformats.org/officeDocument/2006/relationships" xmlns:p="http://schemas.openxmlformats.org/presentationml/2006/main">
   <p:cSld>
     <p:spTree>
@@ -5050,7 +6898,7 @@
           <p:cNvPr id="2" name="Title 1">
             <a:extLst>
               <a:ext uri="{FF2B5EF4-FFF2-40B4-BE49-F238E27FC236}">
-                <a16:creationId xmlns:a16="http://schemas.microsoft.com/office/drawing/2014/main" id="{0DDB005F-089E-49A0-95FD-EEF1BC173502}"/>
+                <a16:creationId xmlns:a16="http://schemas.microsoft.com/office/drawing/2014/main" id="{D429B0A5-02E9-4DB9-8940-0D209FE920E7}"/>
               </a:ext>
             </a:extLst>
           </p:cNvPr>
@@ -5067,12 +6915,12 @@
           <a:lstStyle/>
           <a:p>
             <a:r>
-              <a:rPr lang="en-GB" dirty="0">
+              <a:rPr lang="en-GB">
                 <a:cs typeface="Calibri"/>
               </a:rPr>
-              <a:t>Plumber function</a:t>
-            </a:r>
-            <a:endParaRPr lang="en-GB" dirty="0"/>
+              <a:t>Decorators</a:t>
+            </a:r>
+            <a:endParaRPr lang="en-US"/>
           </a:p>
         </p:txBody>
       </p:sp>
@@ -5081,7 +6929,7 @@
           <p:cNvPr id="3" name="Content Placeholder 2">
             <a:extLst>
               <a:ext uri="{FF2B5EF4-FFF2-40B4-BE49-F238E27FC236}">
-                <a16:creationId xmlns:a16="http://schemas.microsoft.com/office/drawing/2014/main" id="{9BE583B1-12B0-430C-9809-4D7AF93479C2}"/>
+                <a16:creationId xmlns:a16="http://schemas.microsoft.com/office/drawing/2014/main" id="{4A5EC64C-E5E2-49F8-9688-4E082FA21614}"/>
               </a:ext>
             </a:extLst>
           </p:cNvPr>
@@ -5092,184 +6940,354 @@
             <p:ph idx="1"/>
           </p:nvPr>
         </p:nvSpPr>
-        <p:spPr/>
+        <p:spPr>
+          <a:xfrm>
+            <a:off x="631373" y="1825625"/>
+            <a:ext cx="11070771" cy="1254848"/>
+          </a:xfrm>
+        </p:spPr>
         <p:txBody>
           <a:bodyPr vert="horz" lIns="91440" tIns="45720" rIns="91440" bIns="45720" rtlCol="0" anchor="t">
             <a:normAutofit/>
           </a:bodyPr>
           <a:lstStyle/>
           <a:p>
+            <a:pPr>
+              <a:buFont typeface="Arial" panose="05000000000000000000" pitchFamily="2" charset="2"/>
+              <a:buChar char="•"/>
+            </a:pPr>
+            <a:r>
+              <a:rPr lang="en-GB">
+                <a:cs typeface="Calibri" panose="020F0502020204030204"/>
+              </a:rPr>
+              <a:t>Decorators let you modify function behaviour without modifying the function code!</a:t>
+            </a:r>
+          </a:p>
+          <a:p>
             <a:pPr marL="0" indent="0">
               <a:buNone/>
             </a:pPr>
-            <a:r>
-              <a:rPr lang="en-GB" dirty="0"/>
-              <a:t>#* Return the square of a number</a:t>
-            </a:r>
-            <a:endParaRPr lang="en-US" dirty="0">
-              <a:latin typeface="Calibri" panose="020F0502020204030204"/>
+            <a:endParaRPr lang="en-GB">
+              <a:latin typeface="Calibri"/>
               <a:ea typeface="Source Sans Pro"/>
               <a:cs typeface="Calibri" panose="020F0502020204030204"/>
             </a:endParaRPr>
           </a:p>
-          <a:p>
-            <a:pPr marL="0" indent="0">
-              <a:buNone/>
+        </p:txBody>
+      </p:sp>
+      <p:sp>
+        <p:nvSpPr>
+          <p:cNvPr id="4" name="Footer Placeholder 3">
+            <a:extLst>
+              <a:ext uri="{FF2B5EF4-FFF2-40B4-BE49-F238E27FC236}">
+                <a16:creationId xmlns:a16="http://schemas.microsoft.com/office/drawing/2014/main" id="{594D6165-D52F-4817-9DF9-0C30058721B8}"/>
+              </a:ext>
+            </a:extLst>
+          </p:cNvPr>
+          <p:cNvSpPr>
+            <a:spLocks noGrp="1"/>
+          </p:cNvSpPr>
+          <p:nvPr>
+            <p:ph type="ftr" sz="quarter" idx="11"/>
+          </p:nvPr>
+        </p:nvSpPr>
+        <p:spPr/>
+        <p:txBody>
+          <a:bodyPr/>
+          <a:lstStyle/>
+          <a:p>
+            <a:r>
+              <a:rPr lang="en-GB"/>
+              <a:t>MSC HEALTH DATA SCIENCE</a:t>
+            </a:r>
+          </a:p>
+        </p:txBody>
+      </p:sp>
+      <p:sp>
+        <p:nvSpPr>
+          <p:cNvPr id="5" name="Slide Number Placeholder 4">
+            <a:extLst>
+              <a:ext uri="{FF2B5EF4-FFF2-40B4-BE49-F238E27FC236}">
+                <a16:creationId xmlns:a16="http://schemas.microsoft.com/office/drawing/2014/main" id="{A30481FC-47BB-41D9-9200-0FDAA1CBDEDA}"/>
+              </a:ext>
+            </a:extLst>
+          </p:cNvPr>
+          <p:cNvSpPr>
+            <a:spLocks noGrp="1"/>
+          </p:cNvSpPr>
+          <p:nvPr>
+            <p:ph type="sldNum" sz="quarter" idx="12"/>
+          </p:nvPr>
+        </p:nvSpPr>
+        <p:spPr/>
+        <p:txBody>
+          <a:bodyPr/>
+          <a:lstStyle/>
+          <a:p>
+            <a:fld id="{FC59658C-DD7A-4587-BD02-DE6DA26F2584}" type="slidenum">
+              <a:rPr lang="en-GB" smtClean="0"/>
+              <a:t>20</a:t>
+            </a:fld>
+            <a:endParaRPr lang="en-GB"/>
+          </a:p>
+        </p:txBody>
+      </p:sp>
+      <p:sp>
+        <p:nvSpPr>
+          <p:cNvPr id="6" name="TextBox 5">
+            <a:extLst>
+              <a:ext uri="{FF2B5EF4-FFF2-40B4-BE49-F238E27FC236}">
+                <a16:creationId xmlns:a16="http://schemas.microsoft.com/office/drawing/2014/main" id="{84250790-5991-9A77-9C04-5F7950818AE7}"/>
+              </a:ext>
+            </a:extLst>
+          </p:cNvPr>
+          <p:cNvSpPr txBox="1"/>
+          <p:nvPr/>
+        </p:nvSpPr>
+        <p:spPr>
+          <a:xfrm>
+            <a:off x="6497780" y="2618508"/>
+            <a:ext cx="4953000" cy="2308324"/>
+          </a:xfrm>
+          <a:prstGeom prst="rect">
+            <a:avLst/>
+          </a:prstGeom>
+          <a:solidFill>
+            <a:schemeClr val="bg1">
+              <a:lumMod val="75000"/>
+            </a:schemeClr>
+          </a:solidFill>
+        </p:spPr>
+        <p:txBody>
+          <a:bodyPr rot="0" spcFirstLastPara="0" vertOverflow="overflow" horzOverflow="overflow" vert="horz" wrap="square" lIns="91440" tIns="45720" rIns="91440" bIns="45720" numCol="1" spcCol="0" rtlCol="0" fromWordArt="0" anchor="t" anchorCtr="0" forceAA="0" compatLnSpc="1">
+            <a:prstTxWarp prst="textNoShape">
+              <a:avLst/>
+            </a:prstTxWarp>
+            <a:spAutoFit/>
+          </a:bodyPr>
+          <a:lstStyle/>
+          <a:p>
+            <a:pPr>
+              <a:lnSpc>
+                <a:spcPct val="90000"/>
+              </a:lnSpc>
+              <a:spcBef>
+                <a:spcPts val="1000"/>
+              </a:spcBef>
             </a:pPr>
             <a:r>
-              <a:rPr lang="en-GB" dirty="0"/>
-              <a:t>#* @param a The number to square</a:t>
-            </a:r>
-            <a:endParaRPr lang="en-GB" dirty="0">
-              <a:cs typeface="Calibri"/>
-            </a:endParaRPr>
-          </a:p>
-          <a:p>
-            <a:pPr marL="0" indent="0">
-              <a:buNone/>
-            </a:pPr>
-            <a:r>
-              <a:rPr lang="en-GB" dirty="0">
+              <a:rPr lang="en-GB" sz="2400">
+                <a:solidFill>
+                  <a:srgbClr val="000000"/>
+                </a:solidFill>
                 <a:ea typeface="+mn-lt"/>
                 <a:cs typeface="+mn-lt"/>
               </a:rPr>
-              <a:t>#* @get /square</a:t>
-            </a:r>
-            <a:endParaRPr lang="en-US" dirty="0">
+              <a:t>#. I am a decorator</a:t>
+            </a:r>
+            <a:br>
+              <a:rPr lang="en-GB" sz="2400">
+                <a:solidFill>
+                  <a:schemeClr val="bg1">
+                    <a:lumMod val="75000"/>
+                  </a:schemeClr>
+                </a:solidFill>
+                <a:ea typeface="+mn-lt"/>
+                <a:cs typeface="+mn-lt"/>
+              </a:rPr>
+            </a:br>
+            <a:r>
+              <a:rPr lang="en-GB" sz="2400" err="1">
+                <a:solidFill>
+                  <a:srgbClr val="000000"/>
+                </a:solidFill>
+                <a:ea typeface="+mn-lt"/>
+                <a:cs typeface="+mn-lt"/>
+              </a:rPr>
+              <a:t>my_function</a:t>
+            </a:r>
+            <a:r>
+              <a:rPr lang="en-GB" sz="2400">
+                <a:solidFill>
+                  <a:srgbClr val="000000"/>
+                </a:solidFill>
+                <a:ea typeface="+mn-lt"/>
+                <a:cs typeface="+mn-lt"/>
+              </a:rPr>
+              <a:t> &lt;- function()</a:t>
+            </a:r>
+            <a:br>
+              <a:rPr lang="en-GB" sz="2400">
+                <a:solidFill>
+                  <a:schemeClr val="bg1">
+                    <a:lumMod val="75000"/>
+                  </a:schemeClr>
+                </a:solidFill>
+                <a:ea typeface="+mn-lt"/>
+                <a:cs typeface="+mn-lt"/>
+              </a:rPr>
+            </a:br>
+            <a:r>
+              <a:rPr lang="en-GB" sz="2400">
+                <a:solidFill>
+                  <a:srgbClr val="000000"/>
+                </a:solidFill>
+                <a:ea typeface="+mn-lt"/>
+                <a:cs typeface="+mn-lt"/>
+              </a:rPr>
+              <a:t>{</a:t>
+            </a:r>
+            <a:br>
+              <a:rPr lang="en-GB" sz="2400">
+                <a:solidFill>
+                  <a:schemeClr val="bg1">
+                    <a:lumMod val="75000"/>
+                  </a:schemeClr>
+                </a:solidFill>
+                <a:ea typeface="+mn-lt"/>
+                <a:cs typeface="+mn-lt"/>
+              </a:rPr>
+            </a:br>
+            <a:r>
+              <a:rPr lang="en-GB" sz="2400">
+                <a:solidFill>
+                  <a:srgbClr val="000000"/>
+                </a:solidFill>
+                <a:ea typeface="+mn-lt"/>
+                <a:cs typeface="+mn-lt"/>
+              </a:rPr>
+              <a:t>    #do awesome stuff</a:t>
+            </a:r>
+            <a:br>
+              <a:rPr lang="en-GB" sz="2400">
+                <a:solidFill>
+                  <a:schemeClr val="bg1">
+                    <a:lumMod val="75000"/>
+                  </a:schemeClr>
+                </a:solidFill>
+                <a:ea typeface="+mn-lt"/>
+                <a:cs typeface="+mn-lt"/>
+              </a:rPr>
+            </a:br>
+            <a:r>
+              <a:rPr lang="en-GB" sz="2400">
+                <a:solidFill>
+                  <a:srgbClr val="000000"/>
+                </a:solidFill>
+                <a:ea typeface="+mn-lt"/>
+                <a:cs typeface="+mn-lt"/>
+              </a:rPr>
+              <a:t>}</a:t>
+            </a:r>
+            <a:endParaRPr lang="en-US" sz="2400">
+              <a:solidFill>
+                <a:srgbClr val="000000"/>
+              </a:solidFill>
               <a:ea typeface="+mn-lt"/>
               <a:cs typeface="+mn-lt"/>
             </a:endParaRPr>
           </a:p>
           <a:p>
-            <a:pPr>
-              <a:buNone/>
-            </a:pPr>
-            <a:r>
-              <a:rPr lang="en-GB" dirty="0"/>
-              <a:t>function(a) {</a:t>
-            </a:r>
-            <a:endParaRPr lang="en-GB" dirty="0">
+            <a:endParaRPr lang="en-GB">
               <a:cs typeface="Calibri"/>
             </a:endParaRPr>
           </a:p>
           <a:p>
-            <a:pPr>
-              <a:buNone/>
-            </a:pPr>
-            <a:r>
-              <a:rPr lang="en-GB" dirty="0"/>
-              <a:t>    </a:t>
-            </a:r>
-            <a:r>
-              <a:rPr lang="en-GB" dirty="0" err="1"/>
-              <a:t>as.numeric</a:t>
-            </a:r>
-            <a:r>
-              <a:rPr lang="en-GB" dirty="0"/>
-              <a:t>(a) * </a:t>
-            </a:r>
-            <a:r>
-              <a:rPr lang="en-GB" dirty="0" err="1"/>
-              <a:t>as.numeric</a:t>
-            </a:r>
-            <a:r>
-              <a:rPr lang="en-GB" dirty="0"/>
-              <a:t>(a)</a:t>
-            </a:r>
-            <a:endParaRPr lang="en-GB" dirty="0">
+            <a:pPr algn="l"/>
+            <a:endParaRPr lang="en-GB">
               <a:cs typeface="Calibri"/>
             </a:endParaRPr>
           </a:p>
-          <a:p>
-            <a:pPr>
-              <a:buNone/>
+        </p:txBody>
+      </p:sp>
+      <p:sp>
+        <p:nvSpPr>
+          <p:cNvPr id="7" name="TextBox 6">
+            <a:extLst>
+              <a:ext uri="{FF2B5EF4-FFF2-40B4-BE49-F238E27FC236}">
+                <a16:creationId xmlns:a16="http://schemas.microsoft.com/office/drawing/2014/main" id="{81D91F3F-CAC8-E21D-DE5D-9938D29F3CCC}"/>
+              </a:ext>
+            </a:extLst>
+          </p:cNvPr>
+          <p:cNvSpPr txBox="1"/>
+          <p:nvPr/>
+        </p:nvSpPr>
+        <p:spPr>
+          <a:xfrm>
+            <a:off x="630381" y="2722419"/>
+            <a:ext cx="5458690" cy="1660968"/>
+          </a:xfrm>
+          <a:prstGeom prst="rect">
+            <a:avLst/>
+          </a:prstGeom>
+          <a:noFill/>
+        </p:spPr>
+        <p:txBody>
+          <a:bodyPr rot="0" spcFirstLastPara="0" vertOverflow="overflow" horzOverflow="overflow" vert="horz" wrap="square" lIns="91440" tIns="45720" rIns="91440" bIns="45720" numCol="1" spcCol="0" rtlCol="0" fromWordArt="0" anchor="t" anchorCtr="0" forceAA="0" compatLnSpc="1">
+            <a:prstTxWarp prst="textNoShape">
+              <a:avLst/>
+            </a:prstTxWarp>
+            <a:spAutoFit/>
+          </a:bodyPr>
+          <a:lstStyle/>
+          <a:p>
+            <a:pPr marL="285750" indent="-285750">
+              <a:lnSpc>
+                <a:spcPct val="90000"/>
+              </a:lnSpc>
+              <a:spcBef>
+                <a:spcPts val="1000"/>
+              </a:spcBef>
+              <a:buFont typeface="Arial,Sans-Serif"/>
+              <a:buChar char="•"/>
             </a:pPr>
             <a:r>
-              <a:rPr lang="en-GB" dirty="0"/>
-              <a:t>}</a:t>
-            </a:r>
-            <a:endParaRPr lang="en-GB" dirty="0">
-              <a:cs typeface="Calibri" panose="020F0502020204030204"/>
+              <a:rPr lang="en-GB" sz="2800">
+                <a:latin typeface="Arial"/>
+                <a:cs typeface="Arial"/>
+              </a:rPr>
+              <a:t>Start with a # so ignored most of the time.</a:t>
+            </a:r>
+            <a:endParaRPr lang="en-US" sz="2800">
+              <a:latin typeface="Arial"/>
+              <a:cs typeface="Arial"/>
             </a:endParaRPr>
           </a:p>
           <a:p>
-            <a:pPr marL="0" indent="0">
-              <a:buNone/>
+            <a:pPr marL="285750" indent="-285750">
+              <a:lnSpc>
+                <a:spcPct val="90000"/>
+              </a:lnSpc>
+              <a:spcBef>
+                <a:spcPts val="1000"/>
+              </a:spcBef>
+              <a:buFont typeface="Arial,Sans-Serif"/>
+              <a:buChar char="•"/>
             </a:pPr>
-            <a:endParaRPr lang="en-GB" dirty="0">
-              <a:latin typeface="Source Sans Pro"/>
-              <a:ea typeface="Source Sans Pro"/>
-              <a:cs typeface="+mn-lt"/>
+            <a:r>
+              <a:rPr lang="en-GB" sz="2800">
+                <a:latin typeface="Arial"/>
+                <a:cs typeface="Arial"/>
+              </a:rPr>
+              <a:t>Common in other languages.</a:t>
+            </a:r>
+            <a:endParaRPr lang="en-US" sz="2800">
+              <a:latin typeface="Arial"/>
+              <a:cs typeface="Arial"/>
             </a:endParaRPr>
           </a:p>
           <a:p>
-            <a:endParaRPr lang="en-GB" dirty="0">
+            <a:pPr algn="l"/>
+            <a:endParaRPr lang="en-GB">
               <a:cs typeface="Calibri"/>
             </a:endParaRPr>
-          </a:p>
-        </p:txBody>
-      </p:sp>
-      <p:sp>
-        <p:nvSpPr>
-          <p:cNvPr id="4" name="Footer Placeholder 3">
-            <a:extLst>
-              <a:ext uri="{FF2B5EF4-FFF2-40B4-BE49-F238E27FC236}">
-                <a16:creationId xmlns:a16="http://schemas.microsoft.com/office/drawing/2014/main" id="{01D5B108-F2BE-443B-9F10-D0E547A94306}"/>
-              </a:ext>
-            </a:extLst>
-          </p:cNvPr>
-          <p:cNvSpPr>
-            <a:spLocks noGrp="1"/>
-          </p:cNvSpPr>
-          <p:nvPr>
-            <p:ph type="ftr" sz="quarter" idx="11"/>
-          </p:nvPr>
-        </p:nvSpPr>
-        <p:spPr/>
-        <p:txBody>
-          <a:bodyPr/>
-          <a:lstStyle/>
-          <a:p>
-            <a:r>
-              <a:rPr lang="en-GB" dirty="0"/>
-              <a:t>MSC HEALTH DATA SCIENCE</a:t>
-            </a:r>
-          </a:p>
-        </p:txBody>
-      </p:sp>
-      <p:sp>
-        <p:nvSpPr>
-          <p:cNvPr id="5" name="Slide Number Placeholder 4">
-            <a:extLst>
-              <a:ext uri="{FF2B5EF4-FFF2-40B4-BE49-F238E27FC236}">
-                <a16:creationId xmlns:a16="http://schemas.microsoft.com/office/drawing/2014/main" id="{BAFFB418-FDE5-42F8-B8D6-77A98BF98738}"/>
-              </a:ext>
-            </a:extLst>
-          </p:cNvPr>
-          <p:cNvSpPr>
-            <a:spLocks noGrp="1"/>
-          </p:cNvSpPr>
-          <p:nvPr>
-            <p:ph type="sldNum" sz="quarter" idx="12"/>
-          </p:nvPr>
-        </p:nvSpPr>
-        <p:spPr/>
-        <p:txBody>
-          <a:bodyPr/>
-          <a:lstStyle/>
-          <a:p>
-            <a:fld id="{FC59658C-DD7A-4587-BD02-DE6DA26F2584}" type="slidenum">
-              <a:rPr lang="en-GB" smtClean="0"/>
-              <a:t>16</a:t>
-            </a:fld>
-            <a:endParaRPr lang="en-GB"/>
           </a:p>
         </p:txBody>
       </p:sp>
     </p:spTree>
     <p:extLst>
       <p:ext uri="{BB962C8B-B14F-4D97-AF65-F5344CB8AC3E}">
-        <p14:creationId xmlns:p14="http://schemas.microsoft.com/office/powerpoint/2010/main" val="2263617028"/>
+        <p14:creationId xmlns:p14="http://schemas.microsoft.com/office/powerpoint/2010/main" val="1449690167"/>
       </p:ext>
     </p:extLst>
   </p:cSld>
@@ -5279,7 +7297,7 @@
 </p:sld>
 </file>
 
-<file path=ppt/slides/slide17.xml><?xml version="1.0" encoding="utf-8"?>
+<file path=ppt/slides/slide21.xml><?xml version="1.0" encoding="utf-8"?>
 <p:sld xmlns:a="http://schemas.openxmlformats.org/drawingml/2006/main" xmlns:r="http://schemas.openxmlformats.org/officeDocument/2006/relationships" xmlns:p="http://schemas.openxmlformats.org/presentationml/2006/main">
   <p:cSld>
     <p:spTree>
@@ -5298,10 +7316,271 @@
       </p:grpSpPr>
       <p:sp>
         <p:nvSpPr>
-          <p:cNvPr id="12" name="Circle: Hollow 11">
-            <a:extLst>
-              <a:ext uri="{FF2B5EF4-FFF2-40B4-BE49-F238E27FC236}">
-                <a16:creationId xmlns:a16="http://schemas.microsoft.com/office/drawing/2014/main" id="{333EBC0A-72A2-47BA-A0B4-D2C460728667}"/>
+          <p:cNvPr id="2" name="Title 1">
+            <a:extLst>
+              <a:ext uri="{FF2B5EF4-FFF2-40B4-BE49-F238E27FC236}">
+                <a16:creationId xmlns:a16="http://schemas.microsoft.com/office/drawing/2014/main" id="{0DDB005F-089E-49A0-95FD-EEF1BC173502}"/>
+              </a:ext>
+            </a:extLst>
+          </p:cNvPr>
+          <p:cNvSpPr>
+            <a:spLocks noGrp="1"/>
+          </p:cNvSpPr>
+          <p:nvPr>
+            <p:ph type="title"/>
+          </p:nvPr>
+        </p:nvSpPr>
+        <p:spPr/>
+        <p:txBody>
+          <a:bodyPr/>
+          <a:lstStyle/>
+          <a:p>
+            <a:r>
+              <a:rPr lang="en-GB">
+                <a:cs typeface="Calibri"/>
+              </a:rPr>
+              <a:t>Plumber function</a:t>
+            </a:r>
+            <a:endParaRPr lang="en-GB"/>
+          </a:p>
+        </p:txBody>
+      </p:sp>
+      <p:sp>
+        <p:nvSpPr>
+          <p:cNvPr id="3" name="Content Placeholder 2">
+            <a:extLst>
+              <a:ext uri="{FF2B5EF4-FFF2-40B4-BE49-F238E27FC236}">
+                <a16:creationId xmlns:a16="http://schemas.microsoft.com/office/drawing/2014/main" id="{9BE583B1-12B0-430C-9809-4D7AF93479C2}"/>
+              </a:ext>
+            </a:extLst>
+          </p:cNvPr>
+          <p:cNvSpPr>
+            <a:spLocks noGrp="1"/>
+          </p:cNvSpPr>
+          <p:nvPr>
+            <p:ph idx="1"/>
+          </p:nvPr>
+        </p:nvSpPr>
+        <p:spPr>
+          <a:xfrm>
+            <a:off x="908464" y="1936461"/>
+            <a:ext cx="7468590" cy="3208338"/>
+          </a:xfrm>
+          <a:solidFill>
+            <a:schemeClr val="bg1">
+              <a:lumMod val="75000"/>
+            </a:schemeClr>
+          </a:solidFill>
+        </p:spPr>
+        <p:txBody>
+          <a:bodyPr vert="horz" lIns="91440" tIns="45720" rIns="91440" bIns="45720" rtlCol="0" anchor="t">
+            <a:normAutofit/>
+          </a:bodyPr>
+          <a:lstStyle/>
+          <a:p>
+            <a:pPr marL="0" indent="0">
+              <a:buNone/>
+            </a:pPr>
+            <a:r>
+              <a:rPr lang="en-GB"/>
+              <a:t>#* Return the square of a number</a:t>
+            </a:r>
+            <a:endParaRPr lang="en-US">
+              <a:latin typeface="Calibri" panose="020F0502020204030204"/>
+              <a:ea typeface="Source Sans Pro"/>
+              <a:cs typeface="Calibri" panose="020F0502020204030204"/>
+            </a:endParaRPr>
+          </a:p>
+          <a:p>
+            <a:pPr marL="0" indent="0">
+              <a:buNone/>
+            </a:pPr>
+            <a:r>
+              <a:rPr lang="en-GB"/>
+              <a:t>#* @param a The number to square</a:t>
+            </a:r>
+            <a:endParaRPr lang="en-GB">
+              <a:cs typeface="Calibri"/>
+            </a:endParaRPr>
+          </a:p>
+          <a:p>
+            <a:pPr marL="0" indent="0">
+              <a:buNone/>
+            </a:pPr>
+            <a:r>
+              <a:rPr lang="en-GB">
+                <a:ea typeface="+mn-lt"/>
+                <a:cs typeface="+mn-lt"/>
+              </a:rPr>
+              <a:t>#* @get /square</a:t>
+            </a:r>
+            <a:endParaRPr lang="en-US">
+              <a:ea typeface="+mn-lt"/>
+              <a:cs typeface="+mn-lt"/>
+            </a:endParaRPr>
+          </a:p>
+          <a:p>
+            <a:pPr>
+              <a:buNone/>
+            </a:pPr>
+            <a:r>
+              <a:rPr lang="en-GB"/>
+              <a:t>function(a) {</a:t>
+            </a:r>
+            <a:endParaRPr lang="en-GB">
+              <a:cs typeface="Calibri"/>
+            </a:endParaRPr>
+          </a:p>
+          <a:p>
+            <a:pPr>
+              <a:buNone/>
+            </a:pPr>
+            <a:r>
+              <a:rPr lang="en-GB"/>
+              <a:t>    </a:t>
+            </a:r>
+            <a:r>
+              <a:rPr lang="en-GB" err="1"/>
+              <a:t>as.numeric</a:t>
+            </a:r>
+            <a:r>
+              <a:rPr lang="en-GB"/>
+              <a:t>(a) * </a:t>
+            </a:r>
+            <a:r>
+              <a:rPr lang="en-GB" err="1"/>
+              <a:t>as.numeric</a:t>
+            </a:r>
+            <a:r>
+              <a:rPr lang="en-GB"/>
+              <a:t>(a)</a:t>
+            </a:r>
+            <a:endParaRPr lang="en-GB">
+              <a:cs typeface="Calibri"/>
+            </a:endParaRPr>
+          </a:p>
+          <a:p>
+            <a:pPr>
+              <a:buNone/>
+            </a:pPr>
+            <a:r>
+              <a:rPr lang="en-GB"/>
+              <a:t>}</a:t>
+            </a:r>
+            <a:endParaRPr lang="en-GB">
+              <a:cs typeface="Calibri" panose="020F0502020204030204"/>
+            </a:endParaRPr>
+          </a:p>
+          <a:p>
+            <a:pPr marL="0" indent="0">
+              <a:buNone/>
+            </a:pPr>
+            <a:endParaRPr lang="en-GB">
+              <a:latin typeface="Source Sans Pro"/>
+              <a:ea typeface="Source Sans Pro"/>
+              <a:cs typeface="+mn-lt"/>
+            </a:endParaRPr>
+          </a:p>
+          <a:p>
+            <a:endParaRPr lang="en-GB">
+              <a:cs typeface="Calibri"/>
+            </a:endParaRPr>
+          </a:p>
+        </p:txBody>
+      </p:sp>
+      <p:sp>
+        <p:nvSpPr>
+          <p:cNvPr id="4" name="Footer Placeholder 3">
+            <a:extLst>
+              <a:ext uri="{FF2B5EF4-FFF2-40B4-BE49-F238E27FC236}">
+                <a16:creationId xmlns:a16="http://schemas.microsoft.com/office/drawing/2014/main" id="{01D5B108-F2BE-443B-9F10-D0E547A94306}"/>
+              </a:ext>
+            </a:extLst>
+          </p:cNvPr>
+          <p:cNvSpPr>
+            <a:spLocks noGrp="1"/>
+          </p:cNvSpPr>
+          <p:nvPr>
+            <p:ph type="ftr" sz="quarter" idx="11"/>
+          </p:nvPr>
+        </p:nvSpPr>
+        <p:spPr/>
+        <p:txBody>
+          <a:bodyPr/>
+          <a:lstStyle/>
+          <a:p>
+            <a:r>
+              <a:rPr lang="en-GB"/>
+              <a:t>MSC HEALTH DATA SCIENCE</a:t>
+            </a:r>
+          </a:p>
+        </p:txBody>
+      </p:sp>
+      <p:sp>
+        <p:nvSpPr>
+          <p:cNvPr id="5" name="Slide Number Placeholder 4">
+            <a:extLst>
+              <a:ext uri="{FF2B5EF4-FFF2-40B4-BE49-F238E27FC236}">
+                <a16:creationId xmlns:a16="http://schemas.microsoft.com/office/drawing/2014/main" id="{BAFFB418-FDE5-42F8-B8D6-77A98BF98738}"/>
+              </a:ext>
+            </a:extLst>
+          </p:cNvPr>
+          <p:cNvSpPr>
+            <a:spLocks noGrp="1"/>
+          </p:cNvSpPr>
+          <p:nvPr>
+            <p:ph type="sldNum" sz="quarter" idx="12"/>
+          </p:nvPr>
+        </p:nvSpPr>
+        <p:spPr/>
+        <p:txBody>
+          <a:bodyPr/>
+          <a:lstStyle/>
+          <a:p>
+            <a:fld id="{FC59658C-DD7A-4587-BD02-DE6DA26F2584}" type="slidenum">
+              <a:rPr lang="en-GB" smtClean="0"/>
+              <a:t>21</a:t>
+            </a:fld>
+            <a:endParaRPr lang="en-GB"/>
+          </a:p>
+        </p:txBody>
+      </p:sp>
+    </p:spTree>
+    <p:extLst>
+      <p:ext uri="{BB962C8B-B14F-4D97-AF65-F5344CB8AC3E}">
+        <p14:creationId xmlns:p14="http://schemas.microsoft.com/office/powerpoint/2010/main" val="2263617028"/>
+      </p:ext>
+    </p:extLst>
+  </p:cSld>
+  <p:clrMapOvr>
+    <a:masterClrMapping/>
+  </p:clrMapOvr>
+</p:sld>
+</file>
+
+<file path=ppt/slides/slide22.xml><?xml version="1.0" encoding="utf-8"?>
+<p:sld xmlns:a="http://schemas.openxmlformats.org/drawingml/2006/main" xmlns:r="http://schemas.openxmlformats.org/officeDocument/2006/relationships" xmlns:p="http://schemas.openxmlformats.org/presentationml/2006/main">
+  <p:cSld>
+    <p:spTree>
+      <p:nvGrpSpPr>
+        <p:cNvPr id="1" name=""/>
+        <p:cNvGrpSpPr/>
+        <p:nvPr/>
+      </p:nvGrpSpPr>
+      <p:grpSpPr>
+        <a:xfrm>
+          <a:off x="0" y="0"/>
+          <a:ext cx="0" cy="0"/>
+          <a:chOff x="0" y="0"/>
+          <a:chExt cx="0" cy="0"/>
+        </a:xfrm>
+      </p:grpSpPr>
+      <p:sp>
+        <p:nvSpPr>
+          <p:cNvPr id="9" name="Oval 8">
+            <a:extLst>
+              <a:ext uri="{FF2B5EF4-FFF2-40B4-BE49-F238E27FC236}">
+                <a16:creationId xmlns:a16="http://schemas.microsoft.com/office/drawing/2014/main" id="{431C1DA3-FA4F-D81F-2D21-238A871DDD43}"/>
               </a:ext>
             </a:extLst>
           </p:cNvPr>
@@ -5310,17 +7589,20 @@
         </p:nvSpPr>
         <p:spPr>
           <a:xfrm>
-            <a:off x="3772766" y="1071130"/>
-            <a:ext cx="5380180" cy="5345544"/>
+            <a:off x="3920836" y="1122217"/>
+            <a:ext cx="5098472" cy="5230091"/>
           </a:xfrm>
-          <a:prstGeom prst="donut">
+          <a:prstGeom prst="ellipse">
             <a:avLst/>
           </a:prstGeom>
+          <a:solidFill>
+            <a:srgbClr val="92D050"/>
+          </a:solidFill>
         </p:spPr>
         <p:style>
           <a:lnRef idx="2">
             <a:schemeClr val="accent1">
-              <a:shade val="50000"/>
+              <a:shade val="15000"/>
             </a:schemeClr>
           </a:lnRef>
           <a:fillRef idx="1">
@@ -5338,11 +7620,56 @@
           <a:lstStyle/>
           <a:p>
             <a:pPr algn="ctr"/>
-            <a:endParaRPr lang="en-GB">
-              <a:solidFill>
-                <a:schemeClr val="tx1"/>
-              </a:solidFill>
-            </a:endParaRPr>
+            <a:endParaRPr lang="en-GB"/>
+          </a:p>
+        </p:txBody>
+      </p:sp>
+      <p:sp>
+        <p:nvSpPr>
+          <p:cNvPr id="8" name="Oval 7">
+            <a:extLst>
+              <a:ext uri="{FF2B5EF4-FFF2-40B4-BE49-F238E27FC236}">
+                <a16:creationId xmlns:a16="http://schemas.microsoft.com/office/drawing/2014/main" id="{3D75EDFC-3F38-F564-F7EC-644EBFE9DF25}"/>
+              </a:ext>
+            </a:extLst>
+          </p:cNvPr>
+          <p:cNvSpPr/>
+          <p:nvPr/>
+        </p:nvSpPr>
+        <p:spPr>
+          <a:xfrm>
+            <a:off x="4890654" y="1669471"/>
+            <a:ext cx="3096490" cy="3519053"/>
+          </a:xfrm>
+          <a:prstGeom prst="ellipse">
+            <a:avLst/>
+          </a:prstGeom>
+          <a:solidFill>
+            <a:srgbClr val="FFC000"/>
+          </a:solidFill>
+        </p:spPr>
+        <p:style>
+          <a:lnRef idx="2">
+            <a:schemeClr val="accent1">
+              <a:shade val="15000"/>
+            </a:schemeClr>
+          </a:lnRef>
+          <a:fillRef idx="1">
+            <a:schemeClr val="accent1"/>
+          </a:fillRef>
+          <a:effectRef idx="0">
+            <a:schemeClr val="accent1"/>
+          </a:effectRef>
+          <a:fontRef idx="minor">
+            <a:schemeClr val="lt1"/>
+          </a:fontRef>
+        </p:style>
+        <p:txBody>
+          <a:bodyPr rtlCol="0" anchor="ctr"/>
+          <a:lstStyle/>
+          <a:p>
+            <a:pPr algn="ctr"/>
+            <a:endParaRPr lang="en-GB"/>
           </a:p>
         </p:txBody>
       </p:sp>
@@ -5368,12 +7695,12 @@
           <a:lstStyle/>
           <a:p>
             <a:r>
-              <a:rPr lang="en-GB" dirty="0">
+              <a:rPr lang="en-GB">
                 <a:cs typeface="Calibri"/>
               </a:rPr>
               <a:t>Plumber – access to functions</a:t>
             </a:r>
-            <a:endParaRPr lang="en-US" dirty="0"/>
+            <a:endParaRPr lang="en-US"/>
           </a:p>
         </p:txBody>
       </p:sp>
@@ -5399,7 +7726,7 @@
           <a:lstStyle/>
           <a:p>
             <a:r>
-              <a:rPr lang="en-GB" dirty="0"/>
+              <a:rPr lang="en-GB"/>
               <a:t>MSC HEALTH DATA SCIENCE</a:t>
             </a:r>
           </a:p>
@@ -5428,7 +7755,7 @@
           <a:p>
             <a:fld id="{FC59658C-DD7A-4587-BD02-DE6DA26F2584}" type="slidenum">
               <a:rPr lang="en-GB" smtClean="0"/>
-              <a:t>17</a:t>
+              <a:t>22</a:t>
             </a:fld>
             <a:endParaRPr lang="en-GB"/>
           </a:p>
@@ -5462,7 +7789,7 @@
         </p:blipFill>
         <p:spPr>
           <a:xfrm rot="17520000">
-            <a:off x="3193728" y="1545949"/>
+            <a:off x="3373837" y="1608294"/>
             <a:ext cx="1041399" cy="2034308"/>
           </a:xfrm>
           <a:prstGeom prst="rect">
@@ -5498,7 +7825,7 @@
         </p:blipFill>
         <p:spPr>
           <a:xfrm rot="14940000">
-            <a:off x="2929738" y="3763066"/>
+            <a:off x="3317665" y="3624521"/>
             <a:ext cx="1041399" cy="2034308"/>
           </a:xfrm>
           <a:prstGeom prst="rect">
@@ -5664,8 +7991,8 @@
         </p:nvSpPr>
         <p:spPr>
           <a:xfrm>
-            <a:off x="5486400" y="5280915"/>
-            <a:ext cx="2743199" cy="461665"/>
+            <a:off x="5167746" y="5398679"/>
+            <a:ext cx="2888671" cy="461665"/>
           </a:xfrm>
           <a:prstGeom prst="rect">
             <a:avLst/>
@@ -5682,8 +8009,8 @@
           <a:lstStyle/>
           <a:p>
             <a:r>
-              <a:rPr lang="en-GB" sz="2400" b="1" dirty="0"/>
-              <a:t>Plumber API</a:t>
+              <a:rPr lang="en-GB" sz="2400" b="1"/>
+              <a:t>Run in plumber = API</a:t>
             </a:r>
             <a:endParaRPr lang="en-US" sz="2400" b="1">
               <a:cs typeface="Calibri"/>
@@ -5705,8 +8032,8 @@
         </p:nvSpPr>
         <p:spPr>
           <a:xfrm>
-            <a:off x="5229546" y="3551432"/>
-            <a:ext cx="2469221" cy="461665"/>
+            <a:off x="5298818" y="3634559"/>
+            <a:ext cx="3134239" cy="830997"/>
           </a:xfrm>
           <a:prstGeom prst="rect">
             <a:avLst/>
@@ -5723,10 +8050,10 @@
           <a:lstStyle/>
           <a:p>
             <a:r>
-              <a:rPr lang="en-GB" sz="2400" b="1" dirty="0">
+              <a:rPr lang="en-GB" sz="2400" b="1">
                 <a:cs typeface="Calibri"/>
               </a:rPr>
-              <a:t>Plumber function</a:t>
+              <a:t>Add decorators = Plumber function</a:t>
             </a:r>
           </a:p>
         </p:txBody>
@@ -5764,10 +8091,10 @@
           <a:p>
             <a:pPr algn="l"/>
             <a:r>
-              <a:rPr lang="en-GB" dirty="0"/>
+              <a:rPr lang="en-GB"/>
               <a:t>Swagger</a:t>
             </a:r>
-            <a:endParaRPr lang="en-US" dirty="0"/>
+            <a:endParaRPr lang="en-US"/>
           </a:p>
         </p:txBody>
       </p:sp>
@@ -5803,7 +8130,7 @@
           <a:lstStyle/>
           <a:p>
             <a:r>
-              <a:rPr lang="en-GB" dirty="0"/>
+              <a:rPr lang="en-GB"/>
               <a:t>Terminal or curl</a:t>
             </a:r>
           </a:p>
@@ -5929,6 +8256,60 @@
           </a:prstGeom>
         </p:spPr>
       </p:pic>
+      <p:sp>
+        <p:nvSpPr>
+          <p:cNvPr id="7" name="Oval 6">
+            <a:extLst>
+              <a:ext uri="{FF2B5EF4-FFF2-40B4-BE49-F238E27FC236}">
+                <a16:creationId xmlns:a16="http://schemas.microsoft.com/office/drawing/2014/main" id="{B416A94C-5455-9B9C-4ECC-8B2AE7C5DF78}"/>
+              </a:ext>
+            </a:extLst>
+          </p:cNvPr>
+          <p:cNvSpPr/>
+          <p:nvPr/>
+        </p:nvSpPr>
+        <p:spPr>
+          <a:xfrm>
+            <a:off x="5728854" y="2189017"/>
+            <a:ext cx="1420090" cy="1447800"/>
+          </a:xfrm>
+          <a:prstGeom prst="ellipse">
+            <a:avLst/>
+          </a:prstGeom>
+        </p:spPr>
+        <p:style>
+          <a:lnRef idx="2">
+            <a:schemeClr val="accent1">
+              <a:shade val="15000"/>
+            </a:schemeClr>
+          </a:lnRef>
+          <a:fillRef idx="1">
+            <a:schemeClr val="accent1"/>
+          </a:fillRef>
+          <a:effectRef idx="0">
+            <a:schemeClr val="accent1"/>
+          </a:effectRef>
+          <a:fontRef idx="minor">
+            <a:schemeClr val="lt1"/>
+          </a:fontRef>
+        </p:style>
+        <p:txBody>
+          <a:bodyPr rtlCol="0" anchor="ctr"/>
+          <a:lstStyle/>
+          <a:p>
+            <a:pPr algn="ctr"/>
+            <a:r>
+              <a:rPr lang="en-GB" b="1">
+                <a:solidFill>
+                  <a:schemeClr val="tx1"/>
+                </a:solidFill>
+                <a:cs typeface="Calibri"/>
+              </a:rPr>
+              <a:t>R function</a:t>
+            </a:r>
+          </a:p>
+        </p:txBody>
+      </p:sp>
     </p:spTree>
     <p:extLst>
       <p:ext uri="{BB962C8B-B14F-4D97-AF65-F5344CB8AC3E}">
@@ -5942,7 +8323,7 @@
 </p:sld>
 </file>
 
-<file path=ppt/slides/slide18.xml><?xml version="1.0" encoding="utf-8"?>
+<file path=ppt/slides/slide23.xml><?xml version="1.0" encoding="utf-8"?>
 <p:sld xmlns:a="http://schemas.openxmlformats.org/drawingml/2006/main" xmlns:r="http://schemas.openxmlformats.org/officeDocument/2006/relationships" xmlns:p="http://schemas.openxmlformats.org/presentationml/2006/main">
   <p:cSld>
     <p:spTree>
@@ -5985,7 +8366,7 @@
                 <a:ea typeface="+mj-lt"/>
                 <a:cs typeface="+mj-lt"/>
               </a:rPr>
-              <a:t>Exercises: write some plumber code</a:t>
+              <a:t>Exercise 3: Run some plumber code</a:t>
             </a:r>
             <a:endParaRPr lang="en-US" dirty="0"/>
           </a:p>
@@ -6023,7 +8404,7 @@
                 <a:ea typeface="+mn-lt"/>
                 <a:cs typeface="+mn-lt"/>
               </a:rPr>
-              <a:t>Exercise 3: Run example plumber functions (/hello, /square, /plot)</a:t>
+              <a:t>Open exercise_3_plumber_example_server.R</a:t>
             </a:r>
           </a:p>
           <a:p>
@@ -6036,25 +8417,8 @@
                 <a:ea typeface="+mn-lt"/>
                 <a:cs typeface="+mn-lt"/>
               </a:rPr>
-              <a:t>Exercise 4: Write a plumber function to use </a:t>
-            </a:r>
-            <a:r>
-              <a:rPr lang="en-GB" dirty="0" err="1">
-                <a:ea typeface="+mn-lt"/>
-                <a:cs typeface="+mn-lt"/>
-              </a:rPr>
-              <a:t>gapminder</a:t>
-            </a:r>
-            <a:r>
-              <a:rPr lang="en-GB" dirty="0">
-                <a:ea typeface="+mn-lt"/>
-                <a:cs typeface="+mn-lt"/>
-              </a:rPr>
-              <a:t> data to show population of the UK in 1982</a:t>
-            </a:r>
-            <a:endParaRPr lang="en-US">
-              <a:cs typeface="Calibri"/>
-            </a:endParaRPr>
+              <a:t>Click on the "Run API" button on the top right of the code.</a:t>
+            </a:r>
           </a:p>
           <a:p>
             <a:pPr>
@@ -6066,25 +8430,8 @@
                 <a:ea typeface="+mn-lt"/>
                 <a:cs typeface="+mn-lt"/>
               </a:rPr>
-              <a:t>Exercise 5: Write a plumber function to allow a user to find out the population of any country during any year in </a:t>
-            </a:r>
-            <a:r>
-              <a:rPr lang="en-GB" dirty="0" err="1">
-                <a:ea typeface="+mn-lt"/>
-                <a:cs typeface="+mn-lt"/>
-              </a:rPr>
-              <a:t>gapminder</a:t>
-            </a:r>
-            <a:r>
-              <a:rPr lang="en-GB" dirty="0">
-                <a:ea typeface="+mn-lt"/>
-                <a:cs typeface="+mn-lt"/>
-              </a:rPr>
-              <a:t>.</a:t>
-            </a:r>
-            <a:endParaRPr lang="en-GB" dirty="0">
-              <a:cs typeface="Calibri" panose="020F0502020204030204"/>
-            </a:endParaRPr>
+              <a:t>This will open a web browser with swagger running in it</a:t>
+            </a:r>
           </a:p>
           <a:p>
             <a:pPr>
@@ -6096,11 +8443,64 @@
                 <a:ea typeface="+mn-lt"/>
                 <a:cs typeface="+mn-lt"/>
               </a:rPr>
-              <a:t>Exercise 6: Write a plumber function to plot the population change of a user defined country.</a:t>
+              <a:t>Run example plumber functions (/hello, /square, /plot)</a:t>
+            </a:r>
+            <a:endParaRPr lang="en-GB" dirty="0"/>
+          </a:p>
+          <a:p>
+            <a:pPr>
+              <a:buFont typeface="Arial" panose="05000000000000000000" pitchFamily="2" charset="2"/>
+              <a:buChar char="•"/>
+            </a:pPr>
+            <a:r>
+              <a:rPr lang="en-GB" dirty="0">
+                <a:ea typeface="Calibri"/>
+                <a:cs typeface="Calibri" panose="020F0502020204030204"/>
+              </a:rPr>
+              <a:t>Open request URLs directly in a web browser</a:t>
+            </a:r>
+          </a:p>
+          <a:p>
+            <a:pPr>
+              <a:buFont typeface="Arial" panose="05000000000000000000" pitchFamily="2" charset="2"/>
+              <a:buChar char="•"/>
+            </a:pPr>
+            <a:r>
+              <a:rPr lang="en-GB" dirty="0">
+                <a:ea typeface="Calibri"/>
+                <a:cs typeface="Calibri" panose="020F0502020204030204"/>
+              </a:rPr>
+              <a:t>Open a second RStudio instance (Session &gt; New Session), open exercise_3_plumber_example_client.R, update the </a:t>
+            </a:r>
+            <a:r>
+              <a:rPr lang="en-GB" dirty="0" err="1">
+                <a:ea typeface="Calibri"/>
+                <a:cs typeface="Calibri" panose="020F0502020204030204"/>
+              </a:rPr>
+              <a:t>port_number</a:t>
+            </a:r>
+            <a:r>
+              <a:rPr lang="en-GB" dirty="0">
+                <a:ea typeface="Calibri"/>
+                <a:cs typeface="Calibri" panose="020F0502020204030204"/>
+              </a:rPr>
+              <a:t> variable, run examples.</a:t>
             </a:r>
             <a:endParaRPr lang="en-GB" dirty="0">
               <a:cs typeface="Calibri" panose="020F0502020204030204"/>
             </a:endParaRPr>
+          </a:p>
+          <a:p>
+            <a:pPr>
+              <a:buFont typeface="Arial" panose="05000000000000000000" pitchFamily="2" charset="2"/>
+              <a:buChar char="•"/>
+            </a:pPr>
+            <a:r>
+              <a:rPr lang="en-GB" dirty="0">
+                <a:cs typeface="Calibri" panose="020F0502020204030204"/>
+              </a:rPr>
+              <a:t>More info in the README.md document</a:t>
+            </a:r>
           </a:p>
           <a:p>
             <a:pPr>
@@ -6108,9 +8508,20 @@
               <a:buChar char="•"/>
             </a:pPr>
             <a:endParaRPr lang="en-GB" dirty="0">
+              <a:ea typeface="Calibri" panose="020F0502020204030204"/>
               <a:cs typeface="Calibri" panose="020F0502020204030204"/>
             </a:endParaRPr>
           </a:p>
+          <a:p>
+            <a:pPr>
+              <a:buFont typeface="Arial" panose="05000000000000000000" pitchFamily="2" charset="2"/>
+              <a:buChar char="•"/>
+            </a:pPr>
+            <a:endParaRPr lang="en-GB">
+              <a:ea typeface="Calibri" panose="020F0502020204030204"/>
+              <a:cs typeface="Calibri" panose="020F0502020204030204"/>
+            </a:endParaRPr>
+          </a:p>
         </p:txBody>
       </p:sp>
       <p:sp>
@@ -6135,7 +8546,7 @@
           <a:lstStyle/>
           <a:p>
             <a:r>
-              <a:rPr lang="en-GB" dirty="0"/>
+              <a:rPr lang="en-GB"/>
               <a:t>MSC HEALTH DATA SCIENCE</a:t>
             </a:r>
           </a:p>
@@ -6164,7 +8575,7 @@
           <a:p>
             <a:fld id="{FC59658C-DD7A-4587-BD02-DE6DA26F2584}" type="slidenum">
               <a:rPr lang="en-GB" smtClean="0"/>
-              <a:t>18</a:t>
+              <a:t>23</a:t>
             </a:fld>
             <a:endParaRPr lang="en-GB"/>
           </a:p>
@@ -6183,7 +8594,7 @@
 </p:sld>
 </file>
 
-<file path=ppt/slides/slide19.xml><?xml version="1.0" encoding="utf-8"?>
+<file path=ppt/slides/slide24.xml><?xml version="1.0" encoding="utf-8"?>
 <p:sld xmlns:a="http://schemas.openxmlformats.org/drawingml/2006/main" xmlns:r="http://schemas.openxmlformats.org/officeDocument/2006/relationships" xmlns:p="http://schemas.openxmlformats.org/presentationml/2006/main">
   <p:cSld>
     <p:spTree>
@@ -6202,10 +8613,108 @@
       </p:grpSpPr>
       <p:sp>
         <p:nvSpPr>
+          <p:cNvPr id="9" name="Oval 8">
+            <a:extLst>
+              <a:ext uri="{FF2B5EF4-FFF2-40B4-BE49-F238E27FC236}">
+                <a16:creationId xmlns:a16="http://schemas.microsoft.com/office/drawing/2014/main" id="{431C1DA3-FA4F-D81F-2D21-238A871DDD43}"/>
+              </a:ext>
+            </a:extLst>
+          </p:cNvPr>
+          <p:cNvSpPr/>
+          <p:nvPr/>
+        </p:nvSpPr>
+        <p:spPr>
+          <a:xfrm>
+            <a:off x="3920836" y="1122217"/>
+            <a:ext cx="5098472" cy="5230091"/>
+          </a:xfrm>
+          <a:prstGeom prst="ellipse">
+            <a:avLst/>
+          </a:prstGeom>
+          <a:solidFill>
+            <a:srgbClr val="92D050"/>
+          </a:solidFill>
+        </p:spPr>
+        <p:style>
+          <a:lnRef idx="2">
+            <a:schemeClr val="accent1">
+              <a:shade val="15000"/>
+            </a:schemeClr>
+          </a:lnRef>
+          <a:fillRef idx="1">
+            <a:schemeClr val="accent1"/>
+          </a:fillRef>
+          <a:effectRef idx="0">
+            <a:schemeClr val="accent1"/>
+          </a:effectRef>
+          <a:fontRef idx="minor">
+            <a:schemeClr val="lt1"/>
+          </a:fontRef>
+        </p:style>
+        <p:txBody>
+          <a:bodyPr rtlCol="0" anchor="ctr"/>
+          <a:lstStyle/>
+          <a:p>
+            <a:pPr algn="ctr"/>
+            <a:endParaRPr lang="en-GB"/>
+          </a:p>
+        </p:txBody>
+      </p:sp>
+      <p:sp>
+        <p:nvSpPr>
+          <p:cNvPr id="8" name="Oval 7">
+            <a:extLst>
+              <a:ext uri="{FF2B5EF4-FFF2-40B4-BE49-F238E27FC236}">
+                <a16:creationId xmlns:a16="http://schemas.microsoft.com/office/drawing/2014/main" id="{3D75EDFC-3F38-F564-F7EC-644EBFE9DF25}"/>
+              </a:ext>
+            </a:extLst>
+          </p:cNvPr>
+          <p:cNvSpPr/>
+          <p:nvPr/>
+        </p:nvSpPr>
+        <p:spPr>
+          <a:xfrm>
+            <a:off x="4890654" y="1669471"/>
+            <a:ext cx="3096490" cy="3519053"/>
+          </a:xfrm>
+          <a:prstGeom prst="ellipse">
+            <a:avLst/>
+          </a:prstGeom>
+          <a:solidFill>
+            <a:srgbClr val="FFC000"/>
+          </a:solidFill>
+        </p:spPr>
+        <p:style>
+          <a:lnRef idx="2">
+            <a:schemeClr val="accent1">
+              <a:shade val="15000"/>
+            </a:schemeClr>
+          </a:lnRef>
+          <a:fillRef idx="1">
+            <a:schemeClr val="accent1"/>
+          </a:fillRef>
+          <a:effectRef idx="0">
+            <a:schemeClr val="accent1"/>
+          </a:effectRef>
+          <a:fontRef idx="minor">
+            <a:schemeClr val="lt1"/>
+          </a:fontRef>
+        </p:style>
+        <p:txBody>
+          <a:bodyPr rtlCol="0" anchor="ctr"/>
+          <a:lstStyle/>
+          <a:p>
+            <a:pPr algn="ctr"/>
+            <a:endParaRPr lang="en-GB"/>
+          </a:p>
+        </p:txBody>
+      </p:sp>
+      <p:sp>
+        <p:nvSpPr>
           <p:cNvPr id="2" name="Title 1">
             <a:extLst>
               <a:ext uri="{FF2B5EF4-FFF2-40B4-BE49-F238E27FC236}">
-                <a16:creationId xmlns:a16="http://schemas.microsoft.com/office/drawing/2014/main" id="{D5379D8E-48FD-4570-88F5-B4252D543777}"/>
+                <a16:creationId xmlns:a16="http://schemas.microsoft.com/office/drawing/2014/main" id="{93FD0D66-7302-485F-92D6-42139A1A011C}"/>
               </a:ext>
             </a:extLst>
           </p:cNvPr>
@@ -6222,206 +8731,625 @@
           <a:lstStyle/>
           <a:p>
             <a:r>
-              <a:rPr lang="en-GB" dirty="0">
+              <a:rPr lang="en-GB">
                 <a:cs typeface="Calibri"/>
               </a:rPr>
-              <a:t>Additional points</a:t>
-            </a:r>
-            <a:endParaRPr lang="en-GB" dirty="0"/>
-          </a:p>
-        </p:txBody>
-      </p:sp>
-      <p:sp>
-        <p:nvSpPr>
-          <p:cNvPr id="3" name="Content Placeholder 2">
-            <a:extLst>
-              <a:ext uri="{FF2B5EF4-FFF2-40B4-BE49-F238E27FC236}">
-                <a16:creationId xmlns:a16="http://schemas.microsoft.com/office/drawing/2014/main" id="{DBC664FC-4963-45AD-9A19-3C6AE123906E}"/>
-              </a:ext>
-            </a:extLst>
-          </p:cNvPr>
-          <p:cNvSpPr>
-            <a:spLocks noGrp="1"/>
-          </p:cNvSpPr>
-          <p:nvPr>
-            <p:ph idx="1"/>
+              <a:t>Plumber – access to functions</a:t>
+            </a:r>
+            <a:endParaRPr lang="en-US"/>
+          </a:p>
+        </p:txBody>
+      </p:sp>
+      <p:sp>
+        <p:nvSpPr>
+          <p:cNvPr id="4" name="Footer Placeholder 3">
+            <a:extLst>
+              <a:ext uri="{FF2B5EF4-FFF2-40B4-BE49-F238E27FC236}">
+                <a16:creationId xmlns:a16="http://schemas.microsoft.com/office/drawing/2014/main" id="{3E3A0FDD-EAA3-4622-B39F-84AECFB06358}"/>
+              </a:ext>
+            </a:extLst>
+          </p:cNvPr>
+          <p:cNvSpPr>
+            <a:spLocks noGrp="1"/>
+          </p:cNvSpPr>
+          <p:nvPr>
+            <p:ph type="ftr" sz="quarter" idx="11"/>
           </p:nvPr>
         </p:nvSpPr>
         <p:spPr/>
         <p:txBody>
-          <a:bodyPr vert="horz" lIns="91440" tIns="45720" rIns="91440" bIns="45720" rtlCol="0" anchor="t">
-            <a:normAutofit/>
+          <a:bodyPr/>
+          <a:lstStyle/>
+          <a:p>
+            <a:r>
+              <a:rPr lang="en-GB"/>
+              <a:t>MSC HEALTH DATA SCIENCE</a:t>
+            </a:r>
+          </a:p>
+        </p:txBody>
+      </p:sp>
+      <p:sp>
+        <p:nvSpPr>
+          <p:cNvPr id="5" name="Slide Number Placeholder 4">
+            <a:extLst>
+              <a:ext uri="{FF2B5EF4-FFF2-40B4-BE49-F238E27FC236}">
+                <a16:creationId xmlns:a16="http://schemas.microsoft.com/office/drawing/2014/main" id="{ED801D9F-E716-4E68-8068-DEF0E5A4C928}"/>
+              </a:ext>
+            </a:extLst>
+          </p:cNvPr>
+          <p:cNvSpPr>
+            <a:spLocks noGrp="1"/>
+          </p:cNvSpPr>
+          <p:nvPr>
+            <p:ph type="sldNum" sz="quarter" idx="12"/>
+          </p:nvPr>
+        </p:nvSpPr>
+        <p:spPr/>
+        <p:txBody>
+          <a:bodyPr/>
+          <a:lstStyle/>
+          <a:p>
+            <a:fld id="{FC59658C-DD7A-4587-BD02-DE6DA26F2584}" type="slidenum">
+              <a:rPr lang="en-GB" smtClean="0"/>
+              <a:t>24</a:t>
+            </a:fld>
+            <a:endParaRPr lang="en-GB"/>
+          </a:p>
+        </p:txBody>
+      </p:sp>
+      <p:pic>
+        <p:nvPicPr>
+          <p:cNvPr id="13" name="Graphic 13" descr="Sort with solid fill">
+            <a:extLst>
+              <a:ext uri="{FF2B5EF4-FFF2-40B4-BE49-F238E27FC236}">
+                <a16:creationId xmlns:a16="http://schemas.microsoft.com/office/drawing/2014/main" id="{22E7360A-F32F-4B64-9FA1-C83127538196}"/>
+              </a:ext>
+            </a:extLst>
+          </p:cNvPr>
+          <p:cNvPicPr>
+            <a:picLocks noChangeAspect="1"/>
+          </p:cNvPicPr>
+          <p:nvPr/>
+        </p:nvPicPr>
+        <p:blipFill>
+          <a:blip r:embed="rId2">
+            <a:extLst>
+              <a:ext uri="{96DAC541-7B7A-43D3-8B79-37D633B846F1}">
+                <asvg:svgBlip xmlns:asvg="http://schemas.microsoft.com/office/drawing/2016/SVG/main" r:embed="rId3"/>
+              </a:ext>
+            </a:extLst>
+          </a:blip>
+          <a:stretch>
+            <a:fillRect/>
+          </a:stretch>
+        </p:blipFill>
+        <p:spPr>
+          <a:xfrm rot="17520000">
+            <a:off x="3373837" y="1608294"/>
+            <a:ext cx="1041399" cy="2034308"/>
+          </a:xfrm>
+          <a:prstGeom prst="rect">
+            <a:avLst/>
+          </a:prstGeom>
+        </p:spPr>
+      </p:pic>
+      <p:pic>
+        <p:nvPicPr>
+          <p:cNvPr id="14" name="Graphic 13" descr="Sort with solid fill">
+            <a:extLst>
+              <a:ext uri="{FF2B5EF4-FFF2-40B4-BE49-F238E27FC236}">
+                <a16:creationId xmlns:a16="http://schemas.microsoft.com/office/drawing/2014/main" id="{0616A2E6-B432-4342-8711-3E91D1FE7590}"/>
+              </a:ext>
+            </a:extLst>
+          </p:cNvPr>
+          <p:cNvPicPr>
+            <a:picLocks noChangeAspect="1"/>
+          </p:cNvPicPr>
+          <p:nvPr/>
+        </p:nvPicPr>
+        <p:blipFill>
+          <a:blip r:embed="rId2">
+            <a:extLst>
+              <a:ext uri="{96DAC541-7B7A-43D3-8B79-37D633B846F1}">
+                <asvg:svgBlip xmlns:asvg="http://schemas.microsoft.com/office/drawing/2016/SVG/main" r:embed="rId3"/>
+              </a:ext>
+            </a:extLst>
+          </a:blip>
+          <a:stretch>
+            <a:fillRect/>
+          </a:stretch>
+        </p:blipFill>
+        <p:spPr>
+          <a:xfrm rot="14940000">
+            <a:off x="3317665" y="3624521"/>
+            <a:ext cx="1041399" cy="2034308"/>
+          </a:xfrm>
+          <a:prstGeom prst="rect">
+            <a:avLst/>
+          </a:prstGeom>
+        </p:spPr>
+      </p:pic>
+      <p:pic>
+        <p:nvPicPr>
+          <p:cNvPr id="16" name="Graphic 13" descr="Sort with solid fill">
+            <a:extLst>
+              <a:ext uri="{FF2B5EF4-FFF2-40B4-BE49-F238E27FC236}">
+                <a16:creationId xmlns:a16="http://schemas.microsoft.com/office/drawing/2014/main" id="{EACBB44F-22C0-4351-8A32-24A934B93432}"/>
+              </a:ext>
+            </a:extLst>
+          </p:cNvPr>
+          <p:cNvPicPr>
+            <a:picLocks noChangeAspect="1"/>
+          </p:cNvPicPr>
+          <p:nvPr/>
+        </p:nvPicPr>
+        <p:blipFill>
+          <a:blip r:embed="rId2">
+            <a:extLst>
+              <a:ext uri="{96DAC541-7B7A-43D3-8B79-37D633B846F1}">
+                <asvg:svgBlip xmlns:asvg="http://schemas.microsoft.com/office/drawing/2016/SVG/main" r:embed="rId3"/>
+              </a:ext>
+            </a:extLst>
+          </a:blip>
+          <a:stretch>
+            <a:fillRect/>
+          </a:stretch>
+        </p:blipFill>
+        <p:spPr>
+          <a:xfrm rot="17520000">
+            <a:off x="8407732" y="3627374"/>
+            <a:ext cx="1041399" cy="2034308"/>
+          </a:xfrm>
+          <a:prstGeom prst="rect">
+            <a:avLst/>
+          </a:prstGeom>
+        </p:spPr>
+      </p:pic>
+      <p:pic>
+        <p:nvPicPr>
+          <p:cNvPr id="18" name="Graphic 18" descr="Binary with solid fill">
+            <a:extLst>
+              <a:ext uri="{FF2B5EF4-FFF2-40B4-BE49-F238E27FC236}">
+                <a16:creationId xmlns:a16="http://schemas.microsoft.com/office/drawing/2014/main" id="{BCE0F281-06DE-42B1-991F-307BC3957E8B}"/>
+              </a:ext>
+            </a:extLst>
+          </p:cNvPr>
+          <p:cNvPicPr>
+            <a:picLocks noChangeAspect="1"/>
+          </p:cNvPicPr>
+          <p:nvPr/>
+        </p:nvPicPr>
+        <p:blipFill>
+          <a:blip r:embed="rId4">
+            <a:extLst>
+              <a:ext uri="{96DAC541-7B7A-43D3-8B79-37D633B846F1}">
+                <asvg:svgBlip xmlns:asvg="http://schemas.microsoft.com/office/drawing/2016/SVG/main" r:embed="rId5"/>
+              </a:ext>
+            </a:extLst>
+          </a:blip>
+          <a:stretch>
+            <a:fillRect/>
+          </a:stretch>
+        </p:blipFill>
+        <p:spPr>
+          <a:xfrm>
+            <a:off x="9976258" y="558800"/>
+            <a:ext cx="914400" cy="914400"/>
+          </a:xfrm>
+          <a:prstGeom prst="rect">
+            <a:avLst/>
+          </a:prstGeom>
+        </p:spPr>
+      </p:pic>
+      <p:pic>
+        <p:nvPicPr>
+          <p:cNvPr id="19" name="Graphic 19" descr="Cmd Terminal with solid fill">
+            <a:extLst>
+              <a:ext uri="{FF2B5EF4-FFF2-40B4-BE49-F238E27FC236}">
+                <a16:creationId xmlns:a16="http://schemas.microsoft.com/office/drawing/2014/main" id="{AAAD352D-06EB-4439-8E0F-B2DD3632D8DB}"/>
+              </a:ext>
+            </a:extLst>
+          </p:cNvPr>
+          <p:cNvPicPr>
+            <a:picLocks noChangeAspect="1"/>
+          </p:cNvPicPr>
+          <p:nvPr/>
+        </p:nvPicPr>
+        <p:blipFill>
+          <a:blip r:embed="rId6">
+            <a:extLst>
+              <a:ext uri="{96DAC541-7B7A-43D3-8B79-37D633B846F1}">
+                <asvg:svgBlip xmlns:asvg="http://schemas.microsoft.com/office/drawing/2016/SVG/main" r:embed="rId7"/>
+              </a:ext>
+            </a:extLst>
+          </a:blip>
+          <a:stretch>
+            <a:fillRect/>
+          </a:stretch>
+        </p:blipFill>
+        <p:spPr>
+          <a:xfrm>
+            <a:off x="9017385" y="499435"/>
+            <a:ext cx="914400" cy="914400"/>
+          </a:xfrm>
+          <a:prstGeom prst="rect">
+            <a:avLst/>
+          </a:prstGeom>
+        </p:spPr>
+      </p:pic>
+      <p:pic>
+        <p:nvPicPr>
+          <p:cNvPr id="21" name="Graphic 13" descr="Sort with solid fill">
+            <a:extLst>
+              <a:ext uri="{FF2B5EF4-FFF2-40B4-BE49-F238E27FC236}">
+                <a16:creationId xmlns:a16="http://schemas.microsoft.com/office/drawing/2014/main" id="{775C6918-0FC9-403B-B0BC-6F14BDFBBB02}"/>
+              </a:ext>
+            </a:extLst>
+          </p:cNvPr>
+          <p:cNvPicPr>
+            <a:picLocks noChangeAspect="1"/>
+          </p:cNvPicPr>
+          <p:nvPr/>
+        </p:nvPicPr>
+        <p:blipFill>
+          <a:blip r:embed="rId2">
+            <a:extLst>
+              <a:ext uri="{96DAC541-7B7A-43D3-8B79-37D633B846F1}">
+                <asvg:svgBlip xmlns:asvg="http://schemas.microsoft.com/office/drawing/2016/SVG/main" r:embed="rId3"/>
+              </a:ext>
+            </a:extLst>
+          </a:blip>
+          <a:stretch>
+            <a:fillRect/>
+          </a:stretch>
+        </p:blipFill>
+        <p:spPr>
+          <a:xfrm rot="14760000">
+            <a:off x="8051898" y="891489"/>
+            <a:ext cx="1041399" cy="2034308"/>
+          </a:xfrm>
+          <a:prstGeom prst="rect">
+            <a:avLst/>
+          </a:prstGeom>
+        </p:spPr>
+      </p:pic>
+      <p:sp>
+        <p:nvSpPr>
+          <p:cNvPr id="3" name="TextBox 2">
+            <a:extLst>
+              <a:ext uri="{FF2B5EF4-FFF2-40B4-BE49-F238E27FC236}">
+                <a16:creationId xmlns:a16="http://schemas.microsoft.com/office/drawing/2014/main" id="{D2B559CB-EDA3-4091-B77D-A20473C996F6}"/>
+              </a:ext>
+            </a:extLst>
+          </p:cNvPr>
+          <p:cNvSpPr txBox="1"/>
+          <p:nvPr/>
+        </p:nvSpPr>
+        <p:spPr>
+          <a:xfrm>
+            <a:off x="5167746" y="5398679"/>
+            <a:ext cx="2888671" cy="461665"/>
+          </a:xfrm>
+          <a:prstGeom prst="rect">
+            <a:avLst/>
+          </a:prstGeom>
+          <a:noFill/>
+        </p:spPr>
+        <p:txBody>
+          <a:bodyPr rot="0" spcFirstLastPara="0" vertOverflow="overflow" horzOverflow="overflow" vert="horz" wrap="square" lIns="91440" tIns="45720" rIns="91440" bIns="45720" numCol="1" spcCol="0" rtlCol="0" fromWordArt="0" anchor="t" anchorCtr="0" forceAA="0" compatLnSpc="1">
+            <a:prstTxWarp prst="textNoShape">
+              <a:avLst/>
+            </a:prstTxWarp>
+            <a:spAutoFit/>
           </a:bodyPr>
           <a:lstStyle/>
           <a:p>
-            <a:pPr>
-              <a:buFont typeface="Arial,Sans-Serif" panose="05000000000000000000" pitchFamily="2" charset="2"/>
-              <a:buChar char="•"/>
-            </a:pPr>
-            <a:r>
-              <a:rPr lang="en-GB" dirty="0">
-                <a:ea typeface="+mn-lt"/>
-                <a:cs typeface="+mn-lt"/>
-              </a:rPr>
-              <a:t>GET/POST</a:t>
-            </a:r>
-            <a:endParaRPr lang="en-US" dirty="0">
-              <a:ea typeface="+mn-lt"/>
-              <a:cs typeface="+mn-lt"/>
-            </a:endParaRPr>
-          </a:p>
-          <a:p>
-            <a:pPr>
-              <a:buFont typeface="Arial,Sans-Serif" panose="05000000000000000000" pitchFamily="2" charset="2"/>
-              <a:buChar char="•"/>
-            </a:pPr>
-            <a:r>
-              <a:rPr lang="en-GB" dirty="0">
-                <a:ea typeface="+mn-lt"/>
-                <a:cs typeface="+mn-lt"/>
-              </a:rPr>
-              <a:t>Bounds checks</a:t>
-            </a:r>
-            <a:endParaRPr lang="en-US" dirty="0">
-              <a:ea typeface="+mn-lt"/>
-              <a:cs typeface="+mn-lt"/>
-            </a:endParaRPr>
-          </a:p>
-          <a:p>
-            <a:pPr>
-              <a:buFont typeface="Arial,Sans-Serif" panose="05000000000000000000" pitchFamily="2" charset="2"/>
-              <a:buChar char="•"/>
-            </a:pPr>
-            <a:r>
-              <a:rPr lang="en-GB" dirty="0">
-                <a:ea typeface="+mn-lt"/>
-                <a:cs typeface="+mn-lt"/>
-              </a:rPr>
-              <a:t>Security is vital on public APIs</a:t>
-            </a:r>
-            <a:endParaRPr lang="en-US" dirty="0">
-              <a:ea typeface="+mn-lt"/>
-              <a:cs typeface="+mn-lt"/>
-            </a:endParaRPr>
-          </a:p>
-          <a:p>
-            <a:pPr>
-              <a:buFont typeface="Arial" panose="05000000000000000000" pitchFamily="2" charset="2"/>
-              <a:buChar char="•"/>
-            </a:pPr>
-            <a:r>
-              <a:rPr lang="en-GB" dirty="0">
-                <a:ea typeface="+mn-lt"/>
-                <a:cs typeface="+mn-lt"/>
-              </a:rPr>
-              <a:t>Good list of public APIs - </a:t>
-            </a:r>
-            <a:r>
-              <a:rPr lang="en-GB" dirty="0">
-                <a:ea typeface="+mn-lt"/>
-                <a:cs typeface="+mn-lt"/>
-                <a:hlinkClick r:id="rId2"/>
-              </a:rPr>
-              <a:t>https://github.com/public-apis/public-apis</a:t>
-            </a:r>
-            <a:endParaRPr lang="en-GB">
-              <a:cs typeface="Calibri" panose="020F0502020204030204"/>
-            </a:endParaRPr>
-          </a:p>
-          <a:p>
-            <a:pPr>
-              <a:buFont typeface="Arial" panose="05000000000000000000" pitchFamily="2" charset="2"/>
-              <a:buChar char="•"/>
-            </a:pPr>
-            <a:r>
-              <a:rPr lang="en-GB" dirty="0">
-                <a:ea typeface="+mn-lt"/>
-                <a:cs typeface="+mn-lt"/>
-                <a:hlinkClick r:id="rId3"/>
-              </a:rPr>
-              <a:t>https://docs.openaq.org/#/v2/measurements_get_v2_measurements_get</a:t>
-            </a:r>
-            <a:endParaRPr lang="en-GB" dirty="0">
+            <a:r>
+              <a:rPr lang="en-GB" sz="2400" b="1"/>
+              <a:t>Run in plumber = API</a:t>
+            </a:r>
+            <a:endParaRPr lang="en-US" sz="2400" b="1">
               <a:cs typeface="Calibri"/>
             </a:endParaRPr>
           </a:p>
-          <a:p>
-            <a:pPr>
-              <a:buFont typeface="Arial" panose="05000000000000000000" pitchFamily="2" charset="2"/>
-              <a:buChar char="•"/>
-            </a:pPr>
-            <a:endParaRPr lang="en-GB" dirty="0">
-              <a:cs typeface="Calibri"/>
-            </a:endParaRPr>
-          </a:p>
-          <a:p>
-            <a:endParaRPr lang="en-GB" dirty="0">
-              <a:cs typeface="Calibri"/>
-            </a:endParaRPr>
-          </a:p>
-        </p:txBody>
-      </p:sp>
-      <p:sp>
-        <p:nvSpPr>
-          <p:cNvPr id="4" name="Footer Placeholder 3">
-            <a:extLst>
-              <a:ext uri="{FF2B5EF4-FFF2-40B4-BE49-F238E27FC236}">
-                <a16:creationId xmlns:a16="http://schemas.microsoft.com/office/drawing/2014/main" id="{132454EC-5601-4E27-817E-A70F6D8B2874}"/>
-              </a:ext>
-            </a:extLst>
-          </p:cNvPr>
-          <p:cNvSpPr>
-            <a:spLocks noGrp="1"/>
-          </p:cNvSpPr>
-          <p:nvPr>
-            <p:ph type="ftr" sz="quarter" idx="11"/>
-          </p:nvPr>
-        </p:nvSpPr>
-        <p:spPr/>
-        <p:txBody>
-          <a:bodyPr/>
-          <a:lstStyle/>
-          <a:p>
-            <a:r>
-              <a:rPr lang="en-GB" dirty="0"/>
-              <a:t>MSC HEALTH DATA SCIENCE</a:t>
-            </a:r>
-          </a:p>
-        </p:txBody>
-      </p:sp>
-      <p:sp>
-        <p:nvSpPr>
-          <p:cNvPr id="5" name="Slide Number Placeholder 4">
-            <a:extLst>
-              <a:ext uri="{FF2B5EF4-FFF2-40B4-BE49-F238E27FC236}">
-                <a16:creationId xmlns:a16="http://schemas.microsoft.com/office/drawing/2014/main" id="{C98E4F8F-C284-4AA4-AD4E-ADD364C15938}"/>
-              </a:ext>
-            </a:extLst>
-          </p:cNvPr>
-          <p:cNvSpPr>
-            <a:spLocks noGrp="1"/>
-          </p:cNvSpPr>
-          <p:nvPr>
-            <p:ph type="sldNum" sz="quarter" idx="12"/>
-          </p:nvPr>
-        </p:nvSpPr>
-        <p:spPr/>
-        <p:txBody>
-          <a:bodyPr/>
-          <a:lstStyle/>
-          <a:p>
-            <a:fld id="{FC59658C-DD7A-4587-BD02-DE6DA26F2584}" type="slidenum">
-              <a:rPr lang="en-GB" smtClean="0"/>
-              <a:t>19</a:t>
-            </a:fld>
-            <a:endParaRPr lang="en-GB"/>
+        </p:txBody>
+      </p:sp>
+      <p:sp>
+        <p:nvSpPr>
+          <p:cNvPr id="23" name="TextBox 22">
+            <a:extLst>
+              <a:ext uri="{FF2B5EF4-FFF2-40B4-BE49-F238E27FC236}">
+                <a16:creationId xmlns:a16="http://schemas.microsoft.com/office/drawing/2014/main" id="{08F26CDA-8C7F-4787-BD3A-02FED31B08BF}"/>
+              </a:ext>
+            </a:extLst>
+          </p:cNvPr>
+          <p:cNvSpPr txBox="1"/>
+          <p:nvPr/>
+        </p:nvSpPr>
+        <p:spPr>
+          <a:xfrm>
+            <a:off x="5298818" y="3634559"/>
+            <a:ext cx="3134239" cy="830997"/>
+          </a:xfrm>
+          <a:prstGeom prst="rect">
+            <a:avLst/>
+          </a:prstGeom>
+          <a:noFill/>
+        </p:spPr>
+        <p:txBody>
+          <a:bodyPr rot="0" spcFirstLastPara="0" vertOverflow="overflow" horzOverflow="overflow" vert="horz" wrap="square" lIns="91440" tIns="45720" rIns="91440" bIns="45720" numCol="1" spcCol="0" rtlCol="0" fromWordArt="0" anchor="t" anchorCtr="0" forceAA="0" compatLnSpc="1">
+            <a:prstTxWarp prst="textNoShape">
+              <a:avLst/>
+            </a:prstTxWarp>
+            <a:spAutoFit/>
+          </a:bodyPr>
+          <a:lstStyle/>
+          <a:p>
+            <a:r>
+              <a:rPr lang="en-GB" sz="2400" b="1">
+                <a:cs typeface="Calibri"/>
+              </a:rPr>
+              <a:t>Add decorators = Plumber function</a:t>
+            </a:r>
+          </a:p>
+        </p:txBody>
+      </p:sp>
+      <p:sp>
+        <p:nvSpPr>
+          <p:cNvPr id="24" name="TextBox 23">
+            <a:extLst>
+              <a:ext uri="{FF2B5EF4-FFF2-40B4-BE49-F238E27FC236}">
+                <a16:creationId xmlns:a16="http://schemas.microsoft.com/office/drawing/2014/main" id="{653E4D92-3837-460E-BEA5-68F65D577BFF}"/>
+              </a:ext>
+            </a:extLst>
+          </p:cNvPr>
+          <p:cNvSpPr txBox="1"/>
+          <p:nvPr/>
+        </p:nvSpPr>
+        <p:spPr>
+          <a:xfrm>
+            <a:off x="1588106" y="2675454"/>
+            <a:ext cx="1356188" cy="369332"/>
+          </a:xfrm>
+          <a:prstGeom prst="rect">
+            <a:avLst/>
+          </a:prstGeom>
+          <a:noFill/>
+        </p:spPr>
+        <p:txBody>
+          <a:bodyPr rot="0" spcFirstLastPara="0" vertOverflow="overflow" horzOverflow="overflow" vert="horz" wrap="square" lIns="91440" tIns="45720" rIns="91440" bIns="45720" numCol="1" spcCol="0" rtlCol="0" fromWordArt="0" anchor="t" anchorCtr="0" forceAA="0" compatLnSpc="1">
+            <a:prstTxWarp prst="textNoShape">
+              <a:avLst/>
+            </a:prstTxWarp>
+            <a:spAutoFit/>
+          </a:bodyPr>
+          <a:lstStyle/>
+          <a:p>
+            <a:pPr algn="l"/>
+            <a:r>
+              <a:rPr lang="en-GB"/>
+              <a:t>Swagger</a:t>
+            </a:r>
+            <a:endParaRPr lang="en-US"/>
+          </a:p>
+        </p:txBody>
+      </p:sp>
+      <p:sp>
+        <p:nvSpPr>
+          <p:cNvPr id="27" name="TextBox 26">
+            <a:extLst>
+              <a:ext uri="{FF2B5EF4-FFF2-40B4-BE49-F238E27FC236}">
+                <a16:creationId xmlns:a16="http://schemas.microsoft.com/office/drawing/2014/main" id="{C3D29DB6-28B0-4A3E-9423-862192442C07}"/>
+              </a:ext>
+            </a:extLst>
+          </p:cNvPr>
+          <p:cNvSpPr txBox="1"/>
+          <p:nvPr/>
+        </p:nvSpPr>
+        <p:spPr>
+          <a:xfrm>
+            <a:off x="9373456" y="1607905"/>
+            <a:ext cx="1852773" cy="369332"/>
+          </a:xfrm>
+          <a:prstGeom prst="rect">
+            <a:avLst/>
+          </a:prstGeom>
+          <a:noFill/>
+        </p:spPr>
+        <p:txBody>
+          <a:bodyPr rot="0" spcFirstLastPara="0" vertOverflow="overflow" horzOverflow="overflow" vert="horz" wrap="square" lIns="91440" tIns="45720" rIns="91440" bIns="45720" numCol="1" spcCol="0" rtlCol="0" fromWordArt="0" anchor="t" anchorCtr="0" forceAA="0" compatLnSpc="1">
+            <a:prstTxWarp prst="textNoShape">
+              <a:avLst/>
+            </a:prstTxWarp>
+            <a:spAutoFit/>
+          </a:bodyPr>
+          <a:lstStyle/>
+          <a:p>
+            <a:r>
+              <a:rPr lang="en-GB"/>
+              <a:t>Terminal or curl</a:t>
+            </a:r>
+          </a:p>
+        </p:txBody>
+      </p:sp>
+      <p:pic>
+        <p:nvPicPr>
+          <p:cNvPr id="28" name="Picture 28">
+            <a:extLst>
+              <a:ext uri="{FF2B5EF4-FFF2-40B4-BE49-F238E27FC236}">
+                <a16:creationId xmlns:a16="http://schemas.microsoft.com/office/drawing/2014/main" id="{79B67B7F-1E03-4E14-BF0A-5B0D89A09475}"/>
+              </a:ext>
+            </a:extLst>
+          </p:cNvPr>
+          <p:cNvPicPr>
+            <a:picLocks noChangeAspect="1"/>
+          </p:cNvPicPr>
+          <p:nvPr/>
+        </p:nvPicPr>
+        <p:blipFill>
+          <a:blip r:embed="rId8"/>
+          <a:stretch>
+            <a:fillRect/>
+          </a:stretch>
+        </p:blipFill>
+        <p:spPr>
+          <a:xfrm>
+            <a:off x="1505537" y="1484133"/>
+            <a:ext cx="1072901" cy="1072901"/>
+          </a:xfrm>
+          <a:prstGeom prst="rect">
+            <a:avLst/>
+          </a:prstGeom>
+        </p:spPr>
+      </p:pic>
+      <p:pic>
+        <p:nvPicPr>
+          <p:cNvPr id="29" name="Picture 29">
+            <a:extLst>
+              <a:ext uri="{FF2B5EF4-FFF2-40B4-BE49-F238E27FC236}">
+                <a16:creationId xmlns:a16="http://schemas.microsoft.com/office/drawing/2014/main" id="{913109AB-FA1C-4980-89C1-47FCDDAF59C8}"/>
+              </a:ext>
+            </a:extLst>
+          </p:cNvPr>
+          <p:cNvPicPr>
+            <a:picLocks noChangeAspect="1"/>
+          </p:cNvPicPr>
+          <p:nvPr/>
+        </p:nvPicPr>
+        <p:blipFill>
+          <a:blip r:embed="rId9"/>
+          <a:stretch>
+            <a:fillRect/>
+          </a:stretch>
+        </p:blipFill>
+        <p:spPr>
+          <a:xfrm>
+            <a:off x="9219343" y="5097957"/>
+            <a:ext cx="2743200" cy="908738"/>
+          </a:xfrm>
+          <a:prstGeom prst="rect">
+            <a:avLst/>
+          </a:prstGeom>
+        </p:spPr>
+      </p:pic>
+      <p:pic>
+        <p:nvPicPr>
+          <p:cNvPr id="31" name="Picture 31">
+            <a:extLst>
+              <a:ext uri="{FF2B5EF4-FFF2-40B4-BE49-F238E27FC236}">
+                <a16:creationId xmlns:a16="http://schemas.microsoft.com/office/drawing/2014/main" id="{4347625D-4541-4442-B154-700F70B30E1E}"/>
+              </a:ext>
+            </a:extLst>
+          </p:cNvPr>
+          <p:cNvPicPr>
+            <a:picLocks noChangeAspect="1"/>
+          </p:cNvPicPr>
+          <p:nvPr/>
+        </p:nvPicPr>
+        <p:blipFill>
+          <a:blip r:embed="rId10"/>
+          <a:stretch>
+            <a:fillRect/>
+          </a:stretch>
+        </p:blipFill>
+        <p:spPr>
+          <a:xfrm>
+            <a:off x="1428481" y="5097211"/>
+            <a:ext cx="1149957" cy="1149957"/>
+          </a:xfrm>
+          <a:prstGeom prst="rect">
+            <a:avLst/>
+          </a:prstGeom>
+        </p:spPr>
+      </p:pic>
+      <p:pic>
+        <p:nvPicPr>
+          <p:cNvPr id="26" name="Picture 26">
+            <a:extLst>
+              <a:ext uri="{FF2B5EF4-FFF2-40B4-BE49-F238E27FC236}">
+                <a16:creationId xmlns:a16="http://schemas.microsoft.com/office/drawing/2014/main" id="{F356BE0A-B4A7-4EAF-9517-27C26089752C}"/>
+              </a:ext>
+            </a:extLst>
+          </p:cNvPr>
+          <p:cNvPicPr>
+            <a:picLocks noChangeAspect="1"/>
+          </p:cNvPicPr>
+          <p:nvPr/>
+        </p:nvPicPr>
+        <p:blipFill>
+          <a:blip r:embed="rId11"/>
+          <a:stretch>
+            <a:fillRect/>
+          </a:stretch>
+        </p:blipFill>
+        <p:spPr>
+          <a:xfrm>
+            <a:off x="1205500" y="4435228"/>
+            <a:ext cx="765426" cy="787251"/>
+          </a:xfrm>
+          <a:prstGeom prst="rect">
+            <a:avLst/>
+          </a:prstGeom>
+        </p:spPr>
+      </p:pic>
+      <p:sp>
+        <p:nvSpPr>
+          <p:cNvPr id="7" name="Oval 6">
+            <a:extLst>
+              <a:ext uri="{FF2B5EF4-FFF2-40B4-BE49-F238E27FC236}">
+                <a16:creationId xmlns:a16="http://schemas.microsoft.com/office/drawing/2014/main" id="{B416A94C-5455-9B9C-4ECC-8B2AE7C5DF78}"/>
+              </a:ext>
+            </a:extLst>
+          </p:cNvPr>
+          <p:cNvSpPr/>
+          <p:nvPr/>
+        </p:nvSpPr>
+        <p:spPr>
+          <a:xfrm>
+            <a:off x="5728854" y="2189017"/>
+            <a:ext cx="1420090" cy="1447800"/>
+          </a:xfrm>
+          <a:prstGeom prst="ellipse">
+            <a:avLst/>
+          </a:prstGeom>
+        </p:spPr>
+        <p:style>
+          <a:lnRef idx="2">
+            <a:schemeClr val="accent1">
+              <a:shade val="15000"/>
+            </a:schemeClr>
+          </a:lnRef>
+          <a:fillRef idx="1">
+            <a:schemeClr val="accent1"/>
+          </a:fillRef>
+          <a:effectRef idx="0">
+            <a:schemeClr val="accent1"/>
+          </a:effectRef>
+          <a:fontRef idx="minor">
+            <a:schemeClr val="lt1"/>
+          </a:fontRef>
+        </p:style>
+        <p:txBody>
+          <a:bodyPr rtlCol="0" anchor="ctr"/>
+          <a:lstStyle/>
+          <a:p>
+            <a:pPr algn="ctr"/>
+            <a:r>
+              <a:rPr lang="en-GB" b="1">
+                <a:solidFill>
+                  <a:schemeClr val="tx1"/>
+                </a:solidFill>
+                <a:cs typeface="Calibri"/>
+              </a:rPr>
+              <a:t>R function</a:t>
+            </a:r>
           </a:p>
         </p:txBody>
       </p:sp>
     </p:spTree>
     <p:extLst>
       <p:ext uri="{BB962C8B-B14F-4D97-AF65-F5344CB8AC3E}">
-        <p14:creationId xmlns:p14="http://schemas.microsoft.com/office/powerpoint/2010/main" val="1519748386"/>
+        <p14:creationId xmlns:p14="http://schemas.microsoft.com/office/powerpoint/2010/main" val="1509724624"/>
       </p:ext>
     </p:extLst>
   </p:cSld>
@@ -6431,7 +9359,7 @@
 </p:sld>
 </file>
 
-<file path=ppt/slides/slide2.xml><?xml version="1.0" encoding="utf-8"?>
+<file path=ppt/slides/slide25.xml><?xml version="1.0" encoding="utf-8"?>
 <p:sld xmlns:a="http://schemas.openxmlformats.org/drawingml/2006/main" xmlns:r="http://schemas.openxmlformats.org/officeDocument/2006/relationships" xmlns:p="http://schemas.openxmlformats.org/presentationml/2006/main">
   <p:cSld>
     <p:spTree>
@@ -6450,12 +9378,18 @@
       </p:grpSpPr>
       <p:sp>
         <p:nvSpPr>
-          <p:cNvPr id="2" name="Title 1"/>
-          <p:cNvSpPr>
-            <a:spLocks noGrp="1"/>
-          </p:cNvSpPr>
-          <p:nvPr>
-            <p:ph type="ctrTitle"/>
+          <p:cNvPr id="2" name="Title 1">
+            <a:extLst>
+              <a:ext uri="{FF2B5EF4-FFF2-40B4-BE49-F238E27FC236}">
+                <a16:creationId xmlns:a16="http://schemas.microsoft.com/office/drawing/2014/main" id="{25F9CFF0-5EBF-42E7-9E51-6765489F4F89}"/>
+              </a:ext>
+            </a:extLst>
+          </p:cNvPr>
+          <p:cNvSpPr>
+            <a:spLocks noGrp="1"/>
+          </p:cNvSpPr>
+          <p:nvPr>
+            <p:ph type="title"/>
           </p:nvPr>
         </p:nvSpPr>
         <p:spPr/>
@@ -6463,71 +9397,143 @@
           <a:bodyPr/>
           <a:lstStyle/>
           <a:p>
-            <a:pPr algn="l"/>
-            <a:r>
-              <a:rPr lang="en-GB" dirty="0">
+            <a:r>
+              <a:rPr lang="en-GB">
                 <a:ea typeface="+mj-lt"/>
                 <a:cs typeface="+mj-lt"/>
               </a:rPr>
-              <a:t>APIs &amp; Plumber</a:t>
-            </a:r>
-            <a:endParaRPr lang="en-US" dirty="0"/>
-          </a:p>
-          <a:p>
-            <a:endParaRPr lang="en-GB" dirty="0">
+              <a:t>Exercises: write some plumber code</a:t>
+            </a:r>
+            <a:endParaRPr lang="en-US"/>
+          </a:p>
+        </p:txBody>
+      </p:sp>
+      <p:sp>
+        <p:nvSpPr>
+          <p:cNvPr id="3" name="Content Placeholder 2">
+            <a:extLst>
+              <a:ext uri="{FF2B5EF4-FFF2-40B4-BE49-F238E27FC236}">
+                <a16:creationId xmlns:a16="http://schemas.microsoft.com/office/drawing/2014/main" id="{9482AAF0-EB7F-4B2B-B780-304ED5802E37}"/>
+              </a:ext>
+            </a:extLst>
+          </p:cNvPr>
+          <p:cNvSpPr>
+            <a:spLocks noGrp="1"/>
+          </p:cNvSpPr>
+          <p:nvPr>
+            <p:ph idx="1"/>
+          </p:nvPr>
+        </p:nvSpPr>
+        <p:spPr/>
+        <p:txBody>
+          <a:bodyPr vert="horz" lIns="91440" tIns="45720" rIns="91440" bIns="45720" rtlCol="0" anchor="t">
+            <a:normAutofit/>
+          </a:bodyPr>
+          <a:lstStyle/>
+          <a:p>
+            <a:pPr>
+              <a:buFont typeface="Arial" panose="05000000000000000000" pitchFamily="2" charset="2"/>
+              <a:buChar char="•"/>
+            </a:pPr>
+            <a:r>
+              <a:rPr lang="en-GB" dirty="0">
+                <a:ea typeface="+mn-lt"/>
+                <a:cs typeface="+mn-lt"/>
+              </a:rPr>
+              <a:t>Exercise 4: Write a plumber function to use </a:t>
+            </a:r>
+            <a:r>
+              <a:rPr lang="en-GB" dirty="0" err="1">
+                <a:ea typeface="+mn-lt"/>
+                <a:cs typeface="+mn-lt"/>
+              </a:rPr>
+              <a:t>gapminder</a:t>
+            </a:r>
+            <a:r>
+              <a:rPr lang="en-GB" dirty="0">
+                <a:ea typeface="+mn-lt"/>
+                <a:cs typeface="+mn-lt"/>
+              </a:rPr>
+              <a:t> data to show population of the UK in 1982</a:t>
+            </a:r>
+            <a:endParaRPr lang="en-US" dirty="0">
               <a:cs typeface="Calibri"/>
             </a:endParaRPr>
           </a:p>
-        </p:txBody>
-      </p:sp>
-      <p:sp>
-        <p:nvSpPr>
-          <p:cNvPr id="3" name="Subtitle 2"/>
-          <p:cNvSpPr>
-            <a:spLocks noGrp="1"/>
-          </p:cNvSpPr>
-          <p:nvPr>
-            <p:ph type="subTitle" idx="1"/>
+          <a:p>
+            <a:pPr>
+              <a:buFont typeface="Arial" panose="05000000000000000000" pitchFamily="2" charset="2"/>
+              <a:buChar char="•"/>
+            </a:pPr>
+            <a:r>
+              <a:rPr lang="en-GB" dirty="0">
+                <a:ea typeface="+mn-lt"/>
+                <a:cs typeface="+mn-lt"/>
+              </a:rPr>
+              <a:t>Exercise 5: Write a plumber function to allow a user to find out the population of any country during any year in </a:t>
+            </a:r>
+            <a:r>
+              <a:rPr lang="en-GB" dirty="0" err="1">
+                <a:ea typeface="+mn-lt"/>
+                <a:cs typeface="+mn-lt"/>
+              </a:rPr>
+              <a:t>gapminder</a:t>
+            </a:r>
+            <a:r>
+              <a:rPr lang="en-GB" dirty="0">
+                <a:ea typeface="+mn-lt"/>
+                <a:cs typeface="+mn-lt"/>
+              </a:rPr>
+              <a:t>.</a:t>
+            </a:r>
+            <a:endParaRPr lang="en-GB" dirty="0">
+              <a:cs typeface="Calibri" panose="020F0502020204030204"/>
+            </a:endParaRPr>
+          </a:p>
+          <a:p>
+            <a:pPr>
+              <a:buFont typeface="Arial" panose="05000000000000000000" pitchFamily="2" charset="2"/>
+              <a:buChar char="•"/>
+            </a:pPr>
+            <a:r>
+              <a:rPr lang="en-GB" dirty="0">
+                <a:ea typeface="+mn-lt"/>
+                <a:cs typeface="+mn-lt"/>
+              </a:rPr>
+              <a:t>Exercise 6: Write a plumber function to plot the population change of a user defined country.</a:t>
+            </a:r>
+            <a:endParaRPr lang="en-GB" dirty="0">
+              <a:cs typeface="Calibri" panose="020F0502020204030204"/>
+            </a:endParaRPr>
+          </a:p>
+          <a:p>
+            <a:pPr>
+              <a:buFont typeface="Arial" panose="05000000000000000000" pitchFamily="2" charset="2"/>
+              <a:buChar char="•"/>
+            </a:pPr>
+            <a:endParaRPr lang="en-GB">
+              <a:cs typeface="Calibri" panose="020F0502020204030204"/>
+            </a:endParaRPr>
+          </a:p>
+        </p:txBody>
+      </p:sp>
+      <p:sp>
+        <p:nvSpPr>
+          <p:cNvPr id="4" name="Footer Placeholder 3">
+            <a:extLst>
+              <a:ext uri="{FF2B5EF4-FFF2-40B4-BE49-F238E27FC236}">
+                <a16:creationId xmlns:a16="http://schemas.microsoft.com/office/drawing/2014/main" id="{5CE07C84-2042-4221-ABFC-4CBD61C27FD4}"/>
+              </a:ext>
+            </a:extLst>
+          </p:cNvPr>
+          <p:cNvSpPr>
+            <a:spLocks noGrp="1"/>
+          </p:cNvSpPr>
+          <p:nvPr>
+            <p:ph type="ftr" sz="quarter" idx="11"/>
           </p:nvPr>
         </p:nvSpPr>
         <p:spPr/>
-        <p:txBody>
-          <a:bodyPr/>
-          <a:lstStyle/>
-          <a:p>
-            <a:r>
-              <a:rPr lang="en-GB" dirty="0">
-                <a:cs typeface="Calibri"/>
-              </a:rPr>
-              <a:t>Dr Olly Butters</a:t>
-            </a:r>
-          </a:p>
-          <a:p>
-            <a:r>
-              <a:rPr lang="en-GB" dirty="0">
-                <a:cs typeface="Calibri"/>
-              </a:rPr>
-              <a:t>Public Health, Policy and Systems</a:t>
-            </a:r>
-          </a:p>
-        </p:txBody>
-      </p:sp>
-      <p:sp>
-        <p:nvSpPr>
-          <p:cNvPr id="6" name="Footer Placeholder 5"/>
-          <p:cNvSpPr>
-            <a:spLocks noGrp="1"/>
-          </p:cNvSpPr>
-          <p:nvPr>
-            <p:ph type="ftr" sz="quarter" idx="3"/>
-          </p:nvPr>
-        </p:nvSpPr>
-        <p:spPr>
-          <a:xfrm>
-            <a:off x="2577268" y="6360929"/>
-            <a:ext cx="4114800" cy="365125"/>
-          </a:xfrm>
-        </p:spPr>
         <p:txBody>
           <a:bodyPr/>
           <a:lstStyle/>
@@ -6536,14 +9542,290 @@
               <a:rPr lang="en-GB"/>
               <a:t>MSC HEALTH DATA SCIENCE</a:t>
             </a:r>
-            <a:endParaRPr lang="en-GB" dirty="0"/>
+          </a:p>
+        </p:txBody>
+      </p:sp>
+      <p:sp>
+        <p:nvSpPr>
+          <p:cNvPr id="5" name="Slide Number Placeholder 4">
+            <a:extLst>
+              <a:ext uri="{FF2B5EF4-FFF2-40B4-BE49-F238E27FC236}">
+                <a16:creationId xmlns:a16="http://schemas.microsoft.com/office/drawing/2014/main" id="{C69BFF06-ED4D-4D8D-AF53-DFAABF24DEC1}"/>
+              </a:ext>
+            </a:extLst>
+          </p:cNvPr>
+          <p:cNvSpPr>
+            <a:spLocks noGrp="1"/>
+          </p:cNvSpPr>
+          <p:nvPr>
+            <p:ph type="sldNum" sz="quarter" idx="12"/>
+          </p:nvPr>
+        </p:nvSpPr>
+        <p:spPr/>
+        <p:txBody>
+          <a:bodyPr/>
+          <a:lstStyle/>
+          <a:p>
+            <a:fld id="{FC59658C-DD7A-4587-BD02-DE6DA26F2584}" type="slidenum">
+              <a:rPr lang="en-GB" smtClean="0"/>
+              <a:t>25</a:t>
+            </a:fld>
+            <a:endParaRPr lang="en-GB"/>
           </a:p>
         </p:txBody>
       </p:sp>
     </p:spTree>
     <p:extLst>
       <p:ext uri="{BB962C8B-B14F-4D97-AF65-F5344CB8AC3E}">
-        <p14:creationId xmlns:p14="http://schemas.microsoft.com/office/powerpoint/2010/main" val="1980565220"/>
+        <p14:creationId xmlns:p14="http://schemas.microsoft.com/office/powerpoint/2010/main" val="4051120003"/>
+      </p:ext>
+    </p:extLst>
+  </p:cSld>
+  <p:clrMapOvr>
+    <a:masterClrMapping/>
+  </p:clrMapOvr>
+</p:sld>
+</file>
+
+<file path=ppt/slides/slide26.xml><?xml version="1.0" encoding="utf-8"?>
+<p:sld xmlns:a="http://schemas.openxmlformats.org/drawingml/2006/main" xmlns:r="http://schemas.openxmlformats.org/officeDocument/2006/relationships" xmlns:p="http://schemas.openxmlformats.org/presentationml/2006/main">
+  <p:cSld>
+    <p:spTree>
+      <p:nvGrpSpPr>
+        <p:cNvPr id="1" name=""/>
+        <p:cNvGrpSpPr/>
+        <p:nvPr/>
+      </p:nvGrpSpPr>
+      <p:grpSpPr>
+        <a:xfrm>
+          <a:off x="0" y="0"/>
+          <a:ext cx="0" cy="0"/>
+          <a:chOff x="0" y="0"/>
+          <a:chExt cx="0" cy="0"/>
+        </a:xfrm>
+      </p:grpSpPr>
+      <p:sp>
+        <p:nvSpPr>
+          <p:cNvPr id="2" name="Title 1">
+            <a:extLst>
+              <a:ext uri="{FF2B5EF4-FFF2-40B4-BE49-F238E27FC236}">
+                <a16:creationId xmlns:a16="http://schemas.microsoft.com/office/drawing/2014/main" id="{D5379D8E-48FD-4570-88F5-B4252D543777}"/>
+              </a:ext>
+            </a:extLst>
+          </p:cNvPr>
+          <p:cNvSpPr>
+            <a:spLocks noGrp="1"/>
+          </p:cNvSpPr>
+          <p:nvPr>
+            <p:ph type="title"/>
+          </p:nvPr>
+        </p:nvSpPr>
+        <p:spPr/>
+        <p:txBody>
+          <a:bodyPr/>
+          <a:lstStyle/>
+          <a:p>
+            <a:r>
+              <a:rPr lang="en-GB">
+                <a:cs typeface="Calibri"/>
+              </a:rPr>
+              <a:t>Additional points</a:t>
+            </a:r>
+            <a:endParaRPr lang="en-GB"/>
+          </a:p>
+        </p:txBody>
+      </p:sp>
+      <p:sp>
+        <p:nvSpPr>
+          <p:cNvPr id="3" name="Content Placeholder 2">
+            <a:extLst>
+              <a:ext uri="{FF2B5EF4-FFF2-40B4-BE49-F238E27FC236}">
+                <a16:creationId xmlns:a16="http://schemas.microsoft.com/office/drawing/2014/main" id="{DBC664FC-4963-45AD-9A19-3C6AE123906E}"/>
+              </a:ext>
+            </a:extLst>
+          </p:cNvPr>
+          <p:cNvSpPr>
+            <a:spLocks noGrp="1"/>
+          </p:cNvSpPr>
+          <p:nvPr>
+            <p:ph idx="1"/>
+          </p:nvPr>
+        </p:nvSpPr>
+        <p:spPr/>
+        <p:txBody>
+          <a:bodyPr vert="horz" lIns="91440" tIns="45720" rIns="91440" bIns="45720" rtlCol="0" anchor="t">
+            <a:normAutofit/>
+          </a:bodyPr>
+          <a:lstStyle/>
+          <a:p>
+            <a:pPr>
+              <a:buFont typeface="Arial,Sans-Serif" panose="05000000000000000000" pitchFamily="2" charset="2"/>
+              <a:buChar char="•"/>
+            </a:pPr>
+            <a:r>
+              <a:rPr lang="en-GB">
+                <a:ea typeface="+mn-lt"/>
+                <a:cs typeface="+mn-lt"/>
+              </a:rPr>
+              <a:t>GET/POST</a:t>
+            </a:r>
+            <a:endParaRPr lang="en-US">
+              <a:ea typeface="+mn-lt"/>
+              <a:cs typeface="+mn-lt"/>
+            </a:endParaRPr>
+          </a:p>
+          <a:p>
+            <a:pPr>
+              <a:buFont typeface="Arial,Sans-Serif" panose="05000000000000000000" pitchFamily="2" charset="2"/>
+              <a:buChar char="•"/>
+            </a:pPr>
+            <a:r>
+              <a:rPr lang="en-GB">
+                <a:ea typeface="+mn-lt"/>
+                <a:cs typeface="+mn-lt"/>
+              </a:rPr>
+              <a:t>Bounds checks</a:t>
+            </a:r>
+            <a:endParaRPr lang="en-US">
+              <a:ea typeface="+mn-lt"/>
+              <a:cs typeface="+mn-lt"/>
+            </a:endParaRPr>
+          </a:p>
+          <a:p>
+            <a:pPr>
+              <a:buFont typeface="Arial,Sans-Serif" panose="05000000000000000000" pitchFamily="2" charset="2"/>
+              <a:buChar char="•"/>
+            </a:pPr>
+            <a:r>
+              <a:rPr lang="en-GB">
+                <a:ea typeface="+mn-lt"/>
+                <a:cs typeface="+mn-lt"/>
+              </a:rPr>
+              <a:t>Security is vital on public APIs</a:t>
+            </a:r>
+            <a:endParaRPr lang="en-US">
+              <a:ea typeface="+mn-lt"/>
+              <a:cs typeface="+mn-lt"/>
+            </a:endParaRPr>
+          </a:p>
+          <a:p>
+            <a:pPr>
+              <a:buFont typeface="Arial" panose="05000000000000000000" pitchFamily="2" charset="2"/>
+              <a:buChar char="•"/>
+            </a:pPr>
+            <a:r>
+              <a:rPr lang="en-GB">
+                <a:ea typeface="+mn-lt"/>
+                <a:cs typeface="+mn-lt"/>
+              </a:rPr>
+              <a:t>Good list of public APIs - </a:t>
+            </a:r>
+            <a:r>
+              <a:rPr lang="en-GB">
+                <a:ea typeface="+mn-lt"/>
+                <a:cs typeface="+mn-lt"/>
+                <a:hlinkClick r:id="rId2"/>
+              </a:rPr>
+              <a:t>https://github.com/public-apis/public-apis</a:t>
+            </a:r>
+            <a:endParaRPr lang="en-GB">
+              <a:cs typeface="Calibri" panose="020F0502020204030204"/>
+            </a:endParaRPr>
+          </a:p>
+          <a:p>
+            <a:pPr>
+              <a:buFont typeface="Arial" panose="05000000000000000000" pitchFamily="2" charset="2"/>
+              <a:buChar char="•"/>
+            </a:pPr>
+            <a:r>
+              <a:rPr lang="en-GB">
+                <a:ea typeface="+mn-lt"/>
+                <a:cs typeface="+mn-lt"/>
+                <a:hlinkClick r:id="rId3"/>
+              </a:rPr>
+              <a:t>https://docs.openaq.org/#/v2/measurements_get_v2_measurements_get</a:t>
+            </a:r>
+            <a:endParaRPr lang="en-GB">
+              <a:cs typeface="Calibri"/>
+            </a:endParaRPr>
+          </a:p>
+          <a:p>
+            <a:pPr>
+              <a:buFont typeface="Arial" panose="05000000000000000000" pitchFamily="2" charset="2"/>
+              <a:buChar char="•"/>
+            </a:pPr>
+            <a:endParaRPr lang="en-GB">
+              <a:cs typeface="Calibri"/>
+            </a:endParaRPr>
+          </a:p>
+          <a:p>
+            <a:endParaRPr lang="en-GB">
+              <a:cs typeface="Calibri"/>
+            </a:endParaRPr>
+          </a:p>
+        </p:txBody>
+      </p:sp>
+      <p:sp>
+        <p:nvSpPr>
+          <p:cNvPr id="4" name="Footer Placeholder 3">
+            <a:extLst>
+              <a:ext uri="{FF2B5EF4-FFF2-40B4-BE49-F238E27FC236}">
+                <a16:creationId xmlns:a16="http://schemas.microsoft.com/office/drawing/2014/main" id="{132454EC-5601-4E27-817E-A70F6D8B2874}"/>
+              </a:ext>
+            </a:extLst>
+          </p:cNvPr>
+          <p:cNvSpPr>
+            <a:spLocks noGrp="1"/>
+          </p:cNvSpPr>
+          <p:nvPr>
+            <p:ph type="ftr" sz="quarter" idx="11"/>
+          </p:nvPr>
+        </p:nvSpPr>
+        <p:spPr/>
+        <p:txBody>
+          <a:bodyPr/>
+          <a:lstStyle/>
+          <a:p>
+            <a:r>
+              <a:rPr lang="en-GB"/>
+              <a:t>MSC HEALTH DATA SCIENCE</a:t>
+            </a:r>
+          </a:p>
+        </p:txBody>
+      </p:sp>
+      <p:sp>
+        <p:nvSpPr>
+          <p:cNvPr id="5" name="Slide Number Placeholder 4">
+            <a:extLst>
+              <a:ext uri="{FF2B5EF4-FFF2-40B4-BE49-F238E27FC236}">
+                <a16:creationId xmlns:a16="http://schemas.microsoft.com/office/drawing/2014/main" id="{C98E4F8F-C284-4AA4-AD4E-ADD364C15938}"/>
+              </a:ext>
+            </a:extLst>
+          </p:cNvPr>
+          <p:cNvSpPr>
+            <a:spLocks noGrp="1"/>
+          </p:cNvSpPr>
+          <p:nvPr>
+            <p:ph type="sldNum" sz="quarter" idx="12"/>
+          </p:nvPr>
+        </p:nvSpPr>
+        <p:spPr/>
+        <p:txBody>
+          <a:bodyPr/>
+          <a:lstStyle/>
+          <a:p>
+            <a:fld id="{FC59658C-DD7A-4587-BD02-DE6DA26F2584}" type="slidenum">
+              <a:rPr lang="en-GB" smtClean="0"/>
+              <a:t>26</a:t>
+            </a:fld>
+            <a:endParaRPr lang="en-GB"/>
+          </a:p>
+        </p:txBody>
+      </p:sp>
+    </p:spTree>
+    <p:extLst>
+      <p:ext uri="{BB962C8B-B14F-4D97-AF65-F5344CB8AC3E}">
+        <p14:creationId xmlns:p14="http://schemas.microsoft.com/office/powerpoint/2010/main" val="1519748386"/>
       </p:ext>
     </p:extLst>
   </p:cSld>
@@ -6592,7 +9874,7 @@
           <a:lstStyle/>
           <a:p>
             <a:r>
-              <a:rPr lang="en-GB" dirty="0">
+              <a:rPr lang="en-GB">
                 <a:cs typeface="Calibri"/>
               </a:rPr>
               <a:t>Session overview</a:t>
@@ -6628,7 +9910,7 @@
               <a:buChar char="•"/>
             </a:pPr>
             <a:r>
-              <a:rPr lang="en-GB" dirty="0">
+              <a:rPr lang="en-GB">
                 <a:ea typeface="+mn-lt"/>
                 <a:cs typeface="+mn-lt"/>
               </a:rPr>
@@ -6644,7 +9926,7 @@
               <a:buChar char="•"/>
             </a:pPr>
             <a:r>
-              <a:rPr lang="en-GB" dirty="0">
+              <a:rPr lang="en-GB">
                 <a:ea typeface="+mn-lt"/>
                 <a:cs typeface="+mn-lt"/>
               </a:rPr>
@@ -6657,13 +9939,13 @@
               <a:buChar char="•"/>
             </a:pPr>
             <a:r>
-              <a:rPr lang="en-GB" dirty="0">
+              <a:rPr lang="en-GB">
                 <a:ea typeface="+mn-lt"/>
                 <a:cs typeface="+mn-lt"/>
               </a:rPr>
               <a:t>Introduction to plumber. (~15 mins)</a:t>
             </a:r>
-            <a:endParaRPr lang="en-GB" dirty="0">
+            <a:endParaRPr lang="en-GB">
               <a:cs typeface="Calibri" panose="020F0502020204030204"/>
             </a:endParaRPr>
           </a:p>
@@ -6673,7 +9955,7 @@
               <a:buChar char="•"/>
             </a:pPr>
             <a:r>
-              <a:rPr lang="en-GB" dirty="0">
+              <a:rPr lang="en-GB">
                 <a:ea typeface="+mn-lt"/>
                 <a:cs typeface="+mn-lt"/>
               </a:rPr>
@@ -6686,7 +9968,7 @@
               <a:buChar char="•"/>
             </a:pPr>
             <a:r>
-              <a:rPr lang="en-GB" dirty="0">
+              <a:rPr lang="en-GB">
                 <a:cs typeface="Calibri" panose="020F0502020204030204"/>
               </a:rPr>
               <a:t>Final comments. (~5 mins)</a:t>
@@ -6716,7 +9998,7 @@
           <a:lstStyle/>
           <a:p>
             <a:r>
-              <a:rPr lang="en-GB" dirty="0"/>
+              <a:rPr lang="en-GB"/>
               <a:t>MSC HEALTH DATA SCIENCE</a:t>
             </a:r>
           </a:p>
@@ -6803,12 +10085,12 @@
           <a:lstStyle/>
           <a:p>
             <a:r>
-              <a:rPr lang="en-GB" dirty="0">
+              <a:rPr lang="en-GB">
                 <a:cs typeface="Calibri"/>
               </a:rPr>
               <a:t>What is an API?</a:t>
             </a:r>
-            <a:endParaRPr lang="en-GB" dirty="0"/>
+            <a:endParaRPr lang="en-GB"/>
           </a:p>
         </p:txBody>
       </p:sp>
@@ -6840,7 +10122,7 @@
               <a:buChar char="•"/>
             </a:pPr>
             <a:r>
-              <a:rPr lang="en-GB" dirty="0">
+              <a:rPr lang="en-GB">
                 <a:cs typeface="Calibri" panose="020F0502020204030204"/>
               </a:rPr>
               <a:t>Application Programming Interface.</a:t>
@@ -6870,7 +10152,7 @@
           <a:lstStyle/>
           <a:p>
             <a:r>
-              <a:rPr lang="en-GB" dirty="0"/>
+              <a:rPr lang="en-GB"/>
               <a:t>MSC HEALTH DATA SCIENCE</a:t>
             </a:r>
           </a:p>
@@ -6968,7 +10250,7 @@
           <a:p>
             <a:pPr algn="l"/>
             <a:r>
-              <a:rPr lang="en-GB" dirty="0">
+              <a:rPr lang="en-GB">
                 <a:solidFill>
                   <a:schemeClr val="bg2">
                     <a:lumMod val="75000"/>
@@ -7025,7 +10307,7 @@
           <p:cNvPr id="2" name="Title 1">
             <a:extLst>
               <a:ext uri="{FF2B5EF4-FFF2-40B4-BE49-F238E27FC236}">
-                <a16:creationId xmlns:a16="http://schemas.microsoft.com/office/drawing/2014/main" id="{DEA8AAE3-631D-4FD8-BBB4-BD19136871B9}"/>
+                <a16:creationId xmlns:a16="http://schemas.microsoft.com/office/drawing/2014/main" id="{8ADFAC28-B46E-C078-3C98-289A9EA4AEC4}"/>
               </a:ext>
             </a:extLst>
           </p:cNvPr>
@@ -7042,21 +10324,56 @@
           <a:lstStyle/>
           <a:p>
             <a:r>
-              <a:rPr lang="en-GB" dirty="0">
+              <a:rPr lang="en-GB">
                 <a:cs typeface="Calibri"/>
               </a:rPr>
-              <a:t>What is an API?</a:t>
-            </a:r>
-            <a:endParaRPr lang="en-GB" dirty="0"/>
-          </a:p>
-        </p:txBody>
-      </p:sp>
+              <a:t>Steps towards an API</a:t>
+            </a:r>
+            <a:endParaRPr lang="en-GB"/>
+          </a:p>
+        </p:txBody>
+      </p:sp>
+      <p:pic>
+        <p:nvPicPr>
+          <p:cNvPr id="6" name="Graphic 6" descr="Database with solid fill">
+            <a:extLst>
+              <a:ext uri="{FF2B5EF4-FFF2-40B4-BE49-F238E27FC236}">
+                <a16:creationId xmlns:a16="http://schemas.microsoft.com/office/drawing/2014/main" id="{D0B6AAB8-C5FE-3F0D-E00C-23E5F7F9D125}"/>
+              </a:ext>
+            </a:extLst>
+          </p:cNvPr>
+          <p:cNvPicPr>
+            <a:picLocks noGrp="1" noChangeAspect="1"/>
+          </p:cNvPicPr>
+          <p:nvPr>
+            <p:ph idx="1"/>
+          </p:nvPr>
+        </p:nvPicPr>
+        <p:blipFill>
+          <a:blip r:embed="rId2">
+            <a:extLst>
+              <a:ext uri="{96DAC541-7B7A-43D3-8B79-37D633B846F1}">
+                <asvg:svgBlip xmlns:asvg="http://schemas.microsoft.com/office/drawing/2016/SVG/main" r:embed="rId3"/>
+              </a:ext>
+            </a:extLst>
+          </a:blip>
+          <a:stretch>
+            <a:fillRect/>
+          </a:stretch>
+        </p:blipFill>
+        <p:spPr>
+          <a:xfrm>
+            <a:off x="1799773" y="2197100"/>
+            <a:ext cx="1466850" cy="1479550"/>
+          </a:xfrm>
+        </p:spPr>
+      </p:pic>
       <p:sp>
         <p:nvSpPr>
           <p:cNvPr id="4" name="Footer Placeholder 3">
             <a:extLst>
               <a:ext uri="{FF2B5EF4-FFF2-40B4-BE49-F238E27FC236}">
-                <a16:creationId xmlns:a16="http://schemas.microsoft.com/office/drawing/2014/main" id="{F8886B61-F470-4991-895C-E91657FB820B}"/>
+                <a16:creationId xmlns:a16="http://schemas.microsoft.com/office/drawing/2014/main" id="{7ECBED59-7E7F-6170-9746-398FAE499E11}"/>
               </a:ext>
             </a:extLst>
           </p:cNvPr>
@@ -7073,7 +10390,7 @@
           <a:lstStyle/>
           <a:p>
             <a:r>
-              <a:rPr lang="en-GB" dirty="0"/>
+              <a:rPr lang="en-GB"/>
               <a:t>MSC HEALTH DATA SCIENCE</a:t>
             </a:r>
           </a:p>
@@ -7084,7 +10401,7 @@
           <p:cNvPr id="5" name="Slide Number Placeholder 4">
             <a:extLst>
               <a:ext uri="{FF2B5EF4-FFF2-40B4-BE49-F238E27FC236}">
-                <a16:creationId xmlns:a16="http://schemas.microsoft.com/office/drawing/2014/main" id="{8BCCA9F6-A60A-4ECD-81AE-08C7AC28FD55}"/>
+                <a16:creationId xmlns:a16="http://schemas.microsoft.com/office/drawing/2014/main" id="{B890438C-889F-DFDC-7D7F-D5A19791D43C}"/>
               </a:ext>
             </a:extLst>
           </p:cNvPr>
@@ -7110,10 +10427,10 @@
       </p:sp>
       <p:pic>
         <p:nvPicPr>
-          <p:cNvPr id="6" name="Picture 6">
-            <a:extLst>
-              <a:ext uri="{FF2B5EF4-FFF2-40B4-BE49-F238E27FC236}">
-                <a16:creationId xmlns:a16="http://schemas.microsoft.com/office/drawing/2014/main" id="{24001FEF-6AFE-45C4-AE41-CF110565373D}"/>
+          <p:cNvPr id="7" name="Graphic 7" descr="Programmer female with solid fill">
+            <a:extLst>
+              <a:ext uri="{FF2B5EF4-FFF2-40B4-BE49-F238E27FC236}">
+                <a16:creationId xmlns:a16="http://schemas.microsoft.com/office/drawing/2014/main" id="{5490A15A-4169-06F1-E5B9-77FA48C8FDBA}"/>
               </a:ext>
             </a:extLst>
           </p:cNvPr>
@@ -7123,27 +10440,320 @@
           <p:nvPr/>
         </p:nvPicPr>
         <p:blipFill>
-          <a:blip r:embed="rId2"/>
+          <a:blip r:embed="rId4">
+            <a:extLst>
+              <a:ext uri="{96DAC541-7B7A-43D3-8B79-37D633B846F1}">
+                <asvg:svgBlip xmlns:asvg="http://schemas.microsoft.com/office/drawing/2016/SVG/main" r:embed="rId5"/>
+              </a:ext>
+            </a:extLst>
+          </a:blip>
           <a:stretch>
             <a:fillRect/>
           </a:stretch>
         </p:blipFill>
         <p:spPr>
           <a:xfrm>
-            <a:off x="2389106" y="2679367"/>
-            <a:ext cx="6726381" cy="2830883"/>
+            <a:off x="9442450" y="2197100"/>
+            <a:ext cx="1377950" cy="1365250"/>
           </a:xfrm>
           <a:prstGeom prst="rect">
             <a:avLst/>
           </a:prstGeom>
         </p:spPr>
       </p:pic>
-      <p:sp>
-        <p:nvSpPr>
-          <p:cNvPr id="7" name="TextBox 6">
-            <a:extLst>
-              <a:ext uri="{FF2B5EF4-FFF2-40B4-BE49-F238E27FC236}">
-                <a16:creationId xmlns:a16="http://schemas.microsoft.com/office/drawing/2014/main" id="{0DF0B4F3-2F82-4286-AF10-143E65747EA3}"/>
+      <p:graphicFrame>
+        <p:nvGraphicFramePr>
+          <p:cNvPr id="11" name="Table 11">
+            <a:extLst>
+              <a:ext uri="{FF2B5EF4-FFF2-40B4-BE49-F238E27FC236}">
+                <a16:creationId xmlns:a16="http://schemas.microsoft.com/office/drawing/2014/main" id="{34B6E418-49AA-24B3-08F0-706F9F5EF7E4}"/>
+              </a:ext>
+            </a:extLst>
+          </p:cNvPr>
+          <p:cNvGraphicFramePr>
+            <a:graphicFrameLocks noGrp="1"/>
+          </p:cNvGraphicFramePr>
+          <p:nvPr>
+            <p:extLst>
+              <p:ext uri="{D42A27DB-BD31-4B8C-83A1-F6EECF244321}">
+                <p14:modId xmlns:p14="http://schemas.microsoft.com/office/powerpoint/2010/main" val="2657355001"/>
+              </p:ext>
+            </p:extLst>
+          </p:nvPr>
+        </p:nvGraphicFramePr>
+        <p:xfrm>
+          <a:off x="855980" y="4233926"/>
+          <a:ext cx="3199404" cy="1847890"/>
+        </p:xfrm>
+        <a:graphic>
+          <a:graphicData uri="http://schemas.openxmlformats.org/drawingml/2006/table">
+            <a:tbl>
+              <a:tblPr firstRow="1" bandRow="1">
+                <a:tableStyleId>{5C22544A-7EE6-4342-B048-85BDC9FD1C3A}</a:tableStyleId>
+              </a:tblPr>
+              <a:tblGrid>
+                <a:gridCol w="1066468">
+                  <a:extLst>
+                    <a:ext uri="{9D8B030D-6E8A-4147-A177-3AD203B41FA5}">
+                      <a16:colId xmlns:a16="http://schemas.microsoft.com/office/drawing/2014/main" val="1309771608"/>
+                    </a:ext>
+                  </a:extLst>
+                </a:gridCol>
+                <a:gridCol w="1066468">
+                  <a:extLst>
+                    <a:ext uri="{9D8B030D-6E8A-4147-A177-3AD203B41FA5}">
+                      <a16:colId xmlns:a16="http://schemas.microsoft.com/office/drawing/2014/main" val="2635826077"/>
+                    </a:ext>
+                  </a:extLst>
+                </a:gridCol>
+                <a:gridCol w="1066468">
+                  <a:extLst>
+                    <a:ext uri="{9D8B030D-6E8A-4147-A177-3AD203B41FA5}">
+                      <a16:colId xmlns:a16="http://schemas.microsoft.com/office/drawing/2014/main" val="1958826060"/>
+                    </a:ext>
+                  </a:extLst>
+                </a:gridCol>
+              </a:tblGrid>
+              <a:tr h="369578">
+                <a:tc>
+                  <a:txBody>
+                    <a:bodyPr/>
+                    <a:lstStyle/>
+                    <a:p>
+                      <a:r>
+                        <a:rPr lang="en-GB"/>
+                        <a:t>Name</a:t>
+                      </a:r>
+                    </a:p>
+                  </a:txBody>
+                  <a:tcPr/>
+                </a:tc>
+                <a:tc>
+                  <a:txBody>
+                    <a:bodyPr/>
+                    <a:lstStyle/>
+                    <a:p>
+                      <a:r>
+                        <a:rPr lang="en-GB"/>
+                        <a:t>ID</a:t>
+                      </a:r>
+                    </a:p>
+                  </a:txBody>
+                  <a:tcPr/>
+                </a:tc>
+                <a:tc>
+                  <a:txBody>
+                    <a:bodyPr/>
+                    <a:lstStyle/>
+                    <a:p>
+                      <a:r>
+                        <a:rPr lang="en-GB"/>
+                        <a:t>Disease</a:t>
+                      </a:r>
+                    </a:p>
+                  </a:txBody>
+                  <a:tcPr/>
+                </a:tc>
+                <a:extLst>
+                  <a:ext uri="{0D108BD9-81ED-4DB2-BD59-A6C34878D82A}">
+                    <a16:rowId xmlns:a16="http://schemas.microsoft.com/office/drawing/2014/main" val="836633641"/>
+                  </a:ext>
+                </a:extLst>
+              </a:tr>
+              <a:tr h="369578">
+                <a:tc>
+                  <a:txBody>
+                    <a:bodyPr/>
+                    <a:lstStyle/>
+                    <a:p>
+                      <a:r>
+                        <a:rPr lang="en-GB"/>
+                        <a:t>John</a:t>
+                      </a:r>
+                    </a:p>
+                  </a:txBody>
+                  <a:tcPr/>
+                </a:tc>
+                <a:tc>
+                  <a:txBody>
+                    <a:bodyPr/>
+                    <a:lstStyle/>
+                    <a:p>
+                      <a:r>
+                        <a:rPr lang="en-GB"/>
+                        <a:t>2345</a:t>
+                      </a:r>
+                    </a:p>
+                  </a:txBody>
+                  <a:tcPr/>
+                </a:tc>
+                <a:tc>
+                  <a:txBody>
+                    <a:bodyPr/>
+                    <a:lstStyle/>
+                    <a:p>
+                      <a:r>
+                        <a:rPr lang="en-GB"/>
+                        <a:t>Diabetes</a:t>
+                      </a:r>
+                    </a:p>
+                  </a:txBody>
+                  <a:tcPr/>
+                </a:tc>
+                <a:extLst>
+                  <a:ext uri="{0D108BD9-81ED-4DB2-BD59-A6C34878D82A}">
+                    <a16:rowId xmlns:a16="http://schemas.microsoft.com/office/drawing/2014/main" val="2855179786"/>
+                  </a:ext>
+                </a:extLst>
+              </a:tr>
+              <a:tr h="369578">
+                <a:tc>
+                  <a:txBody>
+                    <a:bodyPr/>
+                    <a:lstStyle/>
+                    <a:p>
+                      <a:r>
+                        <a:rPr lang="en-GB"/>
+                        <a:t>Jane</a:t>
+                      </a:r>
+                    </a:p>
+                  </a:txBody>
+                  <a:tcPr/>
+                </a:tc>
+                <a:tc>
+                  <a:txBody>
+                    <a:bodyPr/>
+                    <a:lstStyle/>
+                    <a:p>
+                      <a:r>
+                        <a:rPr lang="en-GB"/>
+                        <a:t>7853</a:t>
+                      </a:r>
+                    </a:p>
+                  </a:txBody>
+                  <a:tcPr/>
+                </a:tc>
+                <a:tc>
+                  <a:txBody>
+                    <a:bodyPr/>
+                    <a:lstStyle/>
+                    <a:p>
+                      <a:r>
+                        <a:rPr lang="en-GB"/>
+                        <a:t>Asthma</a:t>
+                      </a:r>
+                    </a:p>
+                  </a:txBody>
+                  <a:tcPr/>
+                </a:tc>
+                <a:extLst>
+                  <a:ext uri="{0D108BD9-81ED-4DB2-BD59-A6C34878D82A}">
+                    <a16:rowId xmlns:a16="http://schemas.microsoft.com/office/drawing/2014/main" val="790447001"/>
+                  </a:ext>
+                </a:extLst>
+              </a:tr>
+              <a:tr h="369578">
+                <a:tc>
+                  <a:txBody>
+                    <a:bodyPr/>
+                    <a:lstStyle/>
+                    <a:p>
+                      <a:r>
+                        <a:rPr lang="en-GB"/>
+                        <a:t>Judy</a:t>
+                      </a:r>
+                    </a:p>
+                  </a:txBody>
+                  <a:tcPr/>
+                </a:tc>
+                <a:tc>
+                  <a:txBody>
+                    <a:bodyPr/>
+                    <a:lstStyle/>
+                    <a:p>
+                      <a:r>
+                        <a:rPr lang="en-GB"/>
+                        <a:t>1337</a:t>
+                      </a:r>
+                    </a:p>
+                  </a:txBody>
+                  <a:tcPr/>
+                </a:tc>
+                <a:tc>
+                  <a:txBody>
+                    <a:bodyPr/>
+                    <a:lstStyle/>
+                    <a:p>
+                      <a:r>
+                        <a:rPr lang="en-GB"/>
+                        <a:t>Diabetes</a:t>
+                      </a:r>
+                    </a:p>
+                  </a:txBody>
+                  <a:tcPr/>
+                </a:tc>
+                <a:extLst>
+                  <a:ext uri="{0D108BD9-81ED-4DB2-BD59-A6C34878D82A}">
+                    <a16:rowId xmlns:a16="http://schemas.microsoft.com/office/drawing/2014/main" val="234878150"/>
+                  </a:ext>
+                </a:extLst>
+              </a:tr>
+              <a:tr h="369578">
+                <a:tc>
+                  <a:txBody>
+                    <a:bodyPr/>
+                    <a:lstStyle/>
+                    <a:p>
+                      <a:r>
+                        <a:rPr lang="en-GB"/>
+                        <a:t>Joe</a:t>
+                      </a:r>
+                    </a:p>
+                  </a:txBody>
+                  <a:tcPr/>
+                </a:tc>
+                <a:tc>
+                  <a:txBody>
+                    <a:bodyPr/>
+                    <a:lstStyle/>
+                    <a:p>
+                      <a:r>
+                        <a:rPr lang="en-GB"/>
+                        <a:t>8867</a:t>
+                      </a:r>
+                    </a:p>
+                  </a:txBody>
+                  <a:tcPr/>
+                </a:tc>
+                <a:tc>
+                  <a:txBody>
+                    <a:bodyPr/>
+                    <a:lstStyle/>
+                    <a:p>
+                      <a:r>
+                        <a:rPr lang="en-GB"/>
+                        <a:t>COPD</a:t>
+                      </a:r>
+                    </a:p>
+                  </a:txBody>
+                  <a:tcPr/>
+                </a:tc>
+                <a:extLst>
+                  <a:ext uri="{0D108BD9-81ED-4DB2-BD59-A6C34878D82A}">
+                    <a16:rowId xmlns:a16="http://schemas.microsoft.com/office/drawing/2014/main" val="3353381297"/>
+                  </a:ext>
+                </a:extLst>
+              </a:tr>
+            </a:tbl>
+          </a:graphicData>
+        </a:graphic>
+      </p:graphicFrame>
+      <p:sp>
+        <p:nvSpPr>
+          <p:cNvPr id="12" name="TextBox 11">
+            <a:extLst>
+              <a:ext uri="{FF2B5EF4-FFF2-40B4-BE49-F238E27FC236}">
+                <a16:creationId xmlns:a16="http://schemas.microsoft.com/office/drawing/2014/main" id="{73857675-3BD4-CF29-AE8B-D201E141043A}"/>
               </a:ext>
             </a:extLst>
           </p:cNvPr>
@@ -7152,13 +10762,17 @@
         </p:nvSpPr>
         <p:spPr>
           <a:xfrm>
-            <a:off x="6352309" y="5936672"/>
-            <a:ext cx="5629563" cy="276999"/>
+            <a:off x="4394200" y="2197099"/>
+            <a:ext cx="3822700" cy="1477328"/>
           </a:xfrm>
           <a:prstGeom prst="rect">
             <a:avLst/>
           </a:prstGeom>
-          <a:noFill/>
+          <a:solidFill>
+            <a:schemeClr val="bg1">
+              <a:lumMod val="75000"/>
+            </a:schemeClr>
+          </a:solidFill>
         </p:spPr>
         <p:txBody>
           <a:bodyPr rot="0" spcFirstLastPara="0" vertOverflow="overflow" horzOverflow="overflow" vert="horz" wrap="square" lIns="91440" tIns="45720" rIns="91440" bIns="45720" numCol="1" spcCol="0" rtlCol="0" fromWordArt="0" anchor="t" anchorCtr="0" forceAA="0" compatLnSpc="1">
@@ -7169,36 +10783,155 @@
           </a:bodyPr>
           <a:lstStyle/>
           <a:p>
-            <a:pPr algn="l"/>
-            <a:r>
-              <a:rPr lang="en-GB" sz="1200" dirty="0">
-                <a:solidFill>
-                  <a:schemeClr val="tx2">
-                    <a:lumMod val="40000"/>
-                    <a:lumOff val="60000"/>
-                  </a:schemeClr>
-                </a:solidFill>
-                <a:ea typeface="+mn-lt"/>
-                <a:cs typeface="+mn-lt"/>
-              </a:rPr>
-              <a:t>https://bytesofgigabytes.com/networking/how-http-request-and-response-works/</a:t>
-            </a:r>
-            <a:endParaRPr lang="en-US" sz="1200">
-              <a:solidFill>
-                <a:schemeClr val="tx2">
-                  <a:lumMod val="40000"/>
-                  <a:lumOff val="60000"/>
-                </a:schemeClr>
-              </a:solidFill>
-              <a:cs typeface="Calibri"/>
-            </a:endParaRPr>
+            <a:r>
+              <a:rPr lang="en-GB">
+                <a:cs typeface="Calibri"/>
+              </a:rPr>
+              <a:t>function </a:t>
+            </a:r>
+            <a:r>
+              <a:rPr lang="en-GB" err="1">
+                <a:cs typeface="Calibri"/>
+              </a:rPr>
+              <a:t>get_diabetes_count</a:t>
+            </a:r>
+            <a:r>
+              <a:rPr lang="en-GB">
+                <a:cs typeface="Calibri"/>
+              </a:rPr>
+              <a:t>() {</a:t>
+            </a:r>
+          </a:p>
+          <a:p>
+            <a:r>
+              <a:rPr lang="en-GB">
+                <a:cs typeface="Calibri"/>
+              </a:rPr>
+              <a:t>    SELECT COUNT(*) </a:t>
+            </a:r>
+          </a:p>
+          <a:p>
+            <a:r>
+              <a:rPr lang="en-GB">
+                <a:cs typeface="Calibri"/>
+              </a:rPr>
+              <a:t>    FROM database</a:t>
+            </a:r>
+          </a:p>
+          <a:p>
+            <a:r>
+              <a:rPr lang="en-GB">
+                <a:cs typeface="Calibri"/>
+              </a:rPr>
+              <a:t>    WHERE Disease=Diabetes;</a:t>
+            </a:r>
+          </a:p>
+          <a:p>
+            <a:r>
+              <a:rPr lang="en-GB">
+                <a:cs typeface="Calibri"/>
+              </a:rPr>
+              <a:t>}</a:t>
+            </a:r>
+          </a:p>
+        </p:txBody>
+      </p:sp>
+      <p:sp>
+        <p:nvSpPr>
+          <p:cNvPr id="13" name="Arrow: Left-Right 12">
+            <a:extLst>
+              <a:ext uri="{FF2B5EF4-FFF2-40B4-BE49-F238E27FC236}">
+                <a16:creationId xmlns:a16="http://schemas.microsoft.com/office/drawing/2014/main" id="{778D2C43-5AD5-1B15-A376-705B78896518}"/>
+              </a:ext>
+            </a:extLst>
+          </p:cNvPr>
+          <p:cNvSpPr/>
+          <p:nvPr/>
+        </p:nvSpPr>
+        <p:spPr>
+          <a:xfrm>
+            <a:off x="8248650" y="2692400"/>
+            <a:ext cx="1219200" cy="482600"/>
+          </a:xfrm>
+          <a:prstGeom prst="leftRightArrow">
+            <a:avLst/>
+          </a:prstGeom>
+        </p:spPr>
+        <p:style>
+          <a:lnRef idx="2">
+            <a:schemeClr val="accent1">
+              <a:shade val="15000"/>
+            </a:schemeClr>
+          </a:lnRef>
+          <a:fillRef idx="1">
+            <a:schemeClr val="accent1"/>
+          </a:fillRef>
+          <a:effectRef idx="0">
+            <a:schemeClr val="accent1"/>
+          </a:effectRef>
+          <a:fontRef idx="minor">
+            <a:schemeClr val="lt1"/>
+          </a:fontRef>
+        </p:style>
+        <p:txBody>
+          <a:bodyPr rtlCol="0" anchor="ctr"/>
+          <a:lstStyle/>
+          <a:p>
+            <a:pPr algn="ctr"/>
+            <a:endParaRPr lang="en-GB"/>
+          </a:p>
+        </p:txBody>
+      </p:sp>
+      <p:sp>
+        <p:nvSpPr>
+          <p:cNvPr id="14" name="Arrow: Left-Right 13">
+            <a:extLst>
+              <a:ext uri="{FF2B5EF4-FFF2-40B4-BE49-F238E27FC236}">
+                <a16:creationId xmlns:a16="http://schemas.microsoft.com/office/drawing/2014/main" id="{B82CCE14-AFCB-610A-0C48-CF0D230BA4B3}"/>
+              </a:ext>
+            </a:extLst>
+          </p:cNvPr>
+          <p:cNvSpPr/>
+          <p:nvPr/>
+        </p:nvSpPr>
+        <p:spPr>
+          <a:xfrm>
+            <a:off x="3136899" y="2692400"/>
+            <a:ext cx="1219200" cy="482600"/>
+          </a:xfrm>
+          <a:prstGeom prst="leftRightArrow">
+            <a:avLst/>
+          </a:prstGeom>
+        </p:spPr>
+        <p:style>
+          <a:lnRef idx="2">
+            <a:schemeClr val="accent1">
+              <a:shade val="15000"/>
+            </a:schemeClr>
+          </a:lnRef>
+          <a:fillRef idx="1">
+            <a:schemeClr val="accent1"/>
+          </a:fillRef>
+          <a:effectRef idx="0">
+            <a:schemeClr val="accent1"/>
+          </a:effectRef>
+          <a:fontRef idx="minor">
+            <a:schemeClr val="lt1"/>
+          </a:fontRef>
+        </p:style>
+        <p:txBody>
+          <a:bodyPr rtlCol="0" anchor="ctr"/>
+          <a:lstStyle/>
+          <a:p>
+            <a:pPr algn="ctr"/>
+            <a:endParaRPr lang="en-GB"/>
           </a:p>
         </p:txBody>
       </p:sp>
     </p:spTree>
     <p:extLst>
       <p:ext uri="{BB962C8B-B14F-4D97-AF65-F5344CB8AC3E}">
-        <p14:creationId xmlns:p14="http://schemas.microsoft.com/office/powerpoint/2010/main" val="4227490510"/>
+        <p14:creationId xmlns:p14="http://schemas.microsoft.com/office/powerpoint/2010/main" val="3445099720"/>
       </p:ext>
     </p:extLst>
   </p:cSld>
@@ -7230,7 +10963,7 @@
           <p:cNvPr id="2" name="Title 1">
             <a:extLst>
               <a:ext uri="{FF2B5EF4-FFF2-40B4-BE49-F238E27FC236}">
-                <a16:creationId xmlns:a16="http://schemas.microsoft.com/office/drawing/2014/main" id="{FC6659F0-DA70-4B42-8432-A81BDA0D33E4}"/>
+                <a16:creationId xmlns:a16="http://schemas.microsoft.com/office/drawing/2014/main" id="{DEA8AAE3-631D-4FD8-BBB4-BD19136871B9}"/>
               </a:ext>
             </a:extLst>
           </p:cNvPr>
@@ -7247,99 +10980,38 @@
           <a:lstStyle/>
           <a:p>
             <a:r>
-              <a:rPr lang="en-GB" dirty="0">
+              <a:rPr lang="en-GB">
                 <a:cs typeface="Calibri"/>
               </a:rPr>
-              <a:t>Why bother?</a:t>
-            </a:r>
-            <a:endParaRPr lang="en-GB" dirty="0"/>
-          </a:p>
-        </p:txBody>
-      </p:sp>
-      <p:sp>
-        <p:nvSpPr>
-          <p:cNvPr id="3" name="Content Placeholder 2">
-            <a:extLst>
-              <a:ext uri="{FF2B5EF4-FFF2-40B4-BE49-F238E27FC236}">
-                <a16:creationId xmlns:a16="http://schemas.microsoft.com/office/drawing/2014/main" id="{D047F994-7259-4D38-957E-625EEA1F03C5}"/>
-              </a:ext>
-            </a:extLst>
-          </p:cNvPr>
-          <p:cNvSpPr>
-            <a:spLocks noGrp="1"/>
-          </p:cNvSpPr>
-          <p:nvPr>
-            <p:ph idx="1"/>
+              <a:t>API messaging</a:t>
+            </a:r>
+            <a:endParaRPr lang="en-GB"/>
+          </a:p>
+        </p:txBody>
+      </p:sp>
+      <p:sp>
+        <p:nvSpPr>
+          <p:cNvPr id="4" name="Footer Placeholder 3">
+            <a:extLst>
+              <a:ext uri="{FF2B5EF4-FFF2-40B4-BE49-F238E27FC236}">
+                <a16:creationId xmlns:a16="http://schemas.microsoft.com/office/drawing/2014/main" id="{F8886B61-F470-4991-895C-E91657FB820B}"/>
+              </a:ext>
+            </a:extLst>
+          </p:cNvPr>
+          <p:cNvSpPr>
+            <a:spLocks noGrp="1"/>
+          </p:cNvSpPr>
+          <p:nvPr>
+            <p:ph type="ftr" sz="quarter" idx="11"/>
           </p:nvPr>
         </p:nvSpPr>
         <p:spPr/>
         <p:txBody>
-          <a:bodyPr vert="horz" lIns="91440" tIns="45720" rIns="91440" bIns="45720" rtlCol="0" anchor="t">
-            <a:normAutofit/>
-          </a:bodyPr>
-          <a:lstStyle/>
-          <a:p>
-            <a:pPr>
-              <a:buFont typeface="Arial" panose="05000000000000000000" pitchFamily="2" charset="2"/>
-              <a:buChar char="•"/>
-            </a:pPr>
-            <a:r>
-              <a:rPr lang="en-GB" dirty="0">
-                <a:cs typeface="Calibri"/>
-              </a:rPr>
-              <a:t>Easier than connecting to underlying applications.</a:t>
-            </a:r>
-          </a:p>
-          <a:p>
-            <a:pPr>
-              <a:buFont typeface="Arial" panose="05000000000000000000" pitchFamily="2" charset="2"/>
-              <a:buChar char="•"/>
-            </a:pPr>
-            <a:r>
-              <a:rPr lang="en-GB" dirty="0">
-                <a:cs typeface="Calibri"/>
-              </a:rPr>
-              <a:t>Common language.</a:t>
-            </a:r>
-          </a:p>
-          <a:p>
-            <a:pPr>
-              <a:buFont typeface="Arial" panose="05000000000000000000" pitchFamily="2" charset="2"/>
-              <a:buChar char="•"/>
-            </a:pPr>
-            <a:r>
-              <a:rPr lang="en-GB" dirty="0">
-                <a:cs typeface="Calibri"/>
-              </a:rPr>
-              <a:t>Static interface.</a:t>
-            </a:r>
-            <a:endParaRPr lang="en-GB" dirty="0"/>
-          </a:p>
-        </p:txBody>
-      </p:sp>
-      <p:sp>
-        <p:nvSpPr>
-          <p:cNvPr id="4" name="Footer Placeholder 3">
-            <a:extLst>
-              <a:ext uri="{FF2B5EF4-FFF2-40B4-BE49-F238E27FC236}">
-                <a16:creationId xmlns:a16="http://schemas.microsoft.com/office/drawing/2014/main" id="{05F38027-2AA3-444F-AD97-8E84C2726ED4}"/>
-              </a:ext>
-            </a:extLst>
-          </p:cNvPr>
-          <p:cNvSpPr>
-            <a:spLocks noGrp="1"/>
-          </p:cNvSpPr>
-          <p:nvPr>
-            <p:ph type="ftr" sz="quarter" idx="11"/>
-          </p:nvPr>
-        </p:nvSpPr>
-        <p:spPr/>
-        <p:txBody>
           <a:bodyPr/>
           <a:lstStyle/>
           <a:p>
             <a:r>
-              <a:rPr lang="en-GB" dirty="0"/>
+              <a:rPr lang="en-GB"/>
               <a:t>MSC HEALTH DATA SCIENCE</a:t>
             </a:r>
           </a:p>
@@ -7350,7 +11022,7 @@
           <p:cNvPr id="5" name="Slide Number Placeholder 4">
             <a:extLst>
               <a:ext uri="{FF2B5EF4-FFF2-40B4-BE49-F238E27FC236}">
-                <a16:creationId xmlns:a16="http://schemas.microsoft.com/office/drawing/2014/main" id="{1D05A617-B4FE-491F-940D-6CF569AB6C79}"/>
+                <a16:creationId xmlns:a16="http://schemas.microsoft.com/office/drawing/2014/main" id="{8BCCA9F6-A60A-4ECD-81AE-08C7AC28FD55}"/>
               </a:ext>
             </a:extLst>
           </p:cNvPr>
@@ -7374,10 +11046,97 @@
           </a:p>
         </p:txBody>
       </p:sp>
+      <p:pic>
+        <p:nvPicPr>
+          <p:cNvPr id="6" name="Picture 6">
+            <a:extLst>
+              <a:ext uri="{FF2B5EF4-FFF2-40B4-BE49-F238E27FC236}">
+                <a16:creationId xmlns:a16="http://schemas.microsoft.com/office/drawing/2014/main" id="{24001FEF-6AFE-45C4-AE41-CF110565373D}"/>
+              </a:ext>
+            </a:extLst>
+          </p:cNvPr>
+          <p:cNvPicPr>
+            <a:picLocks noChangeAspect="1"/>
+          </p:cNvPicPr>
+          <p:nvPr/>
+        </p:nvPicPr>
+        <p:blipFill>
+          <a:blip r:embed="rId2"/>
+          <a:stretch>
+            <a:fillRect/>
+          </a:stretch>
+        </p:blipFill>
+        <p:spPr>
+          <a:xfrm>
+            <a:off x="2389106" y="2679367"/>
+            <a:ext cx="6726381" cy="2830883"/>
+          </a:xfrm>
+          <a:prstGeom prst="rect">
+            <a:avLst/>
+          </a:prstGeom>
+        </p:spPr>
+      </p:pic>
+      <p:sp>
+        <p:nvSpPr>
+          <p:cNvPr id="7" name="TextBox 6">
+            <a:extLst>
+              <a:ext uri="{FF2B5EF4-FFF2-40B4-BE49-F238E27FC236}">
+                <a16:creationId xmlns:a16="http://schemas.microsoft.com/office/drawing/2014/main" id="{0DF0B4F3-2F82-4286-AF10-143E65747EA3}"/>
+              </a:ext>
+            </a:extLst>
+          </p:cNvPr>
+          <p:cNvSpPr txBox="1"/>
+          <p:nvPr/>
+        </p:nvSpPr>
+        <p:spPr>
+          <a:xfrm>
+            <a:off x="6352309" y="5936672"/>
+            <a:ext cx="5629563" cy="276999"/>
+          </a:xfrm>
+          <a:prstGeom prst="rect">
+            <a:avLst/>
+          </a:prstGeom>
+          <a:noFill/>
+        </p:spPr>
+        <p:txBody>
+          <a:bodyPr rot="0" spcFirstLastPara="0" vertOverflow="overflow" horzOverflow="overflow" vert="horz" wrap="square" lIns="91440" tIns="45720" rIns="91440" bIns="45720" numCol="1" spcCol="0" rtlCol="0" fromWordArt="0" anchor="t" anchorCtr="0" forceAA="0" compatLnSpc="1">
+            <a:prstTxWarp prst="textNoShape">
+              <a:avLst/>
+            </a:prstTxWarp>
+            <a:spAutoFit/>
+          </a:bodyPr>
+          <a:lstStyle/>
+          <a:p>
+            <a:pPr algn="l"/>
+            <a:r>
+              <a:rPr lang="en-GB" sz="1200">
+                <a:solidFill>
+                  <a:schemeClr val="tx2">
+                    <a:lumMod val="40000"/>
+                    <a:lumOff val="60000"/>
+                  </a:schemeClr>
+                </a:solidFill>
+                <a:ea typeface="+mn-lt"/>
+                <a:cs typeface="+mn-lt"/>
+              </a:rPr>
+              <a:t>https://bytesofgigabytes.com/networking/how-http-request-and-response-works/</a:t>
+            </a:r>
+            <a:endParaRPr lang="en-US" sz="1200">
+              <a:solidFill>
+                <a:schemeClr val="tx2">
+                  <a:lumMod val="40000"/>
+                  <a:lumOff val="60000"/>
+                </a:schemeClr>
+              </a:solidFill>
+              <a:cs typeface="Calibri"/>
+            </a:endParaRPr>
+          </a:p>
+        </p:txBody>
+      </p:sp>
     </p:spTree>
     <p:extLst>
       <p:ext uri="{BB962C8B-B14F-4D97-AF65-F5344CB8AC3E}">
-        <p14:creationId xmlns:p14="http://schemas.microsoft.com/office/powerpoint/2010/main" val="1203756257"/>
+        <p14:creationId xmlns:p14="http://schemas.microsoft.com/office/powerpoint/2010/main" val="4227490510"/>
       </p:ext>
     </p:extLst>
   </p:cSld>
@@ -7406,60 +11165,10 @@
       </p:grpSpPr>
       <p:sp>
         <p:nvSpPr>
-          <p:cNvPr id="12" name="Circle: Hollow 11">
-            <a:extLst>
-              <a:ext uri="{FF2B5EF4-FFF2-40B4-BE49-F238E27FC236}">
-                <a16:creationId xmlns:a16="http://schemas.microsoft.com/office/drawing/2014/main" id="{333EBC0A-72A2-47BA-A0B4-D2C460728667}"/>
-              </a:ext>
-            </a:extLst>
-          </p:cNvPr>
-          <p:cNvSpPr/>
-          <p:nvPr/>
-        </p:nvSpPr>
-        <p:spPr>
-          <a:xfrm>
-            <a:off x="3772766" y="1071130"/>
-            <a:ext cx="5380180" cy="5345544"/>
-          </a:xfrm>
-          <a:prstGeom prst="donut">
-            <a:avLst/>
-          </a:prstGeom>
-        </p:spPr>
-        <p:style>
-          <a:lnRef idx="2">
-            <a:schemeClr val="accent1">
-              <a:shade val="50000"/>
-            </a:schemeClr>
-          </a:lnRef>
-          <a:fillRef idx="1">
-            <a:schemeClr val="accent1"/>
-          </a:fillRef>
-          <a:effectRef idx="0">
-            <a:schemeClr val="accent1"/>
-          </a:effectRef>
-          <a:fontRef idx="minor">
-            <a:schemeClr val="lt1"/>
-          </a:fontRef>
-        </p:style>
-        <p:txBody>
-          <a:bodyPr rtlCol="0" anchor="ctr"/>
-          <a:lstStyle/>
-          <a:p>
-            <a:pPr algn="ctr"/>
-            <a:endParaRPr lang="en-GB">
-              <a:solidFill>
-                <a:schemeClr val="tx1"/>
-              </a:solidFill>
-            </a:endParaRPr>
-          </a:p>
-        </p:txBody>
-      </p:sp>
-      <p:sp>
-        <p:nvSpPr>
           <p:cNvPr id="2" name="Title 1">
             <a:extLst>
               <a:ext uri="{FF2B5EF4-FFF2-40B4-BE49-F238E27FC236}">
-                <a16:creationId xmlns:a16="http://schemas.microsoft.com/office/drawing/2014/main" id="{93FD0D66-7302-485F-92D6-42139A1A011C}"/>
+                <a16:creationId xmlns:a16="http://schemas.microsoft.com/office/drawing/2014/main" id="{FC6659F0-DA70-4B42-8432-A81BDA0D33E4}"/>
               </a:ext>
             </a:extLst>
           </p:cNvPr>
@@ -7476,12 +11185,85 @@
           <a:lstStyle/>
           <a:p>
             <a:r>
-              <a:rPr lang="en-GB" dirty="0">
+              <a:rPr lang="en-GB">
                 <a:cs typeface="Calibri"/>
               </a:rPr>
-              <a:t>Google maps API</a:t>
-            </a:r>
-            <a:endParaRPr lang="en-GB" dirty="0"/>
+              <a:t>Why bother?</a:t>
+            </a:r>
+            <a:endParaRPr lang="en-GB"/>
+          </a:p>
+        </p:txBody>
+      </p:sp>
+      <p:sp>
+        <p:nvSpPr>
+          <p:cNvPr id="3" name="Content Placeholder 2">
+            <a:extLst>
+              <a:ext uri="{FF2B5EF4-FFF2-40B4-BE49-F238E27FC236}">
+                <a16:creationId xmlns:a16="http://schemas.microsoft.com/office/drawing/2014/main" id="{D047F994-7259-4D38-957E-625EEA1F03C5}"/>
+              </a:ext>
+            </a:extLst>
+          </p:cNvPr>
+          <p:cNvSpPr>
+            <a:spLocks noGrp="1"/>
+          </p:cNvSpPr>
+          <p:nvPr>
+            <p:ph idx="1"/>
+          </p:nvPr>
+        </p:nvSpPr>
+        <p:spPr/>
+        <p:txBody>
+          <a:bodyPr vert="horz" lIns="91440" tIns="45720" rIns="91440" bIns="45720" rtlCol="0" anchor="t">
+            <a:normAutofit/>
+          </a:bodyPr>
+          <a:lstStyle/>
+          <a:p>
+            <a:pPr>
+              <a:buFont typeface="Arial" panose="05000000000000000000" pitchFamily="2" charset="2"/>
+              <a:buChar char="•"/>
+            </a:pPr>
+            <a:r>
+              <a:rPr lang="en-GB">
+                <a:cs typeface="Calibri"/>
+              </a:rPr>
+              <a:t>Easier than connecting to underlying applications.</a:t>
+            </a:r>
+          </a:p>
+          <a:p>
+            <a:pPr>
+              <a:buFont typeface="Arial" panose="05000000000000000000" pitchFamily="2" charset="2"/>
+              <a:buChar char="•"/>
+            </a:pPr>
+            <a:r>
+              <a:rPr lang="en-GB">
+                <a:cs typeface="Calibri"/>
+              </a:rPr>
+              <a:t>Can make subset of data/application available. </a:t>
+            </a:r>
+          </a:p>
+          <a:p>
+            <a:pPr>
+              <a:buFont typeface="Arial" panose="05000000000000000000" pitchFamily="2" charset="2"/>
+              <a:buChar char="•"/>
+            </a:pPr>
+            <a:r>
+              <a:rPr lang="en-GB">
+                <a:cs typeface="Calibri"/>
+              </a:rPr>
+              <a:t>Common language.</a:t>
+            </a:r>
+          </a:p>
+          <a:p>
+            <a:pPr>
+              <a:buFont typeface="Arial" panose="05000000000000000000" pitchFamily="2" charset="2"/>
+              <a:buChar char="•"/>
+            </a:pPr>
+            <a:r>
+              <a:rPr lang="en-GB">
+                <a:cs typeface="Calibri"/>
+              </a:rPr>
+              <a:t>Static interface.</a:t>
+            </a:r>
+            <a:endParaRPr lang="en-GB"/>
           </a:p>
         </p:txBody>
       </p:sp>
@@ -7490,7 +11272,7 @@
           <p:cNvPr id="4" name="Footer Placeholder 3">
             <a:extLst>
               <a:ext uri="{FF2B5EF4-FFF2-40B4-BE49-F238E27FC236}">
-                <a16:creationId xmlns:a16="http://schemas.microsoft.com/office/drawing/2014/main" id="{3E3A0FDD-EAA3-4622-B39F-84AECFB06358}"/>
+                <a16:creationId xmlns:a16="http://schemas.microsoft.com/office/drawing/2014/main" id="{05F38027-2AA3-444F-AD97-8E84C2726ED4}"/>
               </a:ext>
             </a:extLst>
           </p:cNvPr>
@@ -7507,7 +11289,7 @@
           <a:lstStyle/>
           <a:p>
             <a:r>
-              <a:rPr lang="en-GB" dirty="0"/>
+              <a:rPr lang="en-GB"/>
               <a:t>MSC HEALTH DATA SCIENCE</a:t>
             </a:r>
           </a:p>
@@ -7518,7 +11300,7 @@
           <p:cNvPr id="5" name="Slide Number Placeholder 4">
             <a:extLst>
               <a:ext uri="{FF2B5EF4-FFF2-40B4-BE49-F238E27FC236}">
-                <a16:creationId xmlns:a16="http://schemas.microsoft.com/office/drawing/2014/main" id="{ED801D9F-E716-4E68-8068-DEF0E5A4C928}"/>
+                <a16:creationId xmlns:a16="http://schemas.microsoft.com/office/drawing/2014/main" id="{1D05A617-B4FE-491F-940D-6CF569AB6C79}"/>
               </a:ext>
             </a:extLst>
           </p:cNvPr>
@@ -7542,554 +11324,10 @@
           </a:p>
         </p:txBody>
       </p:sp>
-      <p:pic>
-        <p:nvPicPr>
-          <p:cNvPr id="8" name="Graphic 8" descr="Camera with solid fill">
-            <a:extLst>
-              <a:ext uri="{FF2B5EF4-FFF2-40B4-BE49-F238E27FC236}">
-                <a16:creationId xmlns:a16="http://schemas.microsoft.com/office/drawing/2014/main" id="{262713FE-EA05-43D3-8DDE-640BF15B8664}"/>
-              </a:ext>
-            </a:extLst>
-          </p:cNvPr>
-          <p:cNvPicPr>
-            <a:picLocks noChangeAspect="1"/>
-          </p:cNvPicPr>
-          <p:nvPr/>
-        </p:nvPicPr>
-        <p:blipFill>
-          <a:blip r:embed="rId2">
-            <a:extLst>
-              <a:ext uri="{96DAC541-7B7A-43D3-8B79-37D633B846F1}">
-                <asvg:svgBlip xmlns:asvg="http://schemas.microsoft.com/office/drawing/2016/SVG/main" r:embed="rId3"/>
-              </a:ext>
-            </a:extLst>
-          </a:blip>
-          <a:stretch>
-            <a:fillRect/>
-          </a:stretch>
-        </p:blipFill>
-        <p:spPr>
-          <a:xfrm>
-            <a:off x="10049164" y="4980709"/>
-            <a:ext cx="914400" cy="914400"/>
-          </a:xfrm>
-          <a:prstGeom prst="rect">
-            <a:avLst/>
-          </a:prstGeom>
-        </p:spPr>
-      </p:pic>
-      <p:pic>
-        <p:nvPicPr>
-          <p:cNvPr id="9" name="Graphic 9" descr="Check In with solid fill">
-            <a:extLst>
-              <a:ext uri="{FF2B5EF4-FFF2-40B4-BE49-F238E27FC236}">
-                <a16:creationId xmlns:a16="http://schemas.microsoft.com/office/drawing/2014/main" id="{204D2F3E-8156-497B-850B-0ED256406C8D}"/>
-              </a:ext>
-            </a:extLst>
-          </p:cNvPr>
-          <p:cNvPicPr>
-            <a:picLocks noChangeAspect="1"/>
-          </p:cNvPicPr>
-          <p:nvPr/>
-        </p:nvPicPr>
-        <p:blipFill>
-          <a:blip r:embed="rId4">
-            <a:extLst>
-              <a:ext uri="{96DAC541-7B7A-43D3-8B79-37D633B846F1}">
-                <asvg:svgBlip xmlns:asvg="http://schemas.microsoft.com/office/drawing/2016/SVG/main" r:embed="rId5"/>
-              </a:ext>
-            </a:extLst>
-          </a:blip>
-          <a:stretch>
-            <a:fillRect/>
-          </a:stretch>
-        </p:blipFill>
-        <p:spPr>
-          <a:xfrm>
-            <a:off x="1659948" y="1937038"/>
-            <a:ext cx="914400" cy="914400"/>
-          </a:xfrm>
-          <a:prstGeom prst="rect">
-            <a:avLst/>
-          </a:prstGeom>
-        </p:spPr>
-      </p:pic>
-      <p:pic>
-        <p:nvPicPr>
-          <p:cNvPr id="10" name="Graphic 10" descr="Computer with solid fill">
-            <a:extLst>
-              <a:ext uri="{FF2B5EF4-FFF2-40B4-BE49-F238E27FC236}">
-                <a16:creationId xmlns:a16="http://schemas.microsoft.com/office/drawing/2014/main" id="{66AF6097-4E6C-4615-846A-37FA00D9B7D2}"/>
-              </a:ext>
-            </a:extLst>
-          </p:cNvPr>
-          <p:cNvPicPr>
-            <a:picLocks noChangeAspect="1"/>
-          </p:cNvPicPr>
-          <p:nvPr/>
-        </p:nvPicPr>
-        <p:blipFill>
-          <a:blip r:embed="rId6">
-            <a:extLst>
-              <a:ext uri="{96DAC541-7B7A-43D3-8B79-37D633B846F1}">
-                <asvg:svgBlip xmlns:asvg="http://schemas.microsoft.com/office/drawing/2016/SVG/main" r:embed="rId7"/>
-              </a:ext>
-            </a:extLst>
-          </a:blip>
-          <a:stretch>
-            <a:fillRect/>
-          </a:stretch>
-        </p:blipFill>
-        <p:spPr>
-          <a:xfrm>
-            <a:off x="1398732" y="5116368"/>
-            <a:ext cx="914400" cy="914400"/>
-          </a:xfrm>
-          <a:prstGeom prst="rect">
-            <a:avLst/>
-          </a:prstGeom>
-        </p:spPr>
-      </p:pic>
-      <p:pic>
-        <p:nvPicPr>
-          <p:cNvPr id="11" name="Graphic 11" descr="Monster Truck with solid fill">
-            <a:extLst>
-              <a:ext uri="{FF2B5EF4-FFF2-40B4-BE49-F238E27FC236}">
-                <a16:creationId xmlns:a16="http://schemas.microsoft.com/office/drawing/2014/main" id="{9C3972F0-6258-424D-B897-555C0057E99D}"/>
-              </a:ext>
-            </a:extLst>
-          </p:cNvPr>
-          <p:cNvPicPr>
-            <a:picLocks noChangeAspect="1"/>
-          </p:cNvPicPr>
-          <p:nvPr/>
-        </p:nvPicPr>
-        <p:blipFill>
-          <a:blip r:embed="rId8">
-            <a:extLst>
-              <a:ext uri="{96DAC541-7B7A-43D3-8B79-37D633B846F1}">
-                <asvg:svgBlip xmlns:asvg="http://schemas.microsoft.com/office/drawing/2016/SVG/main" r:embed="rId9"/>
-              </a:ext>
-            </a:extLst>
-          </a:blip>
-          <a:stretch>
-            <a:fillRect/>
-          </a:stretch>
-        </p:blipFill>
-        <p:spPr>
-          <a:xfrm>
-            <a:off x="10459221" y="2813407"/>
-            <a:ext cx="914400" cy="914400"/>
-          </a:xfrm>
-          <a:prstGeom prst="rect">
-            <a:avLst/>
-          </a:prstGeom>
-        </p:spPr>
-      </p:pic>
-      <p:pic>
-        <p:nvPicPr>
-          <p:cNvPr id="7" name="Graphic 7" descr="Database outline">
-            <a:extLst>
-              <a:ext uri="{FF2B5EF4-FFF2-40B4-BE49-F238E27FC236}">
-                <a16:creationId xmlns:a16="http://schemas.microsoft.com/office/drawing/2014/main" id="{02875E4D-9D65-48A3-9AA7-D4A454922459}"/>
-              </a:ext>
-            </a:extLst>
-          </p:cNvPr>
-          <p:cNvPicPr>
-            <a:picLocks noGrp="1" noChangeAspect="1"/>
-          </p:cNvPicPr>
-          <p:nvPr>
-            <p:ph idx="1"/>
-          </p:nvPr>
-        </p:nvPicPr>
-        <p:blipFill>
-          <a:blip r:embed="rId10">
-            <a:extLst>
-              <a:ext uri="{96DAC541-7B7A-43D3-8B79-37D633B846F1}">
-                <asvg:svgBlip xmlns:asvg="http://schemas.microsoft.com/office/drawing/2016/SVG/main" r:embed="rId11"/>
-              </a:ext>
-            </a:extLst>
-          </a:blip>
-          <a:stretch>
-            <a:fillRect/>
-          </a:stretch>
-        </p:blipFill>
-        <p:spPr>
-          <a:xfrm>
-            <a:off x="5675582" y="3614016"/>
-            <a:ext cx="914400" cy="914400"/>
-          </a:xfrm>
-        </p:spPr>
-      </p:pic>
-      <p:pic>
-        <p:nvPicPr>
-          <p:cNvPr id="13" name="Graphic 13" descr="Sort with solid fill">
-            <a:extLst>
-              <a:ext uri="{FF2B5EF4-FFF2-40B4-BE49-F238E27FC236}">
-                <a16:creationId xmlns:a16="http://schemas.microsoft.com/office/drawing/2014/main" id="{22E7360A-F32F-4B64-9FA1-C83127538196}"/>
-              </a:ext>
-            </a:extLst>
-          </p:cNvPr>
-          <p:cNvPicPr>
-            <a:picLocks noChangeAspect="1"/>
-          </p:cNvPicPr>
-          <p:nvPr/>
-        </p:nvPicPr>
-        <p:blipFill>
-          <a:blip r:embed="rId12">
-            <a:extLst>
-              <a:ext uri="{96DAC541-7B7A-43D3-8B79-37D633B846F1}">
-                <asvg:svgBlip xmlns:asvg="http://schemas.microsoft.com/office/drawing/2016/SVG/main" r:embed="rId13"/>
-              </a:ext>
-            </a:extLst>
-          </a:blip>
-          <a:stretch>
-            <a:fillRect/>
-          </a:stretch>
-        </p:blipFill>
-        <p:spPr>
-          <a:xfrm rot="17520000">
-            <a:off x="3193728" y="1545949"/>
-            <a:ext cx="1041399" cy="2034308"/>
-          </a:xfrm>
-          <a:prstGeom prst="rect">
-            <a:avLst/>
-          </a:prstGeom>
-        </p:spPr>
-      </p:pic>
-      <p:pic>
-        <p:nvPicPr>
-          <p:cNvPr id="14" name="Graphic 13" descr="Sort with solid fill">
-            <a:extLst>
-              <a:ext uri="{FF2B5EF4-FFF2-40B4-BE49-F238E27FC236}">
-                <a16:creationId xmlns:a16="http://schemas.microsoft.com/office/drawing/2014/main" id="{0616A2E6-B432-4342-8711-3E91D1FE7590}"/>
-              </a:ext>
-            </a:extLst>
-          </p:cNvPr>
-          <p:cNvPicPr>
-            <a:picLocks noChangeAspect="1"/>
-          </p:cNvPicPr>
-          <p:nvPr/>
-        </p:nvPicPr>
-        <p:blipFill>
-          <a:blip r:embed="rId12">
-            <a:extLst>
-              <a:ext uri="{96DAC541-7B7A-43D3-8B79-37D633B846F1}">
-                <asvg:svgBlip xmlns:asvg="http://schemas.microsoft.com/office/drawing/2016/SVG/main" r:embed="rId13"/>
-              </a:ext>
-            </a:extLst>
-          </a:blip>
-          <a:stretch>
-            <a:fillRect/>
-          </a:stretch>
-        </p:blipFill>
-        <p:spPr>
-          <a:xfrm rot="14940000">
-            <a:off x="2929738" y="3763066"/>
-            <a:ext cx="1041399" cy="2034308"/>
-          </a:xfrm>
-          <a:prstGeom prst="rect">
-            <a:avLst/>
-          </a:prstGeom>
-        </p:spPr>
-      </p:pic>
-      <p:pic>
-        <p:nvPicPr>
-          <p:cNvPr id="15" name="Graphic 13" descr="Sort with solid fill">
-            <a:extLst>
-              <a:ext uri="{FF2B5EF4-FFF2-40B4-BE49-F238E27FC236}">
-                <a16:creationId xmlns:a16="http://schemas.microsoft.com/office/drawing/2014/main" id="{69838A44-2535-46BC-BE70-A78052BD166D}"/>
-              </a:ext>
-            </a:extLst>
-          </p:cNvPr>
-          <p:cNvPicPr>
-            <a:picLocks noChangeAspect="1"/>
-          </p:cNvPicPr>
-          <p:nvPr/>
-        </p:nvPicPr>
-        <p:blipFill>
-          <a:blip r:embed="rId12">
-            <a:extLst>
-              <a:ext uri="{96DAC541-7B7A-43D3-8B79-37D633B846F1}">
-                <asvg:svgBlip xmlns:asvg="http://schemas.microsoft.com/office/drawing/2016/SVG/main" r:embed="rId13"/>
-              </a:ext>
-            </a:extLst>
-          </a:blip>
-          <a:stretch>
-            <a:fillRect/>
-          </a:stretch>
-        </p:blipFill>
-        <p:spPr>
-          <a:xfrm rot="16200000">
-            <a:off x="8745404" y="2355557"/>
-            <a:ext cx="1041399" cy="2034308"/>
-          </a:xfrm>
-          <a:prstGeom prst="rect">
-            <a:avLst/>
-          </a:prstGeom>
-        </p:spPr>
-      </p:pic>
-      <p:pic>
-        <p:nvPicPr>
-          <p:cNvPr id="16" name="Graphic 13" descr="Sort with solid fill">
-            <a:extLst>
-              <a:ext uri="{FF2B5EF4-FFF2-40B4-BE49-F238E27FC236}">
-                <a16:creationId xmlns:a16="http://schemas.microsoft.com/office/drawing/2014/main" id="{EACBB44F-22C0-4351-8A32-24A934B93432}"/>
-              </a:ext>
-            </a:extLst>
-          </p:cNvPr>
-          <p:cNvPicPr>
-            <a:picLocks noChangeAspect="1"/>
-          </p:cNvPicPr>
-          <p:nvPr/>
-        </p:nvPicPr>
-        <p:blipFill>
-          <a:blip r:embed="rId12">
-            <a:extLst>
-              <a:ext uri="{96DAC541-7B7A-43D3-8B79-37D633B846F1}">
-                <asvg:svgBlip xmlns:asvg="http://schemas.microsoft.com/office/drawing/2016/SVG/main" r:embed="rId13"/>
-              </a:ext>
-            </a:extLst>
-          </a:blip>
-          <a:stretch>
-            <a:fillRect/>
-          </a:stretch>
-        </p:blipFill>
-        <p:spPr>
-          <a:xfrm rot="17520000">
-            <a:off x="8510474" y="3961284"/>
-            <a:ext cx="1041399" cy="2034308"/>
-          </a:xfrm>
-          <a:prstGeom prst="rect">
-            <a:avLst/>
-          </a:prstGeom>
-        </p:spPr>
-      </p:pic>
-      <p:pic>
-        <p:nvPicPr>
-          <p:cNvPr id="17" name="Graphic 17" descr="Marker with solid fill">
-            <a:extLst>
-              <a:ext uri="{FF2B5EF4-FFF2-40B4-BE49-F238E27FC236}">
-                <a16:creationId xmlns:a16="http://schemas.microsoft.com/office/drawing/2014/main" id="{871F9AFE-770D-48F0-8A5D-F6ED87BD80D0}"/>
-              </a:ext>
-            </a:extLst>
-          </p:cNvPr>
-          <p:cNvPicPr>
-            <a:picLocks noChangeAspect="1"/>
-          </p:cNvPicPr>
-          <p:nvPr/>
-        </p:nvPicPr>
-        <p:blipFill>
-          <a:blip r:embed="rId14">
-            <a:extLst>
-              <a:ext uri="{96DAC541-7B7A-43D3-8B79-37D633B846F1}">
-                <asvg:svgBlip xmlns:asvg="http://schemas.microsoft.com/office/drawing/2016/SVG/main" r:embed="rId15"/>
-              </a:ext>
-            </a:extLst>
-          </a:blip>
-          <a:stretch>
-            <a:fillRect/>
-          </a:stretch>
-        </p:blipFill>
-        <p:spPr>
-          <a:xfrm>
-            <a:off x="6620163" y="3329709"/>
-            <a:ext cx="914400" cy="914400"/>
-          </a:xfrm>
-          <a:prstGeom prst="rect">
-            <a:avLst/>
-          </a:prstGeom>
-        </p:spPr>
-      </p:pic>
-      <p:pic>
-        <p:nvPicPr>
-          <p:cNvPr id="18" name="Graphic 18" descr="Binary with solid fill">
-            <a:extLst>
-              <a:ext uri="{FF2B5EF4-FFF2-40B4-BE49-F238E27FC236}">
-                <a16:creationId xmlns:a16="http://schemas.microsoft.com/office/drawing/2014/main" id="{BCE0F281-06DE-42B1-991F-307BC3957E8B}"/>
-              </a:ext>
-            </a:extLst>
-          </p:cNvPr>
-          <p:cNvPicPr>
-            <a:picLocks noChangeAspect="1"/>
-          </p:cNvPicPr>
-          <p:nvPr/>
-        </p:nvPicPr>
-        <p:blipFill>
-          <a:blip r:embed="rId16">
-            <a:extLst>
-              <a:ext uri="{96DAC541-7B7A-43D3-8B79-37D633B846F1}">
-                <asvg:svgBlip xmlns:asvg="http://schemas.microsoft.com/office/drawing/2016/SVG/main" r:embed="rId17"/>
-              </a:ext>
-            </a:extLst>
-          </a:blip>
-          <a:stretch>
-            <a:fillRect/>
-          </a:stretch>
-        </p:blipFill>
-        <p:spPr>
-          <a:xfrm>
-            <a:off x="9753652" y="421811"/>
-            <a:ext cx="914400" cy="914400"/>
-          </a:xfrm>
-          <a:prstGeom prst="rect">
-            <a:avLst/>
-          </a:prstGeom>
-        </p:spPr>
-      </p:pic>
-      <p:pic>
-        <p:nvPicPr>
-          <p:cNvPr id="19" name="Graphic 19" descr="Cmd Terminal with solid fill">
-            <a:extLst>
-              <a:ext uri="{FF2B5EF4-FFF2-40B4-BE49-F238E27FC236}">
-                <a16:creationId xmlns:a16="http://schemas.microsoft.com/office/drawing/2014/main" id="{AAAD352D-06EB-4439-8E0F-B2DD3632D8DB}"/>
-              </a:ext>
-            </a:extLst>
-          </p:cNvPr>
-          <p:cNvPicPr>
-            <a:picLocks noChangeAspect="1"/>
-          </p:cNvPicPr>
-          <p:nvPr/>
-        </p:nvPicPr>
-        <p:blipFill>
-          <a:blip r:embed="rId18">
-            <a:extLst>
-              <a:ext uri="{96DAC541-7B7A-43D3-8B79-37D633B846F1}">
-                <asvg:svgBlip xmlns:asvg="http://schemas.microsoft.com/office/drawing/2016/SVG/main" r:embed="rId19"/>
-              </a:ext>
-            </a:extLst>
-          </a:blip>
-          <a:stretch>
-            <a:fillRect/>
-          </a:stretch>
-        </p:blipFill>
-        <p:spPr>
-          <a:xfrm>
-            <a:off x="8871835" y="405255"/>
-            <a:ext cx="914400" cy="914400"/>
-          </a:xfrm>
-          <a:prstGeom prst="rect">
-            <a:avLst/>
-          </a:prstGeom>
-        </p:spPr>
-      </p:pic>
-      <p:pic>
-        <p:nvPicPr>
-          <p:cNvPr id="20" name="Graphic 20" descr="Earth globe: Africa and Europe with solid fill">
-            <a:extLst>
-              <a:ext uri="{FF2B5EF4-FFF2-40B4-BE49-F238E27FC236}">
-                <a16:creationId xmlns:a16="http://schemas.microsoft.com/office/drawing/2014/main" id="{6D076678-4CF8-4021-BE0B-1139ACCBAF43}"/>
-              </a:ext>
-            </a:extLst>
-          </p:cNvPr>
-          <p:cNvPicPr>
-            <a:picLocks noChangeAspect="1"/>
-          </p:cNvPicPr>
-          <p:nvPr/>
-        </p:nvPicPr>
-        <p:blipFill>
-          <a:blip r:embed="rId20">
-            <a:extLst>
-              <a:ext uri="{96DAC541-7B7A-43D3-8B79-37D633B846F1}">
-                <asvg:svgBlip xmlns:asvg="http://schemas.microsoft.com/office/drawing/2016/SVG/main" r:embed="rId21"/>
-              </a:ext>
-            </a:extLst>
-          </a:blip>
-          <a:stretch>
-            <a:fillRect/>
-          </a:stretch>
-        </p:blipFill>
-        <p:spPr>
-          <a:xfrm>
-            <a:off x="5751368" y="2749549"/>
-            <a:ext cx="914400" cy="914400"/>
-          </a:xfrm>
-          <a:prstGeom prst="rect">
-            <a:avLst/>
-          </a:prstGeom>
-        </p:spPr>
-      </p:pic>
-      <p:pic>
-        <p:nvPicPr>
-          <p:cNvPr id="21" name="Graphic 13" descr="Sort with solid fill">
-            <a:extLst>
-              <a:ext uri="{FF2B5EF4-FFF2-40B4-BE49-F238E27FC236}">
-                <a16:creationId xmlns:a16="http://schemas.microsoft.com/office/drawing/2014/main" id="{775C6918-0FC9-403B-B0BC-6F14BDFBBB02}"/>
-              </a:ext>
-            </a:extLst>
-          </p:cNvPr>
-          <p:cNvPicPr>
-            <a:picLocks noChangeAspect="1"/>
-          </p:cNvPicPr>
-          <p:nvPr/>
-        </p:nvPicPr>
-        <p:blipFill>
-          <a:blip r:embed="rId12">
-            <a:extLst>
-              <a:ext uri="{96DAC541-7B7A-43D3-8B79-37D633B846F1}">
-                <asvg:svgBlip xmlns:asvg="http://schemas.microsoft.com/office/drawing/2016/SVG/main" r:embed="rId13"/>
-              </a:ext>
-            </a:extLst>
-          </a:blip>
-          <a:stretch>
-            <a:fillRect/>
-          </a:stretch>
-        </p:blipFill>
-        <p:spPr>
-          <a:xfrm rot="14760000">
-            <a:off x="8051898" y="891489"/>
-            <a:ext cx="1041399" cy="2034308"/>
-          </a:xfrm>
-          <a:prstGeom prst="rect">
-            <a:avLst/>
-          </a:prstGeom>
-        </p:spPr>
-      </p:pic>
-      <p:sp>
-        <p:nvSpPr>
-          <p:cNvPr id="3" name="TextBox 2">
-            <a:extLst>
-              <a:ext uri="{FF2B5EF4-FFF2-40B4-BE49-F238E27FC236}">
-                <a16:creationId xmlns:a16="http://schemas.microsoft.com/office/drawing/2014/main" id="{D2B559CB-EDA3-4091-B77D-A20473C996F6}"/>
-              </a:ext>
-            </a:extLst>
-          </p:cNvPr>
-          <p:cNvSpPr txBox="1"/>
-          <p:nvPr/>
-        </p:nvSpPr>
-        <p:spPr>
-          <a:xfrm>
-            <a:off x="5486400" y="5280915"/>
-            <a:ext cx="2743199" cy="461665"/>
-          </a:xfrm>
-          <a:prstGeom prst="rect">
-            <a:avLst/>
-          </a:prstGeom>
-          <a:noFill/>
-        </p:spPr>
-        <p:txBody>
-          <a:bodyPr rot="0" spcFirstLastPara="0" vertOverflow="overflow" horzOverflow="overflow" vert="horz" wrap="square" lIns="91440" tIns="45720" rIns="91440" bIns="45720" numCol="1" spcCol="0" rtlCol="0" fromWordArt="0" anchor="t" anchorCtr="0" forceAA="0" compatLnSpc="1">
-            <a:prstTxWarp prst="textNoShape">
-              <a:avLst/>
-            </a:prstTxWarp>
-            <a:spAutoFit/>
-          </a:bodyPr>
-          <a:lstStyle/>
-          <a:p>
-            <a:r>
-              <a:rPr lang="en-GB" sz="2400" dirty="0"/>
-              <a:t>Google maps API</a:t>
-            </a:r>
-            <a:endParaRPr lang="en-US" sz="2400" dirty="0">
-              <a:cs typeface="Calibri"/>
-            </a:endParaRPr>
-          </a:p>
-        </p:txBody>
-      </p:sp>
     </p:spTree>
     <p:extLst>
       <p:ext uri="{BB962C8B-B14F-4D97-AF65-F5344CB8AC3E}">
-        <p14:creationId xmlns:p14="http://schemas.microsoft.com/office/powerpoint/2010/main" val="3869276182"/>
+        <p14:creationId xmlns:p14="http://schemas.microsoft.com/office/powerpoint/2010/main" val="1203756257"/>
       </p:ext>
     </p:extLst>
   </p:cSld>
@@ -8118,149 +11356,82 @@
       </p:grpSpPr>
       <p:sp>
         <p:nvSpPr>
-          <p:cNvPr id="2" name="Title 1">
-            <a:extLst>
-              <a:ext uri="{FF2B5EF4-FFF2-40B4-BE49-F238E27FC236}">
-                <a16:creationId xmlns:a16="http://schemas.microsoft.com/office/drawing/2014/main" id="{9BC0D1AD-A40B-4473-B3F5-3E5000813A1F}"/>
-              </a:ext>
-            </a:extLst>
-          </p:cNvPr>
-          <p:cNvSpPr>
-            <a:spLocks noGrp="1"/>
-          </p:cNvSpPr>
-          <p:nvPr>
-            <p:ph type="title"/>
-          </p:nvPr>
-        </p:nvSpPr>
-        <p:spPr/>
-        <p:txBody>
-          <a:bodyPr/>
-          <a:lstStyle/>
-          <a:p>
-            <a:r>
-              <a:rPr lang="en-GB" dirty="0">
-                <a:cs typeface="Calibri"/>
-              </a:rPr>
-              <a:t>Example APIs</a:t>
-            </a:r>
-            <a:endParaRPr lang="en-GB" dirty="0"/>
-          </a:p>
-        </p:txBody>
-      </p:sp>
-      <p:sp>
-        <p:nvSpPr>
-          <p:cNvPr id="3" name="Content Placeholder 2">
-            <a:extLst>
-              <a:ext uri="{FF2B5EF4-FFF2-40B4-BE49-F238E27FC236}">
-                <a16:creationId xmlns:a16="http://schemas.microsoft.com/office/drawing/2014/main" id="{BF880B2B-75D8-44DA-B0C1-5E90C95D264B}"/>
-              </a:ext>
-            </a:extLst>
-          </p:cNvPr>
-          <p:cNvSpPr>
-            <a:spLocks noGrp="1"/>
-          </p:cNvSpPr>
-          <p:nvPr>
-            <p:ph idx="1"/>
-          </p:nvPr>
+          <p:cNvPr id="12" name="Circle: Hollow 11">
+            <a:extLst>
+              <a:ext uri="{FF2B5EF4-FFF2-40B4-BE49-F238E27FC236}">
+                <a16:creationId xmlns:a16="http://schemas.microsoft.com/office/drawing/2014/main" id="{333EBC0A-72A2-47BA-A0B4-D2C460728667}"/>
+              </a:ext>
+            </a:extLst>
+          </p:cNvPr>
+          <p:cNvSpPr/>
+          <p:nvPr/>
         </p:nvSpPr>
         <p:spPr>
           <a:xfrm>
-            <a:off x="631373" y="1825625"/>
-            <a:ext cx="3255841" cy="4351338"/>
+            <a:off x="3772766" y="1071130"/>
+            <a:ext cx="5380180" cy="5345544"/>
           </a:xfrm>
+          <a:prstGeom prst="donut">
+            <a:avLst/>
+          </a:prstGeom>
         </p:spPr>
-        <p:txBody>
-          <a:bodyPr vert="horz" lIns="91440" tIns="45720" rIns="91440" bIns="45720" rtlCol="0" anchor="t">
-            <a:normAutofit/>
-          </a:bodyPr>
-          <a:lstStyle/>
-          <a:p>
-            <a:pPr marL="0" indent="0">
-              <a:buNone/>
-            </a:pPr>
-            <a:r>
-              <a:rPr lang="en-GB" u="sng" dirty="0">
-                <a:solidFill>
-                  <a:srgbClr val="000000"/>
-                </a:solidFill>
-                <a:cs typeface="Calibri" panose="020F0502020204030204"/>
-              </a:rPr>
-              <a:t>Get data</a:t>
-            </a:r>
-          </a:p>
-          <a:p>
-            <a:pPr>
-              <a:buFont typeface="Arial" panose="05000000000000000000" pitchFamily="2" charset="2"/>
-              <a:buChar char="•"/>
-            </a:pPr>
-            <a:r>
-              <a:rPr lang="en-GB" dirty="0">
-                <a:cs typeface="Calibri" panose="020F0502020204030204"/>
-              </a:rPr>
-              <a:t>Google maps</a:t>
-            </a:r>
-          </a:p>
-          <a:p>
-            <a:pPr>
-              <a:buFont typeface="Arial" panose="05000000000000000000" pitchFamily="2" charset="2"/>
-              <a:buChar char="•"/>
-            </a:pPr>
-            <a:r>
-              <a:rPr lang="en-GB" dirty="0" err="1">
-                <a:cs typeface="Calibri" panose="020F0502020204030204"/>
-              </a:rPr>
-              <a:t>Wikidata</a:t>
-            </a:r>
+        <p:style>
+          <a:lnRef idx="2">
+            <a:schemeClr val="accent1">
+              <a:shade val="50000"/>
+            </a:schemeClr>
+          </a:lnRef>
+          <a:fillRef idx="1">
+            <a:schemeClr val="accent1"/>
+          </a:fillRef>
+          <a:effectRef idx="0">
+            <a:schemeClr val="accent1"/>
+          </a:effectRef>
+          <a:fontRef idx="minor">
+            <a:schemeClr val="lt1"/>
+          </a:fontRef>
+        </p:style>
+        <p:txBody>
+          <a:bodyPr rtlCol="0" anchor="ctr"/>
+          <a:lstStyle/>
+          <a:p>
+            <a:pPr algn="ctr"/>
             <a:endParaRPr lang="en-GB">
-              <a:cs typeface="Calibri" panose="020F0502020204030204"/>
+              <a:solidFill>
+                <a:schemeClr val="tx1"/>
+              </a:solidFill>
             </a:endParaRPr>
           </a:p>
-          <a:p>
-            <a:pPr>
-              <a:buFont typeface="Arial" panose="05000000000000000000" pitchFamily="2" charset="2"/>
-              <a:buChar char="•"/>
-            </a:pPr>
-            <a:r>
-              <a:rPr lang="en-GB" dirty="0">
-                <a:cs typeface="Calibri" panose="020F0502020204030204"/>
-              </a:rPr>
-              <a:t>Fitbit</a:t>
-            </a:r>
-            <a:endParaRPr lang="en-GB" dirty="0"/>
-          </a:p>
-          <a:p>
-            <a:pPr>
-              <a:buFont typeface="Arial" panose="05000000000000000000" pitchFamily="2" charset="2"/>
-              <a:buChar char="•"/>
-            </a:pPr>
-            <a:r>
-              <a:rPr lang="en-GB" dirty="0">
-                <a:cs typeface="Calibri" panose="020F0502020204030204"/>
-              </a:rPr>
-              <a:t>British library</a:t>
-            </a:r>
-          </a:p>
-          <a:p>
-            <a:pPr>
-              <a:buFont typeface="Arial" panose="05000000000000000000" pitchFamily="2" charset="2"/>
-              <a:buChar char="•"/>
-            </a:pPr>
-            <a:r>
-              <a:rPr lang="en-GB" dirty="0">
-                <a:ea typeface="+mn-lt"/>
-                <a:cs typeface="+mn-lt"/>
-              </a:rPr>
-              <a:t>Data.parliament.uk</a:t>
-            </a:r>
-          </a:p>
-          <a:p>
-            <a:pPr marL="0" indent="0">
-              <a:buNone/>
-            </a:pPr>
-            <a:endParaRPr lang="en-GB" dirty="0">
-              <a:ea typeface="+mn-lt"/>
-              <a:cs typeface="+mn-lt"/>
-            </a:endParaRPr>
+        </p:txBody>
+      </p:sp>
+      <p:sp>
+        <p:nvSpPr>
+          <p:cNvPr id="2" name="Title 1">
+            <a:extLst>
+              <a:ext uri="{FF2B5EF4-FFF2-40B4-BE49-F238E27FC236}">
+                <a16:creationId xmlns:a16="http://schemas.microsoft.com/office/drawing/2014/main" id="{93FD0D66-7302-485F-92D6-42139A1A011C}"/>
+              </a:ext>
+            </a:extLst>
+          </p:cNvPr>
+          <p:cNvSpPr>
+            <a:spLocks noGrp="1"/>
+          </p:cNvSpPr>
+          <p:nvPr>
+            <p:ph type="title"/>
+          </p:nvPr>
+        </p:nvSpPr>
+        <p:spPr/>
+        <p:txBody>
+          <a:bodyPr/>
+          <a:lstStyle/>
+          <a:p>
+            <a:r>
+              <a:rPr lang="en-GB">
+                <a:cs typeface="Calibri"/>
+              </a:rPr>
+              <a:t>Google maps API</a:t>
+            </a:r>
+            <a:endParaRPr lang="en-GB"/>
           </a:p>
         </p:txBody>
       </p:sp>
@@ -8269,7 +11440,7 @@
           <p:cNvPr id="4" name="Footer Placeholder 3">
             <a:extLst>
               <a:ext uri="{FF2B5EF4-FFF2-40B4-BE49-F238E27FC236}">
-                <a16:creationId xmlns:a16="http://schemas.microsoft.com/office/drawing/2014/main" id="{F5A22411-755A-492B-8711-2F177B145C3A}"/>
+                <a16:creationId xmlns:a16="http://schemas.microsoft.com/office/drawing/2014/main" id="{3E3A0FDD-EAA3-4622-B39F-84AECFB06358}"/>
               </a:ext>
             </a:extLst>
           </p:cNvPr>
@@ -8286,7 +11457,7 @@
           <a:lstStyle/>
           <a:p>
             <a:r>
-              <a:rPr lang="en-GB" dirty="0"/>
+              <a:rPr lang="en-GB"/>
               <a:t>MSC HEALTH DATA SCIENCE</a:t>
             </a:r>
           </a:p>
@@ -8297,7 +11468,7 @@
           <p:cNvPr id="5" name="Slide Number Placeholder 4">
             <a:extLst>
               <a:ext uri="{FF2B5EF4-FFF2-40B4-BE49-F238E27FC236}">
-                <a16:creationId xmlns:a16="http://schemas.microsoft.com/office/drawing/2014/main" id="{F63AB675-1500-457D-8B35-933F318185D5}"/>
+                <a16:creationId xmlns:a16="http://schemas.microsoft.com/office/drawing/2014/main" id="{ED801D9F-E716-4E68-8068-DEF0E5A4C928}"/>
               </a:ext>
             </a:extLst>
           </p:cNvPr>
@@ -8321,12 +11492,515 @@
           </a:p>
         </p:txBody>
       </p:sp>
-      <p:sp>
-        <p:nvSpPr>
-          <p:cNvPr id="6" name="TextBox 5">
-            <a:extLst>
-              <a:ext uri="{FF2B5EF4-FFF2-40B4-BE49-F238E27FC236}">
-                <a16:creationId xmlns:a16="http://schemas.microsoft.com/office/drawing/2014/main" id="{E174DBDF-3637-4010-BEE3-AF61DD25BE10}"/>
+      <p:pic>
+        <p:nvPicPr>
+          <p:cNvPr id="8" name="Graphic 8" descr="Camera with solid fill">
+            <a:extLst>
+              <a:ext uri="{FF2B5EF4-FFF2-40B4-BE49-F238E27FC236}">
+                <a16:creationId xmlns:a16="http://schemas.microsoft.com/office/drawing/2014/main" id="{262713FE-EA05-43D3-8DDE-640BF15B8664}"/>
+              </a:ext>
+            </a:extLst>
+          </p:cNvPr>
+          <p:cNvPicPr>
+            <a:picLocks noChangeAspect="1"/>
+          </p:cNvPicPr>
+          <p:nvPr/>
+        </p:nvPicPr>
+        <p:blipFill>
+          <a:blip r:embed="rId2">
+            <a:extLst>
+              <a:ext uri="{96DAC541-7B7A-43D3-8B79-37D633B846F1}">
+                <asvg:svgBlip xmlns:asvg="http://schemas.microsoft.com/office/drawing/2016/SVG/main" r:embed="rId3"/>
+              </a:ext>
+            </a:extLst>
+          </a:blip>
+          <a:stretch>
+            <a:fillRect/>
+          </a:stretch>
+        </p:blipFill>
+        <p:spPr>
+          <a:xfrm>
+            <a:off x="10049164" y="4980709"/>
+            <a:ext cx="914400" cy="914400"/>
+          </a:xfrm>
+          <a:prstGeom prst="rect">
+            <a:avLst/>
+          </a:prstGeom>
+        </p:spPr>
+      </p:pic>
+      <p:pic>
+        <p:nvPicPr>
+          <p:cNvPr id="9" name="Graphic 9" descr="Check In with solid fill">
+            <a:extLst>
+              <a:ext uri="{FF2B5EF4-FFF2-40B4-BE49-F238E27FC236}">
+                <a16:creationId xmlns:a16="http://schemas.microsoft.com/office/drawing/2014/main" id="{204D2F3E-8156-497B-850B-0ED256406C8D}"/>
+              </a:ext>
+            </a:extLst>
+          </p:cNvPr>
+          <p:cNvPicPr>
+            <a:picLocks noChangeAspect="1"/>
+          </p:cNvPicPr>
+          <p:nvPr/>
+        </p:nvPicPr>
+        <p:blipFill>
+          <a:blip r:embed="rId4">
+            <a:extLst>
+              <a:ext uri="{96DAC541-7B7A-43D3-8B79-37D633B846F1}">
+                <asvg:svgBlip xmlns:asvg="http://schemas.microsoft.com/office/drawing/2016/SVG/main" r:embed="rId5"/>
+              </a:ext>
+            </a:extLst>
+          </a:blip>
+          <a:stretch>
+            <a:fillRect/>
+          </a:stretch>
+        </p:blipFill>
+        <p:spPr>
+          <a:xfrm>
+            <a:off x="1659948" y="1937038"/>
+            <a:ext cx="914400" cy="914400"/>
+          </a:xfrm>
+          <a:prstGeom prst="rect">
+            <a:avLst/>
+          </a:prstGeom>
+        </p:spPr>
+      </p:pic>
+      <p:pic>
+        <p:nvPicPr>
+          <p:cNvPr id="10" name="Graphic 10" descr="Computer with solid fill">
+            <a:extLst>
+              <a:ext uri="{FF2B5EF4-FFF2-40B4-BE49-F238E27FC236}">
+                <a16:creationId xmlns:a16="http://schemas.microsoft.com/office/drawing/2014/main" id="{66AF6097-4E6C-4615-846A-37FA00D9B7D2}"/>
+              </a:ext>
+            </a:extLst>
+          </p:cNvPr>
+          <p:cNvPicPr>
+            <a:picLocks noChangeAspect="1"/>
+          </p:cNvPicPr>
+          <p:nvPr/>
+        </p:nvPicPr>
+        <p:blipFill>
+          <a:blip r:embed="rId6">
+            <a:extLst>
+              <a:ext uri="{96DAC541-7B7A-43D3-8B79-37D633B846F1}">
+                <asvg:svgBlip xmlns:asvg="http://schemas.microsoft.com/office/drawing/2016/SVG/main" r:embed="rId7"/>
+              </a:ext>
+            </a:extLst>
+          </a:blip>
+          <a:stretch>
+            <a:fillRect/>
+          </a:stretch>
+        </p:blipFill>
+        <p:spPr>
+          <a:xfrm>
+            <a:off x="1398732" y="5116368"/>
+            <a:ext cx="914400" cy="914400"/>
+          </a:xfrm>
+          <a:prstGeom prst="rect">
+            <a:avLst/>
+          </a:prstGeom>
+        </p:spPr>
+      </p:pic>
+      <p:pic>
+        <p:nvPicPr>
+          <p:cNvPr id="11" name="Graphic 11" descr="Monster Truck with solid fill">
+            <a:extLst>
+              <a:ext uri="{FF2B5EF4-FFF2-40B4-BE49-F238E27FC236}">
+                <a16:creationId xmlns:a16="http://schemas.microsoft.com/office/drawing/2014/main" id="{9C3972F0-6258-424D-B897-555C0057E99D}"/>
+              </a:ext>
+            </a:extLst>
+          </p:cNvPr>
+          <p:cNvPicPr>
+            <a:picLocks noChangeAspect="1"/>
+          </p:cNvPicPr>
+          <p:nvPr/>
+        </p:nvPicPr>
+        <p:blipFill>
+          <a:blip r:embed="rId8">
+            <a:extLst>
+              <a:ext uri="{96DAC541-7B7A-43D3-8B79-37D633B846F1}">
+                <asvg:svgBlip xmlns:asvg="http://schemas.microsoft.com/office/drawing/2016/SVG/main" r:embed="rId9"/>
+              </a:ext>
+            </a:extLst>
+          </a:blip>
+          <a:stretch>
+            <a:fillRect/>
+          </a:stretch>
+        </p:blipFill>
+        <p:spPr>
+          <a:xfrm>
+            <a:off x="10459221" y="2813407"/>
+            <a:ext cx="914400" cy="914400"/>
+          </a:xfrm>
+          <a:prstGeom prst="rect">
+            <a:avLst/>
+          </a:prstGeom>
+        </p:spPr>
+      </p:pic>
+      <p:pic>
+        <p:nvPicPr>
+          <p:cNvPr id="7" name="Graphic 7" descr="Database outline">
+            <a:extLst>
+              <a:ext uri="{FF2B5EF4-FFF2-40B4-BE49-F238E27FC236}">
+                <a16:creationId xmlns:a16="http://schemas.microsoft.com/office/drawing/2014/main" id="{02875E4D-9D65-48A3-9AA7-D4A454922459}"/>
+              </a:ext>
+            </a:extLst>
+          </p:cNvPr>
+          <p:cNvPicPr>
+            <a:picLocks noGrp="1" noChangeAspect="1"/>
+          </p:cNvPicPr>
+          <p:nvPr>
+            <p:ph idx="1"/>
+          </p:nvPr>
+        </p:nvPicPr>
+        <p:blipFill>
+          <a:blip r:embed="rId10">
+            <a:extLst>
+              <a:ext uri="{96DAC541-7B7A-43D3-8B79-37D633B846F1}">
+                <asvg:svgBlip xmlns:asvg="http://schemas.microsoft.com/office/drawing/2016/SVG/main" r:embed="rId11"/>
+              </a:ext>
+            </a:extLst>
+          </a:blip>
+          <a:stretch>
+            <a:fillRect/>
+          </a:stretch>
+        </p:blipFill>
+        <p:spPr>
+          <a:xfrm>
+            <a:off x="5675582" y="3614016"/>
+            <a:ext cx="914400" cy="914400"/>
+          </a:xfrm>
+        </p:spPr>
+      </p:pic>
+      <p:pic>
+        <p:nvPicPr>
+          <p:cNvPr id="13" name="Graphic 13" descr="Sort with solid fill">
+            <a:extLst>
+              <a:ext uri="{FF2B5EF4-FFF2-40B4-BE49-F238E27FC236}">
+                <a16:creationId xmlns:a16="http://schemas.microsoft.com/office/drawing/2014/main" id="{22E7360A-F32F-4B64-9FA1-C83127538196}"/>
+              </a:ext>
+            </a:extLst>
+          </p:cNvPr>
+          <p:cNvPicPr>
+            <a:picLocks noChangeAspect="1"/>
+          </p:cNvPicPr>
+          <p:nvPr/>
+        </p:nvPicPr>
+        <p:blipFill>
+          <a:blip r:embed="rId12">
+            <a:extLst>
+              <a:ext uri="{96DAC541-7B7A-43D3-8B79-37D633B846F1}">
+                <asvg:svgBlip xmlns:asvg="http://schemas.microsoft.com/office/drawing/2016/SVG/main" r:embed="rId13"/>
+              </a:ext>
+            </a:extLst>
+          </a:blip>
+          <a:stretch>
+            <a:fillRect/>
+          </a:stretch>
+        </p:blipFill>
+        <p:spPr>
+          <a:xfrm rot="17520000">
+            <a:off x="3193728" y="1545949"/>
+            <a:ext cx="1041399" cy="2034308"/>
+          </a:xfrm>
+          <a:prstGeom prst="rect">
+            <a:avLst/>
+          </a:prstGeom>
+        </p:spPr>
+      </p:pic>
+      <p:pic>
+        <p:nvPicPr>
+          <p:cNvPr id="14" name="Graphic 13" descr="Sort with solid fill">
+            <a:extLst>
+              <a:ext uri="{FF2B5EF4-FFF2-40B4-BE49-F238E27FC236}">
+                <a16:creationId xmlns:a16="http://schemas.microsoft.com/office/drawing/2014/main" id="{0616A2E6-B432-4342-8711-3E91D1FE7590}"/>
+              </a:ext>
+            </a:extLst>
+          </p:cNvPr>
+          <p:cNvPicPr>
+            <a:picLocks noChangeAspect="1"/>
+          </p:cNvPicPr>
+          <p:nvPr/>
+        </p:nvPicPr>
+        <p:blipFill>
+          <a:blip r:embed="rId12">
+            <a:extLst>
+              <a:ext uri="{96DAC541-7B7A-43D3-8B79-37D633B846F1}">
+                <asvg:svgBlip xmlns:asvg="http://schemas.microsoft.com/office/drawing/2016/SVG/main" r:embed="rId13"/>
+              </a:ext>
+            </a:extLst>
+          </a:blip>
+          <a:stretch>
+            <a:fillRect/>
+          </a:stretch>
+        </p:blipFill>
+        <p:spPr>
+          <a:xfrm rot="14940000">
+            <a:off x="2929738" y="3763066"/>
+            <a:ext cx="1041399" cy="2034308"/>
+          </a:xfrm>
+          <a:prstGeom prst="rect">
+            <a:avLst/>
+          </a:prstGeom>
+        </p:spPr>
+      </p:pic>
+      <p:pic>
+        <p:nvPicPr>
+          <p:cNvPr id="15" name="Graphic 13" descr="Sort with solid fill">
+            <a:extLst>
+              <a:ext uri="{FF2B5EF4-FFF2-40B4-BE49-F238E27FC236}">
+                <a16:creationId xmlns:a16="http://schemas.microsoft.com/office/drawing/2014/main" id="{69838A44-2535-46BC-BE70-A78052BD166D}"/>
+              </a:ext>
+            </a:extLst>
+          </p:cNvPr>
+          <p:cNvPicPr>
+            <a:picLocks noChangeAspect="1"/>
+          </p:cNvPicPr>
+          <p:nvPr/>
+        </p:nvPicPr>
+        <p:blipFill>
+          <a:blip r:embed="rId12">
+            <a:extLst>
+              <a:ext uri="{96DAC541-7B7A-43D3-8B79-37D633B846F1}">
+                <asvg:svgBlip xmlns:asvg="http://schemas.microsoft.com/office/drawing/2016/SVG/main" r:embed="rId13"/>
+              </a:ext>
+            </a:extLst>
+          </a:blip>
+          <a:stretch>
+            <a:fillRect/>
+          </a:stretch>
+        </p:blipFill>
+        <p:spPr>
+          <a:xfrm rot="16200000">
+            <a:off x="8745404" y="2355557"/>
+            <a:ext cx="1041399" cy="2034308"/>
+          </a:xfrm>
+          <a:prstGeom prst="rect">
+            <a:avLst/>
+          </a:prstGeom>
+        </p:spPr>
+      </p:pic>
+      <p:pic>
+        <p:nvPicPr>
+          <p:cNvPr id="16" name="Graphic 13" descr="Sort with solid fill">
+            <a:extLst>
+              <a:ext uri="{FF2B5EF4-FFF2-40B4-BE49-F238E27FC236}">
+                <a16:creationId xmlns:a16="http://schemas.microsoft.com/office/drawing/2014/main" id="{EACBB44F-22C0-4351-8A32-24A934B93432}"/>
+              </a:ext>
+            </a:extLst>
+          </p:cNvPr>
+          <p:cNvPicPr>
+            <a:picLocks noChangeAspect="1"/>
+          </p:cNvPicPr>
+          <p:nvPr/>
+        </p:nvPicPr>
+        <p:blipFill>
+          <a:blip r:embed="rId12">
+            <a:extLst>
+              <a:ext uri="{96DAC541-7B7A-43D3-8B79-37D633B846F1}">
+                <asvg:svgBlip xmlns:asvg="http://schemas.microsoft.com/office/drawing/2016/SVG/main" r:embed="rId13"/>
+              </a:ext>
+            </a:extLst>
+          </a:blip>
+          <a:stretch>
+            <a:fillRect/>
+          </a:stretch>
+        </p:blipFill>
+        <p:spPr>
+          <a:xfrm rot="17520000">
+            <a:off x="8510474" y="3961284"/>
+            <a:ext cx="1041399" cy="2034308"/>
+          </a:xfrm>
+          <a:prstGeom prst="rect">
+            <a:avLst/>
+          </a:prstGeom>
+        </p:spPr>
+      </p:pic>
+      <p:pic>
+        <p:nvPicPr>
+          <p:cNvPr id="17" name="Graphic 17" descr="Marker with solid fill">
+            <a:extLst>
+              <a:ext uri="{FF2B5EF4-FFF2-40B4-BE49-F238E27FC236}">
+                <a16:creationId xmlns:a16="http://schemas.microsoft.com/office/drawing/2014/main" id="{871F9AFE-770D-48F0-8A5D-F6ED87BD80D0}"/>
+              </a:ext>
+            </a:extLst>
+          </p:cNvPr>
+          <p:cNvPicPr>
+            <a:picLocks noChangeAspect="1"/>
+          </p:cNvPicPr>
+          <p:nvPr/>
+        </p:nvPicPr>
+        <p:blipFill>
+          <a:blip r:embed="rId14">
+            <a:extLst>
+              <a:ext uri="{96DAC541-7B7A-43D3-8B79-37D633B846F1}">
+                <asvg:svgBlip xmlns:asvg="http://schemas.microsoft.com/office/drawing/2016/SVG/main" r:embed="rId15"/>
+              </a:ext>
+            </a:extLst>
+          </a:blip>
+          <a:stretch>
+            <a:fillRect/>
+          </a:stretch>
+        </p:blipFill>
+        <p:spPr>
+          <a:xfrm>
+            <a:off x="6620163" y="3329709"/>
+            <a:ext cx="914400" cy="914400"/>
+          </a:xfrm>
+          <a:prstGeom prst="rect">
+            <a:avLst/>
+          </a:prstGeom>
+        </p:spPr>
+      </p:pic>
+      <p:pic>
+        <p:nvPicPr>
+          <p:cNvPr id="18" name="Graphic 18" descr="Binary with solid fill">
+            <a:extLst>
+              <a:ext uri="{FF2B5EF4-FFF2-40B4-BE49-F238E27FC236}">
+                <a16:creationId xmlns:a16="http://schemas.microsoft.com/office/drawing/2014/main" id="{BCE0F281-06DE-42B1-991F-307BC3957E8B}"/>
+              </a:ext>
+            </a:extLst>
+          </p:cNvPr>
+          <p:cNvPicPr>
+            <a:picLocks noChangeAspect="1"/>
+          </p:cNvPicPr>
+          <p:nvPr/>
+        </p:nvPicPr>
+        <p:blipFill>
+          <a:blip r:embed="rId16">
+            <a:extLst>
+              <a:ext uri="{96DAC541-7B7A-43D3-8B79-37D633B846F1}">
+                <asvg:svgBlip xmlns:asvg="http://schemas.microsoft.com/office/drawing/2016/SVG/main" r:embed="rId17"/>
+              </a:ext>
+            </a:extLst>
+          </a:blip>
+          <a:stretch>
+            <a:fillRect/>
+          </a:stretch>
+        </p:blipFill>
+        <p:spPr>
+          <a:xfrm>
+            <a:off x="9753652" y="421811"/>
+            <a:ext cx="914400" cy="914400"/>
+          </a:xfrm>
+          <a:prstGeom prst="rect">
+            <a:avLst/>
+          </a:prstGeom>
+        </p:spPr>
+      </p:pic>
+      <p:pic>
+        <p:nvPicPr>
+          <p:cNvPr id="19" name="Graphic 19" descr="Cmd Terminal with solid fill">
+            <a:extLst>
+              <a:ext uri="{FF2B5EF4-FFF2-40B4-BE49-F238E27FC236}">
+                <a16:creationId xmlns:a16="http://schemas.microsoft.com/office/drawing/2014/main" id="{AAAD352D-06EB-4439-8E0F-B2DD3632D8DB}"/>
+              </a:ext>
+            </a:extLst>
+          </p:cNvPr>
+          <p:cNvPicPr>
+            <a:picLocks noChangeAspect="1"/>
+          </p:cNvPicPr>
+          <p:nvPr/>
+        </p:nvPicPr>
+        <p:blipFill>
+          <a:blip r:embed="rId18">
+            <a:extLst>
+              <a:ext uri="{96DAC541-7B7A-43D3-8B79-37D633B846F1}">
+                <asvg:svgBlip xmlns:asvg="http://schemas.microsoft.com/office/drawing/2016/SVG/main" r:embed="rId19"/>
+              </a:ext>
+            </a:extLst>
+          </a:blip>
+          <a:stretch>
+            <a:fillRect/>
+          </a:stretch>
+        </p:blipFill>
+        <p:spPr>
+          <a:xfrm>
+            <a:off x="8871835" y="405255"/>
+            <a:ext cx="914400" cy="914400"/>
+          </a:xfrm>
+          <a:prstGeom prst="rect">
+            <a:avLst/>
+          </a:prstGeom>
+        </p:spPr>
+      </p:pic>
+      <p:pic>
+        <p:nvPicPr>
+          <p:cNvPr id="20" name="Graphic 20" descr="Earth globe: Africa and Europe with solid fill">
+            <a:extLst>
+              <a:ext uri="{FF2B5EF4-FFF2-40B4-BE49-F238E27FC236}">
+                <a16:creationId xmlns:a16="http://schemas.microsoft.com/office/drawing/2014/main" id="{6D076678-4CF8-4021-BE0B-1139ACCBAF43}"/>
+              </a:ext>
+            </a:extLst>
+          </p:cNvPr>
+          <p:cNvPicPr>
+            <a:picLocks noChangeAspect="1"/>
+          </p:cNvPicPr>
+          <p:nvPr/>
+        </p:nvPicPr>
+        <p:blipFill>
+          <a:blip r:embed="rId20">
+            <a:extLst>
+              <a:ext uri="{96DAC541-7B7A-43D3-8B79-37D633B846F1}">
+                <asvg:svgBlip xmlns:asvg="http://schemas.microsoft.com/office/drawing/2016/SVG/main" r:embed="rId21"/>
+              </a:ext>
+            </a:extLst>
+          </a:blip>
+          <a:stretch>
+            <a:fillRect/>
+          </a:stretch>
+        </p:blipFill>
+        <p:spPr>
+          <a:xfrm>
+            <a:off x="5751368" y="2749549"/>
+            <a:ext cx="914400" cy="914400"/>
+          </a:xfrm>
+          <a:prstGeom prst="rect">
+            <a:avLst/>
+          </a:prstGeom>
+        </p:spPr>
+      </p:pic>
+      <p:pic>
+        <p:nvPicPr>
+          <p:cNvPr id="21" name="Graphic 13" descr="Sort with solid fill">
+            <a:extLst>
+              <a:ext uri="{FF2B5EF4-FFF2-40B4-BE49-F238E27FC236}">
+                <a16:creationId xmlns:a16="http://schemas.microsoft.com/office/drawing/2014/main" id="{775C6918-0FC9-403B-B0BC-6F14BDFBBB02}"/>
+              </a:ext>
+            </a:extLst>
+          </p:cNvPr>
+          <p:cNvPicPr>
+            <a:picLocks noChangeAspect="1"/>
+          </p:cNvPicPr>
+          <p:nvPr/>
+        </p:nvPicPr>
+        <p:blipFill>
+          <a:blip r:embed="rId12">
+            <a:extLst>
+              <a:ext uri="{96DAC541-7B7A-43D3-8B79-37D633B846F1}">
+                <asvg:svgBlip xmlns:asvg="http://schemas.microsoft.com/office/drawing/2016/SVG/main" r:embed="rId13"/>
+              </a:ext>
+            </a:extLst>
+          </a:blip>
+          <a:stretch>
+            <a:fillRect/>
+          </a:stretch>
+        </p:blipFill>
+        <p:spPr>
+          <a:xfrm rot="14760000">
+            <a:off x="8051898" y="891489"/>
+            <a:ext cx="1041399" cy="2034308"/>
+          </a:xfrm>
+          <a:prstGeom prst="rect">
+            <a:avLst/>
+          </a:prstGeom>
+        </p:spPr>
+      </p:pic>
+      <p:sp>
+        <p:nvSpPr>
+          <p:cNvPr id="3" name="TextBox 2">
+            <a:extLst>
+              <a:ext uri="{FF2B5EF4-FFF2-40B4-BE49-F238E27FC236}">
+                <a16:creationId xmlns:a16="http://schemas.microsoft.com/office/drawing/2014/main" id="{D2B559CB-EDA3-4091-B77D-A20473C996F6}"/>
               </a:ext>
             </a:extLst>
           </p:cNvPr>
@@ -8335,8 +12009,8 @@
         </p:nvSpPr>
         <p:spPr>
           <a:xfrm>
-            <a:off x="4387702" y="1791586"/>
-            <a:ext cx="2743200" cy="2092881"/>
+            <a:off x="5486400" y="5280915"/>
+            <a:ext cx="2743199" cy="461665"/>
           </a:xfrm>
           <a:prstGeom prst="rect">
             <a:avLst/>
@@ -8353,282 +12027,19 @@
           <a:lstStyle/>
           <a:p>
             <a:r>
-              <a:rPr lang="en-GB" sz="2800" u="sng" dirty="0">
-                <a:cs typeface="Calibri" panose="020F0502020204030204"/>
-              </a:rPr>
-              <a:t>Add data</a:t>
-            </a:r>
-          </a:p>
-          <a:p>
-            <a:pPr marL="285750" indent="-285750" algn="l">
-              <a:buFont typeface="Arial"/>
-              <a:buChar char="•"/>
-            </a:pPr>
-            <a:r>
-              <a:rPr lang="en-GB" sz="2800" dirty="0"/>
-              <a:t>Twitter</a:t>
-            </a:r>
-            <a:endParaRPr lang="en-US" sz="2800">
+              <a:rPr lang="en-GB" sz="2400"/>
+              <a:t>Google maps API</a:t>
+            </a:r>
+            <a:endParaRPr lang="en-US" sz="2400">
               <a:cs typeface="Calibri"/>
             </a:endParaRPr>
-          </a:p>
-          <a:p>
-            <a:pPr marL="285750" indent="-285750">
-              <a:buFont typeface="Arial"/>
-              <a:buChar char="•"/>
-            </a:pPr>
-            <a:r>
-              <a:rPr lang="en-GB" sz="2800" dirty="0">
-                <a:cs typeface="Calibri"/>
-              </a:rPr>
-              <a:t>Facebook</a:t>
-            </a:r>
-          </a:p>
-          <a:p>
-            <a:pPr marL="285750" indent="-285750">
-              <a:buFont typeface="Arial"/>
-              <a:buChar char="•"/>
-            </a:pPr>
-            <a:r>
-              <a:rPr lang="en-GB" sz="2800" dirty="0">
-                <a:cs typeface="Calibri"/>
-              </a:rPr>
-              <a:t>Instagram</a:t>
-            </a:r>
-          </a:p>
-          <a:p>
-            <a:endParaRPr lang="en-GB" dirty="0">
-              <a:cs typeface="Calibri"/>
-            </a:endParaRPr>
-          </a:p>
-        </p:txBody>
-      </p:sp>
-      <p:sp>
-        <p:nvSpPr>
-          <p:cNvPr id="7" name="TextBox 6">
-            <a:extLst>
-              <a:ext uri="{FF2B5EF4-FFF2-40B4-BE49-F238E27FC236}">
-                <a16:creationId xmlns:a16="http://schemas.microsoft.com/office/drawing/2014/main" id="{6FE6CAFD-3D5E-4685-8E66-AFCBA7F8E342}"/>
-              </a:ext>
-            </a:extLst>
-          </p:cNvPr>
-          <p:cNvSpPr txBox="1"/>
-          <p:nvPr/>
-        </p:nvSpPr>
-        <p:spPr>
-          <a:xfrm>
-            <a:off x="7411510" y="1653501"/>
-            <a:ext cx="4053155" cy="1661993"/>
-          </a:xfrm>
-          <a:prstGeom prst="rect">
-            <a:avLst/>
-          </a:prstGeom>
-          <a:noFill/>
-        </p:spPr>
-        <p:txBody>
-          <a:bodyPr rot="0" spcFirstLastPara="0" vertOverflow="overflow" horzOverflow="overflow" vert="horz" wrap="square" lIns="91440" tIns="45720" rIns="91440" bIns="45720" numCol="1" spcCol="0" rtlCol="0" fromWordArt="0" anchor="t" anchorCtr="0" forceAA="0" compatLnSpc="1">
-            <a:prstTxWarp prst="textNoShape">
-              <a:avLst/>
-            </a:prstTxWarp>
-            <a:spAutoFit/>
-          </a:bodyPr>
-          <a:lstStyle/>
-          <a:p>
-            <a:r>
-              <a:rPr lang="en-GB" sz="2800" u="sng" dirty="0">
-                <a:cs typeface="Calibri" panose="020F0502020204030204"/>
-              </a:rPr>
-              <a:t>Manage services</a:t>
-            </a:r>
-          </a:p>
-          <a:p>
-            <a:pPr marL="285750" indent="-285750">
-              <a:buFont typeface="Arial"/>
-              <a:buChar char="•"/>
-            </a:pPr>
-            <a:r>
-              <a:rPr lang="en-GB" sz="2800" dirty="0"/>
-              <a:t>Amazon Web Services</a:t>
-            </a:r>
-            <a:endParaRPr lang="en-US" sz="2800">
-              <a:cs typeface="Calibri"/>
-            </a:endParaRPr>
-          </a:p>
-          <a:p>
-            <a:pPr marL="285750" indent="-285750">
-              <a:buFont typeface="Arial"/>
-              <a:buChar char="•"/>
-            </a:pPr>
-            <a:r>
-              <a:rPr lang="en-GB" sz="2800" dirty="0">
-                <a:cs typeface="Calibri"/>
-              </a:rPr>
-              <a:t>Microsoft Azure</a:t>
-            </a:r>
-          </a:p>
-          <a:p>
-            <a:endParaRPr lang="en-GB" dirty="0">
-              <a:cs typeface="Calibri"/>
-            </a:endParaRPr>
-          </a:p>
-        </p:txBody>
-      </p:sp>
-      <p:sp>
-        <p:nvSpPr>
-          <p:cNvPr id="8" name="TextBox 7">
-            <a:extLst>
-              <a:ext uri="{FF2B5EF4-FFF2-40B4-BE49-F238E27FC236}">
-                <a16:creationId xmlns:a16="http://schemas.microsoft.com/office/drawing/2014/main" id="{C7708656-3723-48A1-8352-82C8186EE529}"/>
-              </a:ext>
-            </a:extLst>
-          </p:cNvPr>
-          <p:cNvSpPr txBox="1"/>
-          <p:nvPr/>
-        </p:nvSpPr>
-        <p:spPr>
-          <a:xfrm>
-            <a:off x="4310646" y="4150262"/>
-            <a:ext cx="3248346" cy="1661993"/>
-          </a:xfrm>
-          <a:prstGeom prst="rect">
-            <a:avLst/>
-          </a:prstGeom>
-          <a:noFill/>
-        </p:spPr>
-        <p:txBody>
-          <a:bodyPr rot="0" spcFirstLastPara="0" vertOverflow="overflow" horzOverflow="overflow" vert="horz" wrap="square" lIns="91440" tIns="45720" rIns="91440" bIns="45720" numCol="1" spcCol="0" rtlCol="0" fromWordArt="0" anchor="t" anchorCtr="0" forceAA="0" compatLnSpc="1">
-            <a:prstTxWarp prst="textNoShape">
-              <a:avLst/>
-            </a:prstTxWarp>
-            <a:spAutoFit/>
-          </a:bodyPr>
-          <a:lstStyle/>
-          <a:p>
-            <a:r>
-              <a:rPr lang="en-GB" sz="2800" u="sng" dirty="0">
-                <a:cs typeface="Calibri"/>
-              </a:rPr>
-              <a:t>Book appointments</a:t>
-            </a:r>
-          </a:p>
-          <a:p>
-            <a:pPr marL="285750" indent="-285750">
-              <a:buFont typeface="Arial"/>
-              <a:buChar char="•"/>
-            </a:pPr>
-            <a:r>
-              <a:rPr lang="en-GB" sz="2800" dirty="0">
-                <a:cs typeface="Calibri"/>
-              </a:rPr>
-              <a:t>GP systems</a:t>
-            </a:r>
-            <a:endParaRPr lang="en-GB" sz="2800">
-              <a:cs typeface="Calibri"/>
-            </a:endParaRPr>
-          </a:p>
-          <a:p>
-            <a:pPr marL="285750" indent="-285750">
-              <a:buFont typeface="Arial"/>
-              <a:buChar char="•"/>
-            </a:pPr>
-            <a:r>
-              <a:rPr lang="en-GB" sz="2800" dirty="0">
-                <a:cs typeface="Calibri"/>
-              </a:rPr>
-              <a:t>Restaurants</a:t>
-            </a:r>
-          </a:p>
-          <a:p>
-            <a:pPr marL="285750" indent="-285750">
-              <a:buFont typeface="Arial"/>
-              <a:buChar char="•"/>
-            </a:pPr>
-            <a:endParaRPr lang="en-GB" dirty="0">
-              <a:cs typeface="Calibri"/>
-            </a:endParaRPr>
-          </a:p>
-        </p:txBody>
-      </p:sp>
-      <p:sp>
-        <p:nvSpPr>
-          <p:cNvPr id="9" name="TextBox 8">
-            <a:extLst>
-              <a:ext uri="{FF2B5EF4-FFF2-40B4-BE49-F238E27FC236}">
-                <a16:creationId xmlns:a16="http://schemas.microsoft.com/office/drawing/2014/main" id="{B31763F6-2538-4CCD-AB49-554B78716CDC}"/>
-              </a:ext>
-            </a:extLst>
-          </p:cNvPr>
-          <p:cNvSpPr txBox="1"/>
-          <p:nvPr/>
-        </p:nvSpPr>
-        <p:spPr>
-          <a:xfrm>
-            <a:off x="7816118" y="3892724"/>
-            <a:ext cx="3582256" cy="1815882"/>
-          </a:xfrm>
-          <a:prstGeom prst="rect">
-            <a:avLst/>
-          </a:prstGeom>
-          <a:noFill/>
-        </p:spPr>
-        <p:txBody>
-          <a:bodyPr rot="0" spcFirstLastPara="0" vertOverflow="overflow" horzOverflow="overflow" vert="horz" wrap="square" lIns="91440" tIns="45720" rIns="91440" bIns="45720" numCol="1" spcCol="0" rtlCol="0" fromWordArt="0" anchor="t" anchorCtr="0" forceAA="0" compatLnSpc="1">
-            <a:prstTxWarp prst="textNoShape">
-              <a:avLst/>
-            </a:prstTxWarp>
-            <a:spAutoFit/>
-          </a:bodyPr>
-          <a:lstStyle/>
-          <a:p>
-            <a:r>
-              <a:rPr lang="en-GB" sz="2800" u="sng" dirty="0">
-                <a:cs typeface="Calibri"/>
-              </a:rPr>
-              <a:t>Real world interaction</a:t>
-            </a:r>
-          </a:p>
-          <a:p>
-            <a:pPr marL="285750" indent="-285750">
-              <a:buFont typeface="Arial"/>
-              <a:buChar char="•"/>
-            </a:pPr>
-            <a:r>
-              <a:rPr lang="en-GB" sz="2800" dirty="0">
-                <a:cs typeface="Calibri"/>
-              </a:rPr>
-              <a:t>Google Nest</a:t>
-            </a:r>
-          </a:p>
-          <a:p>
-            <a:pPr marL="285750" indent="-285750">
-              <a:buFont typeface="Arial"/>
-              <a:buChar char="•"/>
-            </a:pPr>
-            <a:r>
-              <a:rPr lang="en-GB" sz="2800" dirty="0">
-                <a:cs typeface="Calibri"/>
-              </a:rPr>
-              <a:t>Dishwasher</a:t>
-            </a:r>
-          </a:p>
-          <a:p>
-            <a:pPr marL="285750" indent="-285750">
-              <a:buFont typeface="Arial"/>
-              <a:buChar char="•"/>
-            </a:pPr>
-            <a:r>
-              <a:rPr lang="en-GB" sz="2800" dirty="0">
-                <a:cs typeface="Calibri"/>
-              </a:rPr>
-              <a:t>Burglar alarm</a:t>
-            </a:r>
           </a:p>
         </p:txBody>
       </p:sp>
     </p:spTree>
     <p:extLst>
       <p:ext uri="{BB962C8B-B14F-4D97-AF65-F5344CB8AC3E}">
-        <p14:creationId xmlns:p14="http://schemas.microsoft.com/office/powerpoint/2010/main" val="405944192"/>
+        <p14:creationId xmlns:p14="http://schemas.microsoft.com/office/powerpoint/2010/main" val="3869276182"/>
       </p:ext>
     </p:extLst>
   </p:cSld>
@@ -8660,7 +12071,7 @@
           <p:cNvPr id="2" name="Title 1">
             <a:extLst>
               <a:ext uri="{FF2B5EF4-FFF2-40B4-BE49-F238E27FC236}">
-                <a16:creationId xmlns:a16="http://schemas.microsoft.com/office/drawing/2014/main" id="{ECAF0497-C42C-4415-BAAB-9A426CB4FC91}"/>
+                <a16:creationId xmlns:a16="http://schemas.microsoft.com/office/drawing/2014/main" id="{9BC0D1AD-A40B-4473-B3F5-3E5000813A1F}"/>
               </a:ext>
             </a:extLst>
           </p:cNvPr>
@@ -8677,12 +12088,12 @@
           <a:lstStyle/>
           <a:p>
             <a:r>
-              <a:rPr lang="en-GB" dirty="0">
+              <a:rPr lang="en-GB">
                 <a:cs typeface="Calibri"/>
               </a:rPr>
-              <a:t>Health data APIs</a:t>
-            </a:r>
-            <a:endParaRPr lang="en-GB" dirty="0"/>
+              <a:t>Example APIs</a:t>
+            </a:r>
+            <a:endParaRPr lang="en-GB"/>
           </a:p>
         </p:txBody>
       </p:sp>
@@ -8691,7 +12102,7 @@
           <p:cNvPr id="3" name="Content Placeholder 2">
             <a:extLst>
               <a:ext uri="{FF2B5EF4-FFF2-40B4-BE49-F238E27FC236}">
-                <a16:creationId xmlns:a16="http://schemas.microsoft.com/office/drawing/2014/main" id="{E58566D9-DE21-4E02-AD7E-AB0F1FFC0753}"/>
+                <a16:creationId xmlns:a16="http://schemas.microsoft.com/office/drawing/2014/main" id="{BF880B2B-75D8-44DA-B0C1-5E90C95D264B}"/>
               </a:ext>
             </a:extLst>
           </p:cNvPr>
@@ -8702,28 +12113,41 @@
             <p:ph idx="1"/>
           </p:nvPr>
         </p:nvSpPr>
-        <p:spPr/>
+        <p:spPr>
+          <a:xfrm>
+            <a:off x="631373" y="1825625"/>
+            <a:ext cx="3255841" cy="4351338"/>
+          </a:xfrm>
+        </p:spPr>
         <p:txBody>
           <a:bodyPr vert="horz" lIns="91440" tIns="45720" rIns="91440" bIns="45720" rtlCol="0" anchor="t">
             <a:normAutofit/>
           </a:bodyPr>
           <a:lstStyle/>
+          <a:p>
+            <a:pPr marL="0" indent="0">
+              <a:buNone/>
+            </a:pPr>
+            <a:r>
+              <a:rPr lang="en-GB" u="sng">
+                <a:solidFill>
+                  <a:srgbClr val="000000"/>
+                </a:solidFill>
+                <a:cs typeface="Calibri" panose="020F0502020204030204"/>
+              </a:rPr>
+              <a:t>Get data</a:t>
+            </a:r>
+          </a:p>
           <a:p>
             <a:pPr>
               <a:buFont typeface="Arial" panose="05000000000000000000" pitchFamily="2" charset="2"/>
               <a:buChar char="•"/>
             </a:pPr>
             <a:r>
-              <a:rPr lang="en-GB" dirty="0" err="1">
+              <a:rPr lang="en-GB">
                 <a:cs typeface="Calibri" panose="020F0502020204030204"/>
               </a:rPr>
-              <a:t>Bioportal</a:t>
-            </a:r>
-            <a:r>
-              <a:rPr lang="en-GB" dirty="0">
-                <a:cs typeface="Calibri" panose="020F0502020204030204"/>
-              </a:rPr>
-              <a:t> -&gt; Look up ontologies etc.</a:t>
+              <a:t>Google maps</a:t>
             </a:r>
           </a:p>
           <a:p>
@@ -8732,11 +12156,14 @@
               <a:buChar char="•"/>
             </a:pPr>
             <a:r>
-              <a:rPr lang="en-GB" dirty="0">
+              <a:rPr lang="en-GB" err="1">
                 <a:cs typeface="Calibri" panose="020F0502020204030204"/>
               </a:rPr>
-              <a:t>Gov health stats </a:t>
-            </a:r>
+              <a:t>Wikidata</a:t>
+            </a:r>
+            <a:endParaRPr lang="en-GB">
+              <a:cs typeface="Calibri" panose="020F0502020204030204"/>
+            </a:endParaRPr>
           </a:p>
           <a:p>
             <a:pPr>
@@ -8744,11 +12171,12 @@
               <a:buChar char="•"/>
             </a:pPr>
             <a:r>
-              <a:rPr lang="en-GB" dirty="0">
+              <a:rPr lang="en-GB">
                 <a:cs typeface="Calibri" panose="020F0502020204030204"/>
               </a:rPr>
-              <a:t>NHS Digital -&gt; Loads of APIs to find/get/add data/ </a:t>
-            </a:r>
+              <a:t>Fitbit</a:t>
+            </a:r>
+            <a:endParaRPr lang="en-GB"/>
           </a:p>
           <a:p>
             <a:pPr>
@@ -8756,10 +12184,10 @@
               <a:buChar char="•"/>
             </a:pPr>
             <a:r>
-              <a:rPr lang="en-GB" dirty="0">
+              <a:rPr lang="en-GB">
                 <a:cs typeface="Calibri" panose="020F0502020204030204"/>
               </a:rPr>
-              <a:t>Air quality.</a:t>
+              <a:t>British library</a:t>
             </a:r>
           </a:p>
           <a:p>
@@ -8768,79 +12196,22 @@
               <a:buChar char="•"/>
             </a:pPr>
             <a:r>
-              <a:rPr lang="en-GB" dirty="0">
+              <a:rPr lang="en-GB">
                 <a:ea typeface="+mn-lt"/>
                 <a:cs typeface="+mn-lt"/>
-                <a:hlinkClick r:id="rId2"/>
-              </a:rPr>
-              <a:t>UK government API catalogue</a:t>
-            </a:r>
-            <a:endParaRPr lang="en-GB" dirty="0">
-              <a:cs typeface="Calibri" panose="020F0502020204030204"/>
-            </a:endParaRPr>
-          </a:p>
-          <a:p>
-            <a:pPr>
-              <a:buFont typeface="Arial" panose="05000000000000000000" pitchFamily="2" charset="2"/>
-              <a:buChar char="•"/>
+              </a:rPr>
+              <a:t>Data.parliament.uk</a:t>
+            </a:r>
+          </a:p>
+          <a:p>
+            <a:pPr marL="0" indent="0">
+              <a:buNone/>
             </a:pPr>
-            <a:r>
-              <a:rPr lang="en-GB" dirty="0">
-                <a:ea typeface="+mn-lt"/>
-                <a:cs typeface="+mn-lt"/>
-                <a:hlinkClick r:id="rId3"/>
-              </a:rPr>
-              <a:t>Urban Observatory</a:t>
-            </a:r>
-            <a:endParaRPr lang="en-GB" dirty="0">
+            <a:endParaRPr lang="en-GB">
               <a:ea typeface="+mn-lt"/>
               <a:cs typeface="+mn-lt"/>
             </a:endParaRPr>
           </a:p>
-          <a:p>
-            <a:pPr>
-              <a:buFont typeface="Arial" panose="05000000000000000000" pitchFamily="2" charset="2"/>
-              <a:buChar char="•"/>
-            </a:pPr>
-            <a:r>
-              <a:rPr lang="en-GB" dirty="0">
-                <a:ea typeface="+mn-lt"/>
-                <a:cs typeface="+mn-lt"/>
-                <a:hlinkClick r:id="rId4"/>
-              </a:rPr>
-              <a:t>https://data.police.uk/docs/</a:t>
-            </a:r>
-            <a:endParaRPr lang="en-GB">
-              <a:cs typeface="Calibri" panose="020F0502020204030204"/>
-            </a:endParaRPr>
-          </a:p>
-          <a:p>
-            <a:pPr>
-              <a:buFont typeface="Arial" panose="05000000000000000000" pitchFamily="2" charset="2"/>
-              <a:buChar char="•"/>
-            </a:pPr>
-            <a:endParaRPr lang="en-GB" dirty="0">
-              <a:cs typeface="Calibri" panose="020F0502020204030204"/>
-            </a:endParaRPr>
-          </a:p>
-          <a:p>
-            <a:pPr>
-              <a:buFont typeface="Arial" panose="05000000000000000000" pitchFamily="2" charset="2"/>
-              <a:buChar char="•"/>
-            </a:pPr>
-            <a:endParaRPr lang="en-GB" dirty="0">
-              <a:cs typeface="Calibri" panose="020F0502020204030204"/>
-            </a:endParaRPr>
-          </a:p>
-          <a:p>
-            <a:pPr>
-              <a:buFont typeface="Arial" panose="05000000000000000000" pitchFamily="2" charset="2"/>
-              <a:buChar char="•"/>
-            </a:pPr>
-            <a:endParaRPr lang="en-GB" dirty="0">
-              <a:cs typeface="Calibri" panose="020F0502020204030204"/>
-            </a:endParaRPr>
-          </a:p>
         </p:txBody>
       </p:sp>
       <p:sp>
@@ -8848,7 +12219,7 @@
           <p:cNvPr id="4" name="Footer Placeholder 3">
             <a:extLst>
               <a:ext uri="{FF2B5EF4-FFF2-40B4-BE49-F238E27FC236}">
-                <a16:creationId xmlns:a16="http://schemas.microsoft.com/office/drawing/2014/main" id="{520D950C-FD30-463D-AFA4-96B8408E7B9D}"/>
+                <a16:creationId xmlns:a16="http://schemas.microsoft.com/office/drawing/2014/main" id="{F5A22411-755A-492B-8711-2F177B145C3A}"/>
               </a:ext>
             </a:extLst>
           </p:cNvPr>
@@ -8865,7 +12236,7 @@
           <a:lstStyle/>
           <a:p>
             <a:r>
-              <a:rPr lang="en-GB" dirty="0"/>
+              <a:rPr lang="en-GB"/>
               <a:t>MSC HEALTH DATA SCIENCE</a:t>
             </a:r>
           </a:p>
@@ -8876,7 +12247,7 @@
           <p:cNvPr id="5" name="Slide Number Placeholder 4">
             <a:extLst>
               <a:ext uri="{FF2B5EF4-FFF2-40B4-BE49-F238E27FC236}">
-                <a16:creationId xmlns:a16="http://schemas.microsoft.com/office/drawing/2014/main" id="{8240CAF6-D2F2-464C-A2B7-6C1E69C34EA7}"/>
+                <a16:creationId xmlns:a16="http://schemas.microsoft.com/office/drawing/2014/main" id="{F63AB675-1500-457D-8B35-933F318185D5}"/>
               </a:ext>
             </a:extLst>
           </p:cNvPr>
@@ -8900,10 +12271,311 @@
           </a:p>
         </p:txBody>
       </p:sp>
+      <p:sp>
+        <p:nvSpPr>
+          <p:cNvPr id="6" name="TextBox 5">
+            <a:extLst>
+              <a:ext uri="{FF2B5EF4-FFF2-40B4-BE49-F238E27FC236}">
+                <a16:creationId xmlns:a16="http://schemas.microsoft.com/office/drawing/2014/main" id="{E174DBDF-3637-4010-BEE3-AF61DD25BE10}"/>
+              </a:ext>
+            </a:extLst>
+          </p:cNvPr>
+          <p:cNvSpPr txBox="1"/>
+          <p:nvPr/>
+        </p:nvSpPr>
+        <p:spPr>
+          <a:xfrm>
+            <a:off x="4387702" y="1791586"/>
+            <a:ext cx="2743200" cy="2092881"/>
+          </a:xfrm>
+          <a:prstGeom prst="rect">
+            <a:avLst/>
+          </a:prstGeom>
+          <a:noFill/>
+        </p:spPr>
+        <p:txBody>
+          <a:bodyPr rot="0" spcFirstLastPara="0" vertOverflow="overflow" horzOverflow="overflow" vert="horz" wrap="square" lIns="91440" tIns="45720" rIns="91440" bIns="45720" numCol="1" spcCol="0" rtlCol="0" fromWordArt="0" anchor="t" anchorCtr="0" forceAA="0" compatLnSpc="1">
+            <a:prstTxWarp prst="textNoShape">
+              <a:avLst/>
+            </a:prstTxWarp>
+            <a:spAutoFit/>
+          </a:bodyPr>
+          <a:lstStyle/>
+          <a:p>
+            <a:r>
+              <a:rPr lang="en-GB" sz="2800" u="sng">
+                <a:cs typeface="Calibri" panose="020F0502020204030204"/>
+              </a:rPr>
+              <a:t>Add data</a:t>
+            </a:r>
+          </a:p>
+          <a:p>
+            <a:pPr marL="285750" indent="-285750" algn="l">
+              <a:buFont typeface="Arial"/>
+              <a:buChar char="•"/>
+            </a:pPr>
+            <a:r>
+              <a:rPr lang="en-GB" sz="2800"/>
+              <a:t>Twitter</a:t>
+            </a:r>
+            <a:endParaRPr lang="en-US" sz="2800">
+              <a:cs typeface="Calibri"/>
+            </a:endParaRPr>
+          </a:p>
+          <a:p>
+            <a:pPr marL="285750" indent="-285750">
+              <a:buFont typeface="Arial"/>
+              <a:buChar char="•"/>
+            </a:pPr>
+            <a:r>
+              <a:rPr lang="en-GB" sz="2800">
+                <a:cs typeface="Calibri"/>
+              </a:rPr>
+              <a:t>Facebook</a:t>
+            </a:r>
+          </a:p>
+          <a:p>
+            <a:pPr marL="285750" indent="-285750">
+              <a:buFont typeface="Arial"/>
+              <a:buChar char="•"/>
+            </a:pPr>
+            <a:r>
+              <a:rPr lang="en-GB" sz="2800">
+                <a:cs typeface="Calibri"/>
+              </a:rPr>
+              <a:t>Instagram</a:t>
+            </a:r>
+          </a:p>
+          <a:p>
+            <a:endParaRPr lang="en-GB">
+              <a:cs typeface="Calibri"/>
+            </a:endParaRPr>
+          </a:p>
+        </p:txBody>
+      </p:sp>
+      <p:sp>
+        <p:nvSpPr>
+          <p:cNvPr id="7" name="TextBox 6">
+            <a:extLst>
+              <a:ext uri="{FF2B5EF4-FFF2-40B4-BE49-F238E27FC236}">
+                <a16:creationId xmlns:a16="http://schemas.microsoft.com/office/drawing/2014/main" id="{6FE6CAFD-3D5E-4685-8E66-AFCBA7F8E342}"/>
+              </a:ext>
+            </a:extLst>
+          </p:cNvPr>
+          <p:cNvSpPr txBox="1"/>
+          <p:nvPr/>
+        </p:nvSpPr>
+        <p:spPr>
+          <a:xfrm>
+            <a:off x="7411510" y="1653501"/>
+            <a:ext cx="4053155" cy="1661993"/>
+          </a:xfrm>
+          <a:prstGeom prst="rect">
+            <a:avLst/>
+          </a:prstGeom>
+          <a:noFill/>
+        </p:spPr>
+        <p:txBody>
+          <a:bodyPr rot="0" spcFirstLastPara="0" vertOverflow="overflow" horzOverflow="overflow" vert="horz" wrap="square" lIns="91440" tIns="45720" rIns="91440" bIns="45720" numCol="1" spcCol="0" rtlCol="0" fromWordArt="0" anchor="t" anchorCtr="0" forceAA="0" compatLnSpc="1">
+            <a:prstTxWarp prst="textNoShape">
+              <a:avLst/>
+            </a:prstTxWarp>
+            <a:spAutoFit/>
+          </a:bodyPr>
+          <a:lstStyle/>
+          <a:p>
+            <a:r>
+              <a:rPr lang="en-GB" sz="2800" u="sng">
+                <a:cs typeface="Calibri" panose="020F0502020204030204"/>
+              </a:rPr>
+              <a:t>Manage services</a:t>
+            </a:r>
+          </a:p>
+          <a:p>
+            <a:pPr marL="285750" indent="-285750">
+              <a:buFont typeface="Arial"/>
+              <a:buChar char="•"/>
+            </a:pPr>
+            <a:r>
+              <a:rPr lang="en-GB" sz="2800"/>
+              <a:t>Amazon Web Services</a:t>
+            </a:r>
+            <a:endParaRPr lang="en-US" sz="2800">
+              <a:cs typeface="Calibri"/>
+            </a:endParaRPr>
+          </a:p>
+          <a:p>
+            <a:pPr marL="285750" indent="-285750">
+              <a:buFont typeface="Arial"/>
+              <a:buChar char="•"/>
+            </a:pPr>
+            <a:r>
+              <a:rPr lang="en-GB" sz="2800">
+                <a:cs typeface="Calibri"/>
+              </a:rPr>
+              <a:t>Microsoft Azure</a:t>
+            </a:r>
+          </a:p>
+          <a:p>
+            <a:endParaRPr lang="en-GB">
+              <a:cs typeface="Calibri"/>
+            </a:endParaRPr>
+          </a:p>
+        </p:txBody>
+      </p:sp>
+      <p:sp>
+        <p:nvSpPr>
+          <p:cNvPr id="8" name="TextBox 7">
+            <a:extLst>
+              <a:ext uri="{FF2B5EF4-FFF2-40B4-BE49-F238E27FC236}">
+                <a16:creationId xmlns:a16="http://schemas.microsoft.com/office/drawing/2014/main" id="{C7708656-3723-48A1-8352-82C8186EE529}"/>
+              </a:ext>
+            </a:extLst>
+          </p:cNvPr>
+          <p:cNvSpPr txBox="1"/>
+          <p:nvPr/>
+        </p:nvSpPr>
+        <p:spPr>
+          <a:xfrm>
+            <a:off x="4310646" y="4150262"/>
+            <a:ext cx="3248346" cy="1661993"/>
+          </a:xfrm>
+          <a:prstGeom prst="rect">
+            <a:avLst/>
+          </a:prstGeom>
+          <a:noFill/>
+        </p:spPr>
+        <p:txBody>
+          <a:bodyPr rot="0" spcFirstLastPara="0" vertOverflow="overflow" horzOverflow="overflow" vert="horz" wrap="square" lIns="91440" tIns="45720" rIns="91440" bIns="45720" numCol="1" spcCol="0" rtlCol="0" fromWordArt="0" anchor="t" anchorCtr="0" forceAA="0" compatLnSpc="1">
+            <a:prstTxWarp prst="textNoShape">
+              <a:avLst/>
+            </a:prstTxWarp>
+            <a:spAutoFit/>
+          </a:bodyPr>
+          <a:lstStyle/>
+          <a:p>
+            <a:r>
+              <a:rPr lang="en-GB" sz="2800" u="sng">
+                <a:cs typeface="Calibri"/>
+              </a:rPr>
+              <a:t>Book appointments</a:t>
+            </a:r>
+          </a:p>
+          <a:p>
+            <a:pPr marL="285750" indent="-285750">
+              <a:buFont typeface="Arial"/>
+              <a:buChar char="•"/>
+            </a:pPr>
+            <a:r>
+              <a:rPr lang="en-GB" sz="2800">
+                <a:cs typeface="Calibri"/>
+              </a:rPr>
+              <a:t>GP systems</a:t>
+            </a:r>
+          </a:p>
+          <a:p>
+            <a:pPr marL="285750" indent="-285750">
+              <a:buFont typeface="Arial"/>
+              <a:buChar char="•"/>
+            </a:pPr>
+            <a:r>
+              <a:rPr lang="en-GB" sz="2800">
+                <a:cs typeface="Calibri"/>
+              </a:rPr>
+              <a:t>Restaurants</a:t>
+            </a:r>
+          </a:p>
+          <a:p>
+            <a:pPr marL="285750" indent="-285750">
+              <a:buFont typeface="Arial"/>
+              <a:buChar char="•"/>
+            </a:pPr>
+            <a:endParaRPr lang="en-GB">
+              <a:cs typeface="Calibri"/>
+            </a:endParaRPr>
+          </a:p>
+        </p:txBody>
+      </p:sp>
+      <p:sp>
+        <p:nvSpPr>
+          <p:cNvPr id="9" name="TextBox 8">
+            <a:extLst>
+              <a:ext uri="{FF2B5EF4-FFF2-40B4-BE49-F238E27FC236}">
+                <a16:creationId xmlns:a16="http://schemas.microsoft.com/office/drawing/2014/main" id="{B31763F6-2538-4CCD-AB49-554B78716CDC}"/>
+              </a:ext>
+            </a:extLst>
+          </p:cNvPr>
+          <p:cNvSpPr txBox="1"/>
+          <p:nvPr/>
+        </p:nvSpPr>
+        <p:spPr>
+          <a:xfrm>
+            <a:off x="7816118" y="3892724"/>
+            <a:ext cx="3582256" cy="1815882"/>
+          </a:xfrm>
+          <a:prstGeom prst="rect">
+            <a:avLst/>
+          </a:prstGeom>
+          <a:noFill/>
+        </p:spPr>
+        <p:txBody>
+          <a:bodyPr rot="0" spcFirstLastPara="0" vertOverflow="overflow" horzOverflow="overflow" vert="horz" wrap="square" lIns="91440" tIns="45720" rIns="91440" bIns="45720" numCol="1" spcCol="0" rtlCol="0" fromWordArt="0" anchor="t" anchorCtr="0" forceAA="0" compatLnSpc="1">
+            <a:prstTxWarp prst="textNoShape">
+              <a:avLst/>
+            </a:prstTxWarp>
+            <a:spAutoFit/>
+          </a:bodyPr>
+          <a:lstStyle/>
+          <a:p>
+            <a:r>
+              <a:rPr lang="en-GB" sz="2800" u="sng">
+                <a:cs typeface="Calibri"/>
+              </a:rPr>
+              <a:t>Real world interaction</a:t>
+            </a:r>
+          </a:p>
+          <a:p>
+            <a:pPr marL="285750" indent="-285750">
+              <a:buFont typeface="Arial"/>
+              <a:buChar char="•"/>
+            </a:pPr>
+            <a:r>
+              <a:rPr lang="en-GB" sz="2800">
+                <a:cs typeface="Calibri"/>
+              </a:rPr>
+              <a:t>Google Nest</a:t>
+            </a:r>
+          </a:p>
+          <a:p>
+            <a:pPr marL="285750" indent="-285750">
+              <a:buFont typeface="Arial"/>
+              <a:buChar char="•"/>
+            </a:pPr>
+            <a:r>
+              <a:rPr lang="en-GB" sz="2800">
+                <a:cs typeface="Calibri"/>
+              </a:rPr>
+              <a:t>Dishwasher</a:t>
+            </a:r>
+          </a:p>
+          <a:p>
+            <a:pPr marL="285750" indent="-285750">
+              <a:buFont typeface="Arial"/>
+              <a:buChar char="•"/>
+            </a:pPr>
+            <a:r>
+              <a:rPr lang="en-GB" sz="2800">
+                <a:cs typeface="Calibri"/>
+              </a:rPr>
+              <a:t>Burglar alarm</a:t>
+            </a:r>
+          </a:p>
+        </p:txBody>
+      </p:sp>
     </p:spTree>
     <p:extLst>
       <p:ext uri="{BB962C8B-B14F-4D97-AF65-F5344CB8AC3E}">
-        <p14:creationId xmlns:p14="http://schemas.microsoft.com/office/powerpoint/2010/main" val="2839870366"/>
+        <p14:creationId xmlns:p14="http://schemas.microsoft.com/office/powerpoint/2010/main" val="405944192"/>
       </p:ext>
     </p:extLst>
   </p:cSld>

--- a/api_plumber_slides.pptx
+++ b/api_plumber_slides.pptx
@@ -147,6 +147,8 @@
     <p1510:client id="{2B293CC5-314F-1188-352B-5E65D95366C0}" v="48" dt="2022-02-02T18:55:46.434"/>
     <p1510:client id="{325A50D7-01C2-866D-4BD0-8538A847BAC0}" v="28" dt="2022-03-09T10:37:58.644"/>
     <p1510:client id="{3FB19D1E-E29F-B4CA-2EFF-C8A9A73C8F1B}" v="1386" dt="2021-12-10T18:19:20.895"/>
+    <p1510:client id="{5A20A5C6-56AA-5FA2-98B8-8C2EE98284CB}" v="17" dt="2023-05-12T10:18:28.929"/>
+    <p1510:client id="{5DD62463-8A02-DEC4-DB6A-FE843660337D}" v="18" dt="2023-05-12T08:01:52.297"/>
     <p1510:client id="{70B656DC-41E8-A276-BC00-B8540604BDDA}" v="533" dt="2022-02-07T17:23:31.660"/>
     <p1510:client id="{76672AFA-A4D2-551C-8B74-5CEEA6757AE7}" v="156" dt="2022-02-01T10:58:36.007"/>
     <p1510:client id="{7FE68913-2D2A-1C91-B83B-5EDACDD63AB6}" v="265" dt="2023-05-09T16:23:01.931"/>
@@ -244,7 +246,7 @@
           <a:p>
             <a:fld id="{6361535E-F864-4BF1-B6FD-CF4BB8FE907D}" type="datetimeFigureOut">
               <a:rPr lang="en-GB" smtClean="0"/>
-              <a:t>11/05/2023</a:t>
+              <a:t>12/05/2023</a:t>
             </a:fld>
             <a:endParaRPr lang="en-GB"/>
           </a:p>
@@ -3633,11 +3635,13 @@
         </p:nvSpPr>
         <p:spPr/>
         <p:txBody>
-          <a:bodyPr/>
-          <a:lstStyle/>
-          <a:p>
-            <a:r>
-              <a:rPr lang="en-GB">
+          <a:bodyPr>
+            <a:normAutofit lnSpcReduction="10000"/>
+          </a:bodyPr>
+          <a:lstStyle/>
+          <a:p>
+            <a:r>
+              <a:rPr lang="en-GB" dirty="0">
                 <a:cs typeface="Calibri"/>
               </a:rPr>
               <a:t>Dr Olly Butters</a:t>
@@ -3645,10 +3649,18 @@
           </a:p>
           <a:p>
             <a:r>
-              <a:rPr lang="en-GB">
+              <a:rPr lang="en-GB" dirty="0">
                 <a:cs typeface="Calibri"/>
               </a:rPr>
               <a:t>Public Health, Policy and Systems</a:t>
+            </a:r>
+          </a:p>
+          <a:p>
+            <a:r>
+              <a:rPr lang="en-GB" dirty="0">
+                <a:cs typeface="Calibri"/>
+              </a:rPr>
+              <a:t>olly.butters@liverpool.ac.uk</a:t>
             </a:r>
           </a:p>
         </p:txBody>
@@ -9663,13 +9675,13 @@
               <a:buChar char="•"/>
             </a:pPr>
             <a:r>
-              <a:rPr lang="en-GB">
+              <a:rPr lang="en-GB" dirty="0">
                 <a:ea typeface="+mn-lt"/>
                 <a:cs typeface="+mn-lt"/>
               </a:rPr>
               <a:t>GET/POST</a:t>
             </a:r>
-            <a:endParaRPr lang="en-US">
+            <a:endParaRPr lang="en-US" dirty="0">
               <a:ea typeface="+mn-lt"/>
               <a:cs typeface="+mn-lt"/>
             </a:endParaRPr>
@@ -9680,13 +9692,13 @@
               <a:buChar char="•"/>
             </a:pPr>
             <a:r>
-              <a:rPr lang="en-GB">
+              <a:rPr lang="en-GB" dirty="0">
                 <a:ea typeface="+mn-lt"/>
                 <a:cs typeface="+mn-lt"/>
               </a:rPr>
               <a:t>Bounds checks</a:t>
             </a:r>
-            <a:endParaRPr lang="en-US">
+            <a:endParaRPr lang="en-US" dirty="0">
               <a:ea typeface="+mn-lt"/>
               <a:cs typeface="+mn-lt"/>
             </a:endParaRPr>
@@ -9697,13 +9709,13 @@
               <a:buChar char="•"/>
             </a:pPr>
             <a:r>
-              <a:rPr lang="en-GB">
+              <a:rPr lang="en-GB" dirty="0">
                 <a:ea typeface="+mn-lt"/>
                 <a:cs typeface="+mn-lt"/>
               </a:rPr>
               <a:t>Security is vital on public APIs</a:t>
             </a:r>
-            <a:endParaRPr lang="en-US">
+            <a:endParaRPr lang="en-US" dirty="0">
               <a:ea typeface="+mn-lt"/>
               <a:cs typeface="+mn-lt"/>
             </a:endParaRPr>
@@ -9714,21 +9726,21 @@
               <a:buChar char="•"/>
             </a:pPr>
             <a:r>
-              <a:rPr lang="en-GB">
+              <a:rPr lang="en-GB" dirty="0">
                 <a:ea typeface="+mn-lt"/>
                 <a:cs typeface="+mn-lt"/>
               </a:rPr>
               <a:t>Good list of public APIs - </a:t>
             </a:r>
             <a:r>
-              <a:rPr lang="en-GB">
+              <a:rPr lang="en-GB" dirty="0">
                 <a:ea typeface="+mn-lt"/>
                 <a:cs typeface="+mn-lt"/>
                 <a:hlinkClick r:id="rId2"/>
               </a:rPr>
               <a:t>https://github.com/public-apis/public-apis</a:t>
             </a:r>
-            <a:endParaRPr lang="en-GB">
+            <a:endParaRPr lang="en-GB" dirty="0">
               <a:cs typeface="Calibri" panose="020F0502020204030204"/>
             </a:endParaRPr>
           </a:p>
@@ -9738,14 +9750,23 @@
               <a:buChar char="•"/>
             </a:pPr>
             <a:r>
-              <a:rPr lang="en-GB">
+              <a:rPr lang="en-GB" dirty="0">
                 <a:ea typeface="+mn-lt"/>
                 <a:cs typeface="+mn-lt"/>
                 <a:hlinkClick r:id="rId3"/>
               </a:rPr>
-              <a:t>https://docs.openaq.org/#/v2/measurements_get_v2_measurements_get</a:t>
+              <a:t>https://api.openaq.org/docs#/</a:t>
             </a:r>
             <a:endParaRPr lang="en-GB">
+              <a:cs typeface="Calibri"/>
+            </a:endParaRPr>
+          </a:p>
+          <a:p>
+            <a:pPr>
+              <a:buFont typeface="Arial" panose="05000000000000000000" pitchFamily="2" charset="2"/>
+              <a:buChar char="•"/>
+            </a:pPr>
+            <a:endParaRPr lang="en-GB" dirty="0">
               <a:cs typeface="Calibri"/>
             </a:endParaRPr>
           </a:p>

--- a/api_plumber_slides.pptx
+++ b/api_plumber_slides.pptx
@@ -29,9 +29,9 @@
     <p:sldId id="272" r:id="rId20"/>
     <p:sldId id="262" r:id="rId21"/>
     <p:sldId id="273" r:id="rId22"/>
-    <p:sldId id="274" r:id="rId23"/>
+    <p:sldId id="283" r:id="rId23"/>
     <p:sldId id="266" r:id="rId24"/>
-    <p:sldId id="282" r:id="rId25"/>
+    <p:sldId id="284" r:id="rId25"/>
     <p:sldId id="281" r:id="rId26"/>
     <p:sldId id="264" r:id="rId27"/>
   </p:sldIdLst>
@@ -149,6 +149,7 @@
     <p1510:client id="{3FB19D1E-E29F-B4CA-2EFF-C8A9A73C8F1B}" v="1386" dt="2021-12-10T18:19:20.895"/>
     <p1510:client id="{5A20A5C6-56AA-5FA2-98B8-8C2EE98284CB}" v="17" dt="2023-05-12T10:18:28.929"/>
     <p1510:client id="{5DD62463-8A02-DEC4-DB6A-FE843660337D}" v="18" dt="2023-05-12T08:01:52.297"/>
+    <p1510:client id="{5E3610D8-B80E-2BA4-56AC-5B07AEAB89CA}" v="21" dt="2023-06-08T12:36:40.565"/>
     <p1510:client id="{70B656DC-41E8-A276-BC00-B8540604BDDA}" v="533" dt="2022-02-07T17:23:31.660"/>
     <p1510:client id="{76672AFA-A4D2-551C-8B74-5CEEA6757AE7}" v="156" dt="2022-02-01T10:58:36.007"/>
     <p1510:client id="{7FE68913-2D2A-1C91-B83B-5EDACDD63AB6}" v="265" dt="2023-05-09T16:23:01.931"/>
@@ -160,6 +161,7 @@
     <p1510:client id="{E3CF4505-38C4-DDDF-AFD8-AC62CD1698B1}" v="85" dt="2022-02-02T12:25:34.932"/>
     <p1510:client id="{F223DD96-62B8-041F-454E-011AC1CA6334}" v="742" dt="2023-05-10T15:31:04.826"/>
     <p1510:client id="{FB99E4F2-9D95-48EA-6912-E24E37766AB1}" v="311" dt="2021-12-08T13:54:41.209"/>
+    <p1510:client id="{FE15C4CB-E970-17A4-9BD2-B225B336334A}" v="227" dt="2023-06-08T10:55:56.774"/>
   </p1510:revLst>
 </p1510:revInfo>
 </file>
@@ -246,7 +248,7 @@
           <a:p>
             <a:fld id="{6361535E-F864-4BF1-B6FD-CF4BB8FE907D}" type="datetimeFigureOut">
               <a:rPr lang="en-GB" smtClean="0"/>
-              <a:t>12/05/2023</a:t>
+              <a:t>08/06/2023</a:t>
             </a:fld>
             <a:endParaRPr lang="en-GB"/>
           </a:p>
@@ -636,44 +638,6 @@
           </a:p>
         </p:txBody>
       </p:sp>
-      <p:sp>
-        <p:nvSpPr>
-          <p:cNvPr id="7" name="Footer Placeholder 4"/>
-          <p:cNvSpPr>
-            <a:spLocks noGrp="1"/>
-          </p:cNvSpPr>
-          <p:nvPr>
-            <p:ph type="ftr" sz="quarter" idx="3"/>
-          </p:nvPr>
-        </p:nvSpPr>
-        <p:spPr>
-          <a:xfrm>
-            <a:off x="2519990" y="6363533"/>
-            <a:ext cx="2041125" cy="365125"/>
-          </a:xfrm>
-          <a:prstGeom prst="rect">
-            <a:avLst/>
-          </a:prstGeom>
-        </p:spPr>
-        <p:txBody>
-          <a:bodyPr vert="horz" lIns="91440" tIns="45720" rIns="91440" bIns="45720" rtlCol="0" anchor="ctr"/>
-          <a:lstStyle>
-            <a:lvl1pPr algn="l">
-              <a:defRPr sz="1200" b="1">
-                <a:solidFill>
-                  <a:srgbClr val="0B4293"/>
-                </a:solidFill>
-              </a:defRPr>
-            </a:lvl1pPr>
-          </a:lstStyle>
-          <a:p>
-            <a:r>
-              <a:rPr lang="en-GB"/>
-              <a:t>MSC HEALTH DATA SCIENCE</a:t>
-            </a:r>
-          </a:p>
-        </p:txBody>
-      </p:sp>
       <p:pic>
         <p:nvPicPr>
           <p:cNvPr id="8" name="Picture 7" descr="Image result for university of liverpool">
@@ -841,28 +805,6 @@
       </p:sp>
       <p:sp>
         <p:nvSpPr>
-          <p:cNvPr id="5" name="Footer Placeholder 4"/>
-          <p:cNvSpPr>
-            <a:spLocks noGrp="1"/>
-          </p:cNvSpPr>
-          <p:nvPr>
-            <p:ph type="ftr" sz="quarter" idx="11"/>
-          </p:nvPr>
-        </p:nvSpPr>
-        <p:spPr/>
-        <p:txBody>
-          <a:bodyPr/>
-          <a:lstStyle/>
-          <a:p>
-            <a:r>
-              <a:rPr lang="en-GB"/>
-              <a:t>MSC HEALTH DATA SCIENCE</a:t>
-            </a:r>
-          </a:p>
-        </p:txBody>
-      </p:sp>
-      <p:sp>
-        <p:nvSpPr>
           <p:cNvPr id="6" name="Slide Number Placeholder 5"/>
           <p:cNvSpPr>
             <a:spLocks noGrp="1"/>
@@ -1020,28 +962,6 @@
       </p:sp>
       <p:sp>
         <p:nvSpPr>
-          <p:cNvPr id="5" name="Footer Placeholder 4"/>
-          <p:cNvSpPr>
-            <a:spLocks noGrp="1"/>
-          </p:cNvSpPr>
-          <p:nvPr>
-            <p:ph type="ftr" sz="quarter" idx="11"/>
-          </p:nvPr>
-        </p:nvSpPr>
-        <p:spPr/>
-        <p:txBody>
-          <a:bodyPr/>
-          <a:lstStyle/>
-          <a:p>
-            <a:r>
-              <a:rPr lang="en-GB"/>
-              <a:t>MSC HEALTH DATA SCIENCE</a:t>
-            </a:r>
-          </a:p>
-        </p:txBody>
-      </p:sp>
-      <p:sp>
-        <p:nvSpPr>
           <p:cNvPr id="6" name="Slide Number Placeholder 5"/>
           <p:cNvSpPr>
             <a:spLocks noGrp="1"/>
@@ -1192,28 +1112,6 @@
           <a:lstStyle/>
           <a:p>
             <a:endParaRPr lang="en-GB"/>
-          </a:p>
-        </p:txBody>
-      </p:sp>
-      <p:sp>
-        <p:nvSpPr>
-          <p:cNvPr id="5" name="Footer Placeholder 4"/>
-          <p:cNvSpPr>
-            <a:spLocks noGrp="1"/>
-          </p:cNvSpPr>
-          <p:nvPr>
-            <p:ph type="ftr" sz="quarter" idx="11"/>
-          </p:nvPr>
-        </p:nvSpPr>
-        <p:spPr/>
-        <p:txBody>
-          <a:bodyPr/>
-          <a:lstStyle/>
-          <a:p>
-            <a:r>
-              <a:rPr lang="en-GB"/>
-              <a:t>MSC HEALTH DATA SCIENCE</a:t>
-            </a:r>
           </a:p>
         </p:txBody>
       </p:sp>
@@ -1446,28 +1344,6 @@
       </p:sp>
       <p:sp>
         <p:nvSpPr>
-          <p:cNvPr id="5" name="Footer Placeholder 4"/>
-          <p:cNvSpPr>
-            <a:spLocks noGrp="1"/>
-          </p:cNvSpPr>
-          <p:nvPr>
-            <p:ph type="ftr" sz="quarter" idx="11"/>
-          </p:nvPr>
-        </p:nvSpPr>
-        <p:spPr/>
-        <p:txBody>
-          <a:bodyPr/>
-          <a:lstStyle/>
-          <a:p>
-            <a:r>
-              <a:rPr lang="en-GB"/>
-              <a:t>MSC HEALTH DATA SCIENCE</a:t>
-            </a:r>
-          </a:p>
-        </p:txBody>
-      </p:sp>
-      <p:sp>
-        <p:nvSpPr>
           <p:cNvPr id="6" name="Slide Number Placeholder 5"/>
           <p:cNvSpPr>
             <a:spLocks noGrp="1"/>
@@ -1680,28 +1556,6 @@
           <a:lstStyle/>
           <a:p>
             <a:endParaRPr lang="en-GB"/>
-          </a:p>
-        </p:txBody>
-      </p:sp>
-      <p:sp>
-        <p:nvSpPr>
-          <p:cNvPr id="6" name="Footer Placeholder 5"/>
-          <p:cNvSpPr>
-            <a:spLocks noGrp="1"/>
-          </p:cNvSpPr>
-          <p:nvPr>
-            <p:ph type="ftr" sz="quarter" idx="11"/>
-          </p:nvPr>
-        </p:nvSpPr>
-        <p:spPr/>
-        <p:txBody>
-          <a:bodyPr/>
-          <a:lstStyle/>
-          <a:p>
-            <a:r>
-              <a:rPr lang="en-GB"/>
-              <a:t>MSC HEALTH DATA SCIENCE</a:t>
-            </a:r>
           </a:p>
         </p:txBody>
       </p:sp>
@@ -2059,28 +1913,6 @@
       </p:sp>
       <p:sp>
         <p:nvSpPr>
-          <p:cNvPr id="8" name="Footer Placeholder 7"/>
-          <p:cNvSpPr>
-            <a:spLocks noGrp="1"/>
-          </p:cNvSpPr>
-          <p:nvPr>
-            <p:ph type="ftr" sz="quarter" idx="11"/>
-          </p:nvPr>
-        </p:nvSpPr>
-        <p:spPr/>
-        <p:txBody>
-          <a:bodyPr/>
-          <a:lstStyle/>
-          <a:p>
-            <a:r>
-              <a:rPr lang="en-GB"/>
-              <a:t>MSC HEALTH DATA SCIENCE</a:t>
-            </a:r>
-          </a:p>
-        </p:txBody>
-      </p:sp>
-      <p:sp>
-        <p:nvSpPr>
           <p:cNvPr id="9" name="Slide Number Placeholder 8"/>
           <p:cNvSpPr>
             <a:spLocks noGrp="1"/>
@@ -2184,28 +2016,6 @@
       </p:sp>
       <p:sp>
         <p:nvSpPr>
-          <p:cNvPr id="4" name="Footer Placeholder 3"/>
-          <p:cNvSpPr>
-            <a:spLocks noGrp="1"/>
-          </p:cNvSpPr>
-          <p:nvPr>
-            <p:ph type="ftr" sz="quarter" idx="11"/>
-          </p:nvPr>
-        </p:nvSpPr>
-        <p:spPr/>
-        <p:txBody>
-          <a:bodyPr/>
-          <a:lstStyle/>
-          <a:p>
-            <a:r>
-              <a:rPr lang="en-GB"/>
-              <a:t>MSC HEALTH DATA SCIENCE</a:t>
-            </a:r>
-          </a:p>
-        </p:txBody>
-      </p:sp>
-      <p:sp>
-        <p:nvSpPr>
           <p:cNvPr id="5" name="Slide Number Placeholder 4"/>
           <p:cNvSpPr>
             <a:spLocks noGrp="1"/>
@@ -2273,28 +2083,6 @@
           <a:lstStyle/>
           <a:p>
             <a:endParaRPr lang="en-GB"/>
-          </a:p>
-        </p:txBody>
-      </p:sp>
-      <p:sp>
-        <p:nvSpPr>
-          <p:cNvPr id="3" name="Footer Placeholder 2"/>
-          <p:cNvSpPr>
-            <a:spLocks noGrp="1"/>
-          </p:cNvSpPr>
-          <p:nvPr>
-            <p:ph type="ftr" sz="quarter" idx="11"/>
-          </p:nvPr>
-        </p:nvSpPr>
-        <p:spPr/>
-        <p:txBody>
-          <a:bodyPr/>
-          <a:lstStyle/>
-          <a:p>
-            <a:r>
-              <a:rPr lang="en-GB"/>
-              <a:t>MSC HEALTH DATA SCIENCE</a:t>
-            </a:r>
           </a:p>
         </p:txBody>
       </p:sp>
@@ -2554,28 +2342,6 @@
       </p:sp>
       <p:sp>
         <p:nvSpPr>
-          <p:cNvPr id="6" name="Footer Placeholder 5"/>
-          <p:cNvSpPr>
-            <a:spLocks noGrp="1"/>
-          </p:cNvSpPr>
-          <p:nvPr>
-            <p:ph type="ftr" sz="quarter" idx="11"/>
-          </p:nvPr>
-        </p:nvSpPr>
-        <p:spPr/>
-        <p:txBody>
-          <a:bodyPr/>
-          <a:lstStyle/>
-          <a:p>
-            <a:r>
-              <a:rPr lang="en-GB"/>
-              <a:t>MSC HEALTH DATA SCIENCE</a:t>
-            </a:r>
-          </a:p>
-        </p:txBody>
-      </p:sp>
-      <p:sp>
-        <p:nvSpPr>
           <p:cNvPr id="7" name="Slide Number Placeholder 6"/>
           <p:cNvSpPr>
             <a:spLocks noGrp="1"/>
@@ -2810,28 +2576,6 @@
       </p:sp>
       <p:sp>
         <p:nvSpPr>
-          <p:cNvPr id="6" name="Footer Placeholder 5"/>
-          <p:cNvSpPr>
-            <a:spLocks noGrp="1"/>
-          </p:cNvSpPr>
-          <p:nvPr>
-            <p:ph type="ftr" sz="quarter" idx="11"/>
-          </p:nvPr>
-        </p:nvSpPr>
-        <p:spPr/>
-        <p:txBody>
-          <a:bodyPr/>
-          <a:lstStyle/>
-          <a:p>
-            <a:r>
-              <a:rPr lang="en-GB"/>
-              <a:t>MSC HEALTH DATA SCIENCE</a:t>
-            </a:r>
-          </a:p>
-        </p:txBody>
-      </p:sp>
-      <p:sp>
-        <p:nvSpPr>
           <p:cNvPr id="7" name="Slide Number Placeholder 6"/>
           <p:cNvSpPr>
             <a:spLocks noGrp="1"/>
@@ -3017,44 +2761,6 @@
           </a:lstStyle>
           <a:p>
             <a:endParaRPr lang="en-GB"/>
-          </a:p>
-        </p:txBody>
-      </p:sp>
-      <p:sp>
-        <p:nvSpPr>
-          <p:cNvPr id="5" name="Footer Placeholder 4"/>
-          <p:cNvSpPr>
-            <a:spLocks noGrp="1"/>
-          </p:cNvSpPr>
-          <p:nvPr>
-            <p:ph type="ftr" sz="quarter" idx="3"/>
-          </p:nvPr>
-        </p:nvSpPr>
-        <p:spPr>
-          <a:xfrm>
-            <a:off x="634066" y="6371762"/>
-            <a:ext cx="2041125" cy="365125"/>
-          </a:xfrm>
-          <a:prstGeom prst="rect">
-            <a:avLst/>
-          </a:prstGeom>
-        </p:spPr>
-        <p:txBody>
-          <a:bodyPr vert="horz" lIns="91440" tIns="45720" rIns="91440" bIns="45720" rtlCol="0" anchor="ctr"/>
-          <a:lstStyle>
-            <a:lvl1pPr algn="l">
-              <a:defRPr sz="1200" b="1">
-                <a:solidFill>
-                  <a:srgbClr val="0B4293"/>
-                </a:solidFill>
-              </a:defRPr>
-            </a:lvl1pPr>
-          </a:lstStyle>
-          <a:p>
-            <a:r>
-              <a:rPr lang="en-GB"/>
-              <a:t>MSC HEALTH DATA SCIENCE</a:t>
-            </a:r>
           </a:p>
         </p:txBody>
       </p:sp>
@@ -3644,7 +3350,14 @@
               <a:rPr lang="en-GB" dirty="0">
                 <a:cs typeface="Calibri"/>
               </a:rPr>
-              <a:t>Dr Olly Butters</a:t>
+              <a:t>Dr Olly Butters &amp; </a:t>
+            </a:r>
+            <a:r>
+              <a:rPr lang="en-GB" dirty="0">
+                <a:ea typeface="+mn-lt"/>
+                <a:cs typeface="+mn-lt"/>
+              </a:rPr>
+              <a:t>Roberto Villegas-Diaz</a:t>
             </a:r>
           </a:p>
           <a:p>
@@ -3659,36 +3372,13 @@
             <a:r>
               <a:rPr lang="en-GB" dirty="0">
                 <a:cs typeface="Calibri"/>
+                <a:hlinkClick r:id="rId2"/>
               </a:rPr>
               <a:t>olly.butters@liverpool.ac.uk</a:t>
             </a:r>
           </a:p>
-        </p:txBody>
-      </p:sp>
-      <p:sp>
-        <p:nvSpPr>
-          <p:cNvPr id="6" name="Footer Placeholder 5"/>
-          <p:cNvSpPr>
-            <a:spLocks noGrp="1"/>
-          </p:cNvSpPr>
-          <p:nvPr>
-            <p:ph type="ftr" sz="quarter" idx="3"/>
-          </p:nvPr>
-        </p:nvSpPr>
-        <p:spPr>
-          <a:xfrm>
-            <a:off x="2577268" y="6360929"/>
-            <a:ext cx="4114800" cy="365125"/>
-          </a:xfrm>
-        </p:spPr>
-        <p:txBody>
-          <a:bodyPr/>
-          <a:lstStyle/>
-          <a:p>
-            <a:r>
-              <a:rPr lang="en-GB"/>
-              <a:t>MSC HEALTH DATA SCIENCE</a:t>
-            </a:r>
+          <a:p>
+            <a:endParaRPr lang="en-GB" dirty="0"/>
           </a:p>
         </p:txBody>
       </p:sp>
@@ -3898,7 +3588,7 @@
               <a:buFont typeface="Arial" panose="05000000000000000000" pitchFamily="2" charset="2"/>
               <a:buChar char="•"/>
             </a:pPr>
-            <a:endParaRPr lang="en-GB">
+            <a:endParaRPr lang="en-GB" dirty="0">
               <a:cs typeface="Calibri" panose="020F0502020204030204"/>
             </a:endParaRPr>
           </a:p>
@@ -3907,7 +3597,7 @@
               <a:buFont typeface="Arial" panose="05000000000000000000" pitchFamily="2" charset="2"/>
               <a:buChar char="•"/>
             </a:pPr>
-            <a:endParaRPr lang="en-GB">
+            <a:endParaRPr lang="en-GB" dirty="0">
               <a:cs typeface="Calibri" panose="020F0502020204030204"/>
             </a:endParaRPr>
           </a:p>
@@ -3916,37 +3606,9 @@
               <a:buFont typeface="Arial" panose="05000000000000000000" pitchFamily="2" charset="2"/>
               <a:buChar char="•"/>
             </a:pPr>
-            <a:endParaRPr lang="en-GB">
+            <a:endParaRPr lang="en-GB" dirty="0">
               <a:cs typeface="Calibri" panose="020F0502020204030204"/>
             </a:endParaRPr>
-          </a:p>
-        </p:txBody>
-      </p:sp>
-      <p:sp>
-        <p:nvSpPr>
-          <p:cNvPr id="4" name="Footer Placeholder 3">
-            <a:extLst>
-              <a:ext uri="{FF2B5EF4-FFF2-40B4-BE49-F238E27FC236}">
-                <a16:creationId xmlns:a16="http://schemas.microsoft.com/office/drawing/2014/main" id="{520D950C-FD30-463D-AFA4-96B8408E7B9D}"/>
-              </a:ext>
-            </a:extLst>
-          </p:cNvPr>
-          <p:cNvSpPr>
-            <a:spLocks noGrp="1"/>
-          </p:cNvSpPr>
-          <p:nvPr>
-            <p:ph type="ftr" sz="quarter" idx="11"/>
-          </p:nvPr>
-        </p:nvSpPr>
-        <p:spPr/>
-        <p:txBody>
-          <a:bodyPr/>
-          <a:lstStyle/>
-          <a:p>
-            <a:r>
-              <a:rPr lang="en-GB"/>
-              <a:t>MSC HEALTH DATA SCIENCE</a:t>
-            </a:r>
           </a:p>
         </p:txBody>
       </p:sp>
@@ -4071,34 +3733,6 @@
       </p:pic>
       <p:sp>
         <p:nvSpPr>
-          <p:cNvPr id="4" name="Footer Placeholder 3">
-            <a:extLst>
-              <a:ext uri="{FF2B5EF4-FFF2-40B4-BE49-F238E27FC236}">
-                <a16:creationId xmlns:a16="http://schemas.microsoft.com/office/drawing/2014/main" id="{D82DAD38-8A5F-441F-8448-3EEEC3F5285E}"/>
-              </a:ext>
-            </a:extLst>
-          </p:cNvPr>
-          <p:cNvSpPr>
-            <a:spLocks noGrp="1"/>
-          </p:cNvSpPr>
-          <p:nvPr>
-            <p:ph type="ftr" sz="quarter" idx="11"/>
-          </p:nvPr>
-        </p:nvSpPr>
-        <p:spPr/>
-        <p:txBody>
-          <a:bodyPr/>
-          <a:lstStyle/>
-          <a:p>
-            <a:r>
-              <a:rPr lang="en-GB"/>
-              <a:t>MSC HEALTH DATA SCIENCE</a:t>
-            </a:r>
-          </a:p>
-        </p:txBody>
-      </p:sp>
-      <p:sp>
-        <p:nvSpPr>
           <p:cNvPr id="5" name="Slide Number Placeholder 4">
             <a:extLst>
               <a:ext uri="{FF2B5EF4-FFF2-40B4-BE49-F238E27FC236}">
@@ -4339,34 +3973,6 @@
       </p:pic>
       <p:sp>
         <p:nvSpPr>
-          <p:cNvPr id="4" name="Footer Placeholder 3">
-            <a:extLst>
-              <a:ext uri="{FF2B5EF4-FFF2-40B4-BE49-F238E27FC236}">
-                <a16:creationId xmlns:a16="http://schemas.microsoft.com/office/drawing/2014/main" id="{D82DAD38-8A5F-441F-8448-3EEEC3F5285E}"/>
-              </a:ext>
-            </a:extLst>
-          </p:cNvPr>
-          <p:cNvSpPr>
-            <a:spLocks noGrp="1"/>
-          </p:cNvSpPr>
-          <p:nvPr>
-            <p:ph type="ftr" sz="quarter" idx="11"/>
-          </p:nvPr>
-        </p:nvSpPr>
-        <p:spPr/>
-        <p:txBody>
-          <a:bodyPr/>
-          <a:lstStyle/>
-          <a:p>
-            <a:r>
-              <a:rPr lang="en-GB"/>
-              <a:t>MSC HEALTH DATA SCIENCE</a:t>
-            </a:r>
-          </a:p>
-        </p:txBody>
-      </p:sp>
-      <p:sp>
-        <p:nvSpPr>
           <p:cNvPr id="5" name="Slide Number Placeholder 4">
             <a:extLst>
               <a:ext uri="{FF2B5EF4-FFF2-40B4-BE49-F238E27FC236}">
@@ -5052,34 +4658,6 @@
       </p:sp>
       <p:sp>
         <p:nvSpPr>
-          <p:cNvPr id="4" name="Footer Placeholder 3">
-            <a:extLst>
-              <a:ext uri="{FF2B5EF4-FFF2-40B4-BE49-F238E27FC236}">
-                <a16:creationId xmlns:a16="http://schemas.microsoft.com/office/drawing/2014/main" id="{A20B03A6-B0EF-441A-9D19-D7C2F86227CF}"/>
-              </a:ext>
-            </a:extLst>
-          </p:cNvPr>
-          <p:cNvSpPr>
-            <a:spLocks noGrp="1"/>
-          </p:cNvSpPr>
-          <p:nvPr>
-            <p:ph type="ftr" sz="quarter" idx="11"/>
-          </p:nvPr>
-        </p:nvSpPr>
-        <p:spPr/>
-        <p:txBody>
-          <a:bodyPr/>
-          <a:lstStyle/>
-          <a:p>
-            <a:r>
-              <a:rPr lang="en-GB"/>
-              <a:t>MSC HEALTH DATA SCIENCE</a:t>
-            </a:r>
-          </a:p>
-        </p:txBody>
-      </p:sp>
-      <p:sp>
-        <p:nvSpPr>
           <p:cNvPr id="5" name="Slide Number Placeholder 4">
             <a:extLst>
               <a:ext uri="{FF2B5EF4-FFF2-40B4-BE49-F238E27FC236}">
@@ -5239,34 +4817,6 @@
       </p:sp>
       <p:sp>
         <p:nvSpPr>
-          <p:cNvPr id="4" name="Footer Placeholder 3">
-            <a:extLst>
-              <a:ext uri="{FF2B5EF4-FFF2-40B4-BE49-F238E27FC236}">
-                <a16:creationId xmlns:a16="http://schemas.microsoft.com/office/drawing/2014/main" id="{75F2E417-5215-607C-D299-1FB6C578D300}"/>
-              </a:ext>
-            </a:extLst>
-          </p:cNvPr>
-          <p:cNvSpPr>
-            <a:spLocks noGrp="1"/>
-          </p:cNvSpPr>
-          <p:nvPr>
-            <p:ph type="ftr" sz="quarter" idx="11"/>
-          </p:nvPr>
-        </p:nvSpPr>
-        <p:spPr/>
-        <p:txBody>
-          <a:bodyPr/>
-          <a:lstStyle/>
-          <a:p>
-            <a:r>
-              <a:rPr lang="en-GB"/>
-              <a:t>MSC HEALTH DATA SCIENCE</a:t>
-            </a:r>
-          </a:p>
-        </p:txBody>
-      </p:sp>
-      <p:sp>
-        <p:nvSpPr>
           <p:cNvPr id="5" name="Slide Number Placeholder 4">
             <a:extLst>
               <a:ext uri="{FF2B5EF4-FFF2-40B4-BE49-F238E27FC236}">
@@ -5720,34 +5270,6 @@
       </p:sp>
       <p:sp>
         <p:nvSpPr>
-          <p:cNvPr id="4" name="Footer Placeholder 3">
-            <a:extLst>
-              <a:ext uri="{FF2B5EF4-FFF2-40B4-BE49-F238E27FC236}">
-                <a16:creationId xmlns:a16="http://schemas.microsoft.com/office/drawing/2014/main" id="{B6C7C547-6F8E-4D59-8977-3698BCEED57D}"/>
-              </a:ext>
-            </a:extLst>
-          </p:cNvPr>
-          <p:cNvSpPr>
-            <a:spLocks noGrp="1"/>
-          </p:cNvSpPr>
-          <p:nvPr>
-            <p:ph type="ftr" sz="quarter" idx="11"/>
-          </p:nvPr>
-        </p:nvSpPr>
-        <p:spPr/>
-        <p:txBody>
-          <a:bodyPr/>
-          <a:lstStyle/>
-          <a:p>
-            <a:r>
-              <a:rPr lang="en-GB"/>
-              <a:t>MSC HEALTH DATA SCIENCE</a:t>
-            </a:r>
-          </a:p>
-        </p:txBody>
-      </p:sp>
-      <p:sp>
-        <p:nvSpPr>
           <p:cNvPr id="5" name="Slide Number Placeholder 4">
             <a:extLst>
               <a:ext uri="{FF2B5EF4-FFF2-40B4-BE49-F238E27FC236}">
@@ -5964,34 +5486,6 @@
       </p:sp>
       <p:sp>
         <p:nvSpPr>
-          <p:cNvPr id="4" name="Footer Placeholder 3">
-            <a:extLst>
-              <a:ext uri="{FF2B5EF4-FFF2-40B4-BE49-F238E27FC236}">
-                <a16:creationId xmlns:a16="http://schemas.microsoft.com/office/drawing/2014/main" id="{B6C7C547-6F8E-4D59-8977-3698BCEED57D}"/>
-              </a:ext>
-            </a:extLst>
-          </p:cNvPr>
-          <p:cNvSpPr>
-            <a:spLocks noGrp="1"/>
-          </p:cNvSpPr>
-          <p:nvPr>
-            <p:ph type="ftr" sz="quarter" idx="11"/>
-          </p:nvPr>
-        </p:nvSpPr>
-        <p:spPr/>
-        <p:txBody>
-          <a:bodyPr/>
-          <a:lstStyle/>
-          <a:p>
-            <a:r>
-              <a:rPr lang="en-GB"/>
-              <a:t>MSC HEALTH DATA SCIENCE</a:t>
-            </a:r>
-          </a:p>
-        </p:txBody>
-      </p:sp>
-      <p:sp>
-        <p:nvSpPr>
           <p:cNvPr id="5" name="Slide Number Placeholder 4">
             <a:extLst>
               <a:ext uri="{FF2B5EF4-FFF2-40B4-BE49-F238E27FC236}">
@@ -6131,34 +5625,6 @@
       </p:sp>
       <p:sp>
         <p:nvSpPr>
-          <p:cNvPr id="4" name="Footer Placeholder 3">
-            <a:extLst>
-              <a:ext uri="{FF2B5EF4-FFF2-40B4-BE49-F238E27FC236}">
-                <a16:creationId xmlns:a16="http://schemas.microsoft.com/office/drawing/2014/main" id="{00672F1D-F38C-F37F-9FBB-15E608FC1774}"/>
-              </a:ext>
-            </a:extLst>
-          </p:cNvPr>
-          <p:cNvSpPr>
-            <a:spLocks noGrp="1"/>
-          </p:cNvSpPr>
-          <p:nvPr>
-            <p:ph type="ftr" sz="quarter" idx="11"/>
-          </p:nvPr>
-        </p:nvSpPr>
-        <p:spPr/>
-        <p:txBody>
-          <a:bodyPr/>
-          <a:lstStyle/>
-          <a:p>
-            <a:r>
-              <a:rPr lang="en-GB"/>
-              <a:t>MSC HEALTH DATA SCIENCE</a:t>
-            </a:r>
-          </a:p>
-        </p:txBody>
-      </p:sp>
-      <p:sp>
-        <p:nvSpPr>
           <p:cNvPr id="5" name="Slide Number Placeholder 4">
             <a:extLst>
               <a:ext uri="{FF2B5EF4-FFF2-40B4-BE49-F238E27FC236}">
@@ -6280,39 +5746,37 @@
               <a:buChar char="•"/>
             </a:pPr>
             <a:r>
-              <a:rPr lang="en-GB">
+              <a:rPr lang="en-GB" dirty="0">
                 <a:cs typeface="Calibri" panose="020F0502020204030204"/>
               </a:rPr>
               <a:t>Web tool to help explore and use compliant APIs</a:t>
             </a:r>
           </a:p>
-        </p:txBody>
-      </p:sp>
-      <p:sp>
-        <p:nvSpPr>
-          <p:cNvPr id="4" name="Footer Placeholder 3">
-            <a:extLst>
-              <a:ext uri="{FF2B5EF4-FFF2-40B4-BE49-F238E27FC236}">
-                <a16:creationId xmlns:a16="http://schemas.microsoft.com/office/drawing/2014/main" id="{E3D3E118-0E2F-4F31-929D-7CE51F98925D}"/>
-              </a:ext>
-            </a:extLst>
-          </p:cNvPr>
-          <p:cNvSpPr>
-            <a:spLocks noGrp="1"/>
-          </p:cNvSpPr>
-          <p:nvPr>
-            <p:ph type="ftr" sz="quarter" idx="11"/>
-          </p:nvPr>
-        </p:nvSpPr>
-        <p:spPr/>
-        <p:txBody>
-          <a:bodyPr/>
-          <a:lstStyle/>
-          <a:p>
-            <a:r>
-              <a:rPr lang="en-GB"/>
-              <a:t>MSC HEALTH DATA SCIENCE</a:t>
-            </a:r>
+          <a:p>
+            <a:pPr>
+              <a:buFont typeface="Arial" panose="05000000000000000000" pitchFamily="2" charset="2"/>
+              <a:buChar char="•"/>
+            </a:pPr>
+            <a:r>
+              <a:rPr lang="en-GB" dirty="0">
+                <a:ea typeface="+mn-lt"/>
+                <a:cs typeface="+mn-lt"/>
+                <a:hlinkClick r:id="rId2"/>
+              </a:rPr>
+              <a:t>https://api.openaq.org/</a:t>
+            </a:r>
+            <a:endParaRPr lang="en-GB" dirty="0">
+              <a:ea typeface="+mn-lt"/>
+              <a:cs typeface="+mn-lt"/>
+            </a:endParaRPr>
+          </a:p>
+          <a:p>
+            <a:pPr marL="0" indent="0">
+              <a:buNone/>
+            </a:pPr>
+            <a:endParaRPr lang="en-GB" dirty="0">
+              <a:cs typeface="Calibri" panose="020F0502020204030204"/>
+            </a:endParaRPr>
           </a:p>
         </p:txBody>
       </p:sp>
@@ -6347,10 +5811,10 @@
       </p:sp>
       <p:pic>
         <p:nvPicPr>
-          <p:cNvPr id="6" name="Picture 6">
-            <a:extLst>
-              <a:ext uri="{FF2B5EF4-FFF2-40B4-BE49-F238E27FC236}">
-                <a16:creationId xmlns:a16="http://schemas.microsoft.com/office/drawing/2014/main" id="{390C15D2-599E-4F5B-8D7B-C6D68B683A98}"/>
+          <p:cNvPr id="8" name="Picture 8" descr="Graphical user interface, application, email&#10;&#10;Description automatically generated">
+            <a:extLst>
+              <a:ext uri="{FF2B5EF4-FFF2-40B4-BE49-F238E27FC236}">
+                <a16:creationId xmlns:a16="http://schemas.microsoft.com/office/drawing/2014/main" id="{25E340DB-EA74-4629-D974-F3A7FD525523}"/>
               </a:ext>
             </a:extLst>
           </p:cNvPr>
@@ -6360,15 +5824,15 @@
           <p:nvPr/>
         </p:nvPicPr>
         <p:blipFill>
-          <a:blip r:embed="rId2"/>
+          <a:blip r:embed="rId3"/>
           <a:stretch>
             <a:fillRect/>
           </a:stretch>
         </p:blipFill>
         <p:spPr>
           <a:xfrm>
-            <a:off x="3700364" y="35961"/>
-            <a:ext cx="8524216" cy="23036371"/>
+            <a:off x="5464630" y="96505"/>
+            <a:ext cx="5747656" cy="6664991"/>
           </a:xfrm>
           <a:prstGeom prst="rect">
             <a:avLst/>
@@ -6436,109 +5900,21 @@
           </a:p>
         </p:txBody>
       </p:sp>
-      <p:sp>
-        <p:nvSpPr>
-          <p:cNvPr id="3" name="Content Placeholder 2">
-            <a:extLst>
-              <a:ext uri="{FF2B5EF4-FFF2-40B4-BE49-F238E27FC236}">
-                <a16:creationId xmlns:a16="http://schemas.microsoft.com/office/drawing/2014/main" id="{D927585D-F699-4224-AD32-153B513C208E}"/>
-              </a:ext>
-            </a:extLst>
-          </p:cNvPr>
-          <p:cNvSpPr>
-            <a:spLocks noGrp="1"/>
-          </p:cNvSpPr>
-          <p:nvPr>
-            <p:ph idx="1"/>
-          </p:nvPr>
-        </p:nvSpPr>
-        <p:spPr/>
-        <p:txBody>
-          <a:bodyPr vert="horz" lIns="91440" tIns="45720" rIns="91440" bIns="45720" rtlCol="0" anchor="t">
-            <a:normAutofit/>
-          </a:bodyPr>
-          <a:lstStyle/>
-          <a:p>
-            <a:pPr>
-              <a:buFont typeface="Arial" panose="05000000000000000000" pitchFamily="2" charset="2"/>
-              <a:buChar char="•"/>
-            </a:pPr>
-            <a:endParaRPr lang="en-GB">
-              <a:cs typeface="Calibri" panose="020F0502020204030204"/>
-            </a:endParaRPr>
-          </a:p>
-        </p:txBody>
-      </p:sp>
-      <p:sp>
-        <p:nvSpPr>
-          <p:cNvPr id="4" name="Footer Placeholder 3">
-            <a:extLst>
-              <a:ext uri="{FF2B5EF4-FFF2-40B4-BE49-F238E27FC236}">
-                <a16:creationId xmlns:a16="http://schemas.microsoft.com/office/drawing/2014/main" id="{E3D3E118-0E2F-4F31-929D-7CE51F98925D}"/>
-              </a:ext>
-            </a:extLst>
-          </p:cNvPr>
-          <p:cNvSpPr>
-            <a:spLocks noGrp="1"/>
-          </p:cNvSpPr>
-          <p:nvPr>
-            <p:ph type="ftr" sz="quarter" idx="11"/>
-          </p:nvPr>
-        </p:nvSpPr>
-        <p:spPr/>
-        <p:txBody>
-          <a:bodyPr/>
-          <a:lstStyle/>
-          <a:p>
-            <a:r>
-              <a:rPr lang="en-GB"/>
-              <a:t>MSC HEALTH DATA SCIENCE</a:t>
-            </a:r>
-          </a:p>
-        </p:txBody>
-      </p:sp>
-      <p:sp>
-        <p:nvSpPr>
-          <p:cNvPr id="5" name="Slide Number Placeholder 4">
-            <a:extLst>
-              <a:ext uri="{FF2B5EF4-FFF2-40B4-BE49-F238E27FC236}">
-                <a16:creationId xmlns:a16="http://schemas.microsoft.com/office/drawing/2014/main" id="{EBDBE694-89F1-4C4A-991D-DF3DB89258E8}"/>
-              </a:ext>
-            </a:extLst>
-          </p:cNvPr>
-          <p:cNvSpPr>
-            <a:spLocks noGrp="1"/>
-          </p:cNvSpPr>
-          <p:nvPr>
-            <p:ph type="sldNum" sz="quarter" idx="12"/>
-          </p:nvPr>
-        </p:nvSpPr>
-        <p:spPr/>
-        <p:txBody>
-          <a:bodyPr/>
-          <a:lstStyle/>
-          <a:p>
-            <a:fld id="{FC59658C-DD7A-4587-BD02-DE6DA26F2584}" type="slidenum">
-              <a:rPr lang="en-GB" smtClean="0"/>
-              <a:t>19</a:t>
-            </a:fld>
-            <a:endParaRPr lang="en-GB"/>
-          </a:p>
-        </p:txBody>
-      </p:sp>
       <p:pic>
         <p:nvPicPr>
-          <p:cNvPr id="7" name="Picture 7">
-            <a:extLst>
-              <a:ext uri="{FF2B5EF4-FFF2-40B4-BE49-F238E27FC236}">
-                <a16:creationId xmlns:a16="http://schemas.microsoft.com/office/drawing/2014/main" id="{09CD3BA9-7818-4328-9081-7876D4960E35}"/>
+          <p:cNvPr id="6" name="Picture 7" descr="Graphical user interface, application&#10;&#10;Description automatically generated">
+            <a:extLst>
+              <a:ext uri="{FF2B5EF4-FFF2-40B4-BE49-F238E27FC236}">
+                <a16:creationId xmlns:a16="http://schemas.microsoft.com/office/drawing/2014/main" id="{EF6CD388-096A-158B-3AEB-82A3B7589202}"/>
               </a:ext>
             </a:extLst>
           </p:cNvPr>
           <p:cNvPicPr>
-            <a:picLocks noChangeAspect="1"/>
+            <a:picLocks noGrp="1" noChangeAspect="1"/>
           </p:cNvPicPr>
-          <p:nvPr/>
+          <p:nvPr>
+            <p:ph idx="1"/>
+          </p:nvPr>
         </p:nvPicPr>
         <p:blipFill>
           <a:blip r:embed="rId2"/>
@@ -6548,14 +5924,40 @@
         </p:blipFill>
         <p:spPr>
           <a:xfrm>
-            <a:off x="3313409" y="78768"/>
-            <a:ext cx="8022418" cy="38584595"/>
-          </a:xfrm>
-          <a:prstGeom prst="rect">
-            <a:avLst/>
-          </a:prstGeom>
+            <a:off x="5085970" y="204107"/>
+            <a:ext cx="5616885" cy="6513966"/>
+          </a:xfrm>
         </p:spPr>
       </p:pic>
+      <p:sp>
+        <p:nvSpPr>
+          <p:cNvPr id="5" name="Slide Number Placeholder 4">
+            <a:extLst>
+              <a:ext uri="{FF2B5EF4-FFF2-40B4-BE49-F238E27FC236}">
+                <a16:creationId xmlns:a16="http://schemas.microsoft.com/office/drawing/2014/main" id="{EBDBE694-89F1-4C4A-991D-DF3DB89258E8}"/>
+              </a:ext>
+            </a:extLst>
+          </p:cNvPr>
+          <p:cNvSpPr>
+            <a:spLocks noGrp="1"/>
+          </p:cNvSpPr>
+          <p:nvPr>
+            <p:ph type="sldNum" sz="quarter" idx="12"/>
+          </p:nvPr>
+        </p:nvSpPr>
+        <p:spPr/>
+        <p:txBody>
+          <a:bodyPr/>
+          <a:lstStyle/>
+          <a:p>
+            <a:fld id="{FC59658C-DD7A-4587-BD02-DE6DA26F2584}" type="slidenum">
+              <a:rPr lang="en-GB" smtClean="0"/>
+              <a:t>19</a:t>
+            </a:fld>
+            <a:endParaRPr lang="en-GB"/>
+          </a:p>
+        </p:txBody>
+      </p:sp>
     </p:spTree>
     <p:extLst>
       <p:ext uri="{BB962C8B-B14F-4D97-AF65-F5344CB8AC3E}">
@@ -6680,13 +6082,13 @@
               <a:buChar char="•"/>
             </a:pPr>
             <a:r>
-              <a:rPr lang="en-GB">
+              <a:rPr lang="en-GB" dirty="0">
                 <a:ea typeface="+mn-lt"/>
                 <a:cs typeface="+mn-lt"/>
               </a:rPr>
               <a:t>RStudio</a:t>
             </a:r>
-            <a:endParaRPr lang="en-GB"/>
+            <a:endParaRPr lang="en-GB" dirty="0"/>
           </a:p>
           <a:p>
             <a:pPr>
@@ -6694,21 +6096,21 @@
               <a:buChar char="•"/>
             </a:pPr>
             <a:r>
-              <a:rPr lang="en-GB">
+              <a:rPr lang="en-GB" dirty="0">
                 <a:ea typeface="+mn-lt"/>
                 <a:cs typeface="+mn-lt"/>
               </a:rPr>
               <a:t>R libraries (</a:t>
             </a:r>
             <a:r>
-              <a:rPr lang="en-GB" err="1">
+              <a:rPr lang="en-GB" dirty="0" err="1">
                 <a:ea typeface="+mn-lt"/>
                 <a:cs typeface="+mn-lt"/>
               </a:rPr>
               <a:t>install.packages</a:t>
             </a:r>
             <a:r>
-              <a:rPr lang="en-GB">
+              <a:rPr lang="en-GB" dirty="0">
                 <a:ea typeface="+mn-lt"/>
                 <a:cs typeface="+mn-lt"/>
               </a:rPr>
@@ -6737,13 +6139,13 @@
               <a:buChar char="•"/>
             </a:pPr>
             <a:r>
-              <a:rPr lang="en-GB" err="1">
+              <a:rPr lang="en-GB" dirty="0" err="1">
                 <a:ea typeface="+mn-lt"/>
                 <a:cs typeface="+mn-lt"/>
               </a:rPr>
               <a:t>jsonlite</a:t>
             </a:r>
-            <a:endParaRPr lang="en-GB">
+            <a:endParaRPr lang="en-GB" dirty="0" err="1">
               <a:cs typeface="Calibri" panose="020F0502020204030204"/>
             </a:endParaRPr>
           </a:p>
@@ -6753,13 +6155,13 @@
               <a:buChar char="•"/>
             </a:pPr>
             <a:r>
-              <a:rPr lang="en-GB" err="1">
+              <a:rPr lang="en-GB" dirty="0">
                 <a:ea typeface="+mn-lt"/>
                 <a:cs typeface="+mn-lt"/>
               </a:rPr>
-              <a:t>tidyverse</a:t>
-            </a:r>
-            <a:endParaRPr lang="en-GB">
+              <a:t>plumber</a:t>
+            </a:r>
+            <a:endParaRPr lang="en-GB" dirty="0">
               <a:cs typeface="Calibri" panose="020F0502020204030204"/>
             </a:endParaRPr>
           </a:p>
@@ -6769,11 +6171,11 @@
               <a:buChar char="•"/>
             </a:pPr>
             <a:r>
-              <a:rPr lang="en-GB">
+              <a:rPr lang="en-GB" err="1">
                 <a:ea typeface="+mn-lt"/>
                 <a:cs typeface="+mn-lt"/>
               </a:rPr>
-              <a:t>plumber</a:t>
+              <a:t>gapminder</a:t>
             </a:r>
             <a:endParaRPr lang="en-GB">
               <a:cs typeface="Calibri" panose="020F0502020204030204"/>
@@ -6789,60 +6191,16 @@
                 <a:ea typeface="+mn-lt"/>
                 <a:cs typeface="+mn-lt"/>
               </a:rPr>
-              <a:t>gapminder</a:t>
+              <a:t>png</a:t>
             </a:r>
             <a:endParaRPr lang="en-GB">
               <a:cs typeface="Calibri" panose="020F0502020204030204"/>
             </a:endParaRPr>
           </a:p>
           <a:p>
-            <a:pPr lvl="1">
-              <a:buFont typeface="Arial" panose="05000000000000000000" pitchFamily="2" charset="2"/>
-              <a:buChar char="•"/>
-            </a:pPr>
-            <a:r>
-              <a:rPr lang="en-GB" err="1">
-                <a:ea typeface="+mn-lt"/>
-                <a:cs typeface="+mn-lt"/>
-              </a:rPr>
-              <a:t>png</a:t>
-            </a:r>
             <a:endParaRPr lang="en-GB">
               <a:cs typeface="Calibri" panose="020F0502020204030204"/>
             </a:endParaRPr>
-          </a:p>
-          <a:p>
-            <a:endParaRPr lang="en-GB">
-              <a:cs typeface="Calibri" panose="020F0502020204030204"/>
-            </a:endParaRPr>
-          </a:p>
-        </p:txBody>
-      </p:sp>
-      <p:sp>
-        <p:nvSpPr>
-          <p:cNvPr id="4" name="Footer Placeholder 3">
-            <a:extLst>
-              <a:ext uri="{FF2B5EF4-FFF2-40B4-BE49-F238E27FC236}">
-                <a16:creationId xmlns:a16="http://schemas.microsoft.com/office/drawing/2014/main" id="{B9E9B714-7B60-413E-BAD6-9F0C9295E281}"/>
-              </a:ext>
-            </a:extLst>
-          </p:cNvPr>
-          <p:cNvSpPr>
-            <a:spLocks noGrp="1"/>
-          </p:cNvSpPr>
-          <p:nvPr>
-            <p:ph type="ftr" sz="quarter" idx="11"/>
-          </p:nvPr>
-        </p:nvSpPr>
-        <p:spPr/>
-        <p:txBody>
-          <a:bodyPr/>
-          <a:lstStyle/>
-          <a:p>
-            <a:r>
-              <a:rPr lang="en-GB"/>
-              <a:t>MSC HEALTH DATA SCIENCE</a:t>
-            </a:r>
           </a:p>
         </p:txBody>
       </p:sp>
@@ -6989,34 +6347,6 @@
       </p:sp>
       <p:sp>
         <p:nvSpPr>
-          <p:cNvPr id="4" name="Footer Placeholder 3">
-            <a:extLst>
-              <a:ext uri="{FF2B5EF4-FFF2-40B4-BE49-F238E27FC236}">
-                <a16:creationId xmlns:a16="http://schemas.microsoft.com/office/drawing/2014/main" id="{594D6165-D52F-4817-9DF9-0C30058721B8}"/>
-              </a:ext>
-            </a:extLst>
-          </p:cNvPr>
-          <p:cNvSpPr>
-            <a:spLocks noGrp="1"/>
-          </p:cNvSpPr>
-          <p:nvPr>
-            <p:ph type="ftr" sz="quarter" idx="11"/>
-          </p:nvPr>
-        </p:nvSpPr>
-        <p:spPr/>
-        <p:txBody>
-          <a:bodyPr/>
-          <a:lstStyle/>
-          <a:p>
-            <a:r>
-              <a:rPr lang="en-GB"/>
-              <a:t>MSC HEALTH DATA SCIENCE</a:t>
-            </a:r>
-          </a:p>
-        </p:txBody>
-      </p:sp>
-      <p:sp>
-        <p:nvSpPr>
           <p:cNvPr id="5" name="Slide Number Placeholder 4">
             <a:extLst>
               <a:ext uri="{FF2B5EF4-FFF2-40B4-BE49-F238E27FC236}">
@@ -7502,34 +6832,6 @@
       </p:sp>
       <p:sp>
         <p:nvSpPr>
-          <p:cNvPr id="4" name="Footer Placeholder 3">
-            <a:extLst>
-              <a:ext uri="{FF2B5EF4-FFF2-40B4-BE49-F238E27FC236}">
-                <a16:creationId xmlns:a16="http://schemas.microsoft.com/office/drawing/2014/main" id="{01D5B108-F2BE-443B-9F10-D0E547A94306}"/>
-              </a:ext>
-            </a:extLst>
-          </p:cNvPr>
-          <p:cNvSpPr>
-            <a:spLocks noGrp="1"/>
-          </p:cNvSpPr>
-          <p:nvPr>
-            <p:ph type="ftr" sz="quarter" idx="11"/>
-          </p:nvPr>
-        </p:nvSpPr>
-        <p:spPr/>
-        <p:txBody>
-          <a:bodyPr/>
-          <a:lstStyle/>
-          <a:p>
-            <a:r>
-              <a:rPr lang="en-GB"/>
-              <a:t>MSC HEALTH DATA SCIENCE</a:t>
-            </a:r>
-          </a:p>
-        </p:txBody>
-      </p:sp>
-      <p:sp>
-        <p:nvSpPr>
           <p:cNvPr id="5" name="Slide Number Placeholder 4">
             <a:extLst>
               <a:ext uri="{FF2B5EF4-FFF2-40B4-BE49-F238E27FC236}">
@@ -7601,8 +6903,8 @@
         </p:nvSpPr>
         <p:spPr>
           <a:xfrm>
-            <a:off x="3920836" y="1122217"/>
-            <a:ext cx="5098472" cy="5230091"/>
+            <a:off x="403390" y="1122217"/>
+            <a:ext cx="5098472" cy="4400056"/>
           </a:xfrm>
           <a:prstGeom prst="ellipse">
             <a:avLst/>
@@ -7650,8 +6952,8 @@
         </p:nvSpPr>
         <p:spPr>
           <a:xfrm>
-            <a:off x="4890654" y="1669471"/>
-            <a:ext cx="3096490" cy="3519053"/>
+            <a:off x="1407225" y="1247650"/>
+            <a:ext cx="3096490" cy="2784268"/>
           </a:xfrm>
           <a:prstGeom prst="ellipse">
             <a:avLst/>
@@ -7718,34 +7020,6 @@
       </p:sp>
       <p:sp>
         <p:nvSpPr>
-          <p:cNvPr id="4" name="Footer Placeholder 3">
-            <a:extLst>
-              <a:ext uri="{FF2B5EF4-FFF2-40B4-BE49-F238E27FC236}">
-                <a16:creationId xmlns:a16="http://schemas.microsoft.com/office/drawing/2014/main" id="{3E3A0FDD-EAA3-4622-B39F-84AECFB06358}"/>
-              </a:ext>
-            </a:extLst>
-          </p:cNvPr>
-          <p:cNvSpPr>
-            <a:spLocks noGrp="1"/>
-          </p:cNvSpPr>
-          <p:nvPr>
-            <p:ph type="ftr" sz="quarter" idx="11"/>
-          </p:nvPr>
-        </p:nvSpPr>
-        <p:spPr/>
-        <p:txBody>
-          <a:bodyPr/>
-          <a:lstStyle/>
-          <a:p>
-            <a:r>
-              <a:rPr lang="en-GB"/>
-              <a:t>MSC HEALTH DATA SCIENCE</a:t>
-            </a:r>
-          </a:p>
-        </p:txBody>
-      </p:sp>
-      <p:sp>
-        <p:nvSpPr>
           <p:cNvPr id="5" name="Slide Number Placeholder 4">
             <a:extLst>
               <a:ext uri="{FF2B5EF4-FFF2-40B4-BE49-F238E27FC236}">
@@ -7800,8 +7074,8 @@
           </a:stretch>
         </p:blipFill>
         <p:spPr>
-          <a:xfrm rot="17520000">
-            <a:off x="3373837" y="1608294"/>
+          <a:xfrm rot="14220000">
+            <a:off x="7476390" y="1091222"/>
             <a:ext cx="1041399" cy="2034308"/>
           </a:xfrm>
           <a:prstGeom prst="rect">
@@ -7836,8 +7110,8 @@
           </a:stretch>
         </p:blipFill>
         <p:spPr>
-          <a:xfrm rot="14940000">
-            <a:off x="3317665" y="3624521"/>
+          <a:xfrm rot="16200000">
+            <a:off x="7882862" y="2257003"/>
             <a:ext cx="1041399" cy="2034308"/>
           </a:xfrm>
           <a:prstGeom prst="rect">
@@ -7872,8 +7146,8 @@
           </a:stretch>
         </p:blipFill>
         <p:spPr>
-          <a:xfrm rot="17520000">
-            <a:off x="8407732" y="3627374"/>
+          <a:xfrm rot="17220000">
+            <a:off x="7604911" y="3362035"/>
             <a:ext cx="1041399" cy="2034308"/>
           </a:xfrm>
           <a:prstGeom prst="rect">
@@ -7881,12 +7155,93 @@
           </a:prstGeom>
         </p:spPr>
       </p:pic>
+      <p:sp>
+        <p:nvSpPr>
+          <p:cNvPr id="23" name="TextBox 22">
+            <a:extLst>
+              <a:ext uri="{FF2B5EF4-FFF2-40B4-BE49-F238E27FC236}">
+                <a16:creationId xmlns:a16="http://schemas.microsoft.com/office/drawing/2014/main" id="{08F26CDA-8C7F-4787-BD3A-02FED31B08BF}"/>
+              </a:ext>
+            </a:extLst>
+          </p:cNvPr>
+          <p:cNvSpPr txBox="1"/>
+          <p:nvPr/>
+        </p:nvSpPr>
+        <p:spPr>
+          <a:xfrm>
+            <a:off x="2019496" y="3008631"/>
+            <a:ext cx="3134239" cy="461665"/>
+          </a:xfrm>
+          <a:prstGeom prst="rect">
+            <a:avLst/>
+          </a:prstGeom>
+          <a:noFill/>
+        </p:spPr>
+        <p:txBody>
+          <a:bodyPr rot="0" spcFirstLastPara="0" vertOverflow="overflow" horzOverflow="overflow" vert="horz" wrap="square" lIns="91440" tIns="45720" rIns="91440" bIns="45720" numCol="1" spcCol="0" rtlCol="0" fromWordArt="0" anchor="t" anchorCtr="0" forceAA="0" compatLnSpc="1">
+            <a:prstTxWarp prst="textNoShape">
+              <a:avLst/>
+            </a:prstTxWarp>
+            <a:spAutoFit/>
+          </a:bodyPr>
+          <a:lstStyle/>
+          <a:p>
+            <a:r>
+              <a:rPr lang="en-GB" sz="2400" b="1" dirty="0">
+                <a:cs typeface="Calibri"/>
+              </a:rPr>
+              <a:t>Run in Plumber</a:t>
+            </a:r>
+            <a:endParaRPr lang="en-US" dirty="0"/>
+          </a:p>
+        </p:txBody>
+      </p:sp>
+      <p:sp>
+        <p:nvSpPr>
+          <p:cNvPr id="24" name="TextBox 23">
+            <a:extLst>
+              <a:ext uri="{FF2B5EF4-FFF2-40B4-BE49-F238E27FC236}">
+                <a16:creationId xmlns:a16="http://schemas.microsoft.com/office/drawing/2014/main" id="{653E4D92-3837-460E-BEA5-68F65D577BFF}"/>
+              </a:ext>
+            </a:extLst>
+          </p:cNvPr>
+          <p:cNvSpPr txBox="1"/>
+          <p:nvPr/>
+        </p:nvSpPr>
+        <p:spPr>
+          <a:xfrm>
+            <a:off x="8935963" y="1811400"/>
+            <a:ext cx="1356188" cy="369332"/>
+          </a:xfrm>
+          <a:prstGeom prst="rect">
+            <a:avLst/>
+          </a:prstGeom>
+          <a:noFill/>
+        </p:spPr>
+        <p:txBody>
+          <a:bodyPr rot="0" spcFirstLastPara="0" vertOverflow="overflow" horzOverflow="overflow" vert="horz" wrap="square" lIns="91440" tIns="45720" rIns="91440" bIns="45720" numCol="1" spcCol="0" rtlCol="0" fromWordArt="0" anchor="t" anchorCtr="0" forceAA="0" compatLnSpc="1">
+            <a:prstTxWarp prst="textNoShape">
+              <a:avLst/>
+            </a:prstTxWarp>
+            <a:spAutoFit/>
+          </a:bodyPr>
+          <a:lstStyle/>
+          <a:p>
+            <a:pPr algn="l"/>
+            <a:r>
+              <a:rPr lang="en-GB"/>
+              <a:t>Swagger</a:t>
+            </a:r>
+            <a:endParaRPr lang="en-US"/>
+          </a:p>
+        </p:txBody>
+      </p:sp>
       <p:pic>
         <p:nvPicPr>
-          <p:cNvPr id="18" name="Graphic 18" descr="Binary with solid fill">
-            <a:extLst>
-              <a:ext uri="{FF2B5EF4-FFF2-40B4-BE49-F238E27FC236}">
-                <a16:creationId xmlns:a16="http://schemas.microsoft.com/office/drawing/2014/main" id="{BCE0F281-06DE-42B1-991F-307BC3957E8B}"/>
+          <p:cNvPr id="28" name="Picture 28">
+            <a:extLst>
+              <a:ext uri="{FF2B5EF4-FFF2-40B4-BE49-F238E27FC236}">
+                <a16:creationId xmlns:a16="http://schemas.microsoft.com/office/drawing/2014/main" id="{79B67B7F-1E03-4E14-BF0A-5B0D89A09475}"/>
               </a:ext>
             </a:extLst>
           </p:cNvPr>
@@ -7896,21 +7251,15 @@
           <p:nvPr/>
         </p:nvPicPr>
         <p:blipFill>
-          <a:blip r:embed="rId4">
-            <a:extLst>
-              <a:ext uri="{96DAC541-7B7A-43D3-8B79-37D633B846F1}">
-                <asvg:svgBlip xmlns:asvg="http://schemas.microsoft.com/office/drawing/2016/SVG/main" r:embed="rId5"/>
-              </a:ext>
-            </a:extLst>
-          </a:blip>
+          <a:blip r:embed="rId4"/>
           <a:stretch>
             <a:fillRect/>
           </a:stretch>
         </p:blipFill>
         <p:spPr>
           <a:xfrm>
-            <a:off x="9976258" y="558800"/>
-            <a:ext cx="914400" cy="914400"/>
+            <a:off x="9023483" y="586061"/>
+            <a:ext cx="1072901" cy="1072901"/>
           </a:xfrm>
           <a:prstGeom prst="rect">
             <a:avLst/>
@@ -7919,10 +7268,10 @@
       </p:pic>
       <p:pic>
         <p:nvPicPr>
-          <p:cNvPr id="19" name="Graphic 19" descr="Cmd Terminal with solid fill">
-            <a:extLst>
-              <a:ext uri="{FF2B5EF4-FFF2-40B4-BE49-F238E27FC236}">
-                <a16:creationId xmlns:a16="http://schemas.microsoft.com/office/drawing/2014/main" id="{AAAD352D-06EB-4439-8E0F-B2DD3632D8DB}"/>
+          <p:cNvPr id="29" name="Picture 29">
+            <a:extLst>
+              <a:ext uri="{FF2B5EF4-FFF2-40B4-BE49-F238E27FC236}">
+                <a16:creationId xmlns:a16="http://schemas.microsoft.com/office/drawing/2014/main" id="{913109AB-FA1C-4980-89C1-47FCDDAF59C8}"/>
               </a:ext>
             </a:extLst>
           </p:cNvPr>
@@ -7932,21 +7281,15 @@
           <p:nvPr/>
         </p:nvPicPr>
         <p:blipFill>
-          <a:blip r:embed="rId6">
-            <a:extLst>
-              <a:ext uri="{96DAC541-7B7A-43D3-8B79-37D633B846F1}">
-                <asvg:svgBlip xmlns:asvg="http://schemas.microsoft.com/office/drawing/2016/SVG/main" r:embed="rId7"/>
-              </a:ext>
-            </a:extLst>
-          </a:blip>
+          <a:blip r:embed="rId5"/>
           <a:stretch>
             <a:fillRect/>
           </a:stretch>
         </p:blipFill>
         <p:spPr>
           <a:xfrm>
-            <a:off x="9017385" y="499435"/>
-            <a:ext cx="914400" cy="914400"/>
+            <a:off x="1674182" y="4097831"/>
+            <a:ext cx="2743200" cy="908738"/>
           </a:xfrm>
           <a:prstGeom prst="rect">
             <a:avLst/>
@@ -7955,10 +7298,10 @@
       </p:pic>
       <p:pic>
         <p:nvPicPr>
-          <p:cNvPr id="21" name="Graphic 13" descr="Sort with solid fill">
-            <a:extLst>
-              <a:ext uri="{FF2B5EF4-FFF2-40B4-BE49-F238E27FC236}">
-                <a16:creationId xmlns:a16="http://schemas.microsoft.com/office/drawing/2014/main" id="{775C6918-0FC9-403B-B0BC-6F14BDFBBB02}"/>
+          <p:cNvPr id="31" name="Picture 31">
+            <a:extLst>
+              <a:ext uri="{FF2B5EF4-FFF2-40B4-BE49-F238E27FC236}">
+                <a16:creationId xmlns:a16="http://schemas.microsoft.com/office/drawing/2014/main" id="{4347625D-4541-4442-B154-700F70B30E1E}"/>
               </a:ext>
             </a:extLst>
           </p:cNvPr>
@@ -7968,192 +7311,27 @@
           <p:nvPr/>
         </p:nvPicPr>
         <p:blipFill>
-          <a:blip r:embed="rId2">
-            <a:extLst>
-              <a:ext uri="{96DAC541-7B7A-43D3-8B79-37D633B846F1}">
-                <asvg:svgBlip xmlns:asvg="http://schemas.microsoft.com/office/drawing/2016/SVG/main" r:embed="rId3"/>
-              </a:ext>
-            </a:extLst>
-          </a:blip>
+          <a:blip r:embed="rId6"/>
           <a:stretch>
             <a:fillRect/>
           </a:stretch>
         </p:blipFill>
         <p:spPr>
-          <a:xfrm rot="14760000">
-            <a:off x="8051898" y="891489"/>
-            <a:ext cx="1041399" cy="2034308"/>
+          <a:xfrm>
+            <a:off x="9558749" y="2545871"/>
+            <a:ext cx="1149957" cy="1149957"/>
           </a:xfrm>
           <a:prstGeom prst="rect">
             <a:avLst/>
           </a:prstGeom>
         </p:spPr>
       </p:pic>
-      <p:sp>
-        <p:nvSpPr>
-          <p:cNvPr id="3" name="TextBox 2">
-            <a:extLst>
-              <a:ext uri="{FF2B5EF4-FFF2-40B4-BE49-F238E27FC236}">
-                <a16:creationId xmlns:a16="http://schemas.microsoft.com/office/drawing/2014/main" id="{D2B559CB-EDA3-4091-B77D-A20473C996F6}"/>
-              </a:ext>
-            </a:extLst>
-          </p:cNvPr>
-          <p:cNvSpPr txBox="1"/>
-          <p:nvPr/>
-        </p:nvSpPr>
-        <p:spPr>
-          <a:xfrm>
-            <a:off x="5167746" y="5398679"/>
-            <a:ext cx="2888671" cy="461665"/>
-          </a:xfrm>
-          <a:prstGeom prst="rect">
-            <a:avLst/>
-          </a:prstGeom>
-          <a:noFill/>
-        </p:spPr>
-        <p:txBody>
-          <a:bodyPr rot="0" spcFirstLastPara="0" vertOverflow="overflow" horzOverflow="overflow" vert="horz" wrap="square" lIns="91440" tIns="45720" rIns="91440" bIns="45720" numCol="1" spcCol="0" rtlCol="0" fromWordArt="0" anchor="t" anchorCtr="0" forceAA="0" compatLnSpc="1">
-            <a:prstTxWarp prst="textNoShape">
-              <a:avLst/>
-            </a:prstTxWarp>
-            <a:spAutoFit/>
-          </a:bodyPr>
-          <a:lstStyle/>
-          <a:p>
-            <a:r>
-              <a:rPr lang="en-GB" sz="2400" b="1"/>
-              <a:t>Run in plumber = API</a:t>
-            </a:r>
-            <a:endParaRPr lang="en-US" sz="2400" b="1">
-              <a:cs typeface="Calibri"/>
-            </a:endParaRPr>
-          </a:p>
-        </p:txBody>
-      </p:sp>
-      <p:sp>
-        <p:nvSpPr>
-          <p:cNvPr id="23" name="TextBox 22">
-            <a:extLst>
-              <a:ext uri="{FF2B5EF4-FFF2-40B4-BE49-F238E27FC236}">
-                <a16:creationId xmlns:a16="http://schemas.microsoft.com/office/drawing/2014/main" id="{08F26CDA-8C7F-4787-BD3A-02FED31B08BF}"/>
-              </a:ext>
-            </a:extLst>
-          </p:cNvPr>
-          <p:cNvSpPr txBox="1"/>
-          <p:nvPr/>
-        </p:nvSpPr>
-        <p:spPr>
-          <a:xfrm>
-            <a:off x="5298818" y="3634559"/>
-            <a:ext cx="3134239" cy="830997"/>
-          </a:xfrm>
-          <a:prstGeom prst="rect">
-            <a:avLst/>
-          </a:prstGeom>
-          <a:noFill/>
-        </p:spPr>
-        <p:txBody>
-          <a:bodyPr rot="0" spcFirstLastPara="0" vertOverflow="overflow" horzOverflow="overflow" vert="horz" wrap="square" lIns="91440" tIns="45720" rIns="91440" bIns="45720" numCol="1" spcCol="0" rtlCol="0" fromWordArt="0" anchor="t" anchorCtr="0" forceAA="0" compatLnSpc="1">
-            <a:prstTxWarp prst="textNoShape">
-              <a:avLst/>
-            </a:prstTxWarp>
-            <a:spAutoFit/>
-          </a:bodyPr>
-          <a:lstStyle/>
-          <a:p>
-            <a:r>
-              <a:rPr lang="en-GB" sz="2400" b="1">
-                <a:cs typeface="Calibri"/>
-              </a:rPr>
-              <a:t>Add decorators = Plumber function</a:t>
-            </a:r>
-          </a:p>
-        </p:txBody>
-      </p:sp>
-      <p:sp>
-        <p:nvSpPr>
-          <p:cNvPr id="24" name="TextBox 23">
-            <a:extLst>
-              <a:ext uri="{FF2B5EF4-FFF2-40B4-BE49-F238E27FC236}">
-                <a16:creationId xmlns:a16="http://schemas.microsoft.com/office/drawing/2014/main" id="{653E4D92-3837-460E-BEA5-68F65D577BFF}"/>
-              </a:ext>
-            </a:extLst>
-          </p:cNvPr>
-          <p:cNvSpPr txBox="1"/>
-          <p:nvPr/>
-        </p:nvSpPr>
-        <p:spPr>
-          <a:xfrm>
-            <a:off x="1588106" y="2675454"/>
-            <a:ext cx="1356188" cy="369332"/>
-          </a:xfrm>
-          <a:prstGeom prst="rect">
-            <a:avLst/>
-          </a:prstGeom>
-          <a:noFill/>
-        </p:spPr>
-        <p:txBody>
-          <a:bodyPr rot="0" spcFirstLastPara="0" vertOverflow="overflow" horzOverflow="overflow" vert="horz" wrap="square" lIns="91440" tIns="45720" rIns="91440" bIns="45720" numCol="1" spcCol="0" rtlCol="0" fromWordArt="0" anchor="t" anchorCtr="0" forceAA="0" compatLnSpc="1">
-            <a:prstTxWarp prst="textNoShape">
-              <a:avLst/>
-            </a:prstTxWarp>
-            <a:spAutoFit/>
-          </a:bodyPr>
-          <a:lstStyle/>
-          <a:p>
-            <a:pPr algn="l"/>
-            <a:r>
-              <a:rPr lang="en-GB"/>
-              <a:t>Swagger</a:t>
-            </a:r>
-            <a:endParaRPr lang="en-US"/>
-          </a:p>
-        </p:txBody>
-      </p:sp>
-      <p:sp>
-        <p:nvSpPr>
-          <p:cNvPr id="27" name="TextBox 26">
-            <a:extLst>
-              <a:ext uri="{FF2B5EF4-FFF2-40B4-BE49-F238E27FC236}">
-                <a16:creationId xmlns:a16="http://schemas.microsoft.com/office/drawing/2014/main" id="{C3D29DB6-28B0-4A3E-9423-862192442C07}"/>
-              </a:ext>
-            </a:extLst>
-          </p:cNvPr>
-          <p:cNvSpPr txBox="1"/>
-          <p:nvPr/>
-        </p:nvSpPr>
-        <p:spPr>
-          <a:xfrm>
-            <a:off x="9373456" y="1607905"/>
-            <a:ext cx="1852773" cy="369332"/>
-          </a:xfrm>
-          <a:prstGeom prst="rect">
-            <a:avLst/>
-          </a:prstGeom>
-          <a:noFill/>
-        </p:spPr>
-        <p:txBody>
-          <a:bodyPr rot="0" spcFirstLastPara="0" vertOverflow="overflow" horzOverflow="overflow" vert="horz" wrap="square" lIns="91440" tIns="45720" rIns="91440" bIns="45720" numCol="1" spcCol="0" rtlCol="0" fromWordArt="0" anchor="t" anchorCtr="0" forceAA="0" compatLnSpc="1">
-            <a:prstTxWarp prst="textNoShape">
-              <a:avLst/>
-            </a:prstTxWarp>
-            <a:spAutoFit/>
-          </a:bodyPr>
-          <a:lstStyle/>
-          <a:p>
-            <a:r>
-              <a:rPr lang="en-GB"/>
-              <a:t>Terminal or curl</a:t>
-            </a:r>
-          </a:p>
-        </p:txBody>
-      </p:sp>
       <p:pic>
         <p:nvPicPr>
-          <p:cNvPr id="28" name="Picture 28">
-            <a:extLst>
-              <a:ext uri="{FF2B5EF4-FFF2-40B4-BE49-F238E27FC236}">
-                <a16:creationId xmlns:a16="http://schemas.microsoft.com/office/drawing/2014/main" id="{79B67B7F-1E03-4E14-BF0A-5B0D89A09475}"/>
+          <p:cNvPr id="26" name="Picture 26">
+            <a:extLst>
+              <a:ext uri="{FF2B5EF4-FFF2-40B4-BE49-F238E27FC236}">
+                <a16:creationId xmlns:a16="http://schemas.microsoft.com/office/drawing/2014/main" id="{F356BE0A-B4A7-4EAF-9517-27C26089752C}"/>
               </a:ext>
             </a:extLst>
           </p:cNvPr>
@@ -8163,111 +7341,21 @@
           <p:nvPr/>
         </p:nvPicPr>
         <p:blipFill>
-          <a:blip r:embed="rId8"/>
+          <a:blip r:embed="rId7"/>
           <a:stretch>
             <a:fillRect/>
           </a:stretch>
         </p:blipFill>
         <p:spPr>
           <a:xfrm>
-            <a:off x="1505537" y="1484133"/>
-            <a:ext cx="1072901" cy="1072901"/>
+            <a:off x="10682874" y="2448585"/>
+            <a:ext cx="765426" cy="787251"/>
           </a:xfrm>
           <a:prstGeom prst="rect">
             <a:avLst/>
           </a:prstGeom>
         </p:spPr>
       </p:pic>
-      <p:pic>
-        <p:nvPicPr>
-          <p:cNvPr id="29" name="Picture 29">
-            <a:extLst>
-              <a:ext uri="{FF2B5EF4-FFF2-40B4-BE49-F238E27FC236}">
-                <a16:creationId xmlns:a16="http://schemas.microsoft.com/office/drawing/2014/main" id="{913109AB-FA1C-4980-89C1-47FCDDAF59C8}"/>
-              </a:ext>
-            </a:extLst>
-          </p:cNvPr>
-          <p:cNvPicPr>
-            <a:picLocks noChangeAspect="1"/>
-          </p:cNvPicPr>
-          <p:nvPr/>
-        </p:nvPicPr>
-        <p:blipFill>
-          <a:blip r:embed="rId9"/>
-          <a:stretch>
-            <a:fillRect/>
-          </a:stretch>
-        </p:blipFill>
-        <p:spPr>
-          <a:xfrm>
-            <a:off x="9219343" y="5097957"/>
-            <a:ext cx="2743200" cy="908738"/>
-          </a:xfrm>
-          <a:prstGeom prst="rect">
-            <a:avLst/>
-          </a:prstGeom>
-        </p:spPr>
-      </p:pic>
-      <p:pic>
-        <p:nvPicPr>
-          <p:cNvPr id="31" name="Picture 31">
-            <a:extLst>
-              <a:ext uri="{FF2B5EF4-FFF2-40B4-BE49-F238E27FC236}">
-                <a16:creationId xmlns:a16="http://schemas.microsoft.com/office/drawing/2014/main" id="{4347625D-4541-4442-B154-700F70B30E1E}"/>
-              </a:ext>
-            </a:extLst>
-          </p:cNvPr>
-          <p:cNvPicPr>
-            <a:picLocks noChangeAspect="1"/>
-          </p:cNvPicPr>
-          <p:nvPr/>
-        </p:nvPicPr>
-        <p:blipFill>
-          <a:blip r:embed="rId10"/>
-          <a:stretch>
-            <a:fillRect/>
-          </a:stretch>
-        </p:blipFill>
-        <p:spPr>
-          <a:xfrm>
-            <a:off x="1428481" y="5097211"/>
-            <a:ext cx="1149957" cy="1149957"/>
-          </a:xfrm>
-          <a:prstGeom prst="rect">
-            <a:avLst/>
-          </a:prstGeom>
-        </p:spPr>
-      </p:pic>
-      <p:pic>
-        <p:nvPicPr>
-          <p:cNvPr id="26" name="Picture 26">
-            <a:extLst>
-              <a:ext uri="{FF2B5EF4-FFF2-40B4-BE49-F238E27FC236}">
-                <a16:creationId xmlns:a16="http://schemas.microsoft.com/office/drawing/2014/main" id="{F356BE0A-B4A7-4EAF-9517-27C26089752C}"/>
-              </a:ext>
-            </a:extLst>
-          </p:cNvPr>
-          <p:cNvPicPr>
-            <a:picLocks noChangeAspect="1"/>
-          </p:cNvPicPr>
-          <p:nvPr/>
-        </p:nvPicPr>
-        <p:blipFill>
-          <a:blip r:embed="rId11"/>
-          <a:stretch>
-            <a:fillRect/>
-          </a:stretch>
-        </p:blipFill>
-        <p:spPr>
-          <a:xfrm>
-            <a:off x="1205500" y="4435228"/>
-            <a:ext cx="765426" cy="787251"/>
-          </a:xfrm>
-          <a:prstGeom prst="rect">
-            <a:avLst/>
-          </a:prstGeom>
-        </p:spPr>
-      </p:pic>
       <p:sp>
         <p:nvSpPr>
           <p:cNvPr id="7" name="Oval 6">
@@ -8282,8 +7370,8 @@
         </p:nvSpPr>
         <p:spPr>
           <a:xfrm>
-            <a:off x="5728854" y="2189017"/>
-            <a:ext cx="1420090" cy="1447800"/>
+            <a:off x="2054925" y="1440624"/>
+            <a:ext cx="1746661" cy="1440997"/>
           </a:xfrm>
           <a:prstGeom prst="ellipse">
             <a:avLst/>
@@ -8306,26 +7394,295 @@
           </a:fontRef>
         </p:style>
         <p:txBody>
-          <a:bodyPr rtlCol="0" anchor="ctr"/>
+          <a:bodyPr lIns="91440" tIns="45720" rIns="91440" bIns="45720" rtlCol="0" anchor="ctr"/>
           <a:lstStyle/>
           <a:p>
             <a:pPr algn="ctr"/>
             <a:r>
-              <a:rPr lang="en-GB" b="1">
+              <a:rPr lang="en-GB" b="1" dirty="0">
                 <a:solidFill>
                   <a:schemeClr val="tx1"/>
                 </a:solidFill>
                 <a:cs typeface="Calibri"/>
               </a:rPr>
-              <a:t>R function</a:t>
-            </a:r>
+              <a:t>R/plumber function</a:t>
+            </a:r>
+          </a:p>
+        </p:txBody>
+      </p:sp>
+      <p:sp>
+        <p:nvSpPr>
+          <p:cNvPr id="6" name="Rectangle 5">
+            <a:extLst>
+              <a:ext uri="{FF2B5EF4-FFF2-40B4-BE49-F238E27FC236}">
+                <a16:creationId xmlns:a16="http://schemas.microsoft.com/office/drawing/2014/main" id="{FE799B8B-8652-F88B-818E-0B0326FE722A}"/>
+              </a:ext>
+            </a:extLst>
+          </p:cNvPr>
+          <p:cNvSpPr/>
+          <p:nvPr/>
+        </p:nvSpPr>
+        <p:spPr>
+          <a:xfrm>
+            <a:off x="4701267" y="2918732"/>
+            <a:ext cx="2428874" cy="1061356"/>
+          </a:xfrm>
+          <a:prstGeom prst="rect">
+            <a:avLst/>
+          </a:prstGeom>
+          <a:solidFill>
+            <a:srgbClr val="0070C0"/>
+          </a:solidFill>
+        </p:spPr>
+        <p:style>
+          <a:lnRef idx="2">
+            <a:schemeClr val="accent1">
+              <a:shade val="15000"/>
+            </a:schemeClr>
+          </a:lnRef>
+          <a:fillRef idx="1">
+            <a:schemeClr val="accent1"/>
+          </a:fillRef>
+          <a:effectRef idx="0">
+            <a:schemeClr val="accent1"/>
+          </a:effectRef>
+          <a:fontRef idx="minor">
+            <a:schemeClr val="lt1"/>
+          </a:fontRef>
+        </p:style>
+        <p:txBody>
+          <a:bodyPr rtlCol="0" anchor="ctr"/>
+          <a:lstStyle/>
+          <a:p>
+            <a:pPr algn="ctr"/>
+            <a:r>
+              <a:rPr lang="en-GB" dirty="0">
+                <a:cs typeface="Calibri"/>
+              </a:rPr>
+              <a:t>http://127.0.0.1:1234</a:t>
+            </a:r>
+            <a:endParaRPr lang="en-GB" dirty="0"/>
+          </a:p>
+        </p:txBody>
+      </p:sp>
+      <p:pic>
+        <p:nvPicPr>
+          <p:cNvPr id="10" name="Picture 29" descr="Logo, company name&#10;&#10;Description automatically generated">
+            <a:extLst>
+              <a:ext uri="{FF2B5EF4-FFF2-40B4-BE49-F238E27FC236}">
+                <a16:creationId xmlns:a16="http://schemas.microsoft.com/office/drawing/2014/main" id="{6DE67613-34F5-30AE-9D0B-521DBC42D315}"/>
+              </a:ext>
+            </a:extLst>
+          </p:cNvPr>
+          <p:cNvPicPr>
+            <a:picLocks noChangeAspect="1"/>
+          </p:cNvPicPr>
+          <p:nvPr/>
+        </p:nvPicPr>
+        <p:blipFill>
+          <a:blip r:embed="rId5"/>
+          <a:stretch>
+            <a:fillRect/>
+          </a:stretch>
+        </p:blipFill>
+        <p:spPr>
+          <a:xfrm>
+            <a:off x="9253360" y="4097831"/>
+            <a:ext cx="2743200" cy="908738"/>
+          </a:xfrm>
+          <a:prstGeom prst="rect">
+            <a:avLst/>
+          </a:prstGeom>
+        </p:spPr>
+      </p:pic>
+      <p:sp>
+        <p:nvSpPr>
+          <p:cNvPr id="11" name="Right Brace 10">
+            <a:extLst>
+              <a:ext uri="{FF2B5EF4-FFF2-40B4-BE49-F238E27FC236}">
+                <a16:creationId xmlns:a16="http://schemas.microsoft.com/office/drawing/2014/main" id="{7209FEB1-059F-2E0A-8C52-3E35966353AA}"/>
+              </a:ext>
+            </a:extLst>
+          </p:cNvPr>
+          <p:cNvSpPr/>
+          <p:nvPr/>
+        </p:nvSpPr>
+        <p:spPr>
+          <a:xfrm rot="5400000">
+            <a:off x="9126992" y="3418795"/>
+            <a:ext cx="258535" cy="4789713"/>
+          </a:xfrm>
+          <a:prstGeom prst="rightBrace">
+            <a:avLst/>
+          </a:prstGeom>
+          <a:noFill/>
+          <a:ln w="28575">
+            <a:solidFill>
+              <a:schemeClr val="tx1"/>
+            </a:solidFill>
+          </a:ln>
+        </p:spPr>
+        <p:style>
+          <a:lnRef idx="1">
+            <a:schemeClr val="accent1"/>
+          </a:lnRef>
+          <a:fillRef idx="0">
+            <a:schemeClr val="accent1"/>
+          </a:fillRef>
+          <a:effectRef idx="0">
+            <a:schemeClr val="accent1"/>
+          </a:effectRef>
+          <a:fontRef idx="minor">
+            <a:schemeClr val="tx1"/>
+          </a:fontRef>
+        </p:style>
+        <p:txBody>
+          <a:bodyPr rtlCol="0" anchor="ctr"/>
+          <a:lstStyle/>
+          <a:p>
+            <a:pPr algn="ctr"/>
+            <a:endParaRPr lang="en-GB"/>
+          </a:p>
+        </p:txBody>
+      </p:sp>
+      <p:sp>
+        <p:nvSpPr>
+          <p:cNvPr id="12" name="Right Brace 11">
+            <a:extLst>
+              <a:ext uri="{FF2B5EF4-FFF2-40B4-BE49-F238E27FC236}">
+                <a16:creationId xmlns:a16="http://schemas.microsoft.com/office/drawing/2014/main" id="{5CDE38C4-DC23-B619-E909-B267A5643439}"/>
+              </a:ext>
+            </a:extLst>
+          </p:cNvPr>
+          <p:cNvSpPr/>
+          <p:nvPr/>
+        </p:nvSpPr>
+        <p:spPr>
+          <a:xfrm rot="5400000">
+            <a:off x="3017385" y="3418794"/>
+            <a:ext cx="258535" cy="4789713"/>
+          </a:xfrm>
+          <a:prstGeom prst="rightBrace">
+            <a:avLst/>
+          </a:prstGeom>
+          <a:noFill/>
+          <a:ln w="28575">
+            <a:solidFill>
+              <a:schemeClr val="tx1"/>
+            </a:solidFill>
+          </a:ln>
+        </p:spPr>
+        <p:style>
+          <a:lnRef idx="1">
+            <a:schemeClr val="accent1"/>
+          </a:lnRef>
+          <a:fillRef idx="0">
+            <a:schemeClr val="accent1"/>
+          </a:fillRef>
+          <a:effectRef idx="0">
+            <a:schemeClr val="accent1"/>
+          </a:effectRef>
+          <a:fontRef idx="minor">
+            <a:schemeClr val="tx1"/>
+          </a:fontRef>
+        </p:style>
+        <p:txBody>
+          <a:bodyPr rtlCol="0" anchor="ctr"/>
+          <a:lstStyle/>
+          <a:p>
+            <a:pPr algn="ctr"/>
+            <a:endParaRPr lang="en-GB"/>
+          </a:p>
+        </p:txBody>
+      </p:sp>
+      <p:sp>
+        <p:nvSpPr>
+          <p:cNvPr id="15" name="TextBox 14">
+            <a:extLst>
+              <a:ext uri="{FF2B5EF4-FFF2-40B4-BE49-F238E27FC236}">
+                <a16:creationId xmlns:a16="http://schemas.microsoft.com/office/drawing/2014/main" id="{5A9117BD-699C-A797-89F5-9039195889F3}"/>
+              </a:ext>
+            </a:extLst>
+          </p:cNvPr>
+          <p:cNvSpPr txBox="1"/>
+          <p:nvPr/>
+        </p:nvSpPr>
+        <p:spPr>
+          <a:xfrm>
+            <a:off x="2762250" y="5939517"/>
+            <a:ext cx="2743200" cy="369332"/>
+          </a:xfrm>
+          <a:prstGeom prst="rect">
+            <a:avLst/>
+          </a:prstGeom>
+          <a:noFill/>
+        </p:spPr>
+        <p:txBody>
+          <a:bodyPr rot="0" spcFirstLastPara="0" vertOverflow="overflow" horzOverflow="overflow" vert="horz" wrap="square" lIns="91440" tIns="45720" rIns="91440" bIns="45720" numCol="1" spcCol="0" rtlCol="0" fromWordArt="0" anchor="t" anchorCtr="0" forceAA="0" compatLnSpc="1">
+            <a:prstTxWarp prst="textNoShape">
+              <a:avLst/>
+            </a:prstTxWarp>
+            <a:spAutoFit/>
+          </a:bodyPr>
+          <a:lstStyle/>
+          <a:p>
+            <a:pPr algn="l"/>
+            <a:r>
+              <a:rPr lang="en-GB" dirty="0">
+                <a:cs typeface="Calibri"/>
+              </a:rPr>
+              <a:t>Server</a:t>
+            </a:r>
+            <a:endParaRPr lang="en-GB" dirty="0"/>
+          </a:p>
+        </p:txBody>
+      </p:sp>
+      <p:sp>
+        <p:nvSpPr>
+          <p:cNvPr id="17" name="TextBox 16">
+            <a:extLst>
+              <a:ext uri="{FF2B5EF4-FFF2-40B4-BE49-F238E27FC236}">
+                <a16:creationId xmlns:a16="http://schemas.microsoft.com/office/drawing/2014/main" id="{A1F77000-5353-93F4-E1DA-42C273B04EAA}"/>
+              </a:ext>
+            </a:extLst>
+          </p:cNvPr>
+          <p:cNvSpPr txBox="1"/>
+          <p:nvPr/>
+        </p:nvSpPr>
+        <p:spPr>
+          <a:xfrm>
+            <a:off x="8926286" y="5987141"/>
+            <a:ext cx="2743200" cy="369332"/>
+          </a:xfrm>
+          <a:prstGeom prst="rect">
+            <a:avLst/>
+          </a:prstGeom>
+          <a:noFill/>
+        </p:spPr>
+        <p:txBody>
+          <a:bodyPr rot="0" spcFirstLastPara="0" vertOverflow="overflow" horzOverflow="overflow" vert="horz" wrap="square" lIns="91440" tIns="45720" rIns="91440" bIns="45720" numCol="1" spcCol="0" rtlCol="0" fromWordArt="0" anchor="t" anchorCtr="0" forceAA="0" compatLnSpc="1">
+            <a:prstTxWarp prst="textNoShape">
+              <a:avLst/>
+            </a:prstTxWarp>
+            <a:spAutoFit/>
+          </a:bodyPr>
+          <a:lstStyle/>
+          <a:p>
+            <a:pPr algn="l"/>
+            <a:r>
+              <a:rPr lang="en-GB" dirty="0">
+                <a:cs typeface="Calibri"/>
+              </a:rPr>
+              <a:t>Clients</a:t>
+            </a:r>
+            <a:endParaRPr lang="en-GB" dirty="0"/>
           </a:p>
         </p:txBody>
       </p:sp>
     </p:spTree>
     <p:extLst>
       <p:ext uri="{BB962C8B-B14F-4D97-AF65-F5344CB8AC3E}">
-        <p14:creationId xmlns:p14="http://schemas.microsoft.com/office/powerpoint/2010/main" val="3200457147"/>
+        <p14:creationId xmlns:p14="http://schemas.microsoft.com/office/powerpoint/2010/main" val="2978456098"/>
       </p:ext>
     </p:extLst>
   </p:cSld>
@@ -8533,34 +7890,6 @@
               <a:ea typeface="Calibri" panose="020F0502020204030204"/>
               <a:cs typeface="Calibri" panose="020F0502020204030204"/>
             </a:endParaRPr>
-          </a:p>
-        </p:txBody>
-      </p:sp>
-      <p:sp>
-        <p:nvSpPr>
-          <p:cNvPr id="4" name="Footer Placeholder 3">
-            <a:extLst>
-              <a:ext uri="{FF2B5EF4-FFF2-40B4-BE49-F238E27FC236}">
-                <a16:creationId xmlns:a16="http://schemas.microsoft.com/office/drawing/2014/main" id="{5CE07C84-2042-4221-ABFC-4CBD61C27FD4}"/>
-              </a:ext>
-            </a:extLst>
-          </p:cNvPr>
-          <p:cNvSpPr>
-            <a:spLocks noGrp="1"/>
-          </p:cNvSpPr>
-          <p:nvPr>
-            <p:ph type="ftr" sz="quarter" idx="11"/>
-          </p:nvPr>
-        </p:nvSpPr>
-        <p:spPr/>
-        <p:txBody>
-          <a:bodyPr/>
-          <a:lstStyle/>
-          <a:p>
-            <a:r>
-              <a:rPr lang="en-GB"/>
-              <a:t>MSC HEALTH DATA SCIENCE</a:t>
-            </a:r>
           </a:p>
         </p:txBody>
       </p:sp>
@@ -8637,8 +7966,8 @@
         </p:nvSpPr>
         <p:spPr>
           <a:xfrm>
-            <a:off x="3920836" y="1122217"/>
-            <a:ext cx="5098472" cy="5230091"/>
+            <a:off x="403390" y="1122217"/>
+            <a:ext cx="5098472" cy="4400056"/>
           </a:xfrm>
           <a:prstGeom prst="ellipse">
             <a:avLst/>
@@ -8686,8 +8015,8 @@
         </p:nvSpPr>
         <p:spPr>
           <a:xfrm>
-            <a:off x="4890654" y="1669471"/>
-            <a:ext cx="3096490" cy="3519053"/>
+            <a:off x="1407225" y="1247650"/>
+            <a:ext cx="3096490" cy="2784268"/>
           </a:xfrm>
           <a:prstGeom prst="ellipse">
             <a:avLst/>
@@ -8754,34 +8083,6 @@
       </p:sp>
       <p:sp>
         <p:nvSpPr>
-          <p:cNvPr id="4" name="Footer Placeholder 3">
-            <a:extLst>
-              <a:ext uri="{FF2B5EF4-FFF2-40B4-BE49-F238E27FC236}">
-                <a16:creationId xmlns:a16="http://schemas.microsoft.com/office/drawing/2014/main" id="{3E3A0FDD-EAA3-4622-B39F-84AECFB06358}"/>
-              </a:ext>
-            </a:extLst>
-          </p:cNvPr>
-          <p:cNvSpPr>
-            <a:spLocks noGrp="1"/>
-          </p:cNvSpPr>
-          <p:nvPr>
-            <p:ph type="ftr" sz="quarter" idx="11"/>
-          </p:nvPr>
-        </p:nvSpPr>
-        <p:spPr/>
-        <p:txBody>
-          <a:bodyPr/>
-          <a:lstStyle/>
-          <a:p>
-            <a:r>
-              <a:rPr lang="en-GB"/>
-              <a:t>MSC HEALTH DATA SCIENCE</a:t>
-            </a:r>
-          </a:p>
-        </p:txBody>
-      </p:sp>
-      <p:sp>
-        <p:nvSpPr>
           <p:cNvPr id="5" name="Slide Number Placeholder 4">
             <a:extLst>
               <a:ext uri="{FF2B5EF4-FFF2-40B4-BE49-F238E27FC236}">
@@ -8836,8 +8137,8 @@
           </a:stretch>
         </p:blipFill>
         <p:spPr>
-          <a:xfrm rot="17520000">
-            <a:off x="3373837" y="1608294"/>
+          <a:xfrm rot="14220000">
+            <a:off x="7476390" y="1091222"/>
             <a:ext cx="1041399" cy="2034308"/>
           </a:xfrm>
           <a:prstGeom prst="rect">
@@ -8872,8 +8173,8 @@
           </a:stretch>
         </p:blipFill>
         <p:spPr>
-          <a:xfrm rot="14940000">
-            <a:off x="3317665" y="3624521"/>
+          <a:xfrm rot="16200000">
+            <a:off x="7882862" y="2257003"/>
             <a:ext cx="1041399" cy="2034308"/>
           </a:xfrm>
           <a:prstGeom prst="rect">
@@ -8908,8 +8209,8 @@
           </a:stretch>
         </p:blipFill>
         <p:spPr>
-          <a:xfrm rot="17520000">
-            <a:off x="8407732" y="3627374"/>
+          <a:xfrm rot="17220000">
+            <a:off x="7604911" y="3362035"/>
             <a:ext cx="1041399" cy="2034308"/>
           </a:xfrm>
           <a:prstGeom prst="rect">
@@ -8917,12 +8218,93 @@
           </a:prstGeom>
         </p:spPr>
       </p:pic>
+      <p:sp>
+        <p:nvSpPr>
+          <p:cNvPr id="23" name="TextBox 22">
+            <a:extLst>
+              <a:ext uri="{FF2B5EF4-FFF2-40B4-BE49-F238E27FC236}">
+                <a16:creationId xmlns:a16="http://schemas.microsoft.com/office/drawing/2014/main" id="{08F26CDA-8C7F-4787-BD3A-02FED31B08BF}"/>
+              </a:ext>
+            </a:extLst>
+          </p:cNvPr>
+          <p:cNvSpPr txBox="1"/>
+          <p:nvPr/>
+        </p:nvSpPr>
+        <p:spPr>
+          <a:xfrm>
+            <a:off x="2019496" y="3008631"/>
+            <a:ext cx="3134239" cy="461665"/>
+          </a:xfrm>
+          <a:prstGeom prst="rect">
+            <a:avLst/>
+          </a:prstGeom>
+          <a:noFill/>
+        </p:spPr>
+        <p:txBody>
+          <a:bodyPr rot="0" spcFirstLastPara="0" vertOverflow="overflow" horzOverflow="overflow" vert="horz" wrap="square" lIns="91440" tIns="45720" rIns="91440" bIns="45720" numCol="1" spcCol="0" rtlCol="0" fromWordArt="0" anchor="t" anchorCtr="0" forceAA="0" compatLnSpc="1">
+            <a:prstTxWarp prst="textNoShape">
+              <a:avLst/>
+            </a:prstTxWarp>
+            <a:spAutoFit/>
+          </a:bodyPr>
+          <a:lstStyle/>
+          <a:p>
+            <a:r>
+              <a:rPr lang="en-GB" sz="2400" b="1" dirty="0">
+                <a:cs typeface="Calibri"/>
+              </a:rPr>
+              <a:t>Run in Plumber</a:t>
+            </a:r>
+            <a:endParaRPr lang="en-US" dirty="0"/>
+          </a:p>
+        </p:txBody>
+      </p:sp>
+      <p:sp>
+        <p:nvSpPr>
+          <p:cNvPr id="24" name="TextBox 23">
+            <a:extLst>
+              <a:ext uri="{FF2B5EF4-FFF2-40B4-BE49-F238E27FC236}">
+                <a16:creationId xmlns:a16="http://schemas.microsoft.com/office/drawing/2014/main" id="{653E4D92-3837-460E-BEA5-68F65D577BFF}"/>
+              </a:ext>
+            </a:extLst>
+          </p:cNvPr>
+          <p:cNvSpPr txBox="1"/>
+          <p:nvPr/>
+        </p:nvSpPr>
+        <p:spPr>
+          <a:xfrm>
+            <a:off x="8935963" y="1811400"/>
+            <a:ext cx="1356188" cy="369332"/>
+          </a:xfrm>
+          <a:prstGeom prst="rect">
+            <a:avLst/>
+          </a:prstGeom>
+          <a:noFill/>
+        </p:spPr>
+        <p:txBody>
+          <a:bodyPr rot="0" spcFirstLastPara="0" vertOverflow="overflow" horzOverflow="overflow" vert="horz" wrap="square" lIns="91440" tIns="45720" rIns="91440" bIns="45720" numCol="1" spcCol="0" rtlCol="0" fromWordArt="0" anchor="t" anchorCtr="0" forceAA="0" compatLnSpc="1">
+            <a:prstTxWarp prst="textNoShape">
+              <a:avLst/>
+            </a:prstTxWarp>
+            <a:spAutoFit/>
+          </a:bodyPr>
+          <a:lstStyle/>
+          <a:p>
+            <a:pPr algn="l"/>
+            <a:r>
+              <a:rPr lang="en-GB"/>
+              <a:t>Swagger</a:t>
+            </a:r>
+            <a:endParaRPr lang="en-US"/>
+          </a:p>
+        </p:txBody>
+      </p:sp>
       <p:pic>
         <p:nvPicPr>
-          <p:cNvPr id="18" name="Graphic 18" descr="Binary with solid fill">
-            <a:extLst>
-              <a:ext uri="{FF2B5EF4-FFF2-40B4-BE49-F238E27FC236}">
-                <a16:creationId xmlns:a16="http://schemas.microsoft.com/office/drawing/2014/main" id="{BCE0F281-06DE-42B1-991F-307BC3957E8B}"/>
+          <p:cNvPr id="28" name="Picture 28">
+            <a:extLst>
+              <a:ext uri="{FF2B5EF4-FFF2-40B4-BE49-F238E27FC236}">
+                <a16:creationId xmlns:a16="http://schemas.microsoft.com/office/drawing/2014/main" id="{79B67B7F-1E03-4E14-BF0A-5B0D89A09475}"/>
               </a:ext>
             </a:extLst>
           </p:cNvPr>
@@ -8932,21 +8314,15 @@
           <p:nvPr/>
         </p:nvPicPr>
         <p:blipFill>
-          <a:blip r:embed="rId4">
-            <a:extLst>
-              <a:ext uri="{96DAC541-7B7A-43D3-8B79-37D633B846F1}">
-                <asvg:svgBlip xmlns:asvg="http://schemas.microsoft.com/office/drawing/2016/SVG/main" r:embed="rId5"/>
-              </a:ext>
-            </a:extLst>
-          </a:blip>
+          <a:blip r:embed="rId4"/>
           <a:stretch>
             <a:fillRect/>
           </a:stretch>
         </p:blipFill>
         <p:spPr>
           <a:xfrm>
-            <a:off x="9976258" y="558800"/>
-            <a:ext cx="914400" cy="914400"/>
+            <a:off x="9023483" y="586061"/>
+            <a:ext cx="1072901" cy="1072901"/>
           </a:xfrm>
           <a:prstGeom prst="rect">
             <a:avLst/>
@@ -8955,10 +8331,10 @@
       </p:pic>
       <p:pic>
         <p:nvPicPr>
-          <p:cNvPr id="19" name="Graphic 19" descr="Cmd Terminal with solid fill">
-            <a:extLst>
-              <a:ext uri="{FF2B5EF4-FFF2-40B4-BE49-F238E27FC236}">
-                <a16:creationId xmlns:a16="http://schemas.microsoft.com/office/drawing/2014/main" id="{AAAD352D-06EB-4439-8E0F-B2DD3632D8DB}"/>
+          <p:cNvPr id="29" name="Picture 29">
+            <a:extLst>
+              <a:ext uri="{FF2B5EF4-FFF2-40B4-BE49-F238E27FC236}">
+                <a16:creationId xmlns:a16="http://schemas.microsoft.com/office/drawing/2014/main" id="{913109AB-FA1C-4980-89C1-47FCDDAF59C8}"/>
               </a:ext>
             </a:extLst>
           </p:cNvPr>
@@ -8968,21 +8344,15 @@
           <p:nvPr/>
         </p:nvPicPr>
         <p:blipFill>
-          <a:blip r:embed="rId6">
-            <a:extLst>
-              <a:ext uri="{96DAC541-7B7A-43D3-8B79-37D633B846F1}">
-                <asvg:svgBlip xmlns:asvg="http://schemas.microsoft.com/office/drawing/2016/SVG/main" r:embed="rId7"/>
-              </a:ext>
-            </a:extLst>
-          </a:blip>
+          <a:blip r:embed="rId5"/>
           <a:stretch>
             <a:fillRect/>
           </a:stretch>
         </p:blipFill>
         <p:spPr>
           <a:xfrm>
-            <a:off x="9017385" y="499435"/>
-            <a:ext cx="914400" cy="914400"/>
+            <a:off x="1674182" y="4097831"/>
+            <a:ext cx="2743200" cy="908738"/>
           </a:xfrm>
           <a:prstGeom prst="rect">
             <a:avLst/>
@@ -8991,10 +8361,10 @@
       </p:pic>
       <p:pic>
         <p:nvPicPr>
-          <p:cNvPr id="21" name="Graphic 13" descr="Sort with solid fill">
-            <a:extLst>
-              <a:ext uri="{FF2B5EF4-FFF2-40B4-BE49-F238E27FC236}">
-                <a16:creationId xmlns:a16="http://schemas.microsoft.com/office/drawing/2014/main" id="{775C6918-0FC9-403B-B0BC-6F14BDFBBB02}"/>
+          <p:cNvPr id="31" name="Picture 31">
+            <a:extLst>
+              <a:ext uri="{FF2B5EF4-FFF2-40B4-BE49-F238E27FC236}">
+                <a16:creationId xmlns:a16="http://schemas.microsoft.com/office/drawing/2014/main" id="{4347625D-4541-4442-B154-700F70B30E1E}"/>
               </a:ext>
             </a:extLst>
           </p:cNvPr>
@@ -9004,192 +8374,27 @@
           <p:nvPr/>
         </p:nvPicPr>
         <p:blipFill>
-          <a:blip r:embed="rId2">
-            <a:extLst>
-              <a:ext uri="{96DAC541-7B7A-43D3-8B79-37D633B846F1}">
-                <asvg:svgBlip xmlns:asvg="http://schemas.microsoft.com/office/drawing/2016/SVG/main" r:embed="rId3"/>
-              </a:ext>
-            </a:extLst>
-          </a:blip>
+          <a:blip r:embed="rId6"/>
           <a:stretch>
             <a:fillRect/>
           </a:stretch>
         </p:blipFill>
         <p:spPr>
-          <a:xfrm rot="14760000">
-            <a:off x="8051898" y="891489"/>
-            <a:ext cx="1041399" cy="2034308"/>
+          <a:xfrm>
+            <a:off x="9558749" y="2545871"/>
+            <a:ext cx="1149957" cy="1149957"/>
           </a:xfrm>
           <a:prstGeom prst="rect">
             <a:avLst/>
           </a:prstGeom>
         </p:spPr>
       </p:pic>
-      <p:sp>
-        <p:nvSpPr>
-          <p:cNvPr id="3" name="TextBox 2">
-            <a:extLst>
-              <a:ext uri="{FF2B5EF4-FFF2-40B4-BE49-F238E27FC236}">
-                <a16:creationId xmlns:a16="http://schemas.microsoft.com/office/drawing/2014/main" id="{D2B559CB-EDA3-4091-B77D-A20473C996F6}"/>
-              </a:ext>
-            </a:extLst>
-          </p:cNvPr>
-          <p:cNvSpPr txBox="1"/>
-          <p:nvPr/>
-        </p:nvSpPr>
-        <p:spPr>
-          <a:xfrm>
-            <a:off x="5167746" y="5398679"/>
-            <a:ext cx="2888671" cy="461665"/>
-          </a:xfrm>
-          <a:prstGeom prst="rect">
-            <a:avLst/>
-          </a:prstGeom>
-          <a:noFill/>
-        </p:spPr>
-        <p:txBody>
-          <a:bodyPr rot="0" spcFirstLastPara="0" vertOverflow="overflow" horzOverflow="overflow" vert="horz" wrap="square" lIns="91440" tIns="45720" rIns="91440" bIns="45720" numCol="1" spcCol="0" rtlCol="0" fromWordArt="0" anchor="t" anchorCtr="0" forceAA="0" compatLnSpc="1">
-            <a:prstTxWarp prst="textNoShape">
-              <a:avLst/>
-            </a:prstTxWarp>
-            <a:spAutoFit/>
-          </a:bodyPr>
-          <a:lstStyle/>
-          <a:p>
-            <a:r>
-              <a:rPr lang="en-GB" sz="2400" b="1"/>
-              <a:t>Run in plumber = API</a:t>
-            </a:r>
-            <a:endParaRPr lang="en-US" sz="2400" b="1">
-              <a:cs typeface="Calibri"/>
-            </a:endParaRPr>
-          </a:p>
-        </p:txBody>
-      </p:sp>
-      <p:sp>
-        <p:nvSpPr>
-          <p:cNvPr id="23" name="TextBox 22">
-            <a:extLst>
-              <a:ext uri="{FF2B5EF4-FFF2-40B4-BE49-F238E27FC236}">
-                <a16:creationId xmlns:a16="http://schemas.microsoft.com/office/drawing/2014/main" id="{08F26CDA-8C7F-4787-BD3A-02FED31B08BF}"/>
-              </a:ext>
-            </a:extLst>
-          </p:cNvPr>
-          <p:cNvSpPr txBox="1"/>
-          <p:nvPr/>
-        </p:nvSpPr>
-        <p:spPr>
-          <a:xfrm>
-            <a:off x="5298818" y="3634559"/>
-            <a:ext cx="3134239" cy="830997"/>
-          </a:xfrm>
-          <a:prstGeom prst="rect">
-            <a:avLst/>
-          </a:prstGeom>
-          <a:noFill/>
-        </p:spPr>
-        <p:txBody>
-          <a:bodyPr rot="0" spcFirstLastPara="0" vertOverflow="overflow" horzOverflow="overflow" vert="horz" wrap="square" lIns="91440" tIns="45720" rIns="91440" bIns="45720" numCol="1" spcCol="0" rtlCol="0" fromWordArt="0" anchor="t" anchorCtr="0" forceAA="0" compatLnSpc="1">
-            <a:prstTxWarp prst="textNoShape">
-              <a:avLst/>
-            </a:prstTxWarp>
-            <a:spAutoFit/>
-          </a:bodyPr>
-          <a:lstStyle/>
-          <a:p>
-            <a:r>
-              <a:rPr lang="en-GB" sz="2400" b="1">
-                <a:cs typeface="Calibri"/>
-              </a:rPr>
-              <a:t>Add decorators = Plumber function</a:t>
-            </a:r>
-          </a:p>
-        </p:txBody>
-      </p:sp>
-      <p:sp>
-        <p:nvSpPr>
-          <p:cNvPr id="24" name="TextBox 23">
-            <a:extLst>
-              <a:ext uri="{FF2B5EF4-FFF2-40B4-BE49-F238E27FC236}">
-                <a16:creationId xmlns:a16="http://schemas.microsoft.com/office/drawing/2014/main" id="{653E4D92-3837-460E-BEA5-68F65D577BFF}"/>
-              </a:ext>
-            </a:extLst>
-          </p:cNvPr>
-          <p:cNvSpPr txBox="1"/>
-          <p:nvPr/>
-        </p:nvSpPr>
-        <p:spPr>
-          <a:xfrm>
-            <a:off x="1588106" y="2675454"/>
-            <a:ext cx="1356188" cy="369332"/>
-          </a:xfrm>
-          <a:prstGeom prst="rect">
-            <a:avLst/>
-          </a:prstGeom>
-          <a:noFill/>
-        </p:spPr>
-        <p:txBody>
-          <a:bodyPr rot="0" spcFirstLastPara="0" vertOverflow="overflow" horzOverflow="overflow" vert="horz" wrap="square" lIns="91440" tIns="45720" rIns="91440" bIns="45720" numCol="1" spcCol="0" rtlCol="0" fromWordArt="0" anchor="t" anchorCtr="0" forceAA="0" compatLnSpc="1">
-            <a:prstTxWarp prst="textNoShape">
-              <a:avLst/>
-            </a:prstTxWarp>
-            <a:spAutoFit/>
-          </a:bodyPr>
-          <a:lstStyle/>
-          <a:p>
-            <a:pPr algn="l"/>
-            <a:r>
-              <a:rPr lang="en-GB"/>
-              <a:t>Swagger</a:t>
-            </a:r>
-            <a:endParaRPr lang="en-US"/>
-          </a:p>
-        </p:txBody>
-      </p:sp>
-      <p:sp>
-        <p:nvSpPr>
-          <p:cNvPr id="27" name="TextBox 26">
-            <a:extLst>
-              <a:ext uri="{FF2B5EF4-FFF2-40B4-BE49-F238E27FC236}">
-                <a16:creationId xmlns:a16="http://schemas.microsoft.com/office/drawing/2014/main" id="{C3D29DB6-28B0-4A3E-9423-862192442C07}"/>
-              </a:ext>
-            </a:extLst>
-          </p:cNvPr>
-          <p:cNvSpPr txBox="1"/>
-          <p:nvPr/>
-        </p:nvSpPr>
-        <p:spPr>
-          <a:xfrm>
-            <a:off x="9373456" y="1607905"/>
-            <a:ext cx="1852773" cy="369332"/>
-          </a:xfrm>
-          <a:prstGeom prst="rect">
-            <a:avLst/>
-          </a:prstGeom>
-          <a:noFill/>
-        </p:spPr>
-        <p:txBody>
-          <a:bodyPr rot="0" spcFirstLastPara="0" vertOverflow="overflow" horzOverflow="overflow" vert="horz" wrap="square" lIns="91440" tIns="45720" rIns="91440" bIns="45720" numCol="1" spcCol="0" rtlCol="0" fromWordArt="0" anchor="t" anchorCtr="0" forceAA="0" compatLnSpc="1">
-            <a:prstTxWarp prst="textNoShape">
-              <a:avLst/>
-            </a:prstTxWarp>
-            <a:spAutoFit/>
-          </a:bodyPr>
-          <a:lstStyle/>
-          <a:p>
-            <a:r>
-              <a:rPr lang="en-GB"/>
-              <a:t>Terminal or curl</a:t>
-            </a:r>
-          </a:p>
-        </p:txBody>
-      </p:sp>
       <p:pic>
         <p:nvPicPr>
-          <p:cNvPr id="28" name="Picture 28">
-            <a:extLst>
-              <a:ext uri="{FF2B5EF4-FFF2-40B4-BE49-F238E27FC236}">
-                <a16:creationId xmlns:a16="http://schemas.microsoft.com/office/drawing/2014/main" id="{79B67B7F-1E03-4E14-BF0A-5B0D89A09475}"/>
+          <p:cNvPr id="26" name="Picture 26">
+            <a:extLst>
+              <a:ext uri="{FF2B5EF4-FFF2-40B4-BE49-F238E27FC236}">
+                <a16:creationId xmlns:a16="http://schemas.microsoft.com/office/drawing/2014/main" id="{F356BE0A-B4A7-4EAF-9517-27C26089752C}"/>
               </a:ext>
             </a:extLst>
           </p:cNvPr>
@@ -9199,111 +8404,21 @@
           <p:nvPr/>
         </p:nvPicPr>
         <p:blipFill>
-          <a:blip r:embed="rId8"/>
+          <a:blip r:embed="rId7"/>
           <a:stretch>
             <a:fillRect/>
           </a:stretch>
         </p:blipFill>
         <p:spPr>
           <a:xfrm>
-            <a:off x="1505537" y="1484133"/>
-            <a:ext cx="1072901" cy="1072901"/>
+            <a:off x="10682874" y="2448585"/>
+            <a:ext cx="765426" cy="787251"/>
           </a:xfrm>
           <a:prstGeom prst="rect">
             <a:avLst/>
           </a:prstGeom>
         </p:spPr>
       </p:pic>
-      <p:pic>
-        <p:nvPicPr>
-          <p:cNvPr id="29" name="Picture 29">
-            <a:extLst>
-              <a:ext uri="{FF2B5EF4-FFF2-40B4-BE49-F238E27FC236}">
-                <a16:creationId xmlns:a16="http://schemas.microsoft.com/office/drawing/2014/main" id="{913109AB-FA1C-4980-89C1-47FCDDAF59C8}"/>
-              </a:ext>
-            </a:extLst>
-          </p:cNvPr>
-          <p:cNvPicPr>
-            <a:picLocks noChangeAspect="1"/>
-          </p:cNvPicPr>
-          <p:nvPr/>
-        </p:nvPicPr>
-        <p:blipFill>
-          <a:blip r:embed="rId9"/>
-          <a:stretch>
-            <a:fillRect/>
-          </a:stretch>
-        </p:blipFill>
-        <p:spPr>
-          <a:xfrm>
-            <a:off x="9219343" y="5097957"/>
-            <a:ext cx="2743200" cy="908738"/>
-          </a:xfrm>
-          <a:prstGeom prst="rect">
-            <a:avLst/>
-          </a:prstGeom>
-        </p:spPr>
-      </p:pic>
-      <p:pic>
-        <p:nvPicPr>
-          <p:cNvPr id="31" name="Picture 31">
-            <a:extLst>
-              <a:ext uri="{FF2B5EF4-FFF2-40B4-BE49-F238E27FC236}">
-                <a16:creationId xmlns:a16="http://schemas.microsoft.com/office/drawing/2014/main" id="{4347625D-4541-4442-B154-700F70B30E1E}"/>
-              </a:ext>
-            </a:extLst>
-          </p:cNvPr>
-          <p:cNvPicPr>
-            <a:picLocks noChangeAspect="1"/>
-          </p:cNvPicPr>
-          <p:nvPr/>
-        </p:nvPicPr>
-        <p:blipFill>
-          <a:blip r:embed="rId10"/>
-          <a:stretch>
-            <a:fillRect/>
-          </a:stretch>
-        </p:blipFill>
-        <p:spPr>
-          <a:xfrm>
-            <a:off x="1428481" y="5097211"/>
-            <a:ext cx="1149957" cy="1149957"/>
-          </a:xfrm>
-          <a:prstGeom prst="rect">
-            <a:avLst/>
-          </a:prstGeom>
-        </p:spPr>
-      </p:pic>
-      <p:pic>
-        <p:nvPicPr>
-          <p:cNvPr id="26" name="Picture 26">
-            <a:extLst>
-              <a:ext uri="{FF2B5EF4-FFF2-40B4-BE49-F238E27FC236}">
-                <a16:creationId xmlns:a16="http://schemas.microsoft.com/office/drawing/2014/main" id="{F356BE0A-B4A7-4EAF-9517-27C26089752C}"/>
-              </a:ext>
-            </a:extLst>
-          </p:cNvPr>
-          <p:cNvPicPr>
-            <a:picLocks noChangeAspect="1"/>
-          </p:cNvPicPr>
-          <p:nvPr/>
-        </p:nvPicPr>
-        <p:blipFill>
-          <a:blip r:embed="rId11"/>
-          <a:stretch>
-            <a:fillRect/>
-          </a:stretch>
-        </p:blipFill>
-        <p:spPr>
-          <a:xfrm>
-            <a:off x="1205500" y="4435228"/>
-            <a:ext cx="765426" cy="787251"/>
-          </a:xfrm>
-          <a:prstGeom prst="rect">
-            <a:avLst/>
-          </a:prstGeom>
-        </p:spPr>
-      </p:pic>
       <p:sp>
         <p:nvSpPr>
           <p:cNvPr id="7" name="Oval 6">
@@ -9318,8 +8433,8 @@
         </p:nvSpPr>
         <p:spPr>
           <a:xfrm>
-            <a:off x="5728854" y="2189017"/>
-            <a:ext cx="1420090" cy="1447800"/>
+            <a:off x="2054925" y="1440624"/>
+            <a:ext cx="1746661" cy="1440997"/>
           </a:xfrm>
           <a:prstGeom prst="ellipse">
             <a:avLst/>
@@ -9342,26 +8457,295 @@
           </a:fontRef>
         </p:style>
         <p:txBody>
-          <a:bodyPr rtlCol="0" anchor="ctr"/>
+          <a:bodyPr lIns="91440" tIns="45720" rIns="91440" bIns="45720" rtlCol="0" anchor="ctr"/>
           <a:lstStyle/>
           <a:p>
             <a:pPr algn="ctr"/>
             <a:r>
-              <a:rPr lang="en-GB" b="1">
+              <a:rPr lang="en-GB" b="1" dirty="0">
                 <a:solidFill>
                   <a:schemeClr val="tx1"/>
                 </a:solidFill>
                 <a:cs typeface="Calibri"/>
               </a:rPr>
-              <a:t>R function</a:t>
-            </a:r>
+              <a:t>R/plumber function</a:t>
+            </a:r>
+          </a:p>
+        </p:txBody>
+      </p:sp>
+      <p:sp>
+        <p:nvSpPr>
+          <p:cNvPr id="6" name="Rectangle 5">
+            <a:extLst>
+              <a:ext uri="{FF2B5EF4-FFF2-40B4-BE49-F238E27FC236}">
+                <a16:creationId xmlns:a16="http://schemas.microsoft.com/office/drawing/2014/main" id="{FE799B8B-8652-F88B-818E-0B0326FE722A}"/>
+              </a:ext>
+            </a:extLst>
+          </p:cNvPr>
+          <p:cNvSpPr/>
+          <p:nvPr/>
+        </p:nvSpPr>
+        <p:spPr>
+          <a:xfrm>
+            <a:off x="4701267" y="2918732"/>
+            <a:ext cx="2428874" cy="1061356"/>
+          </a:xfrm>
+          <a:prstGeom prst="rect">
+            <a:avLst/>
+          </a:prstGeom>
+          <a:solidFill>
+            <a:srgbClr val="0070C0"/>
+          </a:solidFill>
+        </p:spPr>
+        <p:style>
+          <a:lnRef idx="2">
+            <a:schemeClr val="accent1">
+              <a:shade val="15000"/>
+            </a:schemeClr>
+          </a:lnRef>
+          <a:fillRef idx="1">
+            <a:schemeClr val="accent1"/>
+          </a:fillRef>
+          <a:effectRef idx="0">
+            <a:schemeClr val="accent1"/>
+          </a:effectRef>
+          <a:fontRef idx="minor">
+            <a:schemeClr val="lt1"/>
+          </a:fontRef>
+        </p:style>
+        <p:txBody>
+          <a:bodyPr rtlCol="0" anchor="ctr"/>
+          <a:lstStyle/>
+          <a:p>
+            <a:pPr algn="ctr"/>
+            <a:r>
+              <a:rPr lang="en-GB" dirty="0">
+                <a:cs typeface="Calibri"/>
+              </a:rPr>
+              <a:t>http://127.0.0.1:1234</a:t>
+            </a:r>
+            <a:endParaRPr lang="en-GB" dirty="0"/>
+          </a:p>
+        </p:txBody>
+      </p:sp>
+      <p:pic>
+        <p:nvPicPr>
+          <p:cNvPr id="10" name="Picture 29" descr="Logo, company name&#10;&#10;Description automatically generated">
+            <a:extLst>
+              <a:ext uri="{FF2B5EF4-FFF2-40B4-BE49-F238E27FC236}">
+                <a16:creationId xmlns:a16="http://schemas.microsoft.com/office/drawing/2014/main" id="{6DE67613-34F5-30AE-9D0B-521DBC42D315}"/>
+              </a:ext>
+            </a:extLst>
+          </p:cNvPr>
+          <p:cNvPicPr>
+            <a:picLocks noChangeAspect="1"/>
+          </p:cNvPicPr>
+          <p:nvPr/>
+        </p:nvPicPr>
+        <p:blipFill>
+          <a:blip r:embed="rId5"/>
+          <a:stretch>
+            <a:fillRect/>
+          </a:stretch>
+        </p:blipFill>
+        <p:spPr>
+          <a:xfrm>
+            <a:off x="9253360" y="4097831"/>
+            <a:ext cx="2743200" cy="908738"/>
+          </a:xfrm>
+          <a:prstGeom prst="rect">
+            <a:avLst/>
+          </a:prstGeom>
+        </p:spPr>
+      </p:pic>
+      <p:sp>
+        <p:nvSpPr>
+          <p:cNvPr id="11" name="Right Brace 10">
+            <a:extLst>
+              <a:ext uri="{FF2B5EF4-FFF2-40B4-BE49-F238E27FC236}">
+                <a16:creationId xmlns:a16="http://schemas.microsoft.com/office/drawing/2014/main" id="{7209FEB1-059F-2E0A-8C52-3E35966353AA}"/>
+              </a:ext>
+            </a:extLst>
+          </p:cNvPr>
+          <p:cNvSpPr/>
+          <p:nvPr/>
+        </p:nvSpPr>
+        <p:spPr>
+          <a:xfrm rot="5400000">
+            <a:off x="9126992" y="3418795"/>
+            <a:ext cx="258535" cy="4789713"/>
+          </a:xfrm>
+          <a:prstGeom prst="rightBrace">
+            <a:avLst/>
+          </a:prstGeom>
+          <a:noFill/>
+          <a:ln w="28575">
+            <a:solidFill>
+              <a:schemeClr val="tx1"/>
+            </a:solidFill>
+          </a:ln>
+        </p:spPr>
+        <p:style>
+          <a:lnRef idx="1">
+            <a:schemeClr val="accent1"/>
+          </a:lnRef>
+          <a:fillRef idx="0">
+            <a:schemeClr val="accent1"/>
+          </a:fillRef>
+          <a:effectRef idx="0">
+            <a:schemeClr val="accent1"/>
+          </a:effectRef>
+          <a:fontRef idx="minor">
+            <a:schemeClr val="tx1"/>
+          </a:fontRef>
+        </p:style>
+        <p:txBody>
+          <a:bodyPr rtlCol="0" anchor="ctr"/>
+          <a:lstStyle/>
+          <a:p>
+            <a:pPr algn="ctr"/>
+            <a:endParaRPr lang="en-GB"/>
+          </a:p>
+        </p:txBody>
+      </p:sp>
+      <p:sp>
+        <p:nvSpPr>
+          <p:cNvPr id="12" name="Right Brace 11">
+            <a:extLst>
+              <a:ext uri="{FF2B5EF4-FFF2-40B4-BE49-F238E27FC236}">
+                <a16:creationId xmlns:a16="http://schemas.microsoft.com/office/drawing/2014/main" id="{5CDE38C4-DC23-B619-E909-B267A5643439}"/>
+              </a:ext>
+            </a:extLst>
+          </p:cNvPr>
+          <p:cNvSpPr/>
+          <p:nvPr/>
+        </p:nvSpPr>
+        <p:spPr>
+          <a:xfrm rot="5400000">
+            <a:off x="3017385" y="3418794"/>
+            <a:ext cx="258535" cy="4789713"/>
+          </a:xfrm>
+          <a:prstGeom prst="rightBrace">
+            <a:avLst/>
+          </a:prstGeom>
+          <a:noFill/>
+          <a:ln w="28575">
+            <a:solidFill>
+              <a:schemeClr val="tx1"/>
+            </a:solidFill>
+          </a:ln>
+        </p:spPr>
+        <p:style>
+          <a:lnRef idx="1">
+            <a:schemeClr val="accent1"/>
+          </a:lnRef>
+          <a:fillRef idx="0">
+            <a:schemeClr val="accent1"/>
+          </a:fillRef>
+          <a:effectRef idx="0">
+            <a:schemeClr val="accent1"/>
+          </a:effectRef>
+          <a:fontRef idx="minor">
+            <a:schemeClr val="tx1"/>
+          </a:fontRef>
+        </p:style>
+        <p:txBody>
+          <a:bodyPr rtlCol="0" anchor="ctr"/>
+          <a:lstStyle/>
+          <a:p>
+            <a:pPr algn="ctr"/>
+            <a:endParaRPr lang="en-GB"/>
+          </a:p>
+        </p:txBody>
+      </p:sp>
+      <p:sp>
+        <p:nvSpPr>
+          <p:cNvPr id="15" name="TextBox 14">
+            <a:extLst>
+              <a:ext uri="{FF2B5EF4-FFF2-40B4-BE49-F238E27FC236}">
+                <a16:creationId xmlns:a16="http://schemas.microsoft.com/office/drawing/2014/main" id="{5A9117BD-699C-A797-89F5-9039195889F3}"/>
+              </a:ext>
+            </a:extLst>
+          </p:cNvPr>
+          <p:cNvSpPr txBox="1"/>
+          <p:nvPr/>
+        </p:nvSpPr>
+        <p:spPr>
+          <a:xfrm>
+            <a:off x="2762250" y="5939517"/>
+            <a:ext cx="2743200" cy="369332"/>
+          </a:xfrm>
+          <a:prstGeom prst="rect">
+            <a:avLst/>
+          </a:prstGeom>
+          <a:noFill/>
+        </p:spPr>
+        <p:txBody>
+          <a:bodyPr rot="0" spcFirstLastPara="0" vertOverflow="overflow" horzOverflow="overflow" vert="horz" wrap="square" lIns="91440" tIns="45720" rIns="91440" bIns="45720" numCol="1" spcCol="0" rtlCol="0" fromWordArt="0" anchor="t" anchorCtr="0" forceAA="0" compatLnSpc="1">
+            <a:prstTxWarp prst="textNoShape">
+              <a:avLst/>
+            </a:prstTxWarp>
+            <a:spAutoFit/>
+          </a:bodyPr>
+          <a:lstStyle/>
+          <a:p>
+            <a:pPr algn="l"/>
+            <a:r>
+              <a:rPr lang="en-GB" dirty="0">
+                <a:cs typeface="Calibri"/>
+              </a:rPr>
+              <a:t>Server</a:t>
+            </a:r>
+            <a:endParaRPr lang="en-GB" dirty="0"/>
+          </a:p>
+        </p:txBody>
+      </p:sp>
+      <p:sp>
+        <p:nvSpPr>
+          <p:cNvPr id="17" name="TextBox 16">
+            <a:extLst>
+              <a:ext uri="{FF2B5EF4-FFF2-40B4-BE49-F238E27FC236}">
+                <a16:creationId xmlns:a16="http://schemas.microsoft.com/office/drawing/2014/main" id="{A1F77000-5353-93F4-E1DA-42C273B04EAA}"/>
+              </a:ext>
+            </a:extLst>
+          </p:cNvPr>
+          <p:cNvSpPr txBox="1"/>
+          <p:nvPr/>
+        </p:nvSpPr>
+        <p:spPr>
+          <a:xfrm>
+            <a:off x="8926286" y="5987141"/>
+            <a:ext cx="2743200" cy="369332"/>
+          </a:xfrm>
+          <a:prstGeom prst="rect">
+            <a:avLst/>
+          </a:prstGeom>
+          <a:noFill/>
+        </p:spPr>
+        <p:txBody>
+          <a:bodyPr rot="0" spcFirstLastPara="0" vertOverflow="overflow" horzOverflow="overflow" vert="horz" wrap="square" lIns="91440" tIns="45720" rIns="91440" bIns="45720" numCol="1" spcCol="0" rtlCol="0" fromWordArt="0" anchor="t" anchorCtr="0" forceAA="0" compatLnSpc="1">
+            <a:prstTxWarp prst="textNoShape">
+              <a:avLst/>
+            </a:prstTxWarp>
+            <a:spAutoFit/>
+          </a:bodyPr>
+          <a:lstStyle/>
+          <a:p>
+            <a:pPr algn="l"/>
+            <a:r>
+              <a:rPr lang="en-GB" dirty="0">
+                <a:cs typeface="Calibri"/>
+              </a:rPr>
+              <a:t>Clients</a:t>
+            </a:r>
+            <a:endParaRPr lang="en-GB" dirty="0"/>
           </a:p>
         </p:txBody>
       </p:sp>
     </p:spTree>
     <p:extLst>
       <p:ext uri="{BB962C8B-B14F-4D97-AF65-F5344CB8AC3E}">
-        <p14:creationId xmlns:p14="http://schemas.microsoft.com/office/powerpoint/2010/main" val="1509724624"/>
+        <p14:creationId xmlns:p14="http://schemas.microsoft.com/office/powerpoint/2010/main" val="2471054034"/>
       </p:ext>
     </p:extLst>
   </p:cSld>
@@ -9466,7 +8850,21 @@
                 <a:ea typeface="+mn-lt"/>
                 <a:cs typeface="+mn-lt"/>
               </a:rPr>
-              <a:t> data to show population of the UK in 1982</a:t>
+              <a:t> data to show population of the UK in 1982. (</a:t>
+            </a:r>
+            <a:r>
+              <a:rPr lang="en-GB" dirty="0" err="1">
+                <a:ea typeface="+mn-lt"/>
+                <a:cs typeface="+mn-lt"/>
+              </a:rPr>
+              <a:t>Gapminder</a:t>
+            </a:r>
+            <a:r>
+              <a:rPr lang="en-GB" dirty="0">
+                <a:ea typeface="+mn-lt"/>
+                <a:cs typeface="+mn-lt"/>
+              </a:rPr>
+              <a:t> is a dataset of populations of various countries from 1952 - 2007).</a:t>
             </a:r>
             <a:endParaRPr lang="en-US" dirty="0">
               <a:cs typeface="Calibri"/>
@@ -9526,34 +8924,6 @@
             <a:endParaRPr lang="en-GB">
               <a:cs typeface="Calibri" panose="020F0502020204030204"/>
             </a:endParaRPr>
-          </a:p>
-        </p:txBody>
-      </p:sp>
-      <p:sp>
-        <p:nvSpPr>
-          <p:cNvPr id="4" name="Footer Placeholder 3">
-            <a:extLst>
-              <a:ext uri="{FF2B5EF4-FFF2-40B4-BE49-F238E27FC236}">
-                <a16:creationId xmlns:a16="http://schemas.microsoft.com/office/drawing/2014/main" id="{5CE07C84-2042-4221-ABFC-4CBD61C27FD4}"/>
-              </a:ext>
-            </a:extLst>
-          </p:cNvPr>
-          <p:cNvSpPr>
-            <a:spLocks noGrp="1"/>
-          </p:cNvSpPr>
-          <p:nvPr>
-            <p:ph type="ftr" sz="quarter" idx="11"/>
-          </p:nvPr>
-        </p:nvSpPr>
-        <p:spPr/>
-        <p:txBody>
-          <a:bodyPr/>
-          <a:lstStyle/>
-          <a:p>
-            <a:r>
-              <a:rPr lang="en-GB"/>
-              <a:t>MSC HEALTH DATA SCIENCE</a:t>
-            </a:r>
           </a:p>
         </p:txBody>
       </p:sp>
@@ -9749,25 +9119,8 @@
               <a:buFont typeface="Arial" panose="05000000000000000000" pitchFamily="2" charset="2"/>
               <a:buChar char="•"/>
             </a:pPr>
-            <a:r>
-              <a:rPr lang="en-GB" dirty="0">
-                <a:ea typeface="+mn-lt"/>
-                <a:cs typeface="+mn-lt"/>
-                <a:hlinkClick r:id="rId3"/>
-              </a:rPr>
-              <a:t>https://api.openaq.org/docs#/</a:t>
-            </a:r>
-            <a:endParaRPr lang="en-GB">
-              <a:cs typeface="Calibri"/>
-            </a:endParaRPr>
-          </a:p>
-          <a:p>
-            <a:pPr>
-              <a:buFont typeface="Arial" panose="05000000000000000000" pitchFamily="2" charset="2"/>
-              <a:buChar char="•"/>
-            </a:pPr>
             <a:endParaRPr lang="en-GB" dirty="0">
-              <a:cs typeface="Calibri"/>
+              <a:cs typeface="Calibri" panose="020F0502020204030204"/>
             </a:endParaRPr>
           </a:p>
           <a:p>
@@ -9776,41 +9129,13 @@
               <a:buChar char="•"/>
             </a:pPr>
             <a:endParaRPr lang="en-GB">
-              <a:cs typeface="Calibri"/>
+              <a:cs typeface="Calibri" panose="020F0502020204030204"/>
             </a:endParaRPr>
           </a:p>
           <a:p>
             <a:endParaRPr lang="en-GB">
-              <a:cs typeface="Calibri"/>
+              <a:cs typeface="Calibri" panose="020F0502020204030204"/>
             </a:endParaRPr>
-          </a:p>
-        </p:txBody>
-      </p:sp>
-      <p:sp>
-        <p:nvSpPr>
-          <p:cNvPr id="4" name="Footer Placeholder 3">
-            <a:extLst>
-              <a:ext uri="{FF2B5EF4-FFF2-40B4-BE49-F238E27FC236}">
-                <a16:creationId xmlns:a16="http://schemas.microsoft.com/office/drawing/2014/main" id="{132454EC-5601-4E27-817E-A70F6D8B2874}"/>
-              </a:ext>
-            </a:extLst>
-          </p:cNvPr>
-          <p:cNvSpPr>
-            <a:spLocks noGrp="1"/>
-          </p:cNvSpPr>
-          <p:nvPr>
-            <p:ph type="ftr" sz="quarter" idx="11"/>
-          </p:nvPr>
-        </p:nvSpPr>
-        <p:spPr/>
-        <p:txBody>
-          <a:bodyPr/>
-          <a:lstStyle/>
-          <a:p>
-            <a:r>
-              <a:rPr lang="en-GB"/>
-              <a:t>MSC HEALTH DATA SCIENCE</a:t>
-            </a:r>
           </a:p>
         </p:txBody>
       </p:sp>
@@ -9999,34 +9324,6 @@
       </p:sp>
       <p:sp>
         <p:nvSpPr>
-          <p:cNvPr id="4" name="Footer Placeholder 3">
-            <a:extLst>
-              <a:ext uri="{FF2B5EF4-FFF2-40B4-BE49-F238E27FC236}">
-                <a16:creationId xmlns:a16="http://schemas.microsoft.com/office/drawing/2014/main" id="{F8D5814D-C7AE-427C-9190-9BE7D2DE99F4}"/>
-              </a:ext>
-            </a:extLst>
-          </p:cNvPr>
-          <p:cNvSpPr>
-            <a:spLocks noGrp="1"/>
-          </p:cNvSpPr>
-          <p:nvPr>
-            <p:ph type="ftr" sz="quarter" idx="11"/>
-          </p:nvPr>
-        </p:nvSpPr>
-        <p:spPr/>
-        <p:txBody>
-          <a:bodyPr/>
-          <a:lstStyle/>
-          <a:p>
-            <a:r>
-              <a:rPr lang="en-GB"/>
-              <a:t>MSC HEALTH DATA SCIENCE</a:t>
-            </a:r>
-          </a:p>
-        </p:txBody>
-      </p:sp>
-      <p:sp>
-        <p:nvSpPr>
           <p:cNvPr id="5" name="Slide Number Placeholder 4">
             <a:extLst>
               <a:ext uri="{FF2B5EF4-FFF2-40B4-BE49-F238E27FC236}">
@@ -10153,34 +9450,6 @@
       </p:sp>
       <p:sp>
         <p:nvSpPr>
-          <p:cNvPr id="4" name="Footer Placeholder 3">
-            <a:extLst>
-              <a:ext uri="{FF2B5EF4-FFF2-40B4-BE49-F238E27FC236}">
-                <a16:creationId xmlns:a16="http://schemas.microsoft.com/office/drawing/2014/main" id="{F8886B61-F470-4991-895C-E91657FB820B}"/>
-              </a:ext>
-            </a:extLst>
-          </p:cNvPr>
-          <p:cNvSpPr>
-            <a:spLocks noGrp="1"/>
-          </p:cNvSpPr>
-          <p:nvPr>
-            <p:ph type="ftr" sz="quarter" idx="11"/>
-          </p:nvPr>
-        </p:nvSpPr>
-        <p:spPr/>
-        <p:txBody>
-          <a:bodyPr/>
-          <a:lstStyle/>
-          <a:p>
-            <a:r>
-              <a:rPr lang="en-GB"/>
-              <a:t>MSC HEALTH DATA SCIENCE</a:t>
-            </a:r>
-          </a:p>
-        </p:txBody>
-      </p:sp>
-      <p:sp>
-        <p:nvSpPr>
           <p:cNvPr id="5" name="Slide Number Placeholder 4">
             <a:extLst>
               <a:ext uri="{FF2B5EF4-FFF2-40B4-BE49-F238E27FC236}">
@@ -10389,34 +9658,6 @@
           </a:xfrm>
         </p:spPr>
       </p:pic>
-      <p:sp>
-        <p:nvSpPr>
-          <p:cNvPr id="4" name="Footer Placeholder 3">
-            <a:extLst>
-              <a:ext uri="{FF2B5EF4-FFF2-40B4-BE49-F238E27FC236}">
-                <a16:creationId xmlns:a16="http://schemas.microsoft.com/office/drawing/2014/main" id="{7ECBED59-7E7F-6170-9746-398FAE499E11}"/>
-              </a:ext>
-            </a:extLst>
-          </p:cNvPr>
-          <p:cNvSpPr>
-            <a:spLocks noGrp="1"/>
-          </p:cNvSpPr>
-          <p:nvPr>
-            <p:ph type="ftr" sz="quarter" idx="11"/>
-          </p:nvPr>
-        </p:nvSpPr>
-        <p:spPr/>
-        <p:txBody>
-          <a:bodyPr/>
-          <a:lstStyle/>
-          <a:p>
-            <a:r>
-              <a:rPr lang="en-GB"/>
-              <a:t>MSC HEALTH DATA SCIENCE</a:t>
-            </a:r>
-          </a:p>
-        </p:txBody>
-      </p:sp>
       <p:sp>
         <p:nvSpPr>
           <p:cNvPr id="5" name="Slide Number Placeholder 4">
@@ -11012,34 +10253,6 @@
       </p:sp>
       <p:sp>
         <p:nvSpPr>
-          <p:cNvPr id="4" name="Footer Placeholder 3">
-            <a:extLst>
-              <a:ext uri="{FF2B5EF4-FFF2-40B4-BE49-F238E27FC236}">
-                <a16:creationId xmlns:a16="http://schemas.microsoft.com/office/drawing/2014/main" id="{F8886B61-F470-4991-895C-E91657FB820B}"/>
-              </a:ext>
-            </a:extLst>
-          </p:cNvPr>
-          <p:cNvSpPr>
-            <a:spLocks noGrp="1"/>
-          </p:cNvSpPr>
-          <p:nvPr>
-            <p:ph type="ftr" sz="quarter" idx="11"/>
-          </p:nvPr>
-        </p:nvSpPr>
-        <p:spPr/>
-        <p:txBody>
-          <a:bodyPr/>
-          <a:lstStyle/>
-          <a:p>
-            <a:r>
-              <a:rPr lang="en-GB"/>
-              <a:t>MSC HEALTH DATA SCIENCE</a:t>
-            </a:r>
-          </a:p>
-        </p:txBody>
-      </p:sp>
-      <p:sp>
-        <p:nvSpPr>
           <p:cNvPr id="5" name="Slide Number Placeholder 4">
             <a:extLst>
               <a:ext uri="{FF2B5EF4-FFF2-40B4-BE49-F238E27FC236}">
@@ -11290,34 +10503,6 @@
       </p:sp>
       <p:sp>
         <p:nvSpPr>
-          <p:cNvPr id="4" name="Footer Placeholder 3">
-            <a:extLst>
-              <a:ext uri="{FF2B5EF4-FFF2-40B4-BE49-F238E27FC236}">
-                <a16:creationId xmlns:a16="http://schemas.microsoft.com/office/drawing/2014/main" id="{05F38027-2AA3-444F-AD97-8E84C2726ED4}"/>
-              </a:ext>
-            </a:extLst>
-          </p:cNvPr>
-          <p:cNvSpPr>
-            <a:spLocks noGrp="1"/>
-          </p:cNvSpPr>
-          <p:nvPr>
-            <p:ph type="ftr" sz="quarter" idx="11"/>
-          </p:nvPr>
-        </p:nvSpPr>
-        <p:spPr/>
-        <p:txBody>
-          <a:bodyPr/>
-          <a:lstStyle/>
-          <a:p>
-            <a:r>
-              <a:rPr lang="en-GB"/>
-              <a:t>MSC HEALTH DATA SCIENCE</a:t>
-            </a:r>
-          </a:p>
-        </p:txBody>
-      </p:sp>
-      <p:sp>
-        <p:nvSpPr>
           <p:cNvPr id="5" name="Slide Number Placeholder 4">
             <a:extLst>
               <a:ext uri="{FF2B5EF4-FFF2-40B4-BE49-F238E27FC236}">
@@ -11458,34 +10643,6 @@
       </p:sp>
       <p:sp>
         <p:nvSpPr>
-          <p:cNvPr id="4" name="Footer Placeholder 3">
-            <a:extLst>
-              <a:ext uri="{FF2B5EF4-FFF2-40B4-BE49-F238E27FC236}">
-                <a16:creationId xmlns:a16="http://schemas.microsoft.com/office/drawing/2014/main" id="{3E3A0FDD-EAA3-4622-B39F-84AECFB06358}"/>
-              </a:ext>
-            </a:extLst>
-          </p:cNvPr>
-          <p:cNvSpPr>
-            <a:spLocks noGrp="1"/>
-          </p:cNvSpPr>
-          <p:nvPr>
-            <p:ph type="ftr" sz="quarter" idx="11"/>
-          </p:nvPr>
-        </p:nvSpPr>
-        <p:spPr/>
-        <p:txBody>
-          <a:bodyPr/>
-          <a:lstStyle/>
-          <a:p>
-            <a:r>
-              <a:rPr lang="en-GB"/>
-              <a:t>MSC HEALTH DATA SCIENCE</a:t>
-            </a:r>
-          </a:p>
-        </p:txBody>
-      </p:sp>
-      <p:sp>
-        <p:nvSpPr>
           <p:cNvPr id="5" name="Slide Number Placeholder 4">
             <a:extLst>
               <a:ext uri="{FF2B5EF4-FFF2-40B4-BE49-F238E27FC236}">
@@ -12232,34 +11389,6 @@
               <a:ea typeface="+mn-lt"/>
               <a:cs typeface="+mn-lt"/>
             </a:endParaRPr>
-          </a:p>
-        </p:txBody>
-      </p:sp>
-      <p:sp>
-        <p:nvSpPr>
-          <p:cNvPr id="4" name="Footer Placeholder 3">
-            <a:extLst>
-              <a:ext uri="{FF2B5EF4-FFF2-40B4-BE49-F238E27FC236}">
-                <a16:creationId xmlns:a16="http://schemas.microsoft.com/office/drawing/2014/main" id="{F5A22411-755A-492B-8711-2F177B145C3A}"/>
-              </a:ext>
-            </a:extLst>
-          </p:cNvPr>
-          <p:cNvSpPr>
-            <a:spLocks noGrp="1"/>
-          </p:cNvSpPr>
-          <p:nvPr>
-            <p:ph type="ftr" sz="quarter" idx="11"/>
-          </p:nvPr>
-        </p:nvSpPr>
-        <p:spPr/>
-        <p:txBody>
-          <a:bodyPr/>
-          <a:lstStyle/>
-          <a:p>
-            <a:r>
-              <a:rPr lang="en-GB"/>
-              <a:t>MSC HEALTH DATA SCIENCE</a:t>
-            </a:r>
           </a:p>
         </p:txBody>
       </p:sp>

--- a/api_plumber_slides.pptx
+++ b/api_plumber_slides.pptx
@@ -147,6 +147,7 @@
     <p1510:client id="{2B293CC5-314F-1188-352B-5E65D95366C0}" v="48" dt="2022-02-02T18:55:46.434"/>
     <p1510:client id="{325A50D7-01C2-866D-4BD0-8538A847BAC0}" v="28" dt="2022-03-09T10:37:58.644"/>
     <p1510:client id="{3FB19D1E-E29F-B4CA-2EFF-C8A9A73C8F1B}" v="1386" dt="2021-12-10T18:19:20.895"/>
+    <p1510:client id="{53880CD6-1994-FDFF-577B-27B38B8D62BE}" v="6" dt="2023-06-08T12:48:23.265"/>
     <p1510:client id="{5A20A5C6-56AA-5FA2-98B8-8C2EE98284CB}" v="17" dt="2023-05-12T10:18:28.929"/>
     <p1510:client id="{5DD62463-8A02-DEC4-DB6A-FE843660337D}" v="18" dt="2023-05-12T08:01:52.297"/>
     <p1510:client id="{5E3610D8-B80E-2BA4-56AC-5B07AEAB89CA}" v="21" dt="2023-06-08T12:36:40.565"/>
@@ -5216,21 +5217,24 @@
               <a:buAutoNum type="arabicPeriod"/>
             </a:pPr>
             <a:r>
-              <a:rPr lang="en-GB">
+              <a:rPr lang="en-GB" dirty="0">
                 <a:ea typeface="+mn-lt"/>
                 <a:cs typeface="+mn-lt"/>
                 <a:hlinkClick r:id="rId2"/>
               </a:rPr>
-              <a:t>https://github.com/OllyButters/HDS-plumber/archive/refs/heads/main.zip</a:t>
-            </a:r>
-            <a:endParaRPr lang="en-US"/>
+              <a:t>https://github.com/OllyButters/HDS-plumber/archive/refs/heads/N8.zip</a:t>
+            </a:r>
+            <a:endParaRPr lang="en-US" dirty="0">
+              <a:ea typeface="+mn-lt"/>
+              <a:cs typeface="+mn-lt"/>
+            </a:endParaRPr>
           </a:p>
           <a:p>
             <a:pPr marL="514350" indent="-514350">
               <a:buAutoNum type="arabicPeriod"/>
             </a:pPr>
             <a:r>
-              <a:rPr lang="en-GB">
+              <a:rPr lang="en-GB" dirty="0">
                 <a:cs typeface="Calibri"/>
               </a:rPr>
               <a:t>Open README.md</a:t>
@@ -5241,7 +5245,7 @@
               <a:buAutoNum type="arabicPeriod"/>
             </a:pPr>
             <a:r>
-              <a:rPr lang="en-GB">
+              <a:rPr lang="en-GB" dirty="0">
                 <a:cs typeface="Calibri"/>
               </a:rPr>
               <a:t>Open exercise_1_api_who_is_in_space_now.R</a:t>
@@ -5252,7 +5256,7 @@
               <a:buAutoNum type="arabicPeriod"/>
             </a:pPr>
             <a:r>
-              <a:rPr lang="en-GB">
+              <a:rPr lang="en-GB" dirty="0">
                 <a:cs typeface="Calibri"/>
               </a:rPr>
               <a:t>Run the R file a line at a time (Ctrl-Enter) and read the comments as you do.</a:t>
@@ -6070,10 +6074,11 @@
                 <a:ea typeface="+mn-lt"/>
                 <a:cs typeface="+mn-lt"/>
               </a:rPr>
-              <a:t>https://github.com/OllyButters/HDS-plumber/archive/refs/heads/main.zip</a:t>
+              <a:t>https://github.com/OllyButters/HDS-plumber/archive/refs/heads/N8.zip</a:t>
             </a:r>
             <a:endParaRPr lang="en-GB">
-              <a:cs typeface="Calibri"/>
+              <a:ea typeface="+mn-lt"/>
+              <a:cs typeface="+mn-lt"/>
             </a:endParaRPr>
           </a:p>
           <a:p>

--- a/api_plumber_slides.pptx
+++ b/api_plumber_slides.pptx
@@ -5,34 +5,36 @@
     <p:sldMasterId id="2147483648" r:id="rId1"/>
   </p:sldMasterIdLst>
   <p:notesMasterIdLst>
-    <p:notesMasterId r:id="rId27"/>
+    <p:notesMasterId r:id="rId29"/>
   </p:notesMasterIdLst>
   <p:sldIdLst>
     <p:sldId id="256" r:id="rId2"/>
-    <p:sldId id="257" r:id="rId3"/>
-    <p:sldId id="258" r:id="rId4"/>
-    <p:sldId id="278" r:id="rId5"/>
-    <p:sldId id="271" r:id="rId6"/>
-    <p:sldId id="269" r:id="rId7"/>
-    <p:sldId id="268" r:id="rId8"/>
-    <p:sldId id="259" r:id="rId9"/>
-    <p:sldId id="267" r:id="rId10"/>
-    <p:sldId id="263" r:id="rId11"/>
-    <p:sldId id="276" r:id="rId12"/>
-    <p:sldId id="261" r:id="rId13"/>
-    <p:sldId id="277" r:id="rId14"/>
-    <p:sldId id="279" r:id="rId15"/>
-    <p:sldId id="260" r:id="rId16"/>
-    <p:sldId id="280" r:id="rId17"/>
-    <p:sldId id="265" r:id="rId18"/>
-    <p:sldId id="272" r:id="rId19"/>
-    <p:sldId id="262" r:id="rId20"/>
-    <p:sldId id="273" r:id="rId21"/>
-    <p:sldId id="283" r:id="rId22"/>
-    <p:sldId id="266" r:id="rId23"/>
-    <p:sldId id="284" r:id="rId24"/>
-    <p:sldId id="281" r:id="rId25"/>
-    <p:sldId id="264" r:id="rId26"/>
+    <p:sldId id="285" r:id="rId3"/>
+    <p:sldId id="257" r:id="rId4"/>
+    <p:sldId id="258" r:id="rId5"/>
+    <p:sldId id="278" r:id="rId6"/>
+    <p:sldId id="271" r:id="rId7"/>
+    <p:sldId id="269" r:id="rId8"/>
+    <p:sldId id="268" r:id="rId9"/>
+    <p:sldId id="259" r:id="rId10"/>
+    <p:sldId id="267" r:id="rId11"/>
+    <p:sldId id="263" r:id="rId12"/>
+    <p:sldId id="276" r:id="rId13"/>
+    <p:sldId id="286" r:id="rId14"/>
+    <p:sldId id="261" r:id="rId15"/>
+    <p:sldId id="277" r:id="rId16"/>
+    <p:sldId id="279" r:id="rId17"/>
+    <p:sldId id="260" r:id="rId18"/>
+    <p:sldId id="280" r:id="rId19"/>
+    <p:sldId id="265" r:id="rId20"/>
+    <p:sldId id="272" r:id="rId21"/>
+    <p:sldId id="262" r:id="rId22"/>
+    <p:sldId id="273" r:id="rId23"/>
+    <p:sldId id="283" r:id="rId24"/>
+    <p:sldId id="266" r:id="rId25"/>
+    <p:sldId id="284" r:id="rId26"/>
+    <p:sldId id="281" r:id="rId27"/>
+    <p:sldId id="264" r:id="rId28"/>
   </p:sldIdLst>
   <p:sldSz cx="12192000" cy="6858000"/>
   <p:notesSz cx="6858000" cy="9144000"/>
@@ -142,7 +144,7 @@
 <file path=ppt/revisionInfo.xml><?xml version="1.0" encoding="utf-8"?>
 <p1510:revInfo xmlns:a="http://schemas.openxmlformats.org/drawingml/2006/main" xmlns:r="http://schemas.openxmlformats.org/officeDocument/2006/relationships" xmlns:p1510="http://schemas.microsoft.com/office/powerpoint/2015/10/main">
   <p1510:revLst>
-    <p1510:client id="{0CF096B0-61EF-2272-0466-10E3236DA9DA}" v="10" dt="2024-02-12T15:51:22.740"/>
+    <p1510:client id="{287937F0-CCEF-9342-776B-149267C3FAB7}" v="255" dt="2025-02-10T14:45:02.872"/>
   </p1510:revLst>
 </p1510:revInfo>
 </file>
@@ -229,7 +231,7 @@
           <a:p>
             <a:fld id="{6361535E-F864-4BF1-B6FD-CF4BB8FE907D}" type="datetimeFigureOut">
               <a:rPr lang="en-GB" smtClean="0"/>
-              <a:t>12/02/2024</a:t>
+              <a:t>10/02/2025</a:t>
             </a:fld>
             <a:endParaRPr lang="en-GB"/>
           </a:p>
@@ -3591,13 +3593,13 @@
           <a:p>
             <a:pPr algn="l"/>
             <a:r>
-              <a:rPr lang="en-GB">
+              <a:rPr lang="en-GB" dirty="0">
                 <a:ea typeface="+mj-lt"/>
                 <a:cs typeface="+mj-lt"/>
               </a:rPr>
-              <a:t>APIs &amp; Plumber</a:t>
-            </a:r>
-            <a:endParaRPr lang="en-US"/>
+              <a:t>APIs &amp; Plumber R library</a:t>
+            </a:r>
+            <a:endParaRPr lang="en-US" dirty="0"/>
           </a:p>
           <a:p>
             <a:endParaRPr lang="en-GB">
@@ -3710,7 +3712,7 @@
           <p:cNvPr id="2" name="Title 1">
             <a:extLst>
               <a:ext uri="{FF2B5EF4-FFF2-40B4-BE49-F238E27FC236}">
-                <a16:creationId xmlns:a16="http://schemas.microsoft.com/office/drawing/2014/main" id="{2A4C21E8-865E-4560-8BD3-44542641951D}"/>
+                <a16:creationId xmlns:a16="http://schemas.microsoft.com/office/drawing/2014/main" id="{ECAF0497-C42C-4415-BAAB-9A426CB4FC91}"/>
               </a:ext>
             </a:extLst>
           </p:cNvPr>
@@ -3730,9 +3732,300 @@
               <a:rPr lang="en-GB">
                 <a:cs typeface="Calibri"/>
               </a:rPr>
-              <a:t>Anatomy of a query URL (the request)</a:t>
+              <a:t>Health data APIs</a:t>
             </a:r>
             <a:endParaRPr lang="en-GB"/>
+          </a:p>
+        </p:txBody>
+      </p:sp>
+      <p:sp>
+        <p:nvSpPr>
+          <p:cNvPr id="3" name="Content Placeholder 2">
+            <a:extLst>
+              <a:ext uri="{FF2B5EF4-FFF2-40B4-BE49-F238E27FC236}">
+                <a16:creationId xmlns:a16="http://schemas.microsoft.com/office/drawing/2014/main" id="{E58566D9-DE21-4E02-AD7E-AB0F1FFC0753}"/>
+              </a:ext>
+            </a:extLst>
+          </p:cNvPr>
+          <p:cNvSpPr>
+            <a:spLocks noGrp="1"/>
+          </p:cNvSpPr>
+          <p:nvPr>
+            <p:ph idx="1"/>
+          </p:nvPr>
+        </p:nvSpPr>
+        <p:spPr/>
+        <p:txBody>
+          <a:bodyPr vert="horz" lIns="91440" tIns="45720" rIns="91440" bIns="45720" rtlCol="0" anchor="t">
+            <a:normAutofit/>
+          </a:bodyPr>
+          <a:lstStyle/>
+          <a:p>
+            <a:pPr>
+              <a:buFont typeface="Arial" panose="05000000000000000000" pitchFamily="2" charset="2"/>
+              <a:buChar char="•"/>
+            </a:pPr>
+            <a:r>
+              <a:rPr lang="en-GB" dirty="0" err="1">
+                <a:cs typeface="Calibri" panose="020F0502020204030204"/>
+              </a:rPr>
+              <a:t>Bioportal</a:t>
+            </a:r>
+            <a:r>
+              <a:rPr lang="en-GB" dirty="0">
+                <a:cs typeface="Calibri" panose="020F0502020204030204"/>
+              </a:rPr>
+              <a:t> -&gt; Look up ontologies etc.</a:t>
+            </a:r>
+          </a:p>
+          <a:p>
+            <a:pPr>
+              <a:buFont typeface="Arial" panose="05000000000000000000" pitchFamily="2" charset="2"/>
+              <a:buChar char="•"/>
+            </a:pPr>
+            <a:r>
+              <a:rPr lang="en-GB" dirty="0">
+                <a:cs typeface="Calibri" panose="020F0502020204030204"/>
+              </a:rPr>
+              <a:t>Government health stats -&gt; Going to use these today</a:t>
+            </a:r>
+            <a:endParaRPr lang="en-GB" dirty="0">
+              <a:ea typeface="Calibri"/>
+              <a:cs typeface="Calibri" panose="020F0502020204030204"/>
+            </a:endParaRPr>
+          </a:p>
+          <a:p>
+            <a:pPr>
+              <a:buFont typeface="Arial" panose="05000000000000000000" pitchFamily="2" charset="2"/>
+              <a:buChar char="•"/>
+            </a:pPr>
+            <a:r>
+              <a:rPr lang="en-GB" dirty="0">
+                <a:cs typeface="Calibri" panose="020F0502020204030204"/>
+              </a:rPr>
+              <a:t>NHS Digital -&gt; Loads of APIs to find/get/add data</a:t>
+            </a:r>
+          </a:p>
+          <a:p>
+            <a:pPr>
+              <a:buFont typeface="Arial" panose="05000000000000000000" pitchFamily="2" charset="2"/>
+              <a:buChar char="•"/>
+            </a:pPr>
+            <a:r>
+              <a:rPr lang="en-GB" dirty="0">
+                <a:cs typeface="Calibri" panose="020F0502020204030204"/>
+              </a:rPr>
+              <a:t>Air quality.</a:t>
+            </a:r>
+          </a:p>
+          <a:p>
+            <a:pPr>
+              <a:buFont typeface="Arial" panose="05000000000000000000" pitchFamily="2" charset="2"/>
+              <a:buChar char="•"/>
+            </a:pPr>
+            <a:r>
+              <a:rPr lang="en-GB" dirty="0">
+                <a:ea typeface="+mn-lt"/>
+                <a:cs typeface="+mn-lt"/>
+                <a:hlinkClick r:id="rId2"/>
+              </a:rPr>
+              <a:t>UK government API catalogue</a:t>
+            </a:r>
+            <a:endParaRPr lang="en-GB" dirty="0">
+              <a:cs typeface="Calibri" panose="020F0502020204030204"/>
+            </a:endParaRPr>
+          </a:p>
+          <a:p>
+            <a:pPr>
+              <a:buFont typeface="Arial" panose="05000000000000000000" pitchFamily="2" charset="2"/>
+              <a:buChar char="•"/>
+            </a:pPr>
+            <a:r>
+              <a:rPr lang="en-GB" dirty="0">
+                <a:ea typeface="+mn-lt"/>
+                <a:cs typeface="+mn-lt"/>
+                <a:hlinkClick r:id="rId3"/>
+              </a:rPr>
+              <a:t>Urban Observatory</a:t>
+            </a:r>
+            <a:endParaRPr lang="en-GB" dirty="0">
+              <a:ea typeface="+mn-lt"/>
+              <a:cs typeface="+mn-lt"/>
+            </a:endParaRPr>
+          </a:p>
+          <a:p>
+            <a:pPr>
+              <a:buFont typeface="Arial" panose="05000000000000000000" pitchFamily="2" charset="2"/>
+              <a:buChar char="•"/>
+            </a:pPr>
+            <a:r>
+              <a:rPr lang="en-GB" dirty="0">
+                <a:ea typeface="+mn-lt"/>
+                <a:cs typeface="+mn-lt"/>
+                <a:hlinkClick r:id="rId4"/>
+              </a:rPr>
+              <a:t>https://data.police.uk/docs/</a:t>
+            </a:r>
+            <a:endParaRPr lang="en-GB" dirty="0">
+              <a:cs typeface="Calibri" panose="020F0502020204030204"/>
+            </a:endParaRPr>
+          </a:p>
+          <a:p>
+            <a:pPr>
+              <a:buFont typeface="Arial" panose="05000000000000000000" pitchFamily="2" charset="2"/>
+              <a:buChar char="•"/>
+            </a:pPr>
+            <a:r>
+              <a:rPr lang="en-GB" dirty="0">
+                <a:cs typeface="Calibri" panose="020F0502020204030204"/>
+              </a:rPr>
+              <a:t>Care Quality Commission -&gt; locations of care homes</a:t>
+            </a:r>
+          </a:p>
+          <a:p>
+            <a:pPr>
+              <a:buFont typeface="Arial" panose="05000000000000000000" pitchFamily="2" charset="2"/>
+              <a:buChar char="•"/>
+            </a:pPr>
+            <a:endParaRPr lang="en-GB">
+              <a:cs typeface="Calibri" panose="020F0502020204030204"/>
+            </a:endParaRPr>
+          </a:p>
+          <a:p>
+            <a:pPr>
+              <a:buFont typeface="Arial" panose="05000000000000000000" pitchFamily="2" charset="2"/>
+              <a:buChar char="•"/>
+            </a:pPr>
+            <a:endParaRPr lang="en-GB">
+              <a:cs typeface="Calibri" panose="020F0502020204030204"/>
+            </a:endParaRPr>
+          </a:p>
+          <a:p>
+            <a:pPr>
+              <a:buFont typeface="Arial" panose="05000000000000000000" pitchFamily="2" charset="2"/>
+              <a:buChar char="•"/>
+            </a:pPr>
+            <a:endParaRPr lang="en-GB">
+              <a:cs typeface="Calibri" panose="020F0502020204030204"/>
+            </a:endParaRPr>
+          </a:p>
+        </p:txBody>
+      </p:sp>
+      <p:sp>
+        <p:nvSpPr>
+          <p:cNvPr id="4" name="Footer Placeholder 3">
+            <a:extLst>
+              <a:ext uri="{FF2B5EF4-FFF2-40B4-BE49-F238E27FC236}">
+                <a16:creationId xmlns:a16="http://schemas.microsoft.com/office/drawing/2014/main" id="{520D950C-FD30-463D-AFA4-96B8408E7B9D}"/>
+              </a:ext>
+            </a:extLst>
+          </p:cNvPr>
+          <p:cNvSpPr>
+            <a:spLocks noGrp="1"/>
+          </p:cNvSpPr>
+          <p:nvPr>
+            <p:ph type="ftr" sz="quarter" idx="11"/>
+          </p:nvPr>
+        </p:nvSpPr>
+        <p:spPr/>
+        <p:txBody>
+          <a:bodyPr/>
+          <a:lstStyle/>
+          <a:p>
+            <a:r>
+              <a:rPr lang="en-GB"/>
+              <a:t>MSC HEALTH DATA SCIENCE</a:t>
+            </a:r>
+          </a:p>
+        </p:txBody>
+      </p:sp>
+      <p:sp>
+        <p:nvSpPr>
+          <p:cNvPr id="5" name="Slide Number Placeholder 4">
+            <a:extLst>
+              <a:ext uri="{FF2B5EF4-FFF2-40B4-BE49-F238E27FC236}">
+                <a16:creationId xmlns:a16="http://schemas.microsoft.com/office/drawing/2014/main" id="{8240CAF6-D2F2-464C-A2B7-6C1E69C34EA7}"/>
+              </a:ext>
+            </a:extLst>
+          </p:cNvPr>
+          <p:cNvSpPr>
+            <a:spLocks noGrp="1"/>
+          </p:cNvSpPr>
+          <p:nvPr>
+            <p:ph type="sldNum" sz="quarter" idx="12"/>
+          </p:nvPr>
+        </p:nvSpPr>
+        <p:spPr/>
+        <p:txBody>
+          <a:bodyPr/>
+          <a:lstStyle/>
+          <a:p>
+            <a:fld id="{FC59658C-DD7A-4587-BD02-DE6DA26F2584}" type="slidenum">
+              <a:rPr lang="en-GB" smtClean="0"/>
+              <a:t>10</a:t>
+            </a:fld>
+            <a:endParaRPr lang="en-GB"/>
+          </a:p>
+        </p:txBody>
+      </p:sp>
+    </p:spTree>
+    <p:extLst>
+      <p:ext uri="{BB962C8B-B14F-4D97-AF65-F5344CB8AC3E}">
+        <p14:creationId xmlns:p14="http://schemas.microsoft.com/office/powerpoint/2010/main" val="2839870366"/>
+      </p:ext>
+    </p:extLst>
+  </p:cSld>
+  <p:clrMapOvr>
+    <a:masterClrMapping/>
+  </p:clrMapOvr>
+</p:sld>
+</file>
+
+<file path=ppt/slides/slide11.xml><?xml version="1.0" encoding="utf-8"?>
+<p:sld xmlns:a="http://schemas.openxmlformats.org/drawingml/2006/main" xmlns:r="http://schemas.openxmlformats.org/officeDocument/2006/relationships" xmlns:p="http://schemas.openxmlformats.org/presentationml/2006/main">
+  <p:cSld>
+    <p:spTree>
+      <p:nvGrpSpPr>
+        <p:cNvPr id="1" name=""/>
+        <p:cNvGrpSpPr/>
+        <p:nvPr/>
+      </p:nvGrpSpPr>
+      <p:grpSpPr>
+        <a:xfrm>
+          <a:off x="0" y="0"/>
+          <a:ext cx="0" cy="0"/>
+          <a:chOff x="0" y="0"/>
+          <a:chExt cx="0" cy="0"/>
+        </a:xfrm>
+      </p:grpSpPr>
+      <p:sp>
+        <p:nvSpPr>
+          <p:cNvPr id="2" name="Title 1">
+            <a:extLst>
+              <a:ext uri="{FF2B5EF4-FFF2-40B4-BE49-F238E27FC236}">
+                <a16:creationId xmlns:a16="http://schemas.microsoft.com/office/drawing/2014/main" id="{2A4C21E8-865E-4560-8BD3-44542641951D}"/>
+              </a:ext>
+            </a:extLst>
+          </p:cNvPr>
+          <p:cNvSpPr>
+            <a:spLocks noGrp="1"/>
+          </p:cNvSpPr>
+          <p:nvPr>
+            <p:ph type="title"/>
+          </p:nvPr>
+        </p:nvSpPr>
+        <p:spPr/>
+        <p:txBody>
+          <a:bodyPr/>
+          <a:lstStyle/>
+          <a:p>
+            <a:r>
+              <a:rPr lang="en-GB" dirty="0">
+                <a:cs typeface="Calibri"/>
+              </a:rPr>
+              <a:t>Anatomy of an API URL (the request)</a:t>
+            </a:r>
+            <a:endParaRPr lang="en-GB" dirty="0"/>
           </a:p>
         </p:txBody>
       </p:sp>
@@ -3816,7 +4109,7 @@
           <a:p>
             <a:fld id="{FC59658C-DD7A-4587-BD02-DE6DA26F2584}" type="slidenum">
               <a:rPr lang="en-GB" smtClean="0"/>
-              <a:t>10</a:t>
+              <a:t>11</a:t>
             </a:fld>
             <a:endParaRPr lang="en-GB"/>
           </a:p>
@@ -3904,7 +4197,7 @@
 </p:sld>
 </file>
 
-<file path=ppt/slides/slide11.xml><?xml version="1.0" encoding="utf-8"?>
+<file path=ppt/slides/slide12.xml><?xml version="1.0" encoding="utf-8"?>
 <p:sld xmlns:a="http://schemas.openxmlformats.org/drawingml/2006/main" xmlns:r="http://schemas.openxmlformats.org/officeDocument/2006/relationships" xmlns:p="http://schemas.openxmlformats.org/presentationml/2006/main">
   <p:cSld>
     <p:spTree>
@@ -3995,12 +4288,12 @@
           <a:lstStyle/>
           <a:p>
             <a:r>
-              <a:rPr lang="en-GB">
+              <a:rPr lang="en-GB" dirty="0">
                 <a:cs typeface="Calibri"/>
               </a:rPr>
-              <a:t>Anatomy of a query URL (the request)</a:t>
-            </a:r>
-            <a:endParaRPr lang="en-GB"/>
+              <a:t>Anatomy of an API URL (the request)</a:t>
+            </a:r>
+            <a:endParaRPr lang="en-GB" dirty="0"/>
           </a:p>
         </p:txBody>
       </p:sp>
@@ -4084,7 +4377,7 @@
           <a:p>
             <a:fld id="{FC59658C-DD7A-4587-BD02-DE6DA26F2584}" type="slidenum">
               <a:rPr lang="en-GB" smtClean="0"/>
-              <a:t>11</a:t>
+              <a:t>12</a:t>
             </a:fld>
             <a:endParaRPr lang="en-GB"/>
           </a:p>
@@ -4601,221 +4894,6 @@
 </p:sld>
 </file>
 
-<file path=ppt/slides/slide12.xml><?xml version="1.0" encoding="utf-8"?>
-<p:sld xmlns:a="http://schemas.openxmlformats.org/drawingml/2006/main" xmlns:r="http://schemas.openxmlformats.org/officeDocument/2006/relationships" xmlns:p="http://schemas.openxmlformats.org/presentationml/2006/main">
-  <p:cSld>
-    <p:spTree>
-      <p:nvGrpSpPr>
-        <p:cNvPr id="1" name=""/>
-        <p:cNvGrpSpPr/>
-        <p:nvPr/>
-      </p:nvGrpSpPr>
-      <p:grpSpPr>
-        <a:xfrm>
-          <a:off x="0" y="0"/>
-          <a:ext cx="0" cy="0"/>
-          <a:chOff x="0" y="0"/>
-          <a:chExt cx="0" cy="0"/>
-        </a:xfrm>
-      </p:grpSpPr>
-      <p:sp>
-        <p:nvSpPr>
-          <p:cNvPr id="2" name="Title 1">
-            <a:extLst>
-              <a:ext uri="{FF2B5EF4-FFF2-40B4-BE49-F238E27FC236}">
-                <a16:creationId xmlns:a16="http://schemas.microsoft.com/office/drawing/2014/main" id="{3CC61A15-E115-48E1-8FEA-E48206F72834}"/>
-              </a:ext>
-            </a:extLst>
-          </p:cNvPr>
-          <p:cNvSpPr>
-            <a:spLocks noGrp="1"/>
-          </p:cNvSpPr>
-          <p:nvPr>
-            <p:ph type="title"/>
-          </p:nvPr>
-        </p:nvSpPr>
-        <p:spPr/>
-        <p:txBody>
-          <a:bodyPr/>
-          <a:lstStyle/>
-          <a:p>
-            <a:r>
-              <a:rPr lang="en-GB">
-                <a:cs typeface="Calibri"/>
-              </a:rPr>
-              <a:t>Response</a:t>
-            </a:r>
-            <a:endParaRPr lang="en-GB"/>
-          </a:p>
-        </p:txBody>
-      </p:sp>
-      <p:sp>
-        <p:nvSpPr>
-          <p:cNvPr id="3" name="Content Placeholder 2">
-            <a:extLst>
-              <a:ext uri="{FF2B5EF4-FFF2-40B4-BE49-F238E27FC236}">
-                <a16:creationId xmlns:a16="http://schemas.microsoft.com/office/drawing/2014/main" id="{FDB0F0FD-9131-41A0-97C8-5F3EE874CBBC}"/>
-              </a:ext>
-            </a:extLst>
-          </p:cNvPr>
-          <p:cNvSpPr>
-            <a:spLocks noGrp="1"/>
-          </p:cNvSpPr>
-          <p:nvPr>
-            <p:ph idx="1"/>
-          </p:nvPr>
-        </p:nvSpPr>
-        <p:spPr/>
-        <p:txBody>
-          <a:bodyPr vert="horz" lIns="91440" tIns="45720" rIns="91440" bIns="45720" rtlCol="0" anchor="t">
-            <a:normAutofit/>
-          </a:bodyPr>
-          <a:lstStyle/>
-          <a:p>
-            <a:pPr>
-              <a:buFont typeface="Arial" panose="05000000000000000000" pitchFamily="2" charset="2"/>
-              <a:buChar char="•"/>
-            </a:pPr>
-            <a:r>
-              <a:rPr lang="en-GB">
-                <a:cs typeface="Calibri" panose="020F0502020204030204"/>
-              </a:rPr>
-              <a:t>Typically get a header and content in the response</a:t>
-            </a:r>
-            <a:endParaRPr lang="en-US"/>
-          </a:p>
-          <a:p>
-            <a:pPr>
-              <a:buFont typeface="Arial" panose="05000000000000000000" pitchFamily="2" charset="2"/>
-              <a:buChar char="•"/>
-            </a:pPr>
-            <a:r>
-              <a:rPr lang="en-GB">
-                <a:cs typeface="Calibri" panose="020F0502020204030204"/>
-              </a:rPr>
-              <a:t>Response codes in header</a:t>
-            </a:r>
-          </a:p>
-          <a:p>
-            <a:pPr lvl="1">
-              <a:buFont typeface="Arial" panose="05000000000000000000" pitchFamily="2" charset="2"/>
-              <a:buChar char="•"/>
-            </a:pPr>
-            <a:r>
-              <a:rPr lang="en-GB">
-                <a:cs typeface="Calibri" panose="020F0502020204030204"/>
-              </a:rPr>
-              <a:t>200 – OK</a:t>
-            </a:r>
-          </a:p>
-          <a:p>
-            <a:pPr lvl="1">
-              <a:buFont typeface="Arial" panose="05000000000000000000" pitchFamily="2" charset="2"/>
-              <a:buChar char="•"/>
-            </a:pPr>
-            <a:r>
-              <a:rPr lang="en-GB">
-                <a:cs typeface="Calibri" panose="020F0502020204030204"/>
-              </a:rPr>
-              <a:t>404 – Not found</a:t>
-            </a:r>
-          </a:p>
-          <a:p>
-            <a:pPr lvl="1">
-              <a:buFont typeface="Arial" panose="05000000000000000000" pitchFamily="2" charset="2"/>
-              <a:buChar char="•"/>
-            </a:pPr>
-            <a:r>
-              <a:rPr lang="en-GB">
-                <a:cs typeface="Calibri" panose="020F0502020204030204"/>
-              </a:rPr>
-              <a:t>500 – Internal server error</a:t>
-            </a:r>
-          </a:p>
-          <a:p>
-            <a:pPr>
-              <a:buFont typeface="Arial" panose="05000000000000000000" pitchFamily="2" charset="2"/>
-              <a:buChar char="•"/>
-            </a:pPr>
-            <a:r>
-              <a:rPr lang="en-GB">
-                <a:cs typeface="Calibri" panose="020F0502020204030204"/>
-              </a:rPr>
-              <a:t>Content is usually JSON or XML</a:t>
-            </a:r>
-          </a:p>
-        </p:txBody>
-      </p:sp>
-      <p:sp>
-        <p:nvSpPr>
-          <p:cNvPr id="4" name="Footer Placeholder 3">
-            <a:extLst>
-              <a:ext uri="{FF2B5EF4-FFF2-40B4-BE49-F238E27FC236}">
-                <a16:creationId xmlns:a16="http://schemas.microsoft.com/office/drawing/2014/main" id="{A20B03A6-B0EF-441A-9D19-D7C2F86227CF}"/>
-              </a:ext>
-            </a:extLst>
-          </p:cNvPr>
-          <p:cNvSpPr>
-            <a:spLocks noGrp="1"/>
-          </p:cNvSpPr>
-          <p:nvPr>
-            <p:ph type="ftr" sz="quarter" idx="11"/>
-          </p:nvPr>
-        </p:nvSpPr>
-        <p:spPr/>
-        <p:txBody>
-          <a:bodyPr/>
-          <a:lstStyle/>
-          <a:p>
-            <a:r>
-              <a:rPr lang="en-GB"/>
-              <a:t>MSC HEALTH DATA SCIENCE</a:t>
-            </a:r>
-          </a:p>
-        </p:txBody>
-      </p:sp>
-      <p:sp>
-        <p:nvSpPr>
-          <p:cNvPr id="5" name="Slide Number Placeholder 4">
-            <a:extLst>
-              <a:ext uri="{FF2B5EF4-FFF2-40B4-BE49-F238E27FC236}">
-                <a16:creationId xmlns:a16="http://schemas.microsoft.com/office/drawing/2014/main" id="{5690FB6C-9FED-4E57-9FF2-FB585D3F80DF}"/>
-              </a:ext>
-            </a:extLst>
-          </p:cNvPr>
-          <p:cNvSpPr>
-            <a:spLocks noGrp="1"/>
-          </p:cNvSpPr>
-          <p:nvPr>
-            <p:ph type="sldNum" sz="quarter" idx="12"/>
-          </p:nvPr>
-        </p:nvSpPr>
-        <p:spPr/>
-        <p:txBody>
-          <a:bodyPr/>
-          <a:lstStyle/>
-          <a:p>
-            <a:fld id="{FC59658C-DD7A-4587-BD02-DE6DA26F2584}" type="slidenum">
-              <a:rPr lang="en-GB" smtClean="0"/>
-              <a:t>12</a:t>
-            </a:fld>
-            <a:endParaRPr lang="en-GB"/>
-          </a:p>
-        </p:txBody>
-      </p:sp>
-    </p:spTree>
-    <p:extLst>
-      <p:ext uri="{BB962C8B-B14F-4D97-AF65-F5344CB8AC3E}">
-        <p14:creationId xmlns:p14="http://schemas.microsoft.com/office/powerpoint/2010/main" val="3962255619"/>
-      </p:ext>
-    </p:extLst>
-  </p:cSld>
-  <p:clrMapOvr>
-    <a:masterClrMapping/>
-  </p:clrMapOvr>
-</p:sld>
-</file>
-
 <file path=ppt/slides/slide13.xml><?xml version="1.0" encoding="utf-8"?>
 <p:sld xmlns:a="http://schemas.openxmlformats.org/drawingml/2006/main" xmlns:r="http://schemas.openxmlformats.org/officeDocument/2006/relationships" xmlns:p="http://schemas.openxmlformats.org/presentationml/2006/main">
   <p:cSld>
@@ -4838,7 +4916,7 @@
           <p:cNvPr id="2" name="Title 1">
             <a:extLst>
               <a:ext uri="{FF2B5EF4-FFF2-40B4-BE49-F238E27FC236}">
-                <a16:creationId xmlns:a16="http://schemas.microsoft.com/office/drawing/2014/main" id="{84E3D250-554B-7BD7-4C80-83EF7997BFF5}"/>
+                <a16:creationId xmlns:a16="http://schemas.microsoft.com/office/drawing/2014/main" id="{B1B7E15D-3A19-9B4C-B839-B58D5950C104}"/>
               </a:ext>
             </a:extLst>
           </p:cNvPr>
@@ -4855,12 +4933,12 @@
           <a:lstStyle/>
           <a:p>
             <a:r>
-              <a:rPr lang="en-GB">
+              <a:rPr lang="en-GB" dirty="0">
+                <a:ea typeface="Calibri"/>
                 <a:cs typeface="Calibri"/>
               </a:rPr>
-              <a:t>Google maps elevation API call example</a:t>
-            </a:r>
-            <a:endParaRPr lang="en-GB"/>
+              <a:t>Query vs Path based API</a:t>
+            </a:r>
           </a:p>
         </p:txBody>
       </p:sp>
@@ -4869,7 +4947,7 @@
           <p:cNvPr id="3" name="Content Placeholder 2">
             <a:extLst>
               <a:ext uri="{FF2B5EF4-FFF2-40B4-BE49-F238E27FC236}">
-                <a16:creationId xmlns:a16="http://schemas.microsoft.com/office/drawing/2014/main" id="{81B6594A-7BA4-677E-DCA7-76DD24925E41}"/>
+                <a16:creationId xmlns:a16="http://schemas.microsoft.com/office/drawing/2014/main" id="{C32A2B21-572E-41CB-AF6E-BEDCB0F1713E}"/>
               </a:ext>
             </a:extLst>
           </p:cNvPr>
@@ -4880,12 +4958,7 @@
             <p:ph idx="1"/>
           </p:nvPr>
         </p:nvSpPr>
-        <p:spPr>
-          <a:xfrm>
-            <a:off x="631373" y="1520825"/>
-            <a:ext cx="11444843" cy="659103"/>
-          </a:xfrm>
-        </p:spPr>
+        <p:spPr/>
         <p:txBody>
           <a:bodyPr vert="horz" lIns="91440" tIns="45720" rIns="91440" bIns="45720" rtlCol="0" anchor="t">
             <a:normAutofit/>
@@ -4896,41 +4969,134 @@
               <a:buNone/>
             </a:pPr>
             <a:r>
-              <a:rPr lang="en-GB" sz="2000">
-                <a:ea typeface="+mn-lt"/>
-                <a:cs typeface="+mn-lt"/>
-              </a:rPr>
-              <a:t>Request: </a:t>
-            </a:r>
-            <a:r>
-              <a:rPr lang="en-GB" sz="2000">
-                <a:ea typeface="+mn-lt"/>
-                <a:cs typeface="+mn-lt"/>
-                <a:hlinkClick r:id="rId2"/>
-              </a:rPr>
-              <a:t>https://maps.googleapis.com/maps/api/elevation/json?locations=39.7391536%2C-104.9847034</a:t>
-            </a:r>
-            <a:endParaRPr lang="en-GB" sz="2000">
-              <a:ea typeface="+mn-lt"/>
-              <a:cs typeface="+mn-lt"/>
-            </a:endParaRPr>
+              <a:rPr lang="en-GB" dirty="0">
+                <a:ea typeface="Calibri"/>
+                <a:cs typeface="Calibri"/>
+              </a:rPr>
+              <a:t>Query based:</a:t>
+            </a:r>
           </a:p>
           <a:p>
             <a:pPr marL="0" indent="0">
               <a:buNone/>
             </a:pPr>
-            <a:endParaRPr lang="en-GB">
-              <a:cs typeface="Calibri" panose="020F0502020204030204"/>
+            <a:endParaRPr lang="en-GB" dirty="0">
+              <a:ea typeface="Calibri"/>
+              <a:cs typeface="Calibri"/>
             </a:endParaRPr>
           </a:p>
           <a:p>
             <a:pPr marL="0" indent="0">
               <a:buNone/>
             </a:pPr>
-            <a:endParaRPr lang="en-GB">
-              <a:cs typeface="Calibri" panose="020F0502020204030204"/>
+            <a:r>
+              <a:rPr lang="en-GB" dirty="0">
+                <a:ea typeface="Calibri"/>
+                <a:cs typeface="Calibri"/>
+              </a:rPr>
+              <a:t>someapi.com:1234/</a:t>
+            </a:r>
+            <a:r>
+              <a:rPr lang="en-GB" dirty="0" err="1">
+                <a:ea typeface="Calibri"/>
+                <a:cs typeface="Calibri"/>
+              </a:rPr>
+              <a:t>flu_cases?location</a:t>
+            </a:r>
+            <a:r>
+              <a:rPr lang="en-GB" dirty="0">
+                <a:ea typeface="Calibri"/>
+                <a:cs typeface="Calibri"/>
+              </a:rPr>
+              <a:t>=</a:t>
+            </a:r>
+            <a:r>
+              <a:rPr lang="en-GB" dirty="0" err="1">
+                <a:ea typeface="Calibri"/>
+                <a:cs typeface="Calibri"/>
+              </a:rPr>
+              <a:t>england&amp;type</a:t>
+            </a:r>
+            <a:r>
+              <a:rPr lang="en-GB" dirty="0">
+                <a:ea typeface="Calibri"/>
+                <a:cs typeface="Calibri"/>
+              </a:rPr>
+              <a:t>=hospitalisation</a:t>
+            </a:r>
+          </a:p>
+          <a:p>
+            <a:endParaRPr lang="en-GB" dirty="0">
+              <a:ea typeface="Calibri"/>
+              <a:cs typeface="Calibri"/>
             </a:endParaRPr>
           </a:p>
+          <a:p>
+            <a:pPr marL="0" indent="0">
+              <a:buNone/>
+            </a:pPr>
+            <a:r>
+              <a:rPr lang="en-GB" dirty="0">
+                <a:ea typeface="Calibri"/>
+                <a:cs typeface="Calibri"/>
+              </a:rPr>
+              <a:t>Path based:</a:t>
+            </a:r>
+          </a:p>
+          <a:p>
+            <a:pPr marL="0" indent="0">
+              <a:buNone/>
+            </a:pPr>
+            <a:endParaRPr lang="en-GB" dirty="0">
+              <a:ea typeface="Calibri"/>
+              <a:cs typeface="Calibri"/>
+            </a:endParaRPr>
+          </a:p>
+          <a:p>
+            <a:pPr marL="0" indent="0">
+              <a:buNone/>
+            </a:pPr>
+            <a:r>
+              <a:rPr lang="en-GB" dirty="0">
+                <a:ea typeface="Calibri"/>
+                <a:cs typeface="Calibri"/>
+              </a:rPr>
+              <a:t>someapi.com:1234/location/</a:t>
+            </a:r>
+            <a:r>
+              <a:rPr lang="en-GB" dirty="0" err="1">
+                <a:ea typeface="Calibri"/>
+                <a:cs typeface="Calibri"/>
+              </a:rPr>
+              <a:t>england</a:t>
+            </a:r>
+            <a:r>
+              <a:rPr lang="en-GB" dirty="0">
+                <a:ea typeface="Calibri"/>
+                <a:cs typeface="Calibri"/>
+              </a:rPr>
+              <a:t>/type/hospitalisation/</a:t>
+            </a:r>
+            <a:r>
+              <a:rPr lang="en-GB" dirty="0" err="1">
+                <a:ea typeface="Calibri"/>
+                <a:cs typeface="Calibri"/>
+              </a:rPr>
+              <a:t>flu_cases</a:t>
+            </a:r>
+          </a:p>
+          <a:p>
+            <a:endParaRPr lang="en-GB" dirty="0">
+              <a:ea typeface="Calibri"/>
+              <a:cs typeface="Calibri"/>
+            </a:endParaRPr>
+          </a:p>
+          <a:p>
+            <a:endParaRPr lang="en-GB" dirty="0">
+              <a:ea typeface="Calibri"/>
+              <a:cs typeface="Calibri"/>
+            </a:endParaRPr>
+          </a:p>
         </p:txBody>
       </p:sp>
       <p:sp>
@@ -4938,7 +5104,7 @@
           <p:cNvPr id="4" name="Footer Placeholder 3">
             <a:extLst>
               <a:ext uri="{FF2B5EF4-FFF2-40B4-BE49-F238E27FC236}">
-                <a16:creationId xmlns:a16="http://schemas.microsoft.com/office/drawing/2014/main" id="{75F2E417-5215-607C-D299-1FB6C578D300}"/>
+                <a16:creationId xmlns:a16="http://schemas.microsoft.com/office/drawing/2014/main" id="{D8419D1F-7AD3-24BF-C0C8-65543E466447}"/>
               </a:ext>
             </a:extLst>
           </p:cNvPr>
@@ -4966,7 +5132,7 @@
           <p:cNvPr id="5" name="Slide Number Placeholder 4">
             <a:extLst>
               <a:ext uri="{FF2B5EF4-FFF2-40B4-BE49-F238E27FC236}">
-                <a16:creationId xmlns:a16="http://schemas.microsoft.com/office/drawing/2014/main" id="{2919FCC3-DE9A-77A2-3759-3F5FB19C72B4}"/>
+                <a16:creationId xmlns:a16="http://schemas.microsoft.com/office/drawing/2014/main" id="{5EF7BD5C-6CDE-418B-8B92-F8C7483D3C97}"/>
               </a:ext>
             </a:extLst>
           </p:cNvPr>
@@ -4990,276 +5156,10 @@
           </a:p>
         </p:txBody>
       </p:sp>
-      <p:sp>
-        <p:nvSpPr>
-          <p:cNvPr id="7" name="TextBox 6">
-            <a:extLst>
-              <a:ext uri="{FF2B5EF4-FFF2-40B4-BE49-F238E27FC236}">
-                <a16:creationId xmlns:a16="http://schemas.microsoft.com/office/drawing/2014/main" id="{360818D8-10B9-5F1F-13CF-EE6F2D4ABF2F}"/>
-              </a:ext>
-            </a:extLst>
-          </p:cNvPr>
-          <p:cNvSpPr txBox="1"/>
-          <p:nvPr/>
-        </p:nvSpPr>
-        <p:spPr>
-          <a:xfrm>
-            <a:off x="2175163" y="2570017"/>
-            <a:ext cx="6380018" cy="3516860"/>
-          </a:xfrm>
-          <a:prstGeom prst="rect">
-            <a:avLst/>
-          </a:prstGeom>
-          <a:solidFill>
-            <a:schemeClr val="bg1">
-              <a:lumMod val="75000"/>
-            </a:schemeClr>
-          </a:solidFill>
-        </p:spPr>
-        <p:txBody>
-          <a:bodyPr rot="0" spcFirstLastPara="0" vertOverflow="overflow" horzOverflow="overflow" vert="horz" wrap="square" lIns="91440" tIns="45720" rIns="91440" bIns="45720" numCol="1" spcCol="0" rtlCol="0" fromWordArt="0" anchor="t" anchorCtr="0" forceAA="0" compatLnSpc="1">
-            <a:prstTxWarp prst="textNoShape">
-              <a:avLst/>
-            </a:prstTxWarp>
-            <a:spAutoFit/>
-          </a:bodyPr>
-          <a:lstStyle/>
-          <a:p>
-            <a:pPr>
-              <a:lnSpc>
-                <a:spcPct val="90000"/>
-              </a:lnSpc>
-              <a:spcBef>
-                <a:spcPts val="1000"/>
-              </a:spcBef>
-            </a:pPr>
-            <a:r>
-              <a:rPr lang="en-GB" sz="2000">
-                <a:ea typeface="+mn-lt"/>
-                <a:cs typeface="+mn-lt"/>
-              </a:rPr>
-              <a:t>{</a:t>
-            </a:r>
-            <a:br>
-              <a:rPr lang="en-GB" sz="2000">
-                <a:ea typeface="+mn-lt"/>
-                <a:cs typeface="+mn-lt"/>
-              </a:rPr>
-            </a:br>
-            <a:r>
-              <a:rPr lang="en-GB" sz="2000">
-                <a:ea typeface="+mn-lt"/>
-                <a:cs typeface="+mn-lt"/>
-              </a:rPr>
-              <a:t>  "results":</a:t>
-            </a:r>
-            <a:br>
-              <a:rPr lang="en-GB" sz="2000">
-                <a:ea typeface="+mn-lt"/>
-                <a:cs typeface="+mn-lt"/>
-              </a:rPr>
-            </a:br>
-            <a:r>
-              <a:rPr lang="en-GB" sz="2000">
-                <a:ea typeface="+mn-lt"/>
-                <a:cs typeface="+mn-lt"/>
-              </a:rPr>
-              <a:t>    [</a:t>
-            </a:r>
-            <a:br>
-              <a:rPr lang="en-GB" sz="2000">
-                <a:ea typeface="+mn-lt"/>
-                <a:cs typeface="+mn-lt"/>
-              </a:rPr>
-            </a:br>
-            <a:r>
-              <a:rPr lang="en-GB" sz="2000">
-                <a:ea typeface="+mn-lt"/>
-                <a:cs typeface="+mn-lt"/>
-              </a:rPr>
-              <a:t>      {</a:t>
-            </a:r>
-            <a:br>
-              <a:rPr lang="en-GB" sz="2000">
-                <a:ea typeface="+mn-lt"/>
-                <a:cs typeface="+mn-lt"/>
-              </a:rPr>
-            </a:br>
-            <a:r>
-              <a:rPr lang="en-GB" sz="2000">
-                <a:ea typeface="+mn-lt"/>
-                <a:cs typeface="+mn-lt"/>
-              </a:rPr>
-              <a:t>        "elevation": 1608.637939453125,</a:t>
-            </a:r>
-            <a:br>
-              <a:rPr lang="en-GB" sz="2000">
-                <a:ea typeface="+mn-lt"/>
-                <a:cs typeface="+mn-lt"/>
-              </a:rPr>
-            </a:br>
-            <a:r>
-              <a:rPr lang="en-GB" sz="2000">
-                <a:ea typeface="+mn-lt"/>
-                <a:cs typeface="+mn-lt"/>
-              </a:rPr>
-              <a:t>        "location": { "</a:t>
-            </a:r>
-            <a:r>
-              <a:rPr lang="en-GB" sz="2000" err="1">
-                <a:ea typeface="+mn-lt"/>
-                <a:cs typeface="+mn-lt"/>
-              </a:rPr>
-              <a:t>lat</a:t>
-            </a:r>
-            <a:r>
-              <a:rPr lang="en-GB" sz="2000">
-                <a:ea typeface="+mn-lt"/>
-                <a:cs typeface="+mn-lt"/>
-              </a:rPr>
-              <a:t>": 39.7391536, "</a:t>
-            </a:r>
-            <a:r>
-              <a:rPr lang="en-GB" sz="2000" err="1">
-                <a:ea typeface="+mn-lt"/>
-                <a:cs typeface="+mn-lt"/>
-              </a:rPr>
-              <a:t>lng</a:t>
-            </a:r>
-            <a:r>
-              <a:rPr lang="en-GB" sz="2000">
-                <a:ea typeface="+mn-lt"/>
-                <a:cs typeface="+mn-lt"/>
-              </a:rPr>
-              <a:t>": -104.9847034 },</a:t>
-            </a:r>
-            <a:br>
-              <a:rPr lang="en-GB" sz="2000">
-                <a:ea typeface="+mn-lt"/>
-                <a:cs typeface="+mn-lt"/>
-              </a:rPr>
-            </a:br>
-            <a:r>
-              <a:rPr lang="en-GB" sz="2000">
-                <a:ea typeface="+mn-lt"/>
-                <a:cs typeface="+mn-lt"/>
-              </a:rPr>
-              <a:t>        "resolution": 4.771975994110107,</a:t>
-            </a:r>
-            <a:br>
-              <a:rPr lang="en-GB" sz="2000">
-                <a:ea typeface="+mn-lt"/>
-                <a:cs typeface="+mn-lt"/>
-              </a:rPr>
-            </a:br>
-            <a:r>
-              <a:rPr lang="en-GB" sz="2000">
-                <a:ea typeface="+mn-lt"/>
-                <a:cs typeface="+mn-lt"/>
-              </a:rPr>
-              <a:t>      },</a:t>
-            </a:r>
-            <a:br>
-              <a:rPr lang="en-GB" sz="2000">
-                <a:ea typeface="+mn-lt"/>
-                <a:cs typeface="+mn-lt"/>
-              </a:rPr>
-            </a:br>
-            <a:r>
-              <a:rPr lang="en-GB" sz="2000">
-                <a:ea typeface="+mn-lt"/>
-                <a:cs typeface="+mn-lt"/>
-              </a:rPr>
-              <a:t>    ],</a:t>
-            </a:r>
-            <a:br>
-              <a:rPr lang="en-GB" sz="2000">
-                <a:ea typeface="+mn-lt"/>
-                <a:cs typeface="+mn-lt"/>
-              </a:rPr>
-            </a:br>
-            <a:r>
-              <a:rPr lang="en-GB" sz="2000">
-                <a:ea typeface="+mn-lt"/>
-                <a:cs typeface="+mn-lt"/>
-              </a:rPr>
-              <a:t>  "status": "OK",</a:t>
-            </a:r>
-            <a:br>
-              <a:rPr lang="en-GB" sz="2000">
-                <a:ea typeface="+mn-lt"/>
-                <a:cs typeface="+mn-lt"/>
-              </a:rPr>
-            </a:br>
-            <a:r>
-              <a:rPr lang="en-GB" sz="2000">
-                <a:ea typeface="+mn-lt"/>
-                <a:cs typeface="+mn-lt"/>
-              </a:rPr>
-              <a:t>}</a:t>
-            </a:r>
-          </a:p>
-          <a:p>
-            <a:pPr>
-              <a:lnSpc>
-                <a:spcPct val="90000"/>
-              </a:lnSpc>
-              <a:spcBef>
-                <a:spcPts val="1000"/>
-              </a:spcBef>
-            </a:pPr>
-            <a:endParaRPr lang="en-GB">
-              <a:ea typeface="+mn-lt"/>
-              <a:cs typeface="+mn-lt"/>
-            </a:endParaRPr>
-          </a:p>
-        </p:txBody>
-      </p:sp>
-      <p:sp>
-        <p:nvSpPr>
-          <p:cNvPr id="6" name="TextBox 5">
-            <a:extLst>
-              <a:ext uri="{FF2B5EF4-FFF2-40B4-BE49-F238E27FC236}">
-                <a16:creationId xmlns:a16="http://schemas.microsoft.com/office/drawing/2014/main" id="{AF0FE665-EE78-8D70-9136-E497E05002C0}"/>
-              </a:ext>
-            </a:extLst>
-          </p:cNvPr>
-          <p:cNvSpPr txBox="1"/>
-          <p:nvPr/>
-        </p:nvSpPr>
-        <p:spPr>
-          <a:xfrm>
-            <a:off x="699654" y="4003963"/>
-            <a:ext cx="2743200" cy="400110"/>
-          </a:xfrm>
-          <a:prstGeom prst="rect">
-            <a:avLst/>
-          </a:prstGeom>
-          <a:noFill/>
-        </p:spPr>
-        <p:txBody>
-          <a:bodyPr rot="0" spcFirstLastPara="0" vertOverflow="overflow" horzOverflow="overflow" vert="horz" wrap="square" lIns="91440" tIns="45720" rIns="91440" bIns="45720" numCol="1" spcCol="0" rtlCol="0" fromWordArt="0" anchor="t" anchorCtr="0" forceAA="0" compatLnSpc="1">
-            <a:prstTxWarp prst="textNoShape">
-              <a:avLst/>
-            </a:prstTxWarp>
-            <a:spAutoFit/>
-          </a:bodyPr>
-          <a:lstStyle/>
-          <a:p>
-            <a:pPr algn="l"/>
-            <a:r>
-              <a:rPr lang="en-GB" sz="2000">
-                <a:cs typeface="Calibri"/>
-              </a:rPr>
-              <a:t>Response:</a:t>
-            </a:r>
-          </a:p>
-        </p:txBody>
-      </p:sp>
     </p:spTree>
     <p:extLst>
       <p:ext uri="{BB962C8B-B14F-4D97-AF65-F5344CB8AC3E}">
-        <p14:creationId xmlns:p14="http://schemas.microsoft.com/office/powerpoint/2010/main" val="2391022702"/>
+        <p14:creationId xmlns:p14="http://schemas.microsoft.com/office/powerpoint/2010/main" val="2376488248"/>
       </p:ext>
     </p:extLst>
   </p:cSld>
@@ -5291,7 +5191,7 @@
           <p:cNvPr id="2" name="Title 1">
             <a:extLst>
               <a:ext uri="{FF2B5EF4-FFF2-40B4-BE49-F238E27FC236}">
-                <a16:creationId xmlns:a16="http://schemas.microsoft.com/office/drawing/2014/main" id="{954C0246-A3AF-49B5-BA1B-34F64BFC481B}"/>
+                <a16:creationId xmlns:a16="http://schemas.microsoft.com/office/drawing/2014/main" id="{3CC61A15-E115-48E1-8FEA-E48206F72834}"/>
               </a:ext>
             </a:extLst>
           </p:cNvPr>
@@ -5307,26 +5207,13 @@
           <a:bodyPr/>
           <a:lstStyle/>
           <a:p>
-            <a:pPr marL="285750" indent="-285750">
-              <a:spcBef>
-                <a:spcPts val="1000"/>
-              </a:spcBef>
-              <a:buFont typeface="Arial,Sans-Serif"/>
-              <a:buChar char="•"/>
-            </a:pPr>
-            <a:r>
-              <a:rPr lang="en-GB" dirty="0">
+            <a:r>
+              <a:rPr lang="en-GB">
                 <a:cs typeface="Calibri"/>
               </a:rPr>
-              <a:t>Exercises 1: How many people are on the International Space Station right now?</a:t>
-            </a:r>
-            <a:endParaRPr lang="en-GB" dirty="0">
-              <a:solidFill>
-                <a:srgbClr val="000000"/>
-              </a:solidFill>
-              <a:latin typeface="Calibri"/>
-              <a:cs typeface="Arial"/>
-            </a:endParaRPr>
+              <a:t>Response</a:t>
+            </a:r>
+            <a:endParaRPr lang="en-GB"/>
           </a:p>
         </p:txBody>
       </p:sp>
@@ -5335,7 +5222,7 @@
           <p:cNvPr id="3" name="Content Placeholder 2">
             <a:extLst>
               <a:ext uri="{FF2B5EF4-FFF2-40B4-BE49-F238E27FC236}">
-                <a16:creationId xmlns:a16="http://schemas.microsoft.com/office/drawing/2014/main" id="{109B4AEE-A9C4-4AD2-91C0-3CA94426EFA5}"/>
+                <a16:creationId xmlns:a16="http://schemas.microsoft.com/office/drawing/2014/main" id="{FDB0F0FD-9131-41A0-97C8-5F3EE874CBBC}"/>
               </a:ext>
             </a:extLst>
           </p:cNvPr>
@@ -5346,71 +5233,84 @@
             <p:ph idx="1"/>
           </p:nvPr>
         </p:nvSpPr>
-        <p:spPr>
-          <a:xfrm>
-            <a:off x="631373" y="1825625"/>
-            <a:ext cx="11239458" cy="4351338"/>
-          </a:xfrm>
-        </p:spPr>
+        <p:spPr/>
         <p:txBody>
           <a:bodyPr vert="horz" lIns="91440" tIns="45720" rIns="91440" bIns="45720" rtlCol="0" anchor="t">
             <a:normAutofit/>
           </a:bodyPr>
           <a:lstStyle/>
           <a:p>
-            <a:pPr marL="514350" indent="-514350">
-              <a:buAutoNum type="arabicPeriod"/>
+            <a:pPr>
+              <a:buFont typeface="Arial" panose="05000000000000000000" pitchFamily="2" charset="2"/>
+              <a:buChar char="•"/>
             </a:pPr>
             <a:r>
-              <a:rPr lang="en-GB" dirty="0">
-                <a:ea typeface="+mn-lt"/>
-                <a:cs typeface="+mn-lt"/>
-                <a:hlinkClick r:id="rId2"/>
-              </a:rPr>
-              <a:t>https://github.com/OllyButters/HDS-plumber/archive/refs/heads/main.zip</a:t>
-            </a:r>
-            <a:endParaRPr lang="en-US" dirty="0"/>
-          </a:p>
-          <a:p>
-            <a:pPr marL="514350" indent="-514350">
-              <a:buAutoNum type="arabicPeriod"/>
+              <a:rPr lang="en-GB">
+                <a:cs typeface="Calibri" panose="020F0502020204030204"/>
+              </a:rPr>
+              <a:t>Typically get a header and content in the response</a:t>
+            </a:r>
+            <a:endParaRPr lang="en-US"/>
+          </a:p>
+          <a:p>
+            <a:pPr>
+              <a:buFont typeface="Arial" panose="05000000000000000000" pitchFamily="2" charset="2"/>
+              <a:buChar char="•"/>
             </a:pPr>
             <a:r>
-              <a:rPr lang="en-GB" dirty="0">
-                <a:cs typeface="Calibri"/>
-              </a:rPr>
-              <a:t>Open README.md</a:t>
-            </a:r>
-          </a:p>
-          <a:p>
-            <a:pPr marL="514350" indent="-514350">
-              <a:buAutoNum type="arabicPeriod"/>
+              <a:rPr lang="en-GB">
+                <a:cs typeface="Calibri" panose="020F0502020204030204"/>
+              </a:rPr>
+              <a:t>Response codes in header</a:t>
+            </a:r>
+          </a:p>
+          <a:p>
+            <a:pPr lvl="1">
+              <a:buFont typeface="Arial" panose="05000000000000000000" pitchFamily="2" charset="2"/>
+              <a:buChar char="•"/>
             </a:pPr>
             <a:r>
-              <a:rPr lang="en-GB" dirty="0">
-                <a:cs typeface="Calibri"/>
-              </a:rPr>
-              <a:t>Open exercise_1_api_who_is_on_the_ISS_now.R</a:t>
-            </a:r>
-          </a:p>
-          <a:p>
-            <a:pPr marL="514350" indent="-514350">
-              <a:buAutoNum type="arabicPeriod"/>
+              <a:rPr lang="en-GB">
+                <a:cs typeface="Calibri" panose="020F0502020204030204"/>
+              </a:rPr>
+              <a:t>200 – OK</a:t>
+            </a:r>
+          </a:p>
+          <a:p>
+            <a:pPr lvl="1">
+              <a:buFont typeface="Arial" panose="05000000000000000000" pitchFamily="2" charset="2"/>
+              <a:buChar char="•"/>
             </a:pPr>
             <a:r>
-              <a:rPr lang="en-GB" dirty="0">
-                <a:cs typeface="Calibri"/>
-              </a:rPr>
-              <a:t>Run the R file a line at a time (Ctrl-Enter) and read the comments as you do.</a:t>
-            </a:r>
-          </a:p>
-          <a:p>
-            <a:pPr marL="514350" indent="-514350">
-              <a:buAutoNum type="arabicPeriod"/>
+              <a:rPr lang="en-GB">
+                <a:cs typeface="Calibri" panose="020F0502020204030204"/>
+              </a:rPr>
+              <a:t>404 – Not found</a:t>
+            </a:r>
+          </a:p>
+          <a:p>
+            <a:pPr lvl="1">
+              <a:buFont typeface="Arial" panose="05000000000000000000" pitchFamily="2" charset="2"/>
+              <a:buChar char="•"/>
             </a:pPr>
-            <a:endParaRPr lang="en-GB">
-              <a:cs typeface="Calibri"/>
-            </a:endParaRPr>
+            <a:r>
+              <a:rPr lang="en-GB">
+                <a:cs typeface="Calibri" panose="020F0502020204030204"/>
+              </a:rPr>
+              <a:t>500 – Internal server error</a:t>
+            </a:r>
+          </a:p>
+          <a:p>
+            <a:pPr>
+              <a:buFont typeface="Arial" panose="05000000000000000000" pitchFamily="2" charset="2"/>
+              <a:buChar char="•"/>
+            </a:pPr>
+            <a:r>
+              <a:rPr lang="en-GB">
+                <a:cs typeface="Calibri" panose="020F0502020204030204"/>
+              </a:rPr>
+              <a:t>Content is usually JSON or XML</a:t>
+            </a:r>
           </a:p>
         </p:txBody>
       </p:sp>
@@ -5419,7 +5319,7 @@
           <p:cNvPr id="4" name="Footer Placeholder 3">
             <a:extLst>
               <a:ext uri="{FF2B5EF4-FFF2-40B4-BE49-F238E27FC236}">
-                <a16:creationId xmlns:a16="http://schemas.microsoft.com/office/drawing/2014/main" id="{B6C7C547-6F8E-4D59-8977-3698BCEED57D}"/>
+                <a16:creationId xmlns:a16="http://schemas.microsoft.com/office/drawing/2014/main" id="{A20B03A6-B0EF-441A-9D19-D7C2F86227CF}"/>
               </a:ext>
             </a:extLst>
           </p:cNvPr>
@@ -5447,7 +5347,7 @@
           <p:cNvPr id="5" name="Slide Number Placeholder 4">
             <a:extLst>
               <a:ext uri="{FF2B5EF4-FFF2-40B4-BE49-F238E27FC236}">
-                <a16:creationId xmlns:a16="http://schemas.microsoft.com/office/drawing/2014/main" id="{BDDA59F1-018F-473E-8DD3-47EA12619D2B}"/>
+                <a16:creationId xmlns:a16="http://schemas.microsoft.com/office/drawing/2014/main" id="{5690FB6C-9FED-4E57-9FF2-FB585D3F80DF}"/>
               </a:ext>
             </a:extLst>
           </p:cNvPr>
@@ -5474,7 +5374,7 @@
     </p:spTree>
     <p:extLst>
       <p:ext uri="{BB962C8B-B14F-4D97-AF65-F5344CB8AC3E}">
-        <p14:creationId xmlns:p14="http://schemas.microsoft.com/office/powerpoint/2010/main" val="1575574799"/>
+        <p14:creationId xmlns:p14="http://schemas.microsoft.com/office/powerpoint/2010/main" val="3962255619"/>
       </p:ext>
     </p:extLst>
   </p:cSld>
@@ -5506,7 +5406,7 @@
           <p:cNvPr id="2" name="Title 1">
             <a:extLst>
               <a:ext uri="{FF2B5EF4-FFF2-40B4-BE49-F238E27FC236}">
-                <a16:creationId xmlns:a16="http://schemas.microsoft.com/office/drawing/2014/main" id="{954C0246-A3AF-49B5-BA1B-34F64BFC481B}"/>
+                <a16:creationId xmlns:a16="http://schemas.microsoft.com/office/drawing/2014/main" id="{84E3D250-554B-7BD7-4C80-83EF7997BFF5}"/>
               </a:ext>
             </a:extLst>
           </p:cNvPr>
@@ -5523,12 +5423,12 @@
           <a:lstStyle/>
           <a:p>
             <a:r>
-              <a:rPr lang="en-GB" dirty="0">
+              <a:rPr lang="en-GB">
                 <a:cs typeface="Calibri"/>
               </a:rPr>
-              <a:t>Exercise 2: Write your own R script to find out what the English Covid-19 rate is and plot it</a:t>
-            </a:r>
-            <a:endParaRPr lang="en-GB" dirty="0"/>
+              <a:t>Google maps elevation API call example</a:t>
+            </a:r>
+            <a:endParaRPr lang="en-GB"/>
           </a:p>
         </p:txBody>
       </p:sp>
@@ -5537,7 +5437,7 @@
           <p:cNvPr id="3" name="Content Placeholder 2">
             <a:extLst>
               <a:ext uri="{FF2B5EF4-FFF2-40B4-BE49-F238E27FC236}">
-                <a16:creationId xmlns:a16="http://schemas.microsoft.com/office/drawing/2014/main" id="{109B4AEE-A9C4-4AD2-91C0-3CA94426EFA5}"/>
+                <a16:creationId xmlns:a16="http://schemas.microsoft.com/office/drawing/2014/main" id="{81B6594A-7BA4-677E-DCA7-76DD24925E41}"/>
               </a:ext>
             </a:extLst>
           </p:cNvPr>
@@ -5548,97 +5448,40 @@
             <p:ph idx="1"/>
           </p:nvPr>
         </p:nvSpPr>
-        <p:spPr/>
+        <p:spPr>
+          <a:xfrm>
+            <a:off x="631373" y="1520825"/>
+            <a:ext cx="11444843" cy="659103"/>
+          </a:xfrm>
+        </p:spPr>
         <p:txBody>
           <a:bodyPr vert="horz" lIns="91440" tIns="45720" rIns="91440" bIns="45720" rtlCol="0" anchor="t">
             <a:normAutofit/>
           </a:bodyPr>
           <a:lstStyle/>
           <a:p>
-            <a:pPr marL="514350" indent="-514350">
-              <a:buAutoNum type="arabicPeriod"/>
+            <a:pPr marL="0" indent="0">
+              <a:buNone/>
             </a:pPr>
             <a:r>
-              <a:rPr lang="en-GB">
-                <a:cs typeface="Calibri" panose="020F0502020204030204"/>
-              </a:rPr>
-              <a:t>Start a new R file called exercise_2_api_covid_rate.R</a:t>
-            </a:r>
-          </a:p>
-          <a:p>
-            <a:pPr marL="514350" indent="-514350">
-              <a:buAutoNum type="arabicPeriod"/>
-            </a:pPr>
-            <a:r>
-              <a:rPr lang="en-GB">
+              <a:rPr lang="en-GB" sz="2000">
                 <a:ea typeface="+mn-lt"/>
                 <a:cs typeface="+mn-lt"/>
               </a:rPr>
-              <a:t>Copy the relevant parts from the first exercise</a:t>
-            </a:r>
-          </a:p>
-          <a:p>
-            <a:pPr marL="514350" indent="-514350">
-              <a:buAutoNum type="arabicPeriod"/>
-            </a:pPr>
-            <a:r>
-              <a:rPr lang="en-GB">
-                <a:ea typeface="+mn-lt"/>
-                <a:cs typeface="+mn-lt"/>
-              </a:rPr>
-              <a:t>The query URL (the request) is: </a:t>
-            </a:r>
-            <a:r>
-              <a:rPr lang="en-GB">
+              <a:t>Request: </a:t>
+            </a:r>
+            <a:r>
+              <a:rPr lang="en-GB" sz="2000">
                 <a:ea typeface="+mn-lt"/>
                 <a:cs typeface="+mn-lt"/>
                 <a:hlinkClick r:id="rId2"/>
               </a:rPr>
-              <a:t>https://api.coronavirus.data.gov.uk/v1/data?filters=areaType=nation;areaName=england&amp;structure={"date":"date","newCases":"newCasesByPublishDate</a:t>
-            </a:r>
-            <a:r>
-              <a:rPr lang="en-GB">
-                <a:ea typeface="+mn-lt"/>
-                <a:cs typeface="+mn-lt"/>
-              </a:rPr>
-              <a:t>"</a:t>
-            </a:r>
-            <a:endParaRPr lang="en-GB">
-              <a:cs typeface="Calibri" panose="020F0502020204030204"/>
+              <a:t>https://maps.googleapis.com/maps/api/elevation/json?locations=39.7391536%2C-104.9847034</a:t>
+            </a:r>
+            <a:endParaRPr lang="en-GB" sz="2000">
+              <a:ea typeface="+mn-lt"/>
+              <a:cs typeface="+mn-lt"/>
             </a:endParaRPr>
-          </a:p>
-          <a:p>
-            <a:pPr marL="514350" indent="-514350">
-              <a:buAutoNum type="arabicPeriod"/>
-            </a:pPr>
-            <a:r>
-              <a:rPr lang="en-GB">
-                <a:cs typeface="Calibri" panose="020F0502020204030204"/>
-              </a:rPr>
-              <a:t>Can copy URL from the README.md file.</a:t>
-            </a:r>
-          </a:p>
-          <a:p>
-            <a:pPr marL="514350" indent="-514350">
-              <a:buAutoNum type="arabicPeriod"/>
-            </a:pPr>
-            <a:r>
-              <a:rPr lang="en-GB">
-                <a:cs typeface="Calibri" panose="020F0502020204030204"/>
-              </a:rPr>
-              <a:t>Get the data from the API and plot it.</a:t>
-            </a:r>
-          </a:p>
-          <a:p>
-            <a:pPr marL="514350" indent="-514350">
-              <a:buAutoNum type="arabicPeriod"/>
-            </a:pPr>
-            <a:r>
-              <a:rPr lang="en-GB">
-                <a:cs typeface="Calibri" panose="020F0502020204030204"/>
-              </a:rPr>
-              <a:t>If you get really stuck you can look at exercise_2_api_covid_answer.R</a:t>
-            </a:r>
           </a:p>
           <a:p>
             <a:pPr marL="0" indent="0">
@@ -5649,8 +5492,8 @@
             </a:endParaRPr>
           </a:p>
           <a:p>
-            <a:pPr marL="514350" indent="-514350">
-              <a:buAutoNum type="arabicPeriod"/>
+            <a:pPr marL="0" indent="0">
+              <a:buNone/>
             </a:pPr>
             <a:endParaRPr lang="en-GB">
               <a:cs typeface="Calibri" panose="020F0502020204030204"/>
@@ -5663,7 +5506,7 @@
           <p:cNvPr id="4" name="Footer Placeholder 3">
             <a:extLst>
               <a:ext uri="{FF2B5EF4-FFF2-40B4-BE49-F238E27FC236}">
-                <a16:creationId xmlns:a16="http://schemas.microsoft.com/office/drawing/2014/main" id="{B6C7C547-6F8E-4D59-8977-3698BCEED57D}"/>
+                <a16:creationId xmlns:a16="http://schemas.microsoft.com/office/drawing/2014/main" id="{75F2E417-5215-607C-D299-1FB6C578D300}"/>
               </a:ext>
             </a:extLst>
           </p:cNvPr>
@@ -5691,7 +5534,7 @@
           <p:cNvPr id="5" name="Slide Number Placeholder 4">
             <a:extLst>
               <a:ext uri="{FF2B5EF4-FFF2-40B4-BE49-F238E27FC236}">
-                <a16:creationId xmlns:a16="http://schemas.microsoft.com/office/drawing/2014/main" id="{BDDA59F1-018F-473E-8DD3-47EA12619D2B}"/>
+                <a16:creationId xmlns:a16="http://schemas.microsoft.com/office/drawing/2014/main" id="{2919FCC3-DE9A-77A2-3759-3F5FB19C72B4}"/>
               </a:ext>
             </a:extLst>
           </p:cNvPr>
@@ -5715,10 +5558,276 @@
           </a:p>
         </p:txBody>
       </p:sp>
+      <p:sp>
+        <p:nvSpPr>
+          <p:cNvPr id="7" name="TextBox 6">
+            <a:extLst>
+              <a:ext uri="{FF2B5EF4-FFF2-40B4-BE49-F238E27FC236}">
+                <a16:creationId xmlns:a16="http://schemas.microsoft.com/office/drawing/2014/main" id="{360818D8-10B9-5F1F-13CF-EE6F2D4ABF2F}"/>
+              </a:ext>
+            </a:extLst>
+          </p:cNvPr>
+          <p:cNvSpPr txBox="1"/>
+          <p:nvPr/>
+        </p:nvSpPr>
+        <p:spPr>
+          <a:xfrm>
+            <a:off x="2175163" y="2570017"/>
+            <a:ext cx="6380018" cy="3516860"/>
+          </a:xfrm>
+          <a:prstGeom prst="rect">
+            <a:avLst/>
+          </a:prstGeom>
+          <a:solidFill>
+            <a:schemeClr val="bg1">
+              <a:lumMod val="75000"/>
+            </a:schemeClr>
+          </a:solidFill>
+        </p:spPr>
+        <p:txBody>
+          <a:bodyPr rot="0" spcFirstLastPara="0" vertOverflow="overflow" horzOverflow="overflow" vert="horz" wrap="square" lIns="91440" tIns="45720" rIns="91440" bIns="45720" numCol="1" spcCol="0" rtlCol="0" fromWordArt="0" anchor="t" anchorCtr="0" forceAA="0" compatLnSpc="1">
+            <a:prstTxWarp prst="textNoShape">
+              <a:avLst/>
+            </a:prstTxWarp>
+            <a:spAutoFit/>
+          </a:bodyPr>
+          <a:lstStyle/>
+          <a:p>
+            <a:pPr>
+              <a:lnSpc>
+                <a:spcPct val="90000"/>
+              </a:lnSpc>
+              <a:spcBef>
+                <a:spcPts val="1000"/>
+              </a:spcBef>
+            </a:pPr>
+            <a:r>
+              <a:rPr lang="en-GB" sz="2000">
+                <a:ea typeface="+mn-lt"/>
+                <a:cs typeface="+mn-lt"/>
+              </a:rPr>
+              <a:t>{</a:t>
+            </a:r>
+            <a:br>
+              <a:rPr lang="en-GB" sz="2000">
+                <a:ea typeface="+mn-lt"/>
+                <a:cs typeface="+mn-lt"/>
+              </a:rPr>
+            </a:br>
+            <a:r>
+              <a:rPr lang="en-GB" sz="2000">
+                <a:ea typeface="+mn-lt"/>
+                <a:cs typeface="+mn-lt"/>
+              </a:rPr>
+              <a:t>  "results":</a:t>
+            </a:r>
+            <a:br>
+              <a:rPr lang="en-GB" sz="2000">
+                <a:ea typeface="+mn-lt"/>
+                <a:cs typeface="+mn-lt"/>
+              </a:rPr>
+            </a:br>
+            <a:r>
+              <a:rPr lang="en-GB" sz="2000">
+                <a:ea typeface="+mn-lt"/>
+                <a:cs typeface="+mn-lt"/>
+              </a:rPr>
+              <a:t>    [</a:t>
+            </a:r>
+            <a:br>
+              <a:rPr lang="en-GB" sz="2000">
+                <a:ea typeface="+mn-lt"/>
+                <a:cs typeface="+mn-lt"/>
+              </a:rPr>
+            </a:br>
+            <a:r>
+              <a:rPr lang="en-GB" sz="2000">
+                <a:ea typeface="+mn-lt"/>
+                <a:cs typeface="+mn-lt"/>
+              </a:rPr>
+              <a:t>      {</a:t>
+            </a:r>
+            <a:br>
+              <a:rPr lang="en-GB" sz="2000">
+                <a:ea typeface="+mn-lt"/>
+                <a:cs typeface="+mn-lt"/>
+              </a:rPr>
+            </a:br>
+            <a:r>
+              <a:rPr lang="en-GB" sz="2000">
+                <a:ea typeface="+mn-lt"/>
+                <a:cs typeface="+mn-lt"/>
+              </a:rPr>
+              <a:t>        "elevation": 1608.637939453125,</a:t>
+            </a:r>
+            <a:br>
+              <a:rPr lang="en-GB" sz="2000">
+                <a:ea typeface="+mn-lt"/>
+                <a:cs typeface="+mn-lt"/>
+              </a:rPr>
+            </a:br>
+            <a:r>
+              <a:rPr lang="en-GB" sz="2000">
+                <a:ea typeface="+mn-lt"/>
+                <a:cs typeface="+mn-lt"/>
+              </a:rPr>
+              <a:t>        "location": { "</a:t>
+            </a:r>
+            <a:r>
+              <a:rPr lang="en-GB" sz="2000" err="1">
+                <a:ea typeface="+mn-lt"/>
+                <a:cs typeface="+mn-lt"/>
+              </a:rPr>
+              <a:t>lat</a:t>
+            </a:r>
+            <a:r>
+              <a:rPr lang="en-GB" sz="2000">
+                <a:ea typeface="+mn-lt"/>
+                <a:cs typeface="+mn-lt"/>
+              </a:rPr>
+              <a:t>": 39.7391536, "</a:t>
+            </a:r>
+            <a:r>
+              <a:rPr lang="en-GB" sz="2000" err="1">
+                <a:ea typeface="+mn-lt"/>
+                <a:cs typeface="+mn-lt"/>
+              </a:rPr>
+              <a:t>lng</a:t>
+            </a:r>
+            <a:r>
+              <a:rPr lang="en-GB" sz="2000">
+                <a:ea typeface="+mn-lt"/>
+                <a:cs typeface="+mn-lt"/>
+              </a:rPr>
+              <a:t>": -104.9847034 },</a:t>
+            </a:r>
+            <a:br>
+              <a:rPr lang="en-GB" sz="2000">
+                <a:ea typeface="+mn-lt"/>
+                <a:cs typeface="+mn-lt"/>
+              </a:rPr>
+            </a:br>
+            <a:r>
+              <a:rPr lang="en-GB" sz="2000">
+                <a:ea typeface="+mn-lt"/>
+                <a:cs typeface="+mn-lt"/>
+              </a:rPr>
+              <a:t>        "resolution": 4.771975994110107,</a:t>
+            </a:r>
+            <a:br>
+              <a:rPr lang="en-GB" sz="2000">
+                <a:ea typeface="+mn-lt"/>
+                <a:cs typeface="+mn-lt"/>
+              </a:rPr>
+            </a:br>
+            <a:r>
+              <a:rPr lang="en-GB" sz="2000">
+                <a:ea typeface="+mn-lt"/>
+                <a:cs typeface="+mn-lt"/>
+              </a:rPr>
+              <a:t>      },</a:t>
+            </a:r>
+            <a:br>
+              <a:rPr lang="en-GB" sz="2000">
+                <a:ea typeface="+mn-lt"/>
+                <a:cs typeface="+mn-lt"/>
+              </a:rPr>
+            </a:br>
+            <a:r>
+              <a:rPr lang="en-GB" sz="2000">
+                <a:ea typeface="+mn-lt"/>
+                <a:cs typeface="+mn-lt"/>
+              </a:rPr>
+              <a:t>    ],</a:t>
+            </a:r>
+            <a:br>
+              <a:rPr lang="en-GB" sz="2000">
+                <a:ea typeface="+mn-lt"/>
+                <a:cs typeface="+mn-lt"/>
+              </a:rPr>
+            </a:br>
+            <a:r>
+              <a:rPr lang="en-GB" sz="2000">
+                <a:ea typeface="+mn-lt"/>
+                <a:cs typeface="+mn-lt"/>
+              </a:rPr>
+              <a:t>  "status": "OK",</a:t>
+            </a:r>
+            <a:br>
+              <a:rPr lang="en-GB" sz="2000">
+                <a:ea typeface="+mn-lt"/>
+                <a:cs typeface="+mn-lt"/>
+              </a:rPr>
+            </a:br>
+            <a:r>
+              <a:rPr lang="en-GB" sz="2000">
+                <a:ea typeface="+mn-lt"/>
+                <a:cs typeface="+mn-lt"/>
+              </a:rPr>
+              <a:t>}</a:t>
+            </a:r>
+          </a:p>
+          <a:p>
+            <a:pPr>
+              <a:lnSpc>
+                <a:spcPct val="90000"/>
+              </a:lnSpc>
+              <a:spcBef>
+                <a:spcPts val="1000"/>
+              </a:spcBef>
+            </a:pPr>
+            <a:endParaRPr lang="en-GB">
+              <a:ea typeface="+mn-lt"/>
+              <a:cs typeface="+mn-lt"/>
+            </a:endParaRPr>
+          </a:p>
+        </p:txBody>
+      </p:sp>
+      <p:sp>
+        <p:nvSpPr>
+          <p:cNvPr id="6" name="TextBox 5">
+            <a:extLst>
+              <a:ext uri="{FF2B5EF4-FFF2-40B4-BE49-F238E27FC236}">
+                <a16:creationId xmlns:a16="http://schemas.microsoft.com/office/drawing/2014/main" id="{AF0FE665-EE78-8D70-9136-E497E05002C0}"/>
+              </a:ext>
+            </a:extLst>
+          </p:cNvPr>
+          <p:cNvSpPr txBox="1"/>
+          <p:nvPr/>
+        </p:nvSpPr>
+        <p:spPr>
+          <a:xfrm>
+            <a:off x="699654" y="4003963"/>
+            <a:ext cx="2743200" cy="400110"/>
+          </a:xfrm>
+          <a:prstGeom prst="rect">
+            <a:avLst/>
+          </a:prstGeom>
+          <a:noFill/>
+        </p:spPr>
+        <p:txBody>
+          <a:bodyPr rot="0" spcFirstLastPara="0" vertOverflow="overflow" horzOverflow="overflow" vert="horz" wrap="square" lIns="91440" tIns="45720" rIns="91440" bIns="45720" numCol="1" spcCol="0" rtlCol="0" fromWordArt="0" anchor="t" anchorCtr="0" forceAA="0" compatLnSpc="1">
+            <a:prstTxWarp prst="textNoShape">
+              <a:avLst/>
+            </a:prstTxWarp>
+            <a:spAutoFit/>
+          </a:bodyPr>
+          <a:lstStyle/>
+          <a:p>
+            <a:pPr algn="l"/>
+            <a:r>
+              <a:rPr lang="en-GB" sz="2000">
+                <a:cs typeface="Calibri"/>
+              </a:rPr>
+              <a:t>Response:</a:t>
+            </a:r>
+          </a:p>
+        </p:txBody>
+      </p:sp>
     </p:spTree>
     <p:extLst>
       <p:ext uri="{BB962C8B-B14F-4D97-AF65-F5344CB8AC3E}">
-        <p14:creationId xmlns:p14="http://schemas.microsoft.com/office/powerpoint/2010/main" val="3559725755"/>
+        <p14:creationId xmlns:p14="http://schemas.microsoft.com/office/powerpoint/2010/main" val="2391022702"/>
       </p:ext>
     </p:extLst>
   </p:cSld>
@@ -5750,7 +5859,7 @@
           <p:cNvPr id="2" name="Title 1">
             <a:extLst>
               <a:ext uri="{FF2B5EF4-FFF2-40B4-BE49-F238E27FC236}">
-                <a16:creationId xmlns:a16="http://schemas.microsoft.com/office/drawing/2014/main" id="{78AE4C53-4EBE-35F4-A673-DAE7AE51840B}"/>
+                <a16:creationId xmlns:a16="http://schemas.microsoft.com/office/drawing/2014/main" id="{954C0246-A3AF-49B5-BA1B-34F64BFC481B}"/>
               </a:ext>
             </a:extLst>
           </p:cNvPr>
@@ -5766,13 +5875,22 @@
           <a:bodyPr/>
           <a:lstStyle/>
           <a:p>
-            <a:r>
-              <a:rPr lang="en-GB">
+            <a:pPr>
+              <a:spcBef>
+                <a:spcPts val="1000"/>
+              </a:spcBef>
+            </a:pPr>
+            <a:r>
+              <a:rPr lang="en-GB" dirty="0">
                 <a:cs typeface="Calibri"/>
               </a:rPr>
-              <a:t>Exercise 1 &amp; 2 summary</a:t>
-            </a:r>
-            <a:endParaRPr lang="en-GB"/>
+              <a:t>Exercises 1: Find out a useless fact</a:t>
+            </a:r>
+            <a:endParaRPr lang="en-GB" dirty="0">
+              <a:latin typeface="Calibri"/>
+              <a:ea typeface="Calibri"/>
+              <a:cs typeface="Calibri"/>
+            </a:endParaRPr>
           </a:p>
         </p:txBody>
       </p:sp>
@@ -5781,7 +5899,7 @@
           <p:cNvPr id="3" name="Content Placeholder 2">
             <a:extLst>
               <a:ext uri="{FF2B5EF4-FFF2-40B4-BE49-F238E27FC236}">
-                <a16:creationId xmlns:a16="http://schemas.microsoft.com/office/drawing/2014/main" id="{2F758401-D365-90C9-79F7-00D4A3D05859}"/>
+                <a16:creationId xmlns:a16="http://schemas.microsoft.com/office/drawing/2014/main" id="{109B4AEE-A9C4-4AD2-91C0-3CA94426EFA5}"/>
               </a:ext>
             </a:extLst>
           </p:cNvPr>
@@ -5792,7 +5910,12 @@
             <p:ph idx="1"/>
           </p:nvPr>
         </p:nvSpPr>
-        <p:spPr/>
+        <p:spPr>
+          <a:xfrm>
+            <a:off x="631373" y="1825625"/>
+            <a:ext cx="11239458" cy="4351338"/>
+          </a:xfrm>
+        </p:spPr>
         <p:txBody>
           <a:bodyPr vert="horz" lIns="91440" tIns="45720" rIns="91440" bIns="45720" rtlCol="0" anchor="t">
             <a:normAutofit/>
@@ -5800,28 +5923,78 @@
           <a:lstStyle/>
           <a:p>
             <a:pPr marL="514350" indent="-514350">
-              <a:buFont typeface="Arial" panose="05000000000000000000" pitchFamily="2" charset="2"/>
-              <a:buChar char="•"/>
+              <a:buAutoNum type="arabicPeriod"/>
             </a:pPr>
+            <a:r>
+              <a:rPr lang="en-GB" dirty="0">
+                <a:ea typeface="+mn-lt"/>
+                <a:cs typeface="+mn-lt"/>
+                <a:hlinkClick r:id="rId2"/>
+              </a:rPr>
+              <a:t>https://github.com/OllyButters/HDS-plumber/archive/refs/heads/main.zip</a:t>
+            </a:r>
+            <a:endParaRPr lang="en-US" dirty="0"/>
+          </a:p>
+          <a:p>
+            <a:pPr marL="514350" indent="-514350">
+              <a:buAutoNum type="arabicPeriod"/>
+            </a:pPr>
+            <a:r>
+              <a:rPr lang="en-GB" dirty="0">
+                <a:cs typeface="Calibri"/>
+              </a:rPr>
+              <a:t>Open README.md</a:t>
+            </a:r>
+          </a:p>
+          <a:p>
+            <a:pPr marL="514350" indent="-514350">
+              <a:buAutoNum type="arabicPeriod"/>
+            </a:pPr>
+            <a:r>
+              <a:rPr lang="en-GB" dirty="0">
+                <a:cs typeface="Calibri"/>
+              </a:rPr>
+              <a:t>Open exercise_1_api_useless_facts.R</a:t>
+            </a:r>
+            <a:endParaRPr lang="en-GB" dirty="0">
+              <a:ea typeface="Calibri"/>
+              <a:cs typeface="Calibri"/>
+            </a:endParaRPr>
+          </a:p>
+          <a:p>
+            <a:pPr marL="514350" indent="-514350">
+              <a:buAutoNum type="arabicPeriod"/>
+            </a:pPr>
+            <a:r>
+              <a:rPr lang="en-GB" dirty="0">
+                <a:cs typeface="Calibri"/>
+              </a:rPr>
+              <a:t>Run the R file one line at a time (Ctrl-Enter) and read the comments as </a:t>
+            </a:r>
             <a:r>
               <a:rPr lang="en-GB">
                 <a:cs typeface="Calibri"/>
               </a:rPr>
-              <a:t>Used two APIs to get data from remote services.</a:t>
-            </a:r>
-            <a:endParaRPr lang="en-US"/>
+              <a:t>you go</a:t>
+            </a:r>
+            <a:r>
+              <a:rPr lang="en-GB" dirty="0">
+                <a:cs typeface="Calibri"/>
+              </a:rPr>
+              <a:t>.</a:t>
+            </a:r>
+            <a:endParaRPr lang="en-GB" dirty="0">
+              <a:ea typeface="Calibri"/>
+              <a:cs typeface="Calibri"/>
+            </a:endParaRPr>
           </a:p>
           <a:p>
             <a:pPr marL="514350" indent="-514350">
-              <a:buFont typeface="Arial" panose="05000000000000000000" pitchFamily="2" charset="2"/>
-              <a:buChar char="•"/>
+              <a:buAutoNum type="arabicPeriod"/>
             </a:pPr>
-            <a:r>
-              <a:rPr lang="en-GB">
-                <a:cs typeface="Calibri"/>
-              </a:rPr>
-              <a:t>Now we are going to build our own APIs and connect to them in a similar way.</a:t>
-            </a:r>
+            <a:endParaRPr lang="en-GB">
+              <a:cs typeface="Calibri"/>
+            </a:endParaRPr>
           </a:p>
         </p:txBody>
       </p:sp>
@@ -5830,7 +6003,7 @@
           <p:cNvPr id="4" name="Footer Placeholder 3">
             <a:extLst>
               <a:ext uri="{FF2B5EF4-FFF2-40B4-BE49-F238E27FC236}">
-                <a16:creationId xmlns:a16="http://schemas.microsoft.com/office/drawing/2014/main" id="{00672F1D-F38C-F37F-9FBB-15E608FC1774}"/>
+                <a16:creationId xmlns:a16="http://schemas.microsoft.com/office/drawing/2014/main" id="{B6C7C547-6F8E-4D59-8977-3698BCEED57D}"/>
               </a:ext>
             </a:extLst>
           </p:cNvPr>
@@ -5858,7 +6031,7 @@
           <p:cNvPr id="5" name="Slide Number Placeholder 4">
             <a:extLst>
               <a:ext uri="{FF2B5EF4-FFF2-40B4-BE49-F238E27FC236}">
-                <a16:creationId xmlns:a16="http://schemas.microsoft.com/office/drawing/2014/main" id="{387976BB-A9CC-85A1-FA7F-C357BD0931D6}"/>
+                <a16:creationId xmlns:a16="http://schemas.microsoft.com/office/drawing/2014/main" id="{BDDA59F1-018F-473E-8DD3-47EA12619D2B}"/>
               </a:ext>
             </a:extLst>
           </p:cNvPr>
@@ -5885,7 +6058,7 @@
     </p:spTree>
     <p:extLst>
       <p:ext uri="{BB962C8B-B14F-4D97-AF65-F5344CB8AC3E}">
-        <p14:creationId xmlns:p14="http://schemas.microsoft.com/office/powerpoint/2010/main" val="74963168"/>
+        <p14:creationId xmlns:p14="http://schemas.microsoft.com/office/powerpoint/2010/main" val="1575574799"/>
       </p:ext>
     </p:extLst>
   </p:cSld>
@@ -5917,7 +6090,7 @@
           <p:cNvPr id="2" name="Title 1">
             <a:extLst>
               <a:ext uri="{FF2B5EF4-FFF2-40B4-BE49-F238E27FC236}">
-                <a16:creationId xmlns:a16="http://schemas.microsoft.com/office/drawing/2014/main" id="{B17BE71F-B298-4697-889D-A48250A05CBA}"/>
+                <a16:creationId xmlns:a16="http://schemas.microsoft.com/office/drawing/2014/main" id="{954C0246-A3AF-49B5-BA1B-34F64BFC481B}"/>
               </a:ext>
             </a:extLst>
           </p:cNvPr>
@@ -5926,43 +6099,66 @@
           </p:cNvSpPr>
           <p:nvPr>
             <p:ph type="title"/>
-          </p:nvPr>
-        </p:nvSpPr>
-        <p:spPr/>
-        <p:txBody>
-          <a:bodyPr/>
-          <a:lstStyle/>
-          <a:p>
-            <a:r>
-              <a:rPr lang="en-GB">
-                <a:cs typeface="Calibri"/>
-              </a:rPr>
-              <a:t>Swagger</a:t>
-            </a:r>
-            <a:endParaRPr lang="en-GB"/>
-          </a:p>
-        </p:txBody>
-      </p:sp>
-      <p:sp>
-        <p:nvSpPr>
-          <p:cNvPr id="3" name="Content Placeholder 2">
-            <a:extLst>
-              <a:ext uri="{FF2B5EF4-FFF2-40B4-BE49-F238E27FC236}">
-                <a16:creationId xmlns:a16="http://schemas.microsoft.com/office/drawing/2014/main" id="{D927585D-F699-4224-AD32-153B513C208E}"/>
-              </a:ext>
-            </a:extLst>
-          </p:cNvPr>
-          <p:cNvSpPr>
-            <a:spLocks noGrp="1"/>
-          </p:cNvSpPr>
-          <p:nvPr>
-            <p:ph idx="1"/>
           </p:nvPr>
         </p:nvSpPr>
         <p:spPr>
           <a:xfrm>
-            <a:off x="631373" y="1825625"/>
-            <a:ext cx="3964479" cy="4351338"/>
+            <a:off x="520938" y="200930"/>
+            <a:ext cx="11402075" cy="1325563"/>
+          </a:xfrm>
+        </p:spPr>
+        <p:txBody>
+          <a:bodyPr>
+            <a:normAutofit fontScale="90000"/>
+          </a:bodyPr>
+          <a:lstStyle/>
+          <a:p>
+            <a:r>
+              <a:rPr lang="en-GB" dirty="0">
+                <a:cs typeface="Calibri"/>
+              </a:rPr>
+              <a:t>Exercise 2: Write an R script to find out what the </a:t>
+            </a:r>
+            <a:r>
+              <a:rPr lang="en-GB" dirty="0">
+                <a:ea typeface="+mj-lt"/>
+                <a:cs typeface="+mj-lt"/>
+              </a:rPr>
+              <a:t>influenza hospitalisation rate in England</a:t>
+            </a:r>
+            <a:r>
+              <a:rPr lang="en-GB" dirty="0">
+                <a:cs typeface="Calibri"/>
+              </a:rPr>
+              <a:t> is and plot it</a:t>
+            </a:r>
+            <a:endParaRPr lang="en-GB" dirty="0">
+              <a:ea typeface="Calibri"/>
+              <a:cs typeface="Calibri"/>
+            </a:endParaRPr>
+          </a:p>
+        </p:txBody>
+      </p:sp>
+      <p:sp>
+        <p:nvSpPr>
+          <p:cNvPr id="3" name="Content Placeholder 2">
+            <a:extLst>
+              <a:ext uri="{FF2B5EF4-FFF2-40B4-BE49-F238E27FC236}">
+                <a16:creationId xmlns:a16="http://schemas.microsoft.com/office/drawing/2014/main" id="{109B4AEE-A9C4-4AD2-91C0-3CA94426EFA5}"/>
+              </a:ext>
+            </a:extLst>
+          </p:cNvPr>
+          <p:cNvSpPr>
+            <a:spLocks noGrp="1"/>
+          </p:cNvSpPr>
+          <p:nvPr>
+            <p:ph idx="1"/>
+          </p:nvPr>
+        </p:nvSpPr>
+        <p:spPr>
+          <a:xfrm>
+            <a:off x="631373" y="1549539"/>
+            <a:ext cx="11070771" cy="4627424"/>
           </a:xfrm>
         </p:spPr>
         <p:txBody>
@@ -5971,43 +6167,115 @@
           </a:bodyPr>
           <a:lstStyle/>
           <a:p>
-            <a:pPr>
-              <a:buFont typeface="Arial" panose="05000000000000000000" pitchFamily="2" charset="2"/>
-              <a:buChar char="•"/>
+            <a:pPr marL="514350" indent="-514350">
+              <a:buAutoNum type="arabicPeriod"/>
             </a:pPr>
             <a:r>
               <a:rPr lang="en-GB" dirty="0">
                 <a:cs typeface="Calibri" panose="020F0502020204030204"/>
               </a:rPr>
-              <a:t>Web tool to help explore and use compliant APIs</a:t>
-            </a:r>
-          </a:p>
-          <a:p>
-            <a:pPr>
-              <a:buFont typeface="Arial" panose="05000000000000000000" pitchFamily="2" charset="2"/>
-              <a:buChar char="•"/>
+              <a:t>Start a new R file called exercise_2_api_influenza_rate.R</a:t>
+            </a:r>
+            <a:endParaRPr lang="en-GB">
+              <a:ea typeface="Calibri"/>
+              <a:cs typeface="Calibri" panose="020F0502020204030204"/>
+            </a:endParaRPr>
+          </a:p>
+          <a:p>
+            <a:pPr marL="514350" indent="-514350">
+              <a:buAutoNum type="arabicPeriod"/>
             </a:pPr>
             <a:r>
               <a:rPr lang="en-GB" dirty="0">
                 <a:ea typeface="+mn-lt"/>
                 <a:cs typeface="+mn-lt"/>
+              </a:rPr>
+              <a:t>Copy the relevant parts from the first exercise.</a:t>
+            </a:r>
+          </a:p>
+          <a:p>
+            <a:pPr marL="514350" indent="-514350">
+              <a:buAutoNum type="arabicPeriod"/>
+            </a:pPr>
+            <a:r>
+              <a:rPr lang="en-GB" dirty="0">
+                <a:ea typeface="+mn-lt"/>
+                <a:cs typeface="+mn-lt"/>
+              </a:rPr>
+              <a:t>The query URL (the request) is: </a:t>
+            </a:r>
+            <a:r>
+              <a:rPr lang="en-GB" dirty="0">
+                <a:solidFill>
+                  <a:srgbClr val="CCCCCC"/>
+                </a:solidFill>
+                <a:latin typeface="Calibri"/>
+                <a:ea typeface="+mn-lt"/>
+                <a:cs typeface="+mn-lt"/>
                 <a:hlinkClick r:id="rId2"/>
               </a:rPr>
-              <a:t>https://api.openaq.org/</a:t>
-            </a:r>
-            <a:endParaRPr lang="en-GB" dirty="0">
+              <a:t>https://api.ukhsa-dashboard.data.gov.uk/themes/infectious_disease/sub_themes/respiratory/topics/Influenza/geography_types/Nation/geographies/England/metrics/influenza_healthcare_hospitalAdmissionRateByWeek?age=all&amp;page=2&amp;page_size=365</a:t>
+            </a:r>
+            <a:endParaRPr lang="en-GB">
+              <a:latin typeface="Calibri"/>
               <a:ea typeface="+mn-lt"/>
               <a:cs typeface="+mn-lt"/>
             </a:endParaRPr>
           </a:p>
           <a:p>
-            <a:pPr marL="0" indent="0">
-              <a:buNone/>
+            <a:pPr marL="514350" indent="-514350">
+              <a:buAutoNum type="arabicPeriod"/>
             </a:pPr>
-            <a:endParaRPr lang="en-GB" dirty="0">
+            <a:r>
+              <a:rPr lang="en-GB" dirty="0">
+                <a:cs typeface="Calibri" panose="020F0502020204030204"/>
+              </a:rPr>
+              <a:t>Can copy URL from the README.md file.</a:t>
+            </a:r>
+            <a:endParaRPr lang="en-GB">
+              <a:ea typeface="Calibri"/>
               <a:cs typeface="Calibri" panose="020F0502020204030204"/>
             </a:endParaRPr>
           </a:p>
+          <a:p>
+            <a:pPr marL="514350" indent="-514350">
+              <a:buAutoNum type="arabicPeriod"/>
+            </a:pPr>
+            <a:r>
+              <a:rPr lang="en-GB" dirty="0">
+                <a:cs typeface="Calibri" panose="020F0502020204030204"/>
+              </a:rPr>
+              <a:t>Get the data from the API and plot it.</a:t>
+            </a:r>
+            <a:endParaRPr lang="en-GB">
+              <a:ea typeface="Calibri"/>
+              <a:cs typeface="Calibri" panose="020F0502020204030204"/>
+            </a:endParaRPr>
+          </a:p>
+          <a:p>
+            <a:pPr marL="514350" indent="-514350">
+              <a:buAutoNum type="arabicPeriod"/>
+            </a:pPr>
+            <a:r>
+              <a:rPr lang="en-GB" dirty="0">
+                <a:cs typeface="Calibri" panose="020F0502020204030204"/>
+              </a:rPr>
+              <a:t>If you get really stuck you can look at exercise_2_influenza_answer.R</a:t>
+            </a:r>
+            <a:endParaRPr lang="en-GB" dirty="0">
+              <a:ea typeface="Calibri"/>
+              <a:cs typeface="Calibri" panose="020F0502020204030204"/>
+            </a:endParaRPr>
+          </a:p>
+          <a:p>
+            <a:pPr marL="514350" indent="-514350">
+              <a:buAutoNum type="arabicPeriod"/>
+            </a:pPr>
+            <a:endParaRPr lang="en-GB">
+              <a:ea typeface="Calibri"/>
+              <a:cs typeface="Calibri" panose="020F0502020204030204"/>
+            </a:endParaRPr>
+          </a:p>
         </p:txBody>
       </p:sp>
       <p:sp>
@@ -6015,7 +6283,7 @@
           <p:cNvPr id="4" name="Footer Placeholder 3">
             <a:extLst>
               <a:ext uri="{FF2B5EF4-FFF2-40B4-BE49-F238E27FC236}">
-                <a16:creationId xmlns:a16="http://schemas.microsoft.com/office/drawing/2014/main" id="{E3D3E118-0E2F-4F31-929D-7CE51F98925D}"/>
+                <a16:creationId xmlns:a16="http://schemas.microsoft.com/office/drawing/2014/main" id="{B6C7C547-6F8E-4D59-8977-3698BCEED57D}"/>
               </a:ext>
             </a:extLst>
           </p:cNvPr>
@@ -6043,7 +6311,7 @@
           <p:cNvPr id="5" name="Slide Number Placeholder 4">
             <a:extLst>
               <a:ext uri="{FF2B5EF4-FFF2-40B4-BE49-F238E27FC236}">
-                <a16:creationId xmlns:a16="http://schemas.microsoft.com/office/drawing/2014/main" id="{EBDBE694-89F1-4C4A-991D-DF3DB89258E8}"/>
+                <a16:creationId xmlns:a16="http://schemas.microsoft.com/office/drawing/2014/main" id="{BDDA59F1-018F-473E-8DD3-47EA12619D2B}"/>
               </a:ext>
             </a:extLst>
           </p:cNvPr>
@@ -6067,40 +6335,10 @@
           </a:p>
         </p:txBody>
       </p:sp>
-      <p:pic>
-        <p:nvPicPr>
-          <p:cNvPr id="8" name="Picture 8" descr="Graphical user interface, application, email&#10;&#10;Description automatically generated">
-            <a:extLst>
-              <a:ext uri="{FF2B5EF4-FFF2-40B4-BE49-F238E27FC236}">
-                <a16:creationId xmlns:a16="http://schemas.microsoft.com/office/drawing/2014/main" id="{25E340DB-EA74-4629-D974-F3A7FD525523}"/>
-              </a:ext>
-            </a:extLst>
-          </p:cNvPr>
-          <p:cNvPicPr>
-            <a:picLocks noChangeAspect="1"/>
-          </p:cNvPicPr>
-          <p:nvPr/>
-        </p:nvPicPr>
-        <p:blipFill>
-          <a:blip r:embed="rId3"/>
-          <a:stretch>
-            <a:fillRect/>
-          </a:stretch>
-        </p:blipFill>
-        <p:spPr>
-          <a:xfrm>
-            <a:off x="5464630" y="96505"/>
-            <a:ext cx="5747656" cy="6664991"/>
-          </a:xfrm>
-          <a:prstGeom prst="rect">
-            <a:avLst/>
-          </a:prstGeom>
-        </p:spPr>
-      </p:pic>
     </p:spTree>
     <p:extLst>
       <p:ext uri="{BB962C8B-B14F-4D97-AF65-F5344CB8AC3E}">
-        <p14:creationId xmlns:p14="http://schemas.microsoft.com/office/powerpoint/2010/main" val="2958053071"/>
+        <p14:creationId xmlns:p14="http://schemas.microsoft.com/office/powerpoint/2010/main" val="3559725755"/>
       </p:ext>
     </p:extLst>
   </p:cSld>
@@ -6132,7 +6370,7 @@
           <p:cNvPr id="2" name="Title 1">
             <a:extLst>
               <a:ext uri="{FF2B5EF4-FFF2-40B4-BE49-F238E27FC236}">
-                <a16:creationId xmlns:a16="http://schemas.microsoft.com/office/drawing/2014/main" id="{B17BE71F-B298-4697-889D-A48250A05CBA}"/>
+                <a16:creationId xmlns:a16="http://schemas.microsoft.com/office/drawing/2014/main" id="{78AE4C53-4EBE-35F4-A673-DAE7AE51840B}"/>
               </a:ext>
             </a:extLst>
           </p:cNvPr>
@@ -6152,47 +6390,67 @@
               <a:rPr lang="en-GB">
                 <a:cs typeface="Calibri"/>
               </a:rPr>
-              <a:t>Swagger</a:t>
+              <a:t>Exercise 1 &amp; 2 summary</a:t>
             </a:r>
             <a:endParaRPr lang="en-GB"/>
           </a:p>
         </p:txBody>
       </p:sp>
-      <p:pic>
-        <p:nvPicPr>
-          <p:cNvPr id="6" name="Picture 7" descr="Graphical user interface, application&#10;&#10;Description automatically generated">
-            <a:extLst>
-              <a:ext uri="{FF2B5EF4-FFF2-40B4-BE49-F238E27FC236}">
-                <a16:creationId xmlns:a16="http://schemas.microsoft.com/office/drawing/2014/main" id="{EF6CD388-096A-158B-3AEB-82A3B7589202}"/>
-              </a:ext>
-            </a:extLst>
-          </p:cNvPr>
-          <p:cNvPicPr>
-            <a:picLocks noGrp="1" noChangeAspect="1"/>
-          </p:cNvPicPr>
+      <p:sp>
+        <p:nvSpPr>
+          <p:cNvPr id="3" name="Content Placeholder 2">
+            <a:extLst>
+              <a:ext uri="{FF2B5EF4-FFF2-40B4-BE49-F238E27FC236}">
+                <a16:creationId xmlns:a16="http://schemas.microsoft.com/office/drawing/2014/main" id="{2F758401-D365-90C9-79F7-00D4A3D05859}"/>
+              </a:ext>
+            </a:extLst>
+          </p:cNvPr>
+          <p:cNvSpPr>
+            <a:spLocks noGrp="1"/>
+          </p:cNvSpPr>
           <p:nvPr>
             <p:ph idx="1"/>
           </p:nvPr>
-        </p:nvPicPr>
-        <p:blipFill>
-          <a:blip r:embed="rId2"/>
-          <a:stretch>
-            <a:fillRect/>
-          </a:stretch>
-        </p:blipFill>
-        <p:spPr>
-          <a:xfrm>
-            <a:off x="5085970" y="204107"/>
-            <a:ext cx="5616885" cy="6513966"/>
-          </a:xfrm>
-        </p:spPr>
-      </p:pic>
+        </p:nvSpPr>
+        <p:spPr/>
+        <p:txBody>
+          <a:bodyPr vert="horz" lIns="91440" tIns="45720" rIns="91440" bIns="45720" rtlCol="0" anchor="t">
+            <a:normAutofit/>
+          </a:bodyPr>
+          <a:lstStyle/>
+          <a:p>
+            <a:pPr marL="514350" indent="-514350">
+              <a:buFont typeface="Arial" panose="05000000000000000000" pitchFamily="2" charset="2"/>
+              <a:buChar char="•"/>
+            </a:pPr>
+            <a:r>
+              <a:rPr lang="en-GB">
+                <a:cs typeface="Calibri"/>
+              </a:rPr>
+              <a:t>Used two APIs to get data from remote services.</a:t>
+            </a:r>
+            <a:endParaRPr lang="en-US"/>
+          </a:p>
+          <a:p>
+            <a:pPr marL="514350" indent="-514350">
+              <a:buFont typeface="Arial" panose="05000000000000000000" pitchFamily="2" charset="2"/>
+              <a:buChar char="•"/>
+            </a:pPr>
+            <a:r>
+              <a:rPr lang="en-GB">
+                <a:cs typeface="Calibri"/>
+              </a:rPr>
+              <a:t>Now we are going to build our own APIs and connect to them in a similar way.</a:t>
+            </a:r>
+          </a:p>
+        </p:txBody>
+      </p:sp>
       <p:sp>
         <p:nvSpPr>
           <p:cNvPr id="4" name="Footer Placeholder 3">
             <a:extLst>
               <a:ext uri="{FF2B5EF4-FFF2-40B4-BE49-F238E27FC236}">
-                <a16:creationId xmlns:a16="http://schemas.microsoft.com/office/drawing/2014/main" id="{E3D3E118-0E2F-4F31-929D-7CE51F98925D}"/>
+                <a16:creationId xmlns:a16="http://schemas.microsoft.com/office/drawing/2014/main" id="{00672F1D-F38C-F37F-9FBB-15E608FC1774}"/>
               </a:ext>
             </a:extLst>
           </p:cNvPr>
@@ -6220,7 +6478,7 @@
           <p:cNvPr id="5" name="Slide Number Placeholder 4">
             <a:extLst>
               <a:ext uri="{FF2B5EF4-FFF2-40B4-BE49-F238E27FC236}">
-                <a16:creationId xmlns:a16="http://schemas.microsoft.com/office/drawing/2014/main" id="{EBDBE694-89F1-4C4A-991D-DF3DB89258E8}"/>
+                <a16:creationId xmlns:a16="http://schemas.microsoft.com/office/drawing/2014/main" id="{387976BB-A9CC-85A1-FA7F-C357BD0931D6}"/>
               </a:ext>
             </a:extLst>
           </p:cNvPr>
@@ -6247,7 +6505,7 @@
     </p:spTree>
     <p:extLst>
       <p:ext uri="{BB962C8B-B14F-4D97-AF65-F5344CB8AC3E}">
-        <p14:creationId xmlns:p14="http://schemas.microsoft.com/office/powerpoint/2010/main" val="92150149"/>
+        <p14:creationId xmlns:p14="http://schemas.microsoft.com/office/powerpoint/2010/main" val="74963168"/>
       </p:ext>
     </p:extLst>
   </p:cSld>
@@ -6279,7 +6537,7 @@
           <p:cNvPr id="2" name="Title 1">
             <a:extLst>
               <a:ext uri="{FF2B5EF4-FFF2-40B4-BE49-F238E27FC236}">
-                <a16:creationId xmlns:a16="http://schemas.microsoft.com/office/drawing/2014/main" id="{D429B0A5-02E9-4DB9-8940-0D209FE920E7}"/>
+                <a16:creationId xmlns:a16="http://schemas.microsoft.com/office/drawing/2014/main" id="{B17BE71F-B298-4697-889D-A48250A05CBA}"/>
               </a:ext>
             </a:extLst>
           </p:cNvPr>
@@ -6299,9 +6557,9 @@
               <a:rPr lang="en-GB">
                 <a:cs typeface="Calibri"/>
               </a:rPr>
-              <a:t>Decorators</a:t>
-            </a:r>
-            <a:endParaRPr lang="en-US"/>
+              <a:t>Swagger</a:t>
+            </a:r>
+            <a:endParaRPr lang="en-GB"/>
           </a:p>
         </p:txBody>
       </p:sp>
@@ -6310,7 +6568,7 @@
           <p:cNvPr id="3" name="Content Placeholder 2">
             <a:extLst>
               <a:ext uri="{FF2B5EF4-FFF2-40B4-BE49-F238E27FC236}">
-                <a16:creationId xmlns:a16="http://schemas.microsoft.com/office/drawing/2014/main" id="{4A5EC64C-E5E2-49F8-9688-4E082FA21614}"/>
+                <a16:creationId xmlns:a16="http://schemas.microsoft.com/office/drawing/2014/main" id="{D927585D-F699-4224-AD32-153B513C208E}"/>
               </a:ext>
             </a:extLst>
           </p:cNvPr>
@@ -6324,7 +6582,7 @@
         <p:spPr>
           <a:xfrm>
             <a:off x="631373" y="1825625"/>
-            <a:ext cx="11070771" cy="1254848"/>
+            <a:ext cx="3964479" cy="4351338"/>
           </a:xfrm>
         </p:spPr>
         <p:txBody>
@@ -6338,19 +6596,42 @@
               <a:buChar char="•"/>
             </a:pPr>
             <a:r>
-              <a:rPr lang="en-GB">
+              <a:rPr lang="en-GB" dirty="0">
                 <a:cs typeface="Calibri" panose="020F0502020204030204"/>
               </a:rPr>
-              <a:t>Decorators let you modify function behaviour without modifying the function code!</a:t>
-            </a:r>
+              <a:t>Web tool to help explore and use compliant APIs</a:t>
+            </a:r>
+          </a:p>
+          <a:p>
+            <a:pPr>
+              <a:buFont typeface="Arial" panose="05000000000000000000" pitchFamily="2" charset="2"/>
+              <a:buChar char="•"/>
+            </a:pPr>
+            <a:r>
+              <a:rPr lang="en-GB" dirty="0">
+                <a:ea typeface="+mn-lt"/>
+                <a:cs typeface="+mn-lt"/>
+                <a:hlinkClick r:id="rId2"/>
+              </a:rPr>
+              <a:t>https://api.openaq.org/docs</a:t>
+            </a:r>
+          </a:p>
+          <a:p>
+            <a:pPr>
+              <a:buFont typeface="Arial" panose="05000000000000000000" pitchFamily="2" charset="2"/>
+              <a:buChar char="•"/>
+            </a:pPr>
+            <a:endParaRPr lang="en-GB" dirty="0">
+              <a:ea typeface="Calibri"/>
+              <a:cs typeface="Calibri" panose="020F0502020204030204"/>
+            </a:endParaRPr>
           </a:p>
           <a:p>
             <a:pPr marL="0" indent="0">
               <a:buNone/>
             </a:pPr>
-            <a:endParaRPr lang="en-GB">
-              <a:latin typeface="Calibri"/>
-              <a:ea typeface="Source Sans Pro"/>
+            <a:endParaRPr lang="en-GB" dirty="0">
+              <a:ea typeface="Calibri"/>
               <a:cs typeface="Calibri" panose="020F0502020204030204"/>
             </a:endParaRPr>
           </a:p>
@@ -6361,7 +6642,7 @@
           <p:cNvPr id="4" name="Footer Placeholder 3">
             <a:extLst>
               <a:ext uri="{FF2B5EF4-FFF2-40B4-BE49-F238E27FC236}">
-                <a16:creationId xmlns:a16="http://schemas.microsoft.com/office/drawing/2014/main" id="{594D6165-D52F-4817-9DF9-0C30058721B8}"/>
+                <a16:creationId xmlns:a16="http://schemas.microsoft.com/office/drawing/2014/main" id="{E3D3E118-0E2F-4F31-929D-7CE51F98925D}"/>
               </a:ext>
             </a:extLst>
           </p:cNvPr>
@@ -6389,7 +6670,7 @@
           <p:cNvPr id="5" name="Slide Number Placeholder 4">
             <a:extLst>
               <a:ext uri="{FF2B5EF4-FFF2-40B4-BE49-F238E27FC236}">
-                <a16:creationId xmlns:a16="http://schemas.microsoft.com/office/drawing/2014/main" id="{A30481FC-47BB-41D9-9200-0FDAA1CBDEDA}"/>
+                <a16:creationId xmlns:a16="http://schemas.microsoft.com/office/drawing/2014/main" id="{EBDBE694-89F1-4C4A-991D-DF3DB89258E8}"/>
               </a:ext>
             </a:extLst>
           </p:cNvPr>
@@ -6413,242 +6694,40 @@
           </a:p>
         </p:txBody>
       </p:sp>
-      <p:sp>
-        <p:nvSpPr>
-          <p:cNvPr id="6" name="TextBox 5">
-            <a:extLst>
-              <a:ext uri="{FF2B5EF4-FFF2-40B4-BE49-F238E27FC236}">
-                <a16:creationId xmlns:a16="http://schemas.microsoft.com/office/drawing/2014/main" id="{84250790-5991-9A77-9C04-5F7950818AE7}"/>
-              </a:ext>
-            </a:extLst>
-          </p:cNvPr>
-          <p:cNvSpPr txBox="1"/>
+      <p:pic>
+        <p:nvPicPr>
+          <p:cNvPr id="6" name="Picture 5" descr="A screenshot of a computer&#10;&#10;AI-generated content may be incorrect.">
+            <a:extLst>
+              <a:ext uri="{FF2B5EF4-FFF2-40B4-BE49-F238E27FC236}">
+                <a16:creationId xmlns:a16="http://schemas.microsoft.com/office/drawing/2014/main" id="{3AA03E89-CB51-C1A1-DBEB-83377FD8F07E}"/>
+              </a:ext>
+            </a:extLst>
+          </p:cNvPr>
+          <p:cNvPicPr>
+            <a:picLocks noChangeAspect="1"/>
+          </p:cNvPicPr>
           <p:nvPr/>
-        </p:nvSpPr>
+        </p:nvPicPr>
+        <p:blipFill>
+          <a:blip r:embed="rId3"/>
+          <a:stretch>
+            <a:fillRect/>
+          </a:stretch>
+        </p:blipFill>
         <p:spPr>
           <a:xfrm>
-            <a:off x="6497780" y="2618508"/>
-            <a:ext cx="4953000" cy="2308324"/>
+            <a:off x="4568110" y="1540"/>
+            <a:ext cx="7623884" cy="6883078"/>
           </a:xfrm>
           <a:prstGeom prst="rect">
             <a:avLst/>
           </a:prstGeom>
-          <a:solidFill>
-            <a:schemeClr val="bg1">
-              <a:lumMod val="75000"/>
-            </a:schemeClr>
-          </a:solidFill>
         </p:spPr>
-        <p:txBody>
-          <a:bodyPr rot="0" spcFirstLastPara="0" vertOverflow="overflow" horzOverflow="overflow" vert="horz" wrap="square" lIns="91440" tIns="45720" rIns="91440" bIns="45720" numCol="1" spcCol="0" rtlCol="0" fromWordArt="0" anchor="t" anchorCtr="0" forceAA="0" compatLnSpc="1">
-            <a:prstTxWarp prst="textNoShape">
-              <a:avLst/>
-            </a:prstTxWarp>
-            <a:spAutoFit/>
-          </a:bodyPr>
-          <a:lstStyle/>
-          <a:p>
-            <a:pPr>
-              <a:lnSpc>
-                <a:spcPct val="90000"/>
-              </a:lnSpc>
-              <a:spcBef>
-                <a:spcPts val="1000"/>
-              </a:spcBef>
-            </a:pPr>
-            <a:r>
-              <a:rPr lang="en-GB" sz="2400" dirty="0">
-                <a:solidFill>
-                  <a:srgbClr val="000000"/>
-                </a:solidFill>
-                <a:ea typeface="+mn-lt"/>
-                <a:cs typeface="+mn-lt"/>
-              </a:rPr>
-              <a:t>#* I am a decorator</a:t>
-            </a:r>
-            <a:br>
-              <a:rPr lang="en-GB" sz="2400" dirty="0">
-                <a:ea typeface="+mn-lt"/>
-                <a:cs typeface="+mn-lt"/>
-              </a:rPr>
-            </a:br>
-            <a:r>
-              <a:rPr lang="en-GB" sz="2400" dirty="0" err="1">
-                <a:solidFill>
-                  <a:srgbClr val="000000"/>
-                </a:solidFill>
-                <a:ea typeface="+mn-lt"/>
-                <a:cs typeface="+mn-lt"/>
-              </a:rPr>
-              <a:t>my_function</a:t>
-            </a:r>
-            <a:r>
-              <a:rPr lang="en-GB" sz="2400" dirty="0">
-                <a:solidFill>
-                  <a:srgbClr val="000000"/>
-                </a:solidFill>
-                <a:ea typeface="+mn-lt"/>
-                <a:cs typeface="+mn-lt"/>
-              </a:rPr>
-              <a:t> &lt;- function()</a:t>
-            </a:r>
-            <a:br>
-              <a:rPr lang="en-GB" sz="2400" dirty="0">
-                <a:ea typeface="+mn-lt"/>
-                <a:cs typeface="+mn-lt"/>
-              </a:rPr>
-            </a:br>
-            <a:r>
-              <a:rPr lang="en-GB" sz="2400" dirty="0">
-                <a:solidFill>
-                  <a:srgbClr val="000000"/>
-                </a:solidFill>
-                <a:ea typeface="+mn-lt"/>
-                <a:cs typeface="+mn-lt"/>
-              </a:rPr>
-              <a:t>{</a:t>
-            </a:r>
-            <a:br>
-              <a:rPr lang="en-GB" sz="2400" dirty="0">
-                <a:ea typeface="+mn-lt"/>
-                <a:cs typeface="+mn-lt"/>
-              </a:rPr>
-            </a:br>
-            <a:r>
-              <a:rPr lang="en-GB" sz="2400" dirty="0">
-                <a:solidFill>
-                  <a:srgbClr val="000000"/>
-                </a:solidFill>
-                <a:ea typeface="+mn-lt"/>
-                <a:cs typeface="+mn-lt"/>
-              </a:rPr>
-              <a:t>    #do awesome stuff</a:t>
-            </a:r>
-            <a:br>
-              <a:rPr lang="en-GB" sz="2400" dirty="0">
-                <a:ea typeface="+mn-lt"/>
-                <a:cs typeface="+mn-lt"/>
-              </a:rPr>
-            </a:br>
-            <a:r>
-              <a:rPr lang="en-GB" sz="2400" dirty="0">
-                <a:solidFill>
-                  <a:srgbClr val="000000"/>
-                </a:solidFill>
-                <a:ea typeface="+mn-lt"/>
-                <a:cs typeface="+mn-lt"/>
-              </a:rPr>
-              <a:t>}</a:t>
-            </a:r>
-            <a:endParaRPr lang="en-US" sz="2400" dirty="0">
-              <a:solidFill>
-                <a:srgbClr val="000000"/>
-              </a:solidFill>
-              <a:ea typeface="+mn-lt"/>
-              <a:cs typeface="+mn-lt"/>
-            </a:endParaRPr>
-          </a:p>
-          <a:p>
-            <a:endParaRPr lang="en-GB">
-              <a:cs typeface="Calibri"/>
-            </a:endParaRPr>
-          </a:p>
-          <a:p>
-            <a:pPr algn="l"/>
-            <a:endParaRPr lang="en-GB">
-              <a:cs typeface="Calibri"/>
-            </a:endParaRPr>
-          </a:p>
-        </p:txBody>
-      </p:sp>
-      <p:sp>
-        <p:nvSpPr>
-          <p:cNvPr id="7" name="TextBox 6">
-            <a:extLst>
-              <a:ext uri="{FF2B5EF4-FFF2-40B4-BE49-F238E27FC236}">
-                <a16:creationId xmlns:a16="http://schemas.microsoft.com/office/drawing/2014/main" id="{81D91F3F-CAC8-E21D-DE5D-9938D29F3CCC}"/>
-              </a:ext>
-            </a:extLst>
-          </p:cNvPr>
-          <p:cNvSpPr txBox="1"/>
-          <p:nvPr/>
-        </p:nvSpPr>
-        <p:spPr>
-          <a:xfrm>
-            <a:off x="630381" y="2722419"/>
-            <a:ext cx="5458690" cy="1660968"/>
-          </a:xfrm>
-          <a:prstGeom prst="rect">
-            <a:avLst/>
-          </a:prstGeom>
-          <a:noFill/>
-        </p:spPr>
-        <p:txBody>
-          <a:bodyPr rot="0" spcFirstLastPara="0" vertOverflow="overflow" horzOverflow="overflow" vert="horz" wrap="square" lIns="91440" tIns="45720" rIns="91440" bIns="45720" numCol="1" spcCol="0" rtlCol="0" fromWordArt="0" anchor="t" anchorCtr="0" forceAA="0" compatLnSpc="1">
-            <a:prstTxWarp prst="textNoShape">
-              <a:avLst/>
-            </a:prstTxWarp>
-            <a:spAutoFit/>
-          </a:bodyPr>
-          <a:lstStyle/>
-          <a:p>
-            <a:pPr marL="285750" indent="-285750">
-              <a:lnSpc>
-                <a:spcPct val="90000"/>
-              </a:lnSpc>
-              <a:spcBef>
-                <a:spcPts val="1000"/>
-              </a:spcBef>
-              <a:buFont typeface="Arial,Sans-Serif"/>
-              <a:buChar char="•"/>
-            </a:pPr>
-            <a:r>
-              <a:rPr lang="en-GB" sz="2800">
-                <a:latin typeface="Arial"/>
-                <a:cs typeface="Arial"/>
-              </a:rPr>
-              <a:t>Start with a # so ignored most of the time.</a:t>
-            </a:r>
-            <a:endParaRPr lang="en-US" sz="2800">
-              <a:latin typeface="Arial"/>
-              <a:cs typeface="Arial"/>
-            </a:endParaRPr>
-          </a:p>
-          <a:p>
-            <a:pPr marL="285750" indent="-285750">
-              <a:lnSpc>
-                <a:spcPct val="90000"/>
-              </a:lnSpc>
-              <a:spcBef>
-                <a:spcPts val="1000"/>
-              </a:spcBef>
-              <a:buFont typeface="Arial,Sans-Serif"/>
-              <a:buChar char="•"/>
-            </a:pPr>
-            <a:r>
-              <a:rPr lang="en-GB" sz="2800">
-                <a:latin typeface="Arial"/>
-                <a:cs typeface="Arial"/>
-              </a:rPr>
-              <a:t>Common in other languages.</a:t>
-            </a:r>
-            <a:endParaRPr lang="en-US" sz="2800">
-              <a:latin typeface="Arial"/>
-              <a:cs typeface="Arial"/>
-            </a:endParaRPr>
-          </a:p>
-          <a:p>
-            <a:pPr algn="l"/>
-            <a:endParaRPr lang="en-GB">
-              <a:cs typeface="Calibri"/>
-            </a:endParaRPr>
-          </a:p>
-        </p:txBody>
-      </p:sp>
+      </p:pic>
     </p:spTree>
     <p:extLst>
       <p:ext uri="{BB962C8B-B14F-4D97-AF65-F5344CB8AC3E}">
-        <p14:creationId xmlns:p14="http://schemas.microsoft.com/office/powerpoint/2010/main" val="1449690167"/>
+        <p14:creationId xmlns:p14="http://schemas.microsoft.com/office/powerpoint/2010/main" val="2958053071"/>
       </p:ext>
     </p:extLst>
   </p:cSld>
@@ -6680,7 +6759,7 @@
           <p:cNvPr id="2" name="Title 1">
             <a:extLst>
               <a:ext uri="{FF2B5EF4-FFF2-40B4-BE49-F238E27FC236}">
-                <a16:creationId xmlns:a16="http://schemas.microsoft.com/office/drawing/2014/main" id="{65956E49-8E45-46FC-8E34-FE6D44A0DDEC}"/>
+                <a16:creationId xmlns:a16="http://schemas.microsoft.com/office/drawing/2014/main" id="{6BA286DF-330D-EC7D-1E6E-D698227E2FFD}"/>
               </a:ext>
             </a:extLst>
           </p:cNvPr>
@@ -6697,11 +6776,13 @@
           <a:lstStyle/>
           <a:p>
             <a:r>
-              <a:rPr lang="en-GB">
+              <a:rPr lang="en-GB" dirty="0">
+                <a:ea typeface="Calibri"/>
                 <a:cs typeface="Calibri"/>
               </a:rPr>
-              <a:t>Session overview</a:t>
-            </a:r>
+              <a:t>Learning objectives</a:t>
+            </a:r>
+            <a:endParaRPr lang="en-GB" dirty="0"/>
           </a:p>
         </p:txBody>
       </p:sp>
@@ -6710,7 +6791,7 @@
           <p:cNvPr id="3" name="Content Placeholder 2">
             <a:extLst>
               <a:ext uri="{FF2B5EF4-FFF2-40B4-BE49-F238E27FC236}">
-                <a16:creationId xmlns:a16="http://schemas.microsoft.com/office/drawing/2014/main" id="{ECFB707D-BE0B-405C-A943-CED8577B21A8}"/>
+                <a16:creationId xmlns:a16="http://schemas.microsoft.com/office/drawing/2014/main" id="{9CEF05A4-5A94-2707-31EB-5F422B8A053D}"/>
               </a:ext>
             </a:extLst>
           </p:cNvPr>
@@ -6728,73 +6809,30 @@
           </a:bodyPr>
           <a:lstStyle/>
           <a:p>
-            <a:pPr>
-              <a:buFont typeface="Arial" panose="05000000000000000000" pitchFamily="2" charset="2"/>
-              <a:buChar char="•"/>
-            </a:pPr>
-            <a:r>
-              <a:rPr lang="en-GB">
-                <a:ea typeface="+mn-lt"/>
-                <a:cs typeface="+mn-lt"/>
-              </a:rPr>
-              <a:t>What is an API, where are they used? (~25 mins)</a:t>
-            </a:r>
-            <a:endParaRPr lang="en-GB">
-              <a:cs typeface="Calibri" panose="020F0502020204030204"/>
-            </a:endParaRPr>
-          </a:p>
-          <a:p>
-            <a:pPr>
-              <a:buFont typeface="Arial" panose="05000000000000000000" pitchFamily="2" charset="2"/>
-              <a:buChar char="•"/>
-            </a:pPr>
-            <a:r>
-              <a:rPr lang="en-GB">
-                <a:ea typeface="+mn-lt"/>
-                <a:cs typeface="+mn-lt"/>
-              </a:rPr>
-              <a:t>Exercise - Two R examples of using existing external APIs. (~15 mins)</a:t>
-            </a:r>
-          </a:p>
-          <a:p>
-            <a:pPr>
-              <a:buFont typeface="Arial" panose="05000000000000000000" pitchFamily="2" charset="2"/>
-              <a:buChar char="•"/>
-            </a:pPr>
-            <a:r>
-              <a:rPr lang="en-GB">
-                <a:ea typeface="+mn-lt"/>
-                <a:cs typeface="+mn-lt"/>
-              </a:rPr>
-              <a:t>Introduction to plumber. (~15 mins)</a:t>
-            </a:r>
-            <a:endParaRPr lang="en-GB">
-              <a:cs typeface="Calibri" panose="020F0502020204030204"/>
-            </a:endParaRPr>
-          </a:p>
-          <a:p>
-            <a:pPr>
-              <a:buFont typeface="Arial" panose="05000000000000000000" pitchFamily="2" charset="2"/>
-              <a:buChar char="•"/>
-            </a:pPr>
-            <a:r>
-              <a:rPr lang="en-GB">
-                <a:ea typeface="+mn-lt"/>
-                <a:cs typeface="+mn-lt"/>
-              </a:rPr>
-              <a:t>Exercise - Write some plumber code.  (~30 mins)</a:t>
-            </a:r>
-          </a:p>
-          <a:p>
-            <a:pPr>
-              <a:buFont typeface="Arial" panose="05000000000000000000" pitchFamily="2" charset="2"/>
-              <a:buChar char="•"/>
-            </a:pPr>
-            <a:r>
-              <a:rPr lang="en-GB">
-                <a:cs typeface="Calibri" panose="020F0502020204030204"/>
-              </a:rPr>
-              <a:t>Final comments. (~5 mins)</a:t>
+            <a:r>
+              <a:rPr lang="en-GB" dirty="0">
+                <a:ea typeface="Calibri"/>
+                <a:cs typeface="Calibri"/>
+              </a:rPr>
+              <a:t>Understand what an API is.</a:t>
+            </a:r>
+          </a:p>
+          <a:p>
+            <a:r>
+              <a:rPr lang="en-GB" dirty="0">
+                <a:ea typeface="Calibri"/>
+                <a:cs typeface="Calibri"/>
+              </a:rPr>
+              <a:t>Use existing APIs.</a:t>
+            </a:r>
+          </a:p>
+          <a:p>
+            <a:r>
+              <a:rPr lang="en-GB" dirty="0">
+                <a:ea typeface="Calibri"/>
+                <a:cs typeface="Calibri"/>
+              </a:rPr>
+              <a:t>Develop our own APIs.</a:t>
             </a:r>
           </a:p>
         </p:txBody>
@@ -6804,7 +6842,7 @@
           <p:cNvPr id="4" name="Footer Placeholder 3">
             <a:extLst>
               <a:ext uri="{FF2B5EF4-FFF2-40B4-BE49-F238E27FC236}">
-                <a16:creationId xmlns:a16="http://schemas.microsoft.com/office/drawing/2014/main" id="{F8D5814D-C7AE-427C-9190-9BE7D2DE99F4}"/>
+                <a16:creationId xmlns:a16="http://schemas.microsoft.com/office/drawing/2014/main" id="{108C05C5-8374-8B81-90E5-8081E0C1A9D9}"/>
               </a:ext>
             </a:extLst>
           </p:cNvPr>
@@ -6832,7 +6870,7 @@
           <p:cNvPr id="5" name="Slide Number Placeholder 4">
             <a:extLst>
               <a:ext uri="{FF2B5EF4-FFF2-40B4-BE49-F238E27FC236}">
-                <a16:creationId xmlns:a16="http://schemas.microsoft.com/office/drawing/2014/main" id="{F6A4F2F7-BAE0-4920-9CA0-E0193FE881A6}"/>
+                <a16:creationId xmlns:a16="http://schemas.microsoft.com/office/drawing/2014/main" id="{65AACEE0-DCED-1129-1C68-AE8901498999}"/>
               </a:ext>
             </a:extLst>
           </p:cNvPr>
@@ -6859,7 +6897,7 @@
     </p:spTree>
     <p:extLst>
       <p:ext uri="{BB962C8B-B14F-4D97-AF65-F5344CB8AC3E}">
-        <p14:creationId xmlns:p14="http://schemas.microsoft.com/office/powerpoint/2010/main" val="777493925"/>
+        <p14:creationId xmlns:p14="http://schemas.microsoft.com/office/powerpoint/2010/main" val="2683720591"/>
       </p:ext>
     </p:extLst>
   </p:cSld>
@@ -6891,6 +6929,596 @@
           <p:cNvPr id="2" name="Title 1">
             <a:extLst>
               <a:ext uri="{FF2B5EF4-FFF2-40B4-BE49-F238E27FC236}">
+                <a16:creationId xmlns:a16="http://schemas.microsoft.com/office/drawing/2014/main" id="{B17BE71F-B298-4697-889D-A48250A05CBA}"/>
+              </a:ext>
+            </a:extLst>
+          </p:cNvPr>
+          <p:cNvSpPr>
+            <a:spLocks noGrp="1"/>
+          </p:cNvSpPr>
+          <p:nvPr>
+            <p:ph type="title"/>
+          </p:nvPr>
+        </p:nvSpPr>
+        <p:spPr/>
+        <p:txBody>
+          <a:bodyPr/>
+          <a:lstStyle/>
+          <a:p>
+            <a:r>
+              <a:rPr lang="en-GB">
+                <a:cs typeface="Calibri"/>
+              </a:rPr>
+              <a:t>Swagger</a:t>
+            </a:r>
+            <a:endParaRPr lang="en-GB"/>
+          </a:p>
+        </p:txBody>
+      </p:sp>
+      <p:sp>
+        <p:nvSpPr>
+          <p:cNvPr id="4" name="Footer Placeholder 3">
+            <a:extLst>
+              <a:ext uri="{FF2B5EF4-FFF2-40B4-BE49-F238E27FC236}">
+                <a16:creationId xmlns:a16="http://schemas.microsoft.com/office/drawing/2014/main" id="{E3D3E118-0E2F-4F31-929D-7CE51F98925D}"/>
+              </a:ext>
+            </a:extLst>
+          </p:cNvPr>
+          <p:cNvSpPr>
+            <a:spLocks noGrp="1"/>
+          </p:cNvSpPr>
+          <p:nvPr>
+            <p:ph type="ftr" sz="quarter" idx="11"/>
+          </p:nvPr>
+        </p:nvSpPr>
+        <p:spPr/>
+        <p:txBody>
+          <a:bodyPr/>
+          <a:lstStyle/>
+          <a:p>
+            <a:r>
+              <a:rPr lang="en-GB"/>
+              <a:t>MSC HEALTH DATA SCIENCE</a:t>
+            </a:r>
+          </a:p>
+        </p:txBody>
+      </p:sp>
+      <p:sp>
+        <p:nvSpPr>
+          <p:cNvPr id="5" name="Slide Number Placeholder 4">
+            <a:extLst>
+              <a:ext uri="{FF2B5EF4-FFF2-40B4-BE49-F238E27FC236}">
+                <a16:creationId xmlns:a16="http://schemas.microsoft.com/office/drawing/2014/main" id="{EBDBE694-89F1-4C4A-991D-DF3DB89258E8}"/>
+              </a:ext>
+            </a:extLst>
+          </p:cNvPr>
+          <p:cNvSpPr>
+            <a:spLocks noGrp="1"/>
+          </p:cNvSpPr>
+          <p:nvPr>
+            <p:ph type="sldNum" sz="quarter" idx="12"/>
+          </p:nvPr>
+        </p:nvSpPr>
+        <p:spPr/>
+        <p:txBody>
+          <a:bodyPr/>
+          <a:lstStyle/>
+          <a:p>
+            <a:fld id="{FC59658C-DD7A-4587-BD02-DE6DA26F2584}" type="slidenum">
+              <a:rPr lang="en-GB" smtClean="0"/>
+              <a:t>20</a:t>
+            </a:fld>
+            <a:endParaRPr lang="en-GB"/>
+          </a:p>
+        </p:txBody>
+      </p:sp>
+      <p:pic>
+        <p:nvPicPr>
+          <p:cNvPr id="8" name="Content Placeholder 7" descr="A screenshot of a computer&#10;&#10;AI-generated content may be incorrect.">
+            <a:extLst>
+              <a:ext uri="{FF2B5EF4-FFF2-40B4-BE49-F238E27FC236}">
+                <a16:creationId xmlns:a16="http://schemas.microsoft.com/office/drawing/2014/main" id="{2941B0CE-7AC1-B3FE-5247-3732C342C59D}"/>
+              </a:ext>
+            </a:extLst>
+          </p:cNvPr>
+          <p:cNvPicPr>
+            <a:picLocks noGrp="1" noChangeAspect="1"/>
+          </p:cNvPicPr>
+          <p:nvPr>
+            <p:ph idx="1"/>
+          </p:nvPr>
+        </p:nvPicPr>
+        <p:blipFill>
+          <a:blip r:embed="rId2"/>
+          <a:stretch>
+            <a:fillRect/>
+          </a:stretch>
+        </p:blipFill>
+        <p:spPr>
+          <a:xfrm>
+            <a:off x="4687584" y="194733"/>
+            <a:ext cx="7180187" cy="6468318"/>
+          </a:xfrm>
+        </p:spPr>
+      </p:pic>
+      <p:sp>
+        <p:nvSpPr>
+          <p:cNvPr id="9" name="TextBox 8">
+            <a:extLst>
+              <a:ext uri="{FF2B5EF4-FFF2-40B4-BE49-F238E27FC236}">
+                <a16:creationId xmlns:a16="http://schemas.microsoft.com/office/drawing/2014/main" id="{1B7A0050-364F-1797-7294-87CBE0E900CD}"/>
+              </a:ext>
+            </a:extLst>
+          </p:cNvPr>
+          <p:cNvSpPr txBox="1"/>
+          <p:nvPr/>
+        </p:nvSpPr>
+        <p:spPr>
+          <a:xfrm>
+            <a:off x="781725" y="2624659"/>
+            <a:ext cx="3087474" cy="646331"/>
+          </a:xfrm>
+          <a:prstGeom prst="rect">
+            <a:avLst/>
+          </a:prstGeom>
+          <a:noFill/>
+        </p:spPr>
+        <p:txBody>
+          <a:bodyPr rot="0" spcFirstLastPara="0" vertOverflow="overflow" horzOverflow="overflow" vert="horz" wrap="square" lIns="91440" tIns="45720" rIns="91440" bIns="45720" numCol="1" spcCol="0" rtlCol="0" fromWordArt="0" anchor="t" anchorCtr="0" forceAA="0" compatLnSpc="1">
+            <a:prstTxWarp prst="textNoShape">
+              <a:avLst/>
+            </a:prstTxWarp>
+            <a:spAutoFit/>
+          </a:bodyPr>
+          <a:lstStyle/>
+          <a:p>
+            <a:r>
+              <a:rPr lang="en-GB" dirty="0">
+                <a:ea typeface="Calibri"/>
+                <a:cs typeface="Calibri"/>
+              </a:rPr>
+              <a:t>User interface for adding query parameters</a:t>
+            </a:r>
+            <a:endParaRPr lang="en-GB" dirty="0"/>
+          </a:p>
+        </p:txBody>
+      </p:sp>
+    </p:spTree>
+    <p:extLst>
+      <p:ext uri="{BB962C8B-B14F-4D97-AF65-F5344CB8AC3E}">
+        <p14:creationId xmlns:p14="http://schemas.microsoft.com/office/powerpoint/2010/main" val="92150149"/>
+      </p:ext>
+    </p:extLst>
+  </p:cSld>
+  <p:clrMapOvr>
+    <a:masterClrMapping/>
+  </p:clrMapOvr>
+</p:sld>
+</file>
+
+<file path=ppt/slides/slide21.xml><?xml version="1.0" encoding="utf-8"?>
+<p:sld xmlns:a="http://schemas.openxmlformats.org/drawingml/2006/main" xmlns:r="http://schemas.openxmlformats.org/officeDocument/2006/relationships" xmlns:p="http://schemas.openxmlformats.org/presentationml/2006/main">
+  <p:cSld>
+    <p:spTree>
+      <p:nvGrpSpPr>
+        <p:cNvPr id="1" name=""/>
+        <p:cNvGrpSpPr/>
+        <p:nvPr/>
+      </p:nvGrpSpPr>
+      <p:grpSpPr>
+        <a:xfrm>
+          <a:off x="0" y="0"/>
+          <a:ext cx="0" cy="0"/>
+          <a:chOff x="0" y="0"/>
+          <a:chExt cx="0" cy="0"/>
+        </a:xfrm>
+      </p:grpSpPr>
+      <p:sp>
+        <p:nvSpPr>
+          <p:cNvPr id="2" name="Title 1">
+            <a:extLst>
+              <a:ext uri="{FF2B5EF4-FFF2-40B4-BE49-F238E27FC236}">
+                <a16:creationId xmlns:a16="http://schemas.microsoft.com/office/drawing/2014/main" id="{D429B0A5-02E9-4DB9-8940-0D209FE920E7}"/>
+              </a:ext>
+            </a:extLst>
+          </p:cNvPr>
+          <p:cNvSpPr>
+            <a:spLocks noGrp="1"/>
+          </p:cNvSpPr>
+          <p:nvPr>
+            <p:ph type="title"/>
+          </p:nvPr>
+        </p:nvSpPr>
+        <p:spPr/>
+        <p:txBody>
+          <a:bodyPr/>
+          <a:lstStyle/>
+          <a:p>
+            <a:r>
+              <a:rPr lang="en-GB">
+                <a:cs typeface="Calibri"/>
+              </a:rPr>
+              <a:t>Decorators</a:t>
+            </a:r>
+            <a:endParaRPr lang="en-US"/>
+          </a:p>
+        </p:txBody>
+      </p:sp>
+      <p:sp>
+        <p:nvSpPr>
+          <p:cNvPr id="3" name="Content Placeholder 2">
+            <a:extLst>
+              <a:ext uri="{FF2B5EF4-FFF2-40B4-BE49-F238E27FC236}">
+                <a16:creationId xmlns:a16="http://schemas.microsoft.com/office/drawing/2014/main" id="{4A5EC64C-E5E2-49F8-9688-4E082FA21614}"/>
+              </a:ext>
+            </a:extLst>
+          </p:cNvPr>
+          <p:cNvSpPr>
+            <a:spLocks noGrp="1"/>
+          </p:cNvSpPr>
+          <p:nvPr>
+            <p:ph idx="1"/>
+          </p:nvPr>
+        </p:nvSpPr>
+        <p:spPr>
+          <a:xfrm>
+            <a:off x="631373" y="1825625"/>
+            <a:ext cx="11070771" cy="1254848"/>
+          </a:xfrm>
+        </p:spPr>
+        <p:txBody>
+          <a:bodyPr vert="horz" lIns="91440" tIns="45720" rIns="91440" bIns="45720" rtlCol="0" anchor="t">
+            <a:normAutofit/>
+          </a:bodyPr>
+          <a:lstStyle/>
+          <a:p>
+            <a:pPr>
+              <a:buFont typeface="Arial" panose="05000000000000000000" pitchFamily="2" charset="2"/>
+              <a:buChar char="•"/>
+            </a:pPr>
+            <a:r>
+              <a:rPr lang="en-GB">
+                <a:cs typeface="Calibri" panose="020F0502020204030204"/>
+              </a:rPr>
+              <a:t>Decorators let you modify function behaviour without modifying the function code!</a:t>
+            </a:r>
+          </a:p>
+          <a:p>
+            <a:pPr marL="0" indent="0">
+              <a:buNone/>
+            </a:pPr>
+            <a:endParaRPr lang="en-GB">
+              <a:latin typeface="Calibri"/>
+              <a:ea typeface="Source Sans Pro"/>
+              <a:cs typeface="Calibri" panose="020F0502020204030204"/>
+            </a:endParaRPr>
+          </a:p>
+        </p:txBody>
+      </p:sp>
+      <p:sp>
+        <p:nvSpPr>
+          <p:cNvPr id="4" name="Footer Placeholder 3">
+            <a:extLst>
+              <a:ext uri="{FF2B5EF4-FFF2-40B4-BE49-F238E27FC236}">
+                <a16:creationId xmlns:a16="http://schemas.microsoft.com/office/drawing/2014/main" id="{594D6165-D52F-4817-9DF9-0C30058721B8}"/>
+              </a:ext>
+            </a:extLst>
+          </p:cNvPr>
+          <p:cNvSpPr>
+            <a:spLocks noGrp="1"/>
+          </p:cNvSpPr>
+          <p:nvPr>
+            <p:ph type="ftr" sz="quarter" idx="11"/>
+          </p:nvPr>
+        </p:nvSpPr>
+        <p:spPr/>
+        <p:txBody>
+          <a:bodyPr/>
+          <a:lstStyle/>
+          <a:p>
+            <a:r>
+              <a:rPr lang="en-GB"/>
+              <a:t>MSC HEALTH DATA SCIENCE</a:t>
+            </a:r>
+          </a:p>
+        </p:txBody>
+      </p:sp>
+      <p:sp>
+        <p:nvSpPr>
+          <p:cNvPr id="5" name="Slide Number Placeholder 4">
+            <a:extLst>
+              <a:ext uri="{FF2B5EF4-FFF2-40B4-BE49-F238E27FC236}">
+                <a16:creationId xmlns:a16="http://schemas.microsoft.com/office/drawing/2014/main" id="{A30481FC-47BB-41D9-9200-0FDAA1CBDEDA}"/>
+              </a:ext>
+            </a:extLst>
+          </p:cNvPr>
+          <p:cNvSpPr>
+            <a:spLocks noGrp="1"/>
+          </p:cNvSpPr>
+          <p:nvPr>
+            <p:ph type="sldNum" sz="quarter" idx="12"/>
+          </p:nvPr>
+        </p:nvSpPr>
+        <p:spPr/>
+        <p:txBody>
+          <a:bodyPr/>
+          <a:lstStyle/>
+          <a:p>
+            <a:fld id="{FC59658C-DD7A-4587-BD02-DE6DA26F2584}" type="slidenum">
+              <a:rPr lang="en-GB" smtClean="0"/>
+              <a:t>21</a:t>
+            </a:fld>
+            <a:endParaRPr lang="en-GB"/>
+          </a:p>
+        </p:txBody>
+      </p:sp>
+      <p:sp>
+        <p:nvSpPr>
+          <p:cNvPr id="6" name="TextBox 5">
+            <a:extLst>
+              <a:ext uri="{FF2B5EF4-FFF2-40B4-BE49-F238E27FC236}">
+                <a16:creationId xmlns:a16="http://schemas.microsoft.com/office/drawing/2014/main" id="{84250790-5991-9A77-9C04-5F7950818AE7}"/>
+              </a:ext>
+            </a:extLst>
+          </p:cNvPr>
+          <p:cNvSpPr txBox="1"/>
+          <p:nvPr/>
+        </p:nvSpPr>
+        <p:spPr>
+          <a:xfrm>
+            <a:off x="6497780" y="2618508"/>
+            <a:ext cx="4953000" cy="2308324"/>
+          </a:xfrm>
+          <a:prstGeom prst="rect">
+            <a:avLst/>
+          </a:prstGeom>
+          <a:solidFill>
+            <a:schemeClr val="bg1">
+              <a:lumMod val="75000"/>
+            </a:schemeClr>
+          </a:solidFill>
+        </p:spPr>
+        <p:txBody>
+          <a:bodyPr rot="0" spcFirstLastPara="0" vertOverflow="overflow" horzOverflow="overflow" vert="horz" wrap="square" lIns="91440" tIns="45720" rIns="91440" bIns="45720" numCol="1" spcCol="0" rtlCol="0" fromWordArt="0" anchor="t" anchorCtr="0" forceAA="0" compatLnSpc="1">
+            <a:prstTxWarp prst="textNoShape">
+              <a:avLst/>
+            </a:prstTxWarp>
+            <a:spAutoFit/>
+          </a:bodyPr>
+          <a:lstStyle/>
+          <a:p>
+            <a:pPr>
+              <a:lnSpc>
+                <a:spcPct val="90000"/>
+              </a:lnSpc>
+              <a:spcBef>
+                <a:spcPts val="1000"/>
+              </a:spcBef>
+            </a:pPr>
+            <a:r>
+              <a:rPr lang="en-GB" sz="2400" dirty="0">
+                <a:solidFill>
+                  <a:srgbClr val="000000"/>
+                </a:solidFill>
+                <a:ea typeface="+mn-lt"/>
+                <a:cs typeface="+mn-lt"/>
+              </a:rPr>
+              <a:t>#* I am a decorator</a:t>
+            </a:r>
+            <a:br>
+              <a:rPr lang="en-GB" sz="2400" dirty="0">
+                <a:ea typeface="+mn-lt"/>
+                <a:cs typeface="+mn-lt"/>
+              </a:rPr>
+            </a:br>
+            <a:r>
+              <a:rPr lang="en-GB" sz="2400" dirty="0" err="1">
+                <a:solidFill>
+                  <a:srgbClr val="000000"/>
+                </a:solidFill>
+                <a:ea typeface="+mn-lt"/>
+                <a:cs typeface="+mn-lt"/>
+              </a:rPr>
+              <a:t>my_function</a:t>
+            </a:r>
+            <a:r>
+              <a:rPr lang="en-GB" sz="2400" dirty="0">
+                <a:solidFill>
+                  <a:srgbClr val="000000"/>
+                </a:solidFill>
+                <a:ea typeface="+mn-lt"/>
+                <a:cs typeface="+mn-lt"/>
+              </a:rPr>
+              <a:t> &lt;- function()</a:t>
+            </a:r>
+            <a:br>
+              <a:rPr lang="en-GB" sz="2400" dirty="0">
+                <a:ea typeface="+mn-lt"/>
+                <a:cs typeface="+mn-lt"/>
+              </a:rPr>
+            </a:br>
+            <a:r>
+              <a:rPr lang="en-GB" sz="2400" dirty="0">
+                <a:solidFill>
+                  <a:srgbClr val="000000"/>
+                </a:solidFill>
+                <a:ea typeface="+mn-lt"/>
+                <a:cs typeface="+mn-lt"/>
+              </a:rPr>
+              <a:t>{</a:t>
+            </a:r>
+            <a:br>
+              <a:rPr lang="en-GB" sz="2400" dirty="0">
+                <a:ea typeface="+mn-lt"/>
+                <a:cs typeface="+mn-lt"/>
+              </a:rPr>
+            </a:br>
+            <a:r>
+              <a:rPr lang="en-GB" sz="2400" dirty="0">
+                <a:solidFill>
+                  <a:srgbClr val="000000"/>
+                </a:solidFill>
+                <a:ea typeface="+mn-lt"/>
+                <a:cs typeface="+mn-lt"/>
+              </a:rPr>
+              <a:t>    #do awesome stuff</a:t>
+            </a:r>
+            <a:br>
+              <a:rPr lang="en-GB" sz="2400" dirty="0">
+                <a:ea typeface="+mn-lt"/>
+                <a:cs typeface="+mn-lt"/>
+              </a:rPr>
+            </a:br>
+            <a:r>
+              <a:rPr lang="en-GB" sz="2400" dirty="0">
+                <a:solidFill>
+                  <a:srgbClr val="000000"/>
+                </a:solidFill>
+                <a:ea typeface="+mn-lt"/>
+                <a:cs typeface="+mn-lt"/>
+              </a:rPr>
+              <a:t>}</a:t>
+            </a:r>
+            <a:endParaRPr lang="en-US" sz="2400" dirty="0">
+              <a:solidFill>
+                <a:srgbClr val="000000"/>
+              </a:solidFill>
+              <a:ea typeface="+mn-lt"/>
+              <a:cs typeface="+mn-lt"/>
+            </a:endParaRPr>
+          </a:p>
+          <a:p>
+            <a:endParaRPr lang="en-GB">
+              <a:cs typeface="Calibri"/>
+            </a:endParaRPr>
+          </a:p>
+          <a:p>
+            <a:pPr algn="l"/>
+            <a:endParaRPr lang="en-GB">
+              <a:cs typeface="Calibri"/>
+            </a:endParaRPr>
+          </a:p>
+        </p:txBody>
+      </p:sp>
+      <p:sp>
+        <p:nvSpPr>
+          <p:cNvPr id="7" name="TextBox 6">
+            <a:extLst>
+              <a:ext uri="{FF2B5EF4-FFF2-40B4-BE49-F238E27FC236}">
+                <a16:creationId xmlns:a16="http://schemas.microsoft.com/office/drawing/2014/main" id="{81D91F3F-CAC8-E21D-DE5D-9938D29F3CCC}"/>
+              </a:ext>
+            </a:extLst>
+          </p:cNvPr>
+          <p:cNvSpPr txBox="1"/>
+          <p:nvPr/>
+        </p:nvSpPr>
+        <p:spPr>
+          <a:xfrm>
+            <a:off x="630381" y="2722419"/>
+            <a:ext cx="5458690" cy="1660968"/>
+          </a:xfrm>
+          <a:prstGeom prst="rect">
+            <a:avLst/>
+          </a:prstGeom>
+          <a:noFill/>
+        </p:spPr>
+        <p:txBody>
+          <a:bodyPr rot="0" spcFirstLastPara="0" vertOverflow="overflow" horzOverflow="overflow" vert="horz" wrap="square" lIns="91440" tIns="45720" rIns="91440" bIns="45720" numCol="1" spcCol="0" rtlCol="0" fromWordArt="0" anchor="t" anchorCtr="0" forceAA="0" compatLnSpc="1">
+            <a:prstTxWarp prst="textNoShape">
+              <a:avLst/>
+            </a:prstTxWarp>
+            <a:spAutoFit/>
+          </a:bodyPr>
+          <a:lstStyle/>
+          <a:p>
+            <a:pPr marL="285750" indent="-285750">
+              <a:lnSpc>
+                <a:spcPct val="90000"/>
+              </a:lnSpc>
+              <a:spcBef>
+                <a:spcPts val="1000"/>
+              </a:spcBef>
+              <a:buFont typeface="Arial,Sans-Serif"/>
+              <a:buChar char="•"/>
+            </a:pPr>
+            <a:r>
+              <a:rPr lang="en-GB" sz="2800">
+                <a:latin typeface="Arial"/>
+                <a:cs typeface="Arial"/>
+              </a:rPr>
+              <a:t>Start with a # so ignored most of the time.</a:t>
+            </a:r>
+            <a:endParaRPr lang="en-US" sz="2800">
+              <a:latin typeface="Arial"/>
+              <a:cs typeface="Arial"/>
+            </a:endParaRPr>
+          </a:p>
+          <a:p>
+            <a:pPr marL="285750" indent="-285750">
+              <a:lnSpc>
+                <a:spcPct val="90000"/>
+              </a:lnSpc>
+              <a:spcBef>
+                <a:spcPts val="1000"/>
+              </a:spcBef>
+              <a:buFont typeface="Arial,Sans-Serif"/>
+              <a:buChar char="•"/>
+            </a:pPr>
+            <a:r>
+              <a:rPr lang="en-GB" sz="2800">
+                <a:latin typeface="Arial"/>
+                <a:cs typeface="Arial"/>
+              </a:rPr>
+              <a:t>Common in other languages.</a:t>
+            </a:r>
+            <a:endParaRPr lang="en-US" sz="2800">
+              <a:latin typeface="Arial"/>
+              <a:cs typeface="Arial"/>
+            </a:endParaRPr>
+          </a:p>
+          <a:p>
+            <a:pPr algn="l"/>
+            <a:endParaRPr lang="en-GB">
+              <a:cs typeface="Calibri"/>
+            </a:endParaRPr>
+          </a:p>
+        </p:txBody>
+      </p:sp>
+    </p:spTree>
+    <p:extLst>
+      <p:ext uri="{BB962C8B-B14F-4D97-AF65-F5344CB8AC3E}">
+        <p14:creationId xmlns:p14="http://schemas.microsoft.com/office/powerpoint/2010/main" val="1449690167"/>
+      </p:ext>
+    </p:extLst>
+  </p:cSld>
+  <p:clrMapOvr>
+    <a:masterClrMapping/>
+  </p:clrMapOvr>
+</p:sld>
+</file>
+
+<file path=ppt/slides/slide22.xml><?xml version="1.0" encoding="utf-8"?>
+<p:sld xmlns:a="http://schemas.openxmlformats.org/drawingml/2006/main" xmlns:r="http://schemas.openxmlformats.org/officeDocument/2006/relationships" xmlns:p="http://schemas.openxmlformats.org/presentationml/2006/main">
+  <p:cSld>
+    <p:spTree>
+      <p:nvGrpSpPr>
+        <p:cNvPr id="1" name=""/>
+        <p:cNvGrpSpPr/>
+        <p:nvPr/>
+      </p:nvGrpSpPr>
+      <p:grpSpPr>
+        <a:xfrm>
+          <a:off x="0" y="0"/>
+          <a:ext cx="0" cy="0"/>
+          <a:chOff x="0" y="0"/>
+          <a:chExt cx="0" cy="0"/>
+        </a:xfrm>
+      </p:grpSpPr>
+      <p:sp>
+        <p:nvSpPr>
+          <p:cNvPr id="2" name="Title 1">
+            <a:extLst>
+              <a:ext uri="{FF2B5EF4-FFF2-40B4-BE49-F238E27FC236}">
                 <a16:creationId xmlns:a16="http://schemas.microsoft.com/office/drawing/2014/main" id="{0DDB005F-089E-49A0-95FD-EEF1BC173502}"/>
               </a:ext>
             </a:extLst>
@@ -7111,7 +7739,7 @@
           <a:p>
             <a:fld id="{FC59658C-DD7A-4587-BD02-DE6DA26F2584}" type="slidenum">
               <a:rPr lang="en-GB" smtClean="0"/>
-              <a:t>20</a:t>
+              <a:t>22</a:t>
             </a:fld>
             <a:endParaRPr lang="en-GB"/>
           </a:p>
@@ -7130,7 +7758,7 @@
 </p:sld>
 </file>
 
-<file path=ppt/slides/slide21.xml><?xml version="1.0" encoding="utf-8"?>
+<file path=ppt/slides/slide23.xml><?xml version="1.0" encoding="utf-8"?>
 <p:sld xmlns:a="http://schemas.openxmlformats.org/drawingml/2006/main" xmlns:r="http://schemas.openxmlformats.org/officeDocument/2006/relationships" xmlns:p="http://schemas.openxmlformats.org/presentationml/2006/main">
   <p:cSld>
     <p:spTree>
@@ -7327,7 +7955,7 @@
           <a:p>
             <a:fld id="{FC59658C-DD7A-4587-BD02-DE6DA26F2584}" type="slidenum">
               <a:rPr lang="en-GB" smtClean="0"/>
-              <a:t>21</a:t>
+              <a:t>23</a:t>
             </a:fld>
             <a:endParaRPr lang="en-GB"/>
           </a:p>
@@ -7978,7 +8606,7 @@
 </p:sld>
 </file>
 
-<file path=ppt/slides/slide22.xml><?xml version="1.0" encoding="utf-8"?>
+<file path=ppt/slides/slide24.xml><?xml version="1.0" encoding="utf-8"?>
 <p:sld xmlns:a="http://schemas.openxmlformats.org/drawingml/2006/main" xmlns:r="http://schemas.openxmlformats.org/officeDocument/2006/relationships" xmlns:p="http://schemas.openxmlformats.org/presentationml/2006/main">
   <p:cSld>
     <p:spTree>
@@ -8125,21 +8753,21 @@
                 <a:ea typeface="Calibri"/>
                 <a:cs typeface="Calibri" panose="020F0502020204030204"/>
               </a:rPr>
-              <a:t>Open a second RStudio instance (Session &gt; New Session), open exercise_3_plumber_example_client.R, update the </a:t>
-            </a:r>
-            <a:r>
-              <a:rPr lang="en-GB" dirty="0" err="1">
+              <a:t>Open a second RStudio instance (Session &gt; New Session), open </a:t>
+            </a:r>
+            <a:r>
+              <a:rPr lang="en-GB">
                 <a:ea typeface="Calibri"/>
                 <a:cs typeface="Calibri" panose="020F0502020204030204"/>
               </a:rPr>
-              <a:t>port_number</a:t>
+              <a:t>exercise_3_plumber_example_client.R,</a:t>
             </a:r>
             <a:r>
               <a:rPr lang="en-GB" dirty="0">
                 <a:ea typeface="Calibri"/>
                 <a:cs typeface="Calibri" panose="020F0502020204030204"/>
               </a:rPr>
-              <a:t> variable, run examples.</a:t>
+              <a:t> run examples.</a:t>
             </a:r>
             <a:endParaRPr lang="en-GB" dirty="0">
               <a:cs typeface="Calibri" panose="020F0502020204030204"/>
@@ -8230,7 +8858,7 @@
           <a:p>
             <a:fld id="{FC59658C-DD7A-4587-BD02-DE6DA26F2584}" type="slidenum">
               <a:rPr lang="en-GB" smtClean="0"/>
-              <a:t>22</a:t>
+              <a:t>24</a:t>
             </a:fld>
             <a:endParaRPr lang="en-GB"/>
           </a:p>
@@ -8249,7 +8877,7 @@
 </p:sld>
 </file>
 
-<file path=ppt/slides/slide23.xml><?xml version="1.0" encoding="utf-8"?>
+<file path=ppt/slides/slide25.xml><?xml version="1.0" encoding="utf-8"?>
 <p:sld xmlns:a="http://schemas.openxmlformats.org/drawingml/2006/main" xmlns:r="http://schemas.openxmlformats.org/officeDocument/2006/relationships" xmlns:p="http://schemas.openxmlformats.org/presentationml/2006/main">
   <p:cSld>
     <p:spTree>
@@ -8446,7 +9074,7 @@
           <a:p>
             <a:fld id="{FC59658C-DD7A-4587-BD02-DE6DA26F2584}" type="slidenum">
               <a:rPr lang="en-GB" smtClean="0"/>
-              <a:t>23</a:t>
+              <a:t>25</a:t>
             </a:fld>
             <a:endParaRPr lang="en-GB"/>
           </a:p>
@@ -9097,7 +9725,7 @@
 </p:sld>
 </file>
 
-<file path=ppt/slides/slide24.xml><?xml version="1.0" encoding="utf-8"?>
+<file path=ppt/slides/slide26.xml><?xml version="1.0" encoding="utf-8"?>
 <p:sld xmlns:a="http://schemas.openxmlformats.org/drawingml/2006/main" xmlns:r="http://schemas.openxmlformats.org/officeDocument/2006/relationships" xmlns:p="http://schemas.openxmlformats.org/presentationml/2006/main">
   <p:cSld>
     <p:spTree>
@@ -9320,7 +9948,7 @@
           <a:p>
             <a:fld id="{FC59658C-DD7A-4587-BD02-DE6DA26F2584}" type="slidenum">
               <a:rPr lang="en-GB" smtClean="0"/>
-              <a:t>24</a:t>
+              <a:t>26</a:t>
             </a:fld>
             <a:endParaRPr lang="en-GB"/>
           </a:p>
@@ -9339,7 +9967,7 @@
 </p:sld>
 </file>
 
-<file path=ppt/slides/slide25.xml><?xml version="1.0" encoding="utf-8"?>
+<file path=ppt/slides/slide27.xml><?xml version="1.0" encoding="utf-8"?>
 <p:sld xmlns:a="http://schemas.openxmlformats.org/drawingml/2006/main" xmlns:r="http://schemas.openxmlformats.org/officeDocument/2006/relationships" xmlns:p="http://schemas.openxmlformats.org/presentationml/2006/main">
   <p:cSld>
     <p:spTree>
@@ -9427,6 +10055,33 @@
             </a:endParaRPr>
           </a:p>
           <a:p>
+            <a:pPr lvl="1">
+              <a:buFont typeface="Courier New" panose="05000000000000000000" pitchFamily="2" charset="2"/>
+              <a:buChar char="o"/>
+            </a:pPr>
+            <a:r>
+              <a:rPr lang="en-GB" dirty="0">
+                <a:ea typeface="+mn-lt"/>
+                <a:cs typeface="+mn-lt"/>
+              </a:rPr>
+              <a:t>GET -&gt; Usually </a:t>
+            </a:r>
+            <a:r>
+              <a:rPr lang="en-GB" dirty="0" err="1">
+                <a:ea typeface="+mn-lt"/>
+                <a:cs typeface="+mn-lt"/>
+              </a:rPr>
+              <a:t>GETting</a:t>
+            </a:r>
+            <a:r>
+              <a:rPr lang="en-GB" dirty="0">
+                <a:ea typeface="+mn-lt"/>
+                <a:cs typeface="+mn-lt"/>
+              </a:rPr>
+              <a:t> data, POST -&gt; usually submitting data.</a:t>
+            </a:r>
+          </a:p>
+          <a:p>
             <a:pPr>
               <a:buFont typeface="Arial,Sans-Serif" panose="05000000000000000000" pitchFamily="2" charset="2"/>
               <a:buChar char="•"/>
@@ -9436,7 +10091,21 @@
                 <a:ea typeface="+mn-lt"/>
                 <a:cs typeface="+mn-lt"/>
               </a:rPr>
-              <a:t>Bounds checks</a:t>
+              <a:t>Bounds checks -&gt; What if I ask for </a:t>
+            </a:r>
+            <a:r>
+              <a:rPr lang="en-GB" dirty="0" err="1">
+                <a:ea typeface="+mn-lt"/>
+                <a:cs typeface="+mn-lt"/>
+              </a:rPr>
+              <a:t>gapminder</a:t>
+            </a:r>
+            <a:r>
+              <a:rPr lang="en-GB" dirty="0">
+                <a:ea typeface="+mn-lt"/>
+                <a:cs typeface="+mn-lt"/>
+              </a:rPr>
+              <a:t> data for this year?</a:t>
             </a:r>
             <a:endParaRPr lang="en-US" dirty="0">
               <a:ea typeface="+mn-lt"/>
@@ -9489,6 +10158,13 @@
               <a:buFont typeface="Arial" panose="05000000000000000000" pitchFamily="2" charset="2"/>
               <a:buChar char="•"/>
             </a:pPr>
+            <a:r>
+              <a:rPr lang="en-GB" dirty="0">
+                <a:ea typeface="Calibri"/>
+                <a:cs typeface="Calibri" panose="020F0502020204030204"/>
+              </a:rPr>
+              <a:t>APIs can change or be retired!</a:t>
+            </a:r>
             <a:endParaRPr lang="en-GB" dirty="0">
               <a:cs typeface="Calibri" panose="020F0502020204030204"/>
             </a:endParaRPr>
@@ -9560,7 +10236,7 @@
           <a:p>
             <a:fld id="{FC59658C-DD7A-4587-BD02-DE6DA26F2584}" type="slidenum">
               <a:rPr lang="en-GB" smtClean="0"/>
-              <a:t>25</a:t>
+              <a:t>27</a:t>
             </a:fld>
             <a:endParaRPr lang="en-GB"/>
           </a:p>
@@ -9601,7 +10277,7 @@
           <p:cNvPr id="2" name="Title 1">
             <a:extLst>
               <a:ext uri="{FF2B5EF4-FFF2-40B4-BE49-F238E27FC236}">
-                <a16:creationId xmlns:a16="http://schemas.microsoft.com/office/drawing/2014/main" id="{DEA8AAE3-631D-4FD8-BBB4-BD19136871B9}"/>
+                <a16:creationId xmlns:a16="http://schemas.microsoft.com/office/drawing/2014/main" id="{65956E49-8E45-46FC-8E34-FE6D44A0DDEC}"/>
               </a:ext>
             </a:extLst>
           </p:cNvPr>
@@ -9621,9 +10297,8 @@
               <a:rPr lang="en-GB">
                 <a:cs typeface="Calibri"/>
               </a:rPr>
-              <a:t>What is an API?</a:t>
-            </a:r>
-            <a:endParaRPr lang="en-GB"/>
+              <a:t>Session overview</a:t>
+            </a:r>
           </a:p>
         </p:txBody>
       </p:sp>
@@ -9632,7 +10307,7 @@
           <p:cNvPr id="3" name="Content Placeholder 2">
             <a:extLst>
               <a:ext uri="{FF2B5EF4-FFF2-40B4-BE49-F238E27FC236}">
-                <a16:creationId xmlns:a16="http://schemas.microsoft.com/office/drawing/2014/main" id="{DFEA6981-F5C4-446D-98DC-7F1A0F7CF8F0}"/>
+                <a16:creationId xmlns:a16="http://schemas.microsoft.com/office/drawing/2014/main" id="{ECFB707D-BE0B-405C-A943-CED8577B21A8}"/>
               </a:ext>
             </a:extLst>
           </p:cNvPr>
@@ -9656,9 +10331,67 @@
             </a:pPr>
             <a:r>
               <a:rPr lang="en-GB">
+                <a:ea typeface="+mn-lt"/>
+                <a:cs typeface="+mn-lt"/>
+              </a:rPr>
+              <a:t>What is an API, where are they used? (~25 mins)</a:t>
+            </a:r>
+            <a:endParaRPr lang="en-GB">
+              <a:cs typeface="Calibri" panose="020F0502020204030204"/>
+            </a:endParaRPr>
+          </a:p>
+          <a:p>
+            <a:pPr>
+              <a:buFont typeface="Arial" panose="05000000000000000000" pitchFamily="2" charset="2"/>
+              <a:buChar char="•"/>
+            </a:pPr>
+            <a:r>
+              <a:rPr lang="en-GB">
+                <a:ea typeface="+mn-lt"/>
+                <a:cs typeface="+mn-lt"/>
+              </a:rPr>
+              <a:t>Exercise - Two R examples of using existing external APIs. (~15 mins)</a:t>
+            </a:r>
+          </a:p>
+          <a:p>
+            <a:pPr>
+              <a:buFont typeface="Arial" panose="05000000000000000000" pitchFamily="2" charset="2"/>
+              <a:buChar char="•"/>
+            </a:pPr>
+            <a:r>
+              <a:rPr lang="en-GB">
+                <a:ea typeface="+mn-lt"/>
+                <a:cs typeface="+mn-lt"/>
+              </a:rPr>
+              <a:t>Introduction to plumber. (~15 mins)</a:t>
+            </a:r>
+            <a:endParaRPr lang="en-GB">
+              <a:cs typeface="Calibri" panose="020F0502020204030204"/>
+            </a:endParaRPr>
+          </a:p>
+          <a:p>
+            <a:pPr>
+              <a:buFont typeface="Arial" panose="05000000000000000000" pitchFamily="2" charset="2"/>
+              <a:buChar char="•"/>
+            </a:pPr>
+            <a:r>
+              <a:rPr lang="en-GB">
+                <a:ea typeface="+mn-lt"/>
+                <a:cs typeface="+mn-lt"/>
+              </a:rPr>
+              <a:t>Exercise - Write some plumber code.  (~30 mins)</a:t>
+            </a:r>
+          </a:p>
+          <a:p>
+            <a:pPr>
+              <a:buFont typeface="Arial" panose="05000000000000000000" pitchFamily="2" charset="2"/>
+              <a:buChar char="•"/>
+            </a:pPr>
+            <a:r>
+              <a:rPr lang="en-GB">
                 <a:cs typeface="Calibri" panose="020F0502020204030204"/>
               </a:rPr>
-              <a:t>Application Programming Interface.</a:t>
+              <a:t>Final comments. (~5 mins)</a:t>
             </a:r>
           </a:p>
         </p:txBody>
@@ -9668,7 +10401,7 @@
           <p:cNvPr id="4" name="Footer Placeholder 3">
             <a:extLst>
               <a:ext uri="{FF2B5EF4-FFF2-40B4-BE49-F238E27FC236}">
-                <a16:creationId xmlns:a16="http://schemas.microsoft.com/office/drawing/2014/main" id="{F8886B61-F470-4991-895C-E91657FB820B}"/>
+                <a16:creationId xmlns:a16="http://schemas.microsoft.com/office/drawing/2014/main" id="{F8D5814D-C7AE-427C-9190-9BE7D2DE99F4}"/>
               </a:ext>
             </a:extLst>
           </p:cNvPr>
@@ -9696,7 +10429,7 @@
           <p:cNvPr id="5" name="Slide Number Placeholder 4">
             <a:extLst>
               <a:ext uri="{FF2B5EF4-FFF2-40B4-BE49-F238E27FC236}">
-                <a16:creationId xmlns:a16="http://schemas.microsoft.com/office/drawing/2014/main" id="{8BCCA9F6-A60A-4ECD-81AE-08C7AC28FD55}"/>
+                <a16:creationId xmlns:a16="http://schemas.microsoft.com/office/drawing/2014/main" id="{F6A4F2F7-BAE0-4920-9CA0-E0193FE881A6}"/>
               </a:ext>
             </a:extLst>
           </p:cNvPr>
@@ -9720,95 +10453,10 @@
           </a:p>
         </p:txBody>
       </p:sp>
-      <p:pic>
-        <p:nvPicPr>
-          <p:cNvPr id="8" name="Picture 8" descr="Diagram&#10;&#10;Description automatically generated">
-            <a:extLst>
-              <a:ext uri="{FF2B5EF4-FFF2-40B4-BE49-F238E27FC236}">
-                <a16:creationId xmlns:a16="http://schemas.microsoft.com/office/drawing/2014/main" id="{B365D839-1CD6-48B7-8797-C92A045EA337}"/>
-              </a:ext>
-            </a:extLst>
-          </p:cNvPr>
-          <p:cNvPicPr>
-            <a:picLocks noChangeAspect="1"/>
-          </p:cNvPicPr>
-          <p:nvPr/>
-        </p:nvPicPr>
-        <p:blipFill>
-          <a:blip r:embed="rId2"/>
-          <a:stretch>
-            <a:fillRect/>
-          </a:stretch>
-        </p:blipFill>
-        <p:spPr>
-          <a:xfrm>
-            <a:off x="2594069" y="2359234"/>
-            <a:ext cx="5895109" cy="3625911"/>
-          </a:xfrm>
-          <a:prstGeom prst="rect">
-            <a:avLst/>
-          </a:prstGeom>
-        </p:spPr>
-      </p:pic>
-      <p:sp>
-        <p:nvSpPr>
-          <p:cNvPr id="9" name="TextBox 8">
-            <a:extLst>
-              <a:ext uri="{FF2B5EF4-FFF2-40B4-BE49-F238E27FC236}">
-                <a16:creationId xmlns:a16="http://schemas.microsoft.com/office/drawing/2014/main" id="{705EDCE3-A0B9-46C1-9C14-37B10BC1E7A8}"/>
-              </a:ext>
-            </a:extLst>
-          </p:cNvPr>
-          <p:cNvSpPr txBox="1"/>
-          <p:nvPr/>
-        </p:nvSpPr>
-        <p:spPr>
-          <a:xfrm>
-            <a:off x="6430014" y="6050571"/>
-            <a:ext cx="6253018" cy="369332"/>
-          </a:xfrm>
-          <a:prstGeom prst="rect">
-            <a:avLst/>
-          </a:prstGeom>
-          <a:noFill/>
-        </p:spPr>
-        <p:txBody>
-          <a:bodyPr rot="0" spcFirstLastPara="0" vertOverflow="overflow" horzOverflow="overflow" vert="horz" wrap="square" lIns="91440" tIns="45720" rIns="91440" bIns="45720" numCol="1" spcCol="0" rtlCol="0" fromWordArt="0" anchor="t" anchorCtr="0" forceAA="0" compatLnSpc="1">
-            <a:prstTxWarp prst="textNoShape">
-              <a:avLst/>
-            </a:prstTxWarp>
-            <a:spAutoFit/>
-          </a:bodyPr>
-          <a:lstStyle/>
-          <a:p>
-            <a:pPr algn="l"/>
-            <a:r>
-              <a:rPr lang="en-GB">
-                <a:solidFill>
-                  <a:schemeClr val="bg2">
-                    <a:lumMod val="75000"/>
-                  </a:schemeClr>
-                </a:solidFill>
-                <a:ea typeface="+mn-lt"/>
-                <a:cs typeface="+mn-lt"/>
-              </a:rPr>
-              <a:t>https://www.planningpme.com/planningpme-api.htm</a:t>
-            </a:r>
-            <a:endParaRPr lang="en-US">
-              <a:solidFill>
-                <a:schemeClr val="bg2">
-                  <a:lumMod val="75000"/>
-                </a:schemeClr>
-              </a:solidFill>
-              <a:cs typeface="Calibri"/>
-            </a:endParaRPr>
-          </a:p>
-        </p:txBody>
-      </p:sp>
     </p:spTree>
     <p:extLst>
       <p:ext uri="{BB962C8B-B14F-4D97-AF65-F5344CB8AC3E}">
-        <p14:creationId xmlns:p14="http://schemas.microsoft.com/office/powerpoint/2010/main" val="1772170632"/>
+        <p14:creationId xmlns:p14="http://schemas.microsoft.com/office/powerpoint/2010/main" val="777493925"/>
       </p:ext>
     </p:extLst>
   </p:cSld>
@@ -9840,6 +10488,245 @@
           <p:cNvPr id="2" name="Title 1">
             <a:extLst>
               <a:ext uri="{FF2B5EF4-FFF2-40B4-BE49-F238E27FC236}">
+                <a16:creationId xmlns:a16="http://schemas.microsoft.com/office/drawing/2014/main" id="{DEA8AAE3-631D-4FD8-BBB4-BD19136871B9}"/>
+              </a:ext>
+            </a:extLst>
+          </p:cNvPr>
+          <p:cNvSpPr>
+            <a:spLocks noGrp="1"/>
+          </p:cNvSpPr>
+          <p:nvPr>
+            <p:ph type="title"/>
+          </p:nvPr>
+        </p:nvSpPr>
+        <p:spPr/>
+        <p:txBody>
+          <a:bodyPr/>
+          <a:lstStyle/>
+          <a:p>
+            <a:r>
+              <a:rPr lang="en-GB">
+                <a:cs typeface="Calibri"/>
+              </a:rPr>
+              <a:t>What is an API?</a:t>
+            </a:r>
+            <a:endParaRPr lang="en-GB"/>
+          </a:p>
+        </p:txBody>
+      </p:sp>
+      <p:sp>
+        <p:nvSpPr>
+          <p:cNvPr id="3" name="Content Placeholder 2">
+            <a:extLst>
+              <a:ext uri="{FF2B5EF4-FFF2-40B4-BE49-F238E27FC236}">
+                <a16:creationId xmlns:a16="http://schemas.microsoft.com/office/drawing/2014/main" id="{DFEA6981-F5C4-446D-98DC-7F1A0F7CF8F0}"/>
+              </a:ext>
+            </a:extLst>
+          </p:cNvPr>
+          <p:cNvSpPr>
+            <a:spLocks noGrp="1"/>
+          </p:cNvSpPr>
+          <p:nvPr>
+            <p:ph idx="1"/>
+          </p:nvPr>
+        </p:nvSpPr>
+        <p:spPr/>
+        <p:txBody>
+          <a:bodyPr vert="horz" lIns="91440" tIns="45720" rIns="91440" bIns="45720" rtlCol="0" anchor="t">
+            <a:normAutofit/>
+          </a:bodyPr>
+          <a:lstStyle/>
+          <a:p>
+            <a:pPr>
+              <a:buFont typeface="Arial" panose="05000000000000000000" pitchFamily="2" charset="2"/>
+              <a:buChar char="•"/>
+            </a:pPr>
+            <a:r>
+              <a:rPr lang="en-GB">
+                <a:cs typeface="Calibri" panose="020F0502020204030204"/>
+              </a:rPr>
+              <a:t>Application Programming Interface.</a:t>
+            </a:r>
+          </a:p>
+        </p:txBody>
+      </p:sp>
+      <p:sp>
+        <p:nvSpPr>
+          <p:cNvPr id="4" name="Footer Placeholder 3">
+            <a:extLst>
+              <a:ext uri="{FF2B5EF4-FFF2-40B4-BE49-F238E27FC236}">
+                <a16:creationId xmlns:a16="http://schemas.microsoft.com/office/drawing/2014/main" id="{F8886B61-F470-4991-895C-E91657FB820B}"/>
+              </a:ext>
+            </a:extLst>
+          </p:cNvPr>
+          <p:cNvSpPr>
+            <a:spLocks noGrp="1"/>
+          </p:cNvSpPr>
+          <p:nvPr>
+            <p:ph type="ftr" sz="quarter" idx="11"/>
+          </p:nvPr>
+        </p:nvSpPr>
+        <p:spPr/>
+        <p:txBody>
+          <a:bodyPr/>
+          <a:lstStyle/>
+          <a:p>
+            <a:r>
+              <a:rPr lang="en-GB"/>
+              <a:t>MSC HEALTH DATA SCIENCE</a:t>
+            </a:r>
+          </a:p>
+        </p:txBody>
+      </p:sp>
+      <p:sp>
+        <p:nvSpPr>
+          <p:cNvPr id="5" name="Slide Number Placeholder 4">
+            <a:extLst>
+              <a:ext uri="{FF2B5EF4-FFF2-40B4-BE49-F238E27FC236}">
+                <a16:creationId xmlns:a16="http://schemas.microsoft.com/office/drawing/2014/main" id="{8BCCA9F6-A60A-4ECD-81AE-08C7AC28FD55}"/>
+              </a:ext>
+            </a:extLst>
+          </p:cNvPr>
+          <p:cNvSpPr>
+            <a:spLocks noGrp="1"/>
+          </p:cNvSpPr>
+          <p:nvPr>
+            <p:ph type="sldNum" sz="quarter" idx="12"/>
+          </p:nvPr>
+        </p:nvSpPr>
+        <p:spPr/>
+        <p:txBody>
+          <a:bodyPr/>
+          <a:lstStyle/>
+          <a:p>
+            <a:fld id="{FC59658C-DD7A-4587-BD02-DE6DA26F2584}" type="slidenum">
+              <a:rPr lang="en-GB" smtClean="0"/>
+              <a:t>4</a:t>
+            </a:fld>
+            <a:endParaRPr lang="en-GB"/>
+          </a:p>
+        </p:txBody>
+      </p:sp>
+      <p:pic>
+        <p:nvPicPr>
+          <p:cNvPr id="8" name="Picture 8" descr="Diagram&#10;&#10;Description automatically generated">
+            <a:extLst>
+              <a:ext uri="{FF2B5EF4-FFF2-40B4-BE49-F238E27FC236}">
+                <a16:creationId xmlns:a16="http://schemas.microsoft.com/office/drawing/2014/main" id="{B365D839-1CD6-48B7-8797-C92A045EA337}"/>
+              </a:ext>
+            </a:extLst>
+          </p:cNvPr>
+          <p:cNvPicPr>
+            <a:picLocks noChangeAspect="1"/>
+          </p:cNvPicPr>
+          <p:nvPr/>
+        </p:nvPicPr>
+        <p:blipFill>
+          <a:blip r:embed="rId2"/>
+          <a:stretch>
+            <a:fillRect/>
+          </a:stretch>
+        </p:blipFill>
+        <p:spPr>
+          <a:xfrm>
+            <a:off x="2594069" y="2359234"/>
+            <a:ext cx="5895109" cy="3625911"/>
+          </a:xfrm>
+          <a:prstGeom prst="rect">
+            <a:avLst/>
+          </a:prstGeom>
+        </p:spPr>
+      </p:pic>
+      <p:sp>
+        <p:nvSpPr>
+          <p:cNvPr id="9" name="TextBox 8">
+            <a:extLst>
+              <a:ext uri="{FF2B5EF4-FFF2-40B4-BE49-F238E27FC236}">
+                <a16:creationId xmlns:a16="http://schemas.microsoft.com/office/drawing/2014/main" id="{705EDCE3-A0B9-46C1-9C14-37B10BC1E7A8}"/>
+              </a:ext>
+            </a:extLst>
+          </p:cNvPr>
+          <p:cNvSpPr txBox="1"/>
+          <p:nvPr/>
+        </p:nvSpPr>
+        <p:spPr>
+          <a:xfrm>
+            <a:off x="6430014" y="6050571"/>
+            <a:ext cx="6253018" cy="369332"/>
+          </a:xfrm>
+          <a:prstGeom prst="rect">
+            <a:avLst/>
+          </a:prstGeom>
+          <a:noFill/>
+        </p:spPr>
+        <p:txBody>
+          <a:bodyPr rot="0" spcFirstLastPara="0" vertOverflow="overflow" horzOverflow="overflow" vert="horz" wrap="square" lIns="91440" tIns="45720" rIns="91440" bIns="45720" numCol="1" spcCol="0" rtlCol="0" fromWordArt="0" anchor="t" anchorCtr="0" forceAA="0" compatLnSpc="1">
+            <a:prstTxWarp prst="textNoShape">
+              <a:avLst/>
+            </a:prstTxWarp>
+            <a:spAutoFit/>
+          </a:bodyPr>
+          <a:lstStyle/>
+          <a:p>
+            <a:pPr algn="l"/>
+            <a:r>
+              <a:rPr lang="en-GB">
+                <a:solidFill>
+                  <a:schemeClr val="bg2">
+                    <a:lumMod val="75000"/>
+                  </a:schemeClr>
+                </a:solidFill>
+                <a:ea typeface="+mn-lt"/>
+                <a:cs typeface="+mn-lt"/>
+              </a:rPr>
+              <a:t>https://www.planningpme.com/planningpme-api.htm</a:t>
+            </a:r>
+            <a:endParaRPr lang="en-US">
+              <a:solidFill>
+                <a:schemeClr val="bg2">
+                  <a:lumMod val="75000"/>
+                </a:schemeClr>
+              </a:solidFill>
+              <a:cs typeface="Calibri"/>
+            </a:endParaRPr>
+          </a:p>
+        </p:txBody>
+      </p:sp>
+    </p:spTree>
+    <p:extLst>
+      <p:ext uri="{BB962C8B-B14F-4D97-AF65-F5344CB8AC3E}">
+        <p14:creationId xmlns:p14="http://schemas.microsoft.com/office/powerpoint/2010/main" val="1772170632"/>
+      </p:ext>
+    </p:extLst>
+  </p:cSld>
+  <p:clrMapOvr>
+    <a:masterClrMapping/>
+  </p:clrMapOvr>
+</p:sld>
+</file>
+
+<file path=ppt/slides/slide5.xml><?xml version="1.0" encoding="utf-8"?>
+<p:sld xmlns:a="http://schemas.openxmlformats.org/drawingml/2006/main" xmlns:r="http://schemas.openxmlformats.org/officeDocument/2006/relationships" xmlns:p="http://schemas.openxmlformats.org/presentationml/2006/main">
+  <p:cSld>
+    <p:spTree>
+      <p:nvGrpSpPr>
+        <p:cNvPr id="1" name=""/>
+        <p:cNvGrpSpPr/>
+        <p:nvPr/>
+      </p:nvGrpSpPr>
+      <p:grpSpPr>
+        <a:xfrm>
+          <a:off x="0" y="0"/>
+          <a:ext cx="0" cy="0"/>
+          <a:chOff x="0" y="0"/>
+          <a:chExt cx="0" cy="0"/>
+        </a:xfrm>
+      </p:grpSpPr>
+      <p:sp>
+        <p:nvSpPr>
+          <p:cNvPr id="2" name="Title 1">
+            <a:extLst>
+              <a:ext uri="{FF2B5EF4-FFF2-40B4-BE49-F238E27FC236}">
                 <a16:creationId xmlns:a16="http://schemas.microsoft.com/office/drawing/2014/main" id="{8ADFAC28-B46E-C078-3C98-289A9EA4AEC4}"/>
               </a:ext>
             </a:extLst>
@@ -9952,7 +10839,7 @@
           <a:p>
             <a:fld id="{FC59658C-DD7A-4587-BD02-DE6DA26F2584}" type="slidenum">
               <a:rPr lang="en-GB" smtClean="0"/>
-              <a:t>4</a:t>
+              <a:t>5</a:t>
             </a:fld>
             <a:endParaRPr lang="en-GB"/>
           </a:p>
@@ -10474,7 +11361,7 @@
 </p:sld>
 </file>
 
-<file path=ppt/slides/slide5.xml><?xml version="1.0" encoding="utf-8"?>
+<file path=ppt/slides/slide6.xml><?xml version="1.0" encoding="utf-8"?>
 <p:sld xmlns:a="http://schemas.openxmlformats.org/drawingml/2006/main" xmlns:r="http://schemas.openxmlformats.org/officeDocument/2006/relationships" xmlns:p="http://schemas.openxmlformats.org/presentationml/2006/main">
   <p:cSld>
     <p:spTree>
@@ -10573,7 +11460,7 @@
           <a:p>
             <a:fld id="{FC59658C-DD7A-4587-BD02-DE6DA26F2584}" type="slidenum">
               <a:rPr lang="en-GB" smtClean="0"/>
-              <a:t>5</a:t>
+              <a:t>6</a:t>
             </a:fld>
             <a:endParaRPr lang="en-GB"/>
           </a:p>
@@ -10670,197 +11557,6 @@
     <p:extLst>
       <p:ext uri="{BB962C8B-B14F-4D97-AF65-F5344CB8AC3E}">
         <p14:creationId xmlns:p14="http://schemas.microsoft.com/office/powerpoint/2010/main" val="4227490510"/>
-      </p:ext>
-    </p:extLst>
-  </p:cSld>
-  <p:clrMapOvr>
-    <a:masterClrMapping/>
-  </p:clrMapOvr>
-</p:sld>
-</file>
-
-<file path=ppt/slides/slide6.xml><?xml version="1.0" encoding="utf-8"?>
-<p:sld xmlns:a="http://schemas.openxmlformats.org/drawingml/2006/main" xmlns:r="http://schemas.openxmlformats.org/officeDocument/2006/relationships" xmlns:p="http://schemas.openxmlformats.org/presentationml/2006/main">
-  <p:cSld>
-    <p:spTree>
-      <p:nvGrpSpPr>
-        <p:cNvPr id="1" name=""/>
-        <p:cNvGrpSpPr/>
-        <p:nvPr/>
-      </p:nvGrpSpPr>
-      <p:grpSpPr>
-        <a:xfrm>
-          <a:off x="0" y="0"/>
-          <a:ext cx="0" cy="0"/>
-          <a:chOff x="0" y="0"/>
-          <a:chExt cx="0" cy="0"/>
-        </a:xfrm>
-      </p:grpSpPr>
-      <p:sp>
-        <p:nvSpPr>
-          <p:cNvPr id="2" name="Title 1">
-            <a:extLst>
-              <a:ext uri="{FF2B5EF4-FFF2-40B4-BE49-F238E27FC236}">
-                <a16:creationId xmlns:a16="http://schemas.microsoft.com/office/drawing/2014/main" id="{FC6659F0-DA70-4B42-8432-A81BDA0D33E4}"/>
-              </a:ext>
-            </a:extLst>
-          </p:cNvPr>
-          <p:cNvSpPr>
-            <a:spLocks noGrp="1"/>
-          </p:cNvSpPr>
-          <p:nvPr>
-            <p:ph type="title"/>
-          </p:nvPr>
-        </p:nvSpPr>
-        <p:spPr/>
-        <p:txBody>
-          <a:bodyPr/>
-          <a:lstStyle/>
-          <a:p>
-            <a:r>
-              <a:rPr lang="en-GB">
-                <a:cs typeface="Calibri"/>
-              </a:rPr>
-              <a:t>Why bother?</a:t>
-            </a:r>
-            <a:endParaRPr lang="en-GB"/>
-          </a:p>
-        </p:txBody>
-      </p:sp>
-      <p:sp>
-        <p:nvSpPr>
-          <p:cNvPr id="3" name="Content Placeholder 2">
-            <a:extLst>
-              <a:ext uri="{FF2B5EF4-FFF2-40B4-BE49-F238E27FC236}">
-                <a16:creationId xmlns:a16="http://schemas.microsoft.com/office/drawing/2014/main" id="{D047F994-7259-4D38-957E-625EEA1F03C5}"/>
-              </a:ext>
-            </a:extLst>
-          </p:cNvPr>
-          <p:cNvSpPr>
-            <a:spLocks noGrp="1"/>
-          </p:cNvSpPr>
-          <p:nvPr>
-            <p:ph idx="1"/>
-          </p:nvPr>
-        </p:nvSpPr>
-        <p:spPr/>
-        <p:txBody>
-          <a:bodyPr vert="horz" lIns="91440" tIns="45720" rIns="91440" bIns="45720" rtlCol="0" anchor="t">
-            <a:normAutofit/>
-          </a:bodyPr>
-          <a:lstStyle/>
-          <a:p>
-            <a:pPr>
-              <a:buFont typeface="Arial" panose="05000000000000000000" pitchFamily="2" charset="2"/>
-              <a:buChar char="•"/>
-            </a:pPr>
-            <a:r>
-              <a:rPr lang="en-GB">
-                <a:cs typeface="Calibri"/>
-              </a:rPr>
-              <a:t>Easier than connecting to underlying applications.</a:t>
-            </a:r>
-          </a:p>
-          <a:p>
-            <a:pPr>
-              <a:buFont typeface="Arial" panose="05000000000000000000" pitchFamily="2" charset="2"/>
-              <a:buChar char="•"/>
-            </a:pPr>
-            <a:r>
-              <a:rPr lang="en-GB">
-                <a:cs typeface="Calibri"/>
-              </a:rPr>
-              <a:t>Can make subset of data/application available. </a:t>
-            </a:r>
-          </a:p>
-          <a:p>
-            <a:pPr>
-              <a:buFont typeface="Arial" panose="05000000000000000000" pitchFamily="2" charset="2"/>
-              <a:buChar char="•"/>
-            </a:pPr>
-            <a:r>
-              <a:rPr lang="en-GB">
-                <a:cs typeface="Calibri"/>
-              </a:rPr>
-              <a:t>Common language.</a:t>
-            </a:r>
-          </a:p>
-          <a:p>
-            <a:pPr>
-              <a:buFont typeface="Arial" panose="05000000000000000000" pitchFamily="2" charset="2"/>
-              <a:buChar char="•"/>
-            </a:pPr>
-            <a:r>
-              <a:rPr lang="en-GB">
-                <a:cs typeface="Calibri"/>
-              </a:rPr>
-              <a:t>Static interface.</a:t>
-            </a:r>
-            <a:endParaRPr lang="en-GB"/>
-          </a:p>
-        </p:txBody>
-      </p:sp>
-      <p:sp>
-        <p:nvSpPr>
-          <p:cNvPr id="4" name="Footer Placeholder 3">
-            <a:extLst>
-              <a:ext uri="{FF2B5EF4-FFF2-40B4-BE49-F238E27FC236}">
-                <a16:creationId xmlns:a16="http://schemas.microsoft.com/office/drawing/2014/main" id="{05F38027-2AA3-444F-AD97-8E84C2726ED4}"/>
-              </a:ext>
-            </a:extLst>
-          </p:cNvPr>
-          <p:cNvSpPr>
-            <a:spLocks noGrp="1"/>
-          </p:cNvSpPr>
-          <p:nvPr>
-            <p:ph type="ftr" sz="quarter" idx="11"/>
-          </p:nvPr>
-        </p:nvSpPr>
-        <p:spPr/>
-        <p:txBody>
-          <a:bodyPr/>
-          <a:lstStyle/>
-          <a:p>
-            <a:r>
-              <a:rPr lang="en-GB"/>
-              <a:t>MSC HEALTH DATA SCIENCE</a:t>
-            </a:r>
-          </a:p>
-        </p:txBody>
-      </p:sp>
-      <p:sp>
-        <p:nvSpPr>
-          <p:cNvPr id="5" name="Slide Number Placeholder 4">
-            <a:extLst>
-              <a:ext uri="{FF2B5EF4-FFF2-40B4-BE49-F238E27FC236}">
-                <a16:creationId xmlns:a16="http://schemas.microsoft.com/office/drawing/2014/main" id="{1D05A617-B4FE-491F-940D-6CF569AB6C79}"/>
-              </a:ext>
-            </a:extLst>
-          </p:cNvPr>
-          <p:cNvSpPr>
-            <a:spLocks noGrp="1"/>
-          </p:cNvSpPr>
-          <p:nvPr>
-            <p:ph type="sldNum" sz="quarter" idx="12"/>
-          </p:nvPr>
-        </p:nvSpPr>
-        <p:spPr/>
-        <p:txBody>
-          <a:bodyPr/>
-          <a:lstStyle/>
-          <a:p>
-            <a:fld id="{FC59658C-DD7A-4587-BD02-DE6DA26F2584}" type="slidenum">
-              <a:rPr lang="en-GB" smtClean="0"/>
-              <a:t>6</a:t>
-            </a:fld>
-            <a:endParaRPr lang="en-GB"/>
-          </a:p>
-        </p:txBody>
-      </p:sp>
-    </p:spTree>
-    <p:extLst>
-      <p:ext uri="{BB962C8B-B14F-4D97-AF65-F5344CB8AC3E}">
-        <p14:creationId xmlns:p14="http://schemas.microsoft.com/office/powerpoint/2010/main" val="1203756257"/>
       </p:ext>
     </p:extLst>
   </p:cSld>
@@ -10889,60 +11585,10 @@
       </p:grpSpPr>
       <p:sp>
         <p:nvSpPr>
-          <p:cNvPr id="12" name="Circle: Hollow 11">
-            <a:extLst>
-              <a:ext uri="{FF2B5EF4-FFF2-40B4-BE49-F238E27FC236}">
-                <a16:creationId xmlns:a16="http://schemas.microsoft.com/office/drawing/2014/main" id="{333EBC0A-72A2-47BA-A0B4-D2C460728667}"/>
-              </a:ext>
-            </a:extLst>
-          </p:cNvPr>
-          <p:cNvSpPr/>
-          <p:nvPr/>
-        </p:nvSpPr>
-        <p:spPr>
-          <a:xfrm>
-            <a:off x="3772766" y="1071130"/>
-            <a:ext cx="5380180" cy="5345544"/>
-          </a:xfrm>
-          <a:prstGeom prst="donut">
-            <a:avLst/>
-          </a:prstGeom>
-        </p:spPr>
-        <p:style>
-          <a:lnRef idx="2">
-            <a:schemeClr val="accent1">
-              <a:shade val="50000"/>
-            </a:schemeClr>
-          </a:lnRef>
-          <a:fillRef idx="1">
-            <a:schemeClr val="accent1"/>
-          </a:fillRef>
-          <a:effectRef idx="0">
-            <a:schemeClr val="accent1"/>
-          </a:effectRef>
-          <a:fontRef idx="minor">
-            <a:schemeClr val="lt1"/>
-          </a:fontRef>
-        </p:style>
-        <p:txBody>
-          <a:bodyPr rtlCol="0" anchor="ctr"/>
-          <a:lstStyle/>
-          <a:p>
-            <a:pPr algn="ctr"/>
-            <a:endParaRPr lang="en-GB">
-              <a:solidFill>
-                <a:schemeClr val="tx1"/>
-              </a:solidFill>
-            </a:endParaRPr>
-          </a:p>
-        </p:txBody>
-      </p:sp>
-      <p:sp>
-        <p:nvSpPr>
           <p:cNvPr id="2" name="Title 1">
             <a:extLst>
               <a:ext uri="{FF2B5EF4-FFF2-40B4-BE49-F238E27FC236}">
-                <a16:creationId xmlns:a16="http://schemas.microsoft.com/office/drawing/2014/main" id="{93FD0D66-7302-485F-92D6-42139A1A011C}"/>
+                <a16:creationId xmlns:a16="http://schemas.microsoft.com/office/drawing/2014/main" id="{FC6659F0-DA70-4B42-8432-A81BDA0D33E4}"/>
               </a:ext>
             </a:extLst>
           </p:cNvPr>
@@ -10962,7 +11608,7 @@
               <a:rPr lang="en-GB">
                 <a:cs typeface="Calibri"/>
               </a:rPr>
-              <a:t>Google maps API</a:t>
+              <a:t>Why bother?</a:t>
             </a:r>
             <a:endParaRPr lang="en-GB"/>
           </a:p>
@@ -10970,10 +11616,83 @@
       </p:sp>
       <p:sp>
         <p:nvSpPr>
+          <p:cNvPr id="3" name="Content Placeholder 2">
+            <a:extLst>
+              <a:ext uri="{FF2B5EF4-FFF2-40B4-BE49-F238E27FC236}">
+                <a16:creationId xmlns:a16="http://schemas.microsoft.com/office/drawing/2014/main" id="{D047F994-7259-4D38-957E-625EEA1F03C5}"/>
+              </a:ext>
+            </a:extLst>
+          </p:cNvPr>
+          <p:cNvSpPr>
+            <a:spLocks noGrp="1"/>
+          </p:cNvSpPr>
+          <p:nvPr>
+            <p:ph idx="1"/>
+          </p:nvPr>
+        </p:nvSpPr>
+        <p:spPr/>
+        <p:txBody>
+          <a:bodyPr vert="horz" lIns="91440" tIns="45720" rIns="91440" bIns="45720" rtlCol="0" anchor="t">
+            <a:normAutofit/>
+          </a:bodyPr>
+          <a:lstStyle/>
+          <a:p>
+            <a:pPr>
+              <a:buFont typeface="Arial" panose="05000000000000000000" pitchFamily="2" charset="2"/>
+              <a:buChar char="•"/>
+            </a:pPr>
+            <a:r>
+              <a:rPr lang="en-GB">
+                <a:cs typeface="Calibri"/>
+              </a:rPr>
+              <a:t>Easier than connecting to underlying applications.</a:t>
+            </a:r>
+          </a:p>
+          <a:p>
+            <a:pPr>
+              <a:buFont typeface="Arial" panose="05000000000000000000" pitchFamily="2" charset="2"/>
+              <a:buChar char="•"/>
+            </a:pPr>
+            <a:r>
+              <a:rPr lang="en-GB">
+                <a:cs typeface="Calibri"/>
+              </a:rPr>
+              <a:t>Can make subset of data/application available. </a:t>
+            </a:r>
+          </a:p>
+          <a:p>
+            <a:pPr>
+              <a:buFont typeface="Arial" panose="05000000000000000000" pitchFamily="2" charset="2"/>
+              <a:buChar char="•"/>
+            </a:pPr>
+            <a:r>
+              <a:rPr lang="en-GB">
+                <a:cs typeface="Calibri"/>
+              </a:rPr>
+              <a:t>Common language.</a:t>
+            </a:r>
+          </a:p>
+          <a:p>
+            <a:pPr>
+              <a:buFont typeface="Arial" panose="05000000000000000000" pitchFamily="2" charset="2"/>
+              <a:buChar char="•"/>
+            </a:pPr>
+            <a:r>
+              <a:rPr lang="en-GB">
+                <a:cs typeface="Calibri"/>
+              </a:rPr>
+              <a:t>Static interface.</a:t>
+            </a:r>
+            <a:endParaRPr lang="en-GB"/>
+          </a:p>
+        </p:txBody>
+      </p:sp>
+      <p:sp>
+        <p:nvSpPr>
           <p:cNvPr id="4" name="Footer Placeholder 3">
             <a:extLst>
               <a:ext uri="{FF2B5EF4-FFF2-40B4-BE49-F238E27FC236}">
-                <a16:creationId xmlns:a16="http://schemas.microsoft.com/office/drawing/2014/main" id="{3E3A0FDD-EAA3-4622-B39F-84AECFB06358}"/>
+                <a16:creationId xmlns:a16="http://schemas.microsoft.com/office/drawing/2014/main" id="{05F38027-2AA3-444F-AD97-8E84C2726ED4}"/>
               </a:ext>
             </a:extLst>
           </p:cNvPr>
@@ -11001,7 +11720,7 @@
           <p:cNvPr id="5" name="Slide Number Placeholder 4">
             <a:extLst>
               <a:ext uri="{FF2B5EF4-FFF2-40B4-BE49-F238E27FC236}">
-                <a16:creationId xmlns:a16="http://schemas.microsoft.com/office/drawing/2014/main" id="{ED801D9F-E716-4E68-8068-DEF0E5A4C928}"/>
+                <a16:creationId xmlns:a16="http://schemas.microsoft.com/office/drawing/2014/main" id="{1D05A617-B4FE-491F-940D-6CF569AB6C79}"/>
               </a:ext>
             </a:extLst>
           </p:cNvPr>
@@ -11025,554 +11744,10 @@
           </a:p>
         </p:txBody>
       </p:sp>
-      <p:pic>
-        <p:nvPicPr>
-          <p:cNvPr id="8" name="Graphic 8" descr="Camera with solid fill">
-            <a:extLst>
-              <a:ext uri="{FF2B5EF4-FFF2-40B4-BE49-F238E27FC236}">
-                <a16:creationId xmlns:a16="http://schemas.microsoft.com/office/drawing/2014/main" id="{262713FE-EA05-43D3-8DDE-640BF15B8664}"/>
-              </a:ext>
-            </a:extLst>
-          </p:cNvPr>
-          <p:cNvPicPr>
-            <a:picLocks noChangeAspect="1"/>
-          </p:cNvPicPr>
-          <p:nvPr/>
-        </p:nvPicPr>
-        <p:blipFill>
-          <a:blip r:embed="rId2">
-            <a:extLst>
-              <a:ext uri="{96DAC541-7B7A-43D3-8B79-37D633B846F1}">
-                <asvg:svgBlip xmlns:asvg="http://schemas.microsoft.com/office/drawing/2016/SVG/main" r:embed="rId3"/>
-              </a:ext>
-            </a:extLst>
-          </a:blip>
-          <a:stretch>
-            <a:fillRect/>
-          </a:stretch>
-        </p:blipFill>
-        <p:spPr>
-          <a:xfrm>
-            <a:off x="10049164" y="4980709"/>
-            <a:ext cx="914400" cy="914400"/>
-          </a:xfrm>
-          <a:prstGeom prst="rect">
-            <a:avLst/>
-          </a:prstGeom>
-        </p:spPr>
-      </p:pic>
-      <p:pic>
-        <p:nvPicPr>
-          <p:cNvPr id="9" name="Graphic 9" descr="Check In with solid fill">
-            <a:extLst>
-              <a:ext uri="{FF2B5EF4-FFF2-40B4-BE49-F238E27FC236}">
-                <a16:creationId xmlns:a16="http://schemas.microsoft.com/office/drawing/2014/main" id="{204D2F3E-8156-497B-850B-0ED256406C8D}"/>
-              </a:ext>
-            </a:extLst>
-          </p:cNvPr>
-          <p:cNvPicPr>
-            <a:picLocks noChangeAspect="1"/>
-          </p:cNvPicPr>
-          <p:nvPr/>
-        </p:nvPicPr>
-        <p:blipFill>
-          <a:blip r:embed="rId4">
-            <a:extLst>
-              <a:ext uri="{96DAC541-7B7A-43D3-8B79-37D633B846F1}">
-                <asvg:svgBlip xmlns:asvg="http://schemas.microsoft.com/office/drawing/2016/SVG/main" r:embed="rId5"/>
-              </a:ext>
-            </a:extLst>
-          </a:blip>
-          <a:stretch>
-            <a:fillRect/>
-          </a:stretch>
-        </p:blipFill>
-        <p:spPr>
-          <a:xfrm>
-            <a:off x="1659948" y="1937038"/>
-            <a:ext cx="914400" cy="914400"/>
-          </a:xfrm>
-          <a:prstGeom prst="rect">
-            <a:avLst/>
-          </a:prstGeom>
-        </p:spPr>
-      </p:pic>
-      <p:pic>
-        <p:nvPicPr>
-          <p:cNvPr id="10" name="Graphic 10" descr="Computer with solid fill">
-            <a:extLst>
-              <a:ext uri="{FF2B5EF4-FFF2-40B4-BE49-F238E27FC236}">
-                <a16:creationId xmlns:a16="http://schemas.microsoft.com/office/drawing/2014/main" id="{66AF6097-4E6C-4615-846A-37FA00D9B7D2}"/>
-              </a:ext>
-            </a:extLst>
-          </p:cNvPr>
-          <p:cNvPicPr>
-            <a:picLocks noChangeAspect="1"/>
-          </p:cNvPicPr>
-          <p:nvPr/>
-        </p:nvPicPr>
-        <p:blipFill>
-          <a:blip r:embed="rId6">
-            <a:extLst>
-              <a:ext uri="{96DAC541-7B7A-43D3-8B79-37D633B846F1}">
-                <asvg:svgBlip xmlns:asvg="http://schemas.microsoft.com/office/drawing/2016/SVG/main" r:embed="rId7"/>
-              </a:ext>
-            </a:extLst>
-          </a:blip>
-          <a:stretch>
-            <a:fillRect/>
-          </a:stretch>
-        </p:blipFill>
-        <p:spPr>
-          <a:xfrm>
-            <a:off x="1398732" y="5116368"/>
-            <a:ext cx="914400" cy="914400"/>
-          </a:xfrm>
-          <a:prstGeom prst="rect">
-            <a:avLst/>
-          </a:prstGeom>
-        </p:spPr>
-      </p:pic>
-      <p:pic>
-        <p:nvPicPr>
-          <p:cNvPr id="11" name="Graphic 11" descr="Monster Truck with solid fill">
-            <a:extLst>
-              <a:ext uri="{FF2B5EF4-FFF2-40B4-BE49-F238E27FC236}">
-                <a16:creationId xmlns:a16="http://schemas.microsoft.com/office/drawing/2014/main" id="{9C3972F0-6258-424D-B897-555C0057E99D}"/>
-              </a:ext>
-            </a:extLst>
-          </p:cNvPr>
-          <p:cNvPicPr>
-            <a:picLocks noChangeAspect="1"/>
-          </p:cNvPicPr>
-          <p:nvPr/>
-        </p:nvPicPr>
-        <p:blipFill>
-          <a:blip r:embed="rId8">
-            <a:extLst>
-              <a:ext uri="{96DAC541-7B7A-43D3-8B79-37D633B846F1}">
-                <asvg:svgBlip xmlns:asvg="http://schemas.microsoft.com/office/drawing/2016/SVG/main" r:embed="rId9"/>
-              </a:ext>
-            </a:extLst>
-          </a:blip>
-          <a:stretch>
-            <a:fillRect/>
-          </a:stretch>
-        </p:blipFill>
-        <p:spPr>
-          <a:xfrm>
-            <a:off x="10459221" y="2813407"/>
-            <a:ext cx="914400" cy="914400"/>
-          </a:xfrm>
-          <a:prstGeom prst="rect">
-            <a:avLst/>
-          </a:prstGeom>
-        </p:spPr>
-      </p:pic>
-      <p:pic>
-        <p:nvPicPr>
-          <p:cNvPr id="7" name="Graphic 7" descr="Database outline">
-            <a:extLst>
-              <a:ext uri="{FF2B5EF4-FFF2-40B4-BE49-F238E27FC236}">
-                <a16:creationId xmlns:a16="http://schemas.microsoft.com/office/drawing/2014/main" id="{02875E4D-9D65-48A3-9AA7-D4A454922459}"/>
-              </a:ext>
-            </a:extLst>
-          </p:cNvPr>
-          <p:cNvPicPr>
-            <a:picLocks noGrp="1" noChangeAspect="1"/>
-          </p:cNvPicPr>
-          <p:nvPr>
-            <p:ph idx="1"/>
-          </p:nvPr>
-        </p:nvPicPr>
-        <p:blipFill>
-          <a:blip r:embed="rId10">
-            <a:extLst>
-              <a:ext uri="{96DAC541-7B7A-43D3-8B79-37D633B846F1}">
-                <asvg:svgBlip xmlns:asvg="http://schemas.microsoft.com/office/drawing/2016/SVG/main" r:embed="rId11"/>
-              </a:ext>
-            </a:extLst>
-          </a:blip>
-          <a:stretch>
-            <a:fillRect/>
-          </a:stretch>
-        </p:blipFill>
-        <p:spPr>
-          <a:xfrm>
-            <a:off x="5675582" y="3614016"/>
-            <a:ext cx="914400" cy="914400"/>
-          </a:xfrm>
-        </p:spPr>
-      </p:pic>
-      <p:pic>
-        <p:nvPicPr>
-          <p:cNvPr id="13" name="Graphic 13" descr="Sort with solid fill">
-            <a:extLst>
-              <a:ext uri="{FF2B5EF4-FFF2-40B4-BE49-F238E27FC236}">
-                <a16:creationId xmlns:a16="http://schemas.microsoft.com/office/drawing/2014/main" id="{22E7360A-F32F-4B64-9FA1-C83127538196}"/>
-              </a:ext>
-            </a:extLst>
-          </p:cNvPr>
-          <p:cNvPicPr>
-            <a:picLocks noChangeAspect="1"/>
-          </p:cNvPicPr>
-          <p:nvPr/>
-        </p:nvPicPr>
-        <p:blipFill>
-          <a:blip r:embed="rId12">
-            <a:extLst>
-              <a:ext uri="{96DAC541-7B7A-43D3-8B79-37D633B846F1}">
-                <asvg:svgBlip xmlns:asvg="http://schemas.microsoft.com/office/drawing/2016/SVG/main" r:embed="rId13"/>
-              </a:ext>
-            </a:extLst>
-          </a:blip>
-          <a:stretch>
-            <a:fillRect/>
-          </a:stretch>
-        </p:blipFill>
-        <p:spPr>
-          <a:xfrm rot="17520000">
-            <a:off x="3193728" y="1545949"/>
-            <a:ext cx="1041399" cy="2034308"/>
-          </a:xfrm>
-          <a:prstGeom prst="rect">
-            <a:avLst/>
-          </a:prstGeom>
-        </p:spPr>
-      </p:pic>
-      <p:pic>
-        <p:nvPicPr>
-          <p:cNvPr id="14" name="Graphic 13" descr="Sort with solid fill">
-            <a:extLst>
-              <a:ext uri="{FF2B5EF4-FFF2-40B4-BE49-F238E27FC236}">
-                <a16:creationId xmlns:a16="http://schemas.microsoft.com/office/drawing/2014/main" id="{0616A2E6-B432-4342-8711-3E91D1FE7590}"/>
-              </a:ext>
-            </a:extLst>
-          </p:cNvPr>
-          <p:cNvPicPr>
-            <a:picLocks noChangeAspect="1"/>
-          </p:cNvPicPr>
-          <p:nvPr/>
-        </p:nvPicPr>
-        <p:blipFill>
-          <a:blip r:embed="rId12">
-            <a:extLst>
-              <a:ext uri="{96DAC541-7B7A-43D3-8B79-37D633B846F1}">
-                <asvg:svgBlip xmlns:asvg="http://schemas.microsoft.com/office/drawing/2016/SVG/main" r:embed="rId13"/>
-              </a:ext>
-            </a:extLst>
-          </a:blip>
-          <a:stretch>
-            <a:fillRect/>
-          </a:stretch>
-        </p:blipFill>
-        <p:spPr>
-          <a:xfrm rot="14940000">
-            <a:off x="2929738" y="3763066"/>
-            <a:ext cx="1041399" cy="2034308"/>
-          </a:xfrm>
-          <a:prstGeom prst="rect">
-            <a:avLst/>
-          </a:prstGeom>
-        </p:spPr>
-      </p:pic>
-      <p:pic>
-        <p:nvPicPr>
-          <p:cNvPr id="15" name="Graphic 13" descr="Sort with solid fill">
-            <a:extLst>
-              <a:ext uri="{FF2B5EF4-FFF2-40B4-BE49-F238E27FC236}">
-                <a16:creationId xmlns:a16="http://schemas.microsoft.com/office/drawing/2014/main" id="{69838A44-2535-46BC-BE70-A78052BD166D}"/>
-              </a:ext>
-            </a:extLst>
-          </p:cNvPr>
-          <p:cNvPicPr>
-            <a:picLocks noChangeAspect="1"/>
-          </p:cNvPicPr>
-          <p:nvPr/>
-        </p:nvPicPr>
-        <p:blipFill>
-          <a:blip r:embed="rId12">
-            <a:extLst>
-              <a:ext uri="{96DAC541-7B7A-43D3-8B79-37D633B846F1}">
-                <asvg:svgBlip xmlns:asvg="http://schemas.microsoft.com/office/drawing/2016/SVG/main" r:embed="rId13"/>
-              </a:ext>
-            </a:extLst>
-          </a:blip>
-          <a:stretch>
-            <a:fillRect/>
-          </a:stretch>
-        </p:blipFill>
-        <p:spPr>
-          <a:xfrm rot="16200000">
-            <a:off x="8745404" y="2355557"/>
-            <a:ext cx="1041399" cy="2034308"/>
-          </a:xfrm>
-          <a:prstGeom prst="rect">
-            <a:avLst/>
-          </a:prstGeom>
-        </p:spPr>
-      </p:pic>
-      <p:pic>
-        <p:nvPicPr>
-          <p:cNvPr id="16" name="Graphic 13" descr="Sort with solid fill">
-            <a:extLst>
-              <a:ext uri="{FF2B5EF4-FFF2-40B4-BE49-F238E27FC236}">
-                <a16:creationId xmlns:a16="http://schemas.microsoft.com/office/drawing/2014/main" id="{EACBB44F-22C0-4351-8A32-24A934B93432}"/>
-              </a:ext>
-            </a:extLst>
-          </p:cNvPr>
-          <p:cNvPicPr>
-            <a:picLocks noChangeAspect="1"/>
-          </p:cNvPicPr>
-          <p:nvPr/>
-        </p:nvPicPr>
-        <p:blipFill>
-          <a:blip r:embed="rId12">
-            <a:extLst>
-              <a:ext uri="{96DAC541-7B7A-43D3-8B79-37D633B846F1}">
-                <asvg:svgBlip xmlns:asvg="http://schemas.microsoft.com/office/drawing/2016/SVG/main" r:embed="rId13"/>
-              </a:ext>
-            </a:extLst>
-          </a:blip>
-          <a:stretch>
-            <a:fillRect/>
-          </a:stretch>
-        </p:blipFill>
-        <p:spPr>
-          <a:xfrm rot="17520000">
-            <a:off x="8510474" y="3961284"/>
-            <a:ext cx="1041399" cy="2034308"/>
-          </a:xfrm>
-          <a:prstGeom prst="rect">
-            <a:avLst/>
-          </a:prstGeom>
-        </p:spPr>
-      </p:pic>
-      <p:pic>
-        <p:nvPicPr>
-          <p:cNvPr id="17" name="Graphic 17" descr="Marker with solid fill">
-            <a:extLst>
-              <a:ext uri="{FF2B5EF4-FFF2-40B4-BE49-F238E27FC236}">
-                <a16:creationId xmlns:a16="http://schemas.microsoft.com/office/drawing/2014/main" id="{871F9AFE-770D-48F0-8A5D-F6ED87BD80D0}"/>
-              </a:ext>
-            </a:extLst>
-          </p:cNvPr>
-          <p:cNvPicPr>
-            <a:picLocks noChangeAspect="1"/>
-          </p:cNvPicPr>
-          <p:nvPr/>
-        </p:nvPicPr>
-        <p:blipFill>
-          <a:blip r:embed="rId14">
-            <a:extLst>
-              <a:ext uri="{96DAC541-7B7A-43D3-8B79-37D633B846F1}">
-                <asvg:svgBlip xmlns:asvg="http://schemas.microsoft.com/office/drawing/2016/SVG/main" r:embed="rId15"/>
-              </a:ext>
-            </a:extLst>
-          </a:blip>
-          <a:stretch>
-            <a:fillRect/>
-          </a:stretch>
-        </p:blipFill>
-        <p:spPr>
-          <a:xfrm>
-            <a:off x="6620163" y="3329709"/>
-            <a:ext cx="914400" cy="914400"/>
-          </a:xfrm>
-          <a:prstGeom prst="rect">
-            <a:avLst/>
-          </a:prstGeom>
-        </p:spPr>
-      </p:pic>
-      <p:pic>
-        <p:nvPicPr>
-          <p:cNvPr id="18" name="Graphic 18" descr="Binary with solid fill">
-            <a:extLst>
-              <a:ext uri="{FF2B5EF4-FFF2-40B4-BE49-F238E27FC236}">
-                <a16:creationId xmlns:a16="http://schemas.microsoft.com/office/drawing/2014/main" id="{BCE0F281-06DE-42B1-991F-307BC3957E8B}"/>
-              </a:ext>
-            </a:extLst>
-          </p:cNvPr>
-          <p:cNvPicPr>
-            <a:picLocks noChangeAspect="1"/>
-          </p:cNvPicPr>
-          <p:nvPr/>
-        </p:nvPicPr>
-        <p:blipFill>
-          <a:blip r:embed="rId16">
-            <a:extLst>
-              <a:ext uri="{96DAC541-7B7A-43D3-8B79-37D633B846F1}">
-                <asvg:svgBlip xmlns:asvg="http://schemas.microsoft.com/office/drawing/2016/SVG/main" r:embed="rId17"/>
-              </a:ext>
-            </a:extLst>
-          </a:blip>
-          <a:stretch>
-            <a:fillRect/>
-          </a:stretch>
-        </p:blipFill>
-        <p:spPr>
-          <a:xfrm>
-            <a:off x="9753652" y="421811"/>
-            <a:ext cx="914400" cy="914400"/>
-          </a:xfrm>
-          <a:prstGeom prst="rect">
-            <a:avLst/>
-          </a:prstGeom>
-        </p:spPr>
-      </p:pic>
-      <p:pic>
-        <p:nvPicPr>
-          <p:cNvPr id="19" name="Graphic 19" descr="Cmd Terminal with solid fill">
-            <a:extLst>
-              <a:ext uri="{FF2B5EF4-FFF2-40B4-BE49-F238E27FC236}">
-                <a16:creationId xmlns:a16="http://schemas.microsoft.com/office/drawing/2014/main" id="{AAAD352D-06EB-4439-8E0F-B2DD3632D8DB}"/>
-              </a:ext>
-            </a:extLst>
-          </p:cNvPr>
-          <p:cNvPicPr>
-            <a:picLocks noChangeAspect="1"/>
-          </p:cNvPicPr>
-          <p:nvPr/>
-        </p:nvPicPr>
-        <p:blipFill>
-          <a:blip r:embed="rId18">
-            <a:extLst>
-              <a:ext uri="{96DAC541-7B7A-43D3-8B79-37D633B846F1}">
-                <asvg:svgBlip xmlns:asvg="http://schemas.microsoft.com/office/drawing/2016/SVG/main" r:embed="rId19"/>
-              </a:ext>
-            </a:extLst>
-          </a:blip>
-          <a:stretch>
-            <a:fillRect/>
-          </a:stretch>
-        </p:blipFill>
-        <p:spPr>
-          <a:xfrm>
-            <a:off x="8871835" y="405255"/>
-            <a:ext cx="914400" cy="914400"/>
-          </a:xfrm>
-          <a:prstGeom prst="rect">
-            <a:avLst/>
-          </a:prstGeom>
-        </p:spPr>
-      </p:pic>
-      <p:pic>
-        <p:nvPicPr>
-          <p:cNvPr id="20" name="Graphic 20" descr="Earth globe: Africa and Europe with solid fill">
-            <a:extLst>
-              <a:ext uri="{FF2B5EF4-FFF2-40B4-BE49-F238E27FC236}">
-                <a16:creationId xmlns:a16="http://schemas.microsoft.com/office/drawing/2014/main" id="{6D076678-4CF8-4021-BE0B-1139ACCBAF43}"/>
-              </a:ext>
-            </a:extLst>
-          </p:cNvPr>
-          <p:cNvPicPr>
-            <a:picLocks noChangeAspect="1"/>
-          </p:cNvPicPr>
-          <p:nvPr/>
-        </p:nvPicPr>
-        <p:blipFill>
-          <a:blip r:embed="rId20">
-            <a:extLst>
-              <a:ext uri="{96DAC541-7B7A-43D3-8B79-37D633B846F1}">
-                <asvg:svgBlip xmlns:asvg="http://schemas.microsoft.com/office/drawing/2016/SVG/main" r:embed="rId21"/>
-              </a:ext>
-            </a:extLst>
-          </a:blip>
-          <a:stretch>
-            <a:fillRect/>
-          </a:stretch>
-        </p:blipFill>
-        <p:spPr>
-          <a:xfrm>
-            <a:off x="5751368" y="2749549"/>
-            <a:ext cx="914400" cy="914400"/>
-          </a:xfrm>
-          <a:prstGeom prst="rect">
-            <a:avLst/>
-          </a:prstGeom>
-        </p:spPr>
-      </p:pic>
-      <p:pic>
-        <p:nvPicPr>
-          <p:cNvPr id="21" name="Graphic 13" descr="Sort with solid fill">
-            <a:extLst>
-              <a:ext uri="{FF2B5EF4-FFF2-40B4-BE49-F238E27FC236}">
-                <a16:creationId xmlns:a16="http://schemas.microsoft.com/office/drawing/2014/main" id="{775C6918-0FC9-403B-B0BC-6F14BDFBBB02}"/>
-              </a:ext>
-            </a:extLst>
-          </p:cNvPr>
-          <p:cNvPicPr>
-            <a:picLocks noChangeAspect="1"/>
-          </p:cNvPicPr>
-          <p:nvPr/>
-        </p:nvPicPr>
-        <p:blipFill>
-          <a:blip r:embed="rId12">
-            <a:extLst>
-              <a:ext uri="{96DAC541-7B7A-43D3-8B79-37D633B846F1}">
-                <asvg:svgBlip xmlns:asvg="http://schemas.microsoft.com/office/drawing/2016/SVG/main" r:embed="rId13"/>
-              </a:ext>
-            </a:extLst>
-          </a:blip>
-          <a:stretch>
-            <a:fillRect/>
-          </a:stretch>
-        </p:blipFill>
-        <p:spPr>
-          <a:xfrm rot="14760000">
-            <a:off x="8051898" y="891489"/>
-            <a:ext cx="1041399" cy="2034308"/>
-          </a:xfrm>
-          <a:prstGeom prst="rect">
-            <a:avLst/>
-          </a:prstGeom>
-        </p:spPr>
-      </p:pic>
-      <p:sp>
-        <p:nvSpPr>
-          <p:cNvPr id="3" name="TextBox 2">
-            <a:extLst>
-              <a:ext uri="{FF2B5EF4-FFF2-40B4-BE49-F238E27FC236}">
-                <a16:creationId xmlns:a16="http://schemas.microsoft.com/office/drawing/2014/main" id="{D2B559CB-EDA3-4091-B77D-A20473C996F6}"/>
-              </a:ext>
-            </a:extLst>
-          </p:cNvPr>
-          <p:cNvSpPr txBox="1"/>
-          <p:nvPr/>
-        </p:nvSpPr>
-        <p:spPr>
-          <a:xfrm>
-            <a:off x="5486400" y="5280915"/>
-            <a:ext cx="2743199" cy="461665"/>
-          </a:xfrm>
-          <a:prstGeom prst="rect">
-            <a:avLst/>
-          </a:prstGeom>
-          <a:noFill/>
-        </p:spPr>
-        <p:txBody>
-          <a:bodyPr rot="0" spcFirstLastPara="0" vertOverflow="overflow" horzOverflow="overflow" vert="horz" wrap="square" lIns="91440" tIns="45720" rIns="91440" bIns="45720" numCol="1" spcCol="0" rtlCol="0" fromWordArt="0" anchor="t" anchorCtr="0" forceAA="0" compatLnSpc="1">
-            <a:prstTxWarp prst="textNoShape">
-              <a:avLst/>
-            </a:prstTxWarp>
-            <a:spAutoFit/>
-          </a:bodyPr>
-          <a:lstStyle/>
-          <a:p>
-            <a:r>
-              <a:rPr lang="en-GB" sz="2400"/>
-              <a:t>Google maps API</a:t>
-            </a:r>
-            <a:endParaRPr lang="en-US" sz="2400">
-              <a:cs typeface="Calibri"/>
-            </a:endParaRPr>
-          </a:p>
-        </p:txBody>
-      </p:sp>
     </p:spTree>
     <p:extLst>
       <p:ext uri="{BB962C8B-B14F-4D97-AF65-F5344CB8AC3E}">
-        <p14:creationId xmlns:p14="http://schemas.microsoft.com/office/powerpoint/2010/main" val="3869276182"/>
+        <p14:creationId xmlns:p14="http://schemas.microsoft.com/office/powerpoint/2010/main" val="1203756257"/>
       </p:ext>
     </p:extLst>
   </p:cSld>
@@ -11601,10 +11776,60 @@
       </p:grpSpPr>
       <p:sp>
         <p:nvSpPr>
+          <p:cNvPr id="12" name="Circle: Hollow 11">
+            <a:extLst>
+              <a:ext uri="{FF2B5EF4-FFF2-40B4-BE49-F238E27FC236}">
+                <a16:creationId xmlns:a16="http://schemas.microsoft.com/office/drawing/2014/main" id="{333EBC0A-72A2-47BA-A0B4-D2C460728667}"/>
+              </a:ext>
+            </a:extLst>
+          </p:cNvPr>
+          <p:cNvSpPr/>
+          <p:nvPr/>
+        </p:nvSpPr>
+        <p:spPr>
+          <a:xfrm>
+            <a:off x="3772766" y="1071130"/>
+            <a:ext cx="5380180" cy="5345544"/>
+          </a:xfrm>
+          <a:prstGeom prst="donut">
+            <a:avLst/>
+          </a:prstGeom>
+        </p:spPr>
+        <p:style>
+          <a:lnRef idx="2">
+            <a:schemeClr val="accent1">
+              <a:shade val="50000"/>
+            </a:schemeClr>
+          </a:lnRef>
+          <a:fillRef idx="1">
+            <a:schemeClr val="accent1"/>
+          </a:fillRef>
+          <a:effectRef idx="0">
+            <a:schemeClr val="accent1"/>
+          </a:effectRef>
+          <a:fontRef idx="minor">
+            <a:schemeClr val="lt1"/>
+          </a:fontRef>
+        </p:style>
+        <p:txBody>
+          <a:bodyPr rtlCol="0" anchor="ctr"/>
+          <a:lstStyle/>
+          <a:p>
+            <a:pPr algn="ctr"/>
+            <a:endParaRPr lang="en-GB">
+              <a:solidFill>
+                <a:schemeClr val="tx1"/>
+              </a:solidFill>
+            </a:endParaRPr>
+          </a:p>
+        </p:txBody>
+      </p:sp>
+      <p:sp>
+        <p:nvSpPr>
           <p:cNvPr id="2" name="Title 1">
             <a:extLst>
               <a:ext uri="{FF2B5EF4-FFF2-40B4-BE49-F238E27FC236}">
-                <a16:creationId xmlns:a16="http://schemas.microsoft.com/office/drawing/2014/main" id="{9BC0D1AD-A40B-4473-B3F5-3E5000813A1F}"/>
+                <a16:creationId xmlns:a16="http://schemas.microsoft.com/office/drawing/2014/main" id="{93FD0D66-7302-485F-92D6-42139A1A011C}"/>
               </a:ext>
             </a:extLst>
           </p:cNvPr>
@@ -11624,7 +11849,7 @@
               <a:rPr lang="en-GB">
                 <a:cs typeface="Calibri"/>
               </a:rPr>
-              <a:t>Example APIs</a:t>
+              <a:t>Google maps API</a:t>
             </a:r>
             <a:endParaRPr lang="en-GB"/>
           </a:p>
@@ -11632,127 +11857,10 @@
       </p:sp>
       <p:sp>
         <p:nvSpPr>
-          <p:cNvPr id="3" name="Content Placeholder 2">
-            <a:extLst>
-              <a:ext uri="{FF2B5EF4-FFF2-40B4-BE49-F238E27FC236}">
-                <a16:creationId xmlns:a16="http://schemas.microsoft.com/office/drawing/2014/main" id="{BF880B2B-75D8-44DA-B0C1-5E90C95D264B}"/>
-              </a:ext>
-            </a:extLst>
-          </p:cNvPr>
-          <p:cNvSpPr>
-            <a:spLocks noGrp="1"/>
-          </p:cNvSpPr>
-          <p:nvPr>
-            <p:ph idx="1"/>
-          </p:nvPr>
-        </p:nvSpPr>
-        <p:spPr>
-          <a:xfrm>
-            <a:off x="631373" y="1825625"/>
-            <a:ext cx="3255841" cy="4351338"/>
-          </a:xfrm>
-        </p:spPr>
-        <p:txBody>
-          <a:bodyPr vert="horz" lIns="91440" tIns="45720" rIns="91440" bIns="45720" rtlCol="0" anchor="t">
-            <a:normAutofit/>
-          </a:bodyPr>
-          <a:lstStyle/>
-          <a:p>
-            <a:pPr marL="0" indent="0">
-              <a:buNone/>
-            </a:pPr>
-            <a:r>
-              <a:rPr lang="en-GB" u="sng">
-                <a:solidFill>
-                  <a:srgbClr val="000000"/>
-                </a:solidFill>
-                <a:cs typeface="Calibri" panose="020F0502020204030204"/>
-              </a:rPr>
-              <a:t>Get data</a:t>
-            </a:r>
-          </a:p>
-          <a:p>
-            <a:pPr>
-              <a:buFont typeface="Arial" panose="05000000000000000000" pitchFamily="2" charset="2"/>
-              <a:buChar char="•"/>
-            </a:pPr>
-            <a:r>
-              <a:rPr lang="en-GB">
-                <a:cs typeface="Calibri" panose="020F0502020204030204"/>
-              </a:rPr>
-              <a:t>Google maps</a:t>
-            </a:r>
-          </a:p>
-          <a:p>
-            <a:pPr>
-              <a:buFont typeface="Arial" panose="05000000000000000000" pitchFamily="2" charset="2"/>
-              <a:buChar char="•"/>
-            </a:pPr>
-            <a:r>
-              <a:rPr lang="en-GB" err="1">
-                <a:cs typeface="Calibri" panose="020F0502020204030204"/>
-              </a:rPr>
-              <a:t>Wikidata</a:t>
-            </a:r>
-            <a:endParaRPr lang="en-GB">
-              <a:cs typeface="Calibri" panose="020F0502020204030204"/>
-            </a:endParaRPr>
-          </a:p>
-          <a:p>
-            <a:pPr>
-              <a:buFont typeface="Arial" panose="05000000000000000000" pitchFamily="2" charset="2"/>
-              <a:buChar char="•"/>
-            </a:pPr>
-            <a:r>
-              <a:rPr lang="en-GB">
-                <a:cs typeface="Calibri" panose="020F0502020204030204"/>
-              </a:rPr>
-              <a:t>Fitbit</a:t>
-            </a:r>
-            <a:endParaRPr lang="en-GB"/>
-          </a:p>
-          <a:p>
-            <a:pPr>
-              <a:buFont typeface="Arial" panose="05000000000000000000" pitchFamily="2" charset="2"/>
-              <a:buChar char="•"/>
-            </a:pPr>
-            <a:r>
-              <a:rPr lang="en-GB">
-                <a:cs typeface="Calibri" panose="020F0502020204030204"/>
-              </a:rPr>
-              <a:t>British library</a:t>
-            </a:r>
-          </a:p>
-          <a:p>
-            <a:pPr>
-              <a:buFont typeface="Arial" panose="05000000000000000000" pitchFamily="2" charset="2"/>
-              <a:buChar char="•"/>
-            </a:pPr>
-            <a:r>
-              <a:rPr lang="en-GB">
-                <a:ea typeface="+mn-lt"/>
-                <a:cs typeface="+mn-lt"/>
-              </a:rPr>
-              <a:t>Data.parliament.uk</a:t>
-            </a:r>
-          </a:p>
-          <a:p>
-            <a:pPr marL="0" indent="0">
-              <a:buNone/>
-            </a:pPr>
-            <a:endParaRPr lang="en-GB">
-              <a:ea typeface="+mn-lt"/>
-              <a:cs typeface="+mn-lt"/>
-            </a:endParaRPr>
-          </a:p>
-        </p:txBody>
-      </p:sp>
-      <p:sp>
-        <p:nvSpPr>
           <p:cNvPr id="4" name="Footer Placeholder 3">
             <a:extLst>
               <a:ext uri="{FF2B5EF4-FFF2-40B4-BE49-F238E27FC236}">
-                <a16:creationId xmlns:a16="http://schemas.microsoft.com/office/drawing/2014/main" id="{F5A22411-755A-492B-8711-2F177B145C3A}"/>
+                <a16:creationId xmlns:a16="http://schemas.microsoft.com/office/drawing/2014/main" id="{3E3A0FDD-EAA3-4622-B39F-84AECFB06358}"/>
               </a:ext>
             </a:extLst>
           </p:cNvPr>
@@ -11780,7 +11888,7 @@
           <p:cNvPr id="5" name="Slide Number Placeholder 4">
             <a:extLst>
               <a:ext uri="{FF2B5EF4-FFF2-40B4-BE49-F238E27FC236}">
-                <a16:creationId xmlns:a16="http://schemas.microsoft.com/office/drawing/2014/main" id="{F63AB675-1500-457D-8B35-933F318185D5}"/>
+                <a16:creationId xmlns:a16="http://schemas.microsoft.com/office/drawing/2014/main" id="{ED801D9F-E716-4E68-8068-DEF0E5A4C928}"/>
               </a:ext>
             </a:extLst>
           </p:cNvPr>
@@ -11804,12 +11912,515 @@
           </a:p>
         </p:txBody>
       </p:sp>
-      <p:sp>
-        <p:nvSpPr>
-          <p:cNvPr id="6" name="TextBox 5">
-            <a:extLst>
-              <a:ext uri="{FF2B5EF4-FFF2-40B4-BE49-F238E27FC236}">
-                <a16:creationId xmlns:a16="http://schemas.microsoft.com/office/drawing/2014/main" id="{E174DBDF-3637-4010-BEE3-AF61DD25BE10}"/>
+      <p:pic>
+        <p:nvPicPr>
+          <p:cNvPr id="8" name="Graphic 8" descr="Camera with solid fill">
+            <a:extLst>
+              <a:ext uri="{FF2B5EF4-FFF2-40B4-BE49-F238E27FC236}">
+                <a16:creationId xmlns:a16="http://schemas.microsoft.com/office/drawing/2014/main" id="{262713FE-EA05-43D3-8DDE-640BF15B8664}"/>
+              </a:ext>
+            </a:extLst>
+          </p:cNvPr>
+          <p:cNvPicPr>
+            <a:picLocks noChangeAspect="1"/>
+          </p:cNvPicPr>
+          <p:nvPr/>
+        </p:nvPicPr>
+        <p:blipFill>
+          <a:blip r:embed="rId2">
+            <a:extLst>
+              <a:ext uri="{96DAC541-7B7A-43D3-8B79-37D633B846F1}">
+                <asvg:svgBlip xmlns:asvg="http://schemas.microsoft.com/office/drawing/2016/SVG/main" r:embed="rId3"/>
+              </a:ext>
+            </a:extLst>
+          </a:blip>
+          <a:stretch>
+            <a:fillRect/>
+          </a:stretch>
+        </p:blipFill>
+        <p:spPr>
+          <a:xfrm>
+            <a:off x="10049164" y="4980709"/>
+            <a:ext cx="914400" cy="914400"/>
+          </a:xfrm>
+          <a:prstGeom prst="rect">
+            <a:avLst/>
+          </a:prstGeom>
+        </p:spPr>
+      </p:pic>
+      <p:pic>
+        <p:nvPicPr>
+          <p:cNvPr id="9" name="Graphic 9" descr="Check In with solid fill">
+            <a:extLst>
+              <a:ext uri="{FF2B5EF4-FFF2-40B4-BE49-F238E27FC236}">
+                <a16:creationId xmlns:a16="http://schemas.microsoft.com/office/drawing/2014/main" id="{204D2F3E-8156-497B-850B-0ED256406C8D}"/>
+              </a:ext>
+            </a:extLst>
+          </p:cNvPr>
+          <p:cNvPicPr>
+            <a:picLocks noChangeAspect="1"/>
+          </p:cNvPicPr>
+          <p:nvPr/>
+        </p:nvPicPr>
+        <p:blipFill>
+          <a:blip r:embed="rId4">
+            <a:extLst>
+              <a:ext uri="{96DAC541-7B7A-43D3-8B79-37D633B846F1}">
+                <asvg:svgBlip xmlns:asvg="http://schemas.microsoft.com/office/drawing/2016/SVG/main" r:embed="rId5"/>
+              </a:ext>
+            </a:extLst>
+          </a:blip>
+          <a:stretch>
+            <a:fillRect/>
+          </a:stretch>
+        </p:blipFill>
+        <p:spPr>
+          <a:xfrm>
+            <a:off x="1659948" y="1937038"/>
+            <a:ext cx="914400" cy="914400"/>
+          </a:xfrm>
+          <a:prstGeom prst="rect">
+            <a:avLst/>
+          </a:prstGeom>
+        </p:spPr>
+      </p:pic>
+      <p:pic>
+        <p:nvPicPr>
+          <p:cNvPr id="10" name="Graphic 10" descr="Computer with solid fill">
+            <a:extLst>
+              <a:ext uri="{FF2B5EF4-FFF2-40B4-BE49-F238E27FC236}">
+                <a16:creationId xmlns:a16="http://schemas.microsoft.com/office/drawing/2014/main" id="{66AF6097-4E6C-4615-846A-37FA00D9B7D2}"/>
+              </a:ext>
+            </a:extLst>
+          </p:cNvPr>
+          <p:cNvPicPr>
+            <a:picLocks noChangeAspect="1"/>
+          </p:cNvPicPr>
+          <p:nvPr/>
+        </p:nvPicPr>
+        <p:blipFill>
+          <a:blip r:embed="rId6">
+            <a:extLst>
+              <a:ext uri="{96DAC541-7B7A-43D3-8B79-37D633B846F1}">
+                <asvg:svgBlip xmlns:asvg="http://schemas.microsoft.com/office/drawing/2016/SVG/main" r:embed="rId7"/>
+              </a:ext>
+            </a:extLst>
+          </a:blip>
+          <a:stretch>
+            <a:fillRect/>
+          </a:stretch>
+        </p:blipFill>
+        <p:spPr>
+          <a:xfrm>
+            <a:off x="1398732" y="5116368"/>
+            <a:ext cx="914400" cy="914400"/>
+          </a:xfrm>
+          <a:prstGeom prst="rect">
+            <a:avLst/>
+          </a:prstGeom>
+        </p:spPr>
+      </p:pic>
+      <p:pic>
+        <p:nvPicPr>
+          <p:cNvPr id="11" name="Graphic 11" descr="Monster Truck with solid fill">
+            <a:extLst>
+              <a:ext uri="{FF2B5EF4-FFF2-40B4-BE49-F238E27FC236}">
+                <a16:creationId xmlns:a16="http://schemas.microsoft.com/office/drawing/2014/main" id="{9C3972F0-6258-424D-B897-555C0057E99D}"/>
+              </a:ext>
+            </a:extLst>
+          </p:cNvPr>
+          <p:cNvPicPr>
+            <a:picLocks noChangeAspect="1"/>
+          </p:cNvPicPr>
+          <p:nvPr/>
+        </p:nvPicPr>
+        <p:blipFill>
+          <a:blip r:embed="rId8">
+            <a:extLst>
+              <a:ext uri="{96DAC541-7B7A-43D3-8B79-37D633B846F1}">
+                <asvg:svgBlip xmlns:asvg="http://schemas.microsoft.com/office/drawing/2016/SVG/main" r:embed="rId9"/>
+              </a:ext>
+            </a:extLst>
+          </a:blip>
+          <a:stretch>
+            <a:fillRect/>
+          </a:stretch>
+        </p:blipFill>
+        <p:spPr>
+          <a:xfrm>
+            <a:off x="10459221" y="2813407"/>
+            <a:ext cx="914400" cy="914400"/>
+          </a:xfrm>
+          <a:prstGeom prst="rect">
+            <a:avLst/>
+          </a:prstGeom>
+        </p:spPr>
+      </p:pic>
+      <p:pic>
+        <p:nvPicPr>
+          <p:cNvPr id="7" name="Graphic 7" descr="Database outline">
+            <a:extLst>
+              <a:ext uri="{FF2B5EF4-FFF2-40B4-BE49-F238E27FC236}">
+                <a16:creationId xmlns:a16="http://schemas.microsoft.com/office/drawing/2014/main" id="{02875E4D-9D65-48A3-9AA7-D4A454922459}"/>
+              </a:ext>
+            </a:extLst>
+          </p:cNvPr>
+          <p:cNvPicPr>
+            <a:picLocks noGrp="1" noChangeAspect="1"/>
+          </p:cNvPicPr>
+          <p:nvPr>
+            <p:ph idx="1"/>
+          </p:nvPr>
+        </p:nvPicPr>
+        <p:blipFill>
+          <a:blip r:embed="rId10">
+            <a:extLst>
+              <a:ext uri="{96DAC541-7B7A-43D3-8B79-37D633B846F1}">
+                <asvg:svgBlip xmlns:asvg="http://schemas.microsoft.com/office/drawing/2016/SVG/main" r:embed="rId11"/>
+              </a:ext>
+            </a:extLst>
+          </a:blip>
+          <a:stretch>
+            <a:fillRect/>
+          </a:stretch>
+        </p:blipFill>
+        <p:spPr>
+          <a:xfrm>
+            <a:off x="5675582" y="3614016"/>
+            <a:ext cx="914400" cy="914400"/>
+          </a:xfrm>
+        </p:spPr>
+      </p:pic>
+      <p:pic>
+        <p:nvPicPr>
+          <p:cNvPr id="13" name="Graphic 13" descr="Sort with solid fill">
+            <a:extLst>
+              <a:ext uri="{FF2B5EF4-FFF2-40B4-BE49-F238E27FC236}">
+                <a16:creationId xmlns:a16="http://schemas.microsoft.com/office/drawing/2014/main" id="{22E7360A-F32F-4B64-9FA1-C83127538196}"/>
+              </a:ext>
+            </a:extLst>
+          </p:cNvPr>
+          <p:cNvPicPr>
+            <a:picLocks noChangeAspect="1"/>
+          </p:cNvPicPr>
+          <p:nvPr/>
+        </p:nvPicPr>
+        <p:blipFill>
+          <a:blip r:embed="rId12">
+            <a:extLst>
+              <a:ext uri="{96DAC541-7B7A-43D3-8B79-37D633B846F1}">
+                <asvg:svgBlip xmlns:asvg="http://schemas.microsoft.com/office/drawing/2016/SVG/main" r:embed="rId13"/>
+              </a:ext>
+            </a:extLst>
+          </a:blip>
+          <a:stretch>
+            <a:fillRect/>
+          </a:stretch>
+        </p:blipFill>
+        <p:spPr>
+          <a:xfrm rot="17520000">
+            <a:off x="3193728" y="1545949"/>
+            <a:ext cx="1041399" cy="2034308"/>
+          </a:xfrm>
+          <a:prstGeom prst="rect">
+            <a:avLst/>
+          </a:prstGeom>
+        </p:spPr>
+      </p:pic>
+      <p:pic>
+        <p:nvPicPr>
+          <p:cNvPr id="14" name="Graphic 13" descr="Sort with solid fill">
+            <a:extLst>
+              <a:ext uri="{FF2B5EF4-FFF2-40B4-BE49-F238E27FC236}">
+                <a16:creationId xmlns:a16="http://schemas.microsoft.com/office/drawing/2014/main" id="{0616A2E6-B432-4342-8711-3E91D1FE7590}"/>
+              </a:ext>
+            </a:extLst>
+          </p:cNvPr>
+          <p:cNvPicPr>
+            <a:picLocks noChangeAspect="1"/>
+          </p:cNvPicPr>
+          <p:nvPr/>
+        </p:nvPicPr>
+        <p:blipFill>
+          <a:blip r:embed="rId12">
+            <a:extLst>
+              <a:ext uri="{96DAC541-7B7A-43D3-8B79-37D633B846F1}">
+                <asvg:svgBlip xmlns:asvg="http://schemas.microsoft.com/office/drawing/2016/SVG/main" r:embed="rId13"/>
+              </a:ext>
+            </a:extLst>
+          </a:blip>
+          <a:stretch>
+            <a:fillRect/>
+          </a:stretch>
+        </p:blipFill>
+        <p:spPr>
+          <a:xfrm rot="14940000">
+            <a:off x="2929738" y="3763066"/>
+            <a:ext cx="1041399" cy="2034308"/>
+          </a:xfrm>
+          <a:prstGeom prst="rect">
+            <a:avLst/>
+          </a:prstGeom>
+        </p:spPr>
+      </p:pic>
+      <p:pic>
+        <p:nvPicPr>
+          <p:cNvPr id="15" name="Graphic 13" descr="Sort with solid fill">
+            <a:extLst>
+              <a:ext uri="{FF2B5EF4-FFF2-40B4-BE49-F238E27FC236}">
+                <a16:creationId xmlns:a16="http://schemas.microsoft.com/office/drawing/2014/main" id="{69838A44-2535-46BC-BE70-A78052BD166D}"/>
+              </a:ext>
+            </a:extLst>
+          </p:cNvPr>
+          <p:cNvPicPr>
+            <a:picLocks noChangeAspect="1"/>
+          </p:cNvPicPr>
+          <p:nvPr/>
+        </p:nvPicPr>
+        <p:blipFill>
+          <a:blip r:embed="rId12">
+            <a:extLst>
+              <a:ext uri="{96DAC541-7B7A-43D3-8B79-37D633B846F1}">
+                <asvg:svgBlip xmlns:asvg="http://schemas.microsoft.com/office/drawing/2016/SVG/main" r:embed="rId13"/>
+              </a:ext>
+            </a:extLst>
+          </a:blip>
+          <a:stretch>
+            <a:fillRect/>
+          </a:stretch>
+        </p:blipFill>
+        <p:spPr>
+          <a:xfrm rot="16200000">
+            <a:off x="8745404" y="2355557"/>
+            <a:ext cx="1041399" cy="2034308"/>
+          </a:xfrm>
+          <a:prstGeom prst="rect">
+            <a:avLst/>
+          </a:prstGeom>
+        </p:spPr>
+      </p:pic>
+      <p:pic>
+        <p:nvPicPr>
+          <p:cNvPr id="16" name="Graphic 13" descr="Sort with solid fill">
+            <a:extLst>
+              <a:ext uri="{FF2B5EF4-FFF2-40B4-BE49-F238E27FC236}">
+                <a16:creationId xmlns:a16="http://schemas.microsoft.com/office/drawing/2014/main" id="{EACBB44F-22C0-4351-8A32-24A934B93432}"/>
+              </a:ext>
+            </a:extLst>
+          </p:cNvPr>
+          <p:cNvPicPr>
+            <a:picLocks noChangeAspect="1"/>
+          </p:cNvPicPr>
+          <p:nvPr/>
+        </p:nvPicPr>
+        <p:blipFill>
+          <a:blip r:embed="rId12">
+            <a:extLst>
+              <a:ext uri="{96DAC541-7B7A-43D3-8B79-37D633B846F1}">
+                <asvg:svgBlip xmlns:asvg="http://schemas.microsoft.com/office/drawing/2016/SVG/main" r:embed="rId13"/>
+              </a:ext>
+            </a:extLst>
+          </a:blip>
+          <a:stretch>
+            <a:fillRect/>
+          </a:stretch>
+        </p:blipFill>
+        <p:spPr>
+          <a:xfrm rot="17520000">
+            <a:off x="8510474" y="3961284"/>
+            <a:ext cx="1041399" cy="2034308"/>
+          </a:xfrm>
+          <a:prstGeom prst="rect">
+            <a:avLst/>
+          </a:prstGeom>
+        </p:spPr>
+      </p:pic>
+      <p:pic>
+        <p:nvPicPr>
+          <p:cNvPr id="17" name="Graphic 17" descr="Marker with solid fill">
+            <a:extLst>
+              <a:ext uri="{FF2B5EF4-FFF2-40B4-BE49-F238E27FC236}">
+                <a16:creationId xmlns:a16="http://schemas.microsoft.com/office/drawing/2014/main" id="{871F9AFE-770D-48F0-8A5D-F6ED87BD80D0}"/>
+              </a:ext>
+            </a:extLst>
+          </p:cNvPr>
+          <p:cNvPicPr>
+            <a:picLocks noChangeAspect="1"/>
+          </p:cNvPicPr>
+          <p:nvPr/>
+        </p:nvPicPr>
+        <p:blipFill>
+          <a:blip r:embed="rId14">
+            <a:extLst>
+              <a:ext uri="{96DAC541-7B7A-43D3-8B79-37D633B846F1}">
+                <asvg:svgBlip xmlns:asvg="http://schemas.microsoft.com/office/drawing/2016/SVG/main" r:embed="rId15"/>
+              </a:ext>
+            </a:extLst>
+          </a:blip>
+          <a:stretch>
+            <a:fillRect/>
+          </a:stretch>
+        </p:blipFill>
+        <p:spPr>
+          <a:xfrm>
+            <a:off x="6620163" y="3329709"/>
+            <a:ext cx="914400" cy="914400"/>
+          </a:xfrm>
+          <a:prstGeom prst="rect">
+            <a:avLst/>
+          </a:prstGeom>
+        </p:spPr>
+      </p:pic>
+      <p:pic>
+        <p:nvPicPr>
+          <p:cNvPr id="18" name="Graphic 18" descr="Binary with solid fill">
+            <a:extLst>
+              <a:ext uri="{FF2B5EF4-FFF2-40B4-BE49-F238E27FC236}">
+                <a16:creationId xmlns:a16="http://schemas.microsoft.com/office/drawing/2014/main" id="{BCE0F281-06DE-42B1-991F-307BC3957E8B}"/>
+              </a:ext>
+            </a:extLst>
+          </p:cNvPr>
+          <p:cNvPicPr>
+            <a:picLocks noChangeAspect="1"/>
+          </p:cNvPicPr>
+          <p:nvPr/>
+        </p:nvPicPr>
+        <p:blipFill>
+          <a:blip r:embed="rId16">
+            <a:extLst>
+              <a:ext uri="{96DAC541-7B7A-43D3-8B79-37D633B846F1}">
+                <asvg:svgBlip xmlns:asvg="http://schemas.microsoft.com/office/drawing/2016/SVG/main" r:embed="rId17"/>
+              </a:ext>
+            </a:extLst>
+          </a:blip>
+          <a:stretch>
+            <a:fillRect/>
+          </a:stretch>
+        </p:blipFill>
+        <p:spPr>
+          <a:xfrm>
+            <a:off x="9753652" y="421811"/>
+            <a:ext cx="914400" cy="914400"/>
+          </a:xfrm>
+          <a:prstGeom prst="rect">
+            <a:avLst/>
+          </a:prstGeom>
+        </p:spPr>
+      </p:pic>
+      <p:pic>
+        <p:nvPicPr>
+          <p:cNvPr id="19" name="Graphic 19" descr="Cmd Terminal with solid fill">
+            <a:extLst>
+              <a:ext uri="{FF2B5EF4-FFF2-40B4-BE49-F238E27FC236}">
+                <a16:creationId xmlns:a16="http://schemas.microsoft.com/office/drawing/2014/main" id="{AAAD352D-06EB-4439-8E0F-B2DD3632D8DB}"/>
+              </a:ext>
+            </a:extLst>
+          </p:cNvPr>
+          <p:cNvPicPr>
+            <a:picLocks noChangeAspect="1"/>
+          </p:cNvPicPr>
+          <p:nvPr/>
+        </p:nvPicPr>
+        <p:blipFill>
+          <a:blip r:embed="rId18">
+            <a:extLst>
+              <a:ext uri="{96DAC541-7B7A-43D3-8B79-37D633B846F1}">
+                <asvg:svgBlip xmlns:asvg="http://schemas.microsoft.com/office/drawing/2016/SVG/main" r:embed="rId19"/>
+              </a:ext>
+            </a:extLst>
+          </a:blip>
+          <a:stretch>
+            <a:fillRect/>
+          </a:stretch>
+        </p:blipFill>
+        <p:spPr>
+          <a:xfrm>
+            <a:off x="8871835" y="405255"/>
+            <a:ext cx="914400" cy="914400"/>
+          </a:xfrm>
+          <a:prstGeom prst="rect">
+            <a:avLst/>
+          </a:prstGeom>
+        </p:spPr>
+      </p:pic>
+      <p:pic>
+        <p:nvPicPr>
+          <p:cNvPr id="20" name="Graphic 20" descr="Earth globe: Africa and Europe with solid fill">
+            <a:extLst>
+              <a:ext uri="{FF2B5EF4-FFF2-40B4-BE49-F238E27FC236}">
+                <a16:creationId xmlns:a16="http://schemas.microsoft.com/office/drawing/2014/main" id="{6D076678-4CF8-4021-BE0B-1139ACCBAF43}"/>
+              </a:ext>
+            </a:extLst>
+          </p:cNvPr>
+          <p:cNvPicPr>
+            <a:picLocks noChangeAspect="1"/>
+          </p:cNvPicPr>
+          <p:nvPr/>
+        </p:nvPicPr>
+        <p:blipFill>
+          <a:blip r:embed="rId20">
+            <a:extLst>
+              <a:ext uri="{96DAC541-7B7A-43D3-8B79-37D633B846F1}">
+                <asvg:svgBlip xmlns:asvg="http://schemas.microsoft.com/office/drawing/2016/SVG/main" r:embed="rId21"/>
+              </a:ext>
+            </a:extLst>
+          </a:blip>
+          <a:stretch>
+            <a:fillRect/>
+          </a:stretch>
+        </p:blipFill>
+        <p:spPr>
+          <a:xfrm>
+            <a:off x="5751368" y="2749549"/>
+            <a:ext cx="914400" cy="914400"/>
+          </a:xfrm>
+          <a:prstGeom prst="rect">
+            <a:avLst/>
+          </a:prstGeom>
+        </p:spPr>
+      </p:pic>
+      <p:pic>
+        <p:nvPicPr>
+          <p:cNvPr id="21" name="Graphic 13" descr="Sort with solid fill">
+            <a:extLst>
+              <a:ext uri="{FF2B5EF4-FFF2-40B4-BE49-F238E27FC236}">
+                <a16:creationId xmlns:a16="http://schemas.microsoft.com/office/drawing/2014/main" id="{775C6918-0FC9-403B-B0BC-6F14BDFBBB02}"/>
+              </a:ext>
+            </a:extLst>
+          </p:cNvPr>
+          <p:cNvPicPr>
+            <a:picLocks noChangeAspect="1"/>
+          </p:cNvPicPr>
+          <p:nvPr/>
+        </p:nvPicPr>
+        <p:blipFill>
+          <a:blip r:embed="rId12">
+            <a:extLst>
+              <a:ext uri="{96DAC541-7B7A-43D3-8B79-37D633B846F1}">
+                <asvg:svgBlip xmlns:asvg="http://schemas.microsoft.com/office/drawing/2016/SVG/main" r:embed="rId13"/>
+              </a:ext>
+            </a:extLst>
+          </a:blip>
+          <a:stretch>
+            <a:fillRect/>
+          </a:stretch>
+        </p:blipFill>
+        <p:spPr>
+          <a:xfrm rot="14760000">
+            <a:off x="8051898" y="891489"/>
+            <a:ext cx="1041399" cy="2034308"/>
+          </a:xfrm>
+          <a:prstGeom prst="rect">
+            <a:avLst/>
+          </a:prstGeom>
+        </p:spPr>
+      </p:pic>
+      <p:sp>
+        <p:nvSpPr>
+          <p:cNvPr id="3" name="TextBox 2">
+            <a:extLst>
+              <a:ext uri="{FF2B5EF4-FFF2-40B4-BE49-F238E27FC236}">
+                <a16:creationId xmlns:a16="http://schemas.microsoft.com/office/drawing/2014/main" id="{D2B559CB-EDA3-4091-B77D-A20473C996F6}"/>
               </a:ext>
             </a:extLst>
           </p:cNvPr>
@@ -11818,8 +12429,8 @@
         </p:nvSpPr>
         <p:spPr>
           <a:xfrm>
-            <a:off x="4387702" y="1791586"/>
-            <a:ext cx="2743200" cy="2092881"/>
+            <a:off x="5486400" y="5280915"/>
+            <a:ext cx="2743199" cy="461665"/>
           </a:xfrm>
           <a:prstGeom prst="rect">
             <a:avLst/>
@@ -11836,279 +12447,19 @@
           <a:lstStyle/>
           <a:p>
             <a:r>
-              <a:rPr lang="en-GB" sz="2800" u="sng">
-                <a:cs typeface="Calibri" panose="020F0502020204030204"/>
-              </a:rPr>
-              <a:t>Add data</a:t>
-            </a:r>
-          </a:p>
-          <a:p>
-            <a:pPr marL="285750" indent="-285750" algn="l">
-              <a:buFont typeface="Arial"/>
-              <a:buChar char="•"/>
-            </a:pPr>
-            <a:r>
-              <a:rPr lang="en-GB" sz="2800"/>
-              <a:t>Twitter</a:t>
-            </a:r>
-            <a:endParaRPr lang="en-US" sz="2800">
+              <a:rPr lang="en-GB" sz="2400"/>
+              <a:t>Google maps API</a:t>
+            </a:r>
+            <a:endParaRPr lang="en-US" sz="2400">
               <a:cs typeface="Calibri"/>
             </a:endParaRPr>
-          </a:p>
-          <a:p>
-            <a:pPr marL="285750" indent="-285750">
-              <a:buFont typeface="Arial"/>
-              <a:buChar char="•"/>
-            </a:pPr>
-            <a:r>
-              <a:rPr lang="en-GB" sz="2800">
-                <a:cs typeface="Calibri"/>
-              </a:rPr>
-              <a:t>Facebook</a:t>
-            </a:r>
-          </a:p>
-          <a:p>
-            <a:pPr marL="285750" indent="-285750">
-              <a:buFont typeface="Arial"/>
-              <a:buChar char="•"/>
-            </a:pPr>
-            <a:r>
-              <a:rPr lang="en-GB" sz="2800">
-                <a:cs typeface="Calibri"/>
-              </a:rPr>
-              <a:t>Instagram</a:t>
-            </a:r>
-          </a:p>
-          <a:p>
-            <a:endParaRPr lang="en-GB">
-              <a:cs typeface="Calibri"/>
-            </a:endParaRPr>
-          </a:p>
-        </p:txBody>
-      </p:sp>
-      <p:sp>
-        <p:nvSpPr>
-          <p:cNvPr id="7" name="TextBox 6">
-            <a:extLst>
-              <a:ext uri="{FF2B5EF4-FFF2-40B4-BE49-F238E27FC236}">
-                <a16:creationId xmlns:a16="http://schemas.microsoft.com/office/drawing/2014/main" id="{6FE6CAFD-3D5E-4685-8E66-AFCBA7F8E342}"/>
-              </a:ext>
-            </a:extLst>
-          </p:cNvPr>
-          <p:cNvSpPr txBox="1"/>
-          <p:nvPr/>
-        </p:nvSpPr>
-        <p:spPr>
-          <a:xfrm>
-            <a:off x="7411510" y="1653501"/>
-            <a:ext cx="4053155" cy="1661993"/>
-          </a:xfrm>
-          <a:prstGeom prst="rect">
-            <a:avLst/>
-          </a:prstGeom>
-          <a:noFill/>
-        </p:spPr>
-        <p:txBody>
-          <a:bodyPr rot="0" spcFirstLastPara="0" vertOverflow="overflow" horzOverflow="overflow" vert="horz" wrap="square" lIns="91440" tIns="45720" rIns="91440" bIns="45720" numCol="1" spcCol="0" rtlCol="0" fromWordArt="0" anchor="t" anchorCtr="0" forceAA="0" compatLnSpc="1">
-            <a:prstTxWarp prst="textNoShape">
-              <a:avLst/>
-            </a:prstTxWarp>
-            <a:spAutoFit/>
-          </a:bodyPr>
-          <a:lstStyle/>
-          <a:p>
-            <a:r>
-              <a:rPr lang="en-GB" sz="2800" u="sng">
-                <a:cs typeface="Calibri" panose="020F0502020204030204"/>
-              </a:rPr>
-              <a:t>Manage services</a:t>
-            </a:r>
-          </a:p>
-          <a:p>
-            <a:pPr marL="285750" indent="-285750">
-              <a:buFont typeface="Arial"/>
-              <a:buChar char="•"/>
-            </a:pPr>
-            <a:r>
-              <a:rPr lang="en-GB" sz="2800"/>
-              <a:t>Amazon Web Services</a:t>
-            </a:r>
-            <a:endParaRPr lang="en-US" sz="2800">
-              <a:cs typeface="Calibri"/>
-            </a:endParaRPr>
-          </a:p>
-          <a:p>
-            <a:pPr marL="285750" indent="-285750">
-              <a:buFont typeface="Arial"/>
-              <a:buChar char="•"/>
-            </a:pPr>
-            <a:r>
-              <a:rPr lang="en-GB" sz="2800">
-                <a:cs typeface="Calibri"/>
-              </a:rPr>
-              <a:t>Microsoft Azure</a:t>
-            </a:r>
-          </a:p>
-          <a:p>
-            <a:endParaRPr lang="en-GB">
-              <a:cs typeface="Calibri"/>
-            </a:endParaRPr>
-          </a:p>
-        </p:txBody>
-      </p:sp>
-      <p:sp>
-        <p:nvSpPr>
-          <p:cNvPr id="8" name="TextBox 7">
-            <a:extLst>
-              <a:ext uri="{FF2B5EF4-FFF2-40B4-BE49-F238E27FC236}">
-                <a16:creationId xmlns:a16="http://schemas.microsoft.com/office/drawing/2014/main" id="{C7708656-3723-48A1-8352-82C8186EE529}"/>
-              </a:ext>
-            </a:extLst>
-          </p:cNvPr>
-          <p:cNvSpPr txBox="1"/>
-          <p:nvPr/>
-        </p:nvSpPr>
-        <p:spPr>
-          <a:xfrm>
-            <a:off x="4310646" y="4150262"/>
-            <a:ext cx="3248346" cy="1661993"/>
-          </a:xfrm>
-          <a:prstGeom prst="rect">
-            <a:avLst/>
-          </a:prstGeom>
-          <a:noFill/>
-        </p:spPr>
-        <p:txBody>
-          <a:bodyPr rot="0" spcFirstLastPara="0" vertOverflow="overflow" horzOverflow="overflow" vert="horz" wrap="square" lIns="91440" tIns="45720" rIns="91440" bIns="45720" numCol="1" spcCol="0" rtlCol="0" fromWordArt="0" anchor="t" anchorCtr="0" forceAA="0" compatLnSpc="1">
-            <a:prstTxWarp prst="textNoShape">
-              <a:avLst/>
-            </a:prstTxWarp>
-            <a:spAutoFit/>
-          </a:bodyPr>
-          <a:lstStyle/>
-          <a:p>
-            <a:r>
-              <a:rPr lang="en-GB" sz="2800" u="sng">
-                <a:cs typeface="Calibri"/>
-              </a:rPr>
-              <a:t>Book appointments</a:t>
-            </a:r>
-          </a:p>
-          <a:p>
-            <a:pPr marL="285750" indent="-285750">
-              <a:buFont typeface="Arial"/>
-              <a:buChar char="•"/>
-            </a:pPr>
-            <a:r>
-              <a:rPr lang="en-GB" sz="2800">
-                <a:cs typeface="Calibri"/>
-              </a:rPr>
-              <a:t>GP systems</a:t>
-            </a:r>
-          </a:p>
-          <a:p>
-            <a:pPr marL="285750" indent="-285750">
-              <a:buFont typeface="Arial"/>
-              <a:buChar char="•"/>
-            </a:pPr>
-            <a:r>
-              <a:rPr lang="en-GB" sz="2800">
-                <a:cs typeface="Calibri"/>
-              </a:rPr>
-              <a:t>Restaurants</a:t>
-            </a:r>
-          </a:p>
-          <a:p>
-            <a:pPr marL="285750" indent="-285750">
-              <a:buFont typeface="Arial"/>
-              <a:buChar char="•"/>
-            </a:pPr>
-            <a:endParaRPr lang="en-GB">
-              <a:cs typeface="Calibri"/>
-            </a:endParaRPr>
-          </a:p>
-        </p:txBody>
-      </p:sp>
-      <p:sp>
-        <p:nvSpPr>
-          <p:cNvPr id="9" name="TextBox 8">
-            <a:extLst>
-              <a:ext uri="{FF2B5EF4-FFF2-40B4-BE49-F238E27FC236}">
-                <a16:creationId xmlns:a16="http://schemas.microsoft.com/office/drawing/2014/main" id="{B31763F6-2538-4CCD-AB49-554B78716CDC}"/>
-              </a:ext>
-            </a:extLst>
-          </p:cNvPr>
-          <p:cNvSpPr txBox="1"/>
-          <p:nvPr/>
-        </p:nvSpPr>
-        <p:spPr>
-          <a:xfrm>
-            <a:off x="7816118" y="3892724"/>
-            <a:ext cx="3582256" cy="1815882"/>
-          </a:xfrm>
-          <a:prstGeom prst="rect">
-            <a:avLst/>
-          </a:prstGeom>
-          <a:noFill/>
-        </p:spPr>
-        <p:txBody>
-          <a:bodyPr rot="0" spcFirstLastPara="0" vertOverflow="overflow" horzOverflow="overflow" vert="horz" wrap="square" lIns="91440" tIns="45720" rIns="91440" bIns="45720" numCol="1" spcCol="0" rtlCol="0" fromWordArt="0" anchor="t" anchorCtr="0" forceAA="0" compatLnSpc="1">
-            <a:prstTxWarp prst="textNoShape">
-              <a:avLst/>
-            </a:prstTxWarp>
-            <a:spAutoFit/>
-          </a:bodyPr>
-          <a:lstStyle/>
-          <a:p>
-            <a:r>
-              <a:rPr lang="en-GB" sz="2800" u="sng">
-                <a:cs typeface="Calibri"/>
-              </a:rPr>
-              <a:t>Real world interaction</a:t>
-            </a:r>
-          </a:p>
-          <a:p>
-            <a:pPr marL="285750" indent="-285750">
-              <a:buFont typeface="Arial"/>
-              <a:buChar char="•"/>
-            </a:pPr>
-            <a:r>
-              <a:rPr lang="en-GB" sz="2800">
-                <a:cs typeface="Calibri"/>
-              </a:rPr>
-              <a:t>Google Nest</a:t>
-            </a:r>
-          </a:p>
-          <a:p>
-            <a:pPr marL="285750" indent="-285750">
-              <a:buFont typeface="Arial"/>
-              <a:buChar char="•"/>
-            </a:pPr>
-            <a:r>
-              <a:rPr lang="en-GB" sz="2800">
-                <a:cs typeface="Calibri"/>
-              </a:rPr>
-              <a:t>Dishwasher</a:t>
-            </a:r>
-          </a:p>
-          <a:p>
-            <a:pPr marL="285750" indent="-285750">
-              <a:buFont typeface="Arial"/>
-              <a:buChar char="•"/>
-            </a:pPr>
-            <a:r>
-              <a:rPr lang="en-GB" sz="2800">
-                <a:cs typeface="Calibri"/>
-              </a:rPr>
-              <a:t>Burglar alarm</a:t>
-            </a:r>
           </a:p>
         </p:txBody>
       </p:sp>
     </p:spTree>
     <p:extLst>
       <p:ext uri="{BB962C8B-B14F-4D97-AF65-F5344CB8AC3E}">
-        <p14:creationId xmlns:p14="http://schemas.microsoft.com/office/powerpoint/2010/main" val="405944192"/>
+        <p14:creationId xmlns:p14="http://schemas.microsoft.com/office/powerpoint/2010/main" val="3869276182"/>
       </p:ext>
     </p:extLst>
   </p:cSld>
@@ -12140,7 +12491,7 @@
           <p:cNvPr id="2" name="Title 1">
             <a:extLst>
               <a:ext uri="{FF2B5EF4-FFF2-40B4-BE49-F238E27FC236}">
-                <a16:creationId xmlns:a16="http://schemas.microsoft.com/office/drawing/2014/main" id="{ECAF0497-C42C-4415-BAAB-9A426CB4FC91}"/>
+                <a16:creationId xmlns:a16="http://schemas.microsoft.com/office/drawing/2014/main" id="{9BC0D1AD-A40B-4473-B3F5-3E5000813A1F}"/>
               </a:ext>
             </a:extLst>
           </p:cNvPr>
@@ -12160,7 +12511,7 @@
               <a:rPr lang="en-GB">
                 <a:cs typeface="Calibri"/>
               </a:rPr>
-              <a:t>Health data APIs</a:t>
+              <a:t>Example APIs</a:t>
             </a:r>
             <a:endParaRPr lang="en-GB"/>
           </a:p>
@@ -12171,7 +12522,7 @@
           <p:cNvPr id="3" name="Content Placeholder 2">
             <a:extLst>
               <a:ext uri="{FF2B5EF4-FFF2-40B4-BE49-F238E27FC236}">
-                <a16:creationId xmlns:a16="http://schemas.microsoft.com/office/drawing/2014/main" id="{E58566D9-DE21-4E02-AD7E-AB0F1FFC0753}"/>
+                <a16:creationId xmlns:a16="http://schemas.microsoft.com/office/drawing/2014/main" id="{BF880B2B-75D8-44DA-B0C1-5E90C95D264B}"/>
               </a:ext>
             </a:extLst>
           </p:cNvPr>
@@ -12182,28 +12533,41 @@
             <p:ph idx="1"/>
           </p:nvPr>
         </p:nvSpPr>
-        <p:spPr/>
+        <p:spPr>
+          <a:xfrm>
+            <a:off x="631373" y="1825625"/>
+            <a:ext cx="3255841" cy="4351338"/>
+          </a:xfrm>
+        </p:spPr>
         <p:txBody>
           <a:bodyPr vert="horz" lIns="91440" tIns="45720" rIns="91440" bIns="45720" rtlCol="0" anchor="t">
             <a:normAutofit/>
           </a:bodyPr>
           <a:lstStyle/>
+          <a:p>
+            <a:pPr marL="0" indent="0">
+              <a:buNone/>
+            </a:pPr>
+            <a:r>
+              <a:rPr lang="en-GB" u="sng">
+                <a:solidFill>
+                  <a:srgbClr val="000000"/>
+                </a:solidFill>
+                <a:cs typeface="Calibri" panose="020F0502020204030204"/>
+              </a:rPr>
+              <a:t>Get data</a:t>
+            </a:r>
+          </a:p>
           <a:p>
             <a:pPr>
               <a:buFont typeface="Arial" panose="05000000000000000000" pitchFamily="2" charset="2"/>
               <a:buChar char="•"/>
             </a:pPr>
             <a:r>
-              <a:rPr lang="en-GB" dirty="0" err="1">
+              <a:rPr lang="en-GB">
                 <a:cs typeface="Calibri" panose="020F0502020204030204"/>
               </a:rPr>
-              <a:t>Bioportal</a:t>
-            </a:r>
-            <a:r>
-              <a:rPr lang="en-GB" dirty="0">
-                <a:cs typeface="Calibri" panose="020F0502020204030204"/>
-              </a:rPr>
-              <a:t> -&gt; Look up ontologies etc.</a:t>
+              <a:t>Google maps</a:t>
             </a:r>
           </a:p>
           <a:p>
@@ -12212,11 +12576,14 @@
               <a:buChar char="•"/>
             </a:pPr>
             <a:r>
-              <a:rPr lang="en-GB" dirty="0">
+              <a:rPr lang="en-GB" err="1">
                 <a:cs typeface="Calibri" panose="020F0502020204030204"/>
               </a:rPr>
-              <a:t>Gov health stats </a:t>
-            </a:r>
+              <a:t>Wikidata</a:t>
+            </a:r>
+            <a:endParaRPr lang="en-GB">
+              <a:cs typeface="Calibri" panose="020F0502020204030204"/>
+            </a:endParaRPr>
           </a:p>
           <a:p>
             <a:pPr>
@@ -12224,11 +12591,12 @@
               <a:buChar char="•"/>
             </a:pPr>
             <a:r>
-              <a:rPr lang="en-GB" dirty="0">
+              <a:rPr lang="en-GB">
                 <a:cs typeface="Calibri" panose="020F0502020204030204"/>
               </a:rPr>
-              <a:t>NHS Digital -&gt; Loads of APIs to find/get/add data</a:t>
-            </a:r>
+              <a:t>Fitbit</a:t>
+            </a:r>
+            <a:endParaRPr lang="en-GB"/>
           </a:p>
           <a:p>
             <a:pPr>
@@ -12236,10 +12604,10 @@
               <a:buChar char="•"/>
             </a:pPr>
             <a:r>
-              <a:rPr lang="en-GB" dirty="0">
+              <a:rPr lang="en-GB">
                 <a:cs typeface="Calibri" panose="020F0502020204030204"/>
               </a:rPr>
-              <a:t>Air quality.</a:t>
+              <a:t>British library</a:t>
             </a:r>
           </a:p>
           <a:p>
@@ -12248,91 +12616,22 @@
               <a:buChar char="•"/>
             </a:pPr>
             <a:r>
-              <a:rPr lang="en-GB" dirty="0">
+              <a:rPr lang="en-GB">
                 <a:ea typeface="+mn-lt"/>
                 <a:cs typeface="+mn-lt"/>
-                <a:hlinkClick r:id="rId2"/>
-              </a:rPr>
-              <a:t>UK government API catalogue</a:t>
-            </a:r>
-            <a:endParaRPr lang="en-GB" dirty="0">
-              <a:cs typeface="Calibri" panose="020F0502020204030204"/>
-            </a:endParaRPr>
-          </a:p>
-          <a:p>
-            <a:pPr>
-              <a:buFont typeface="Arial" panose="05000000000000000000" pitchFamily="2" charset="2"/>
-              <a:buChar char="•"/>
+              </a:rPr>
+              <a:t>Data.parliament.uk</a:t>
+            </a:r>
+          </a:p>
+          <a:p>
+            <a:pPr marL="0" indent="0">
+              <a:buNone/>
             </a:pPr>
-            <a:r>
-              <a:rPr lang="en-GB" dirty="0">
-                <a:ea typeface="+mn-lt"/>
-                <a:cs typeface="+mn-lt"/>
-                <a:hlinkClick r:id="rId3"/>
-              </a:rPr>
-              <a:t>Urban Observatory</a:t>
-            </a:r>
-            <a:endParaRPr lang="en-GB" dirty="0">
+            <a:endParaRPr lang="en-GB">
               <a:ea typeface="+mn-lt"/>
               <a:cs typeface="+mn-lt"/>
             </a:endParaRPr>
           </a:p>
-          <a:p>
-            <a:pPr>
-              <a:buFont typeface="Arial" panose="05000000000000000000" pitchFamily="2" charset="2"/>
-              <a:buChar char="•"/>
-            </a:pPr>
-            <a:r>
-              <a:rPr lang="en-GB" dirty="0">
-                <a:ea typeface="+mn-lt"/>
-                <a:cs typeface="+mn-lt"/>
-                <a:hlinkClick r:id="rId4"/>
-              </a:rPr>
-              <a:t>https://data.police.uk/docs/</a:t>
-            </a:r>
-            <a:endParaRPr lang="en-GB" dirty="0">
-              <a:cs typeface="Calibri" panose="020F0502020204030204"/>
-            </a:endParaRPr>
-          </a:p>
-          <a:p>
-            <a:pPr>
-              <a:buFont typeface="Arial" panose="05000000000000000000" pitchFamily="2" charset="2"/>
-              <a:buChar char="•"/>
-            </a:pPr>
-            <a:r>
-              <a:rPr lang="en-GB" dirty="0">
-                <a:cs typeface="Calibri" panose="020F0502020204030204"/>
-              </a:rPr>
-              <a:t>Care Quality Commission -&gt; locations of care homes</a:t>
-            </a:r>
-          </a:p>
-          <a:p>
-            <a:pPr>
-              <a:buFont typeface="Arial" panose="05000000000000000000" pitchFamily="2" charset="2"/>
-              <a:buChar char="•"/>
-            </a:pPr>
-            <a:endParaRPr lang="en-GB">
-              <a:cs typeface="Calibri" panose="020F0502020204030204"/>
-            </a:endParaRPr>
-          </a:p>
-          <a:p>
-            <a:pPr>
-              <a:buFont typeface="Arial" panose="05000000000000000000" pitchFamily="2" charset="2"/>
-              <a:buChar char="•"/>
-            </a:pPr>
-            <a:endParaRPr lang="en-GB">
-              <a:cs typeface="Calibri" panose="020F0502020204030204"/>
-            </a:endParaRPr>
-          </a:p>
-          <a:p>
-            <a:pPr>
-              <a:buFont typeface="Arial" panose="05000000000000000000" pitchFamily="2" charset="2"/>
-              <a:buChar char="•"/>
-            </a:pPr>
-            <a:endParaRPr lang="en-GB">
-              <a:cs typeface="Calibri" panose="020F0502020204030204"/>
-            </a:endParaRPr>
-          </a:p>
         </p:txBody>
       </p:sp>
       <p:sp>
@@ -12340,7 +12639,7 @@
           <p:cNvPr id="4" name="Footer Placeholder 3">
             <a:extLst>
               <a:ext uri="{FF2B5EF4-FFF2-40B4-BE49-F238E27FC236}">
-                <a16:creationId xmlns:a16="http://schemas.microsoft.com/office/drawing/2014/main" id="{520D950C-FD30-463D-AFA4-96B8408E7B9D}"/>
+                <a16:creationId xmlns:a16="http://schemas.microsoft.com/office/drawing/2014/main" id="{F5A22411-755A-492B-8711-2F177B145C3A}"/>
               </a:ext>
             </a:extLst>
           </p:cNvPr>
@@ -12368,7 +12667,7 @@
           <p:cNvPr id="5" name="Slide Number Placeholder 4">
             <a:extLst>
               <a:ext uri="{FF2B5EF4-FFF2-40B4-BE49-F238E27FC236}">
-                <a16:creationId xmlns:a16="http://schemas.microsoft.com/office/drawing/2014/main" id="{8240CAF6-D2F2-464C-A2B7-6C1E69C34EA7}"/>
+                <a16:creationId xmlns:a16="http://schemas.microsoft.com/office/drawing/2014/main" id="{F63AB675-1500-457D-8B35-933F318185D5}"/>
               </a:ext>
             </a:extLst>
           </p:cNvPr>
@@ -12392,10 +12691,311 @@
           </a:p>
         </p:txBody>
       </p:sp>
+      <p:sp>
+        <p:nvSpPr>
+          <p:cNvPr id="6" name="TextBox 5">
+            <a:extLst>
+              <a:ext uri="{FF2B5EF4-FFF2-40B4-BE49-F238E27FC236}">
+                <a16:creationId xmlns:a16="http://schemas.microsoft.com/office/drawing/2014/main" id="{E174DBDF-3637-4010-BEE3-AF61DD25BE10}"/>
+              </a:ext>
+            </a:extLst>
+          </p:cNvPr>
+          <p:cNvSpPr txBox="1"/>
+          <p:nvPr/>
+        </p:nvSpPr>
+        <p:spPr>
+          <a:xfrm>
+            <a:off x="4387702" y="1791586"/>
+            <a:ext cx="2743200" cy="2092881"/>
+          </a:xfrm>
+          <a:prstGeom prst="rect">
+            <a:avLst/>
+          </a:prstGeom>
+          <a:noFill/>
+        </p:spPr>
+        <p:txBody>
+          <a:bodyPr rot="0" spcFirstLastPara="0" vertOverflow="overflow" horzOverflow="overflow" vert="horz" wrap="square" lIns="91440" tIns="45720" rIns="91440" bIns="45720" numCol="1" spcCol="0" rtlCol="0" fromWordArt="0" anchor="t" anchorCtr="0" forceAA="0" compatLnSpc="1">
+            <a:prstTxWarp prst="textNoShape">
+              <a:avLst/>
+            </a:prstTxWarp>
+            <a:spAutoFit/>
+          </a:bodyPr>
+          <a:lstStyle/>
+          <a:p>
+            <a:r>
+              <a:rPr lang="en-GB" sz="2800" u="sng">
+                <a:cs typeface="Calibri" panose="020F0502020204030204"/>
+              </a:rPr>
+              <a:t>Add data</a:t>
+            </a:r>
+          </a:p>
+          <a:p>
+            <a:pPr marL="285750" indent="-285750" algn="l">
+              <a:buFont typeface="Arial"/>
+              <a:buChar char="•"/>
+            </a:pPr>
+            <a:r>
+              <a:rPr lang="en-GB" sz="2800"/>
+              <a:t>Twitter</a:t>
+            </a:r>
+            <a:endParaRPr lang="en-US" sz="2800">
+              <a:cs typeface="Calibri"/>
+            </a:endParaRPr>
+          </a:p>
+          <a:p>
+            <a:pPr marL="285750" indent="-285750">
+              <a:buFont typeface="Arial"/>
+              <a:buChar char="•"/>
+            </a:pPr>
+            <a:r>
+              <a:rPr lang="en-GB" sz="2800">
+                <a:cs typeface="Calibri"/>
+              </a:rPr>
+              <a:t>Facebook</a:t>
+            </a:r>
+          </a:p>
+          <a:p>
+            <a:pPr marL="285750" indent="-285750">
+              <a:buFont typeface="Arial"/>
+              <a:buChar char="•"/>
+            </a:pPr>
+            <a:r>
+              <a:rPr lang="en-GB" sz="2800">
+                <a:cs typeface="Calibri"/>
+              </a:rPr>
+              <a:t>Instagram</a:t>
+            </a:r>
+          </a:p>
+          <a:p>
+            <a:endParaRPr lang="en-GB">
+              <a:cs typeface="Calibri"/>
+            </a:endParaRPr>
+          </a:p>
+        </p:txBody>
+      </p:sp>
+      <p:sp>
+        <p:nvSpPr>
+          <p:cNvPr id="7" name="TextBox 6">
+            <a:extLst>
+              <a:ext uri="{FF2B5EF4-FFF2-40B4-BE49-F238E27FC236}">
+                <a16:creationId xmlns:a16="http://schemas.microsoft.com/office/drawing/2014/main" id="{6FE6CAFD-3D5E-4685-8E66-AFCBA7F8E342}"/>
+              </a:ext>
+            </a:extLst>
+          </p:cNvPr>
+          <p:cNvSpPr txBox="1"/>
+          <p:nvPr/>
+        </p:nvSpPr>
+        <p:spPr>
+          <a:xfrm>
+            <a:off x="7411510" y="1653501"/>
+            <a:ext cx="4053155" cy="1661993"/>
+          </a:xfrm>
+          <a:prstGeom prst="rect">
+            <a:avLst/>
+          </a:prstGeom>
+          <a:noFill/>
+        </p:spPr>
+        <p:txBody>
+          <a:bodyPr rot="0" spcFirstLastPara="0" vertOverflow="overflow" horzOverflow="overflow" vert="horz" wrap="square" lIns="91440" tIns="45720" rIns="91440" bIns="45720" numCol="1" spcCol="0" rtlCol="0" fromWordArt="0" anchor="t" anchorCtr="0" forceAA="0" compatLnSpc="1">
+            <a:prstTxWarp prst="textNoShape">
+              <a:avLst/>
+            </a:prstTxWarp>
+            <a:spAutoFit/>
+          </a:bodyPr>
+          <a:lstStyle/>
+          <a:p>
+            <a:r>
+              <a:rPr lang="en-GB" sz="2800" u="sng">
+                <a:cs typeface="Calibri" panose="020F0502020204030204"/>
+              </a:rPr>
+              <a:t>Manage services</a:t>
+            </a:r>
+          </a:p>
+          <a:p>
+            <a:pPr marL="285750" indent="-285750">
+              <a:buFont typeface="Arial"/>
+              <a:buChar char="•"/>
+            </a:pPr>
+            <a:r>
+              <a:rPr lang="en-GB" sz="2800"/>
+              <a:t>Amazon Web Services</a:t>
+            </a:r>
+            <a:endParaRPr lang="en-US" sz="2800">
+              <a:cs typeface="Calibri"/>
+            </a:endParaRPr>
+          </a:p>
+          <a:p>
+            <a:pPr marL="285750" indent="-285750">
+              <a:buFont typeface="Arial"/>
+              <a:buChar char="•"/>
+            </a:pPr>
+            <a:r>
+              <a:rPr lang="en-GB" sz="2800">
+                <a:cs typeface="Calibri"/>
+              </a:rPr>
+              <a:t>Microsoft Azure</a:t>
+            </a:r>
+          </a:p>
+          <a:p>
+            <a:endParaRPr lang="en-GB">
+              <a:cs typeface="Calibri"/>
+            </a:endParaRPr>
+          </a:p>
+        </p:txBody>
+      </p:sp>
+      <p:sp>
+        <p:nvSpPr>
+          <p:cNvPr id="8" name="TextBox 7">
+            <a:extLst>
+              <a:ext uri="{FF2B5EF4-FFF2-40B4-BE49-F238E27FC236}">
+                <a16:creationId xmlns:a16="http://schemas.microsoft.com/office/drawing/2014/main" id="{C7708656-3723-48A1-8352-82C8186EE529}"/>
+              </a:ext>
+            </a:extLst>
+          </p:cNvPr>
+          <p:cNvSpPr txBox="1"/>
+          <p:nvPr/>
+        </p:nvSpPr>
+        <p:spPr>
+          <a:xfrm>
+            <a:off x="4310646" y="4150262"/>
+            <a:ext cx="3248346" cy="1661993"/>
+          </a:xfrm>
+          <a:prstGeom prst="rect">
+            <a:avLst/>
+          </a:prstGeom>
+          <a:noFill/>
+        </p:spPr>
+        <p:txBody>
+          <a:bodyPr rot="0" spcFirstLastPara="0" vertOverflow="overflow" horzOverflow="overflow" vert="horz" wrap="square" lIns="91440" tIns="45720" rIns="91440" bIns="45720" numCol="1" spcCol="0" rtlCol="0" fromWordArt="0" anchor="t" anchorCtr="0" forceAA="0" compatLnSpc="1">
+            <a:prstTxWarp prst="textNoShape">
+              <a:avLst/>
+            </a:prstTxWarp>
+            <a:spAutoFit/>
+          </a:bodyPr>
+          <a:lstStyle/>
+          <a:p>
+            <a:r>
+              <a:rPr lang="en-GB" sz="2800" u="sng">
+                <a:cs typeface="Calibri"/>
+              </a:rPr>
+              <a:t>Book appointments</a:t>
+            </a:r>
+          </a:p>
+          <a:p>
+            <a:pPr marL="285750" indent="-285750">
+              <a:buFont typeface="Arial"/>
+              <a:buChar char="•"/>
+            </a:pPr>
+            <a:r>
+              <a:rPr lang="en-GB" sz="2800">
+                <a:cs typeface="Calibri"/>
+              </a:rPr>
+              <a:t>GP systems</a:t>
+            </a:r>
+          </a:p>
+          <a:p>
+            <a:pPr marL="285750" indent="-285750">
+              <a:buFont typeface="Arial"/>
+              <a:buChar char="•"/>
+            </a:pPr>
+            <a:r>
+              <a:rPr lang="en-GB" sz="2800">
+                <a:cs typeface="Calibri"/>
+              </a:rPr>
+              <a:t>Restaurants</a:t>
+            </a:r>
+          </a:p>
+          <a:p>
+            <a:pPr marL="285750" indent="-285750">
+              <a:buFont typeface="Arial"/>
+              <a:buChar char="•"/>
+            </a:pPr>
+            <a:endParaRPr lang="en-GB">
+              <a:cs typeface="Calibri"/>
+            </a:endParaRPr>
+          </a:p>
+        </p:txBody>
+      </p:sp>
+      <p:sp>
+        <p:nvSpPr>
+          <p:cNvPr id="9" name="TextBox 8">
+            <a:extLst>
+              <a:ext uri="{FF2B5EF4-FFF2-40B4-BE49-F238E27FC236}">
+                <a16:creationId xmlns:a16="http://schemas.microsoft.com/office/drawing/2014/main" id="{B31763F6-2538-4CCD-AB49-554B78716CDC}"/>
+              </a:ext>
+            </a:extLst>
+          </p:cNvPr>
+          <p:cNvSpPr txBox="1"/>
+          <p:nvPr/>
+        </p:nvSpPr>
+        <p:spPr>
+          <a:xfrm>
+            <a:off x="7816118" y="3892724"/>
+            <a:ext cx="3582256" cy="1815882"/>
+          </a:xfrm>
+          <a:prstGeom prst="rect">
+            <a:avLst/>
+          </a:prstGeom>
+          <a:noFill/>
+        </p:spPr>
+        <p:txBody>
+          <a:bodyPr rot="0" spcFirstLastPara="0" vertOverflow="overflow" horzOverflow="overflow" vert="horz" wrap="square" lIns="91440" tIns="45720" rIns="91440" bIns="45720" numCol="1" spcCol="0" rtlCol="0" fromWordArt="0" anchor="t" anchorCtr="0" forceAA="0" compatLnSpc="1">
+            <a:prstTxWarp prst="textNoShape">
+              <a:avLst/>
+            </a:prstTxWarp>
+            <a:spAutoFit/>
+          </a:bodyPr>
+          <a:lstStyle/>
+          <a:p>
+            <a:r>
+              <a:rPr lang="en-GB" sz="2800" u="sng">
+                <a:cs typeface="Calibri"/>
+              </a:rPr>
+              <a:t>Real world interaction</a:t>
+            </a:r>
+          </a:p>
+          <a:p>
+            <a:pPr marL="285750" indent="-285750">
+              <a:buFont typeface="Arial"/>
+              <a:buChar char="•"/>
+            </a:pPr>
+            <a:r>
+              <a:rPr lang="en-GB" sz="2800">
+                <a:cs typeface="Calibri"/>
+              </a:rPr>
+              <a:t>Google Nest</a:t>
+            </a:r>
+          </a:p>
+          <a:p>
+            <a:pPr marL="285750" indent="-285750">
+              <a:buFont typeface="Arial"/>
+              <a:buChar char="•"/>
+            </a:pPr>
+            <a:r>
+              <a:rPr lang="en-GB" sz="2800">
+                <a:cs typeface="Calibri"/>
+              </a:rPr>
+              <a:t>Dishwasher</a:t>
+            </a:r>
+          </a:p>
+          <a:p>
+            <a:pPr marL="285750" indent="-285750">
+              <a:buFont typeface="Arial"/>
+              <a:buChar char="•"/>
+            </a:pPr>
+            <a:r>
+              <a:rPr lang="en-GB" sz="2800">
+                <a:cs typeface="Calibri"/>
+              </a:rPr>
+              <a:t>Burglar alarm</a:t>
+            </a:r>
+          </a:p>
+        </p:txBody>
+      </p:sp>
     </p:spTree>
     <p:extLst>
       <p:ext uri="{BB962C8B-B14F-4D97-AF65-F5344CB8AC3E}">
-        <p14:creationId xmlns:p14="http://schemas.microsoft.com/office/powerpoint/2010/main" val="2839870366"/>
+        <p14:creationId xmlns:p14="http://schemas.microsoft.com/office/powerpoint/2010/main" val="405944192"/>
       </p:ext>
     </p:extLst>
   </p:cSld>
